--- a/Electron.pptx
+++ b/Electron.pptx
@@ -216,7 +216,7 @@
           <a:p>
             <a:fld id="{4DFE1E0F-527B-46D2-A85B-AFD01049E65E}" type="datetimeFigureOut">
               <a:rPr lang="en-US" smtClean="0"/>
-              <a:t>11/24/2024</a:t>
+              <a:t>11/28/2024</a:t>
             </a:fld>
             <a:endParaRPr lang="en-US"/>
           </a:p>
@@ -1330,7 +1330,7 @@
           <a:p>
             <a:fld id="{0D8770DD-670C-4CD8-B15B-2899C8AD4439}" type="datetimeFigureOut">
               <a:rPr lang="en-US" smtClean="0"/>
-              <a:t>11/24/2024</a:t>
+              <a:t>11/28/2024</a:t>
             </a:fld>
             <a:endParaRPr lang="en-US"/>
           </a:p>
@@ -1500,7 +1500,7 @@
           <a:p>
             <a:fld id="{0D8770DD-670C-4CD8-B15B-2899C8AD4439}" type="datetimeFigureOut">
               <a:rPr lang="en-US" smtClean="0"/>
-              <a:t>11/24/2024</a:t>
+              <a:t>11/28/2024</a:t>
             </a:fld>
             <a:endParaRPr lang="en-US"/>
           </a:p>
@@ -1680,7 +1680,7 @@
           <a:p>
             <a:fld id="{0D8770DD-670C-4CD8-B15B-2899C8AD4439}" type="datetimeFigureOut">
               <a:rPr lang="en-US" smtClean="0"/>
-              <a:t>11/24/2024</a:t>
+              <a:t>11/28/2024</a:t>
             </a:fld>
             <a:endParaRPr lang="en-US"/>
           </a:p>
@@ -1850,7 +1850,7 @@
           <a:p>
             <a:fld id="{0D8770DD-670C-4CD8-B15B-2899C8AD4439}" type="datetimeFigureOut">
               <a:rPr lang="en-US" smtClean="0"/>
-              <a:t>11/24/2024</a:t>
+              <a:t>11/28/2024</a:t>
             </a:fld>
             <a:endParaRPr lang="en-US"/>
           </a:p>
@@ -2108,7 +2108,7 @@
           <a:p>
             <a:fld id="{0D8770DD-670C-4CD8-B15B-2899C8AD4439}" type="datetimeFigureOut">
               <a:rPr lang="en-US" smtClean="0"/>
-              <a:t>11/24/2024</a:t>
+              <a:t>11/28/2024</a:t>
             </a:fld>
             <a:endParaRPr lang="en-US"/>
           </a:p>
@@ -2396,7 +2396,7 @@
           <a:p>
             <a:fld id="{0D8770DD-670C-4CD8-B15B-2899C8AD4439}" type="datetimeFigureOut">
               <a:rPr lang="en-US" smtClean="0"/>
-              <a:t>11/24/2024</a:t>
+              <a:t>11/28/2024</a:t>
             </a:fld>
             <a:endParaRPr lang="en-US"/>
           </a:p>
@@ -2838,7 +2838,7 @@
           <a:p>
             <a:fld id="{0D8770DD-670C-4CD8-B15B-2899C8AD4439}" type="datetimeFigureOut">
               <a:rPr lang="en-US" smtClean="0"/>
-              <a:t>11/24/2024</a:t>
+              <a:t>11/28/2024</a:t>
             </a:fld>
             <a:endParaRPr lang="en-US"/>
           </a:p>
@@ -2956,7 +2956,7 @@
           <a:p>
             <a:fld id="{0D8770DD-670C-4CD8-B15B-2899C8AD4439}" type="datetimeFigureOut">
               <a:rPr lang="en-US" smtClean="0"/>
-              <a:t>11/24/2024</a:t>
+              <a:t>11/28/2024</a:t>
             </a:fld>
             <a:endParaRPr lang="en-US"/>
           </a:p>
@@ -3051,7 +3051,7 @@
           <a:p>
             <a:fld id="{0D8770DD-670C-4CD8-B15B-2899C8AD4439}" type="datetimeFigureOut">
               <a:rPr lang="en-US" smtClean="0"/>
-              <a:t>11/24/2024</a:t>
+              <a:t>11/28/2024</a:t>
             </a:fld>
             <a:endParaRPr lang="en-US"/>
           </a:p>
@@ -3339,7 +3339,7 @@
           <a:p>
             <a:fld id="{0D8770DD-670C-4CD8-B15B-2899C8AD4439}" type="datetimeFigureOut">
               <a:rPr lang="en-US" smtClean="0"/>
-              <a:t>11/24/2024</a:t>
+              <a:t>11/28/2024</a:t>
             </a:fld>
             <a:endParaRPr lang="en-US"/>
           </a:p>
@@ -3613,7 +3613,7 @@
           <a:p>
             <a:fld id="{0D8770DD-670C-4CD8-B15B-2899C8AD4439}" type="datetimeFigureOut">
               <a:rPr lang="en-US" smtClean="0"/>
-              <a:t>11/24/2024</a:t>
+              <a:t>11/28/2024</a:t>
             </a:fld>
             <a:endParaRPr lang="en-US"/>
           </a:p>
@@ -3912,7 +3912,7 @@
           <a:p>
             <a:fld id="{0D8770DD-670C-4CD8-B15B-2899C8AD4439}" type="datetimeFigureOut">
               <a:rPr lang="en-US" smtClean="0"/>
-              <a:t>11/24/2024</a:t>
+              <a:t>11/28/2024</a:t>
             </a:fld>
             <a:endParaRPr lang="en-US"/>
           </a:p>
@@ -5058,7 +5058,15 @@
           <a:p>
             <a:r>
               <a:rPr lang="en-US" smtClean="0"/>
-              <a:t>Kreiranje glavnog procesa Electron-a I preload skripte</a:t>
+              <a:t>Kreiranje glavnog procesa Electron-a </a:t>
+            </a:r>
+            <a:r>
+              <a:rPr lang="en-US" smtClean="0"/>
+              <a:t>i </a:t>
+            </a:r>
+            <a:r>
+              <a:rPr lang="en-US" smtClean="0"/>
+              <a:t>preload skripte</a:t>
             </a:r>
             <a:endParaRPr lang="en-US"/>
           </a:p>
@@ -5844,11 +5852,7 @@
             </a:r>
             <a:r>
               <a:rPr lang="sr-Latn-RS" b="1"/>
-              <a:t> </a:t>
-            </a:r>
-            <a:r>
-              <a:rPr lang="sr-Latn-RS" b="1"/>
-              <a:t>package.json </a:t>
+              <a:t> package.json </a:t>
             </a:r>
             <a:r>
               <a:rPr lang="sr-Latn-RS" smtClean="0"/>

--- a/Electron.pptx
+++ b/Electron.pptx
@@ -5,7 +5,7 @@
     <p:sldMasterId id="2147483897" r:id="rId1"/>
   </p:sldMasterIdLst>
   <p:notesMasterIdLst>
-    <p:notesMasterId r:id="rId22"/>
+    <p:notesMasterId r:id="rId23"/>
   </p:notesMasterIdLst>
   <p:sldIdLst>
     <p:sldId id="256" r:id="rId2"/>
@@ -17,17 +17,18 @@
     <p:sldId id="262" r:id="rId8"/>
     <p:sldId id="263" r:id="rId9"/>
     <p:sldId id="264" r:id="rId10"/>
-    <p:sldId id="265" r:id="rId11"/>
-    <p:sldId id="266" r:id="rId12"/>
-    <p:sldId id="270" r:id="rId13"/>
-    <p:sldId id="271" r:id="rId14"/>
-    <p:sldId id="272" r:id="rId15"/>
-    <p:sldId id="275" r:id="rId16"/>
-    <p:sldId id="276" r:id="rId17"/>
-    <p:sldId id="274" r:id="rId18"/>
-    <p:sldId id="267" r:id="rId19"/>
-    <p:sldId id="268" r:id="rId20"/>
-    <p:sldId id="269" r:id="rId21"/>
+    <p:sldId id="277" r:id="rId11"/>
+    <p:sldId id="265" r:id="rId12"/>
+    <p:sldId id="266" r:id="rId13"/>
+    <p:sldId id="270" r:id="rId14"/>
+    <p:sldId id="271" r:id="rId15"/>
+    <p:sldId id="272" r:id="rId16"/>
+    <p:sldId id="275" r:id="rId17"/>
+    <p:sldId id="276" r:id="rId18"/>
+    <p:sldId id="274" r:id="rId19"/>
+    <p:sldId id="267" r:id="rId20"/>
+    <p:sldId id="268" r:id="rId21"/>
+    <p:sldId id="269" r:id="rId22"/>
   </p:sldIdLst>
   <p:sldSz cx="12192000" cy="6858000"/>
   <p:notesSz cx="6858000" cy="9144000"/>
@@ -216,7 +217,7 @@
           <a:p>
             <a:fld id="{4DFE1E0F-527B-46D2-A85B-AFD01049E65E}" type="datetimeFigureOut">
               <a:rPr lang="en-US" smtClean="0"/>
-              <a:t>11/28/2024</a:t>
+              <a:t>12/1/2024</a:t>
             </a:fld>
             <a:endParaRPr lang="en-US"/>
           </a:p>
@@ -1064,6 +1065,31 @@
             </a:r>
           </a:p>
           <a:p>
+            <a:r>
+              <a:rPr lang="sr-Latn-RS" smtClean="0"/>
+              <a:t>Sigurnosna funkcija u Elctron-u  koja osigurava da se skripte u preload kontekstu i interni kod Electron-a izvršavaju u odvojenom kontekstu od web sadržaja u webContents.</a:t>
+            </a:r>
+          </a:p>
+          <a:p>
+            <a:r>
+              <a:rPr lang="sr-Latn-RS" smtClean="0"/>
+              <a:t>Sprečava web stranice da pristupe Electron internim API-jima ili API-jima koje koristi preload skripta, povećavajući bezbednost aplikacije.</a:t>
+            </a:r>
+          </a:p>
+          <a:p>
+            <a:r>
+              <a:rPr lang="sr-Latn-RS" smtClean="0"/>
+              <a:t>Zaštita od malicioznih skripti koje mogu pokušati da pristupe Electron internim funkcijama</a:t>
+            </a:r>
+          </a:p>
+          <a:p>
+            <a:r>
+              <a:rPr lang="sr-Latn-RS" smtClean="0"/>
+              <a:t>Sprečava web sadržaj da menja ili manipuliše sa osjetljivim podacima aplikacije</a:t>
+            </a:r>
+            <a:endParaRPr lang="en-US" smtClean="0"/>
+          </a:p>
+          <a:p>
             <a:endParaRPr lang="en-US"/>
           </a:p>
         </p:txBody>
@@ -1330,7 +1356,7 @@
           <a:p>
             <a:fld id="{0D8770DD-670C-4CD8-B15B-2899C8AD4439}" type="datetimeFigureOut">
               <a:rPr lang="en-US" smtClean="0"/>
-              <a:t>11/28/2024</a:t>
+              <a:t>12/1/2024</a:t>
             </a:fld>
             <a:endParaRPr lang="en-US"/>
           </a:p>
@@ -1500,7 +1526,7 @@
           <a:p>
             <a:fld id="{0D8770DD-670C-4CD8-B15B-2899C8AD4439}" type="datetimeFigureOut">
               <a:rPr lang="en-US" smtClean="0"/>
-              <a:t>11/28/2024</a:t>
+              <a:t>12/1/2024</a:t>
             </a:fld>
             <a:endParaRPr lang="en-US"/>
           </a:p>
@@ -1680,7 +1706,7 @@
           <a:p>
             <a:fld id="{0D8770DD-670C-4CD8-B15B-2899C8AD4439}" type="datetimeFigureOut">
               <a:rPr lang="en-US" smtClean="0"/>
-              <a:t>11/28/2024</a:t>
+              <a:t>12/1/2024</a:t>
             </a:fld>
             <a:endParaRPr lang="en-US"/>
           </a:p>
@@ -1850,7 +1876,7 @@
           <a:p>
             <a:fld id="{0D8770DD-670C-4CD8-B15B-2899C8AD4439}" type="datetimeFigureOut">
               <a:rPr lang="en-US" smtClean="0"/>
-              <a:t>11/28/2024</a:t>
+              <a:t>12/1/2024</a:t>
             </a:fld>
             <a:endParaRPr lang="en-US"/>
           </a:p>
@@ -2108,7 +2134,7 @@
           <a:p>
             <a:fld id="{0D8770DD-670C-4CD8-B15B-2899C8AD4439}" type="datetimeFigureOut">
               <a:rPr lang="en-US" smtClean="0"/>
-              <a:t>11/28/2024</a:t>
+              <a:t>12/1/2024</a:t>
             </a:fld>
             <a:endParaRPr lang="en-US"/>
           </a:p>
@@ -2396,7 +2422,7 @@
           <a:p>
             <a:fld id="{0D8770DD-670C-4CD8-B15B-2899C8AD4439}" type="datetimeFigureOut">
               <a:rPr lang="en-US" smtClean="0"/>
-              <a:t>11/28/2024</a:t>
+              <a:t>12/1/2024</a:t>
             </a:fld>
             <a:endParaRPr lang="en-US"/>
           </a:p>
@@ -2838,7 +2864,7 @@
           <a:p>
             <a:fld id="{0D8770DD-670C-4CD8-B15B-2899C8AD4439}" type="datetimeFigureOut">
               <a:rPr lang="en-US" smtClean="0"/>
-              <a:t>11/28/2024</a:t>
+              <a:t>12/1/2024</a:t>
             </a:fld>
             <a:endParaRPr lang="en-US"/>
           </a:p>
@@ -2956,7 +2982,7 @@
           <a:p>
             <a:fld id="{0D8770DD-670C-4CD8-B15B-2899C8AD4439}" type="datetimeFigureOut">
               <a:rPr lang="en-US" smtClean="0"/>
-              <a:t>11/28/2024</a:t>
+              <a:t>12/1/2024</a:t>
             </a:fld>
             <a:endParaRPr lang="en-US"/>
           </a:p>
@@ -3051,7 +3077,7 @@
           <a:p>
             <a:fld id="{0D8770DD-670C-4CD8-B15B-2899C8AD4439}" type="datetimeFigureOut">
               <a:rPr lang="en-US" smtClean="0"/>
-              <a:t>11/28/2024</a:t>
+              <a:t>12/1/2024</a:t>
             </a:fld>
             <a:endParaRPr lang="en-US"/>
           </a:p>
@@ -3339,7 +3365,7 @@
           <a:p>
             <a:fld id="{0D8770DD-670C-4CD8-B15B-2899C8AD4439}" type="datetimeFigureOut">
               <a:rPr lang="en-US" smtClean="0"/>
-              <a:t>11/28/2024</a:t>
+              <a:t>12/1/2024</a:t>
             </a:fld>
             <a:endParaRPr lang="en-US"/>
           </a:p>
@@ -3613,7 +3639,7 @@
           <a:p>
             <a:fld id="{0D8770DD-670C-4CD8-B15B-2899C8AD4439}" type="datetimeFigureOut">
               <a:rPr lang="en-US" smtClean="0"/>
-              <a:t>11/28/2024</a:t>
+              <a:t>12/1/2024</a:t>
             </a:fld>
             <a:endParaRPr lang="en-US"/>
           </a:p>
@@ -3912,7 +3938,7 @@
           <a:p>
             <a:fld id="{0D8770DD-670C-4CD8-B15B-2899C8AD4439}" type="datetimeFigureOut">
               <a:rPr lang="en-US" smtClean="0"/>
-              <a:t>11/28/2024</a:t>
+              <a:t>12/1/2024</a:t>
             </a:fld>
             <a:endParaRPr lang="en-US"/>
           </a:p>
@@ -4509,6 +4535,145 @@
             <p:ph type="title"/>
           </p:nvPr>
         </p:nvSpPr>
+        <p:spPr/>
+        <p:txBody>
+          <a:bodyPr/>
+          <a:lstStyle/>
+          <a:p>
+            <a:r>
+              <a:rPr lang="en-US" smtClean="0"/>
+              <a:t>contextBridge</a:t>
+            </a:r>
+            <a:endParaRPr lang="en-US"/>
+          </a:p>
+        </p:txBody>
+      </p:sp>
+      <p:sp>
+        <p:nvSpPr>
+          <p:cNvPr id="3" name="Content Placeholder 2"/>
+          <p:cNvSpPr>
+            <a:spLocks noGrp="1"/>
+          </p:cNvSpPr>
+          <p:nvPr>
+            <p:ph idx="1"/>
+          </p:nvPr>
+        </p:nvSpPr>
+        <p:spPr/>
+        <p:txBody>
+          <a:bodyPr/>
+          <a:lstStyle/>
+          <a:p>
+            <a:r>
+              <a:rPr lang="en-US"/>
+              <a:t>Omogućava sigurnu komunikaciju između renderer procesa i main </a:t>
+            </a:r>
+            <a:r>
+              <a:rPr lang="en-US"/>
+              <a:t>procesa</a:t>
+            </a:r>
+            <a:r>
+              <a:rPr lang="en-US" smtClean="0"/>
+              <a:t>.</a:t>
+            </a:r>
+          </a:p>
+          <a:p>
+            <a:r>
+              <a:rPr lang="en-US" smtClean="0"/>
+              <a:t>Izlaže </a:t>
+            </a:r>
+            <a:r>
+              <a:rPr lang="en-US"/>
+              <a:t>samo specifične funkcionalnosti rendereru, sprečavajući direktan pristup opasnim </a:t>
+            </a:r>
+            <a:r>
+              <a:rPr lang="en-US"/>
+              <a:t>API-jima</a:t>
+            </a:r>
+            <a:r>
+              <a:rPr lang="en-US" smtClean="0"/>
+              <a:t>.</a:t>
+            </a:r>
+          </a:p>
+          <a:p>
+            <a:r>
+              <a:rPr lang="en-US"/>
+              <a:t>Pruža kontrolisani pristup funkcijama koje su potrebne rendereru, bez otkrivanja celokupnog Node.js </a:t>
+            </a:r>
+            <a:r>
+              <a:rPr lang="en-US"/>
+              <a:t>okruženja</a:t>
+            </a:r>
+            <a:r>
+              <a:rPr lang="en-US" smtClean="0"/>
+              <a:t>.</a:t>
+            </a:r>
+          </a:p>
+          <a:p>
+            <a:r>
+              <a:rPr lang="en-US" smtClean="0"/>
+              <a:t>Čuva </a:t>
+            </a:r>
+            <a:r>
+              <a:rPr lang="en-US"/>
+              <a:t>aplikaciju sigurnom dok omogućava korišćenje određenih </a:t>
+            </a:r>
+            <a:r>
+              <a:rPr lang="en-US"/>
+              <a:t>funkcionalnosti</a:t>
+            </a:r>
+            <a:r>
+              <a:rPr lang="en-US" smtClean="0"/>
+              <a:t>.</a:t>
+            </a:r>
+          </a:p>
+          <a:p>
+            <a:r>
+              <a:rPr lang="en-US"/>
+              <a:t>Preload skripta koristi contextBridge za sigurno izlaganje funkcionalnosti.</a:t>
+            </a:r>
+          </a:p>
+        </p:txBody>
+      </p:sp>
+    </p:spTree>
+    <p:extLst>
+      <p:ext uri="{BB962C8B-B14F-4D97-AF65-F5344CB8AC3E}">
+        <p14:creationId xmlns:p14="http://schemas.microsoft.com/office/powerpoint/2010/main" val="51638563"/>
+      </p:ext>
+    </p:extLst>
+  </p:cSld>
+  <p:clrMapOvr>
+    <a:masterClrMapping/>
+  </p:clrMapOvr>
+</p:sld>
+</file>
+
+<file path=ppt/slides/slide11.xml><?xml version="1.0" encoding="utf-8"?>
+<p:sld xmlns:a="http://schemas.openxmlformats.org/drawingml/2006/main" xmlns:r="http://schemas.openxmlformats.org/officeDocument/2006/relationships" xmlns:p="http://schemas.openxmlformats.org/presentationml/2006/main">
+  <p:cSld>
+    <p:spTree>
+      <p:nvGrpSpPr>
+        <p:cNvPr id="1" name=""/>
+        <p:cNvGrpSpPr/>
+        <p:nvPr/>
+      </p:nvGrpSpPr>
+      <p:grpSpPr>
+        <a:xfrm>
+          <a:off x="0" y="0"/>
+          <a:ext cx="0" cy="0"/>
+          <a:chOff x="0" y="0"/>
+          <a:chExt cx="0" cy="0"/>
+        </a:xfrm>
+      </p:grpSpPr>
+      <p:sp>
+        <p:nvSpPr>
+          <p:cNvPr id="2" name="Title 1"/>
+          <p:cNvSpPr>
+            <a:spLocks noGrp="1"/>
+          </p:cNvSpPr>
+          <p:nvPr>
+            <p:ph type="title"/>
+          </p:nvPr>
+        </p:nvSpPr>
         <p:spPr>
           <a:xfrm>
             <a:off x="252918" y="1123837"/>
@@ -4633,7 +4798,7 @@
 </p:sld>
 </file>
 
-<file path=ppt/slides/slide11.xml><?xml version="1.0" encoding="utf-8"?>
+<file path=ppt/slides/slide12.xml><?xml version="1.0" encoding="utf-8"?>
 <p:sld xmlns:a="http://schemas.openxmlformats.org/drawingml/2006/main" xmlns:r="http://schemas.openxmlformats.org/officeDocument/2006/relationships" xmlns:p="http://schemas.openxmlformats.org/presentationml/2006/main">
   <p:cSld>
     <p:spTree>
@@ -4831,7 +4996,7 @@
 </p:sld>
 </file>
 
-<file path=ppt/slides/slide12.xml><?xml version="1.0" encoding="utf-8"?>
+<file path=ppt/slides/slide13.xml><?xml version="1.0" encoding="utf-8"?>
 <p:sld xmlns:a="http://schemas.openxmlformats.org/drawingml/2006/main" xmlns:r="http://schemas.openxmlformats.org/officeDocument/2006/relationships" xmlns:p="http://schemas.openxmlformats.org/presentationml/2006/main">
   <p:cSld>
     <p:spTree>
@@ -5024,7 +5189,7 @@
 </p:sld>
 </file>
 
-<file path=ppt/slides/slide13.xml><?xml version="1.0" encoding="utf-8"?>
+<file path=ppt/slides/slide14.xml><?xml version="1.0" encoding="utf-8"?>
 <p:sld xmlns:a="http://schemas.openxmlformats.org/drawingml/2006/main" xmlns:r="http://schemas.openxmlformats.org/officeDocument/2006/relationships" xmlns:p="http://schemas.openxmlformats.org/presentationml/2006/main">
   <p:cSld>
     <p:spTree>
@@ -5058,15 +5223,7 @@
           <a:p>
             <a:r>
               <a:rPr lang="en-US" smtClean="0"/>
-              <a:t>Kreiranje glavnog procesa Electron-a </a:t>
-            </a:r>
-            <a:r>
-              <a:rPr lang="en-US" smtClean="0"/>
-              <a:t>i </a:t>
-            </a:r>
-            <a:r>
-              <a:rPr lang="en-US" smtClean="0"/>
-              <a:t>preload skripte</a:t>
+              <a:t>Kreiranje glavnog procesa Electron-a i preload skripte</a:t>
             </a:r>
             <a:endParaRPr lang="en-US"/>
           </a:p>
@@ -5135,7 +5292,7 @@
 </p:sld>
 </file>
 
-<file path=ppt/slides/slide14.xml><?xml version="1.0" encoding="utf-8"?>
+<file path=ppt/slides/slide15.xml><?xml version="1.0" encoding="utf-8"?>
 <p:sld xmlns:a="http://schemas.openxmlformats.org/drawingml/2006/main" xmlns:r="http://schemas.openxmlformats.org/officeDocument/2006/relationships" xmlns:p="http://schemas.openxmlformats.org/presentationml/2006/main">
   <p:cSld>
     <p:spTree>
@@ -5457,7 +5614,7 @@
 </p:sld>
 </file>
 
-<file path=ppt/slides/slide15.xml><?xml version="1.0" encoding="utf-8"?>
+<file path=ppt/slides/slide16.xml><?xml version="1.0" encoding="utf-8"?>
 <p:sld xmlns:a="http://schemas.openxmlformats.org/drawingml/2006/main" xmlns:r="http://schemas.openxmlformats.org/officeDocument/2006/relationships" xmlns:p="http://schemas.openxmlformats.org/presentationml/2006/main">
   <p:cSld>
     <p:spTree>
@@ -5663,7 +5820,7 @@
 </p:sld>
 </file>
 
-<file path=ppt/slides/slide16.xml><?xml version="1.0" encoding="utf-8"?>
+<file path=ppt/slides/slide17.xml><?xml version="1.0" encoding="utf-8"?>
 <p:sld xmlns:a="http://schemas.openxmlformats.org/drawingml/2006/main" xmlns:r="http://schemas.openxmlformats.org/officeDocument/2006/relationships" xmlns:p="http://schemas.openxmlformats.org/presentationml/2006/main">
   <p:cSld>
     <p:spTree>
@@ -6010,7 +6167,7 @@
 </p:sld>
 </file>
 
-<file path=ppt/slides/slide17.xml><?xml version="1.0" encoding="utf-8"?>
+<file path=ppt/slides/slide18.xml><?xml version="1.0" encoding="utf-8"?>
 <p:sld xmlns:a="http://schemas.openxmlformats.org/drawingml/2006/main" xmlns:r="http://schemas.openxmlformats.org/officeDocument/2006/relationships" xmlns:p="http://schemas.openxmlformats.org/presentationml/2006/main">
   <p:cSld>
     <p:spTree>
@@ -6261,204 +6418,6 @@
 </p:sld>
 </file>
 
-<file path=ppt/slides/slide18.xml><?xml version="1.0" encoding="utf-8"?>
-<p:sld xmlns:a="http://schemas.openxmlformats.org/drawingml/2006/main" xmlns:r="http://schemas.openxmlformats.org/officeDocument/2006/relationships" xmlns:p="http://schemas.openxmlformats.org/presentationml/2006/main">
-  <p:cSld>
-    <p:spTree>
-      <p:nvGrpSpPr>
-        <p:cNvPr id="1" name=""/>
-        <p:cNvGrpSpPr/>
-        <p:nvPr/>
-      </p:nvGrpSpPr>
-      <p:grpSpPr>
-        <a:xfrm>
-          <a:off x="0" y="0"/>
-          <a:ext cx="0" cy="0"/>
-          <a:chOff x="0" y="0"/>
-          <a:chExt cx="0" cy="0"/>
-        </a:xfrm>
-      </p:grpSpPr>
-      <p:sp>
-        <p:nvSpPr>
-          <p:cNvPr id="2" name="Title 1"/>
-          <p:cNvSpPr>
-            <a:spLocks noGrp="1"/>
-          </p:cNvSpPr>
-          <p:nvPr>
-            <p:ph type="title"/>
-          </p:nvPr>
-        </p:nvSpPr>
-        <p:spPr/>
-        <p:txBody>
-          <a:bodyPr/>
-          <a:lstStyle/>
-          <a:p>
-            <a:r>
-              <a:rPr lang="sr-Latn-RS" smtClean="0"/>
-              <a:t>Prednosti i mane</a:t>
-            </a:r>
-            <a:endParaRPr lang="en-US"/>
-          </a:p>
-        </p:txBody>
-      </p:sp>
-      <p:sp>
-        <p:nvSpPr>
-          <p:cNvPr id="3" name="Content Placeholder 2"/>
-          <p:cNvSpPr>
-            <a:spLocks noGrp="1"/>
-          </p:cNvSpPr>
-          <p:nvPr>
-            <p:ph sz="half" idx="1"/>
-          </p:nvPr>
-        </p:nvSpPr>
-        <p:spPr/>
-        <p:txBody>
-          <a:bodyPr>
-            <a:normAutofit lnSpcReduction="10000"/>
-          </a:bodyPr>
-          <a:lstStyle/>
-          <a:p>
-            <a:pPr marL="0" indent="0" algn="ctr">
-              <a:buNone/>
-            </a:pPr>
-            <a:r>
-              <a:rPr lang="sr-Latn-RS" b="1" smtClean="0"/>
-              <a:t>Prednosti</a:t>
-            </a:r>
-          </a:p>
-          <a:p>
-            <a:r>
-              <a:rPr lang="en-US" smtClean="0"/>
-              <a:t>Jedna </a:t>
-            </a:r>
-            <a:r>
-              <a:rPr lang="en-US"/>
-              <a:t>baza koda za više platformi (Windows, macOS, Linux</a:t>
-            </a:r>
-            <a:r>
-              <a:rPr lang="en-US" smtClean="0"/>
-              <a:t>).</a:t>
-            </a:r>
-            <a:endParaRPr lang="sr-Latn-RS" smtClean="0"/>
-          </a:p>
-          <a:p>
-            <a:r>
-              <a:rPr lang="en-US" smtClean="0"/>
-              <a:t>Upotreba </a:t>
-            </a:r>
-            <a:r>
-              <a:rPr lang="en-US"/>
-              <a:t>web tehnologija (HTML, CSS, JavaScript) što omogućava lakši prelazak sa web developmenta na desktop aplikacije</a:t>
-            </a:r>
-            <a:r>
-              <a:rPr lang="en-US" smtClean="0"/>
-              <a:t>.</a:t>
-            </a:r>
-            <a:endParaRPr lang="sr-Latn-RS" smtClean="0"/>
-          </a:p>
-          <a:p>
-            <a:r>
-              <a:rPr lang="en-US" smtClean="0"/>
-              <a:t>Velika </a:t>
-            </a:r>
-            <a:r>
-              <a:rPr lang="en-US"/>
-              <a:t>zajednica i ekosistem alata, pluginova i biblioteka</a:t>
-            </a:r>
-            <a:r>
-              <a:rPr lang="en-US" smtClean="0"/>
-              <a:t>.</a:t>
-            </a:r>
-            <a:endParaRPr lang="sr-Latn-RS" smtClean="0"/>
-          </a:p>
-          <a:p>
-            <a:r>
-              <a:rPr lang="en-US" smtClean="0"/>
-              <a:t>Brza </a:t>
-            </a:r>
-            <a:r>
-              <a:rPr lang="en-US"/>
-              <a:t>izrada prototipova zahvaljujući jednostavnom okruženju.</a:t>
-            </a:r>
-          </a:p>
-        </p:txBody>
-      </p:sp>
-      <p:sp>
-        <p:nvSpPr>
-          <p:cNvPr id="4" name="Content Placeholder 3"/>
-          <p:cNvSpPr>
-            <a:spLocks noGrp="1"/>
-          </p:cNvSpPr>
-          <p:nvPr>
-            <p:ph sz="half" idx="2"/>
-          </p:nvPr>
-        </p:nvSpPr>
-        <p:spPr/>
-        <p:txBody>
-          <a:bodyPr>
-            <a:normAutofit lnSpcReduction="10000"/>
-          </a:bodyPr>
-          <a:lstStyle/>
-          <a:p>
-            <a:pPr marL="0" indent="0" algn="ctr">
-              <a:buNone/>
-            </a:pPr>
-            <a:r>
-              <a:rPr lang="sr-Latn-RS" b="1" smtClean="0"/>
-              <a:t>Mane</a:t>
-            </a:r>
-          </a:p>
-          <a:p>
-            <a:r>
-              <a:rPr lang="en-US"/>
-              <a:t>Visoka potrošnja resursa: Svaka aplikacija dolazi sa sopstvenim Chromium i Node.js instancama, što povećava memorijsku i procesorsku potrošnju</a:t>
-            </a:r>
-            <a:r>
-              <a:rPr lang="en-US" smtClean="0"/>
-              <a:t>.</a:t>
-            </a:r>
-            <a:endParaRPr lang="sr-Latn-RS" smtClean="0"/>
-          </a:p>
-          <a:p>
-            <a:r>
-              <a:rPr lang="en-US" smtClean="0"/>
-              <a:t>Performanse</a:t>
-            </a:r>
-            <a:r>
-              <a:rPr lang="en-US"/>
-              <a:t>: Elektron aplikacije mogu biti sporije u odnosu na nativne aplikacije zbog dodatnog sloja Chromium-a</a:t>
-            </a:r>
-            <a:r>
-              <a:rPr lang="en-US" smtClean="0"/>
-              <a:t>.</a:t>
-            </a:r>
-            <a:endParaRPr lang="sr-Latn-RS" smtClean="0"/>
-          </a:p>
-          <a:p>
-            <a:r>
-              <a:rPr lang="en-US" smtClean="0"/>
-              <a:t>Veći </a:t>
-            </a:r>
-            <a:r>
-              <a:rPr lang="en-US"/>
-              <a:t>fajlovi: Aplikacije mogu imati veće veličine instalacija zbog uključenih zavisnosti kao što su Chromium i Node.js.</a:t>
-            </a:r>
-          </a:p>
-        </p:txBody>
-      </p:sp>
-    </p:spTree>
-    <p:extLst>
-      <p:ext uri="{BB962C8B-B14F-4D97-AF65-F5344CB8AC3E}">
-        <p14:creationId xmlns:p14="http://schemas.microsoft.com/office/powerpoint/2010/main" val="2339471592"/>
-      </p:ext>
-    </p:extLst>
-  </p:cSld>
-  <p:clrMapOvr>
-    <a:masterClrMapping/>
-  </p:clrMapOvr>
-</p:sld>
-</file>
-
 <file path=ppt/slides/slide19.xml><?xml version="1.0" encoding="utf-8"?>
 <p:sld xmlns:a="http://schemas.openxmlformats.org/drawingml/2006/main" xmlns:r="http://schemas.openxmlformats.org/officeDocument/2006/relationships" xmlns:p="http://schemas.openxmlformats.org/presentationml/2006/main">
   <p:cSld>
@@ -6493,30 +6452,60 @@
           <a:p>
             <a:r>
               <a:rPr lang="sr-Latn-RS" smtClean="0"/>
-              <a:t>Zaključak</a:t>
-            </a:r>
-            <a:endParaRPr lang="en-US"/>
-          </a:p>
-        </p:txBody>
-      </p:sp>
-      <p:sp>
-        <p:nvSpPr>
-          <p:cNvPr id="5" name="Content Placeholder 4"/>
-          <p:cNvSpPr>
-            <a:spLocks noGrp="1"/>
-          </p:cNvSpPr>
-          <p:nvPr>
-            <p:ph idx="1"/>
+              <a:t>Prednosti i mane</a:t>
+            </a:r>
+            <a:endParaRPr lang="en-US"/>
+          </a:p>
+        </p:txBody>
+      </p:sp>
+      <p:sp>
+        <p:nvSpPr>
+          <p:cNvPr id="3" name="Content Placeholder 2"/>
+          <p:cNvSpPr>
+            <a:spLocks noGrp="1"/>
+          </p:cNvSpPr>
+          <p:nvPr>
+            <p:ph sz="half" idx="1"/>
           </p:nvPr>
         </p:nvSpPr>
         <p:spPr/>
         <p:txBody>
-          <a:bodyPr/>
-          <a:lstStyle/>
-          <a:p>
+          <a:bodyPr>
+            <a:normAutofit lnSpcReduction="10000"/>
+          </a:bodyPr>
+          <a:lstStyle/>
+          <a:p>
+            <a:pPr marL="0" indent="0" algn="ctr">
+              <a:buNone/>
+            </a:pPr>
+            <a:r>
+              <a:rPr lang="sr-Latn-RS" b="1" smtClean="0"/>
+              <a:t>Prednosti</a:t>
+            </a:r>
+          </a:p>
+          <a:p>
+            <a:r>
+              <a:rPr lang="en-US" smtClean="0"/>
+              <a:t>Jedna </a:t>
+            </a:r>
             <a:r>
               <a:rPr lang="en-US"/>
-              <a:t>Electron omogućava razvoj cross-platform desktop aplikacija koristeći web tehnologije</a:t>
+              <a:t>baza koda za više platformi (Windows, macOS, Linux</a:t>
+            </a:r>
+            <a:r>
+              <a:rPr lang="en-US" smtClean="0"/>
+              <a:t>).</a:t>
+            </a:r>
+            <a:endParaRPr lang="sr-Latn-RS" smtClean="0"/>
+          </a:p>
+          <a:p>
+            <a:r>
+              <a:rPr lang="en-US" smtClean="0"/>
+              <a:t>Upotreba </a:t>
+            </a:r>
+            <a:r>
+              <a:rPr lang="en-US"/>
+              <a:t>web tehnologija (HTML, CSS, JavaScript) što omogućava lakši prelazak sa web developmenta na desktop aplikacije</a:t>
             </a:r>
             <a:r>
               <a:rPr lang="en-US" smtClean="0"/>
@@ -6527,11 +6516,11 @@
           <a:p>
             <a:r>
               <a:rPr lang="en-US" smtClean="0"/>
-              <a:t>Komponente </a:t>
+              <a:t>Velika </a:t>
             </a:r>
             <a:r>
               <a:rPr lang="en-US"/>
-              <a:t>Chromium i Node.js omogućavaju pristup nativnim funkcijama</a:t>
+              <a:t>zajednica i ekosistem alata, pluginova i biblioteka</a:t>
             </a:r>
             <a:r>
               <a:rPr lang="en-US" smtClean="0"/>
@@ -6542,11 +6531,44 @@
           <a:p>
             <a:r>
               <a:rPr lang="en-US" smtClean="0"/>
-              <a:t>Bezbednost </a:t>
+              <a:t>Brza </a:t>
             </a:r>
             <a:r>
               <a:rPr lang="en-US"/>
-              <a:t>i procesni model pružaju stabilnost i efikasnost aplikacija</a:t>
+              <a:t>izrada prototipova zahvaljujući jednostavnom okruženju.</a:t>
+            </a:r>
+          </a:p>
+        </p:txBody>
+      </p:sp>
+      <p:sp>
+        <p:nvSpPr>
+          <p:cNvPr id="4" name="Content Placeholder 3"/>
+          <p:cNvSpPr>
+            <a:spLocks noGrp="1"/>
+          </p:cNvSpPr>
+          <p:nvPr>
+            <p:ph sz="half" idx="2"/>
+          </p:nvPr>
+        </p:nvSpPr>
+        <p:spPr/>
+        <p:txBody>
+          <a:bodyPr>
+            <a:normAutofit lnSpcReduction="10000"/>
+          </a:bodyPr>
+          <a:lstStyle/>
+          <a:p>
+            <a:pPr marL="0" indent="0" algn="ctr">
+              <a:buNone/>
+            </a:pPr>
+            <a:r>
+              <a:rPr lang="sr-Latn-RS" b="1" smtClean="0"/>
+              <a:t>Mane</a:t>
+            </a:r>
+          </a:p>
+          <a:p>
+            <a:r>
+              <a:rPr lang="en-US"/>
+              <a:t>Visoka potrošnja resursa: Svaka aplikacija dolazi sa sopstvenim Chromium i Node.js instancama, što povećava memorijsku i procesorsku potrošnju</a:t>
             </a:r>
             <a:r>
               <a:rPr lang="en-US" smtClean="0"/>
@@ -6557,11 +6579,11 @@
           <a:p>
             <a:r>
               <a:rPr lang="en-US" smtClean="0"/>
-              <a:t>Korišćenje </a:t>
+              <a:t>Performanse</a:t>
             </a:r>
             <a:r>
               <a:rPr lang="en-US"/>
-              <a:t>React-a omogućava izradu modernih, reaktivnih korisničkih interfejsa</a:t>
+              <a:t>: Elektron aplikacije mogu biti sporije u odnosu na nativne aplikacije zbog dodatnog sloja Chromium-a</a:t>
             </a:r>
             <a:r>
               <a:rPr lang="en-US" smtClean="0"/>
@@ -6572,11 +6594,11 @@
           <a:p>
             <a:r>
               <a:rPr lang="en-US" smtClean="0"/>
-              <a:t>Kao </a:t>
+              <a:t>Veći </a:t>
             </a:r>
             <a:r>
               <a:rPr lang="en-US"/>
-              <a:t>prednosti, Electron nudi jednostavnost i brzinu razvoja, dok kao mane ima veće zahteve za resursima i veličinu aplikacija.</a:t>
+              <a:t>fajlovi: Aplikacije mogu imati veće veličine instalacija zbog uključenih zavisnosti kao što su Chromium i Node.js.</a:t>
             </a:r>
           </a:p>
         </p:txBody>
@@ -6584,7 +6606,7 @@
     </p:spTree>
     <p:extLst>
       <p:ext uri="{BB962C8B-B14F-4D97-AF65-F5344CB8AC3E}">
-        <p14:creationId xmlns:p14="http://schemas.microsoft.com/office/powerpoint/2010/main" val="2138057773"/>
+        <p14:creationId xmlns:p14="http://schemas.microsoft.com/office/powerpoint/2010/main" val="2339471592"/>
       </p:ext>
     </p:extLst>
   </p:cSld>
@@ -6723,6 +6745,141 @@
 </file>
 
 <file path=ppt/slides/slide20.xml><?xml version="1.0" encoding="utf-8"?>
+<p:sld xmlns:a="http://schemas.openxmlformats.org/drawingml/2006/main" xmlns:r="http://schemas.openxmlformats.org/officeDocument/2006/relationships" xmlns:p="http://schemas.openxmlformats.org/presentationml/2006/main">
+  <p:cSld>
+    <p:spTree>
+      <p:nvGrpSpPr>
+        <p:cNvPr id="1" name=""/>
+        <p:cNvGrpSpPr/>
+        <p:nvPr/>
+      </p:nvGrpSpPr>
+      <p:grpSpPr>
+        <a:xfrm>
+          <a:off x="0" y="0"/>
+          <a:ext cx="0" cy="0"/>
+          <a:chOff x="0" y="0"/>
+          <a:chExt cx="0" cy="0"/>
+        </a:xfrm>
+      </p:grpSpPr>
+      <p:sp>
+        <p:nvSpPr>
+          <p:cNvPr id="2" name="Title 1"/>
+          <p:cNvSpPr>
+            <a:spLocks noGrp="1"/>
+          </p:cNvSpPr>
+          <p:nvPr>
+            <p:ph type="title"/>
+          </p:nvPr>
+        </p:nvSpPr>
+        <p:spPr/>
+        <p:txBody>
+          <a:bodyPr/>
+          <a:lstStyle/>
+          <a:p>
+            <a:r>
+              <a:rPr lang="sr-Latn-RS" smtClean="0"/>
+              <a:t>Zaključak</a:t>
+            </a:r>
+            <a:endParaRPr lang="en-US"/>
+          </a:p>
+        </p:txBody>
+      </p:sp>
+      <p:sp>
+        <p:nvSpPr>
+          <p:cNvPr id="5" name="Content Placeholder 4"/>
+          <p:cNvSpPr>
+            <a:spLocks noGrp="1"/>
+          </p:cNvSpPr>
+          <p:nvPr>
+            <p:ph idx="1"/>
+          </p:nvPr>
+        </p:nvSpPr>
+        <p:spPr/>
+        <p:txBody>
+          <a:bodyPr/>
+          <a:lstStyle/>
+          <a:p>
+            <a:r>
+              <a:rPr lang="en-US"/>
+              <a:t>Electron omogućava razvoj cross-platform desktop aplikacija koristeći web tehnologije</a:t>
+            </a:r>
+            <a:r>
+              <a:rPr lang="en-US" smtClean="0"/>
+              <a:t>.</a:t>
+            </a:r>
+            <a:endParaRPr lang="sr-Latn-RS" smtClean="0"/>
+          </a:p>
+          <a:p>
+            <a:r>
+              <a:rPr lang="en-US" smtClean="0"/>
+              <a:t>Komponente </a:t>
+            </a:r>
+            <a:r>
+              <a:rPr lang="en-US"/>
+              <a:t>Chromium i Node.js omogućavaju pristup nativnim funkcijama</a:t>
+            </a:r>
+            <a:r>
+              <a:rPr lang="en-US" smtClean="0"/>
+              <a:t>.</a:t>
+            </a:r>
+            <a:endParaRPr lang="sr-Latn-RS" smtClean="0"/>
+          </a:p>
+          <a:p>
+            <a:r>
+              <a:rPr lang="en-US" smtClean="0"/>
+              <a:t>Bezbednost </a:t>
+            </a:r>
+            <a:r>
+              <a:rPr lang="en-US"/>
+              <a:t>i procesni model pružaju stabilnost i efikasnost aplikacija</a:t>
+            </a:r>
+            <a:r>
+              <a:rPr lang="en-US" smtClean="0"/>
+              <a:t>.</a:t>
+            </a:r>
+            <a:endParaRPr lang="sr-Latn-RS" smtClean="0"/>
+          </a:p>
+          <a:p>
+            <a:r>
+              <a:rPr lang="en-US" smtClean="0"/>
+              <a:t>Korišćenje </a:t>
+            </a:r>
+            <a:r>
+              <a:rPr lang="en-US"/>
+              <a:t>React-a omogućava izradu modernih, reaktivnih korisničkih interfejsa</a:t>
+            </a:r>
+            <a:r>
+              <a:rPr lang="en-US" smtClean="0"/>
+              <a:t>.</a:t>
+            </a:r>
+            <a:endParaRPr lang="sr-Latn-RS" smtClean="0"/>
+          </a:p>
+          <a:p>
+            <a:r>
+              <a:rPr lang="en-US" smtClean="0"/>
+              <a:t>Kao </a:t>
+            </a:r>
+            <a:r>
+              <a:rPr lang="en-US"/>
+              <a:t>prednosti, Electron nudi jednostavnost i brzinu razvoja, dok kao mane ima veće zahteve za resursima i veličinu aplikacija.</a:t>
+            </a:r>
+          </a:p>
+        </p:txBody>
+      </p:sp>
+    </p:spTree>
+    <p:extLst>
+      <p:ext uri="{BB962C8B-B14F-4D97-AF65-F5344CB8AC3E}">
+        <p14:creationId xmlns:p14="http://schemas.microsoft.com/office/powerpoint/2010/main" val="2138057773"/>
+      </p:ext>
+    </p:extLst>
+  </p:cSld>
+  <p:clrMapOvr>
+    <a:masterClrMapping/>
+  </p:clrMapOvr>
+</p:sld>
+</file>
+
+<file path=ppt/slides/slide21.xml><?xml version="1.0" encoding="utf-8"?>
 <p:sld xmlns:a="http://schemas.openxmlformats.org/drawingml/2006/main" xmlns:r="http://schemas.openxmlformats.org/officeDocument/2006/relationships" xmlns:p="http://schemas.openxmlformats.org/presentationml/2006/main">
   <p:cSld>
     <p:spTree>
@@ -7581,7 +7738,15 @@
             </a:r>
             <a:r>
               <a:rPr lang="sr-Latn-RS"/>
-              <a:t>omogućava renderer procesu da koristi Node.js API-je, ali na siguran način</a:t>
+              <a:t>omogućava renderer procesu da koristi </a:t>
+            </a:r>
+            <a:r>
+              <a:rPr lang="sr-Latn-RS" smtClean="0"/>
+              <a:t>Node.js  </a:t>
+            </a:r>
+            <a:r>
+              <a:rPr lang="sr-Latn-RS"/>
+              <a:t>API-je, ali na siguran način</a:t>
             </a:r>
             <a:endParaRPr lang="en-US"/>
           </a:p>
@@ -7744,19 +7909,6 @@
             </a:r>
             <a:endParaRPr lang="sr-Latn-RS" smtClean="0"/>
           </a:p>
-          <a:p>
-            <a:r>
-              <a:rPr lang="en-US" smtClean="0"/>
-              <a:t>Context Isolation</a:t>
-            </a:r>
-            <a:endParaRPr lang="sr-Latn-RS" smtClean="0"/>
-          </a:p>
-          <a:p>
-            <a:r>
-              <a:rPr lang="en-US"/>
-              <a:t>Inter-Process Communication (IPC)</a:t>
-            </a:r>
-          </a:p>
         </p:txBody>
       </p:sp>
     </p:spTree>
@@ -7799,83 +7951,96 @@
             <p:ph type="title"/>
           </p:nvPr>
         </p:nvSpPr>
+        <p:spPr>
+          <a:xfrm>
+            <a:off x="252918" y="1123837"/>
+            <a:ext cx="3139505" cy="4601183"/>
+          </a:xfrm>
+        </p:spPr>
+        <p:txBody>
+          <a:bodyPr/>
+          <a:lstStyle/>
+          <a:p>
+            <a:r>
+              <a:rPr lang="en-US" smtClean="0"/>
+              <a:t>c</a:t>
+            </a:r>
+            <a:r>
+              <a:rPr lang="en-US" smtClean="0"/>
+              <a:t>ontextIsloation</a:t>
+            </a:r>
+            <a:endParaRPr lang="en-US"/>
+          </a:p>
+        </p:txBody>
+      </p:sp>
+      <p:sp>
+        <p:nvSpPr>
+          <p:cNvPr id="3" name="Content Placeholder 2"/>
+          <p:cNvSpPr>
+            <a:spLocks noGrp="1"/>
+          </p:cNvSpPr>
+          <p:nvPr>
+            <p:ph idx="1"/>
+          </p:nvPr>
+        </p:nvSpPr>
         <p:spPr/>
         <p:txBody>
           <a:bodyPr/>
           <a:lstStyle/>
           <a:p>
             <a:r>
-              <a:rPr lang="en-US" smtClean="0"/>
-              <a:t>Context Isloation</a:t>
-            </a:r>
-            <a:endParaRPr lang="en-US"/>
-          </a:p>
-        </p:txBody>
-      </p:sp>
-      <p:sp>
-        <p:nvSpPr>
-          <p:cNvPr id="3" name="Content Placeholder 2"/>
-          <p:cNvSpPr>
-            <a:spLocks noGrp="1"/>
-          </p:cNvSpPr>
-          <p:nvPr>
-            <p:ph idx="1"/>
-          </p:nvPr>
-        </p:nvSpPr>
-        <p:spPr/>
-        <p:txBody>
-          <a:bodyPr/>
-          <a:lstStyle/>
-          <a:p>
-            <a:r>
-              <a:rPr lang="sr-Latn-RS"/>
-              <a:t>Sigurnosna funkcija u Elctron-u  koja osigurava da se skripte u preload kontekstu i interni kod Electron-a izvršavaju u odvojenom kontekstu od web sadržaja u webContents</a:t>
-            </a:r>
-            <a:r>
-              <a:rPr lang="sr-Latn-RS" smtClean="0"/>
+              <a:rPr lang="en-US"/>
+              <a:t>Razdvaja dva JavaScript okruženja: renderer proces (UI) i main proces (</a:t>
+            </a:r>
+            <a:r>
+              <a:rPr lang="en-US"/>
+              <a:t>Node.js</a:t>
+            </a:r>
+            <a:r>
+              <a:rPr lang="en-US" smtClean="0"/>
+              <a:t>).</a:t>
+            </a:r>
+          </a:p>
+          <a:p>
+            <a:r>
+              <a:rPr lang="en-US" smtClean="0"/>
+              <a:t>Sprečava </a:t>
+            </a:r>
+            <a:r>
+              <a:rPr lang="en-US"/>
+              <a:t>renderer proces da direktno koristi Node.js </a:t>
+            </a:r>
+            <a:r>
+              <a:rPr lang="en-US"/>
+              <a:t>funkcionalnosti</a:t>
+            </a:r>
+            <a:r>
+              <a:rPr lang="en-US" smtClean="0"/>
               <a:t>.</a:t>
             </a:r>
           </a:p>
           <a:p>
             <a:r>
-              <a:rPr lang="sr-Latn-RS" smtClean="0"/>
-              <a:t>Sprečava </a:t>
-            </a:r>
-            <a:r>
-              <a:rPr lang="sr-Latn-RS"/>
-              <a:t>web stranice da pristupe Electron internim API-jima ili API-jima koje koristi preload skripta, povećavajući bezbednost aplikacije</a:t>
-            </a:r>
-            <a:r>
-              <a:rPr lang="sr-Latn-RS" smtClean="0"/>
-              <a:t>.</a:t>
-            </a:r>
-          </a:p>
-          <a:p>
-            <a:r>
-              <a:rPr lang="sr-Latn-RS" smtClean="0"/>
-              <a:t>Zaštita </a:t>
-            </a:r>
-            <a:r>
-              <a:rPr lang="sr-Latn-RS"/>
-              <a:t>od malicioznih skripti koje mogu pokušati da pristupe Electron internim </a:t>
-            </a:r>
-            <a:r>
-              <a:rPr lang="sr-Latn-RS" smtClean="0"/>
-              <a:t>funkcijama</a:t>
-            </a:r>
-          </a:p>
-          <a:p>
-            <a:r>
-              <a:rPr lang="sr-Latn-RS" smtClean="0"/>
-              <a:t>Sprečava </a:t>
-            </a:r>
-            <a:r>
-              <a:rPr lang="sr-Latn-RS"/>
-              <a:t>web sadržaj da menja ili manipuliše sa osjetljivim podacima </a:t>
-            </a:r>
-            <a:r>
-              <a:rPr lang="sr-Latn-RS" smtClean="0"/>
-              <a:t>aplikacije</a:t>
+              <a:rPr lang="en-US"/>
+              <a:t>Obezbeđuje zaštitu aplikacije od zlonamernog koda u renderer procesu koji može da pristupi kritičnim funkcijama sistema (npr. čitanje fajlova, pokretanje </a:t>
+            </a:r>
+            <a:r>
+              <a:rPr lang="en-US"/>
+              <a:t>komandi</a:t>
+            </a:r>
+            <a:r>
+              <a:rPr lang="en-US" smtClean="0"/>
+              <a:t>).</a:t>
+            </a:r>
+          </a:p>
+          <a:p>
+            <a:r>
+              <a:rPr lang="en-US" smtClean="0"/>
+              <a:t>Povećava </a:t>
+            </a:r>
+            <a:r>
+              <a:rPr lang="en-US"/>
+              <a:t>bezbednost aplikacije izolovanjem Node.js funkcionalnosti.</a:t>
             </a:r>
             <a:endParaRPr lang="en-US"/>
           </a:p>

--- a/Electron.pptx
+++ b/Electron.pptx
@@ -5,7 +5,7 @@
     <p:sldMasterId id="2147483897" r:id="rId1"/>
   </p:sldMasterIdLst>
   <p:notesMasterIdLst>
-    <p:notesMasterId r:id="rId23"/>
+    <p:notesMasterId r:id="rId21"/>
   </p:notesMasterIdLst>
   <p:sldIdLst>
     <p:sldId id="256" r:id="rId2"/>
@@ -13,22 +13,20 @@
     <p:sldId id="258" r:id="rId4"/>
     <p:sldId id="259" r:id="rId5"/>
     <p:sldId id="260" r:id="rId6"/>
-    <p:sldId id="261" r:id="rId7"/>
-    <p:sldId id="262" r:id="rId8"/>
-    <p:sldId id="263" r:id="rId9"/>
-    <p:sldId id="264" r:id="rId10"/>
-    <p:sldId id="277" r:id="rId11"/>
-    <p:sldId id="265" r:id="rId12"/>
+    <p:sldId id="279" r:id="rId7"/>
+    <p:sldId id="261" r:id="rId8"/>
+    <p:sldId id="277" r:id="rId9"/>
+    <p:sldId id="278" r:id="rId10"/>
+    <p:sldId id="267" r:id="rId11"/>
+    <p:sldId id="274" r:id="rId12"/>
     <p:sldId id="266" r:id="rId13"/>
     <p:sldId id="270" r:id="rId14"/>
     <p:sldId id="271" r:id="rId15"/>
     <p:sldId id="272" r:id="rId16"/>
     <p:sldId id="275" r:id="rId17"/>
     <p:sldId id="276" r:id="rId18"/>
-    <p:sldId id="274" r:id="rId19"/>
-    <p:sldId id="267" r:id="rId20"/>
-    <p:sldId id="268" r:id="rId21"/>
-    <p:sldId id="269" r:id="rId22"/>
+    <p:sldId id="268" r:id="rId19"/>
+    <p:sldId id="269" r:id="rId20"/>
   </p:sldIdLst>
   <p:sldSz cx="12192000" cy="6858000"/>
   <p:notesSz cx="6858000" cy="9144000"/>
@@ -217,7 +215,7 @@
           <a:p>
             <a:fld id="{4DFE1E0F-527B-46D2-A85B-AFD01049E65E}" type="datetimeFigureOut">
               <a:rPr lang="en-US" smtClean="0"/>
-              <a:t>12/1/2024</a:t>
+              <a:t>12/4/2024</a:t>
             </a:fld>
             <a:endParaRPr lang="en-US"/>
           </a:p>
@@ -785,351 +783,6 @@
 </p:notes>
 </file>
 
-<file path=ppt/notesSlides/notesSlide4.xml><?xml version="1.0" encoding="utf-8"?>
-<p:notes xmlns:a="http://schemas.openxmlformats.org/drawingml/2006/main" xmlns:r="http://schemas.openxmlformats.org/officeDocument/2006/relationships" xmlns:p="http://schemas.openxmlformats.org/presentationml/2006/main">
-  <p:cSld>
-    <p:spTree>
-      <p:nvGrpSpPr>
-        <p:cNvPr id="1" name=""/>
-        <p:cNvGrpSpPr/>
-        <p:nvPr/>
-      </p:nvGrpSpPr>
-      <p:grpSpPr>
-        <a:xfrm>
-          <a:off x="0" y="0"/>
-          <a:ext cx="0" cy="0"/>
-          <a:chOff x="0" y="0"/>
-          <a:chExt cx="0" cy="0"/>
-        </a:xfrm>
-      </p:grpSpPr>
-      <p:sp>
-        <p:nvSpPr>
-          <p:cNvPr id="2" name="Slide Image Placeholder 1"/>
-          <p:cNvSpPr>
-            <a:spLocks noGrp="1" noRot="1" noChangeAspect="1"/>
-          </p:cNvSpPr>
-          <p:nvPr>
-            <p:ph type="sldImg"/>
-          </p:nvPr>
-        </p:nvSpPr>
-        <p:spPr/>
-      </p:sp>
-      <p:sp>
-        <p:nvSpPr>
-          <p:cNvPr id="3" name="Notes Placeholder 2"/>
-          <p:cNvSpPr>
-            <a:spLocks noGrp="1"/>
-          </p:cNvSpPr>
-          <p:nvPr>
-            <p:ph type="body" idx="1"/>
-          </p:nvPr>
-        </p:nvSpPr>
-        <p:spPr/>
-        <p:txBody>
-          <a:bodyPr/>
-          <a:lstStyle/>
-          <a:p>
-            <a:r>
-              <a:rPr lang="en-US" b="1" smtClean="0"/>
-              <a:t>Contextna izolacija (Context Isolation)</a:t>
-            </a:r>
-          </a:p>
-          <a:p>
-            <a:r>
-              <a:rPr lang="en-US" b="1" smtClean="0"/>
-              <a:t>Šta je Contextna Izolacija?</a:t>
-            </a:r>
-          </a:p>
-          <a:p>
-            <a:r>
-              <a:rPr lang="en-US" b="1" smtClean="0"/>
-              <a:t>Context Isolation</a:t>
-            </a:r>
-            <a:r>
-              <a:rPr lang="en-US" smtClean="0"/>
-              <a:t> je sigurnosna funkcija u Electron-u koja osigurava da se skripte u </a:t>
-            </a:r>
-            <a:r>
-              <a:rPr lang="en-US" b="1" smtClean="0"/>
-              <a:t>preload</a:t>
-            </a:r>
-            <a:r>
-              <a:rPr lang="en-US" smtClean="0"/>
-              <a:t> kontekstu i </a:t>
-            </a:r>
-            <a:r>
-              <a:rPr lang="en-US" b="1" smtClean="0"/>
-              <a:t>interni kod Electron-a</a:t>
-            </a:r>
-            <a:r>
-              <a:rPr lang="en-US" smtClean="0"/>
-              <a:t> izvršavaju u odvojenom kontekstu od web sadržaja u </a:t>
-            </a:r>
-            <a:r>
-              <a:rPr lang="en-US" b="1" smtClean="0"/>
-              <a:t>webContents</a:t>
-            </a:r>
-            <a:r>
-              <a:rPr lang="en-US" smtClean="0"/>
-              <a:t>.</a:t>
-            </a:r>
-          </a:p>
-          <a:p>
-            <a:r>
-              <a:rPr lang="en-US" smtClean="0"/>
-              <a:t>Sprečava web stranice da pristupe Electron internim API-jima ili API-jima koje koristi preload skripta, povećavajući bezbednost aplikacije.</a:t>
-            </a:r>
-          </a:p>
-          <a:p>
-            <a:r>
-              <a:rPr lang="en-US" b="1" smtClean="0"/>
-              <a:t>Zašto je važna?</a:t>
-            </a:r>
-          </a:p>
-          <a:p>
-            <a:r>
-              <a:rPr lang="en-US" b="1" smtClean="0"/>
-              <a:t>Zaštita od malicioznih skripti</a:t>
-            </a:r>
-            <a:r>
-              <a:rPr lang="en-US" smtClean="0"/>
-              <a:t> koje mogu pokušati da pristupe Electron internim funkcijama.</a:t>
-            </a:r>
-          </a:p>
-          <a:p>
-            <a:r>
-              <a:rPr lang="en-US" smtClean="0"/>
-              <a:t>Sprečava web sadržaj da menja ili manipuliše sa osjetljivim podacima aplikacije.</a:t>
-            </a:r>
-          </a:p>
-          <a:p>
-            <a:r>
-              <a:rPr lang="en-US" b="1" smtClean="0"/>
-              <a:t>Kako funkcioniše?</a:t>
-            </a:r>
-          </a:p>
-          <a:p>
-            <a:r>
-              <a:rPr lang="en-US" b="1" smtClean="0"/>
-              <a:t>Bez Context Isolation</a:t>
-            </a:r>
-            <a:r>
-              <a:rPr lang="en-US" smtClean="0"/>
-              <a:t>: Preload skripta direktno pristupa window objektu.</a:t>
-            </a:r>
-          </a:p>
-          <a:p>
-            <a:pPr lvl="1"/>
-            <a:r>
-              <a:rPr lang="en-US" b="1" smtClean="0"/>
-              <a:t>Primer</a:t>
-            </a:r>
-            <a:r>
-              <a:rPr lang="en-US" smtClean="0"/>
-              <a:t>: window.myAPI = { doAThing: () =&gt; {} } </a:t>
-            </a:r>
-          </a:p>
-          <a:p>
-            <a:r>
-              <a:rPr lang="en-US" b="1" smtClean="0"/>
-              <a:t>Sa Context Isolation</a:t>
-            </a:r>
-            <a:r>
-              <a:rPr lang="en-US" smtClean="0"/>
-              <a:t>: Preload skripta koristi </a:t>
-            </a:r>
-            <a:r>
-              <a:rPr lang="en-US" b="1" smtClean="0"/>
-              <a:t>contextBridge</a:t>
-            </a:r>
-            <a:r>
-              <a:rPr lang="en-US" smtClean="0"/>
-              <a:t> da sigurno izloži API-je.</a:t>
-            </a:r>
-          </a:p>
-          <a:p>
-            <a:pPr lvl="1"/>
-            <a:r>
-              <a:rPr lang="en-US" b="1" smtClean="0"/>
-              <a:t>Primer</a:t>
-            </a:r>
-            <a:r>
-              <a:rPr lang="en-US" smtClean="0"/>
-              <a:t>: const { contextBridge } = require('electron') contextBridge.exposeInMainWorld('myAPI', { doAThing: () =&gt; {} }) </a:t>
-            </a:r>
-          </a:p>
-          <a:p>
-            <a:r>
-              <a:rPr lang="en-US" b="1" smtClean="0"/>
-              <a:t>Renderer</a:t>
-            </a:r>
-            <a:r>
-              <a:rPr lang="en-US" smtClean="0"/>
-              <a:t> koristi window.myAPI za pristup funkcijama na siguran način.</a:t>
-            </a:r>
-          </a:p>
-          <a:p>
-            <a:r>
-              <a:rPr lang="en-US" b="1" smtClean="0"/>
-              <a:t>Migracija na Context Isolation</a:t>
-            </a:r>
-          </a:p>
-          <a:p>
-            <a:r>
-              <a:rPr lang="en-US" b="1" smtClean="0"/>
-              <a:t>Pre nego što je omogućena</a:t>
-            </a:r>
-            <a:r>
-              <a:rPr lang="en-US" smtClean="0"/>
-              <a:t>:</a:t>
-            </a:r>
-          </a:p>
-          <a:p>
-            <a:pPr lvl="1"/>
-            <a:r>
-              <a:rPr lang="en-US" smtClean="0"/>
-              <a:t>Direktan pristup window objektu: window.myAPI = { doAThing: () =&gt; {} } </a:t>
-            </a:r>
-          </a:p>
-          <a:p>
-            <a:r>
-              <a:rPr lang="en-US" b="1" smtClean="0"/>
-              <a:t>Nakon što je omogućena</a:t>
-            </a:r>
-            <a:r>
-              <a:rPr lang="en-US" smtClean="0"/>
-              <a:t>:</a:t>
-            </a:r>
-          </a:p>
-          <a:p>
-            <a:pPr lvl="1"/>
-            <a:r>
-              <a:rPr lang="en-US" smtClean="0"/>
-              <a:t>Korišćenje </a:t>
-            </a:r>
-            <a:r>
-              <a:rPr lang="en-US" b="1" smtClean="0"/>
-              <a:t>contextBridge</a:t>
-            </a:r>
-            <a:r>
-              <a:rPr lang="en-US" smtClean="0"/>
-              <a:t> za izlaganje API-ja: contextBridge.exposeInMainWorld('myAPI', { doAThing: () =&gt; {} }) </a:t>
-            </a:r>
-          </a:p>
-          <a:p>
-            <a:r>
-              <a:rPr lang="en-US" b="1" smtClean="0"/>
-              <a:t>Zaključak</a:t>
-            </a:r>
-          </a:p>
-          <a:p>
-            <a:r>
-              <a:rPr lang="en-US" b="1" smtClean="0"/>
-              <a:t>Context Isolation</a:t>
-            </a:r>
-            <a:r>
-              <a:rPr lang="en-US" smtClean="0"/>
-              <a:t> je podrazumevano omogućena od </a:t>
-            </a:r>
-            <a:r>
-              <a:rPr lang="en-US" b="1" smtClean="0"/>
-              <a:t>Electron 12</a:t>
-            </a:r>
-            <a:r>
-              <a:rPr lang="en-US" smtClean="0"/>
-              <a:t> verzije.</a:t>
-            </a:r>
-          </a:p>
-          <a:p>
-            <a:r>
-              <a:rPr lang="en-US" b="1" smtClean="0"/>
-              <a:t>Povećava sigurnost</a:t>
-            </a:r>
-            <a:r>
-              <a:rPr lang="en-US" smtClean="0"/>
-              <a:t> aplikacija sprečavanjem neželjenog pristupa kritičnim podacima.</a:t>
-            </a:r>
-          </a:p>
-          <a:p>
-            <a:r>
-              <a:rPr lang="en-US" smtClean="0"/>
-              <a:t>Ovaj slajd je sažet i pruža ključne informacije o </a:t>
-            </a:r>
-            <a:r>
-              <a:rPr lang="en-US" b="1" smtClean="0"/>
-              <a:t>Context Isolation-u</a:t>
-            </a:r>
-            <a:r>
-              <a:rPr lang="en-US" smtClean="0"/>
-              <a:t>, uključujući objašnjenje kako funkcioniše, kako se migruje, kao i praktične primjere koda.</a:t>
-            </a:r>
-          </a:p>
-          <a:p>
-            <a:r>
-              <a:rPr lang="sr-Latn-RS" smtClean="0"/>
-              <a:t>Sigurnosna funkcija u Elctron-u  koja osigurava da se skripte u preload kontekstu i interni kod Electron-a izvršavaju u odvojenom kontekstu od web sadržaja u webContents.</a:t>
-            </a:r>
-          </a:p>
-          <a:p>
-            <a:r>
-              <a:rPr lang="sr-Latn-RS" smtClean="0"/>
-              <a:t>Sprečava web stranice da pristupe Electron internim API-jima ili API-jima koje koristi preload skripta, povećavajući bezbednost aplikacije.</a:t>
-            </a:r>
-          </a:p>
-          <a:p>
-            <a:r>
-              <a:rPr lang="sr-Latn-RS" smtClean="0"/>
-              <a:t>Zaštita od malicioznih skripti koje mogu pokušati da pristupe Electron internim funkcijama</a:t>
-            </a:r>
-          </a:p>
-          <a:p>
-            <a:r>
-              <a:rPr lang="sr-Latn-RS" smtClean="0"/>
-              <a:t>Sprečava web sadržaj da menja ili manipuliše sa osjetljivim podacima aplikacije</a:t>
-            </a:r>
-            <a:endParaRPr lang="en-US" smtClean="0"/>
-          </a:p>
-          <a:p>
-            <a:endParaRPr lang="en-US"/>
-          </a:p>
-        </p:txBody>
-      </p:sp>
-      <p:sp>
-        <p:nvSpPr>
-          <p:cNvPr id="4" name="Slide Number Placeholder 3"/>
-          <p:cNvSpPr>
-            <a:spLocks noGrp="1"/>
-          </p:cNvSpPr>
-          <p:nvPr>
-            <p:ph type="sldNum" sz="quarter" idx="10"/>
-          </p:nvPr>
-        </p:nvSpPr>
-        <p:spPr/>
-        <p:txBody>
-          <a:bodyPr/>
-          <a:lstStyle/>
-          <a:p>
-            <a:fld id="{97ADABF1-81E9-47E2-8A72-181159F3D6B8}" type="slidenum">
-              <a:rPr lang="en-US" smtClean="0"/>
-              <a:t>9</a:t>
-            </a:fld>
-            <a:endParaRPr lang="en-US"/>
-          </a:p>
-        </p:txBody>
-      </p:sp>
-    </p:spTree>
-    <p:extLst>
-      <p:ext uri="{BB962C8B-B14F-4D97-AF65-F5344CB8AC3E}">
-        <p14:creationId xmlns:p14="http://schemas.microsoft.com/office/powerpoint/2010/main" val="3787587274"/>
-      </p:ext>
-    </p:extLst>
-  </p:cSld>
-  <p:clrMapOvr>
-    <a:masterClrMapping/>
-  </p:clrMapOvr>
-</p:notes>
-</file>
-
 <file path=ppt/slideLayouts/slideLayout1.xml><?xml version="1.0" encoding="utf-8"?>
 <p:sldLayout xmlns:a="http://schemas.openxmlformats.org/drawingml/2006/main" xmlns:r="http://schemas.openxmlformats.org/officeDocument/2006/relationships" xmlns:p="http://schemas.openxmlformats.org/presentationml/2006/main" showMasterSp="0" type="title" preserve="1">
   <p:cSld name="Title Slide">
@@ -1356,7 +1009,7 @@
           <a:p>
             <a:fld id="{0D8770DD-670C-4CD8-B15B-2899C8AD4439}" type="datetimeFigureOut">
               <a:rPr lang="en-US" smtClean="0"/>
-              <a:t>12/1/2024</a:t>
+              <a:t>12/4/2024</a:t>
             </a:fld>
             <a:endParaRPr lang="en-US"/>
           </a:p>
@@ -1526,7 +1179,7 @@
           <a:p>
             <a:fld id="{0D8770DD-670C-4CD8-B15B-2899C8AD4439}" type="datetimeFigureOut">
               <a:rPr lang="en-US" smtClean="0"/>
-              <a:t>12/1/2024</a:t>
+              <a:t>12/4/2024</a:t>
             </a:fld>
             <a:endParaRPr lang="en-US"/>
           </a:p>
@@ -1706,7 +1359,7 @@
           <a:p>
             <a:fld id="{0D8770DD-670C-4CD8-B15B-2899C8AD4439}" type="datetimeFigureOut">
               <a:rPr lang="en-US" smtClean="0"/>
-              <a:t>12/1/2024</a:t>
+              <a:t>12/4/2024</a:t>
             </a:fld>
             <a:endParaRPr lang="en-US"/>
           </a:p>
@@ -1876,7 +1529,7 @@
           <a:p>
             <a:fld id="{0D8770DD-670C-4CD8-B15B-2899C8AD4439}" type="datetimeFigureOut">
               <a:rPr lang="en-US" smtClean="0"/>
-              <a:t>12/1/2024</a:t>
+              <a:t>12/4/2024</a:t>
             </a:fld>
             <a:endParaRPr lang="en-US"/>
           </a:p>
@@ -2134,7 +1787,7 @@
           <a:p>
             <a:fld id="{0D8770DD-670C-4CD8-B15B-2899C8AD4439}" type="datetimeFigureOut">
               <a:rPr lang="en-US" smtClean="0"/>
-              <a:t>12/1/2024</a:t>
+              <a:t>12/4/2024</a:t>
             </a:fld>
             <a:endParaRPr lang="en-US"/>
           </a:p>
@@ -2422,7 +2075,7 @@
           <a:p>
             <a:fld id="{0D8770DD-670C-4CD8-B15B-2899C8AD4439}" type="datetimeFigureOut">
               <a:rPr lang="en-US" smtClean="0"/>
-              <a:t>12/1/2024</a:t>
+              <a:t>12/4/2024</a:t>
             </a:fld>
             <a:endParaRPr lang="en-US"/>
           </a:p>
@@ -2864,7 +2517,7 @@
           <a:p>
             <a:fld id="{0D8770DD-670C-4CD8-B15B-2899C8AD4439}" type="datetimeFigureOut">
               <a:rPr lang="en-US" smtClean="0"/>
-              <a:t>12/1/2024</a:t>
+              <a:t>12/4/2024</a:t>
             </a:fld>
             <a:endParaRPr lang="en-US"/>
           </a:p>
@@ -2982,7 +2635,7 @@
           <a:p>
             <a:fld id="{0D8770DD-670C-4CD8-B15B-2899C8AD4439}" type="datetimeFigureOut">
               <a:rPr lang="en-US" smtClean="0"/>
-              <a:t>12/1/2024</a:t>
+              <a:t>12/4/2024</a:t>
             </a:fld>
             <a:endParaRPr lang="en-US"/>
           </a:p>
@@ -3077,7 +2730,7 @@
           <a:p>
             <a:fld id="{0D8770DD-670C-4CD8-B15B-2899C8AD4439}" type="datetimeFigureOut">
               <a:rPr lang="en-US" smtClean="0"/>
-              <a:t>12/1/2024</a:t>
+              <a:t>12/4/2024</a:t>
             </a:fld>
             <a:endParaRPr lang="en-US"/>
           </a:p>
@@ -3365,7 +3018,7 @@
           <a:p>
             <a:fld id="{0D8770DD-670C-4CD8-B15B-2899C8AD4439}" type="datetimeFigureOut">
               <a:rPr lang="en-US" smtClean="0"/>
-              <a:t>12/1/2024</a:t>
+              <a:t>12/4/2024</a:t>
             </a:fld>
             <a:endParaRPr lang="en-US"/>
           </a:p>
@@ -3639,7 +3292,7 @@
           <a:p>
             <a:fld id="{0D8770DD-670C-4CD8-B15B-2899C8AD4439}" type="datetimeFigureOut">
               <a:rPr lang="en-US" smtClean="0"/>
-              <a:t>12/1/2024</a:t>
+              <a:t>12/4/2024</a:t>
             </a:fld>
             <a:endParaRPr lang="en-US"/>
           </a:p>
@@ -3938,7 +3591,7 @@
           <a:p>
             <a:fld id="{0D8770DD-670C-4CD8-B15B-2899C8AD4439}" type="datetimeFigureOut">
               <a:rPr lang="en-US" smtClean="0"/>
-              <a:t>12/1/2024</a:t>
+              <a:t>12/4/2024</a:t>
             </a:fld>
             <a:endParaRPr lang="en-US"/>
           </a:p>
@@ -4541,8 +4194,8 @@
           <a:lstStyle/>
           <a:p>
             <a:r>
-              <a:rPr lang="en-US" smtClean="0"/>
-              <a:t>contextBridge</a:t>
+              <a:rPr lang="sr-Latn-RS" smtClean="0"/>
+              <a:t>Prednosti i mane</a:t>
             </a:r>
             <a:endParaRPr lang="en-US"/>
           </a:p>
@@ -4555,81 +4208,140 @@
             <a:spLocks noGrp="1"/>
           </p:cNvSpPr>
           <p:nvPr>
-            <p:ph idx="1"/>
+            <p:ph sz="half" idx="1"/>
           </p:nvPr>
         </p:nvSpPr>
         <p:spPr/>
         <p:txBody>
-          <a:bodyPr/>
-          <a:lstStyle/>
-          <a:p>
+          <a:bodyPr>
+            <a:normAutofit lnSpcReduction="10000"/>
+          </a:bodyPr>
+          <a:lstStyle/>
+          <a:p>
+            <a:pPr marL="0" indent="0" algn="ctr">
+              <a:buNone/>
+            </a:pPr>
+            <a:r>
+              <a:rPr lang="sr-Latn-RS" b="1" smtClean="0"/>
+              <a:t>Prednosti</a:t>
+            </a:r>
+          </a:p>
+          <a:p>
+            <a:r>
+              <a:rPr lang="en-US" smtClean="0"/>
+              <a:t>Jedna </a:t>
+            </a:r>
             <a:r>
               <a:rPr lang="en-US"/>
-              <a:t>Omogućava sigurnu komunikaciju između renderer procesa i main </a:t>
+              <a:t>baza koda za više platformi (Windows, macOS, Linux</a:t>
+            </a:r>
+            <a:r>
+              <a:rPr lang="en-US" smtClean="0"/>
+              <a:t>).</a:t>
+            </a:r>
+            <a:endParaRPr lang="sr-Latn-RS" smtClean="0"/>
+          </a:p>
+          <a:p>
+            <a:r>
+              <a:rPr lang="en-US" smtClean="0"/>
+              <a:t>Upotreba </a:t>
             </a:r>
             <a:r>
               <a:rPr lang="en-US"/>
-              <a:t>procesa</a:t>
+              <a:t>web tehnologija (HTML, CSS, JavaScript) što omogućava lakši prelazak sa web developmenta na desktop aplikacije</a:t>
             </a:r>
             <a:r>
               <a:rPr lang="en-US" smtClean="0"/>
               <a:t>.</a:t>
             </a:r>
-          </a:p>
-          <a:p>
-            <a:r>
-              <a:rPr lang="en-US" smtClean="0"/>
-              <a:t>Izlaže </a:t>
+            <a:endParaRPr lang="sr-Latn-RS" smtClean="0"/>
+          </a:p>
+          <a:p>
+            <a:r>
+              <a:rPr lang="en-US" smtClean="0"/>
+              <a:t>Velika </a:t>
             </a:r>
             <a:r>
               <a:rPr lang="en-US"/>
-              <a:t>samo specifične funkcionalnosti rendereru, sprečavajući direktan pristup opasnim </a:t>
+              <a:t>zajednica i ekosistem alata, pluginova i biblioteka</a:t>
+            </a:r>
+            <a:r>
+              <a:rPr lang="en-US" smtClean="0"/>
+              <a:t>.</a:t>
+            </a:r>
+            <a:endParaRPr lang="sr-Latn-RS" smtClean="0"/>
+          </a:p>
+          <a:p>
+            <a:r>
+              <a:rPr lang="en-US" smtClean="0"/>
+              <a:t>Brza </a:t>
             </a:r>
             <a:r>
               <a:rPr lang="en-US"/>
-              <a:t>API-jima</a:t>
+              <a:t>izrada prototipova zahvaljujući jednostavnom okruženju.</a:t>
+            </a:r>
+          </a:p>
+        </p:txBody>
+      </p:sp>
+      <p:sp>
+        <p:nvSpPr>
+          <p:cNvPr id="4" name="Content Placeholder 3"/>
+          <p:cNvSpPr>
+            <a:spLocks noGrp="1"/>
+          </p:cNvSpPr>
+          <p:nvPr>
+            <p:ph sz="half" idx="2"/>
+          </p:nvPr>
+        </p:nvSpPr>
+        <p:spPr/>
+        <p:txBody>
+          <a:bodyPr>
+            <a:normAutofit lnSpcReduction="10000"/>
+          </a:bodyPr>
+          <a:lstStyle/>
+          <a:p>
+            <a:pPr marL="0" indent="0" algn="ctr">
+              <a:buNone/>
+            </a:pPr>
+            <a:r>
+              <a:rPr lang="sr-Latn-RS" b="1" smtClean="0"/>
+              <a:t>Mane</a:t>
+            </a:r>
+          </a:p>
+          <a:p>
+            <a:r>
+              <a:rPr lang="en-US"/>
+              <a:t>Visoka potrošnja resursa: Svaka aplikacija dolazi sa sopstvenim Chromium i Node.js instancama, što povećava memorijsku i procesorsku potrošnju</a:t>
             </a:r>
             <a:r>
               <a:rPr lang="en-US" smtClean="0"/>
               <a:t>.</a:t>
             </a:r>
-          </a:p>
-          <a:p>
+            <a:endParaRPr lang="sr-Latn-RS" smtClean="0"/>
+          </a:p>
+          <a:p>
+            <a:r>
+              <a:rPr lang="en-US" smtClean="0"/>
+              <a:t>Performanse</a:t>
+            </a:r>
             <a:r>
               <a:rPr lang="en-US"/>
-              <a:t>Pruža kontrolisani pristup funkcijama koje su potrebne rendereru, bez otkrivanja celokupnog Node.js </a:t>
+              <a:t>: Elektron aplikacije mogu biti sporije u odnosu na nativne aplikacije zbog dodatnog sloja Chromium-a</a:t>
+            </a:r>
+            <a:r>
+              <a:rPr lang="en-US" smtClean="0"/>
+              <a:t>.</a:t>
+            </a:r>
+            <a:endParaRPr lang="sr-Latn-RS" smtClean="0"/>
+          </a:p>
+          <a:p>
+            <a:r>
+              <a:rPr lang="en-US" smtClean="0"/>
+              <a:t>Veći </a:t>
             </a:r>
             <a:r>
               <a:rPr lang="en-US"/>
-              <a:t>okruženja</a:t>
-            </a:r>
-            <a:r>
-              <a:rPr lang="en-US" smtClean="0"/>
-              <a:t>.</a:t>
-            </a:r>
-          </a:p>
-          <a:p>
-            <a:r>
-              <a:rPr lang="en-US" smtClean="0"/>
-              <a:t>Čuva </a:t>
-            </a:r>
-            <a:r>
-              <a:rPr lang="en-US"/>
-              <a:t>aplikaciju sigurnom dok omogućava korišćenje određenih </a:t>
-            </a:r>
-            <a:r>
-              <a:rPr lang="en-US"/>
-              <a:t>funkcionalnosti</a:t>
-            </a:r>
-            <a:r>
-              <a:rPr lang="en-US" smtClean="0"/>
-              <a:t>.</a:t>
-            </a:r>
-          </a:p>
-          <a:p>
-            <a:r>
-              <a:rPr lang="en-US"/>
-              <a:t>Preload skripta koristi contextBridge za sigurno izlaganje funkcionalnosti.</a:t>
+              <a:t>fajlovi: Aplikacije mogu imati veće veličine instalacija zbog uključenih zavisnosti kao što su Chromium i Node.js.</a:t>
             </a:r>
           </a:p>
         </p:txBody>
@@ -4637,7 +4349,7 @@
     </p:spTree>
     <p:extLst>
       <p:ext uri="{BB962C8B-B14F-4D97-AF65-F5344CB8AC3E}">
-        <p14:creationId xmlns:p14="http://schemas.microsoft.com/office/powerpoint/2010/main" val="51638563"/>
+        <p14:creationId xmlns:p14="http://schemas.microsoft.com/office/powerpoint/2010/main" val="2339471592"/>
       </p:ext>
     </p:extLst>
   </p:cSld>
@@ -4648,1526 +4360,6 @@
 </file>
 
 <file path=ppt/slides/slide11.xml><?xml version="1.0" encoding="utf-8"?>
-<p:sld xmlns:a="http://schemas.openxmlformats.org/drawingml/2006/main" xmlns:r="http://schemas.openxmlformats.org/officeDocument/2006/relationships" xmlns:p="http://schemas.openxmlformats.org/presentationml/2006/main">
-  <p:cSld>
-    <p:spTree>
-      <p:nvGrpSpPr>
-        <p:cNvPr id="1" name=""/>
-        <p:cNvGrpSpPr/>
-        <p:nvPr/>
-      </p:nvGrpSpPr>
-      <p:grpSpPr>
-        <a:xfrm>
-          <a:off x="0" y="0"/>
-          <a:ext cx="0" cy="0"/>
-          <a:chOff x="0" y="0"/>
-          <a:chExt cx="0" cy="0"/>
-        </a:xfrm>
-      </p:grpSpPr>
-      <p:sp>
-        <p:nvSpPr>
-          <p:cNvPr id="2" name="Title 1"/>
-          <p:cNvSpPr>
-            <a:spLocks noGrp="1"/>
-          </p:cNvSpPr>
-          <p:nvPr>
-            <p:ph type="title"/>
-          </p:nvPr>
-        </p:nvSpPr>
-        <p:spPr>
-          <a:xfrm>
-            <a:off x="252918" y="1123837"/>
-            <a:ext cx="3180563" cy="4601183"/>
-          </a:xfrm>
-        </p:spPr>
-        <p:txBody>
-          <a:bodyPr/>
-          <a:lstStyle/>
-          <a:p>
-            <a:r>
-              <a:rPr lang="en-US"/>
-              <a:t>Inter-Process Communication (IPC)</a:t>
-            </a:r>
-            <a:br>
-              <a:rPr lang="en-US"/>
-            </a:br>
-            <a:endParaRPr lang="en-US"/>
-          </a:p>
-        </p:txBody>
-      </p:sp>
-      <p:sp>
-        <p:nvSpPr>
-          <p:cNvPr id="3" name="Content Placeholder 2"/>
-          <p:cNvSpPr>
-            <a:spLocks noGrp="1"/>
-          </p:cNvSpPr>
-          <p:nvPr>
-            <p:ph idx="1"/>
-          </p:nvPr>
-        </p:nvSpPr>
-        <p:spPr/>
-        <p:txBody>
-          <a:bodyPr/>
-          <a:lstStyle/>
-          <a:p>
-            <a:endParaRPr lang="sr-Latn-RS"/>
-          </a:p>
-          <a:p>
-            <a:r>
-              <a:rPr lang="sr-Latn-RS"/>
-              <a:t>O</a:t>
-            </a:r>
-            <a:r>
-              <a:rPr lang="en-US" smtClean="0"/>
-              <a:t>mogućava </a:t>
-            </a:r>
-            <a:r>
-              <a:rPr lang="en-US"/>
-              <a:t>komunikaciju između </a:t>
-            </a:r>
-            <a:r>
-              <a:rPr lang="en-US" smtClean="0"/>
-              <a:t>glavnog procesa i </a:t>
-            </a:r>
-            <a:r>
-              <a:rPr lang="en-US"/>
-              <a:t>renderer </a:t>
-            </a:r>
-            <a:r>
-              <a:rPr lang="en-US" smtClean="0"/>
-              <a:t>procesa. </a:t>
-            </a:r>
-            <a:endParaRPr lang="sr-Latn-RS" smtClean="0"/>
-          </a:p>
-          <a:p>
-            <a:r>
-              <a:rPr lang="sr-Latn-RS"/>
-              <a:t>O</a:t>
-            </a:r>
-            <a:r>
-              <a:rPr lang="en-US" smtClean="0"/>
-              <a:t>mogućava </a:t>
-            </a:r>
-            <a:r>
-              <a:rPr lang="en-US"/>
-              <a:t>slanje poruka između ovih procesa na siguran i asinkron način. </a:t>
-            </a:r>
-            <a:endParaRPr lang="sr-Latn-RS" smtClean="0"/>
-          </a:p>
-          <a:p>
-            <a:r>
-              <a:rPr lang="en-US" smtClean="0"/>
-              <a:t>Ključni </a:t>
-            </a:r>
-            <a:r>
-              <a:rPr lang="en-US"/>
-              <a:t>koncepti uključuju ipcMain (glavni proces) za primanje poruka i ipcRenderer (renderer proces) za slanje poruka. </a:t>
-            </a:r>
-            <a:endParaRPr lang="sr-Latn-RS" smtClean="0"/>
-          </a:p>
-          <a:p>
-            <a:r>
-              <a:rPr lang="en-US" smtClean="0"/>
-              <a:t>Sigurna </a:t>
-            </a:r>
-            <a:r>
-              <a:rPr lang="en-US"/>
-              <a:t>komunikacija se postiže upotrebom </a:t>
-            </a:r>
-            <a:r>
-              <a:rPr lang="en-US" b="1"/>
-              <a:t>contextBridge</a:t>
-            </a:r>
-            <a:r>
-              <a:rPr lang="en-US"/>
-              <a:t>.</a:t>
-            </a:r>
-          </a:p>
-        </p:txBody>
-      </p:sp>
-    </p:spTree>
-    <p:extLst>
-      <p:ext uri="{BB962C8B-B14F-4D97-AF65-F5344CB8AC3E}">
-        <p14:creationId xmlns:p14="http://schemas.microsoft.com/office/powerpoint/2010/main" val="4104897499"/>
-      </p:ext>
-    </p:extLst>
-  </p:cSld>
-  <p:clrMapOvr>
-    <a:masterClrMapping/>
-  </p:clrMapOvr>
-</p:sld>
-</file>
-
-<file path=ppt/slides/slide12.xml><?xml version="1.0" encoding="utf-8"?>
-<p:sld xmlns:a="http://schemas.openxmlformats.org/drawingml/2006/main" xmlns:r="http://schemas.openxmlformats.org/officeDocument/2006/relationships" xmlns:p="http://schemas.openxmlformats.org/presentationml/2006/main">
-  <p:cSld>
-    <p:spTree>
-      <p:nvGrpSpPr>
-        <p:cNvPr id="1" name=""/>
-        <p:cNvGrpSpPr/>
-        <p:nvPr/>
-      </p:nvGrpSpPr>
-      <p:grpSpPr>
-        <a:xfrm>
-          <a:off x="0" y="0"/>
-          <a:ext cx="0" cy="0"/>
-          <a:chOff x="0" y="0"/>
-          <a:chExt cx="0" cy="0"/>
-        </a:xfrm>
-      </p:grpSpPr>
-      <p:sp>
-        <p:nvSpPr>
-          <p:cNvPr id="2" name="Title 1"/>
-          <p:cNvSpPr>
-            <a:spLocks noGrp="1"/>
-          </p:cNvSpPr>
-          <p:nvPr>
-            <p:ph type="title"/>
-          </p:nvPr>
-        </p:nvSpPr>
-        <p:spPr/>
-        <p:txBody>
-          <a:bodyPr/>
-          <a:lstStyle/>
-          <a:p>
-            <a:r>
-              <a:rPr lang="sr-Latn-RS" smtClean="0"/>
-              <a:t>Kreiranje Electron aplikacije sa React-om</a:t>
-            </a:r>
-            <a:endParaRPr lang="en-US"/>
-          </a:p>
-        </p:txBody>
-      </p:sp>
-      <p:sp>
-        <p:nvSpPr>
-          <p:cNvPr id="3" name="Content Placeholder 2"/>
-          <p:cNvSpPr>
-            <a:spLocks noGrp="1"/>
-          </p:cNvSpPr>
-          <p:nvPr>
-            <p:ph idx="1"/>
-          </p:nvPr>
-        </p:nvSpPr>
-        <p:spPr>
-          <a:xfrm>
-            <a:off x="3869268" y="864108"/>
-            <a:ext cx="7315200" cy="5204998"/>
-          </a:xfrm>
-        </p:spPr>
-        <p:txBody>
-          <a:bodyPr>
-            <a:normAutofit/>
-          </a:bodyPr>
-          <a:lstStyle/>
-          <a:p>
-            <a:pPr marL="0" indent="0">
-              <a:buNone/>
-            </a:pPr>
-            <a:r>
-              <a:rPr lang="en-US" b="1" smtClean="0"/>
-              <a:t>Preduslovi</a:t>
-            </a:r>
-          </a:p>
-          <a:p>
-            <a:r>
-              <a:rPr lang="en-US" smtClean="0"/>
-              <a:t>Node.js i npm : </a:t>
-            </a:r>
-            <a:r>
-              <a:rPr lang="en-US" smtClean="0">
-                <a:hlinkClick r:id="rId2"/>
-              </a:rPr>
-              <a:t>https</a:t>
-            </a:r>
-            <a:r>
-              <a:rPr lang="en-US">
-                <a:hlinkClick r:id="rId2"/>
-              </a:rPr>
-              <a:t>://</a:t>
-            </a:r>
-            <a:r>
-              <a:rPr lang="en-US" smtClean="0">
-                <a:hlinkClick r:id="rId2"/>
-              </a:rPr>
-              <a:t>nodejs.org/en</a:t>
-            </a:r>
-            <a:endParaRPr lang="en-US" smtClean="0"/>
-          </a:p>
-          <a:p>
-            <a:r>
-              <a:rPr lang="en-US" smtClean="0"/>
-              <a:t>Visual </a:t>
-            </a:r>
-            <a:r>
-              <a:rPr lang="en-US"/>
-              <a:t>Studio </a:t>
-            </a:r>
-            <a:r>
-              <a:rPr lang="en-US" smtClean="0"/>
-              <a:t>code: </a:t>
-            </a:r>
-            <a:r>
-              <a:rPr lang="en-US" smtClean="0">
-                <a:hlinkClick r:id="rId3"/>
-              </a:rPr>
-              <a:t>https</a:t>
-            </a:r>
-            <a:r>
-              <a:rPr lang="en-US">
-                <a:hlinkClick r:id="rId3"/>
-              </a:rPr>
-              <a:t>://</a:t>
-            </a:r>
-            <a:r>
-              <a:rPr lang="en-US" smtClean="0">
-                <a:hlinkClick r:id="rId3"/>
-              </a:rPr>
-              <a:t>code.visualstudio.com</a:t>
-            </a:r>
-            <a:endParaRPr lang="en-US" smtClean="0"/>
-          </a:p>
-          <a:p>
-            <a:r>
-              <a:rPr lang="en-US" smtClean="0"/>
-              <a:t>Electron</a:t>
-            </a:r>
-            <a:endParaRPr lang="en-US"/>
-          </a:p>
-        </p:txBody>
-      </p:sp>
-      <p:pic>
-        <p:nvPicPr>
-          <p:cNvPr id="4" name="Picture 3"/>
-          <p:cNvPicPr>
-            <a:picLocks noChangeAspect="1"/>
-          </p:cNvPicPr>
-          <p:nvPr/>
-        </p:nvPicPr>
-        <p:blipFill>
-          <a:blip r:embed="rId4"/>
-          <a:stretch>
-            <a:fillRect/>
-          </a:stretch>
-        </p:blipFill>
-        <p:spPr>
-          <a:xfrm>
-            <a:off x="7916937" y="2142885"/>
-            <a:ext cx="3267531" cy="876422"/>
-          </a:xfrm>
-          <a:prstGeom prst="rect">
-            <a:avLst/>
-          </a:prstGeom>
-        </p:spPr>
-      </p:pic>
-      <p:pic>
-        <p:nvPicPr>
-          <p:cNvPr id="5" name="Picture 4"/>
-          <p:cNvPicPr>
-            <a:picLocks noChangeAspect="1"/>
-          </p:cNvPicPr>
-          <p:nvPr/>
-        </p:nvPicPr>
-        <p:blipFill>
-          <a:blip r:embed="rId5"/>
-          <a:stretch>
-            <a:fillRect/>
-          </a:stretch>
-        </p:blipFill>
-        <p:spPr>
-          <a:xfrm>
-            <a:off x="8317043" y="4087021"/>
-            <a:ext cx="2867425" cy="638264"/>
-          </a:xfrm>
-          <a:prstGeom prst="rect">
-            <a:avLst/>
-          </a:prstGeom>
-        </p:spPr>
-      </p:pic>
-    </p:spTree>
-    <p:extLst>
-      <p:ext uri="{BB962C8B-B14F-4D97-AF65-F5344CB8AC3E}">
-        <p14:creationId xmlns:p14="http://schemas.microsoft.com/office/powerpoint/2010/main" val="920774032"/>
-      </p:ext>
-    </p:extLst>
-  </p:cSld>
-  <p:clrMapOvr>
-    <a:masterClrMapping/>
-  </p:clrMapOvr>
-</p:sld>
-</file>
-
-<file path=ppt/slides/slide13.xml><?xml version="1.0" encoding="utf-8"?>
-<p:sld xmlns:a="http://schemas.openxmlformats.org/drawingml/2006/main" xmlns:r="http://schemas.openxmlformats.org/officeDocument/2006/relationships" xmlns:p="http://schemas.openxmlformats.org/presentationml/2006/main">
-  <p:cSld>
-    <p:spTree>
-      <p:nvGrpSpPr>
-        <p:cNvPr id="1" name=""/>
-        <p:cNvGrpSpPr/>
-        <p:nvPr/>
-      </p:nvGrpSpPr>
-      <p:grpSpPr>
-        <a:xfrm>
-          <a:off x="0" y="0"/>
-          <a:ext cx="0" cy="0"/>
-          <a:chOff x="0" y="0"/>
-          <a:chExt cx="0" cy="0"/>
-        </a:xfrm>
-      </p:grpSpPr>
-      <p:sp>
-        <p:nvSpPr>
-          <p:cNvPr id="2" name="Title 1"/>
-          <p:cNvSpPr>
-            <a:spLocks noGrp="1"/>
-          </p:cNvSpPr>
-          <p:nvPr>
-            <p:ph type="title"/>
-          </p:nvPr>
-        </p:nvSpPr>
-        <p:spPr/>
-        <p:txBody>
-          <a:bodyPr/>
-          <a:lstStyle/>
-          <a:p>
-            <a:r>
-              <a:rPr lang="en-US" smtClean="0"/>
-              <a:t>Kreiranje React aplikacije</a:t>
-            </a:r>
-            <a:endParaRPr lang="en-US"/>
-          </a:p>
-        </p:txBody>
-      </p:sp>
-      <p:pic>
-        <p:nvPicPr>
-          <p:cNvPr id="4" name="Content Placeholder 3"/>
-          <p:cNvPicPr>
-            <a:picLocks noGrp="1" noChangeAspect="1"/>
-          </p:cNvPicPr>
-          <p:nvPr>
-            <p:ph idx="1"/>
-          </p:nvPr>
-        </p:nvPicPr>
-        <p:blipFill>
-          <a:blip r:embed="rId2"/>
-          <a:stretch>
-            <a:fillRect/>
-          </a:stretch>
-        </p:blipFill>
-        <p:spPr>
-          <a:xfrm>
-            <a:off x="4097483" y="1829208"/>
-            <a:ext cx="3639058" cy="895475"/>
-          </a:xfrm>
-          <a:prstGeom prst="rect">
-            <a:avLst/>
-          </a:prstGeom>
-        </p:spPr>
-      </p:pic>
-      <p:pic>
-        <p:nvPicPr>
-          <p:cNvPr id="5" name="Picture 4"/>
-          <p:cNvPicPr>
-            <a:picLocks noChangeAspect="1"/>
-          </p:cNvPicPr>
-          <p:nvPr/>
-        </p:nvPicPr>
-        <p:blipFill>
-          <a:blip r:embed="rId3"/>
-          <a:stretch>
-            <a:fillRect/>
-          </a:stretch>
-        </p:blipFill>
-        <p:spPr>
-          <a:xfrm>
-            <a:off x="4097483" y="3863214"/>
-            <a:ext cx="3734321" cy="676369"/>
-          </a:xfrm>
-          <a:prstGeom prst="rect">
-            <a:avLst/>
-          </a:prstGeom>
-        </p:spPr>
-      </p:pic>
-      <p:sp>
-        <p:nvSpPr>
-          <p:cNvPr id="3" name="TextBox 2"/>
-          <p:cNvSpPr txBox="1"/>
-          <p:nvPr/>
-        </p:nvSpPr>
-        <p:spPr>
-          <a:xfrm>
-            <a:off x="3863788" y="1123837"/>
-            <a:ext cx="7745506" cy="2585323"/>
-          </a:xfrm>
-          <a:prstGeom prst="rect">
-            <a:avLst/>
-          </a:prstGeom>
-          <a:noFill/>
-        </p:spPr>
-        <p:txBody>
-          <a:bodyPr wrap="square" rtlCol="0">
-            <a:spAutoFit/>
-          </a:bodyPr>
-          <a:lstStyle/>
-          <a:p>
-            <a:pPr marL="342900" indent="-342900">
-              <a:buAutoNum type="arabicPeriod"/>
-            </a:pPr>
-            <a:r>
-              <a:rPr lang="en-US" smtClean="0"/>
-              <a:t>Kreiranje React aplikacije </a:t>
-            </a:r>
-            <a:r>
-              <a:rPr lang="sr-Latn-RS" smtClean="0"/>
-              <a:t>i pozicioniranje u kreirani direktorijum </a:t>
-            </a:r>
-            <a:r>
-              <a:rPr lang="en-US" smtClean="0"/>
-              <a:t>pomo</a:t>
-            </a:r>
-            <a:r>
-              <a:rPr lang="sr-Latn-RS" smtClean="0"/>
-              <a:t>ć sledećih komandi</a:t>
-            </a:r>
-          </a:p>
-          <a:p>
-            <a:pPr marL="342900" indent="-342900">
-              <a:buAutoNum type="arabicPeriod"/>
-            </a:pPr>
-            <a:endParaRPr lang="sr-Latn-RS"/>
-          </a:p>
-          <a:p>
-            <a:pPr marL="342900" indent="-342900">
-              <a:buAutoNum type="arabicPeriod"/>
-            </a:pPr>
-            <a:endParaRPr lang="sr-Latn-RS" smtClean="0"/>
-          </a:p>
-          <a:p>
-            <a:pPr marL="342900" indent="-342900">
-              <a:buAutoNum type="arabicPeriod"/>
-            </a:pPr>
-            <a:endParaRPr lang="sr-Latn-RS" smtClean="0"/>
-          </a:p>
-          <a:p>
-            <a:pPr marL="342900" indent="-342900">
-              <a:buAutoNum type="arabicPeriod"/>
-            </a:pPr>
-            <a:endParaRPr lang="sr-Latn-RS" smtClean="0"/>
-          </a:p>
-          <a:p>
-            <a:pPr marL="342900" indent="-342900">
-              <a:buAutoNum type="arabicPeriod"/>
-            </a:pPr>
-            <a:endParaRPr lang="sr-Latn-RS"/>
-          </a:p>
-          <a:p>
-            <a:pPr marL="342900" indent="-342900">
-              <a:buAutoNum type="arabicPeriod"/>
-            </a:pPr>
-            <a:endParaRPr lang="sr-Latn-RS" smtClean="0"/>
-          </a:p>
-          <a:p>
-            <a:pPr marL="342900" indent="-342900">
-              <a:buAutoNum type="arabicPeriod"/>
-            </a:pPr>
-            <a:r>
-              <a:rPr lang="en-US" smtClean="0"/>
-              <a:t>Instaliranje Electron-a u React aplikaciji</a:t>
-            </a:r>
-            <a:endParaRPr lang="en-US"/>
-          </a:p>
-        </p:txBody>
-      </p:sp>
-    </p:spTree>
-    <p:extLst>
-      <p:ext uri="{BB962C8B-B14F-4D97-AF65-F5344CB8AC3E}">
-        <p14:creationId xmlns:p14="http://schemas.microsoft.com/office/powerpoint/2010/main" val="3210545069"/>
-      </p:ext>
-    </p:extLst>
-  </p:cSld>
-  <p:clrMapOvr>
-    <a:masterClrMapping/>
-  </p:clrMapOvr>
-</p:sld>
-</file>
-
-<file path=ppt/slides/slide14.xml><?xml version="1.0" encoding="utf-8"?>
-<p:sld xmlns:a="http://schemas.openxmlformats.org/drawingml/2006/main" xmlns:r="http://schemas.openxmlformats.org/officeDocument/2006/relationships" xmlns:p="http://schemas.openxmlformats.org/presentationml/2006/main">
-  <p:cSld>
-    <p:spTree>
-      <p:nvGrpSpPr>
-        <p:cNvPr id="1" name=""/>
-        <p:cNvGrpSpPr/>
-        <p:nvPr/>
-      </p:nvGrpSpPr>
-      <p:grpSpPr>
-        <a:xfrm>
-          <a:off x="0" y="0"/>
-          <a:ext cx="0" cy="0"/>
-          <a:chOff x="0" y="0"/>
-          <a:chExt cx="0" cy="0"/>
-        </a:xfrm>
-      </p:grpSpPr>
-      <p:sp>
-        <p:nvSpPr>
-          <p:cNvPr id="2" name="Title 1"/>
-          <p:cNvSpPr>
-            <a:spLocks noGrp="1"/>
-          </p:cNvSpPr>
-          <p:nvPr>
-            <p:ph type="title"/>
-          </p:nvPr>
-        </p:nvSpPr>
-        <p:spPr/>
-        <p:txBody>
-          <a:bodyPr/>
-          <a:lstStyle/>
-          <a:p>
-            <a:r>
-              <a:rPr lang="en-US" smtClean="0"/>
-              <a:t>Kreiranje glavnog procesa Electron-a i preload skripte</a:t>
-            </a:r>
-            <a:endParaRPr lang="en-US"/>
-          </a:p>
-        </p:txBody>
-      </p:sp>
-      <p:pic>
-        <p:nvPicPr>
-          <p:cNvPr id="4" name="Content Placeholder 3"/>
-          <p:cNvPicPr>
-            <a:picLocks noGrp="1" noChangeAspect="1"/>
-          </p:cNvPicPr>
-          <p:nvPr>
-            <p:ph idx="1"/>
-          </p:nvPr>
-        </p:nvPicPr>
-        <p:blipFill>
-          <a:blip r:embed="rId2"/>
-          <a:stretch>
-            <a:fillRect/>
-          </a:stretch>
-        </p:blipFill>
-        <p:spPr>
-          <a:xfrm>
-            <a:off x="3554642" y="782919"/>
-            <a:ext cx="4289476" cy="5295268"/>
-          </a:xfrm>
-          <a:prstGeom prst="rect">
-            <a:avLst/>
-          </a:prstGeom>
-        </p:spPr>
-      </p:pic>
-      <p:pic>
-        <p:nvPicPr>
-          <p:cNvPr id="5" name="Picture 4"/>
-          <p:cNvPicPr>
-            <a:picLocks noChangeAspect="1"/>
-          </p:cNvPicPr>
-          <p:nvPr/>
-        </p:nvPicPr>
-        <p:blipFill>
-          <a:blip r:embed="rId3"/>
-          <a:stretch>
-            <a:fillRect/>
-          </a:stretch>
-        </p:blipFill>
-        <p:spPr>
-          <a:xfrm>
-            <a:off x="7844118" y="4598718"/>
-            <a:ext cx="3958052" cy="1479469"/>
-          </a:xfrm>
-          <a:prstGeom prst="rect">
-            <a:avLst/>
-          </a:prstGeom>
-        </p:spPr>
-      </p:pic>
-    </p:spTree>
-    <p:extLst>
-      <p:ext uri="{BB962C8B-B14F-4D97-AF65-F5344CB8AC3E}">
-        <p14:creationId xmlns:p14="http://schemas.microsoft.com/office/powerpoint/2010/main" val="344991108"/>
-      </p:ext>
-    </p:extLst>
-  </p:cSld>
-  <p:clrMapOvr>
-    <a:masterClrMapping/>
-  </p:clrMapOvr>
-</p:sld>
-</file>
-
-<file path=ppt/slides/slide15.xml><?xml version="1.0" encoding="utf-8"?>
-<p:sld xmlns:a="http://schemas.openxmlformats.org/drawingml/2006/main" xmlns:r="http://schemas.openxmlformats.org/officeDocument/2006/relationships" xmlns:p="http://schemas.openxmlformats.org/presentationml/2006/main">
-  <p:cSld>
-    <p:spTree>
-      <p:nvGrpSpPr>
-        <p:cNvPr id="1" name=""/>
-        <p:cNvGrpSpPr/>
-        <p:nvPr/>
-      </p:nvGrpSpPr>
-      <p:grpSpPr>
-        <a:xfrm>
-          <a:off x="0" y="0"/>
-          <a:ext cx="0" cy="0"/>
-          <a:chOff x="0" y="0"/>
-          <a:chExt cx="0" cy="0"/>
-        </a:xfrm>
-      </p:grpSpPr>
-      <p:sp>
-        <p:nvSpPr>
-          <p:cNvPr id="2" name="Title 1"/>
-          <p:cNvSpPr>
-            <a:spLocks noGrp="1"/>
-          </p:cNvSpPr>
-          <p:nvPr>
-            <p:ph type="title"/>
-          </p:nvPr>
-        </p:nvSpPr>
-        <p:spPr/>
-        <p:txBody>
-          <a:bodyPr/>
-          <a:lstStyle/>
-          <a:p>
-            <a:r>
-              <a:rPr lang="en-US" smtClean="0"/>
-              <a:t>Priprema aplikacije za pokretanje</a:t>
-            </a:r>
-            <a:endParaRPr lang="en-US"/>
-          </a:p>
-        </p:txBody>
-      </p:sp>
-      <p:pic>
-        <p:nvPicPr>
-          <p:cNvPr id="4" name="Content Placeholder 3"/>
-          <p:cNvPicPr>
-            <a:picLocks noGrp="1" noChangeAspect="1"/>
-          </p:cNvPicPr>
-          <p:nvPr>
-            <p:ph idx="1"/>
-          </p:nvPr>
-        </p:nvPicPr>
-        <p:blipFill>
-          <a:blip r:embed="rId2"/>
-          <a:stretch>
-            <a:fillRect/>
-          </a:stretch>
-        </p:blipFill>
-        <p:spPr>
-          <a:xfrm>
-            <a:off x="4186518" y="1287323"/>
-            <a:ext cx="1909482" cy="487357"/>
-          </a:xfrm>
-          <a:prstGeom prst="rect">
-            <a:avLst/>
-          </a:prstGeom>
-        </p:spPr>
-      </p:pic>
-      <p:pic>
-        <p:nvPicPr>
-          <p:cNvPr id="6" name="Picture 5"/>
-          <p:cNvPicPr>
-            <a:picLocks noChangeAspect="1"/>
-          </p:cNvPicPr>
-          <p:nvPr/>
-        </p:nvPicPr>
-        <p:blipFill>
-          <a:blip r:embed="rId3"/>
-          <a:stretch>
-            <a:fillRect/>
-          </a:stretch>
-        </p:blipFill>
-        <p:spPr>
-          <a:xfrm>
-            <a:off x="4186518" y="3626030"/>
-            <a:ext cx="3672407" cy="500072"/>
-          </a:xfrm>
-          <a:prstGeom prst="rect">
-            <a:avLst/>
-          </a:prstGeom>
-        </p:spPr>
-      </p:pic>
-      <p:pic>
-        <p:nvPicPr>
-          <p:cNvPr id="3" name="Picture 2"/>
-          <p:cNvPicPr>
-            <a:picLocks noChangeAspect="1"/>
-          </p:cNvPicPr>
-          <p:nvPr/>
-        </p:nvPicPr>
-        <p:blipFill>
-          <a:blip r:embed="rId4"/>
-          <a:stretch>
-            <a:fillRect/>
-          </a:stretch>
-        </p:blipFill>
-        <p:spPr>
-          <a:xfrm>
-            <a:off x="4186518" y="2348430"/>
-            <a:ext cx="5047129" cy="549520"/>
-          </a:xfrm>
-          <a:prstGeom prst="rect">
-            <a:avLst/>
-          </a:prstGeom>
-        </p:spPr>
-      </p:pic>
-      <p:cxnSp>
-        <p:nvCxnSpPr>
-          <p:cNvPr id="8" name="Curved Connector 7"/>
-          <p:cNvCxnSpPr/>
-          <p:nvPr/>
-        </p:nvCxnSpPr>
-        <p:spPr>
-          <a:xfrm>
-            <a:off x="7541698" y="2438400"/>
-            <a:ext cx="1439422" cy="184790"/>
-          </a:xfrm>
-          <a:prstGeom prst="curvedConnector3">
-            <a:avLst>
-              <a:gd name="adj1" fmla="val 115881"/>
-            </a:avLst>
-          </a:prstGeom>
-          <a:ln w="38100">
-            <a:solidFill>
-              <a:srgbClr val="00B0F0"/>
-            </a:solidFill>
-            <a:tailEnd type="triangle"/>
-          </a:ln>
-        </p:spPr>
-        <p:style>
-          <a:lnRef idx="1">
-            <a:schemeClr val="accent1"/>
-          </a:lnRef>
-          <a:fillRef idx="0">
-            <a:schemeClr val="accent1"/>
-          </a:fillRef>
-          <a:effectRef idx="0">
-            <a:schemeClr val="accent1"/>
-          </a:effectRef>
-          <a:fontRef idx="minor">
-            <a:schemeClr val="tx1"/>
-          </a:fontRef>
-        </p:style>
-      </p:cxnSp>
-      <p:sp>
-        <p:nvSpPr>
-          <p:cNvPr id="10" name="TextBox 9"/>
-          <p:cNvSpPr txBox="1"/>
-          <p:nvPr/>
-        </p:nvSpPr>
-        <p:spPr>
-          <a:xfrm>
-            <a:off x="3894577" y="739696"/>
-            <a:ext cx="7928695" cy="3693319"/>
-          </a:xfrm>
-          <a:prstGeom prst="rect">
-            <a:avLst/>
-          </a:prstGeom>
-          <a:noFill/>
-        </p:spPr>
-        <p:txBody>
-          <a:bodyPr wrap="square" rtlCol="0">
-            <a:spAutoFit/>
-          </a:bodyPr>
-          <a:lstStyle/>
-          <a:p>
-            <a:pPr marL="342900" indent="-342900">
-              <a:buClr>
-                <a:schemeClr val="accent1"/>
-              </a:buClr>
-              <a:buAutoNum type="arabicPeriod"/>
-            </a:pPr>
-            <a:r>
-              <a:rPr lang="en-US" smtClean="0"/>
-              <a:t>Pokretanjem slede</a:t>
-            </a:r>
-            <a:r>
-              <a:rPr lang="sr-Latn-RS" smtClean="0"/>
-              <a:t>će komande kreira se direktorijum </a:t>
-            </a:r>
-            <a:r>
-              <a:rPr lang="sr-Latn-RS" b="1" smtClean="0"/>
-              <a:t>build:</a:t>
-            </a:r>
-          </a:p>
-          <a:p>
-            <a:pPr marL="342900" indent="-342900">
-              <a:buClr>
-                <a:schemeClr val="accent1"/>
-              </a:buClr>
-              <a:buAutoNum type="arabicPeriod"/>
-            </a:pPr>
-            <a:endParaRPr lang="sr-Latn-RS" b="1"/>
-          </a:p>
-          <a:p>
-            <a:pPr marL="342900" indent="-342900">
-              <a:buClr>
-                <a:schemeClr val="accent1"/>
-              </a:buClr>
-              <a:buAutoNum type="arabicPeriod"/>
-            </a:pPr>
-            <a:endParaRPr lang="sr-Latn-RS" b="1" smtClean="0"/>
-          </a:p>
-          <a:p>
-            <a:pPr marL="342900" indent="-342900">
-              <a:buClr>
-                <a:schemeClr val="accent1"/>
-              </a:buClr>
-              <a:buAutoNum type="arabicPeriod"/>
-            </a:pPr>
-            <a:endParaRPr lang="sr-Latn-RS" b="1"/>
-          </a:p>
-          <a:p>
-            <a:pPr marL="342900" indent="-342900">
-              <a:buClr>
-                <a:schemeClr val="accent1"/>
-              </a:buClr>
-              <a:buAutoNum type="arabicPeriod"/>
-            </a:pPr>
-            <a:r>
-              <a:rPr lang="sr-Latn-RS" smtClean="0"/>
-              <a:t>U </a:t>
-            </a:r>
-            <a:r>
-              <a:rPr lang="sr-Latn-RS" b="1" smtClean="0"/>
-              <a:t>electron.js </a:t>
-            </a:r>
-            <a:r>
-              <a:rPr lang="sr-Latn-RS" smtClean="0"/>
-              <a:t>fajlu potrebno je promeniti:</a:t>
-            </a:r>
-          </a:p>
-          <a:p>
-            <a:pPr marL="342900" indent="-342900">
-              <a:buClr>
-                <a:schemeClr val="accent1"/>
-              </a:buClr>
-              <a:buAutoNum type="arabicPeriod"/>
-            </a:pPr>
-            <a:endParaRPr lang="sr-Latn-RS"/>
-          </a:p>
-          <a:p>
-            <a:pPr marL="342900" indent="-342900">
-              <a:buClr>
-                <a:schemeClr val="accent1"/>
-              </a:buClr>
-              <a:buAutoNum type="arabicPeriod"/>
-            </a:pPr>
-            <a:endParaRPr lang="sr-Latn-RS" smtClean="0"/>
-          </a:p>
-          <a:p>
-            <a:pPr marL="342900" indent="-342900">
-              <a:buClr>
-                <a:schemeClr val="accent1"/>
-              </a:buClr>
-              <a:buAutoNum type="arabicPeriod"/>
-            </a:pPr>
-            <a:endParaRPr lang="sr-Latn-RS"/>
-          </a:p>
-          <a:p>
-            <a:pPr marL="342900" indent="-342900">
-              <a:buClr>
-                <a:schemeClr val="accent1"/>
-              </a:buClr>
-              <a:buAutoNum type="arabicPeriod"/>
-            </a:pPr>
-            <a:r>
-              <a:rPr lang="sr-Latn-RS" smtClean="0"/>
-              <a:t>Instaliranje potrebnih biblioteka</a:t>
-            </a:r>
-            <a:r>
-              <a:rPr lang="en-US" smtClean="0"/>
-              <a:t>:</a:t>
-            </a:r>
-          </a:p>
-          <a:p>
-            <a:pPr marL="342900" indent="-342900">
-              <a:buAutoNum type="arabicPeriod"/>
-            </a:pPr>
-            <a:endParaRPr lang="en-US"/>
-          </a:p>
-          <a:p>
-            <a:pPr marL="342900" indent="-342900">
-              <a:buAutoNum type="arabicPeriod"/>
-            </a:pPr>
-            <a:endParaRPr lang="en-US" smtClean="0"/>
-          </a:p>
-          <a:p>
-            <a:pPr marL="342900" indent="-342900">
-              <a:buAutoNum type="arabicPeriod"/>
-            </a:pPr>
-            <a:endParaRPr lang="en-US"/>
-          </a:p>
-          <a:p>
-            <a:pPr marL="342900" indent="-342900">
-              <a:buAutoNum type="arabicPeriod"/>
-            </a:pPr>
-            <a:endParaRPr lang="en-US" smtClean="0"/>
-          </a:p>
-        </p:txBody>
-      </p:sp>
-    </p:spTree>
-    <p:extLst>
-      <p:ext uri="{BB962C8B-B14F-4D97-AF65-F5344CB8AC3E}">
-        <p14:creationId xmlns:p14="http://schemas.microsoft.com/office/powerpoint/2010/main" val="657806371"/>
-      </p:ext>
-    </p:extLst>
-  </p:cSld>
-  <p:clrMapOvr>
-    <a:masterClrMapping/>
-  </p:clrMapOvr>
-</p:sld>
-</file>
-
-<file path=ppt/slides/slide16.xml><?xml version="1.0" encoding="utf-8"?>
-<p:sld xmlns:a="http://schemas.openxmlformats.org/drawingml/2006/main" xmlns:r="http://schemas.openxmlformats.org/officeDocument/2006/relationships" xmlns:p="http://schemas.openxmlformats.org/presentationml/2006/main">
-  <p:cSld>
-    <p:spTree>
-      <p:nvGrpSpPr>
-        <p:cNvPr id="1" name=""/>
-        <p:cNvGrpSpPr/>
-        <p:nvPr/>
-      </p:nvGrpSpPr>
-      <p:grpSpPr>
-        <a:xfrm>
-          <a:off x="0" y="0"/>
-          <a:ext cx="0" cy="0"/>
-          <a:chOff x="0" y="0"/>
-          <a:chExt cx="0" cy="0"/>
-        </a:xfrm>
-      </p:grpSpPr>
-      <p:sp>
-        <p:nvSpPr>
-          <p:cNvPr id="2" name="Title 1"/>
-          <p:cNvSpPr>
-            <a:spLocks noGrp="1"/>
-          </p:cNvSpPr>
-          <p:nvPr>
-            <p:ph type="title"/>
-          </p:nvPr>
-        </p:nvSpPr>
-        <p:spPr/>
-        <p:txBody>
-          <a:bodyPr/>
-          <a:lstStyle/>
-          <a:p>
-            <a:r>
-              <a:rPr lang="en-US" smtClean="0"/>
-              <a:t>Pokretanje aplikacije</a:t>
-            </a:r>
-            <a:endParaRPr lang="en-US"/>
-          </a:p>
-        </p:txBody>
-      </p:sp>
-      <p:sp>
-        <p:nvSpPr>
-          <p:cNvPr id="3" name="Content Placeholder 2"/>
-          <p:cNvSpPr>
-            <a:spLocks noGrp="1"/>
-          </p:cNvSpPr>
-          <p:nvPr>
-            <p:ph idx="1"/>
-          </p:nvPr>
-        </p:nvSpPr>
-        <p:spPr>
-          <a:xfrm>
-            <a:off x="3869268" y="864108"/>
-            <a:ext cx="7315200" cy="2694254"/>
-          </a:xfrm>
-        </p:spPr>
-        <p:txBody>
-          <a:bodyPr/>
-          <a:lstStyle/>
-          <a:p>
-            <a:pPr marL="457200" indent="-457200">
-              <a:buAutoNum type="arabicPeriod"/>
-            </a:pPr>
-            <a:r>
-              <a:rPr lang="en-US" smtClean="0"/>
-              <a:t>Modifikovanje </a:t>
-            </a:r>
-            <a:r>
-              <a:rPr lang="en-US" b="1"/>
-              <a:t>package.json </a:t>
-            </a:r>
-            <a:endParaRPr lang="sr-Latn-RS" b="1" smtClean="0"/>
-          </a:p>
-          <a:p>
-            <a:pPr marL="457200" indent="-457200">
-              <a:buAutoNum type="arabicPeriod"/>
-            </a:pPr>
-            <a:endParaRPr lang="sr-Latn-RS"/>
-          </a:p>
-          <a:p>
-            <a:pPr marL="457200" indent="-457200">
-              <a:buAutoNum type="arabicPeriod"/>
-            </a:pPr>
-            <a:endParaRPr lang="sr-Latn-RS" smtClean="0"/>
-          </a:p>
-          <a:p>
-            <a:pPr marL="457200" indent="-457200">
-              <a:buAutoNum type="arabicPeriod"/>
-            </a:pPr>
-            <a:endParaRPr lang="sr-Latn-RS" smtClean="0"/>
-          </a:p>
-          <a:p>
-            <a:pPr marL="457200" indent="-457200">
-              <a:buAutoNum type="arabicPeriod"/>
-            </a:pPr>
-            <a:r>
-              <a:rPr lang="sr-Latn-RS" smtClean="0"/>
-              <a:t>Pokretanje aplikacije</a:t>
-            </a:r>
-            <a:endParaRPr lang="en-US"/>
-          </a:p>
-          <a:p>
-            <a:pPr marL="0" indent="0">
-              <a:buNone/>
-            </a:pPr>
-            <a:endParaRPr lang="en-US"/>
-          </a:p>
-        </p:txBody>
-      </p:sp>
-      <p:pic>
-        <p:nvPicPr>
-          <p:cNvPr id="4" name="Picture 3"/>
-          <p:cNvPicPr>
-            <a:picLocks noChangeAspect="1"/>
-          </p:cNvPicPr>
-          <p:nvPr/>
-        </p:nvPicPr>
-        <p:blipFill>
-          <a:blip r:embed="rId2"/>
-          <a:stretch>
-            <a:fillRect/>
-          </a:stretch>
-        </p:blipFill>
-        <p:spPr>
-          <a:xfrm>
-            <a:off x="4362326" y="1397868"/>
-            <a:ext cx="6911787" cy="1188906"/>
-          </a:xfrm>
-          <a:prstGeom prst="rect">
-            <a:avLst/>
-          </a:prstGeom>
-        </p:spPr>
-      </p:pic>
-      <p:pic>
-        <p:nvPicPr>
-          <p:cNvPr id="5" name="Picture 4"/>
-          <p:cNvPicPr>
-            <a:picLocks noChangeAspect="1"/>
-          </p:cNvPicPr>
-          <p:nvPr/>
-        </p:nvPicPr>
-        <p:blipFill>
-          <a:blip r:embed="rId3"/>
-          <a:stretch>
-            <a:fillRect/>
-          </a:stretch>
-        </p:blipFill>
-        <p:spPr>
-          <a:xfrm>
-            <a:off x="4362326" y="3229654"/>
-            <a:ext cx="2400635" cy="543001"/>
-          </a:xfrm>
-          <a:prstGeom prst="rect">
-            <a:avLst/>
-          </a:prstGeom>
-        </p:spPr>
-      </p:pic>
-      <p:cxnSp>
-        <p:nvCxnSpPr>
-          <p:cNvPr id="6" name="Straight Arrow Connector 5"/>
-          <p:cNvCxnSpPr/>
-          <p:nvPr/>
-        </p:nvCxnSpPr>
-        <p:spPr>
-          <a:xfrm flipH="1">
-            <a:off x="8794376" y="1760952"/>
-            <a:ext cx="1084729" cy="462738"/>
-          </a:xfrm>
-          <a:prstGeom prst="straightConnector1">
-            <a:avLst/>
-          </a:prstGeom>
-          <a:ln w="38100">
-            <a:solidFill>
-              <a:srgbClr val="00B0F0"/>
-            </a:solidFill>
-            <a:tailEnd type="triangle"/>
-          </a:ln>
-        </p:spPr>
-        <p:style>
-          <a:lnRef idx="1">
-            <a:schemeClr val="accent1"/>
-          </a:lnRef>
-          <a:fillRef idx="0">
-            <a:schemeClr val="accent1"/>
-          </a:fillRef>
-          <a:effectRef idx="0">
-            <a:schemeClr val="accent1"/>
-          </a:effectRef>
-          <a:fontRef idx="minor">
-            <a:schemeClr val="tx1"/>
-          </a:fontRef>
-        </p:style>
-      </p:cxnSp>
-    </p:spTree>
-    <p:extLst>
-      <p:ext uri="{BB962C8B-B14F-4D97-AF65-F5344CB8AC3E}">
-        <p14:creationId xmlns:p14="http://schemas.microsoft.com/office/powerpoint/2010/main" val="450575360"/>
-      </p:ext>
-    </p:extLst>
-  </p:cSld>
-  <p:clrMapOvr>
-    <a:masterClrMapping/>
-  </p:clrMapOvr>
-</p:sld>
-</file>
-
-<file path=ppt/slides/slide17.xml><?xml version="1.0" encoding="utf-8"?>
-<p:sld xmlns:a="http://schemas.openxmlformats.org/drawingml/2006/main" xmlns:r="http://schemas.openxmlformats.org/officeDocument/2006/relationships" xmlns:p="http://schemas.openxmlformats.org/presentationml/2006/main">
-  <p:cSld>
-    <p:spTree>
-      <p:nvGrpSpPr>
-        <p:cNvPr id="1" name=""/>
-        <p:cNvGrpSpPr/>
-        <p:nvPr/>
-      </p:nvGrpSpPr>
-      <p:grpSpPr>
-        <a:xfrm>
-          <a:off x="0" y="0"/>
-          <a:ext cx="0" cy="0"/>
-          <a:chOff x="0" y="0"/>
-          <a:chExt cx="0" cy="0"/>
-        </a:xfrm>
-      </p:grpSpPr>
-      <p:sp>
-        <p:nvSpPr>
-          <p:cNvPr id="2" name="Title 1"/>
-          <p:cNvSpPr>
-            <a:spLocks noGrp="1"/>
-          </p:cNvSpPr>
-          <p:nvPr>
-            <p:ph type="title"/>
-          </p:nvPr>
-        </p:nvSpPr>
-        <p:spPr/>
-        <p:txBody>
-          <a:bodyPr/>
-          <a:lstStyle/>
-          <a:p>
-            <a:r>
-              <a:rPr lang="sr-Latn-RS" smtClean="0"/>
-              <a:t>Pakovanje aplikacije</a:t>
-            </a:r>
-            <a:endParaRPr lang="en-US"/>
-          </a:p>
-        </p:txBody>
-      </p:sp>
-      <p:pic>
-        <p:nvPicPr>
-          <p:cNvPr id="4" name="Picture 3"/>
-          <p:cNvPicPr>
-            <a:picLocks noChangeAspect="1"/>
-          </p:cNvPicPr>
-          <p:nvPr/>
-        </p:nvPicPr>
-        <p:blipFill>
-          <a:blip r:embed="rId2"/>
-          <a:stretch>
-            <a:fillRect/>
-          </a:stretch>
-        </p:blipFill>
-        <p:spPr>
-          <a:xfrm>
-            <a:off x="4431727" y="1233505"/>
-            <a:ext cx="3848637" cy="533474"/>
-          </a:xfrm>
-          <a:prstGeom prst="rect">
-            <a:avLst/>
-          </a:prstGeom>
-        </p:spPr>
-      </p:pic>
-      <p:pic>
-        <p:nvPicPr>
-          <p:cNvPr id="5" name="Picture 4"/>
-          <p:cNvPicPr>
-            <a:picLocks noChangeAspect="1"/>
-          </p:cNvPicPr>
-          <p:nvPr/>
-        </p:nvPicPr>
-        <p:blipFill>
-          <a:blip r:embed="rId3"/>
-          <a:stretch>
-            <a:fillRect/>
-          </a:stretch>
-        </p:blipFill>
-        <p:spPr>
-          <a:xfrm>
-            <a:off x="4413077" y="2282776"/>
-            <a:ext cx="7169323" cy="1422832"/>
-          </a:xfrm>
-          <a:prstGeom prst="rect">
-            <a:avLst/>
-          </a:prstGeom>
-        </p:spPr>
-      </p:pic>
-      <p:pic>
-        <p:nvPicPr>
-          <p:cNvPr id="6" name="Picture 5"/>
-          <p:cNvPicPr>
-            <a:picLocks noChangeAspect="1"/>
-          </p:cNvPicPr>
-          <p:nvPr/>
-        </p:nvPicPr>
-        <p:blipFill>
-          <a:blip r:embed="rId4"/>
-          <a:stretch>
-            <a:fillRect/>
-          </a:stretch>
-        </p:blipFill>
-        <p:spPr>
-          <a:xfrm>
-            <a:off x="4431727" y="4196641"/>
-            <a:ext cx="2092014" cy="2226549"/>
-          </a:xfrm>
-          <a:prstGeom prst="rect">
-            <a:avLst/>
-          </a:prstGeom>
-        </p:spPr>
-      </p:pic>
-      <p:sp>
-        <p:nvSpPr>
-          <p:cNvPr id="7" name="TextBox 6"/>
-          <p:cNvSpPr txBox="1"/>
-          <p:nvPr/>
-        </p:nvSpPr>
-        <p:spPr>
-          <a:xfrm>
-            <a:off x="3853437" y="816006"/>
-            <a:ext cx="5005216" cy="3693319"/>
-          </a:xfrm>
-          <a:prstGeom prst="rect">
-            <a:avLst/>
-          </a:prstGeom>
-          <a:noFill/>
-        </p:spPr>
-        <p:txBody>
-          <a:bodyPr wrap="none" rtlCol="0">
-            <a:spAutoFit/>
-          </a:bodyPr>
-          <a:lstStyle/>
-          <a:p>
-            <a:pPr marL="457200" indent="-457200">
-              <a:buClr>
-                <a:schemeClr val="accent6"/>
-              </a:buClr>
-              <a:buAutoNum type="arabicPeriod"/>
-            </a:pPr>
-            <a:r>
-              <a:rPr lang="sr-Latn-RS"/>
-              <a:t>Instaliranje </a:t>
-            </a:r>
-            <a:r>
-              <a:rPr lang="sr-Latn-RS" b="1" smtClean="0"/>
-              <a:t>electron-builder</a:t>
-            </a:r>
-          </a:p>
-          <a:p>
-            <a:pPr marL="457200" indent="-457200">
-              <a:buClr>
-                <a:schemeClr val="accent6"/>
-              </a:buClr>
-              <a:buAutoNum type="arabicPeriod"/>
-            </a:pPr>
-            <a:endParaRPr lang="sr-Latn-RS" smtClean="0"/>
-          </a:p>
-          <a:p>
-            <a:pPr marL="457200" indent="-457200">
-              <a:buClr>
-                <a:schemeClr val="accent6"/>
-              </a:buClr>
-              <a:buAutoNum type="arabicPeriod"/>
-            </a:pPr>
-            <a:endParaRPr lang="sr-Latn-RS"/>
-          </a:p>
-          <a:p>
-            <a:pPr marL="457200" indent="-457200">
-              <a:buClr>
-                <a:schemeClr val="accent6"/>
-              </a:buClr>
-              <a:buAutoNum type="arabicPeriod"/>
-            </a:pPr>
-            <a:endParaRPr lang="sr-Latn-RS"/>
-          </a:p>
-          <a:p>
-            <a:pPr marL="457200" indent="-457200">
-              <a:buClr>
-                <a:schemeClr val="accent6"/>
-              </a:buClr>
-              <a:buAutoNum type="arabicPeriod"/>
-            </a:pPr>
-            <a:r>
-              <a:rPr lang="sr-Latn-RS"/>
-              <a:t>Konfiguracina</a:t>
-            </a:r>
-            <a:r>
-              <a:rPr lang="sr-Latn-RS" b="1"/>
-              <a:t> package.json </a:t>
-            </a:r>
-            <a:r>
-              <a:rPr lang="sr-Latn-RS" smtClean="0"/>
-              <a:t>fajla</a:t>
-            </a:r>
-          </a:p>
-          <a:p>
-            <a:pPr marL="457200" indent="-457200">
-              <a:buClr>
-                <a:schemeClr val="accent6"/>
-              </a:buClr>
-              <a:buAutoNum type="arabicPeriod"/>
-            </a:pPr>
-            <a:endParaRPr lang="sr-Latn-RS"/>
-          </a:p>
-          <a:p>
-            <a:pPr marL="457200" indent="-457200">
-              <a:buClr>
-                <a:schemeClr val="accent6"/>
-              </a:buClr>
-              <a:buAutoNum type="arabicPeriod"/>
-            </a:pPr>
-            <a:endParaRPr lang="sr-Latn-RS" smtClean="0"/>
-          </a:p>
-          <a:p>
-            <a:pPr marL="457200" indent="-457200">
-              <a:buClr>
-                <a:schemeClr val="accent6"/>
-              </a:buClr>
-              <a:buAutoNum type="arabicPeriod"/>
-            </a:pPr>
-            <a:endParaRPr lang="sr-Latn-RS"/>
-          </a:p>
-          <a:p>
-            <a:pPr marL="457200" indent="-457200">
-              <a:buClr>
-                <a:schemeClr val="accent6"/>
-              </a:buClr>
-              <a:buAutoNum type="arabicPeriod"/>
-            </a:pPr>
-            <a:endParaRPr lang="sr-Latn-RS" smtClean="0"/>
-          </a:p>
-          <a:p>
-            <a:pPr marL="457200" indent="-457200">
-              <a:buClr>
-                <a:schemeClr val="accent6"/>
-              </a:buClr>
-              <a:buAutoNum type="arabicPeriod"/>
-            </a:pPr>
-            <a:endParaRPr lang="sr-Latn-RS"/>
-          </a:p>
-          <a:p>
-            <a:pPr marL="457200" indent="-457200">
-              <a:buClr>
-                <a:schemeClr val="accent6"/>
-              </a:buClr>
-              <a:buAutoNum type="arabicPeriod"/>
-            </a:pPr>
-            <a:endParaRPr lang="sr-Latn-RS"/>
-          </a:p>
-          <a:p>
-            <a:pPr marL="457200" indent="-457200">
-              <a:buClr>
-                <a:schemeClr val="accent6"/>
-              </a:buClr>
-              <a:buAutoNum type="arabicPeriod"/>
-            </a:pPr>
-            <a:r>
-              <a:rPr lang="sr-Latn-RS" smtClean="0"/>
-              <a:t>Dodavanje build konfiguracije u </a:t>
-            </a:r>
-            <a:r>
-              <a:rPr lang="sr-Latn-RS" b="1" smtClean="0"/>
-              <a:t>package.json</a:t>
-            </a:r>
-            <a:endParaRPr lang="sr-Latn-RS" b="1"/>
-          </a:p>
-          <a:p>
-            <a:endParaRPr lang="en-US"/>
-          </a:p>
-        </p:txBody>
-      </p:sp>
-      <p:sp>
-        <p:nvSpPr>
-          <p:cNvPr id="8" name="TextBox 7"/>
-          <p:cNvSpPr txBox="1"/>
-          <p:nvPr/>
-        </p:nvSpPr>
-        <p:spPr>
-          <a:xfrm>
-            <a:off x="8910008" y="3827309"/>
-            <a:ext cx="2672392" cy="369332"/>
-          </a:xfrm>
-          <a:prstGeom prst="rect">
-            <a:avLst/>
-          </a:prstGeom>
-          <a:noFill/>
-        </p:spPr>
-        <p:txBody>
-          <a:bodyPr wrap="square" rtlCol="0">
-            <a:spAutoFit/>
-          </a:bodyPr>
-          <a:lstStyle/>
-          <a:p>
-            <a:r>
-              <a:rPr lang="sr-Latn-RS" smtClean="0">
-                <a:solidFill>
-                  <a:schemeClr val="accent6"/>
-                </a:solidFill>
-              </a:rPr>
-              <a:t>4.    </a:t>
-            </a:r>
-            <a:r>
-              <a:rPr lang="sr-Latn-RS" smtClean="0"/>
-              <a:t>Izgradnja aplikacije</a:t>
-            </a:r>
-            <a:endParaRPr lang="en-US"/>
-          </a:p>
-        </p:txBody>
-      </p:sp>
-      <p:pic>
-        <p:nvPicPr>
-          <p:cNvPr id="9" name="Picture 8"/>
-          <p:cNvPicPr>
-            <a:picLocks noChangeAspect="1"/>
-          </p:cNvPicPr>
-          <p:nvPr/>
-        </p:nvPicPr>
-        <p:blipFill>
-          <a:blip r:embed="rId5"/>
-          <a:stretch>
-            <a:fillRect/>
-          </a:stretch>
-        </p:blipFill>
-        <p:spPr>
-          <a:xfrm>
-            <a:off x="9310036" y="4354200"/>
-            <a:ext cx="2272364" cy="700442"/>
-          </a:xfrm>
-          <a:prstGeom prst="rect">
-            <a:avLst/>
-          </a:prstGeom>
-        </p:spPr>
-      </p:pic>
-    </p:spTree>
-    <p:extLst>
-      <p:ext uri="{BB962C8B-B14F-4D97-AF65-F5344CB8AC3E}">
-        <p14:creationId xmlns:p14="http://schemas.microsoft.com/office/powerpoint/2010/main" val="1331219626"/>
-      </p:ext>
-    </p:extLst>
-  </p:cSld>
-  <p:clrMapOvr>
-    <a:masterClrMapping/>
-  </p:clrMapOvr>
-</p:sld>
-</file>
-
-<file path=ppt/slides/slide18.xml><?xml version="1.0" encoding="utf-8"?>
 <p:sld xmlns:a="http://schemas.openxmlformats.org/drawingml/2006/main" xmlns:r="http://schemas.openxmlformats.org/officeDocument/2006/relationships" xmlns:p="http://schemas.openxmlformats.org/presentationml/2006/main">
   <p:cSld>
     <p:spTree>
@@ -6418,7 +4610,7 @@
 </p:sld>
 </file>
 
-<file path=ppt/slides/slide19.xml><?xml version="1.0" encoding="utf-8"?>
+<file path=ppt/slides/slide12.xml><?xml version="1.0" encoding="utf-8"?>
 <p:sld xmlns:a="http://schemas.openxmlformats.org/drawingml/2006/main" xmlns:r="http://schemas.openxmlformats.org/officeDocument/2006/relationships" xmlns:p="http://schemas.openxmlformats.org/presentationml/2006/main">
   <p:cSld>
     <p:spTree>
@@ -6452,7 +4644,7 @@
           <a:p>
             <a:r>
               <a:rPr lang="sr-Latn-RS" smtClean="0"/>
-              <a:t>Prednosti i mane</a:t>
+              <a:t>Kreiranje Electron aplikacije sa React-om</a:t>
             </a:r>
             <a:endParaRPr lang="en-US"/>
           </a:p>
@@ -6465,148 +4657,148 @@
             <a:spLocks noGrp="1"/>
           </p:cNvSpPr>
           <p:nvPr>
-            <p:ph sz="half" idx="1"/>
-          </p:nvPr>
-        </p:nvSpPr>
-        <p:spPr/>
+            <p:ph idx="1"/>
+          </p:nvPr>
+        </p:nvSpPr>
+        <p:spPr>
+          <a:xfrm>
+            <a:off x="3869268" y="864108"/>
+            <a:ext cx="7315200" cy="5204998"/>
+          </a:xfrm>
+        </p:spPr>
         <p:txBody>
           <a:bodyPr>
-            <a:normAutofit lnSpcReduction="10000"/>
+            <a:normAutofit/>
           </a:bodyPr>
           <a:lstStyle/>
           <a:p>
-            <a:pPr marL="0" indent="0" algn="ctr">
+            <a:pPr marL="0" indent="0">
               <a:buNone/>
             </a:pPr>
             <a:r>
-              <a:rPr lang="sr-Latn-RS" b="1" smtClean="0"/>
-              <a:t>Prednosti</a:t>
-            </a:r>
-          </a:p>
-          <a:p>
-            <a:r>
-              <a:rPr lang="en-US" smtClean="0"/>
-              <a:t>Jedna </a:t>
+              <a:rPr lang="en-US" b="1" smtClean="0"/>
+              <a:t>Preduslovi</a:t>
+            </a:r>
+          </a:p>
+          <a:p>
+            <a:r>
+              <a:rPr lang="en-US" smtClean="0"/>
+              <a:t>Node.js i npm : </a:t>
+            </a:r>
+            <a:r>
+              <a:rPr lang="en-US" smtClean="0">
+                <a:hlinkClick r:id="rId2"/>
+              </a:rPr>
+              <a:t>https</a:t>
+            </a:r>
+            <a:r>
+              <a:rPr lang="en-US">
+                <a:hlinkClick r:id="rId2"/>
+              </a:rPr>
+              <a:t>://</a:t>
+            </a:r>
+            <a:r>
+              <a:rPr lang="en-US" smtClean="0">
+                <a:hlinkClick r:id="rId2"/>
+              </a:rPr>
+              <a:t>nodejs.org/en</a:t>
+            </a:r>
+            <a:endParaRPr lang="en-US" smtClean="0"/>
+          </a:p>
+          <a:p>
+            <a:r>
+              <a:rPr lang="en-US" smtClean="0"/>
+              <a:t>Visual </a:t>
             </a:r>
             <a:r>
               <a:rPr lang="en-US"/>
-              <a:t>baza koda za više platformi (Windows, macOS, Linux</a:t>
-            </a:r>
-            <a:r>
-              <a:rPr lang="en-US" smtClean="0"/>
-              <a:t>).</a:t>
-            </a:r>
-            <a:endParaRPr lang="sr-Latn-RS" smtClean="0"/>
-          </a:p>
-          <a:p>
-            <a:r>
-              <a:rPr lang="en-US" smtClean="0"/>
-              <a:t>Upotreba </a:t>
-            </a:r>
-            <a:r>
-              <a:rPr lang="en-US"/>
-              <a:t>web tehnologija (HTML, CSS, JavaScript) što omogućava lakši prelazak sa web developmenta na desktop aplikacije</a:t>
-            </a:r>
-            <a:r>
-              <a:rPr lang="en-US" smtClean="0"/>
-              <a:t>.</a:t>
-            </a:r>
-            <a:endParaRPr lang="sr-Latn-RS" smtClean="0"/>
-          </a:p>
-          <a:p>
-            <a:r>
-              <a:rPr lang="en-US" smtClean="0"/>
-              <a:t>Velika </a:t>
-            </a:r>
-            <a:r>
-              <a:rPr lang="en-US"/>
-              <a:t>zajednica i ekosistem alata, pluginova i biblioteka</a:t>
-            </a:r>
-            <a:r>
-              <a:rPr lang="en-US" smtClean="0"/>
-              <a:t>.</a:t>
-            </a:r>
-            <a:endParaRPr lang="sr-Latn-RS" smtClean="0"/>
-          </a:p>
-          <a:p>
-            <a:r>
-              <a:rPr lang="en-US" smtClean="0"/>
-              <a:t>Brza </a:t>
-            </a:r>
-            <a:r>
-              <a:rPr lang="en-US"/>
-              <a:t>izrada prototipova zahvaljujući jednostavnom okruženju.</a:t>
-            </a:r>
-          </a:p>
-        </p:txBody>
-      </p:sp>
-      <p:sp>
-        <p:nvSpPr>
-          <p:cNvPr id="4" name="Content Placeholder 3"/>
-          <p:cNvSpPr>
-            <a:spLocks noGrp="1"/>
-          </p:cNvSpPr>
-          <p:nvPr>
-            <p:ph sz="half" idx="2"/>
-          </p:nvPr>
-        </p:nvSpPr>
-        <p:spPr/>
-        <p:txBody>
-          <a:bodyPr>
-            <a:normAutofit lnSpcReduction="10000"/>
-          </a:bodyPr>
-          <a:lstStyle/>
-          <a:p>
-            <a:pPr marL="0" indent="0" algn="ctr">
-              <a:buNone/>
-            </a:pPr>
-            <a:r>
-              <a:rPr lang="sr-Latn-RS" b="1" smtClean="0"/>
-              <a:t>Mane</a:t>
-            </a:r>
-          </a:p>
-          <a:p>
-            <a:r>
-              <a:rPr lang="en-US"/>
-              <a:t>Visoka potrošnja resursa: Svaka aplikacija dolazi sa sopstvenim Chromium i Node.js instancama, što povećava memorijsku i procesorsku potrošnju</a:t>
-            </a:r>
-            <a:r>
-              <a:rPr lang="en-US" smtClean="0"/>
-              <a:t>.</a:t>
-            </a:r>
-            <a:endParaRPr lang="sr-Latn-RS" smtClean="0"/>
-          </a:p>
-          <a:p>
-            <a:r>
-              <a:rPr lang="en-US" smtClean="0"/>
-              <a:t>Performanse</a:t>
-            </a:r>
-            <a:r>
-              <a:rPr lang="en-US"/>
-              <a:t>: Elektron aplikacije mogu biti sporije u odnosu na nativne aplikacije zbog dodatnog sloja Chromium-a</a:t>
-            </a:r>
-            <a:r>
-              <a:rPr lang="en-US" smtClean="0"/>
-              <a:t>.</a:t>
-            </a:r>
-            <a:endParaRPr lang="sr-Latn-RS" smtClean="0"/>
-          </a:p>
-          <a:p>
-            <a:r>
-              <a:rPr lang="en-US" smtClean="0"/>
-              <a:t>Veći </a:t>
-            </a:r>
-            <a:r>
-              <a:rPr lang="en-US"/>
-              <a:t>fajlovi: Aplikacije mogu imati veće veličine instalacija zbog uključenih zavisnosti kao što su Chromium i Node.js.</a:t>
-            </a:r>
-          </a:p>
-        </p:txBody>
-      </p:sp>
+              <a:t>Studio </a:t>
+            </a:r>
+            <a:r>
+              <a:rPr lang="en-US" smtClean="0"/>
+              <a:t>code: </a:t>
+            </a:r>
+            <a:r>
+              <a:rPr lang="en-US" smtClean="0">
+                <a:hlinkClick r:id="rId3"/>
+              </a:rPr>
+              <a:t>https</a:t>
+            </a:r>
+            <a:r>
+              <a:rPr lang="en-US">
+                <a:hlinkClick r:id="rId3"/>
+              </a:rPr>
+              <a:t>://</a:t>
+            </a:r>
+            <a:r>
+              <a:rPr lang="en-US" smtClean="0">
+                <a:hlinkClick r:id="rId3"/>
+              </a:rPr>
+              <a:t>code.visualstudio.com</a:t>
+            </a:r>
+            <a:endParaRPr lang="en-US" smtClean="0"/>
+          </a:p>
+          <a:p>
+            <a:r>
+              <a:rPr lang="en-US" smtClean="0"/>
+              <a:t>Electron</a:t>
+            </a:r>
+            <a:endParaRPr lang="en-US"/>
+          </a:p>
+        </p:txBody>
+      </p:sp>
+      <p:pic>
+        <p:nvPicPr>
+          <p:cNvPr id="4" name="Picture 3"/>
+          <p:cNvPicPr>
+            <a:picLocks noChangeAspect="1"/>
+          </p:cNvPicPr>
+          <p:nvPr/>
+        </p:nvPicPr>
+        <p:blipFill>
+          <a:blip r:embed="rId4"/>
+          <a:stretch>
+            <a:fillRect/>
+          </a:stretch>
+        </p:blipFill>
+        <p:spPr>
+          <a:xfrm>
+            <a:off x="7916937" y="2142885"/>
+            <a:ext cx="3267531" cy="876422"/>
+          </a:xfrm>
+          <a:prstGeom prst="rect">
+            <a:avLst/>
+          </a:prstGeom>
+        </p:spPr>
+      </p:pic>
+      <p:pic>
+        <p:nvPicPr>
+          <p:cNvPr id="5" name="Picture 4"/>
+          <p:cNvPicPr>
+            <a:picLocks noChangeAspect="1"/>
+          </p:cNvPicPr>
+          <p:nvPr/>
+        </p:nvPicPr>
+        <p:blipFill>
+          <a:blip r:embed="rId5"/>
+          <a:stretch>
+            <a:fillRect/>
+          </a:stretch>
+        </p:blipFill>
+        <p:spPr>
+          <a:xfrm>
+            <a:off x="8317043" y="4087021"/>
+            <a:ext cx="2867425" cy="638264"/>
+          </a:xfrm>
+          <a:prstGeom prst="rect">
+            <a:avLst/>
+          </a:prstGeom>
+        </p:spPr>
+      </p:pic>
     </p:spTree>
     <p:extLst>
       <p:ext uri="{BB962C8B-B14F-4D97-AF65-F5344CB8AC3E}">
-        <p14:creationId xmlns:p14="http://schemas.microsoft.com/office/powerpoint/2010/main" val="2339471592"/>
+        <p14:creationId xmlns:p14="http://schemas.microsoft.com/office/powerpoint/2010/main" val="920774032"/>
       </p:ext>
     </p:extLst>
   </p:cSld>
@@ -6616,7 +4808,7 @@
 </p:sld>
 </file>
 
-<file path=ppt/slides/slide2.xml><?xml version="1.0" encoding="utf-8"?>
+<file path=ppt/slides/slide13.xml><?xml version="1.0" encoding="utf-8"?>
 <p:sld xmlns:a="http://schemas.openxmlformats.org/drawingml/2006/main" xmlns:r="http://schemas.openxmlformats.org/officeDocument/2006/relationships" xmlns:p="http://schemas.openxmlformats.org/presentationml/2006/main">
   <p:cSld>
     <p:spTree>
@@ -6650,82 +4842,147 @@
           <a:p>
             <a:r>
               <a:rPr lang="en-US" smtClean="0"/>
-              <a:t>SADR</a:t>
-            </a:r>
-            <a:r>
-              <a:rPr lang="sr-Latn-RS" smtClean="0"/>
-              <a:t>ŽAJ</a:t>
+              <a:t>Kreiranje React aplikacije</a:t>
             </a:r>
             <a:endParaRPr lang="en-US"/>
           </a:p>
         </p:txBody>
       </p:sp>
-      <p:sp>
-        <p:nvSpPr>
-          <p:cNvPr id="3" name="Content Placeholder 2"/>
-          <p:cNvSpPr>
-            <a:spLocks noGrp="1"/>
-          </p:cNvSpPr>
+      <p:pic>
+        <p:nvPicPr>
+          <p:cNvPr id="4" name="Content Placeholder 3"/>
+          <p:cNvPicPr>
+            <a:picLocks noGrp="1" noChangeAspect="1"/>
+          </p:cNvPicPr>
           <p:nvPr>
             <p:ph idx="1"/>
           </p:nvPr>
-        </p:nvSpPr>
-        <p:spPr/>
-        <p:txBody>
-          <a:bodyPr/>
-          <a:lstStyle/>
-          <a:p>
-            <a:pPr marL="457200" indent="-457200">
+        </p:nvPicPr>
+        <p:blipFill>
+          <a:blip r:embed="rId2"/>
+          <a:stretch>
+            <a:fillRect/>
+          </a:stretch>
+        </p:blipFill>
+        <p:spPr>
+          <a:xfrm>
+            <a:off x="4097483" y="1829208"/>
+            <a:ext cx="3639058" cy="895475"/>
+          </a:xfrm>
+          <a:prstGeom prst="rect">
+            <a:avLst/>
+          </a:prstGeom>
+        </p:spPr>
+      </p:pic>
+      <p:pic>
+        <p:nvPicPr>
+          <p:cNvPr id="5" name="Picture 4"/>
+          <p:cNvPicPr>
+            <a:picLocks noChangeAspect="1"/>
+          </p:cNvPicPr>
+          <p:nvPr/>
+        </p:nvPicPr>
+        <p:blipFill>
+          <a:blip r:embed="rId3"/>
+          <a:stretch>
+            <a:fillRect/>
+          </a:stretch>
+        </p:blipFill>
+        <p:spPr>
+          <a:xfrm>
+            <a:off x="4097483" y="3863214"/>
+            <a:ext cx="3734321" cy="676369"/>
+          </a:xfrm>
+          <a:prstGeom prst="rect">
+            <a:avLst/>
+          </a:prstGeom>
+        </p:spPr>
+      </p:pic>
+      <p:sp>
+        <p:nvSpPr>
+          <p:cNvPr id="3" name="TextBox 2"/>
+          <p:cNvSpPr txBox="1"/>
+          <p:nvPr/>
+        </p:nvSpPr>
+        <p:spPr>
+          <a:xfrm>
+            <a:off x="3863788" y="1123837"/>
+            <a:ext cx="7745506" cy="2585323"/>
+          </a:xfrm>
+          <a:prstGeom prst="rect">
+            <a:avLst/>
+          </a:prstGeom>
+          <a:noFill/>
+        </p:spPr>
+        <p:txBody>
+          <a:bodyPr wrap="square" rtlCol="0">
+            <a:spAutoFit/>
+          </a:bodyPr>
+          <a:lstStyle/>
+          <a:p>
+            <a:pPr marL="342900" indent="-342900">
               <a:buAutoNum type="arabicPeriod"/>
             </a:pPr>
             <a:r>
+              <a:rPr lang="en-US" smtClean="0"/>
+              <a:t>Kreiranje React aplikacije </a:t>
+            </a:r>
+            <a:r>
               <a:rPr lang="sr-Latn-RS" smtClean="0"/>
-              <a:t>Šta je Electron</a:t>
-            </a:r>
-          </a:p>
-          <a:p>
-            <a:pPr marL="457200" indent="-457200">
+              <a:t>i pozicioniranje u kreirani direktorijum </a:t>
+            </a:r>
+            <a:r>
+              <a:rPr lang="en-US" smtClean="0"/>
+              <a:t>pomo</a:t>
+            </a:r>
+            <a:r>
+              <a:rPr lang="sr-Latn-RS" smtClean="0"/>
+              <a:t>ć sledećih komandi</a:t>
+            </a:r>
+          </a:p>
+          <a:p>
+            <a:pPr marL="342900" indent="-342900">
               <a:buAutoNum type="arabicPeriod"/>
             </a:pPr>
-            <a:r>
-              <a:rPr lang="sr-Latn-RS" smtClean="0"/>
-              <a:t>Ključne komponente</a:t>
-            </a:r>
-          </a:p>
-          <a:p>
-            <a:pPr marL="457200" indent="-457200">
+            <a:endParaRPr lang="sr-Latn-RS"/>
+          </a:p>
+          <a:p>
+            <a:pPr marL="342900" indent="-342900">
               <a:buAutoNum type="arabicPeriod"/>
             </a:pPr>
-            <a:r>
-              <a:rPr lang="sr-Latn-RS" smtClean="0"/>
-              <a:t>Procesni model</a:t>
-            </a:r>
-          </a:p>
-          <a:p>
-            <a:pPr marL="457200" indent="-457200">
+            <a:endParaRPr lang="sr-Latn-RS" smtClean="0"/>
+          </a:p>
+          <a:p>
+            <a:pPr marL="342900" indent="-342900">
               <a:buAutoNum type="arabicPeriod"/>
             </a:pPr>
-            <a:r>
-              <a:rPr lang="sr-Latn-RS" smtClean="0"/>
-              <a:t>Bezbednost</a:t>
-            </a:r>
-          </a:p>
-          <a:p>
-            <a:pPr marL="457200" indent="-457200">
+            <a:endParaRPr lang="sr-Latn-RS" smtClean="0"/>
+          </a:p>
+          <a:p>
+            <a:pPr marL="342900" indent="-342900">
               <a:buAutoNum type="arabicPeriod"/>
             </a:pPr>
-            <a:r>
-              <a:rPr lang="sr-Latn-RS" smtClean="0"/>
-              <a:t>Kreiranje Electron aplikacije sa React-om </a:t>
-            </a:r>
-          </a:p>
-          <a:p>
-            <a:pPr marL="457200" indent="-457200">
+            <a:endParaRPr lang="sr-Latn-RS" smtClean="0"/>
+          </a:p>
+          <a:p>
+            <a:pPr marL="342900" indent="-342900">
               <a:buAutoNum type="arabicPeriod"/>
             </a:pPr>
-            <a:r>
-              <a:rPr lang="sr-Latn-RS" smtClean="0"/>
-              <a:t>Prednosti i mane</a:t>
+            <a:endParaRPr lang="sr-Latn-RS"/>
+          </a:p>
+          <a:p>
+            <a:pPr marL="342900" indent="-342900">
+              <a:buAutoNum type="arabicPeriod"/>
+            </a:pPr>
+            <a:endParaRPr lang="sr-Latn-RS" smtClean="0"/>
+          </a:p>
+          <a:p>
+            <a:pPr marL="342900" indent="-342900">
+              <a:buAutoNum type="arabicPeriod"/>
+            </a:pPr>
+            <a:r>
+              <a:rPr lang="en-US" smtClean="0"/>
+              <a:t>Instaliranje Electron-a u React aplikaciji</a:t>
             </a:r>
             <a:endParaRPr lang="en-US"/>
           </a:p>
@@ -6734,7 +4991,7 @@
     </p:spTree>
     <p:extLst>
       <p:ext uri="{BB962C8B-B14F-4D97-AF65-F5344CB8AC3E}">
-        <p14:creationId xmlns:p14="http://schemas.microsoft.com/office/powerpoint/2010/main" val="11312236"/>
+        <p14:creationId xmlns:p14="http://schemas.microsoft.com/office/powerpoint/2010/main" val="3210545069"/>
       </p:ext>
     </p:extLst>
   </p:cSld>
@@ -6744,7 +5001,7 @@
 </p:sld>
 </file>
 
-<file path=ppt/slides/slide20.xml><?xml version="1.0" encoding="utf-8"?>
+<file path=ppt/slides/slide14.xml><?xml version="1.0" encoding="utf-8"?>
 <p:sld xmlns:a="http://schemas.openxmlformats.org/drawingml/2006/main" xmlns:r="http://schemas.openxmlformats.org/officeDocument/2006/relationships" xmlns:p="http://schemas.openxmlformats.org/presentationml/2006/main">
   <p:cSld>
     <p:spTree>
@@ -6777,6 +5034,984 @@
           <a:lstStyle/>
           <a:p>
             <a:r>
+              <a:rPr lang="en-US" smtClean="0"/>
+              <a:t>Kreiranje glavnog procesa Electron-a i preload skripte</a:t>
+            </a:r>
+            <a:endParaRPr lang="en-US"/>
+          </a:p>
+        </p:txBody>
+      </p:sp>
+      <p:pic>
+        <p:nvPicPr>
+          <p:cNvPr id="4" name="Content Placeholder 3"/>
+          <p:cNvPicPr>
+            <a:picLocks noGrp="1" noChangeAspect="1"/>
+          </p:cNvPicPr>
+          <p:nvPr>
+            <p:ph idx="1"/>
+          </p:nvPr>
+        </p:nvPicPr>
+        <p:blipFill>
+          <a:blip r:embed="rId2"/>
+          <a:stretch>
+            <a:fillRect/>
+          </a:stretch>
+        </p:blipFill>
+        <p:spPr>
+          <a:xfrm>
+            <a:off x="3554642" y="782919"/>
+            <a:ext cx="4289476" cy="5295268"/>
+          </a:xfrm>
+          <a:prstGeom prst="rect">
+            <a:avLst/>
+          </a:prstGeom>
+        </p:spPr>
+      </p:pic>
+      <p:pic>
+        <p:nvPicPr>
+          <p:cNvPr id="5" name="Picture 4"/>
+          <p:cNvPicPr>
+            <a:picLocks noChangeAspect="1"/>
+          </p:cNvPicPr>
+          <p:nvPr/>
+        </p:nvPicPr>
+        <p:blipFill>
+          <a:blip r:embed="rId3"/>
+          <a:stretch>
+            <a:fillRect/>
+          </a:stretch>
+        </p:blipFill>
+        <p:spPr>
+          <a:xfrm>
+            <a:off x="7844118" y="4598718"/>
+            <a:ext cx="3958052" cy="1479469"/>
+          </a:xfrm>
+          <a:prstGeom prst="rect">
+            <a:avLst/>
+          </a:prstGeom>
+        </p:spPr>
+      </p:pic>
+    </p:spTree>
+    <p:extLst>
+      <p:ext uri="{BB962C8B-B14F-4D97-AF65-F5344CB8AC3E}">
+        <p14:creationId xmlns:p14="http://schemas.microsoft.com/office/powerpoint/2010/main" val="344991108"/>
+      </p:ext>
+    </p:extLst>
+  </p:cSld>
+  <p:clrMapOvr>
+    <a:masterClrMapping/>
+  </p:clrMapOvr>
+</p:sld>
+</file>
+
+<file path=ppt/slides/slide15.xml><?xml version="1.0" encoding="utf-8"?>
+<p:sld xmlns:a="http://schemas.openxmlformats.org/drawingml/2006/main" xmlns:r="http://schemas.openxmlformats.org/officeDocument/2006/relationships" xmlns:p="http://schemas.openxmlformats.org/presentationml/2006/main">
+  <p:cSld>
+    <p:spTree>
+      <p:nvGrpSpPr>
+        <p:cNvPr id="1" name=""/>
+        <p:cNvGrpSpPr/>
+        <p:nvPr/>
+      </p:nvGrpSpPr>
+      <p:grpSpPr>
+        <a:xfrm>
+          <a:off x="0" y="0"/>
+          <a:ext cx="0" cy="0"/>
+          <a:chOff x="0" y="0"/>
+          <a:chExt cx="0" cy="0"/>
+        </a:xfrm>
+      </p:grpSpPr>
+      <p:sp>
+        <p:nvSpPr>
+          <p:cNvPr id="2" name="Title 1"/>
+          <p:cNvSpPr>
+            <a:spLocks noGrp="1"/>
+          </p:cNvSpPr>
+          <p:nvPr>
+            <p:ph type="title"/>
+          </p:nvPr>
+        </p:nvSpPr>
+        <p:spPr/>
+        <p:txBody>
+          <a:bodyPr/>
+          <a:lstStyle/>
+          <a:p>
+            <a:r>
+              <a:rPr lang="en-US" smtClean="0"/>
+              <a:t>Priprema aplikacije za pokretanje</a:t>
+            </a:r>
+            <a:endParaRPr lang="en-US"/>
+          </a:p>
+        </p:txBody>
+      </p:sp>
+      <p:pic>
+        <p:nvPicPr>
+          <p:cNvPr id="4" name="Content Placeholder 3"/>
+          <p:cNvPicPr>
+            <a:picLocks noGrp="1" noChangeAspect="1"/>
+          </p:cNvPicPr>
+          <p:nvPr>
+            <p:ph idx="1"/>
+          </p:nvPr>
+        </p:nvPicPr>
+        <p:blipFill>
+          <a:blip r:embed="rId2"/>
+          <a:stretch>
+            <a:fillRect/>
+          </a:stretch>
+        </p:blipFill>
+        <p:spPr>
+          <a:xfrm>
+            <a:off x="4186518" y="1287323"/>
+            <a:ext cx="1909482" cy="487357"/>
+          </a:xfrm>
+          <a:prstGeom prst="rect">
+            <a:avLst/>
+          </a:prstGeom>
+        </p:spPr>
+      </p:pic>
+      <p:pic>
+        <p:nvPicPr>
+          <p:cNvPr id="6" name="Picture 5"/>
+          <p:cNvPicPr>
+            <a:picLocks noChangeAspect="1"/>
+          </p:cNvPicPr>
+          <p:nvPr/>
+        </p:nvPicPr>
+        <p:blipFill>
+          <a:blip r:embed="rId3"/>
+          <a:stretch>
+            <a:fillRect/>
+          </a:stretch>
+        </p:blipFill>
+        <p:spPr>
+          <a:xfrm>
+            <a:off x="4186518" y="3626030"/>
+            <a:ext cx="3672407" cy="500072"/>
+          </a:xfrm>
+          <a:prstGeom prst="rect">
+            <a:avLst/>
+          </a:prstGeom>
+        </p:spPr>
+      </p:pic>
+      <p:pic>
+        <p:nvPicPr>
+          <p:cNvPr id="3" name="Picture 2"/>
+          <p:cNvPicPr>
+            <a:picLocks noChangeAspect="1"/>
+          </p:cNvPicPr>
+          <p:nvPr/>
+        </p:nvPicPr>
+        <p:blipFill>
+          <a:blip r:embed="rId4"/>
+          <a:stretch>
+            <a:fillRect/>
+          </a:stretch>
+        </p:blipFill>
+        <p:spPr>
+          <a:xfrm>
+            <a:off x="4186518" y="2348430"/>
+            <a:ext cx="5047129" cy="549520"/>
+          </a:xfrm>
+          <a:prstGeom prst="rect">
+            <a:avLst/>
+          </a:prstGeom>
+        </p:spPr>
+      </p:pic>
+      <p:cxnSp>
+        <p:nvCxnSpPr>
+          <p:cNvPr id="8" name="Curved Connector 7"/>
+          <p:cNvCxnSpPr/>
+          <p:nvPr/>
+        </p:nvCxnSpPr>
+        <p:spPr>
+          <a:xfrm>
+            <a:off x="7541698" y="2438400"/>
+            <a:ext cx="1439422" cy="184790"/>
+          </a:xfrm>
+          <a:prstGeom prst="curvedConnector3">
+            <a:avLst>
+              <a:gd name="adj1" fmla="val 115881"/>
+            </a:avLst>
+          </a:prstGeom>
+          <a:ln w="38100">
+            <a:solidFill>
+              <a:srgbClr val="00B0F0"/>
+            </a:solidFill>
+            <a:tailEnd type="triangle"/>
+          </a:ln>
+        </p:spPr>
+        <p:style>
+          <a:lnRef idx="1">
+            <a:schemeClr val="accent1"/>
+          </a:lnRef>
+          <a:fillRef idx="0">
+            <a:schemeClr val="accent1"/>
+          </a:fillRef>
+          <a:effectRef idx="0">
+            <a:schemeClr val="accent1"/>
+          </a:effectRef>
+          <a:fontRef idx="minor">
+            <a:schemeClr val="tx1"/>
+          </a:fontRef>
+        </p:style>
+      </p:cxnSp>
+      <p:sp>
+        <p:nvSpPr>
+          <p:cNvPr id="10" name="TextBox 9"/>
+          <p:cNvSpPr txBox="1"/>
+          <p:nvPr/>
+        </p:nvSpPr>
+        <p:spPr>
+          <a:xfrm>
+            <a:off x="3894577" y="739696"/>
+            <a:ext cx="7928695" cy="3693319"/>
+          </a:xfrm>
+          <a:prstGeom prst="rect">
+            <a:avLst/>
+          </a:prstGeom>
+          <a:noFill/>
+        </p:spPr>
+        <p:txBody>
+          <a:bodyPr wrap="square" rtlCol="0">
+            <a:spAutoFit/>
+          </a:bodyPr>
+          <a:lstStyle/>
+          <a:p>
+            <a:pPr marL="342900" indent="-342900">
+              <a:buClr>
+                <a:schemeClr val="accent1"/>
+              </a:buClr>
+              <a:buAutoNum type="arabicPeriod"/>
+            </a:pPr>
+            <a:r>
+              <a:rPr lang="en-US" smtClean="0"/>
+              <a:t>Pokretanjem slede</a:t>
+            </a:r>
+            <a:r>
+              <a:rPr lang="sr-Latn-RS" smtClean="0"/>
+              <a:t>će komande kreira se direktorijum </a:t>
+            </a:r>
+            <a:r>
+              <a:rPr lang="sr-Latn-RS" b="1" smtClean="0"/>
+              <a:t>build:</a:t>
+            </a:r>
+          </a:p>
+          <a:p>
+            <a:pPr marL="342900" indent="-342900">
+              <a:buClr>
+                <a:schemeClr val="accent1"/>
+              </a:buClr>
+              <a:buAutoNum type="arabicPeriod"/>
+            </a:pPr>
+            <a:endParaRPr lang="sr-Latn-RS" b="1"/>
+          </a:p>
+          <a:p>
+            <a:pPr marL="342900" indent="-342900">
+              <a:buClr>
+                <a:schemeClr val="accent1"/>
+              </a:buClr>
+              <a:buAutoNum type="arabicPeriod"/>
+            </a:pPr>
+            <a:endParaRPr lang="sr-Latn-RS" b="1" smtClean="0"/>
+          </a:p>
+          <a:p>
+            <a:pPr marL="342900" indent="-342900">
+              <a:buClr>
+                <a:schemeClr val="accent1"/>
+              </a:buClr>
+              <a:buAutoNum type="arabicPeriod"/>
+            </a:pPr>
+            <a:endParaRPr lang="sr-Latn-RS" b="1"/>
+          </a:p>
+          <a:p>
+            <a:pPr marL="342900" indent="-342900">
+              <a:buClr>
+                <a:schemeClr val="accent1"/>
+              </a:buClr>
+              <a:buAutoNum type="arabicPeriod"/>
+            </a:pPr>
+            <a:r>
+              <a:rPr lang="sr-Latn-RS" smtClean="0"/>
+              <a:t>U </a:t>
+            </a:r>
+            <a:r>
+              <a:rPr lang="sr-Latn-RS" b="1" smtClean="0"/>
+              <a:t>electron.js </a:t>
+            </a:r>
+            <a:r>
+              <a:rPr lang="sr-Latn-RS" smtClean="0"/>
+              <a:t>fajlu potrebno je promeniti:</a:t>
+            </a:r>
+          </a:p>
+          <a:p>
+            <a:pPr marL="342900" indent="-342900">
+              <a:buClr>
+                <a:schemeClr val="accent1"/>
+              </a:buClr>
+              <a:buAutoNum type="arabicPeriod"/>
+            </a:pPr>
+            <a:endParaRPr lang="sr-Latn-RS"/>
+          </a:p>
+          <a:p>
+            <a:pPr marL="342900" indent="-342900">
+              <a:buClr>
+                <a:schemeClr val="accent1"/>
+              </a:buClr>
+              <a:buAutoNum type="arabicPeriod"/>
+            </a:pPr>
+            <a:endParaRPr lang="sr-Latn-RS" smtClean="0"/>
+          </a:p>
+          <a:p>
+            <a:pPr marL="342900" indent="-342900">
+              <a:buClr>
+                <a:schemeClr val="accent1"/>
+              </a:buClr>
+              <a:buAutoNum type="arabicPeriod"/>
+            </a:pPr>
+            <a:endParaRPr lang="sr-Latn-RS"/>
+          </a:p>
+          <a:p>
+            <a:pPr marL="342900" indent="-342900">
+              <a:buClr>
+                <a:schemeClr val="accent1"/>
+              </a:buClr>
+              <a:buAutoNum type="arabicPeriod"/>
+            </a:pPr>
+            <a:r>
+              <a:rPr lang="sr-Latn-RS" smtClean="0"/>
+              <a:t>Instaliranje potrebnih biblioteka</a:t>
+            </a:r>
+            <a:r>
+              <a:rPr lang="en-US" smtClean="0"/>
+              <a:t>:</a:t>
+            </a:r>
+          </a:p>
+          <a:p>
+            <a:pPr marL="342900" indent="-342900">
+              <a:buAutoNum type="arabicPeriod"/>
+            </a:pPr>
+            <a:endParaRPr lang="en-US"/>
+          </a:p>
+          <a:p>
+            <a:pPr marL="342900" indent="-342900">
+              <a:buAutoNum type="arabicPeriod"/>
+            </a:pPr>
+            <a:endParaRPr lang="en-US" smtClean="0"/>
+          </a:p>
+          <a:p>
+            <a:pPr marL="342900" indent="-342900">
+              <a:buAutoNum type="arabicPeriod"/>
+            </a:pPr>
+            <a:endParaRPr lang="en-US"/>
+          </a:p>
+          <a:p>
+            <a:pPr marL="342900" indent="-342900">
+              <a:buAutoNum type="arabicPeriod"/>
+            </a:pPr>
+            <a:endParaRPr lang="en-US" smtClean="0"/>
+          </a:p>
+        </p:txBody>
+      </p:sp>
+    </p:spTree>
+    <p:extLst>
+      <p:ext uri="{BB962C8B-B14F-4D97-AF65-F5344CB8AC3E}">
+        <p14:creationId xmlns:p14="http://schemas.microsoft.com/office/powerpoint/2010/main" val="657806371"/>
+      </p:ext>
+    </p:extLst>
+  </p:cSld>
+  <p:clrMapOvr>
+    <a:masterClrMapping/>
+  </p:clrMapOvr>
+</p:sld>
+</file>
+
+<file path=ppt/slides/slide16.xml><?xml version="1.0" encoding="utf-8"?>
+<p:sld xmlns:a="http://schemas.openxmlformats.org/drawingml/2006/main" xmlns:r="http://schemas.openxmlformats.org/officeDocument/2006/relationships" xmlns:p="http://schemas.openxmlformats.org/presentationml/2006/main">
+  <p:cSld>
+    <p:spTree>
+      <p:nvGrpSpPr>
+        <p:cNvPr id="1" name=""/>
+        <p:cNvGrpSpPr/>
+        <p:nvPr/>
+      </p:nvGrpSpPr>
+      <p:grpSpPr>
+        <a:xfrm>
+          <a:off x="0" y="0"/>
+          <a:ext cx="0" cy="0"/>
+          <a:chOff x="0" y="0"/>
+          <a:chExt cx="0" cy="0"/>
+        </a:xfrm>
+      </p:grpSpPr>
+      <p:sp>
+        <p:nvSpPr>
+          <p:cNvPr id="2" name="Title 1"/>
+          <p:cNvSpPr>
+            <a:spLocks noGrp="1"/>
+          </p:cNvSpPr>
+          <p:nvPr>
+            <p:ph type="title"/>
+          </p:nvPr>
+        </p:nvSpPr>
+        <p:spPr/>
+        <p:txBody>
+          <a:bodyPr/>
+          <a:lstStyle/>
+          <a:p>
+            <a:r>
+              <a:rPr lang="en-US" smtClean="0"/>
+              <a:t>Pokretanje aplikacije</a:t>
+            </a:r>
+            <a:endParaRPr lang="en-US"/>
+          </a:p>
+        </p:txBody>
+      </p:sp>
+      <p:sp>
+        <p:nvSpPr>
+          <p:cNvPr id="3" name="Content Placeholder 2"/>
+          <p:cNvSpPr>
+            <a:spLocks noGrp="1"/>
+          </p:cNvSpPr>
+          <p:nvPr>
+            <p:ph idx="1"/>
+          </p:nvPr>
+        </p:nvSpPr>
+        <p:spPr>
+          <a:xfrm>
+            <a:off x="3869268" y="864108"/>
+            <a:ext cx="7315200" cy="2694254"/>
+          </a:xfrm>
+        </p:spPr>
+        <p:txBody>
+          <a:bodyPr/>
+          <a:lstStyle/>
+          <a:p>
+            <a:pPr marL="457200" indent="-457200">
+              <a:buAutoNum type="arabicPeriod"/>
+            </a:pPr>
+            <a:r>
+              <a:rPr lang="en-US" smtClean="0"/>
+              <a:t>Modifikovanje </a:t>
+            </a:r>
+            <a:r>
+              <a:rPr lang="en-US" b="1"/>
+              <a:t>package.json </a:t>
+            </a:r>
+            <a:endParaRPr lang="sr-Latn-RS" b="1" smtClean="0"/>
+          </a:p>
+          <a:p>
+            <a:pPr marL="457200" indent="-457200">
+              <a:buAutoNum type="arabicPeriod"/>
+            </a:pPr>
+            <a:endParaRPr lang="sr-Latn-RS"/>
+          </a:p>
+          <a:p>
+            <a:pPr marL="457200" indent="-457200">
+              <a:buAutoNum type="arabicPeriod"/>
+            </a:pPr>
+            <a:endParaRPr lang="sr-Latn-RS" smtClean="0"/>
+          </a:p>
+          <a:p>
+            <a:pPr marL="457200" indent="-457200">
+              <a:buAutoNum type="arabicPeriod"/>
+            </a:pPr>
+            <a:endParaRPr lang="sr-Latn-RS" smtClean="0"/>
+          </a:p>
+          <a:p>
+            <a:pPr marL="457200" indent="-457200">
+              <a:buAutoNum type="arabicPeriod"/>
+            </a:pPr>
+            <a:r>
+              <a:rPr lang="sr-Latn-RS" smtClean="0"/>
+              <a:t>Pokretanje aplikacije</a:t>
+            </a:r>
+            <a:endParaRPr lang="en-US"/>
+          </a:p>
+          <a:p>
+            <a:pPr marL="0" indent="0">
+              <a:buNone/>
+            </a:pPr>
+            <a:endParaRPr lang="en-US"/>
+          </a:p>
+        </p:txBody>
+      </p:sp>
+      <p:pic>
+        <p:nvPicPr>
+          <p:cNvPr id="4" name="Picture 3"/>
+          <p:cNvPicPr>
+            <a:picLocks noChangeAspect="1"/>
+          </p:cNvPicPr>
+          <p:nvPr/>
+        </p:nvPicPr>
+        <p:blipFill>
+          <a:blip r:embed="rId2"/>
+          <a:stretch>
+            <a:fillRect/>
+          </a:stretch>
+        </p:blipFill>
+        <p:spPr>
+          <a:xfrm>
+            <a:off x="4362326" y="1397868"/>
+            <a:ext cx="6911787" cy="1188906"/>
+          </a:xfrm>
+          <a:prstGeom prst="rect">
+            <a:avLst/>
+          </a:prstGeom>
+        </p:spPr>
+      </p:pic>
+      <p:pic>
+        <p:nvPicPr>
+          <p:cNvPr id="5" name="Picture 4"/>
+          <p:cNvPicPr>
+            <a:picLocks noChangeAspect="1"/>
+          </p:cNvPicPr>
+          <p:nvPr/>
+        </p:nvPicPr>
+        <p:blipFill>
+          <a:blip r:embed="rId3"/>
+          <a:stretch>
+            <a:fillRect/>
+          </a:stretch>
+        </p:blipFill>
+        <p:spPr>
+          <a:xfrm>
+            <a:off x="4362326" y="3229654"/>
+            <a:ext cx="2400635" cy="543001"/>
+          </a:xfrm>
+          <a:prstGeom prst="rect">
+            <a:avLst/>
+          </a:prstGeom>
+        </p:spPr>
+      </p:pic>
+      <p:cxnSp>
+        <p:nvCxnSpPr>
+          <p:cNvPr id="6" name="Straight Arrow Connector 5"/>
+          <p:cNvCxnSpPr/>
+          <p:nvPr/>
+        </p:nvCxnSpPr>
+        <p:spPr>
+          <a:xfrm flipH="1">
+            <a:off x="8794376" y="1760952"/>
+            <a:ext cx="1084729" cy="462738"/>
+          </a:xfrm>
+          <a:prstGeom prst="straightConnector1">
+            <a:avLst/>
+          </a:prstGeom>
+          <a:ln w="38100">
+            <a:solidFill>
+              <a:srgbClr val="00B0F0"/>
+            </a:solidFill>
+            <a:tailEnd type="triangle"/>
+          </a:ln>
+        </p:spPr>
+        <p:style>
+          <a:lnRef idx="1">
+            <a:schemeClr val="accent1"/>
+          </a:lnRef>
+          <a:fillRef idx="0">
+            <a:schemeClr val="accent1"/>
+          </a:fillRef>
+          <a:effectRef idx="0">
+            <a:schemeClr val="accent1"/>
+          </a:effectRef>
+          <a:fontRef idx="minor">
+            <a:schemeClr val="tx1"/>
+          </a:fontRef>
+        </p:style>
+      </p:cxnSp>
+    </p:spTree>
+    <p:extLst>
+      <p:ext uri="{BB962C8B-B14F-4D97-AF65-F5344CB8AC3E}">
+        <p14:creationId xmlns:p14="http://schemas.microsoft.com/office/powerpoint/2010/main" val="450575360"/>
+      </p:ext>
+    </p:extLst>
+  </p:cSld>
+  <p:clrMapOvr>
+    <a:masterClrMapping/>
+  </p:clrMapOvr>
+</p:sld>
+</file>
+
+<file path=ppt/slides/slide17.xml><?xml version="1.0" encoding="utf-8"?>
+<p:sld xmlns:a="http://schemas.openxmlformats.org/drawingml/2006/main" xmlns:r="http://schemas.openxmlformats.org/officeDocument/2006/relationships" xmlns:p="http://schemas.openxmlformats.org/presentationml/2006/main">
+  <p:cSld>
+    <p:spTree>
+      <p:nvGrpSpPr>
+        <p:cNvPr id="1" name=""/>
+        <p:cNvGrpSpPr/>
+        <p:nvPr/>
+      </p:nvGrpSpPr>
+      <p:grpSpPr>
+        <a:xfrm>
+          <a:off x="0" y="0"/>
+          <a:ext cx="0" cy="0"/>
+          <a:chOff x="0" y="0"/>
+          <a:chExt cx="0" cy="0"/>
+        </a:xfrm>
+      </p:grpSpPr>
+      <p:sp>
+        <p:nvSpPr>
+          <p:cNvPr id="2" name="Title 1"/>
+          <p:cNvSpPr>
+            <a:spLocks noGrp="1"/>
+          </p:cNvSpPr>
+          <p:nvPr>
+            <p:ph type="title"/>
+          </p:nvPr>
+        </p:nvSpPr>
+        <p:spPr/>
+        <p:txBody>
+          <a:bodyPr/>
+          <a:lstStyle/>
+          <a:p>
+            <a:r>
+              <a:rPr lang="sr-Latn-RS" smtClean="0"/>
+              <a:t>Pakovanje aplikacije</a:t>
+            </a:r>
+            <a:endParaRPr lang="en-US"/>
+          </a:p>
+        </p:txBody>
+      </p:sp>
+      <p:pic>
+        <p:nvPicPr>
+          <p:cNvPr id="4" name="Picture 3"/>
+          <p:cNvPicPr>
+            <a:picLocks noChangeAspect="1"/>
+          </p:cNvPicPr>
+          <p:nvPr/>
+        </p:nvPicPr>
+        <p:blipFill>
+          <a:blip r:embed="rId2"/>
+          <a:stretch>
+            <a:fillRect/>
+          </a:stretch>
+        </p:blipFill>
+        <p:spPr>
+          <a:xfrm>
+            <a:off x="4431727" y="1233505"/>
+            <a:ext cx="3848637" cy="533474"/>
+          </a:xfrm>
+          <a:prstGeom prst="rect">
+            <a:avLst/>
+          </a:prstGeom>
+        </p:spPr>
+      </p:pic>
+      <p:pic>
+        <p:nvPicPr>
+          <p:cNvPr id="5" name="Picture 4"/>
+          <p:cNvPicPr>
+            <a:picLocks noChangeAspect="1"/>
+          </p:cNvPicPr>
+          <p:nvPr/>
+        </p:nvPicPr>
+        <p:blipFill>
+          <a:blip r:embed="rId3"/>
+          <a:stretch>
+            <a:fillRect/>
+          </a:stretch>
+        </p:blipFill>
+        <p:spPr>
+          <a:xfrm>
+            <a:off x="4413077" y="2282776"/>
+            <a:ext cx="7169323" cy="1422832"/>
+          </a:xfrm>
+          <a:prstGeom prst="rect">
+            <a:avLst/>
+          </a:prstGeom>
+        </p:spPr>
+      </p:pic>
+      <p:pic>
+        <p:nvPicPr>
+          <p:cNvPr id="6" name="Picture 5"/>
+          <p:cNvPicPr>
+            <a:picLocks noChangeAspect="1"/>
+          </p:cNvPicPr>
+          <p:nvPr/>
+        </p:nvPicPr>
+        <p:blipFill>
+          <a:blip r:embed="rId4"/>
+          <a:stretch>
+            <a:fillRect/>
+          </a:stretch>
+        </p:blipFill>
+        <p:spPr>
+          <a:xfrm>
+            <a:off x="4431727" y="4196641"/>
+            <a:ext cx="2092014" cy="2226549"/>
+          </a:xfrm>
+          <a:prstGeom prst="rect">
+            <a:avLst/>
+          </a:prstGeom>
+        </p:spPr>
+      </p:pic>
+      <p:sp>
+        <p:nvSpPr>
+          <p:cNvPr id="7" name="TextBox 6"/>
+          <p:cNvSpPr txBox="1"/>
+          <p:nvPr/>
+        </p:nvSpPr>
+        <p:spPr>
+          <a:xfrm>
+            <a:off x="3853437" y="816006"/>
+            <a:ext cx="5005216" cy="3693319"/>
+          </a:xfrm>
+          <a:prstGeom prst="rect">
+            <a:avLst/>
+          </a:prstGeom>
+          <a:noFill/>
+        </p:spPr>
+        <p:txBody>
+          <a:bodyPr wrap="none" rtlCol="0">
+            <a:spAutoFit/>
+          </a:bodyPr>
+          <a:lstStyle/>
+          <a:p>
+            <a:pPr marL="457200" indent="-457200">
+              <a:buClr>
+                <a:schemeClr val="accent6"/>
+              </a:buClr>
+              <a:buAutoNum type="arabicPeriod"/>
+            </a:pPr>
+            <a:r>
+              <a:rPr lang="sr-Latn-RS"/>
+              <a:t>Instaliranje </a:t>
+            </a:r>
+            <a:r>
+              <a:rPr lang="sr-Latn-RS" b="1" smtClean="0"/>
+              <a:t>electron-builder</a:t>
+            </a:r>
+          </a:p>
+          <a:p>
+            <a:pPr marL="457200" indent="-457200">
+              <a:buClr>
+                <a:schemeClr val="accent6"/>
+              </a:buClr>
+              <a:buAutoNum type="arabicPeriod"/>
+            </a:pPr>
+            <a:endParaRPr lang="sr-Latn-RS" smtClean="0"/>
+          </a:p>
+          <a:p>
+            <a:pPr marL="457200" indent="-457200">
+              <a:buClr>
+                <a:schemeClr val="accent6"/>
+              </a:buClr>
+              <a:buAutoNum type="arabicPeriod"/>
+            </a:pPr>
+            <a:endParaRPr lang="sr-Latn-RS"/>
+          </a:p>
+          <a:p>
+            <a:pPr marL="457200" indent="-457200">
+              <a:buClr>
+                <a:schemeClr val="accent6"/>
+              </a:buClr>
+              <a:buAutoNum type="arabicPeriod"/>
+            </a:pPr>
+            <a:endParaRPr lang="sr-Latn-RS"/>
+          </a:p>
+          <a:p>
+            <a:pPr marL="457200" indent="-457200">
+              <a:buClr>
+                <a:schemeClr val="accent6"/>
+              </a:buClr>
+              <a:buAutoNum type="arabicPeriod"/>
+            </a:pPr>
+            <a:r>
+              <a:rPr lang="sr-Latn-RS"/>
+              <a:t>Konfiguracina</a:t>
+            </a:r>
+            <a:r>
+              <a:rPr lang="sr-Latn-RS" b="1"/>
+              <a:t> package.json </a:t>
+            </a:r>
+            <a:r>
+              <a:rPr lang="sr-Latn-RS" smtClean="0"/>
+              <a:t>fajla</a:t>
+            </a:r>
+          </a:p>
+          <a:p>
+            <a:pPr marL="457200" indent="-457200">
+              <a:buClr>
+                <a:schemeClr val="accent6"/>
+              </a:buClr>
+              <a:buAutoNum type="arabicPeriod"/>
+            </a:pPr>
+            <a:endParaRPr lang="sr-Latn-RS"/>
+          </a:p>
+          <a:p>
+            <a:pPr marL="457200" indent="-457200">
+              <a:buClr>
+                <a:schemeClr val="accent6"/>
+              </a:buClr>
+              <a:buAutoNum type="arabicPeriod"/>
+            </a:pPr>
+            <a:endParaRPr lang="sr-Latn-RS" smtClean="0"/>
+          </a:p>
+          <a:p>
+            <a:pPr marL="457200" indent="-457200">
+              <a:buClr>
+                <a:schemeClr val="accent6"/>
+              </a:buClr>
+              <a:buAutoNum type="arabicPeriod"/>
+            </a:pPr>
+            <a:endParaRPr lang="sr-Latn-RS"/>
+          </a:p>
+          <a:p>
+            <a:pPr marL="457200" indent="-457200">
+              <a:buClr>
+                <a:schemeClr val="accent6"/>
+              </a:buClr>
+              <a:buAutoNum type="arabicPeriod"/>
+            </a:pPr>
+            <a:endParaRPr lang="sr-Latn-RS" smtClean="0"/>
+          </a:p>
+          <a:p>
+            <a:pPr marL="457200" indent="-457200">
+              <a:buClr>
+                <a:schemeClr val="accent6"/>
+              </a:buClr>
+              <a:buAutoNum type="arabicPeriod"/>
+            </a:pPr>
+            <a:endParaRPr lang="sr-Latn-RS"/>
+          </a:p>
+          <a:p>
+            <a:pPr marL="457200" indent="-457200">
+              <a:buClr>
+                <a:schemeClr val="accent6"/>
+              </a:buClr>
+              <a:buAutoNum type="arabicPeriod"/>
+            </a:pPr>
+            <a:endParaRPr lang="sr-Latn-RS"/>
+          </a:p>
+          <a:p>
+            <a:pPr marL="457200" indent="-457200">
+              <a:buClr>
+                <a:schemeClr val="accent6"/>
+              </a:buClr>
+              <a:buAutoNum type="arabicPeriod"/>
+            </a:pPr>
+            <a:r>
+              <a:rPr lang="sr-Latn-RS" smtClean="0"/>
+              <a:t>Dodavanje build konfiguracije u </a:t>
+            </a:r>
+            <a:r>
+              <a:rPr lang="sr-Latn-RS" b="1" smtClean="0"/>
+              <a:t>package.json</a:t>
+            </a:r>
+            <a:endParaRPr lang="sr-Latn-RS" b="1"/>
+          </a:p>
+          <a:p>
+            <a:endParaRPr lang="en-US"/>
+          </a:p>
+        </p:txBody>
+      </p:sp>
+      <p:sp>
+        <p:nvSpPr>
+          <p:cNvPr id="8" name="TextBox 7"/>
+          <p:cNvSpPr txBox="1"/>
+          <p:nvPr/>
+        </p:nvSpPr>
+        <p:spPr>
+          <a:xfrm>
+            <a:off x="8910008" y="3827309"/>
+            <a:ext cx="2672392" cy="369332"/>
+          </a:xfrm>
+          <a:prstGeom prst="rect">
+            <a:avLst/>
+          </a:prstGeom>
+          <a:noFill/>
+        </p:spPr>
+        <p:txBody>
+          <a:bodyPr wrap="square" rtlCol="0">
+            <a:spAutoFit/>
+          </a:bodyPr>
+          <a:lstStyle/>
+          <a:p>
+            <a:r>
+              <a:rPr lang="sr-Latn-RS" smtClean="0">
+                <a:solidFill>
+                  <a:schemeClr val="accent6"/>
+                </a:solidFill>
+              </a:rPr>
+              <a:t>4.    </a:t>
+            </a:r>
+            <a:r>
+              <a:rPr lang="sr-Latn-RS" smtClean="0"/>
+              <a:t>Izgradnja aplikacije</a:t>
+            </a:r>
+            <a:endParaRPr lang="en-US"/>
+          </a:p>
+        </p:txBody>
+      </p:sp>
+      <p:pic>
+        <p:nvPicPr>
+          <p:cNvPr id="9" name="Picture 8"/>
+          <p:cNvPicPr>
+            <a:picLocks noChangeAspect="1"/>
+          </p:cNvPicPr>
+          <p:nvPr/>
+        </p:nvPicPr>
+        <p:blipFill>
+          <a:blip r:embed="rId5"/>
+          <a:stretch>
+            <a:fillRect/>
+          </a:stretch>
+        </p:blipFill>
+        <p:spPr>
+          <a:xfrm>
+            <a:off x="9310036" y="4354200"/>
+            <a:ext cx="2272364" cy="700442"/>
+          </a:xfrm>
+          <a:prstGeom prst="rect">
+            <a:avLst/>
+          </a:prstGeom>
+        </p:spPr>
+      </p:pic>
+    </p:spTree>
+    <p:extLst>
+      <p:ext uri="{BB962C8B-B14F-4D97-AF65-F5344CB8AC3E}">
+        <p14:creationId xmlns:p14="http://schemas.microsoft.com/office/powerpoint/2010/main" val="1331219626"/>
+      </p:ext>
+    </p:extLst>
+  </p:cSld>
+  <p:clrMapOvr>
+    <a:masterClrMapping/>
+  </p:clrMapOvr>
+</p:sld>
+</file>
+
+<file path=ppt/slides/slide18.xml><?xml version="1.0" encoding="utf-8"?>
+<p:sld xmlns:a="http://schemas.openxmlformats.org/drawingml/2006/main" xmlns:r="http://schemas.openxmlformats.org/officeDocument/2006/relationships" xmlns:p="http://schemas.openxmlformats.org/presentationml/2006/main">
+  <p:cSld>
+    <p:spTree>
+      <p:nvGrpSpPr>
+        <p:cNvPr id="1" name=""/>
+        <p:cNvGrpSpPr/>
+        <p:nvPr/>
+      </p:nvGrpSpPr>
+      <p:grpSpPr>
+        <a:xfrm>
+          <a:off x="0" y="0"/>
+          <a:ext cx="0" cy="0"/>
+          <a:chOff x="0" y="0"/>
+          <a:chExt cx="0" cy="0"/>
+        </a:xfrm>
+      </p:grpSpPr>
+      <p:sp>
+        <p:nvSpPr>
+          <p:cNvPr id="2" name="Title 1"/>
+          <p:cNvSpPr>
+            <a:spLocks noGrp="1"/>
+          </p:cNvSpPr>
+          <p:nvPr>
+            <p:ph type="title"/>
+          </p:nvPr>
+        </p:nvSpPr>
+        <p:spPr/>
+        <p:txBody>
+          <a:bodyPr/>
+          <a:lstStyle/>
+          <a:p>
+            <a:r>
               <a:rPr lang="sr-Latn-RS" smtClean="0"/>
               <a:t>Zaključak</a:t>
             </a:r>
@@ -6817,21 +6052,6 @@
             <a:r>
               <a:rPr lang="en-US"/>
               <a:t>Chromium i Node.js omogućavaju pristup nativnim funkcijama</a:t>
-            </a:r>
-            <a:r>
-              <a:rPr lang="en-US" smtClean="0"/>
-              <a:t>.</a:t>
-            </a:r>
-            <a:endParaRPr lang="sr-Latn-RS" smtClean="0"/>
-          </a:p>
-          <a:p>
-            <a:r>
-              <a:rPr lang="en-US" smtClean="0"/>
-              <a:t>Bezbednost </a:t>
-            </a:r>
-            <a:r>
-              <a:rPr lang="en-US"/>
-              <a:t>i procesni model pružaju stabilnost i efikasnost aplikacija</a:t>
             </a:r>
             <a:r>
               <a:rPr lang="en-US" smtClean="0"/>
@@ -6879,7 +6099,7 @@
 </p:sld>
 </file>
 
-<file path=ppt/slides/slide21.xml><?xml version="1.0" encoding="utf-8"?>
+<file path=ppt/slides/slide19.xml><?xml version="1.0" encoding="utf-8"?>
 <p:sld xmlns:a="http://schemas.openxmlformats.org/drawingml/2006/main" xmlns:r="http://schemas.openxmlformats.org/officeDocument/2006/relationships" xmlns:p="http://schemas.openxmlformats.org/presentationml/2006/main">
   <p:cSld>
     <p:spTree>
@@ -7025,6 +6245,147 @@
 </p:sld>
 </file>
 
+<file path=ppt/slides/slide2.xml><?xml version="1.0" encoding="utf-8"?>
+<p:sld xmlns:a="http://schemas.openxmlformats.org/drawingml/2006/main" xmlns:r="http://schemas.openxmlformats.org/officeDocument/2006/relationships" xmlns:p="http://schemas.openxmlformats.org/presentationml/2006/main">
+  <p:cSld>
+    <p:spTree>
+      <p:nvGrpSpPr>
+        <p:cNvPr id="1" name=""/>
+        <p:cNvGrpSpPr/>
+        <p:nvPr/>
+      </p:nvGrpSpPr>
+      <p:grpSpPr>
+        <a:xfrm>
+          <a:off x="0" y="0"/>
+          <a:ext cx="0" cy="0"/>
+          <a:chOff x="0" y="0"/>
+          <a:chExt cx="0" cy="0"/>
+        </a:xfrm>
+      </p:grpSpPr>
+      <p:sp>
+        <p:nvSpPr>
+          <p:cNvPr id="2" name="Title 1"/>
+          <p:cNvSpPr>
+            <a:spLocks noGrp="1"/>
+          </p:cNvSpPr>
+          <p:nvPr>
+            <p:ph type="title"/>
+          </p:nvPr>
+        </p:nvSpPr>
+        <p:spPr/>
+        <p:txBody>
+          <a:bodyPr/>
+          <a:lstStyle/>
+          <a:p>
+            <a:r>
+              <a:rPr lang="en-US" smtClean="0"/>
+              <a:t>SADR</a:t>
+            </a:r>
+            <a:r>
+              <a:rPr lang="sr-Latn-RS" smtClean="0"/>
+              <a:t>ŽAJ</a:t>
+            </a:r>
+            <a:endParaRPr lang="en-US"/>
+          </a:p>
+        </p:txBody>
+      </p:sp>
+      <p:sp>
+        <p:nvSpPr>
+          <p:cNvPr id="3" name="Content Placeholder 2"/>
+          <p:cNvSpPr>
+            <a:spLocks noGrp="1"/>
+          </p:cNvSpPr>
+          <p:nvPr>
+            <p:ph idx="1"/>
+          </p:nvPr>
+        </p:nvSpPr>
+        <p:spPr/>
+        <p:txBody>
+          <a:bodyPr/>
+          <a:lstStyle/>
+          <a:p>
+            <a:pPr marL="457200" indent="-457200">
+              <a:buAutoNum type="arabicPeriod"/>
+            </a:pPr>
+            <a:r>
+              <a:rPr lang="sr-Latn-RS" smtClean="0"/>
+              <a:t>Šta je Electron</a:t>
+            </a:r>
+            <a:r>
+              <a:rPr lang="en-US" smtClean="0"/>
+              <a:t>?</a:t>
+            </a:r>
+            <a:endParaRPr lang="sr-Latn-RS" smtClean="0"/>
+          </a:p>
+          <a:p>
+            <a:pPr marL="457200" indent="-457200">
+              <a:buAutoNum type="arabicPeriod"/>
+            </a:pPr>
+            <a:r>
+              <a:rPr lang="sr-Latn-RS" smtClean="0"/>
+              <a:t>Ključne komponente</a:t>
+            </a:r>
+          </a:p>
+          <a:p>
+            <a:pPr marL="457200" indent="-457200">
+              <a:buAutoNum type="arabicPeriod"/>
+            </a:pPr>
+            <a:r>
+              <a:rPr lang="sr-Latn-RS" smtClean="0"/>
+              <a:t>Procesni model</a:t>
+            </a:r>
+            <a:endParaRPr lang="en-US" smtClean="0"/>
+          </a:p>
+          <a:p>
+            <a:pPr marL="457200" indent="-457200">
+              <a:buFont typeface="Wingdings 2" pitchFamily="18" charset="2"/>
+              <a:buAutoNum type="arabicPeriod"/>
+            </a:pPr>
+            <a:r>
+              <a:rPr lang="sr-Latn-RS"/>
+              <a:t>Prednosti i </a:t>
+            </a:r>
+            <a:r>
+              <a:rPr lang="sr-Latn-RS" smtClean="0"/>
+              <a:t>mane</a:t>
+            </a:r>
+            <a:endParaRPr lang="en-US" smtClean="0"/>
+          </a:p>
+          <a:p>
+            <a:pPr marL="457200" indent="-457200">
+              <a:buFont typeface="Wingdings 2" pitchFamily="18" charset="2"/>
+              <a:buAutoNum type="arabicPeriod"/>
+            </a:pPr>
+            <a:r>
+              <a:rPr lang="en-US" smtClean="0"/>
+              <a:t>Popularne aplikacije koje koriste Electron</a:t>
+            </a:r>
+            <a:endParaRPr lang="sr-Latn-RS" smtClean="0"/>
+          </a:p>
+          <a:p>
+            <a:pPr marL="457200" indent="-457200">
+              <a:buAutoNum type="arabicPeriod"/>
+            </a:pPr>
+            <a:r>
+              <a:rPr lang="sr-Latn-RS" smtClean="0"/>
+              <a:t>Kreiranje Electron aplikacije sa React-om </a:t>
+            </a:r>
+          </a:p>
+        </p:txBody>
+      </p:sp>
+    </p:spTree>
+    <p:extLst>
+      <p:ext uri="{BB962C8B-B14F-4D97-AF65-F5344CB8AC3E}">
+        <p14:creationId xmlns:p14="http://schemas.microsoft.com/office/powerpoint/2010/main" val="11312236"/>
+      </p:ext>
+    </p:extLst>
+  </p:cSld>
+  <p:clrMapOvr>
+    <a:masterClrMapping/>
+  </p:clrMapOvr>
+</p:sld>
+</file>
+
 <file path=ppt/slides/slide3.xml><?xml version="1.0" encoding="utf-8"?>
 <p:sld xmlns:a="http://schemas.openxmlformats.org/drawingml/2006/main" xmlns:r="http://schemas.openxmlformats.org/officeDocument/2006/relationships" xmlns:p="http://schemas.openxmlformats.org/presentationml/2006/main">
   <p:cSld>
@@ -7042,83 +6403,6 @@
           <a:chExt cx="0" cy="0"/>
         </a:xfrm>
       </p:grpSpPr>
-      <p:sp>
-        <p:nvSpPr>
-          <p:cNvPr id="2" name="Title 1"/>
-          <p:cNvSpPr>
-            <a:spLocks noGrp="1"/>
-          </p:cNvSpPr>
-          <p:nvPr>
-            <p:ph type="title"/>
-          </p:nvPr>
-        </p:nvSpPr>
-        <p:spPr/>
-        <p:txBody>
-          <a:bodyPr/>
-          <a:lstStyle/>
-          <a:p>
-            <a:r>
-              <a:rPr lang="sr-Latn-RS" smtClean="0"/>
-              <a:t>Šta je Electron?</a:t>
-            </a:r>
-            <a:endParaRPr lang="en-US"/>
-          </a:p>
-        </p:txBody>
-      </p:sp>
-      <p:sp>
-        <p:nvSpPr>
-          <p:cNvPr id="3" name="Content Placeholder 2"/>
-          <p:cNvSpPr>
-            <a:spLocks noGrp="1"/>
-          </p:cNvSpPr>
-          <p:nvPr>
-            <p:ph idx="1"/>
-          </p:nvPr>
-        </p:nvSpPr>
-        <p:spPr/>
-        <p:txBody>
-          <a:bodyPr/>
-          <a:lstStyle/>
-          <a:p>
-            <a:r>
-              <a:rPr lang="sr-Latn-RS" smtClean="0"/>
-              <a:t>Besplatna open-sourceframework </a:t>
-            </a:r>
-          </a:p>
-          <a:p>
-            <a:r>
-              <a:rPr lang="sr-Latn-RS"/>
-              <a:t>K</a:t>
-            </a:r>
-            <a:r>
-              <a:rPr lang="sr-Latn-RS" smtClean="0"/>
-              <a:t>reiranje desktop aplikacija </a:t>
-            </a:r>
-          </a:p>
-          <a:p>
-            <a:r>
-              <a:rPr lang="sr-Latn-RS"/>
-              <a:t>W</a:t>
-            </a:r>
-            <a:r>
-              <a:rPr lang="sr-Latn-RS" smtClean="0"/>
-              <a:t>eb tehnologije (HTL, CSS, JavaScript)</a:t>
-            </a:r>
-          </a:p>
-          <a:p>
-            <a:r>
-              <a:rPr lang="sr-Latn-RS" smtClean="0"/>
-              <a:t>OpenJS fondacija</a:t>
-            </a:r>
-          </a:p>
-          <a:p>
-            <a:r>
-              <a:rPr lang="sr-Latn-RS" smtClean="0"/>
-              <a:t>Integracija Chromium-a i Node.js</a:t>
-            </a:r>
-          </a:p>
-        </p:txBody>
-      </p:sp>
       <p:pic>
         <p:nvPicPr>
           <p:cNvPr id="4" name="Picture 3"/>
@@ -7141,14 +6425,113 @@
         </p:blipFill>
         <p:spPr>
           <a:xfrm>
-            <a:off x="1705446" y="777599"/>
-            <a:ext cx="1732519" cy="1732519"/>
+            <a:off x="8830394" y="795358"/>
+            <a:ext cx="2447205" cy="2447205"/>
           </a:xfrm>
           <a:prstGeom prst="rect">
             <a:avLst/>
           </a:prstGeom>
+          <a:effectLst>
+            <a:reflection blurRad="6350" stA="50000" endA="300" endPos="55000" dir="5400000" sy="-100000" algn="bl" rotWithShape="0"/>
+          </a:effectLst>
         </p:spPr>
       </p:pic>
+      <p:sp>
+        <p:nvSpPr>
+          <p:cNvPr id="2" name="Title 1"/>
+          <p:cNvSpPr>
+            <a:spLocks noGrp="1"/>
+          </p:cNvSpPr>
+          <p:nvPr>
+            <p:ph type="title"/>
+          </p:nvPr>
+        </p:nvSpPr>
+        <p:spPr/>
+        <p:txBody>
+          <a:bodyPr/>
+          <a:lstStyle/>
+          <a:p>
+            <a:r>
+              <a:rPr lang="sr-Latn-RS" smtClean="0"/>
+              <a:t>Šta je Electron?</a:t>
+            </a:r>
+            <a:endParaRPr lang="en-US"/>
+          </a:p>
+        </p:txBody>
+      </p:sp>
+      <p:sp>
+        <p:nvSpPr>
+          <p:cNvPr id="3" name="Content Placeholder 2"/>
+          <p:cNvSpPr>
+            <a:spLocks noGrp="1"/>
+          </p:cNvSpPr>
+          <p:nvPr>
+            <p:ph idx="1"/>
+          </p:nvPr>
+        </p:nvSpPr>
+        <p:spPr/>
+        <p:txBody>
+          <a:bodyPr/>
+          <a:lstStyle/>
+          <a:p>
+            <a:r>
+              <a:rPr lang="sr-Latn-RS" smtClean="0"/>
+              <a:t>Besplatn</a:t>
+            </a:r>
+            <a:r>
+              <a:rPr lang="en-US" smtClean="0"/>
+              <a:t>i framework otvorenog koda</a:t>
+            </a:r>
+          </a:p>
+          <a:p>
+            <a:r>
+              <a:rPr lang="en-US" smtClean="0"/>
+              <a:t>Cross-platform razvoj</a:t>
+            </a:r>
+            <a:endParaRPr lang="sr-Latn-RS" smtClean="0"/>
+          </a:p>
+          <a:p>
+            <a:r>
+              <a:rPr lang="sr-Latn-RS"/>
+              <a:t>K</a:t>
+            </a:r>
+            <a:r>
+              <a:rPr lang="sr-Latn-RS" smtClean="0"/>
+              <a:t>reiranje desktop aplikacija </a:t>
+            </a:r>
+          </a:p>
+          <a:p>
+            <a:r>
+              <a:rPr lang="sr-Latn-RS"/>
+              <a:t>W</a:t>
+            </a:r>
+            <a:r>
+              <a:rPr lang="sr-Latn-RS" smtClean="0"/>
+              <a:t>eb tehnologije (HT</a:t>
+            </a:r>
+            <a:r>
+              <a:rPr lang="en-US" smtClean="0"/>
+              <a:t>M</a:t>
+            </a:r>
+            <a:r>
+              <a:rPr lang="sr-Latn-RS" smtClean="0"/>
+              <a:t>L, CSS, JavaScript)</a:t>
+            </a:r>
+          </a:p>
+          <a:p>
+            <a:r>
+              <a:rPr lang="sr-Latn-RS" smtClean="0"/>
+              <a:t>OpenJS fondacija</a:t>
+            </a:r>
+          </a:p>
+          <a:p>
+            <a:r>
+              <a:rPr lang="sr-Latn-RS" smtClean="0"/>
+              <a:t>Integracija Chromium-a i Node.js</a:t>
+            </a:r>
+          </a:p>
+        </p:txBody>
+      </p:sp>
     </p:spTree>
     <p:extLst>
       <p:ext uri="{BB962C8B-B14F-4D97-AF65-F5344CB8AC3E}">
@@ -7263,6 +6646,22 @@
               <a:rPr lang="en-US"/>
               <a:t>Node.js: </a:t>
             </a:r>
+            <a:endParaRPr lang="en-US" smtClean="0"/>
+          </a:p>
+          <a:p>
+            <a:pPr lvl="1"/>
+            <a:r>
+              <a:rPr lang="en-US" smtClean="0"/>
+              <a:t>JavaScript okru</a:t>
+            </a:r>
+            <a:r>
+              <a:rPr lang="sr-Latn-RS" smtClean="0"/>
+              <a:t>ž</a:t>
+            </a:r>
+            <a:r>
+              <a:rPr lang="en-US" smtClean="0"/>
+              <a:t>enje</a:t>
+            </a:r>
             <a:endParaRPr lang="sr-Latn-RS" smtClean="0"/>
           </a:p>
           <a:p>
@@ -7335,12 +6734,15 @@
         </p:blipFill>
         <p:spPr>
           <a:xfrm>
-            <a:off x="10082911" y="1123837"/>
+            <a:off x="3869268" y="703241"/>
             <a:ext cx="1101557" cy="1099410"/>
           </a:xfrm>
           <a:prstGeom prst="rect">
             <a:avLst/>
           </a:prstGeom>
+          <a:effectLst>
+            <a:reflection blurRad="6350" stA="50000" endA="300" endPos="55000" dir="5400000" sy="-100000" algn="bl" rotWithShape="0"/>
+          </a:effectLst>
         </p:spPr>
       </p:pic>
       <p:pic>
@@ -7365,12 +6767,15 @@
         </p:blipFill>
         <p:spPr>
           <a:xfrm>
-            <a:off x="9995646" y="4661647"/>
-            <a:ext cx="1462795" cy="1462795"/>
+            <a:off x="10176933" y="2575167"/>
+            <a:ext cx="1394392" cy="1394392"/>
           </a:xfrm>
           <a:prstGeom prst="rect">
             <a:avLst/>
           </a:prstGeom>
+          <a:effectLst>
+            <a:reflection blurRad="6350" stA="50000" endA="300" endPos="55000" dir="5400000" sy="-100000" algn="bl" rotWithShape="0"/>
+          </a:effectLst>
         </p:spPr>
       </p:pic>
     </p:spTree>
@@ -7445,6 +6850,52 @@
               <a:rPr lang="sr-Latn-RS" smtClean="0"/>
               <a:t>Više-procesni model</a:t>
             </a:r>
+            <a:endParaRPr lang="sr-Latn-RS"/>
+          </a:p>
+          <a:p>
+            <a:pPr lvl="1"/>
+            <a:r>
+              <a:rPr lang="en-US" smtClean="0"/>
+              <a:t>ve</a:t>
+            </a:r>
+            <a:r>
+              <a:rPr lang="sr-Latn-RS" smtClean="0"/>
+              <a:t>ća fleksibilnost</a:t>
+            </a:r>
+          </a:p>
+          <a:p>
+            <a:pPr lvl="1"/>
+            <a:r>
+              <a:rPr lang="sr-Latn-RS"/>
+              <a:t>s</a:t>
+            </a:r>
+            <a:r>
+              <a:rPr lang="sr-Latn-RS" smtClean="0"/>
+              <a:t>igurnost</a:t>
+            </a:r>
+          </a:p>
+          <a:p>
+            <a:pPr lvl="1"/>
+            <a:r>
+              <a:rPr lang="sr-Latn-RS"/>
+              <a:t>e</a:t>
+            </a:r>
+            <a:r>
+              <a:rPr lang="sr-Latn-RS" smtClean="0"/>
+              <a:t>fikasnost u razvoju </a:t>
+            </a:r>
+            <a:r>
+              <a:rPr lang="sr-Latn-RS" smtClean="0"/>
+              <a:t>aplikacija</a:t>
+            </a:r>
+          </a:p>
+          <a:p>
+            <a:pPr lvl="1"/>
+            <a:r>
+              <a:rPr lang="sr-Latn-RS" smtClean="0"/>
+              <a:t>Sličan kao u Chromium-u</a:t>
+            </a:r>
+            <a:endParaRPr lang="sr-Latn-RS" smtClean="0"/>
           </a:p>
           <a:p>
             <a:r>
@@ -7461,6 +6912,36 @@
           </a:p>
         </p:txBody>
       </p:sp>
+      <p:pic>
+        <p:nvPicPr>
+          <p:cNvPr id="4" name="Picture 3"/>
+          <p:cNvPicPr>
+            <a:picLocks noChangeAspect="1"/>
+          </p:cNvPicPr>
+          <p:nvPr/>
+        </p:nvPicPr>
+        <p:blipFill>
+          <a:blip r:embed="rId3" cstate="print">
+            <a:extLst>
+              <a:ext uri="{28A0092B-C50C-407E-A947-70E740481C1C}">
+                <a14:useLocalDpi xmlns:a14="http://schemas.microsoft.com/office/drawing/2010/main" val="0"/>
+              </a:ext>
+            </a:extLst>
+          </a:blip>
+          <a:stretch>
+            <a:fillRect/>
+          </a:stretch>
+        </p:blipFill>
+        <p:spPr>
+          <a:xfrm>
+            <a:off x="7704061" y="1400508"/>
+            <a:ext cx="3776741" cy="4324512"/>
+          </a:xfrm>
+          <a:prstGeom prst="rect">
+            <a:avLst/>
+          </a:prstGeom>
+        </p:spPr>
+      </p:pic>
     </p:spTree>
     <p:extLst>
       <p:ext uri="{BB962C8B-B14F-4D97-AF65-F5344CB8AC3E}">
@@ -7508,7 +6989,7 @@
           <a:p>
             <a:r>
               <a:rPr lang="sr-Latn-RS" smtClean="0"/>
-              <a:t>Glavni proces</a:t>
+              <a:t>Glavni porces</a:t>
             </a:r>
             <a:endParaRPr lang="en-US"/>
           </a:p>
@@ -7526,91 +7007,163 @@
         </p:nvSpPr>
         <p:spPr>
           <a:xfrm>
-            <a:off x="3869268" y="864108"/>
-            <a:ext cx="7315200" cy="3098292"/>
+            <a:off x="3869268" y="1123837"/>
+            <a:ext cx="7315200" cy="5120640"/>
           </a:xfrm>
         </p:spPr>
         <p:txBody>
-          <a:bodyPr/>
-          <a:lstStyle/>
-          <a:p>
-            <a:r>
-              <a:rPr lang="en-US"/>
-              <a:t>Pokreće Node.js </a:t>
-            </a:r>
-            <a:r>
-              <a:rPr lang="en-US" smtClean="0"/>
-              <a:t>okruženje </a:t>
-            </a:r>
-            <a:endParaRPr lang="sr-Latn-RS" smtClean="0"/>
-          </a:p>
-          <a:p>
-            <a:r>
-              <a:rPr lang="en-US" smtClean="0"/>
-              <a:t>Kreira </a:t>
-            </a:r>
-            <a:r>
-              <a:rPr lang="en-US"/>
-              <a:t>i upravlja prozorima pomoću </a:t>
-            </a:r>
-            <a:r>
-              <a:rPr lang="en-US" b="1"/>
+          <a:bodyPr>
+            <a:normAutofit/>
+          </a:bodyPr>
+          <a:lstStyle/>
+          <a:p>
+            <a:pPr marL="0" indent="0">
+              <a:buNone/>
+            </a:pPr>
+            <a:r>
+              <a:rPr lang="en-US" sz="1800">
+                <a:solidFill>
+                  <a:srgbClr val="00B0F0"/>
+                </a:solidFill>
+              </a:rPr>
+              <a:t>1. </a:t>
+            </a:r>
+            <a:r>
+              <a:rPr lang="en-US" sz="1800"/>
+              <a:t>Pokreće Node.js Okruženje</a:t>
+            </a:r>
+          </a:p>
+          <a:p>
+            <a:pPr lvl="1"/>
+            <a:r>
+              <a:rPr lang="en-US" sz="1600" smtClean="0"/>
+              <a:t>koristi </a:t>
+            </a:r>
+            <a:r>
+              <a:rPr lang="en-US" sz="1600"/>
+              <a:t>Node.js za pristup lokalnim resursima (fajl sistem, mrežni zahtevi, baze podataka).</a:t>
+            </a:r>
+          </a:p>
+          <a:p>
+            <a:pPr lvl="1"/>
+            <a:r>
+              <a:rPr lang="sr-Latn-RS" sz="1600" smtClean="0"/>
+              <a:t>o</a:t>
+            </a:r>
+            <a:r>
+              <a:rPr lang="en-US" sz="1600" smtClean="0"/>
+              <a:t>mogućava </a:t>
+            </a:r>
+            <a:r>
+              <a:rPr lang="en-US" sz="1600"/>
+              <a:t>operacije koje nisu dozvoljene u renderer procesu, kao što su otvaranje fajlova i rad sa eksternim programima.</a:t>
+            </a:r>
+          </a:p>
+          <a:p>
+            <a:pPr marL="0" indent="0">
+              <a:buNone/>
+            </a:pPr>
+            <a:r>
+              <a:rPr lang="en-US" sz="1800">
+                <a:solidFill>
+                  <a:srgbClr val="00B0F0"/>
+                </a:solidFill>
+              </a:rPr>
+              <a:t>2. </a:t>
+            </a:r>
+            <a:r>
+              <a:rPr lang="en-US" sz="1800"/>
+              <a:t>Kreira i Upravljanje Prozorsima</a:t>
+            </a:r>
+          </a:p>
+          <a:p>
+            <a:pPr lvl="1"/>
+            <a:r>
+              <a:rPr lang="en-US" sz="1600" b="1"/>
               <a:t>BrowserWindow</a:t>
             </a:r>
             <a:r>
-              <a:rPr lang="en-US"/>
-              <a:t> </a:t>
-            </a:r>
-            <a:r>
-              <a:rPr lang="en-US" smtClean="0"/>
-              <a:t>modula</a:t>
-            </a:r>
-            <a:endParaRPr lang="sr-Latn-RS" smtClean="0"/>
-          </a:p>
-          <a:p>
-            <a:r>
-              <a:rPr lang="en-US" smtClean="0"/>
-              <a:t>Kontroliše </a:t>
-            </a:r>
-            <a:r>
-              <a:rPr lang="en-US"/>
-              <a:t>životni ciklus </a:t>
-            </a:r>
-            <a:r>
-              <a:rPr lang="en-US" smtClean="0"/>
-              <a:t>aplikacije</a:t>
-            </a:r>
+              <a:rPr lang="en-US" sz="1600"/>
+              <a:t> objekat koristi se za kreiranje prozora. Glavni proces kontroliše veličinu, poziciju, ponašanje prozora.</a:t>
+            </a:r>
+          </a:p>
+          <a:p>
+            <a:pPr lvl="1"/>
+            <a:r>
+              <a:rPr lang="sr-Latn-RS" sz="1600" smtClean="0"/>
+              <a:t>p</a:t>
+            </a:r>
+            <a:r>
+              <a:rPr lang="en-US" sz="1600" smtClean="0"/>
+              <a:t>rozor </a:t>
+            </a:r>
+            <a:r>
+              <a:rPr lang="en-US" sz="1600"/>
+              <a:t>učitava HTML, CSS i JavaScript sadržaj iz render procesa (lokalni fajlovi ili web </a:t>
+            </a:r>
+            <a:r>
+              <a:rPr lang="en-US" sz="1600"/>
+              <a:t>aplikacija</a:t>
+            </a:r>
+            <a:r>
+              <a:rPr lang="en-US" sz="1600" smtClean="0"/>
+              <a:t>).</a:t>
+            </a:r>
+            <a:endParaRPr lang="sr-Latn-RS" sz="1600" smtClean="0"/>
+          </a:p>
+          <a:p>
+            <a:pPr marL="0" indent="0">
+              <a:buNone/>
+            </a:pPr>
+            <a:r>
+              <a:rPr lang="en-US" sz="1800">
+                <a:solidFill>
+                  <a:srgbClr val="00B0F0"/>
+                </a:solidFill>
+              </a:rPr>
+              <a:t>3. </a:t>
+            </a:r>
+            <a:r>
+              <a:rPr lang="en-US" sz="1800"/>
+              <a:t>Kontroliše Životni Ciklus Aplikacije</a:t>
+            </a:r>
+          </a:p>
+          <a:p>
+            <a:pPr lvl="1"/>
+            <a:r>
+              <a:rPr lang="en-US" sz="1600"/>
+              <a:t>Pokretanje aplikacije: Glavni proces se aktivira i kreira početne prozore.</a:t>
+            </a:r>
+          </a:p>
+          <a:p>
+            <a:pPr lvl="1"/>
+            <a:r>
+              <a:rPr lang="en-US" sz="1600"/>
+              <a:t>Zatvaranje aplikacije: Glavni proces prati zatvaranje prozora i izlazi iz aplikacije kada svi prozori budu zatvoreni.</a:t>
+            </a:r>
+          </a:p>
+          <a:p>
+            <a:pPr lvl="2"/>
+            <a:r>
+              <a:rPr lang="en-US" sz="1400"/>
+              <a:t>Na macOS-u, aplikacija ostaje aktivna čak i kada su svi prozori zatvoreni.</a:t>
+            </a:r>
+          </a:p>
+          <a:p>
+            <a:pPr marL="502920" lvl="1" indent="0">
+              <a:buNone/>
+            </a:pPr>
             <a:endParaRPr lang="en-US"/>
           </a:p>
-        </p:txBody>
-      </p:sp>
-      <p:pic>
-        <p:nvPicPr>
-          <p:cNvPr id="4" name="Picture 3"/>
-          <p:cNvPicPr>
-            <a:picLocks noChangeAspect="1"/>
-          </p:cNvPicPr>
-          <p:nvPr/>
-        </p:nvPicPr>
-        <p:blipFill rotWithShape="1">
-          <a:blip r:embed="rId2"/>
-          <a:srcRect t="1792"/>
-          <a:stretch/>
-        </p:blipFill>
-        <p:spPr>
-          <a:xfrm>
-            <a:off x="4043081" y="3290047"/>
-            <a:ext cx="5514430" cy="2751933"/>
-          </a:xfrm>
-          <a:prstGeom prst="rect">
-            <a:avLst/>
-          </a:prstGeom>
-        </p:spPr>
-      </p:pic>
+          <a:p>
+            <a:endParaRPr lang="en-US"/>
+          </a:p>
+        </p:txBody>
+      </p:sp>
     </p:spTree>
     <p:extLst>
       <p:ext uri="{BB962C8B-B14F-4D97-AF65-F5344CB8AC3E}">
-        <p14:creationId xmlns:p14="http://schemas.microsoft.com/office/powerpoint/2010/main" val="3927519431"/>
+        <p14:creationId xmlns:p14="http://schemas.microsoft.com/office/powerpoint/2010/main" val="2710751325"/>
       </p:ext>
     </p:extLst>
   </p:cSld>
@@ -7654,99 +7207,18 @@
           <a:p>
             <a:r>
               <a:rPr lang="sr-Latn-RS" smtClean="0"/>
-              <a:t>Renderer proces</a:t>
-            </a:r>
-            <a:endParaRPr lang="en-US"/>
-          </a:p>
-        </p:txBody>
-      </p:sp>
-      <p:sp>
-        <p:nvSpPr>
-          <p:cNvPr id="3" name="Content Placeholder 2"/>
-          <p:cNvSpPr>
-            <a:spLocks noGrp="1"/>
-          </p:cNvSpPr>
-          <p:nvPr>
-            <p:ph idx="1"/>
-          </p:nvPr>
-        </p:nvSpPr>
-        <p:spPr>
-          <a:xfrm>
-            <a:off x="3869268" y="864108"/>
-            <a:ext cx="7315200" cy="3152080"/>
-          </a:xfrm>
-        </p:spPr>
-        <p:txBody>
-          <a:bodyPr/>
-          <a:lstStyle/>
-          <a:p>
-            <a:r>
-              <a:rPr lang="en-US"/>
-              <a:t>Pokreće se za svaki prozor </a:t>
-            </a:r>
-            <a:r>
-              <a:rPr lang="en-US" smtClean="0"/>
-              <a:t>aplikacije</a:t>
-            </a:r>
-            <a:endParaRPr lang="sr-Latn-RS" smtClean="0"/>
-          </a:p>
-          <a:p>
-            <a:r>
-              <a:rPr lang="en-US" smtClean="0"/>
-              <a:t>Koristi </a:t>
-            </a:r>
-            <a:r>
-              <a:rPr lang="en-US"/>
-              <a:t>Chromium engine za prikazivanje </a:t>
-            </a:r>
-            <a:r>
-              <a:rPr lang="en-US" smtClean="0"/>
-              <a:t>UI-a</a:t>
-            </a:r>
-            <a:endParaRPr lang="sr-Latn-RS" smtClean="0"/>
-          </a:p>
-          <a:p>
-            <a:r>
-              <a:rPr lang="en-US" smtClean="0"/>
-              <a:t>Ne </a:t>
-            </a:r>
-            <a:r>
-              <a:rPr lang="en-US"/>
-              <a:t>može direktno koristiti Node.js API-je, već koristi </a:t>
-            </a:r>
-            <a:r>
-              <a:rPr lang="en-US" b="1"/>
-              <a:t>preload skripte</a:t>
-            </a:r>
-            <a:r>
-              <a:rPr lang="en-US"/>
-              <a:t> za siguran pristup funkcijama </a:t>
-            </a:r>
-            <a:r>
-              <a:rPr lang="en-US" smtClean="0"/>
-              <a:t>Sistema</a:t>
-            </a:r>
-          </a:p>
-          <a:p>
-            <a:r>
-              <a:rPr lang="en-US" smtClean="0"/>
-              <a:t>Preload skripta pokre</a:t>
+              <a:t>Glavni </a:t>
             </a:r>
             <a:r>
               <a:rPr lang="sr-Latn-RS" smtClean="0"/>
-              <a:t>će se pre nego što se web sadržaj učita u renderer procesu. Ona </a:t>
-            </a:r>
-            <a:r>
-              <a:rPr lang="sr-Latn-RS"/>
-              <a:t>omogućava renderer procesu da koristi </a:t>
-            </a:r>
-            <a:r>
+              <a:t>proces</a:t>
+            </a:r>
+            <a:br>
               <a:rPr lang="sr-Latn-RS" smtClean="0"/>
-              <a:t>Node.js  </a:t>
-            </a:r>
-            <a:r>
-              <a:rPr lang="sr-Latn-RS"/>
-              <a:t>API-je, ali na siguran način</a:t>
+            </a:br>
+            <a:r>
+              <a:rPr lang="sr-Latn-RS" smtClean="0"/>
+              <a:t>(main.js)</a:t>
             </a:r>
             <a:endParaRPr lang="en-US"/>
           </a:p>
@@ -7754,7 +7226,7 @@
       </p:sp>
       <p:pic>
         <p:nvPicPr>
-          <p:cNvPr id="5" name="Picture 4"/>
+          <p:cNvPr id="6" name="Picture 5"/>
           <p:cNvPicPr>
             <a:picLocks noChangeAspect="1"/>
           </p:cNvPicPr>
@@ -7768,32 +7240,8 @@
         </p:blipFill>
         <p:spPr>
           <a:xfrm>
-            <a:off x="3654116" y="4147235"/>
-            <a:ext cx="3718207" cy="1965137"/>
-          </a:xfrm>
-          <a:prstGeom prst="rect">
-            <a:avLst/>
-          </a:prstGeom>
-        </p:spPr>
-      </p:pic>
-      <p:pic>
-        <p:nvPicPr>
-          <p:cNvPr id="6" name="Picture 5"/>
-          <p:cNvPicPr>
-            <a:picLocks noChangeAspect="1"/>
-          </p:cNvPicPr>
-          <p:nvPr/>
-        </p:nvPicPr>
-        <p:blipFill>
-          <a:blip r:embed="rId3"/>
-          <a:stretch>
-            <a:fillRect/>
-          </a:stretch>
-        </p:blipFill>
-        <p:spPr>
-          <a:xfrm>
-            <a:off x="7372324" y="5120835"/>
-            <a:ext cx="4431314" cy="991537"/>
+            <a:off x="4904582" y="703942"/>
+            <a:ext cx="5098347" cy="5578191"/>
           </a:xfrm>
           <a:prstGeom prst="rect">
             <a:avLst/>
@@ -7803,7 +7251,7 @@
     </p:spTree>
     <p:extLst>
       <p:ext uri="{BB962C8B-B14F-4D97-AF65-F5344CB8AC3E}">
-        <p14:creationId xmlns:p14="http://schemas.microsoft.com/office/powerpoint/2010/main" val="676997568"/>
+        <p14:creationId xmlns:p14="http://schemas.microsoft.com/office/powerpoint/2010/main" val="3927519431"/>
       </p:ext>
     </p:extLst>
   </p:cSld>
@@ -7847,7 +7295,7 @@
           <a:p>
             <a:r>
               <a:rPr lang="sr-Latn-RS" smtClean="0"/>
-              <a:t>Bezbednost</a:t>
+              <a:t>Renderer proces</a:t>
             </a:r>
             <a:endParaRPr lang="en-US"/>
           </a:p>
@@ -7868,13 +7316,28 @@
           <a:bodyPr/>
           <a:lstStyle/>
           <a:p>
+            <a:pPr marL="0" indent="0">
+              <a:buNone/>
+            </a:pPr>
+            <a:r>
+              <a:rPr lang="sr-Latn-RS" smtClean="0">
+                <a:solidFill>
+                  <a:srgbClr val="00B0F0"/>
+                </a:solidFill>
+              </a:rPr>
+              <a:t>1. </a:t>
+            </a:r>
+            <a:r>
+              <a:rPr lang="en-US" smtClean="0"/>
+              <a:t>Renderovanje </a:t>
+            </a:r>
             <a:r>
               <a:rPr lang="en-US"/>
-              <a:t>Preporuke za sigurnost</a:t>
-            </a:r>
-            <a:r>
-              <a:rPr lang="en-US" smtClean="0"/>
-              <a:t>:</a:t>
+              <a:t>Web </a:t>
+            </a:r>
+            <a:r>
+              <a:rPr lang="en-US" smtClean="0"/>
+              <a:t>Sadržaja</a:t>
             </a:r>
             <a:endParaRPr lang="sr-Latn-RS" smtClean="0"/>
           </a:p>
@@ -7882,39 +7345,59 @@
             <a:pPr lvl="1"/>
             <a:r>
               <a:rPr lang="en-US" smtClean="0"/>
-              <a:t>Uključivanje </a:t>
-            </a:r>
-            <a:r>
-              <a:rPr lang="en-US" b="1"/>
-              <a:t>contextIsolation</a:t>
+              <a:t>Renderer </a:t>
             </a:r>
             <a:r>
               <a:rPr lang="en-US"/>
+              <a:t>proces koristi Chromium engine za prikazivanje HTML, CSS i JavaScript </a:t>
+            </a:r>
+            <a:r>
+              <a:rPr lang="en-US"/>
+              <a:t>sadržaja</a:t>
+            </a:r>
+            <a:r>
+              <a:rPr lang="en-US" smtClean="0"/>
               <a:t>.</a:t>
             </a:r>
+            <a:endParaRPr lang="sr-Latn-RS" smtClean="0"/>
           </a:p>
           <a:p>
             <a:pPr lvl="1"/>
             <a:r>
+              <a:rPr lang="en-US" smtClean="0"/>
+              <a:t>Izolovan </a:t>
+            </a:r>
+            <a:r>
               <a:rPr lang="en-US"/>
-              <a:t>Sigurno izlaganje funkcionalnosti kroz </a:t>
-            </a:r>
-            <a:r>
-              <a:rPr lang="en-US" b="1"/>
-              <a:t>contextBridge</a:t>
+              <a:t>je od sistema i ne može direktno koristiti Node.js API, komunicira sa glavnim procesom preko </a:t>
+            </a:r>
+            <a:r>
+              <a:rPr lang="en-US"/>
+              <a:t>IPC</a:t>
             </a:r>
             <a:r>
               <a:rPr lang="en-US" smtClean="0"/>
               <a:t>.</a:t>
             </a:r>
             <a:endParaRPr lang="sr-Latn-RS" smtClean="0"/>
+          </a:p>
+          <a:p>
+            <a:pPr lvl="1"/>
+            <a:r>
+              <a:rPr lang="en-US" smtClean="0"/>
+              <a:t>Context </a:t>
+            </a:r>
+            <a:r>
+              <a:rPr lang="en-US"/>
+              <a:t>Isolation: Sprečava direktnu manipulaciju globalnim varijablama i štiti od napada (npr. XSS).</a:t>
+            </a:r>
           </a:p>
         </p:txBody>
       </p:sp>
     </p:spTree>
     <p:extLst>
       <p:ext uri="{BB962C8B-B14F-4D97-AF65-F5344CB8AC3E}">
-        <p14:creationId xmlns:p14="http://schemas.microsoft.com/office/powerpoint/2010/main" val="985285358"/>
+        <p14:creationId xmlns:p14="http://schemas.microsoft.com/office/powerpoint/2010/main" val="2483720301"/>
       </p:ext>
     </p:extLst>
   </p:cSld>
@@ -7951,105 +7434,256 @@
             <p:ph type="title"/>
           </p:nvPr>
         </p:nvSpPr>
+        <p:spPr/>
+        <p:txBody>
+          <a:bodyPr/>
+          <a:lstStyle/>
+          <a:p>
+            <a:r>
+              <a:rPr lang="sr-Latn-RS" smtClean="0"/>
+              <a:t>Renderer proces (nastavak)</a:t>
+            </a:r>
+            <a:endParaRPr lang="en-US"/>
+          </a:p>
+        </p:txBody>
+      </p:sp>
+      <p:sp>
+        <p:nvSpPr>
+          <p:cNvPr id="3" name="Content Placeholder 2"/>
+          <p:cNvSpPr>
+            <a:spLocks noGrp="1"/>
+          </p:cNvSpPr>
+          <p:nvPr>
+            <p:ph idx="1"/>
+          </p:nvPr>
+        </p:nvSpPr>
         <p:spPr>
           <a:xfrm>
-            <a:off x="252918" y="1123837"/>
-            <a:ext cx="3139505" cy="4601183"/>
+            <a:off x="3869266" y="1420170"/>
+            <a:ext cx="7289799" cy="2971801"/>
           </a:xfrm>
         </p:spPr>
         <p:txBody>
-          <a:bodyPr/>
-          <a:lstStyle/>
-          <a:p>
-            <a:r>
-              <a:rPr lang="en-US" smtClean="0"/>
-              <a:t>c</a:t>
-            </a:r>
-            <a:r>
-              <a:rPr lang="en-US" smtClean="0"/>
-              <a:t>ontextIsloation</a:t>
-            </a:r>
-            <a:endParaRPr lang="en-US"/>
-          </a:p>
-        </p:txBody>
-      </p:sp>
-      <p:sp>
-        <p:nvSpPr>
-          <p:cNvPr id="3" name="Content Placeholder 2"/>
-          <p:cNvSpPr>
-            <a:spLocks noGrp="1"/>
-          </p:cNvSpPr>
-          <p:nvPr>
-            <p:ph idx="1"/>
-          </p:nvPr>
-        </p:nvSpPr>
-        <p:spPr/>
-        <p:txBody>
-          <a:bodyPr/>
-          <a:lstStyle/>
-          <a:p>
+          <a:bodyPr>
+            <a:normAutofit fontScale="77500" lnSpcReduction="20000"/>
+          </a:bodyPr>
+          <a:lstStyle/>
+          <a:p>
+            <a:pPr marL="0" indent="0">
+              <a:buNone/>
+            </a:pPr>
+            <a:r>
+              <a:rPr lang="sr-Latn-RS">
+                <a:solidFill>
+                  <a:srgbClr val="00B0F0"/>
+                </a:solidFill>
+              </a:rPr>
+              <a:t>2. </a:t>
+            </a:r>
             <a:r>
               <a:rPr lang="en-US"/>
-              <a:t>Razdvaja dva JavaScript okruženja: renderer proces (UI) i main proces (</a:t>
-            </a:r>
+              <a:t>Preload Skripte i Sigurnost</a:t>
+            </a:r>
+            <a:endParaRPr lang="sr-Latn-RS"/>
+          </a:p>
+          <a:p>
+            <a:pPr lvl="1"/>
             <a:r>
               <a:rPr lang="en-US"/>
-              <a:t>Node.js</a:t>
-            </a:r>
-            <a:r>
-              <a:rPr lang="en-US" smtClean="0"/>
-              <a:t>).</a:t>
-            </a:r>
-          </a:p>
-          <a:p>
-            <a:r>
-              <a:rPr lang="en-US" smtClean="0"/>
-              <a:t>Sprečava </a:t>
+              <a:t>Preload skripte omogućavaju renderer procesu siguran pristup Node.js funkcijama koristeći contextBridge.</a:t>
+            </a:r>
+            <a:r>
+              <a:rPr lang="sr-Latn-RS"/>
+              <a:t> </a:t>
             </a:r>
             <a:r>
               <a:rPr lang="en-US"/>
-              <a:t>renderer proces da direktno koristi Node.js </a:t>
-            </a:r>
+              <a:t>Preload skripta pokre</a:t>
+            </a:r>
+            <a:r>
+              <a:rPr lang="sr-Latn-RS"/>
+              <a:t>će se pre nego što se web sadržaj učita u renderer procesu. </a:t>
+            </a:r>
+            <a:endParaRPr lang="sr-Latn-RS">
+              <a:solidFill>
+                <a:srgbClr val="00B0F0"/>
+              </a:solidFill>
+            </a:endParaRPr>
+          </a:p>
+          <a:p>
+            <a:pPr marL="0" lvl="1" indent="0">
+              <a:spcBef>
+                <a:spcPts val="1200"/>
+              </a:spcBef>
+              <a:spcAft>
+                <a:spcPts val="0"/>
+              </a:spcAft>
+              <a:buNone/>
+            </a:pPr>
+            <a:r>
+              <a:rPr lang="sr-Latn-RS">
+                <a:solidFill>
+                  <a:srgbClr val="00B0F0"/>
+                </a:solidFill>
+              </a:rPr>
+              <a:t>3. </a:t>
+            </a:r>
+            <a:r>
+              <a:rPr lang="sr-Latn-RS" sz="2000"/>
+              <a:t>Sigurnost i Izolacija</a:t>
+            </a:r>
+          </a:p>
+          <a:p>
+            <a:pPr marL="742950" lvl="2" indent="-285750">
+              <a:spcBef>
+                <a:spcPts val="1200"/>
+              </a:spcBef>
+              <a:spcAft>
+                <a:spcPts val="0"/>
+              </a:spcAft>
+            </a:pPr>
+            <a:r>
+              <a:rPr lang="sr-Latn-RS" sz="1800"/>
+              <a:t>Kontekstna izolacija sprečava direktan pristup sistemu.</a:t>
+            </a:r>
+          </a:p>
+          <a:p>
+            <a:pPr marL="742950" lvl="2" indent="-285750">
+              <a:spcBef>
+                <a:spcPts val="1200"/>
+              </a:spcBef>
+              <a:spcAft>
+                <a:spcPts val="0"/>
+              </a:spcAft>
+            </a:pPr>
+            <a:r>
+              <a:rPr lang="sr-Latn-RS" sz="1800"/>
+              <a:t>Preporučuje se isključivanje nodeIntegration za veću sigurnost.javascriptCopy code</a:t>
+            </a:r>
+          </a:p>
+          <a:p>
+            <a:pPr marL="0" indent="0">
+              <a:buNone/>
+            </a:pPr>
+            <a:endParaRPr lang="sr-Latn-RS" smtClean="0">
+              <a:solidFill>
+                <a:srgbClr val="00B0F0"/>
+              </a:solidFill>
+            </a:endParaRPr>
+          </a:p>
+          <a:p>
+            <a:pPr marL="0" indent="0">
+              <a:buNone/>
+            </a:pPr>
+            <a:r>
+              <a:rPr lang="sr-Latn-RS" sz="2100" smtClean="0">
+                <a:solidFill>
+                  <a:srgbClr val="00B0F0"/>
+                </a:solidFill>
+              </a:rPr>
+              <a:t>4. </a:t>
+            </a:r>
+            <a:r>
+              <a:rPr lang="en-US" sz="2100" smtClean="0"/>
+              <a:t>Životni </a:t>
+            </a:r>
+            <a:r>
+              <a:rPr lang="en-US" sz="2100"/>
+              <a:t>Ciklus</a:t>
+            </a:r>
+          </a:p>
+          <a:p>
+            <a:pPr lvl="1"/>
             <a:r>
               <a:rPr lang="en-US"/>
-              <a:t>funkcionalnosti</a:t>
-            </a:r>
-            <a:r>
-              <a:rPr lang="en-US" smtClean="0"/>
-              <a:t>.</a:t>
-            </a:r>
-          </a:p>
-          <a:p>
+              <a:t>Svaki prozor pokreće svoj renderer proces, koji se uništava kad se prozor zatvori.</a:t>
+            </a:r>
+          </a:p>
+          <a:p>
+            <a:pPr lvl="1"/>
             <a:r>
               <a:rPr lang="en-US"/>
-              <a:t>Obezbeđuje zaštitu aplikacije od zlonamernog koda u renderer procesu koji može da pristupi kritičnim funkcijama sistema (npr. čitanje fajlova, pokretanje </a:t>
-            </a:r>
-            <a:r>
-              <a:rPr lang="en-US"/>
-              <a:t>komandi</a:t>
-            </a:r>
-            <a:r>
-              <a:rPr lang="en-US" smtClean="0"/>
-              <a:t>).</a:t>
-            </a:r>
-          </a:p>
-          <a:p>
-            <a:r>
-              <a:rPr lang="en-US" smtClean="0"/>
-              <a:t>Povećava </a:t>
-            </a:r>
-            <a:r>
-              <a:rPr lang="en-US"/>
-              <a:t>bezbednost aplikacije izolovanjem Node.js funkcionalnosti.</a:t>
-            </a:r>
-            <a:endParaRPr lang="en-US"/>
-          </a:p>
-        </p:txBody>
-      </p:sp>
+              <a:t>Više prozora mogu imati svoje vlastite renderer procese.</a:t>
+            </a:r>
+          </a:p>
+          <a:p>
+            <a:pPr marL="0" indent="0">
+              <a:buNone/>
+            </a:pPr>
+            <a:endParaRPr lang="sr-Latn-RS">
+              <a:solidFill>
+                <a:srgbClr val="00B0F0"/>
+              </a:solidFill>
+            </a:endParaRPr>
+          </a:p>
+          <a:p>
+            <a:pPr lvl="1"/>
+            <a:endParaRPr lang="sr-Latn-RS">
+              <a:solidFill>
+                <a:srgbClr val="00B0F0"/>
+              </a:solidFill>
+            </a:endParaRPr>
+          </a:p>
+          <a:p>
+            <a:pPr marL="502920" lvl="1" indent="0">
+              <a:buNone/>
+            </a:pPr>
+            <a:endParaRPr lang="sr-Latn-RS"/>
+          </a:p>
+        </p:txBody>
+      </p:sp>
+      <p:pic>
+        <p:nvPicPr>
+          <p:cNvPr id="4" name="Picture 3"/>
+          <p:cNvPicPr>
+            <a:picLocks noChangeAspect="1"/>
+          </p:cNvPicPr>
+          <p:nvPr/>
+        </p:nvPicPr>
+        <p:blipFill>
+          <a:blip r:embed="rId2"/>
+          <a:stretch>
+            <a:fillRect/>
+          </a:stretch>
+        </p:blipFill>
+        <p:spPr>
+          <a:xfrm>
+            <a:off x="3498180" y="4095638"/>
+            <a:ext cx="3718207" cy="1965137"/>
+          </a:xfrm>
+          <a:prstGeom prst="rect">
+            <a:avLst/>
+          </a:prstGeom>
+        </p:spPr>
+      </p:pic>
+      <p:pic>
+        <p:nvPicPr>
+          <p:cNvPr id="5" name="Picture 4"/>
+          <p:cNvPicPr>
+            <a:picLocks noChangeAspect="1"/>
+          </p:cNvPicPr>
+          <p:nvPr/>
+        </p:nvPicPr>
+        <p:blipFill>
+          <a:blip r:embed="rId3"/>
+          <a:stretch>
+            <a:fillRect/>
+          </a:stretch>
+        </p:blipFill>
+        <p:spPr>
+          <a:xfrm>
+            <a:off x="7216387" y="5069238"/>
+            <a:ext cx="4431314" cy="991537"/>
+          </a:xfrm>
+          <a:prstGeom prst="rect">
+            <a:avLst/>
+          </a:prstGeom>
+        </p:spPr>
+      </p:pic>
     </p:spTree>
     <p:extLst>
       <p:ext uri="{BB962C8B-B14F-4D97-AF65-F5344CB8AC3E}">
-        <p14:creationId xmlns:p14="http://schemas.microsoft.com/office/powerpoint/2010/main" val="1958680939"/>
+        <p14:creationId xmlns:p14="http://schemas.microsoft.com/office/powerpoint/2010/main" val="3272176376"/>
       </p:ext>
     </p:extLst>
   </p:cSld>

--- a/Electron.pptx
+++ b/Electron.pptx
@@ -5,7 +5,7 @@
     <p:sldMasterId id="2147483897" r:id="rId1"/>
   </p:sldMasterIdLst>
   <p:notesMasterIdLst>
-    <p:notesMasterId r:id="rId21"/>
+    <p:notesMasterId r:id="rId24"/>
   </p:notesMasterIdLst>
   <p:sldIdLst>
     <p:sldId id="256" r:id="rId2"/>
@@ -21,12 +21,15 @@
     <p:sldId id="274" r:id="rId12"/>
     <p:sldId id="266" r:id="rId13"/>
     <p:sldId id="270" r:id="rId14"/>
-    <p:sldId id="271" r:id="rId15"/>
-    <p:sldId id="272" r:id="rId16"/>
-    <p:sldId id="275" r:id="rId17"/>
-    <p:sldId id="276" r:id="rId18"/>
-    <p:sldId id="268" r:id="rId19"/>
-    <p:sldId id="269" r:id="rId20"/>
+    <p:sldId id="280" r:id="rId15"/>
+    <p:sldId id="271" r:id="rId16"/>
+    <p:sldId id="281" r:id="rId17"/>
+    <p:sldId id="272" r:id="rId18"/>
+    <p:sldId id="275" r:id="rId19"/>
+    <p:sldId id="276" r:id="rId20"/>
+    <p:sldId id="282" r:id="rId21"/>
+    <p:sldId id="268" r:id="rId22"/>
+    <p:sldId id="269" r:id="rId23"/>
   </p:sldIdLst>
   <p:sldSz cx="12192000" cy="6858000"/>
   <p:notesSz cx="6858000" cy="9144000"/>
@@ -4890,7 +4893,7 @@
         </p:blipFill>
         <p:spPr>
           <a:xfrm>
-            <a:off x="4097483" y="3863214"/>
+            <a:off x="4097483" y="3424428"/>
             <a:ext cx="3734321" cy="676369"/>
           </a:xfrm>
           <a:prstGeom prst="rect">
@@ -4907,7 +4910,7 @@
         <p:spPr>
           <a:xfrm>
             <a:off x="3863788" y="1123837"/>
-            <a:ext cx="7745506" cy="2585323"/>
+            <a:ext cx="7745506" cy="2031325"/>
           </a:xfrm>
           <a:prstGeom prst="rect">
             <a:avLst/>
@@ -4939,6 +4942,11 @@
               <a:rPr lang="sr-Latn-RS" smtClean="0"/>
               <a:t>ć sledećih komandi</a:t>
             </a:r>
+            <a:r>
+              <a:rPr lang="en-US" smtClean="0"/>
+              <a:t>cd </a:t>
+            </a:r>
+            <a:endParaRPr lang="sr-Latn-RS" smtClean="0"/>
           </a:p>
           <a:p>
             <a:pPr marL="342900" indent="-342900">
@@ -4959,21 +4967,6 @@
             <a:endParaRPr lang="sr-Latn-RS" smtClean="0"/>
           </a:p>
           <a:p>
-            <a:pPr marL="342900" indent="-342900">
-              <a:buAutoNum type="arabicPeriod"/>
-            </a:pPr>
-            <a:endParaRPr lang="sr-Latn-RS" smtClean="0"/>
-          </a:p>
-          <a:p>
-            <a:pPr marL="342900" indent="-342900">
-              <a:buAutoNum type="arabicPeriod"/>
-            </a:pPr>
-            <a:endParaRPr lang="sr-Latn-RS"/>
-          </a:p>
-          <a:p>
-            <a:pPr marL="342900" indent="-342900">
-              <a:buAutoNum type="arabicPeriod"/>
-            </a:pPr>
             <a:endParaRPr lang="sr-Latn-RS" smtClean="0"/>
           </a:p>
           <a:p>
@@ -5035,7 +5028,7 @@
           <a:p>
             <a:r>
               <a:rPr lang="en-US" smtClean="0"/>
-              <a:t>Kreiranje glavnog procesa Electron-a i preload skripte</a:t>
+              <a:t>Izgled aplikacije nakon kreiranja</a:t>
             </a:r>
             <a:endParaRPr lang="en-US"/>
           </a:p>
@@ -5059,8 +5052,151 @@
         </p:blipFill>
         <p:spPr>
           <a:xfrm>
-            <a:off x="3554642" y="782919"/>
-            <a:ext cx="4289476" cy="5295268"/>
+            <a:off x="3851805" y="2035703"/>
+            <a:ext cx="7315200" cy="3962400"/>
+          </a:xfrm>
+          <a:prstGeom prst="rect">
+            <a:avLst/>
+          </a:prstGeom>
+        </p:spPr>
+      </p:pic>
+    </p:spTree>
+    <p:extLst>
+      <p:ext uri="{BB962C8B-B14F-4D97-AF65-F5344CB8AC3E}">
+        <p14:creationId xmlns:p14="http://schemas.microsoft.com/office/powerpoint/2010/main" val="1946072338"/>
+      </p:ext>
+    </p:extLst>
+  </p:cSld>
+  <p:clrMapOvr>
+    <a:masterClrMapping/>
+  </p:clrMapOvr>
+</p:sld>
+</file>
+
+<file path=ppt/slides/slide15.xml><?xml version="1.0" encoding="utf-8"?>
+<p:sld xmlns:a="http://schemas.openxmlformats.org/drawingml/2006/main" xmlns:r="http://schemas.openxmlformats.org/officeDocument/2006/relationships" xmlns:p="http://schemas.openxmlformats.org/presentationml/2006/main">
+  <p:cSld>
+    <p:spTree>
+      <p:nvGrpSpPr>
+        <p:cNvPr id="1" name=""/>
+        <p:cNvGrpSpPr/>
+        <p:nvPr/>
+      </p:nvGrpSpPr>
+      <p:grpSpPr>
+        <a:xfrm>
+          <a:off x="0" y="0"/>
+          <a:ext cx="0" cy="0"/>
+          <a:chOff x="0" y="0"/>
+          <a:chExt cx="0" cy="0"/>
+        </a:xfrm>
+      </p:grpSpPr>
+      <p:sp>
+        <p:nvSpPr>
+          <p:cNvPr id="2" name="Title 1"/>
+          <p:cNvSpPr>
+            <a:spLocks noGrp="1"/>
+          </p:cNvSpPr>
+          <p:nvPr>
+            <p:ph type="title"/>
+          </p:nvPr>
+        </p:nvSpPr>
+        <p:spPr/>
+        <p:txBody>
+          <a:bodyPr/>
+          <a:lstStyle/>
+          <a:p>
+            <a:r>
+              <a:rPr lang="en-US" smtClean="0"/>
+              <a:t>Kreiranje glavnog procesa Electron-a i preload skripte</a:t>
+            </a:r>
+            <a:endParaRPr lang="en-US"/>
+          </a:p>
+        </p:txBody>
+      </p:sp>
+      <p:sp>
+        <p:nvSpPr>
+          <p:cNvPr id="3" name="TextBox 2"/>
+          <p:cNvSpPr txBox="1"/>
+          <p:nvPr/>
+        </p:nvSpPr>
+        <p:spPr>
+          <a:xfrm>
+            <a:off x="5190093" y="782919"/>
+            <a:ext cx="6277017" cy="523220"/>
+          </a:xfrm>
+          <a:prstGeom prst="rect">
+            <a:avLst/>
+          </a:prstGeom>
+          <a:noFill/>
+        </p:spPr>
+        <p:txBody>
+          <a:bodyPr wrap="square" rtlCol="0">
+            <a:spAutoFit/>
+          </a:bodyPr>
+          <a:lstStyle/>
+          <a:p>
+            <a:r>
+              <a:rPr lang="en-US" sz="1400" smtClean="0"/>
+              <a:t>U </a:t>
+            </a:r>
+            <a:r>
+              <a:rPr lang="en-US" sz="1400"/>
+              <a:t>public </a:t>
+            </a:r>
+            <a:r>
+              <a:rPr lang="en-US" sz="1400" smtClean="0"/>
+              <a:t>direktorijumu aplikacije kreiramo electron.js </a:t>
+            </a:r>
+            <a:r>
+              <a:rPr lang="sr-Latn-RS" sz="1400" smtClean="0"/>
+              <a:t>i preload.js </a:t>
+            </a:r>
+            <a:r>
+              <a:rPr lang="en-US" sz="1400" smtClean="0"/>
+              <a:t>fajl</a:t>
+            </a:r>
+            <a:r>
+              <a:rPr lang="sr-Latn-RS" sz="1400" smtClean="0"/>
+              <a:t>ove</a:t>
+            </a:r>
+            <a:r>
+              <a:rPr lang="en-US" sz="1400" smtClean="0"/>
+              <a:t> </a:t>
+            </a:r>
+            <a:r>
+              <a:rPr lang="sr-Latn-RS" sz="1400" smtClean="0"/>
+              <a:t>i</a:t>
+            </a:r>
+            <a:r>
+              <a:rPr lang="en-US" sz="1400" smtClean="0"/>
+              <a:t> pi</a:t>
+            </a:r>
+            <a:r>
+              <a:rPr lang="sr-Latn-RS" sz="1400" smtClean="0"/>
+              <a:t>šemo odgovarajući kod. </a:t>
+            </a:r>
+            <a:endParaRPr lang="en-US" sz="1400"/>
+          </a:p>
+        </p:txBody>
+      </p:sp>
+      <p:pic>
+        <p:nvPicPr>
+          <p:cNvPr id="6" name="Picture 5"/>
+          <p:cNvPicPr>
+            <a:picLocks noChangeAspect="1"/>
+          </p:cNvPicPr>
+          <p:nvPr/>
+        </p:nvPicPr>
+        <p:blipFill>
+          <a:blip r:embed="rId2"/>
+          <a:stretch>
+            <a:fillRect/>
+          </a:stretch>
+        </p:blipFill>
+        <p:spPr>
+          <a:xfrm>
+            <a:off x="3532565" y="782919"/>
+            <a:ext cx="1657528" cy="3104773"/>
           </a:xfrm>
           <a:prstGeom prst="rect">
             <a:avLst/>
@@ -5069,7 +5205,7 @@
       </p:pic>
       <p:pic>
         <p:nvPicPr>
-          <p:cNvPr id="5" name="Picture 4"/>
+          <p:cNvPr id="8" name="Picture 7"/>
           <p:cNvPicPr>
             <a:picLocks noChangeAspect="1"/>
           </p:cNvPicPr>
@@ -5083,8 +5219,31 @@
         </p:blipFill>
         <p:spPr>
           <a:xfrm>
-            <a:off x="7844118" y="4598718"/>
-            <a:ext cx="3958052" cy="1479469"/>
+            <a:off x="5190093" y="1254550"/>
+            <a:ext cx="4658226" cy="4781787"/>
+          </a:xfrm>
+          <a:prstGeom prst="rect">
+            <a:avLst/>
+          </a:prstGeom>
+        </p:spPr>
+      </p:pic>
+      <p:pic>
+        <p:nvPicPr>
+          <p:cNvPr id="10" name="Picture 9"/>
+          <p:cNvPicPr>
+            <a:picLocks noChangeAspect="1"/>
+          </p:cNvPicPr>
+          <p:nvPr/>
+        </p:nvPicPr>
+        <p:blipFill rotWithShape="1">
+          <a:blip r:embed="rId4"/>
+          <a:srcRect t="5357"/>
+          <a:stretch/>
+        </p:blipFill>
+        <p:spPr>
+          <a:xfrm>
+            <a:off x="7716894" y="4995333"/>
+            <a:ext cx="4475106" cy="1041004"/>
           </a:xfrm>
           <a:prstGeom prst="rect">
             <a:avLst/>
@@ -5104,7 +5263,142 @@
 </p:sld>
 </file>
 
-<file path=ppt/slides/slide15.xml><?xml version="1.0" encoding="utf-8"?>
+<file path=ppt/slides/slide16.xml><?xml version="1.0" encoding="utf-8"?>
+<p:sld xmlns:a="http://schemas.openxmlformats.org/drawingml/2006/main" xmlns:r="http://schemas.openxmlformats.org/officeDocument/2006/relationships" xmlns:p="http://schemas.openxmlformats.org/presentationml/2006/main">
+  <p:cSld>
+    <p:spTree>
+      <p:nvGrpSpPr>
+        <p:cNvPr id="1" name=""/>
+        <p:cNvGrpSpPr/>
+        <p:nvPr/>
+      </p:nvGrpSpPr>
+      <p:grpSpPr>
+        <a:xfrm>
+          <a:off x="0" y="0"/>
+          <a:ext cx="0" cy="0"/>
+          <a:chOff x="0" y="0"/>
+          <a:chExt cx="0" cy="0"/>
+        </a:xfrm>
+      </p:grpSpPr>
+      <p:sp>
+        <p:nvSpPr>
+          <p:cNvPr id="2" name="Title 1"/>
+          <p:cNvSpPr>
+            <a:spLocks noGrp="1"/>
+          </p:cNvSpPr>
+          <p:nvPr>
+            <p:ph type="title"/>
+          </p:nvPr>
+        </p:nvSpPr>
+        <p:spPr/>
+        <p:txBody>
+          <a:bodyPr/>
+          <a:lstStyle/>
+          <a:p>
+            <a:r>
+              <a:rPr lang="sr-Latn-RS" smtClean="0"/>
+              <a:t>Kreiranje izgleda aplikacije</a:t>
+            </a:r>
+            <a:endParaRPr lang="en-US"/>
+          </a:p>
+        </p:txBody>
+      </p:sp>
+      <p:sp>
+        <p:nvSpPr>
+          <p:cNvPr id="6" name="TextBox 5"/>
+          <p:cNvSpPr txBox="1"/>
+          <p:nvPr/>
+        </p:nvSpPr>
+        <p:spPr>
+          <a:xfrm>
+            <a:off x="5953308" y="299138"/>
+            <a:ext cx="5302862" cy="369332"/>
+          </a:xfrm>
+          <a:prstGeom prst="rect">
+            <a:avLst/>
+          </a:prstGeom>
+          <a:noFill/>
+        </p:spPr>
+        <p:txBody>
+          <a:bodyPr wrap="none" rtlCol="0">
+            <a:spAutoFit/>
+          </a:bodyPr>
+          <a:lstStyle/>
+          <a:p>
+            <a:r>
+              <a:rPr lang="sr-Latn-RS" smtClean="0"/>
+              <a:t>! Potrebno je izvršiti komandu </a:t>
+            </a:r>
+            <a:r>
+              <a:rPr lang="sr-Latn-RS" u="sng" smtClean="0"/>
+              <a:t>npm install react-modal</a:t>
+            </a:r>
+            <a:endParaRPr lang="en-US" u="sng"/>
+          </a:p>
+        </p:txBody>
+      </p:sp>
+      <p:pic>
+        <p:nvPicPr>
+          <p:cNvPr id="7" name="Picture 6"/>
+          <p:cNvPicPr>
+            <a:picLocks noChangeAspect="1"/>
+          </p:cNvPicPr>
+          <p:nvPr/>
+        </p:nvPicPr>
+        <p:blipFill>
+          <a:blip r:embed="rId2"/>
+          <a:stretch>
+            <a:fillRect/>
+          </a:stretch>
+        </p:blipFill>
+        <p:spPr>
+          <a:xfrm>
+            <a:off x="3759202" y="150333"/>
+            <a:ext cx="2022127" cy="6548189"/>
+          </a:xfrm>
+          <a:prstGeom prst="rect">
+            <a:avLst/>
+          </a:prstGeom>
+        </p:spPr>
+      </p:pic>
+      <p:pic>
+        <p:nvPicPr>
+          <p:cNvPr id="8" name="Picture 7"/>
+          <p:cNvPicPr>
+            <a:picLocks noChangeAspect="1"/>
+          </p:cNvPicPr>
+          <p:nvPr/>
+        </p:nvPicPr>
+        <p:blipFill>
+          <a:blip r:embed="rId3"/>
+          <a:stretch>
+            <a:fillRect/>
+          </a:stretch>
+        </p:blipFill>
+        <p:spPr>
+          <a:xfrm>
+            <a:off x="6554441" y="802006"/>
+            <a:ext cx="4460692" cy="1925522"/>
+          </a:xfrm>
+          <a:prstGeom prst="rect">
+            <a:avLst/>
+          </a:prstGeom>
+        </p:spPr>
+      </p:pic>
+    </p:spTree>
+    <p:extLst>
+      <p:ext uri="{BB962C8B-B14F-4D97-AF65-F5344CB8AC3E}">
+        <p14:creationId xmlns:p14="http://schemas.microsoft.com/office/powerpoint/2010/main" val="357436071"/>
+      </p:ext>
+    </p:extLst>
+  </p:cSld>
+  <p:clrMapOvr>
+    <a:masterClrMapping/>
+  </p:clrMapOvr>
+</p:sld>
+</file>
+
+<file path=ppt/slides/slide17.xml><?xml version="1.0" encoding="utf-8"?>
 <p:sld xmlns:a="http://schemas.openxmlformats.org/drawingml/2006/main" xmlns:r="http://schemas.openxmlformats.org/officeDocument/2006/relationships" xmlns:p="http://schemas.openxmlformats.org/presentationml/2006/main">
   <p:cSld>
     <p:spTree>
@@ -5186,7 +5480,7 @@
         </p:blipFill>
         <p:spPr>
           <a:xfrm>
-            <a:off x="4186518" y="3626030"/>
+            <a:off x="4021668" y="5474984"/>
             <a:ext cx="3672407" cy="500072"/>
           </a:xfrm>
           <a:prstGeom prst="rect">
@@ -5210,7 +5504,7 @@
         </p:blipFill>
         <p:spPr>
           <a:xfrm>
-            <a:off x="4186518" y="2348430"/>
+            <a:off x="4021668" y="4291223"/>
             <a:ext cx="5047129" cy="549520"/>
           </a:xfrm>
           <a:prstGeom prst="rect">
@@ -5226,7 +5520,7 @@
         </p:nvCxnSpPr>
         <p:spPr>
           <a:xfrm>
-            <a:off x="7541698" y="2438400"/>
+            <a:off x="7330031" y="4380840"/>
             <a:ext cx="1439422" cy="184790"/>
           </a:xfrm>
           <a:prstGeom prst="curvedConnector3">
@@ -5264,8 +5558,8 @@
         </p:nvSpPr>
         <p:spPr>
           <a:xfrm>
-            <a:off x="3894577" y="739696"/>
-            <a:ext cx="7928695" cy="3693319"/>
+            <a:off x="3714675" y="896743"/>
+            <a:ext cx="7418992" cy="5632311"/>
           </a:xfrm>
           <a:prstGeom prst="rect">
             <a:avLst/>
@@ -5322,6 +5616,69 @@
               </a:buClr>
               <a:buAutoNum type="arabicPeriod"/>
             </a:pPr>
+            <a:endParaRPr lang="en-US" b="1" smtClean="0"/>
+          </a:p>
+          <a:p>
+            <a:pPr marL="342900" indent="-342900">
+              <a:buClr>
+                <a:schemeClr val="accent1"/>
+              </a:buClr>
+              <a:buAutoNum type="arabicPeriod"/>
+            </a:pPr>
+            <a:endParaRPr lang="en-US" b="1"/>
+          </a:p>
+          <a:p>
+            <a:pPr marL="342900" indent="-342900">
+              <a:buClr>
+                <a:schemeClr val="accent1"/>
+              </a:buClr>
+              <a:buAutoNum type="arabicPeriod"/>
+            </a:pPr>
+            <a:endParaRPr lang="en-US" b="1" smtClean="0"/>
+          </a:p>
+          <a:p>
+            <a:pPr marL="342900" indent="-342900">
+              <a:buClr>
+                <a:schemeClr val="accent1"/>
+              </a:buClr>
+              <a:buAutoNum type="arabicPeriod"/>
+            </a:pPr>
+            <a:endParaRPr lang="en-US" b="1"/>
+          </a:p>
+          <a:p>
+            <a:pPr marL="342900" indent="-342900">
+              <a:buClr>
+                <a:schemeClr val="accent1"/>
+              </a:buClr>
+              <a:buAutoNum type="arabicPeriod"/>
+            </a:pPr>
+            <a:endParaRPr lang="en-US" b="1" smtClean="0"/>
+          </a:p>
+          <a:p>
+            <a:pPr marL="342900" indent="-342900">
+              <a:buClr>
+                <a:schemeClr val="accent1"/>
+              </a:buClr>
+              <a:buAutoNum type="arabicPeriod"/>
+            </a:pPr>
+            <a:endParaRPr lang="en-US" b="1"/>
+          </a:p>
+          <a:p>
+            <a:pPr marL="342900" indent="-342900">
+              <a:buClr>
+                <a:schemeClr val="accent1"/>
+              </a:buClr>
+              <a:buAutoNum type="arabicPeriod"/>
+            </a:pPr>
+            <a:endParaRPr lang="en-US" b="1" smtClean="0"/>
+          </a:p>
+          <a:p>
+            <a:pPr marL="342900" indent="-342900">
+              <a:buClr>
+                <a:schemeClr val="accent1"/>
+              </a:buClr>
+              <a:buAutoNum type="arabicPeriod"/>
+            </a:pPr>
             <a:endParaRPr lang="sr-Latn-RS" b="1"/>
           </a:p>
           <a:p>
@@ -5413,6 +5770,66 @@
           </a:p>
         </p:txBody>
       </p:sp>
+      <p:pic>
+        <p:nvPicPr>
+          <p:cNvPr id="5" name="Picture 4"/>
+          <p:cNvPicPr>
+            <a:picLocks noChangeAspect="1"/>
+          </p:cNvPicPr>
+          <p:nvPr/>
+        </p:nvPicPr>
+        <p:blipFill>
+          <a:blip r:embed="rId5"/>
+          <a:stretch>
+            <a:fillRect/>
+          </a:stretch>
+        </p:blipFill>
+        <p:spPr>
+          <a:xfrm>
+            <a:off x="6476664" y="1223700"/>
+            <a:ext cx="1896869" cy="2758424"/>
+          </a:xfrm>
+          <a:prstGeom prst="rect">
+            <a:avLst/>
+          </a:prstGeom>
+        </p:spPr>
+      </p:pic>
+      <p:cxnSp>
+        <p:nvCxnSpPr>
+          <p:cNvPr id="9" name="Straight Arrow Connector 8"/>
+          <p:cNvCxnSpPr/>
+          <p:nvPr/>
+        </p:nvCxnSpPr>
+        <p:spPr>
+          <a:xfrm flipH="1">
+            <a:off x="7228043" y="1396885"/>
+            <a:ext cx="1084729" cy="462738"/>
+          </a:xfrm>
+          <a:prstGeom prst="straightConnector1">
+            <a:avLst/>
+          </a:prstGeom>
+          <a:ln w="38100">
+            <a:solidFill>
+              <a:srgbClr val="00B0F0"/>
+            </a:solidFill>
+            <a:tailEnd type="triangle"/>
+          </a:ln>
+        </p:spPr>
+        <p:style>
+          <a:lnRef idx="1">
+            <a:schemeClr val="accent1"/>
+          </a:lnRef>
+          <a:fillRef idx="0">
+            <a:schemeClr val="accent1"/>
+          </a:fillRef>
+          <a:effectRef idx="0">
+            <a:schemeClr val="accent1"/>
+          </a:effectRef>
+          <a:fontRef idx="minor">
+            <a:schemeClr val="tx1"/>
+          </a:fontRef>
+        </p:style>
+      </p:cxnSp>
     </p:spTree>
     <p:extLst>
       <p:ext uri="{BB962C8B-B14F-4D97-AF65-F5344CB8AC3E}">
@@ -5426,7 +5843,7 @@
 </p:sld>
 </file>
 
-<file path=ppt/slides/slide16.xml><?xml version="1.0" encoding="utf-8"?>
+<file path=ppt/slides/slide18.xml><?xml version="1.0" encoding="utf-8"?>
 <p:sld xmlns:a="http://schemas.openxmlformats.org/drawingml/2006/main" xmlns:r="http://schemas.openxmlformats.org/officeDocument/2006/relationships" xmlns:p="http://schemas.openxmlformats.org/presentationml/2006/main">
   <p:cSld>
     <p:spTree>
@@ -5619,6 +6036,30 @@
           </a:fontRef>
         </p:style>
       </p:cxnSp>
+      <p:pic>
+        <p:nvPicPr>
+          <p:cNvPr id="7" name="Picture 6"/>
+          <p:cNvPicPr>
+            <a:picLocks noChangeAspect="1"/>
+          </p:cNvPicPr>
+          <p:nvPr/>
+        </p:nvPicPr>
+        <p:blipFill>
+          <a:blip r:embed="rId4"/>
+          <a:stretch>
+            <a:fillRect/>
+          </a:stretch>
+        </p:blipFill>
+        <p:spPr>
+          <a:xfrm>
+            <a:off x="7256019" y="2773618"/>
+            <a:ext cx="3420535" cy="3900927"/>
+          </a:xfrm>
+          <a:prstGeom prst="rect">
+            <a:avLst/>
+          </a:prstGeom>
+        </p:spPr>
+      </p:pic>
     </p:spTree>
     <p:extLst>
       <p:ext uri="{BB962C8B-B14F-4D97-AF65-F5344CB8AC3E}">
@@ -5632,7 +6073,7 @@
 </p:sld>
 </file>
 
-<file path=ppt/slides/slide17.xml><?xml version="1.0" encoding="utf-8"?>
+<file path=ppt/slides/slide19.xml><?xml version="1.0" encoding="utf-8"?>
 <p:sld xmlns:a="http://schemas.openxmlformats.org/drawingml/2006/main" xmlns:r="http://schemas.openxmlformats.org/officeDocument/2006/relationships" xmlns:p="http://schemas.openxmlformats.org/presentationml/2006/main">
   <p:cSld>
     <p:spTree>
@@ -5904,68 +6345,6 @@
           </a:p>
         </p:txBody>
       </p:sp>
-      <p:sp>
-        <p:nvSpPr>
-          <p:cNvPr id="8" name="TextBox 7"/>
-          <p:cNvSpPr txBox="1"/>
-          <p:nvPr/>
-        </p:nvSpPr>
-        <p:spPr>
-          <a:xfrm>
-            <a:off x="8910008" y="3827309"/>
-            <a:ext cx="2672392" cy="369332"/>
-          </a:xfrm>
-          <a:prstGeom prst="rect">
-            <a:avLst/>
-          </a:prstGeom>
-          <a:noFill/>
-        </p:spPr>
-        <p:txBody>
-          <a:bodyPr wrap="square" rtlCol="0">
-            <a:spAutoFit/>
-          </a:bodyPr>
-          <a:lstStyle/>
-          <a:p>
-            <a:r>
-              <a:rPr lang="sr-Latn-RS" smtClean="0">
-                <a:solidFill>
-                  <a:schemeClr val="accent6"/>
-                </a:solidFill>
-              </a:rPr>
-              <a:t>4.    </a:t>
-            </a:r>
-            <a:r>
-              <a:rPr lang="sr-Latn-RS" smtClean="0"/>
-              <a:t>Izgradnja aplikacije</a:t>
-            </a:r>
-            <a:endParaRPr lang="en-US"/>
-          </a:p>
-        </p:txBody>
-      </p:sp>
-      <p:pic>
-        <p:nvPicPr>
-          <p:cNvPr id="9" name="Picture 8"/>
-          <p:cNvPicPr>
-            <a:picLocks noChangeAspect="1"/>
-          </p:cNvPicPr>
-          <p:nvPr/>
-        </p:nvPicPr>
-        <p:blipFill>
-          <a:blip r:embed="rId5"/>
-          <a:stretch>
-            <a:fillRect/>
-          </a:stretch>
-        </p:blipFill>
-        <p:spPr>
-          <a:xfrm>
-            <a:off x="9310036" y="4354200"/>
-            <a:ext cx="2272364" cy="700442"/>
-          </a:xfrm>
-          <a:prstGeom prst="rect">
-            <a:avLst/>
-          </a:prstGeom>
-        </p:spPr>
-      </p:pic>
     </p:spTree>
     <p:extLst>
       <p:ext uri="{BB962C8B-B14F-4D97-AF65-F5344CB8AC3E}">
@@ -5979,7 +6358,7 @@
 </p:sld>
 </file>
 
-<file path=ppt/slides/slide18.xml><?xml version="1.0" encoding="utf-8"?>
+<file path=ppt/slides/slide2.xml><?xml version="1.0" encoding="utf-8"?>
 <p:sld xmlns:a="http://schemas.openxmlformats.org/drawingml/2006/main" xmlns:r="http://schemas.openxmlformats.org/officeDocument/2006/relationships" xmlns:p="http://schemas.openxmlformats.org/presentationml/2006/main">
   <p:cSld>
     <p:spTree>
@@ -6012,6 +6391,366 @@
           <a:lstStyle/>
           <a:p>
             <a:r>
+              <a:rPr lang="en-US" smtClean="0"/>
+              <a:t>SADR</a:t>
+            </a:r>
+            <a:r>
+              <a:rPr lang="sr-Latn-RS" smtClean="0"/>
+              <a:t>ŽAJ</a:t>
+            </a:r>
+            <a:endParaRPr lang="en-US"/>
+          </a:p>
+        </p:txBody>
+      </p:sp>
+      <p:sp>
+        <p:nvSpPr>
+          <p:cNvPr id="3" name="Content Placeholder 2"/>
+          <p:cNvSpPr>
+            <a:spLocks noGrp="1"/>
+          </p:cNvSpPr>
+          <p:nvPr>
+            <p:ph idx="1"/>
+          </p:nvPr>
+        </p:nvSpPr>
+        <p:spPr/>
+        <p:txBody>
+          <a:bodyPr/>
+          <a:lstStyle/>
+          <a:p>
+            <a:pPr marL="457200" indent="-457200">
+              <a:buAutoNum type="arabicPeriod"/>
+            </a:pPr>
+            <a:r>
+              <a:rPr lang="sr-Latn-RS" smtClean="0"/>
+              <a:t>Šta je Electron</a:t>
+            </a:r>
+            <a:r>
+              <a:rPr lang="en-US" smtClean="0"/>
+              <a:t>?</a:t>
+            </a:r>
+            <a:endParaRPr lang="sr-Latn-RS" smtClean="0"/>
+          </a:p>
+          <a:p>
+            <a:pPr marL="457200" indent="-457200">
+              <a:buAutoNum type="arabicPeriod"/>
+            </a:pPr>
+            <a:r>
+              <a:rPr lang="sr-Latn-RS" smtClean="0"/>
+              <a:t>Ključne komponente</a:t>
+            </a:r>
+          </a:p>
+          <a:p>
+            <a:pPr marL="457200" indent="-457200">
+              <a:buAutoNum type="arabicPeriod"/>
+            </a:pPr>
+            <a:r>
+              <a:rPr lang="sr-Latn-RS" smtClean="0"/>
+              <a:t>Procesni model</a:t>
+            </a:r>
+            <a:endParaRPr lang="en-US" smtClean="0"/>
+          </a:p>
+          <a:p>
+            <a:pPr marL="457200" indent="-457200">
+              <a:buFont typeface="Wingdings 2" pitchFamily="18" charset="2"/>
+              <a:buAutoNum type="arabicPeriod"/>
+            </a:pPr>
+            <a:r>
+              <a:rPr lang="sr-Latn-RS"/>
+              <a:t>Prednosti i </a:t>
+            </a:r>
+            <a:r>
+              <a:rPr lang="sr-Latn-RS" smtClean="0"/>
+              <a:t>mane</a:t>
+            </a:r>
+            <a:endParaRPr lang="en-US" smtClean="0"/>
+          </a:p>
+          <a:p>
+            <a:pPr marL="457200" indent="-457200">
+              <a:buFont typeface="Wingdings 2" pitchFamily="18" charset="2"/>
+              <a:buAutoNum type="arabicPeriod"/>
+            </a:pPr>
+            <a:r>
+              <a:rPr lang="en-US" smtClean="0"/>
+              <a:t>Popularne aplikacije koje koriste Electron</a:t>
+            </a:r>
+            <a:endParaRPr lang="sr-Latn-RS" smtClean="0"/>
+          </a:p>
+          <a:p>
+            <a:pPr marL="457200" indent="-457200">
+              <a:buAutoNum type="arabicPeriod"/>
+            </a:pPr>
+            <a:r>
+              <a:rPr lang="sr-Latn-RS" smtClean="0"/>
+              <a:t>Kreiranje Electron aplikacije sa React-om </a:t>
+            </a:r>
+          </a:p>
+        </p:txBody>
+      </p:sp>
+    </p:spTree>
+    <p:extLst>
+      <p:ext uri="{BB962C8B-B14F-4D97-AF65-F5344CB8AC3E}">
+        <p14:creationId xmlns:p14="http://schemas.microsoft.com/office/powerpoint/2010/main" val="11312236"/>
+      </p:ext>
+    </p:extLst>
+  </p:cSld>
+  <p:clrMapOvr>
+    <a:masterClrMapping/>
+  </p:clrMapOvr>
+</p:sld>
+</file>
+
+<file path=ppt/slides/slide20.xml><?xml version="1.0" encoding="utf-8"?>
+<p:sld xmlns:a="http://schemas.openxmlformats.org/drawingml/2006/main" xmlns:r="http://schemas.openxmlformats.org/officeDocument/2006/relationships" xmlns:p="http://schemas.openxmlformats.org/presentationml/2006/main">
+  <p:cSld>
+    <p:spTree>
+      <p:nvGrpSpPr>
+        <p:cNvPr id="1" name=""/>
+        <p:cNvGrpSpPr/>
+        <p:nvPr/>
+      </p:nvGrpSpPr>
+      <p:grpSpPr>
+        <a:xfrm>
+          <a:off x="0" y="0"/>
+          <a:ext cx="0" cy="0"/>
+          <a:chOff x="0" y="0"/>
+          <a:chExt cx="0" cy="0"/>
+        </a:xfrm>
+      </p:grpSpPr>
+      <p:sp>
+        <p:nvSpPr>
+          <p:cNvPr id="2" name="Title 1"/>
+          <p:cNvSpPr>
+            <a:spLocks noGrp="1"/>
+          </p:cNvSpPr>
+          <p:nvPr>
+            <p:ph type="title"/>
+          </p:nvPr>
+        </p:nvSpPr>
+        <p:spPr/>
+        <p:txBody>
+          <a:bodyPr/>
+          <a:lstStyle/>
+          <a:p>
+            <a:endParaRPr lang="en-US"/>
+          </a:p>
+        </p:txBody>
+      </p:sp>
+      <p:sp>
+        <p:nvSpPr>
+          <p:cNvPr id="4" name="TextBox 3"/>
+          <p:cNvSpPr txBox="1"/>
+          <p:nvPr/>
+        </p:nvSpPr>
+        <p:spPr>
+          <a:xfrm>
+            <a:off x="3973941" y="939171"/>
+            <a:ext cx="2672392" cy="369332"/>
+          </a:xfrm>
+          <a:prstGeom prst="rect">
+            <a:avLst/>
+          </a:prstGeom>
+          <a:noFill/>
+        </p:spPr>
+        <p:txBody>
+          <a:bodyPr wrap="square" rtlCol="0">
+            <a:spAutoFit/>
+          </a:bodyPr>
+          <a:lstStyle/>
+          <a:p>
+            <a:r>
+              <a:rPr lang="sr-Latn-RS" smtClean="0">
+                <a:solidFill>
+                  <a:schemeClr val="accent6"/>
+                </a:solidFill>
+              </a:rPr>
+              <a:t>4.    </a:t>
+            </a:r>
+            <a:r>
+              <a:rPr lang="sr-Latn-RS" smtClean="0"/>
+              <a:t>Izgradnja aplikacije</a:t>
+            </a:r>
+            <a:endParaRPr lang="en-US"/>
+          </a:p>
+        </p:txBody>
+      </p:sp>
+      <p:pic>
+        <p:nvPicPr>
+          <p:cNvPr id="5" name="Picture 4"/>
+          <p:cNvPicPr>
+            <a:picLocks noChangeAspect="1"/>
+          </p:cNvPicPr>
+          <p:nvPr/>
+        </p:nvPicPr>
+        <p:blipFill>
+          <a:blip r:embed="rId2"/>
+          <a:stretch>
+            <a:fillRect/>
+          </a:stretch>
+        </p:blipFill>
+        <p:spPr>
+          <a:xfrm>
+            <a:off x="4281293" y="1489031"/>
+            <a:ext cx="2057687" cy="628738"/>
+          </a:xfrm>
+          <a:prstGeom prst="rect">
+            <a:avLst/>
+          </a:prstGeom>
+        </p:spPr>
+      </p:pic>
+      <p:pic>
+        <p:nvPicPr>
+          <p:cNvPr id="6" name="Picture 5"/>
+          <p:cNvPicPr>
+            <a:picLocks noChangeAspect="1"/>
+          </p:cNvPicPr>
+          <p:nvPr/>
+        </p:nvPicPr>
+        <p:blipFill>
+          <a:blip r:embed="rId3"/>
+          <a:stretch>
+            <a:fillRect/>
+          </a:stretch>
+        </p:blipFill>
+        <p:spPr>
+          <a:xfrm>
+            <a:off x="6127027" y="2535364"/>
+            <a:ext cx="2591162" cy="1867161"/>
+          </a:xfrm>
+          <a:prstGeom prst="rect">
+            <a:avLst/>
+          </a:prstGeom>
+        </p:spPr>
+      </p:pic>
+      <p:pic>
+        <p:nvPicPr>
+          <p:cNvPr id="7" name="Picture 6"/>
+          <p:cNvPicPr>
+            <a:picLocks noChangeAspect="1"/>
+          </p:cNvPicPr>
+          <p:nvPr/>
+        </p:nvPicPr>
+        <p:blipFill>
+          <a:blip r:embed="rId4"/>
+          <a:stretch>
+            <a:fillRect/>
+          </a:stretch>
+        </p:blipFill>
+        <p:spPr>
+          <a:xfrm>
+            <a:off x="4208261" y="2535364"/>
+            <a:ext cx="1776299" cy="3560636"/>
+          </a:xfrm>
+          <a:prstGeom prst="rect">
+            <a:avLst/>
+          </a:prstGeom>
+        </p:spPr>
+      </p:pic>
+      <p:pic>
+        <p:nvPicPr>
+          <p:cNvPr id="8" name="Picture 7"/>
+          <p:cNvPicPr>
+            <a:picLocks noChangeAspect="1"/>
+          </p:cNvPicPr>
+          <p:nvPr/>
+        </p:nvPicPr>
+        <p:blipFill>
+          <a:blip r:embed="rId5"/>
+          <a:stretch>
+            <a:fillRect/>
+          </a:stretch>
+        </p:blipFill>
+        <p:spPr>
+          <a:xfrm>
+            <a:off x="8458199" y="4788618"/>
+            <a:ext cx="3251519" cy="1307382"/>
+          </a:xfrm>
+          <a:prstGeom prst="rect">
+            <a:avLst/>
+          </a:prstGeom>
+        </p:spPr>
+      </p:pic>
+      <p:cxnSp>
+        <p:nvCxnSpPr>
+          <p:cNvPr id="9" name="Straight Arrow Connector 8"/>
+          <p:cNvCxnSpPr/>
+          <p:nvPr/>
+        </p:nvCxnSpPr>
+        <p:spPr>
+          <a:xfrm flipV="1">
+            <a:off x="4900706" y="2861733"/>
+            <a:ext cx="1305361" cy="25287"/>
+          </a:xfrm>
+          <a:prstGeom prst="straightConnector1">
+            <a:avLst/>
+          </a:prstGeom>
+          <a:ln w="38100">
+            <a:solidFill>
+              <a:srgbClr val="00B0F0"/>
+            </a:solidFill>
+            <a:tailEnd type="triangle"/>
+          </a:ln>
+        </p:spPr>
+        <p:style>
+          <a:lnRef idx="1">
+            <a:schemeClr val="accent1"/>
+          </a:lnRef>
+          <a:fillRef idx="0">
+            <a:schemeClr val="accent1"/>
+          </a:fillRef>
+          <a:effectRef idx="0">
+            <a:schemeClr val="accent1"/>
+          </a:effectRef>
+          <a:fontRef idx="minor">
+            <a:schemeClr val="tx1"/>
+          </a:fontRef>
+        </p:style>
+      </p:cxnSp>
+    </p:spTree>
+    <p:extLst>
+      <p:ext uri="{BB962C8B-B14F-4D97-AF65-F5344CB8AC3E}">
+        <p14:creationId xmlns:p14="http://schemas.microsoft.com/office/powerpoint/2010/main" val="3256466890"/>
+      </p:ext>
+    </p:extLst>
+  </p:cSld>
+  <p:clrMapOvr>
+    <a:masterClrMapping/>
+  </p:clrMapOvr>
+</p:sld>
+</file>
+
+<file path=ppt/slides/slide21.xml><?xml version="1.0" encoding="utf-8"?>
+<p:sld xmlns:a="http://schemas.openxmlformats.org/drawingml/2006/main" xmlns:r="http://schemas.openxmlformats.org/officeDocument/2006/relationships" xmlns:p="http://schemas.openxmlformats.org/presentationml/2006/main">
+  <p:cSld>
+    <p:spTree>
+      <p:nvGrpSpPr>
+        <p:cNvPr id="1" name=""/>
+        <p:cNvGrpSpPr/>
+        <p:nvPr/>
+      </p:nvGrpSpPr>
+      <p:grpSpPr>
+        <a:xfrm>
+          <a:off x="0" y="0"/>
+          <a:ext cx="0" cy="0"/>
+          <a:chOff x="0" y="0"/>
+          <a:chExt cx="0" cy="0"/>
+        </a:xfrm>
+      </p:grpSpPr>
+      <p:sp>
+        <p:nvSpPr>
+          <p:cNvPr id="2" name="Title 1"/>
+          <p:cNvSpPr>
+            <a:spLocks noGrp="1"/>
+          </p:cNvSpPr>
+          <p:nvPr>
+            <p:ph type="title"/>
+          </p:nvPr>
+        </p:nvSpPr>
+        <p:spPr/>
+        <p:txBody>
+          <a:bodyPr/>
+          <a:lstStyle/>
+          <a:p>
+            <a:r>
               <a:rPr lang="sr-Latn-RS" smtClean="0"/>
               <a:t>Zaključak</a:t>
             </a:r>
@@ -6099,7 +6838,7 @@
 </p:sld>
 </file>
 
-<file path=ppt/slides/slide19.xml><?xml version="1.0" encoding="utf-8"?>
+<file path=ppt/slides/slide22.xml><?xml version="1.0" encoding="utf-8"?>
 <p:sld xmlns:a="http://schemas.openxmlformats.org/drawingml/2006/main" xmlns:r="http://schemas.openxmlformats.org/officeDocument/2006/relationships" xmlns:p="http://schemas.openxmlformats.org/presentationml/2006/main">
   <p:cSld>
     <p:spTree>
@@ -6236,147 +6975,6 @@
     <p:extLst>
       <p:ext uri="{BB962C8B-B14F-4D97-AF65-F5344CB8AC3E}">
         <p14:creationId xmlns:p14="http://schemas.microsoft.com/office/powerpoint/2010/main" val="3153285559"/>
-      </p:ext>
-    </p:extLst>
-  </p:cSld>
-  <p:clrMapOvr>
-    <a:masterClrMapping/>
-  </p:clrMapOvr>
-</p:sld>
-</file>
-
-<file path=ppt/slides/slide2.xml><?xml version="1.0" encoding="utf-8"?>
-<p:sld xmlns:a="http://schemas.openxmlformats.org/drawingml/2006/main" xmlns:r="http://schemas.openxmlformats.org/officeDocument/2006/relationships" xmlns:p="http://schemas.openxmlformats.org/presentationml/2006/main">
-  <p:cSld>
-    <p:spTree>
-      <p:nvGrpSpPr>
-        <p:cNvPr id="1" name=""/>
-        <p:cNvGrpSpPr/>
-        <p:nvPr/>
-      </p:nvGrpSpPr>
-      <p:grpSpPr>
-        <a:xfrm>
-          <a:off x="0" y="0"/>
-          <a:ext cx="0" cy="0"/>
-          <a:chOff x="0" y="0"/>
-          <a:chExt cx="0" cy="0"/>
-        </a:xfrm>
-      </p:grpSpPr>
-      <p:sp>
-        <p:nvSpPr>
-          <p:cNvPr id="2" name="Title 1"/>
-          <p:cNvSpPr>
-            <a:spLocks noGrp="1"/>
-          </p:cNvSpPr>
-          <p:nvPr>
-            <p:ph type="title"/>
-          </p:nvPr>
-        </p:nvSpPr>
-        <p:spPr/>
-        <p:txBody>
-          <a:bodyPr/>
-          <a:lstStyle/>
-          <a:p>
-            <a:r>
-              <a:rPr lang="en-US" smtClean="0"/>
-              <a:t>SADR</a:t>
-            </a:r>
-            <a:r>
-              <a:rPr lang="sr-Latn-RS" smtClean="0"/>
-              <a:t>ŽAJ</a:t>
-            </a:r>
-            <a:endParaRPr lang="en-US"/>
-          </a:p>
-        </p:txBody>
-      </p:sp>
-      <p:sp>
-        <p:nvSpPr>
-          <p:cNvPr id="3" name="Content Placeholder 2"/>
-          <p:cNvSpPr>
-            <a:spLocks noGrp="1"/>
-          </p:cNvSpPr>
-          <p:nvPr>
-            <p:ph idx="1"/>
-          </p:nvPr>
-        </p:nvSpPr>
-        <p:spPr/>
-        <p:txBody>
-          <a:bodyPr/>
-          <a:lstStyle/>
-          <a:p>
-            <a:pPr marL="457200" indent="-457200">
-              <a:buAutoNum type="arabicPeriod"/>
-            </a:pPr>
-            <a:r>
-              <a:rPr lang="sr-Latn-RS" smtClean="0"/>
-              <a:t>Šta je Electron</a:t>
-            </a:r>
-            <a:r>
-              <a:rPr lang="en-US" smtClean="0"/>
-              <a:t>?</a:t>
-            </a:r>
-            <a:endParaRPr lang="sr-Latn-RS" smtClean="0"/>
-          </a:p>
-          <a:p>
-            <a:pPr marL="457200" indent="-457200">
-              <a:buAutoNum type="arabicPeriod"/>
-            </a:pPr>
-            <a:r>
-              <a:rPr lang="sr-Latn-RS" smtClean="0"/>
-              <a:t>Ključne komponente</a:t>
-            </a:r>
-          </a:p>
-          <a:p>
-            <a:pPr marL="457200" indent="-457200">
-              <a:buAutoNum type="arabicPeriod"/>
-            </a:pPr>
-            <a:r>
-              <a:rPr lang="sr-Latn-RS" smtClean="0"/>
-              <a:t>Procesni model</a:t>
-            </a:r>
-            <a:endParaRPr lang="en-US" smtClean="0"/>
-          </a:p>
-          <a:p>
-            <a:pPr marL="457200" indent="-457200">
-              <a:buFont typeface="Wingdings 2" pitchFamily="18" charset="2"/>
-              <a:buAutoNum type="arabicPeriod"/>
-            </a:pPr>
-            <a:r>
-              <a:rPr lang="sr-Latn-RS"/>
-              <a:t>Prednosti i </a:t>
-            </a:r>
-            <a:r>
-              <a:rPr lang="sr-Latn-RS" smtClean="0"/>
-              <a:t>mane</a:t>
-            </a:r>
-            <a:endParaRPr lang="en-US" smtClean="0"/>
-          </a:p>
-          <a:p>
-            <a:pPr marL="457200" indent="-457200">
-              <a:buFont typeface="Wingdings 2" pitchFamily="18" charset="2"/>
-              <a:buAutoNum type="arabicPeriod"/>
-            </a:pPr>
-            <a:r>
-              <a:rPr lang="en-US" smtClean="0"/>
-              <a:t>Popularne aplikacije koje koriste Electron</a:t>
-            </a:r>
-            <a:endParaRPr lang="sr-Latn-RS" smtClean="0"/>
-          </a:p>
-          <a:p>
-            <a:pPr marL="457200" indent="-457200">
-              <a:buAutoNum type="arabicPeriod"/>
-            </a:pPr>
-            <a:r>
-              <a:rPr lang="sr-Latn-RS" smtClean="0"/>
-              <a:t>Kreiranje Electron aplikacije sa React-om </a:t>
-            </a:r>
-          </a:p>
-        </p:txBody>
-      </p:sp>
-    </p:spTree>
-    <p:extLst>
-      <p:ext uri="{BB962C8B-B14F-4D97-AF65-F5344CB8AC3E}">
-        <p14:creationId xmlns:p14="http://schemas.microsoft.com/office/powerpoint/2010/main" val="11312236"/>
       </p:ext>
     </p:extLst>
   </p:cSld>
@@ -6882,11 +7480,7 @@
             </a:r>
             <a:r>
               <a:rPr lang="sr-Latn-RS" smtClean="0"/>
-              <a:t>fikasnost u razvoju </a:t>
-            </a:r>
-            <a:r>
-              <a:rPr lang="sr-Latn-RS" smtClean="0"/>
-              <a:t>aplikacija</a:t>
+              <a:t>fikasnost u razvoju aplikacija</a:t>
             </a:r>
           </a:p>
           <a:p>
@@ -6895,7 +7489,6 @@
               <a:rPr lang="sr-Latn-RS" smtClean="0"/>
               <a:t>Sličan kao u Chromium-u</a:t>
             </a:r>
-            <a:endParaRPr lang="sr-Latn-RS" smtClean="0"/>
           </a:p>
           <a:p>
             <a:r>
@@ -7099,11 +7692,7 @@
             </a:r>
             <a:r>
               <a:rPr lang="en-US" sz="1600"/>
-              <a:t>učitava HTML, CSS i JavaScript sadržaj iz render procesa (lokalni fajlovi ili web </a:t>
-            </a:r>
-            <a:r>
-              <a:rPr lang="en-US" sz="1600"/>
-              <a:t>aplikacija</a:t>
+              <a:t>učitava HTML, CSS i JavaScript sadržaj iz render procesa (lokalni fajlovi ili web aplikacija</a:t>
             </a:r>
             <a:r>
               <a:rPr lang="en-US" sz="1600" smtClean="0"/>
@@ -7207,11 +7796,7 @@
           <a:p>
             <a:r>
               <a:rPr lang="sr-Latn-RS" smtClean="0"/>
-              <a:t>Glavni </a:t>
-            </a:r>
-            <a:r>
-              <a:rPr lang="sr-Latn-RS" smtClean="0"/>
-              <a:t>proces</a:t>
+              <a:t>Glavni proces</a:t>
             </a:r>
             <a:br>
               <a:rPr lang="sr-Latn-RS" smtClean="0"/>
@@ -7349,31 +7934,23 @@
             </a:r>
             <a:r>
               <a:rPr lang="en-US"/>
-              <a:t>proces koristi Chromium engine za prikazivanje HTML, CSS i JavaScript </a:t>
+              <a:t>proces koristi Chromium engine za prikazivanje HTML, CSS i JavaScript sadržaja</a:t>
+            </a:r>
+            <a:r>
+              <a:rPr lang="en-US" smtClean="0"/>
+              <a:t>.</a:t>
+            </a:r>
+            <a:endParaRPr lang="sr-Latn-RS" smtClean="0"/>
+          </a:p>
+          <a:p>
+            <a:pPr lvl="1"/>
+            <a:r>
+              <a:rPr lang="en-US" smtClean="0"/>
+              <a:t>Izolovan </a:t>
             </a:r>
             <a:r>
               <a:rPr lang="en-US"/>
-              <a:t>sadržaja</a:t>
-            </a:r>
-            <a:r>
-              <a:rPr lang="en-US" smtClean="0"/>
-              <a:t>.</a:t>
-            </a:r>
-            <a:endParaRPr lang="sr-Latn-RS" smtClean="0"/>
-          </a:p>
-          <a:p>
-            <a:pPr lvl="1"/>
-            <a:r>
-              <a:rPr lang="en-US" smtClean="0"/>
-              <a:t>Izolovan </a:t>
-            </a:r>
-            <a:r>
-              <a:rPr lang="en-US"/>
-              <a:t>je od sistema i ne može direktno koristiti Node.js API, komunicira sa glavnim procesom preko </a:t>
-            </a:r>
-            <a:r>
-              <a:rPr lang="en-US"/>
-              <a:t>IPC</a:t>
+              <a:t>je od sistema i ne može direktno koristiti Node.js API, komunicira sa glavnim procesom preko IPC</a:t>
             </a:r>
             <a:r>
               <a:rPr lang="en-US" smtClean="0"/>

--- a/Electron.pptx
+++ b/Electron.pptx
@@ -5,7 +5,7 @@
     <p:sldMasterId id="2147483897" r:id="rId1"/>
   </p:sldMasterIdLst>
   <p:notesMasterIdLst>
-    <p:notesMasterId r:id="rId24"/>
+    <p:notesMasterId r:id="rId25"/>
   </p:notesMasterIdLst>
   <p:sldIdLst>
     <p:sldId id="256" r:id="rId2"/>
@@ -17,19 +17,20 @@
     <p:sldId id="261" r:id="rId8"/>
     <p:sldId id="277" r:id="rId9"/>
     <p:sldId id="278" r:id="rId10"/>
-    <p:sldId id="267" r:id="rId11"/>
-    <p:sldId id="274" r:id="rId12"/>
-    <p:sldId id="266" r:id="rId13"/>
-    <p:sldId id="270" r:id="rId14"/>
-    <p:sldId id="280" r:id="rId15"/>
-    <p:sldId id="271" r:id="rId16"/>
-    <p:sldId id="281" r:id="rId17"/>
-    <p:sldId id="272" r:id="rId18"/>
-    <p:sldId id="275" r:id="rId19"/>
-    <p:sldId id="276" r:id="rId20"/>
-    <p:sldId id="282" r:id="rId21"/>
-    <p:sldId id="268" r:id="rId22"/>
-    <p:sldId id="269" r:id="rId23"/>
+    <p:sldId id="283" r:id="rId11"/>
+    <p:sldId id="267" r:id="rId12"/>
+    <p:sldId id="274" r:id="rId13"/>
+    <p:sldId id="266" r:id="rId14"/>
+    <p:sldId id="270" r:id="rId15"/>
+    <p:sldId id="280" r:id="rId16"/>
+    <p:sldId id="271" r:id="rId17"/>
+    <p:sldId id="281" r:id="rId18"/>
+    <p:sldId id="272" r:id="rId19"/>
+    <p:sldId id="275" r:id="rId20"/>
+    <p:sldId id="276" r:id="rId21"/>
+    <p:sldId id="282" r:id="rId22"/>
+    <p:sldId id="268" r:id="rId23"/>
+    <p:sldId id="269" r:id="rId24"/>
   </p:sldIdLst>
   <p:sldSz cx="12192000" cy="6858000"/>
   <p:notesSz cx="6858000" cy="9144000"/>
@@ -218,7 +219,7 @@
           <a:p>
             <a:fld id="{4DFE1E0F-527B-46D2-A85B-AFD01049E65E}" type="datetimeFigureOut">
               <a:rPr lang="en-US" smtClean="0"/>
-              <a:t>12/4/2024</a:t>
+              <a:t>12/5/2024</a:t>
             </a:fld>
             <a:endParaRPr lang="en-US"/>
           </a:p>
@@ -1012,7 +1013,7 @@
           <a:p>
             <a:fld id="{0D8770DD-670C-4CD8-B15B-2899C8AD4439}" type="datetimeFigureOut">
               <a:rPr lang="en-US" smtClean="0"/>
-              <a:t>12/4/2024</a:t>
+              <a:t>12/5/2024</a:t>
             </a:fld>
             <a:endParaRPr lang="en-US"/>
           </a:p>
@@ -1182,7 +1183,7 @@
           <a:p>
             <a:fld id="{0D8770DD-670C-4CD8-B15B-2899C8AD4439}" type="datetimeFigureOut">
               <a:rPr lang="en-US" smtClean="0"/>
-              <a:t>12/4/2024</a:t>
+              <a:t>12/5/2024</a:t>
             </a:fld>
             <a:endParaRPr lang="en-US"/>
           </a:p>
@@ -1362,7 +1363,7 @@
           <a:p>
             <a:fld id="{0D8770DD-670C-4CD8-B15B-2899C8AD4439}" type="datetimeFigureOut">
               <a:rPr lang="en-US" smtClean="0"/>
-              <a:t>12/4/2024</a:t>
+              <a:t>12/5/2024</a:t>
             </a:fld>
             <a:endParaRPr lang="en-US"/>
           </a:p>
@@ -1532,7 +1533,7 @@
           <a:p>
             <a:fld id="{0D8770DD-670C-4CD8-B15B-2899C8AD4439}" type="datetimeFigureOut">
               <a:rPr lang="en-US" smtClean="0"/>
-              <a:t>12/4/2024</a:t>
+              <a:t>12/5/2024</a:t>
             </a:fld>
             <a:endParaRPr lang="en-US"/>
           </a:p>
@@ -1790,7 +1791,7 @@
           <a:p>
             <a:fld id="{0D8770DD-670C-4CD8-B15B-2899C8AD4439}" type="datetimeFigureOut">
               <a:rPr lang="en-US" smtClean="0"/>
-              <a:t>12/4/2024</a:t>
+              <a:t>12/5/2024</a:t>
             </a:fld>
             <a:endParaRPr lang="en-US"/>
           </a:p>
@@ -2078,7 +2079,7 @@
           <a:p>
             <a:fld id="{0D8770DD-670C-4CD8-B15B-2899C8AD4439}" type="datetimeFigureOut">
               <a:rPr lang="en-US" smtClean="0"/>
-              <a:t>12/4/2024</a:t>
+              <a:t>12/5/2024</a:t>
             </a:fld>
             <a:endParaRPr lang="en-US"/>
           </a:p>
@@ -2520,7 +2521,7 @@
           <a:p>
             <a:fld id="{0D8770DD-670C-4CD8-B15B-2899C8AD4439}" type="datetimeFigureOut">
               <a:rPr lang="en-US" smtClean="0"/>
-              <a:t>12/4/2024</a:t>
+              <a:t>12/5/2024</a:t>
             </a:fld>
             <a:endParaRPr lang="en-US"/>
           </a:p>
@@ -2638,7 +2639,7 @@
           <a:p>
             <a:fld id="{0D8770DD-670C-4CD8-B15B-2899C8AD4439}" type="datetimeFigureOut">
               <a:rPr lang="en-US" smtClean="0"/>
-              <a:t>12/4/2024</a:t>
+              <a:t>12/5/2024</a:t>
             </a:fld>
             <a:endParaRPr lang="en-US"/>
           </a:p>
@@ -2733,7 +2734,7 @@
           <a:p>
             <a:fld id="{0D8770DD-670C-4CD8-B15B-2899C8AD4439}" type="datetimeFigureOut">
               <a:rPr lang="en-US" smtClean="0"/>
-              <a:t>12/4/2024</a:t>
+              <a:t>12/5/2024</a:t>
             </a:fld>
             <a:endParaRPr lang="en-US"/>
           </a:p>
@@ -3021,7 +3022,7 @@
           <a:p>
             <a:fld id="{0D8770DD-670C-4CD8-B15B-2899C8AD4439}" type="datetimeFigureOut">
               <a:rPr lang="en-US" smtClean="0"/>
-              <a:t>12/4/2024</a:t>
+              <a:t>12/5/2024</a:t>
             </a:fld>
             <a:endParaRPr lang="en-US"/>
           </a:p>
@@ -3295,7 +3296,7 @@
           <a:p>
             <a:fld id="{0D8770DD-670C-4CD8-B15B-2899C8AD4439}" type="datetimeFigureOut">
               <a:rPr lang="en-US" smtClean="0"/>
-              <a:t>12/4/2024</a:t>
+              <a:t>12/5/2024</a:t>
             </a:fld>
             <a:endParaRPr lang="en-US"/>
           </a:p>
@@ -3594,7 +3595,7 @@
           <a:p>
             <a:fld id="{0D8770DD-670C-4CD8-B15B-2899C8AD4439}" type="datetimeFigureOut">
               <a:rPr lang="en-US" smtClean="0"/>
-              <a:t>12/4/2024</a:t>
+              <a:t>12/5/2024</a:t>
             </a:fld>
             <a:endParaRPr lang="en-US"/>
           </a:p>
@@ -4197,6 +4198,122 @@
           <a:lstStyle/>
           <a:p>
             <a:r>
+              <a:rPr lang="sr-Latn-RS"/>
+              <a:t>Renderer </a:t>
+            </a:r>
+            <a:r>
+              <a:rPr lang="sr-Latn-RS" smtClean="0"/>
+              <a:t>process</a:t>
+            </a:r>
+            <a:r>
+              <a:rPr lang="en-US" smtClean="0"/>
+              <a:t> </a:t>
+            </a:r>
+            <a:br>
+              <a:rPr lang="en-US" smtClean="0"/>
+            </a:br>
+            <a:r>
+              <a:rPr lang="en-US" smtClean="0"/>
+              <a:t>(nastavak i preload.js)</a:t>
+            </a:r>
+            <a:endParaRPr lang="en-US"/>
+          </a:p>
+        </p:txBody>
+      </p:sp>
+      <p:pic>
+        <p:nvPicPr>
+          <p:cNvPr id="4" name="Picture 3"/>
+          <p:cNvPicPr>
+            <a:picLocks noChangeAspect="1"/>
+          </p:cNvPicPr>
+          <p:nvPr/>
+        </p:nvPicPr>
+        <p:blipFill>
+          <a:blip r:embed="rId2"/>
+          <a:stretch>
+            <a:fillRect/>
+          </a:stretch>
+        </p:blipFill>
+        <p:spPr>
+          <a:xfrm>
+            <a:off x="3893113" y="802587"/>
+            <a:ext cx="5354669" cy="3049746"/>
+          </a:xfrm>
+          <a:prstGeom prst="rect">
+            <a:avLst/>
+          </a:prstGeom>
+        </p:spPr>
+      </p:pic>
+      <p:pic>
+        <p:nvPicPr>
+          <p:cNvPr id="5" name="Picture 4"/>
+          <p:cNvPicPr>
+            <a:picLocks noChangeAspect="1"/>
+          </p:cNvPicPr>
+          <p:nvPr/>
+        </p:nvPicPr>
+        <p:blipFill>
+          <a:blip r:embed="rId3"/>
+          <a:stretch>
+            <a:fillRect/>
+          </a:stretch>
+        </p:blipFill>
+        <p:spPr>
+          <a:xfrm>
+            <a:off x="3893113" y="4065536"/>
+            <a:ext cx="7031135" cy="1573265"/>
+          </a:xfrm>
+          <a:prstGeom prst="rect">
+            <a:avLst/>
+          </a:prstGeom>
+        </p:spPr>
+      </p:pic>
+    </p:spTree>
+    <p:extLst>
+      <p:ext uri="{BB962C8B-B14F-4D97-AF65-F5344CB8AC3E}">
+        <p14:creationId xmlns:p14="http://schemas.microsoft.com/office/powerpoint/2010/main" val="3085710646"/>
+      </p:ext>
+    </p:extLst>
+  </p:cSld>
+  <p:clrMapOvr>
+    <a:masterClrMapping/>
+  </p:clrMapOvr>
+</p:sld>
+</file>
+
+<file path=ppt/slides/slide11.xml><?xml version="1.0" encoding="utf-8"?>
+<p:sld xmlns:a="http://schemas.openxmlformats.org/drawingml/2006/main" xmlns:r="http://schemas.openxmlformats.org/officeDocument/2006/relationships" xmlns:p="http://schemas.openxmlformats.org/presentationml/2006/main">
+  <p:cSld>
+    <p:spTree>
+      <p:nvGrpSpPr>
+        <p:cNvPr id="1" name=""/>
+        <p:cNvGrpSpPr/>
+        <p:nvPr/>
+      </p:nvGrpSpPr>
+      <p:grpSpPr>
+        <a:xfrm>
+          <a:off x="0" y="0"/>
+          <a:ext cx="0" cy="0"/>
+          <a:chOff x="0" y="0"/>
+          <a:chExt cx="0" cy="0"/>
+        </a:xfrm>
+      </p:grpSpPr>
+      <p:sp>
+        <p:nvSpPr>
+          <p:cNvPr id="2" name="Title 1"/>
+          <p:cNvSpPr>
+            <a:spLocks noGrp="1"/>
+          </p:cNvSpPr>
+          <p:nvPr>
+            <p:ph type="title"/>
+          </p:nvPr>
+        </p:nvSpPr>
+        <p:spPr/>
+        <p:txBody>
+          <a:bodyPr/>
+          <a:lstStyle/>
+          <a:p>
+            <a:r>
               <a:rPr lang="sr-Latn-RS" smtClean="0"/>
               <a:t>Prednosti i mane</a:t>
             </a:r>
@@ -4214,7 +4331,12 @@
             <p:ph sz="half" idx="1"/>
           </p:nvPr>
         </p:nvSpPr>
-        <p:spPr/>
+        <p:spPr>
+          <a:xfrm>
+            <a:off x="3771900" y="626393"/>
+            <a:ext cx="3474720" cy="5120640"/>
+          </a:xfrm>
+        </p:spPr>
         <p:txBody>
           <a:bodyPr>
             <a:normAutofit lnSpcReduction="10000"/>
@@ -4266,7 +4388,15 @@
             </a:r>
             <a:r>
               <a:rPr lang="en-US"/>
-              <a:t>zajednica i ekosistem alata, pluginova i biblioteka</a:t>
+              <a:t>zajednica i ekosistem alata, </a:t>
+            </a:r>
+            <a:r>
+              <a:rPr lang="en-US" smtClean="0"/>
+              <a:t>plugin-ova </a:t>
+            </a:r>
+            <a:r>
+              <a:rPr lang="en-US"/>
+              <a:t>i biblioteka</a:t>
             </a:r>
             <a:r>
               <a:rPr lang="en-US" smtClean="0"/>
@@ -4362,7 +4492,7 @@
 </p:sld>
 </file>
 
-<file path=ppt/slides/slide11.xml><?xml version="1.0" encoding="utf-8"?>
+<file path=ppt/slides/slide12.xml><?xml version="1.0" encoding="utf-8"?>
 <p:sld xmlns:a="http://schemas.openxmlformats.org/drawingml/2006/main" xmlns:r="http://schemas.openxmlformats.org/officeDocument/2006/relationships" xmlns:p="http://schemas.openxmlformats.org/presentationml/2006/main">
   <p:cSld>
     <p:spTree>
@@ -4613,7 +4743,7 @@
 </p:sld>
 </file>
 
-<file path=ppt/slides/slide12.xml><?xml version="1.0" encoding="utf-8"?>
+<file path=ppt/slides/slide13.xml><?xml version="1.0" encoding="utf-8"?>
 <p:sld xmlns:a="http://schemas.openxmlformats.org/drawingml/2006/main" xmlns:r="http://schemas.openxmlformats.org/officeDocument/2006/relationships" xmlns:p="http://schemas.openxmlformats.org/presentationml/2006/main">
   <p:cSld>
     <p:spTree>
@@ -4811,7 +4941,7 @@
 </p:sld>
 </file>
 
-<file path=ppt/slides/slide13.xml><?xml version="1.0" encoding="utf-8"?>
+<file path=ppt/slides/slide14.xml><?xml version="1.0" encoding="utf-8"?>
 <p:sld xmlns:a="http://schemas.openxmlformats.org/drawingml/2006/main" xmlns:r="http://schemas.openxmlformats.org/officeDocument/2006/relationships" xmlns:p="http://schemas.openxmlformats.org/presentationml/2006/main">
   <p:cSld>
     <p:spTree>
@@ -4994,85 +5124,6 @@
 </p:sld>
 </file>
 
-<file path=ppt/slides/slide14.xml><?xml version="1.0" encoding="utf-8"?>
-<p:sld xmlns:a="http://schemas.openxmlformats.org/drawingml/2006/main" xmlns:r="http://schemas.openxmlformats.org/officeDocument/2006/relationships" xmlns:p="http://schemas.openxmlformats.org/presentationml/2006/main">
-  <p:cSld>
-    <p:spTree>
-      <p:nvGrpSpPr>
-        <p:cNvPr id="1" name=""/>
-        <p:cNvGrpSpPr/>
-        <p:nvPr/>
-      </p:nvGrpSpPr>
-      <p:grpSpPr>
-        <a:xfrm>
-          <a:off x="0" y="0"/>
-          <a:ext cx="0" cy="0"/>
-          <a:chOff x="0" y="0"/>
-          <a:chExt cx="0" cy="0"/>
-        </a:xfrm>
-      </p:grpSpPr>
-      <p:sp>
-        <p:nvSpPr>
-          <p:cNvPr id="2" name="Title 1"/>
-          <p:cNvSpPr>
-            <a:spLocks noGrp="1"/>
-          </p:cNvSpPr>
-          <p:nvPr>
-            <p:ph type="title"/>
-          </p:nvPr>
-        </p:nvSpPr>
-        <p:spPr/>
-        <p:txBody>
-          <a:bodyPr/>
-          <a:lstStyle/>
-          <a:p>
-            <a:r>
-              <a:rPr lang="en-US" smtClean="0"/>
-              <a:t>Izgled aplikacije nakon kreiranja</a:t>
-            </a:r>
-            <a:endParaRPr lang="en-US"/>
-          </a:p>
-        </p:txBody>
-      </p:sp>
-      <p:pic>
-        <p:nvPicPr>
-          <p:cNvPr id="4" name="Content Placeholder 3"/>
-          <p:cNvPicPr>
-            <a:picLocks noGrp="1" noChangeAspect="1"/>
-          </p:cNvPicPr>
-          <p:nvPr>
-            <p:ph idx="1"/>
-          </p:nvPr>
-        </p:nvPicPr>
-        <p:blipFill>
-          <a:blip r:embed="rId2"/>
-          <a:stretch>
-            <a:fillRect/>
-          </a:stretch>
-        </p:blipFill>
-        <p:spPr>
-          <a:xfrm>
-            <a:off x="3851805" y="2035703"/>
-            <a:ext cx="7315200" cy="3962400"/>
-          </a:xfrm>
-          <a:prstGeom prst="rect">
-            <a:avLst/>
-          </a:prstGeom>
-        </p:spPr>
-      </p:pic>
-    </p:spTree>
-    <p:extLst>
-      <p:ext uri="{BB962C8B-B14F-4D97-AF65-F5344CB8AC3E}">
-        <p14:creationId xmlns:p14="http://schemas.microsoft.com/office/powerpoint/2010/main" val="1946072338"/>
-      </p:ext>
-    </p:extLst>
-  </p:cSld>
-  <p:clrMapOvr>
-    <a:masterClrMapping/>
-  </p:clrMapOvr>
-</p:sld>
-</file>
-
 <file path=ppt/slides/slide15.xml><?xml version="1.0" encoding="utf-8"?>
 <p:sld xmlns:a="http://schemas.openxmlformats.org/drawingml/2006/main" xmlns:r="http://schemas.openxmlformats.org/officeDocument/2006/relationships" xmlns:p="http://schemas.openxmlformats.org/presentationml/2006/main">
   <p:cSld>
@@ -5107,85 +5158,21 @@
           <a:p>
             <a:r>
               <a:rPr lang="en-US" smtClean="0"/>
-              <a:t>Kreiranje glavnog procesa Electron-a i preload skripte</a:t>
+              <a:t>Izgled aplikacije nakon kreiranja</a:t>
             </a:r>
             <a:endParaRPr lang="en-US"/>
-          </a:p>
-        </p:txBody>
-      </p:sp>
-      <p:sp>
-        <p:nvSpPr>
-          <p:cNvPr id="3" name="TextBox 2"/>
-          <p:cNvSpPr txBox="1"/>
-          <p:nvPr/>
-        </p:nvSpPr>
-        <p:spPr>
-          <a:xfrm>
-            <a:off x="5190093" y="782919"/>
-            <a:ext cx="6277017" cy="523220"/>
-          </a:xfrm>
-          <a:prstGeom prst="rect">
-            <a:avLst/>
-          </a:prstGeom>
-          <a:noFill/>
-        </p:spPr>
-        <p:txBody>
-          <a:bodyPr wrap="square" rtlCol="0">
-            <a:spAutoFit/>
-          </a:bodyPr>
-          <a:lstStyle/>
-          <a:p>
-            <a:r>
-              <a:rPr lang="en-US" sz="1400" smtClean="0"/>
-              <a:t>U </a:t>
-            </a:r>
-            <a:r>
-              <a:rPr lang="en-US" sz="1400"/>
-              <a:t>public </a:t>
-            </a:r>
-            <a:r>
-              <a:rPr lang="en-US" sz="1400" smtClean="0"/>
-              <a:t>direktorijumu aplikacije kreiramo electron.js </a:t>
-            </a:r>
-            <a:r>
-              <a:rPr lang="sr-Latn-RS" sz="1400" smtClean="0"/>
-              <a:t>i preload.js </a:t>
-            </a:r>
-            <a:r>
-              <a:rPr lang="en-US" sz="1400" smtClean="0"/>
-              <a:t>fajl</a:t>
-            </a:r>
-            <a:r>
-              <a:rPr lang="sr-Latn-RS" sz="1400" smtClean="0"/>
-              <a:t>ove</a:t>
-            </a:r>
-            <a:r>
-              <a:rPr lang="en-US" sz="1400" smtClean="0"/>
-              <a:t> </a:t>
-            </a:r>
-            <a:r>
-              <a:rPr lang="sr-Latn-RS" sz="1400" smtClean="0"/>
-              <a:t>i</a:t>
-            </a:r>
-            <a:r>
-              <a:rPr lang="en-US" sz="1400" smtClean="0"/>
-              <a:t> pi</a:t>
-            </a:r>
-            <a:r>
-              <a:rPr lang="sr-Latn-RS" sz="1400" smtClean="0"/>
-              <a:t>šemo odgovarajući kod. </a:t>
-            </a:r>
-            <a:endParaRPr lang="en-US" sz="1400"/>
           </a:p>
         </p:txBody>
       </p:sp>
       <p:pic>
         <p:nvPicPr>
-          <p:cNvPr id="6" name="Picture 5"/>
+          <p:cNvPr id="4" name="Content Placeholder 3"/>
           <p:cNvPicPr>
-            <a:picLocks noChangeAspect="1"/>
+            <a:picLocks noGrp="1" noChangeAspect="1"/>
           </p:cNvPicPr>
-          <p:nvPr/>
+          <p:nvPr>
+            <p:ph idx="1"/>
+          </p:nvPr>
         </p:nvPicPr>
         <p:blipFill>
           <a:blip r:embed="rId2"/>
@@ -5195,55 +5182,8 @@
         </p:blipFill>
         <p:spPr>
           <a:xfrm>
-            <a:off x="3532565" y="782919"/>
-            <a:ext cx="1657528" cy="3104773"/>
-          </a:xfrm>
-          <a:prstGeom prst="rect">
-            <a:avLst/>
-          </a:prstGeom>
-        </p:spPr>
-      </p:pic>
-      <p:pic>
-        <p:nvPicPr>
-          <p:cNvPr id="8" name="Picture 7"/>
-          <p:cNvPicPr>
-            <a:picLocks noChangeAspect="1"/>
-          </p:cNvPicPr>
-          <p:nvPr/>
-        </p:nvPicPr>
-        <p:blipFill>
-          <a:blip r:embed="rId3"/>
-          <a:stretch>
-            <a:fillRect/>
-          </a:stretch>
-        </p:blipFill>
-        <p:spPr>
-          <a:xfrm>
-            <a:off x="5190093" y="1254550"/>
-            <a:ext cx="4658226" cy="4781787"/>
-          </a:xfrm>
-          <a:prstGeom prst="rect">
-            <a:avLst/>
-          </a:prstGeom>
-        </p:spPr>
-      </p:pic>
-      <p:pic>
-        <p:nvPicPr>
-          <p:cNvPr id="10" name="Picture 9"/>
-          <p:cNvPicPr>
-            <a:picLocks noChangeAspect="1"/>
-          </p:cNvPicPr>
-          <p:nvPr/>
-        </p:nvPicPr>
-        <p:blipFill rotWithShape="1">
-          <a:blip r:embed="rId4"/>
-          <a:srcRect t="5357"/>
-          <a:stretch/>
-        </p:blipFill>
-        <p:spPr>
-          <a:xfrm>
-            <a:off x="7716894" y="4995333"/>
-            <a:ext cx="4475106" cy="1041004"/>
+            <a:off x="3556979" y="1085776"/>
+            <a:ext cx="8635021" cy="4677303"/>
           </a:xfrm>
           <a:prstGeom prst="rect">
             <a:avLst/>
@@ -5253,7 +5193,7 @@
     </p:spTree>
     <p:extLst>
       <p:ext uri="{BB962C8B-B14F-4D97-AF65-F5344CB8AC3E}">
-        <p14:creationId xmlns:p14="http://schemas.microsoft.com/office/powerpoint/2010/main" val="344991108"/>
+        <p14:creationId xmlns:p14="http://schemas.microsoft.com/office/powerpoint/2010/main" val="1946072338"/>
       </p:ext>
     </p:extLst>
   </p:cSld>
@@ -5296,8 +5236,8 @@
           <a:lstStyle/>
           <a:p>
             <a:r>
-              <a:rPr lang="sr-Latn-RS" smtClean="0"/>
-              <a:t>Kreiranje izgleda aplikacije</a:t>
+              <a:rPr lang="en-US" smtClean="0"/>
+              <a:t>Kreiranje glavnog procesa Electron-a i preload skripte</a:t>
             </a:r>
             <a:endParaRPr lang="en-US"/>
           </a:p>
@@ -5305,14 +5245,14 @@
       </p:sp>
       <p:sp>
         <p:nvSpPr>
-          <p:cNvPr id="6" name="TextBox 5"/>
+          <p:cNvPr id="3" name="TextBox 2"/>
           <p:cNvSpPr txBox="1"/>
           <p:nvPr/>
         </p:nvSpPr>
         <p:spPr>
           <a:xfrm>
-            <a:off x="5953308" y="299138"/>
-            <a:ext cx="5302862" cy="369332"/>
+            <a:off x="3725360" y="716528"/>
+            <a:ext cx="3471307" cy="738664"/>
           </a:xfrm>
           <a:prstGeom prst="rect">
             <a:avLst/>
@@ -5320,26 +5260,58 @@
           <a:noFill/>
         </p:spPr>
         <p:txBody>
-          <a:bodyPr wrap="none" rtlCol="0">
+          <a:bodyPr wrap="square" rtlCol="0">
             <a:spAutoFit/>
           </a:bodyPr>
           <a:lstStyle/>
           <a:p>
             <a:r>
-              <a:rPr lang="sr-Latn-RS" smtClean="0"/>
-              <a:t>! Potrebno je izvršiti komandu </a:t>
-            </a:r>
-            <a:r>
-              <a:rPr lang="sr-Latn-RS" u="sng" smtClean="0"/>
-              <a:t>npm install react-modal</a:t>
-            </a:r>
-            <a:endParaRPr lang="en-US" u="sng"/>
+              <a:rPr lang="en-US" sz="1400" smtClean="0"/>
+              <a:t>U </a:t>
+            </a:r>
+            <a:r>
+              <a:rPr lang="en-US" sz="1400"/>
+              <a:t>public </a:t>
+            </a:r>
+            <a:r>
+              <a:rPr lang="en-US" sz="1400" smtClean="0"/>
+              <a:t>direktorijumu aplikacije kreiramo electron.js </a:t>
+            </a:r>
+            <a:r>
+              <a:rPr lang="sr-Latn-RS" sz="1400" smtClean="0"/>
+              <a:t>i preload.js </a:t>
+            </a:r>
+            <a:r>
+              <a:rPr lang="en-US" sz="1400" smtClean="0"/>
+              <a:t>fajl</a:t>
+            </a:r>
+            <a:r>
+              <a:rPr lang="sr-Latn-RS" sz="1400" smtClean="0"/>
+              <a:t>ove</a:t>
+            </a:r>
+            <a:r>
+              <a:rPr lang="en-US" sz="1400" smtClean="0"/>
+              <a:t> </a:t>
+            </a:r>
+            <a:r>
+              <a:rPr lang="sr-Latn-RS" sz="1400" smtClean="0"/>
+              <a:t>i</a:t>
+            </a:r>
+            <a:r>
+              <a:rPr lang="en-US" sz="1400" smtClean="0"/>
+              <a:t> pi</a:t>
+            </a:r>
+            <a:r>
+              <a:rPr lang="sr-Latn-RS" sz="1400" smtClean="0"/>
+              <a:t>šemo odgovarajući kod. </a:t>
+            </a:r>
+            <a:endParaRPr lang="en-US" sz="1400"/>
           </a:p>
         </p:txBody>
       </p:sp>
       <p:pic>
         <p:nvPicPr>
-          <p:cNvPr id="7" name="Picture 6"/>
+          <p:cNvPr id="5" name="Picture 4"/>
           <p:cNvPicPr>
             <a:picLocks noChangeAspect="1"/>
           </p:cNvPicPr>
@@ -5353,8 +5325,8 @@
         </p:blipFill>
         <p:spPr>
           <a:xfrm>
-            <a:off x="3759202" y="150333"/>
-            <a:ext cx="2022127" cy="6548189"/>
+            <a:off x="3725360" y="1571290"/>
+            <a:ext cx="2724530" cy="4782217"/>
           </a:xfrm>
           <a:prstGeom prst="rect">
             <a:avLst/>
@@ -5363,7 +5335,7 @@
       </p:pic>
       <p:pic>
         <p:nvPicPr>
-          <p:cNvPr id="8" name="Picture 7"/>
+          <p:cNvPr id="7" name="Picture 6"/>
           <p:cNvPicPr>
             <a:picLocks noChangeAspect="1"/>
           </p:cNvPicPr>
@@ -5377,8 +5349,8 @@
         </p:blipFill>
         <p:spPr>
           <a:xfrm>
-            <a:off x="6554441" y="802006"/>
-            <a:ext cx="4460692" cy="1925522"/>
+            <a:off x="6974848" y="137111"/>
+            <a:ext cx="4632951" cy="6616121"/>
           </a:xfrm>
           <a:prstGeom prst="rect">
             <a:avLst/>
@@ -5388,7 +5360,7 @@
     </p:spTree>
     <p:extLst>
       <p:ext uri="{BB962C8B-B14F-4D97-AF65-F5344CB8AC3E}">
-        <p14:creationId xmlns:p14="http://schemas.microsoft.com/office/powerpoint/2010/main" val="357436071"/>
+        <p14:creationId xmlns:p14="http://schemas.microsoft.com/office/powerpoint/2010/main" val="344991108"/>
       </p:ext>
     </p:extLst>
   </p:cSld>
@@ -5431,6 +5403,207 @@
           <a:lstStyle/>
           <a:p>
             <a:r>
+              <a:rPr lang="sr-Latn-RS" smtClean="0"/>
+              <a:t>Kreiranje izgleda aplikacije</a:t>
+            </a:r>
+            <a:endParaRPr lang="en-US"/>
+          </a:p>
+        </p:txBody>
+      </p:sp>
+      <p:sp>
+        <p:nvSpPr>
+          <p:cNvPr id="6" name="TextBox 5"/>
+          <p:cNvSpPr txBox="1"/>
+          <p:nvPr/>
+        </p:nvSpPr>
+        <p:spPr>
+          <a:xfrm>
+            <a:off x="5953308" y="299138"/>
+            <a:ext cx="5302862" cy="369332"/>
+          </a:xfrm>
+          <a:prstGeom prst="rect">
+            <a:avLst/>
+          </a:prstGeom>
+          <a:noFill/>
+        </p:spPr>
+        <p:txBody>
+          <a:bodyPr wrap="none" rtlCol="0">
+            <a:spAutoFit/>
+          </a:bodyPr>
+          <a:lstStyle/>
+          <a:p>
+            <a:r>
+              <a:rPr lang="sr-Latn-RS" smtClean="0"/>
+              <a:t>! Potrebno je izvršiti komandu </a:t>
+            </a:r>
+            <a:r>
+              <a:rPr lang="sr-Latn-RS" u="sng" smtClean="0"/>
+              <a:t>npm install react-modal</a:t>
+            </a:r>
+            <a:endParaRPr lang="en-US" u="sng"/>
+          </a:p>
+        </p:txBody>
+      </p:sp>
+      <p:pic>
+        <p:nvPicPr>
+          <p:cNvPr id="3" name="Picture 2"/>
+          <p:cNvPicPr>
+            <a:picLocks noChangeAspect="1"/>
+          </p:cNvPicPr>
+          <p:nvPr/>
+        </p:nvPicPr>
+        <p:blipFill>
+          <a:blip r:embed="rId2"/>
+          <a:stretch>
+            <a:fillRect/>
+          </a:stretch>
+        </p:blipFill>
+        <p:spPr>
+          <a:xfrm>
+            <a:off x="3636719" y="156155"/>
+            <a:ext cx="2196213" cy="6701845"/>
+          </a:xfrm>
+          <a:prstGeom prst="rect">
+            <a:avLst/>
+          </a:prstGeom>
+        </p:spPr>
+      </p:pic>
+      <p:pic>
+        <p:nvPicPr>
+          <p:cNvPr id="4" name="Picture 3"/>
+          <p:cNvPicPr>
+            <a:picLocks noChangeAspect="1"/>
+          </p:cNvPicPr>
+          <p:nvPr/>
+        </p:nvPicPr>
+        <p:blipFill>
+          <a:blip r:embed="rId3"/>
+          <a:stretch>
+            <a:fillRect/>
+          </a:stretch>
+        </p:blipFill>
+        <p:spPr>
+          <a:xfrm>
+            <a:off x="5953308" y="3300301"/>
+            <a:ext cx="5671799" cy="3168232"/>
+          </a:xfrm>
+          <a:prstGeom prst="rect">
+            <a:avLst/>
+          </a:prstGeom>
+        </p:spPr>
+      </p:pic>
+      <p:sp>
+        <p:nvSpPr>
+          <p:cNvPr id="5" name="TextBox 4"/>
+          <p:cNvSpPr txBox="1"/>
+          <p:nvPr/>
+        </p:nvSpPr>
+        <p:spPr>
+          <a:xfrm>
+            <a:off x="8902567" y="2650067"/>
+            <a:ext cx="2722540" cy="369332"/>
+          </a:xfrm>
+          <a:prstGeom prst="rect">
+            <a:avLst/>
+          </a:prstGeom>
+          <a:noFill/>
+        </p:spPr>
+        <p:txBody>
+          <a:bodyPr wrap="none" rtlCol="0">
+            <a:spAutoFit/>
+          </a:bodyPr>
+          <a:lstStyle/>
+          <a:p>
+            <a:r>
+              <a:rPr lang="en-US" smtClean="0"/>
+              <a:t>Dodavanje ikone aplikacije</a:t>
+            </a:r>
+            <a:endParaRPr lang="en-US"/>
+          </a:p>
+        </p:txBody>
+      </p:sp>
+      <p:cxnSp>
+        <p:nvCxnSpPr>
+          <p:cNvPr id="9" name="Straight Arrow Connector 8"/>
+          <p:cNvCxnSpPr/>
+          <p:nvPr/>
+        </p:nvCxnSpPr>
+        <p:spPr>
+          <a:xfrm flipH="1">
+            <a:off x="10066866" y="3081752"/>
+            <a:ext cx="853640" cy="1622514"/>
+          </a:xfrm>
+          <a:prstGeom prst="straightConnector1">
+            <a:avLst/>
+          </a:prstGeom>
+          <a:ln w="38100">
+            <a:solidFill>
+              <a:srgbClr val="00B0F0"/>
+            </a:solidFill>
+            <a:tailEnd type="triangle"/>
+          </a:ln>
+        </p:spPr>
+        <p:style>
+          <a:lnRef idx="1">
+            <a:schemeClr val="accent1"/>
+          </a:lnRef>
+          <a:fillRef idx="0">
+            <a:schemeClr val="accent1"/>
+          </a:fillRef>
+          <a:effectRef idx="0">
+            <a:schemeClr val="accent1"/>
+          </a:effectRef>
+          <a:fontRef idx="minor">
+            <a:schemeClr val="tx1"/>
+          </a:fontRef>
+        </p:style>
+      </p:cxnSp>
+    </p:spTree>
+    <p:extLst>
+      <p:ext uri="{BB962C8B-B14F-4D97-AF65-F5344CB8AC3E}">
+        <p14:creationId xmlns:p14="http://schemas.microsoft.com/office/powerpoint/2010/main" val="357436071"/>
+      </p:ext>
+    </p:extLst>
+  </p:cSld>
+  <p:clrMapOvr>
+    <a:masterClrMapping/>
+  </p:clrMapOvr>
+</p:sld>
+</file>
+
+<file path=ppt/slides/slide18.xml><?xml version="1.0" encoding="utf-8"?>
+<p:sld xmlns:a="http://schemas.openxmlformats.org/drawingml/2006/main" xmlns:r="http://schemas.openxmlformats.org/officeDocument/2006/relationships" xmlns:p="http://schemas.openxmlformats.org/presentationml/2006/main">
+  <p:cSld>
+    <p:spTree>
+      <p:nvGrpSpPr>
+        <p:cNvPr id="1" name=""/>
+        <p:cNvGrpSpPr/>
+        <p:nvPr/>
+      </p:nvGrpSpPr>
+      <p:grpSpPr>
+        <a:xfrm>
+          <a:off x="0" y="0"/>
+          <a:ext cx="0" cy="0"/>
+          <a:chOff x="0" y="0"/>
+          <a:chExt cx="0" cy="0"/>
+        </a:xfrm>
+      </p:grpSpPr>
+      <p:sp>
+        <p:nvSpPr>
+          <p:cNvPr id="2" name="Title 1"/>
+          <p:cNvSpPr>
+            <a:spLocks noGrp="1"/>
+          </p:cNvSpPr>
+          <p:nvPr>
+            <p:ph type="title"/>
+          </p:nvPr>
+        </p:nvSpPr>
+        <p:spPr/>
+        <p:txBody>
+          <a:bodyPr/>
+          <a:lstStyle/>
+          <a:p>
+            <a:r>
               <a:rPr lang="en-US" smtClean="0"/>
               <a:t>Priprema aplikacije za pokretanje</a:t>
             </a:r>
@@ -5457,7 +5630,7 @@
         <p:spPr>
           <a:xfrm>
             <a:off x="4186518" y="1287323"/>
-            <a:ext cx="1909482" cy="487357"/>
+            <a:ext cx="3143513" cy="802319"/>
           </a:xfrm>
           <a:prstGeom prst="rect">
             <a:avLst/>
@@ -5480,7 +5653,7 @@
         </p:blipFill>
         <p:spPr>
           <a:xfrm>
-            <a:off x="4021668" y="5474984"/>
+            <a:off x="4051574" y="5631761"/>
             <a:ext cx="3672407" cy="500072"/>
           </a:xfrm>
           <a:prstGeom prst="rect">
@@ -5504,8 +5677,261 @@
         </p:blipFill>
         <p:spPr>
           <a:xfrm>
-            <a:off x="4021668" y="4291223"/>
-            <a:ext cx="5047129" cy="549520"/>
+            <a:off x="3937001" y="4489061"/>
+            <a:ext cx="6224835" cy="677746"/>
+          </a:xfrm>
+          <a:prstGeom prst="rect">
+            <a:avLst/>
+          </a:prstGeom>
+        </p:spPr>
+      </p:pic>
+      <p:sp>
+        <p:nvSpPr>
+          <p:cNvPr id="10" name="TextBox 9"/>
+          <p:cNvSpPr txBox="1"/>
+          <p:nvPr/>
+        </p:nvSpPr>
+        <p:spPr>
+          <a:xfrm>
+            <a:off x="3686030" y="812077"/>
+            <a:ext cx="7003626" cy="5909310"/>
+          </a:xfrm>
+          <a:prstGeom prst="rect">
+            <a:avLst/>
+          </a:prstGeom>
+          <a:noFill/>
+        </p:spPr>
+        <p:txBody>
+          <a:bodyPr wrap="square" rtlCol="0">
+            <a:spAutoFit/>
+          </a:bodyPr>
+          <a:lstStyle/>
+          <a:p>
+            <a:pPr marL="342900" indent="-342900">
+              <a:buClr>
+                <a:schemeClr val="accent1"/>
+              </a:buClr>
+              <a:buAutoNum type="arabicPeriod"/>
+            </a:pPr>
+            <a:r>
+              <a:rPr lang="en-US" smtClean="0"/>
+              <a:t>Pokretanjem slede</a:t>
+            </a:r>
+            <a:r>
+              <a:rPr lang="sr-Latn-RS" smtClean="0"/>
+              <a:t>će komande kreira se direktorijum </a:t>
+            </a:r>
+            <a:r>
+              <a:rPr lang="sr-Latn-RS" b="1" smtClean="0"/>
+              <a:t>build:</a:t>
+            </a:r>
+          </a:p>
+          <a:p>
+            <a:pPr marL="342900" indent="-342900">
+              <a:buClr>
+                <a:schemeClr val="accent1"/>
+              </a:buClr>
+              <a:buAutoNum type="arabicPeriod"/>
+            </a:pPr>
+            <a:endParaRPr lang="sr-Latn-RS" b="1"/>
+          </a:p>
+          <a:p>
+            <a:pPr marL="342900" indent="-342900">
+              <a:buClr>
+                <a:schemeClr val="accent1"/>
+              </a:buClr>
+              <a:buAutoNum type="arabicPeriod"/>
+            </a:pPr>
+            <a:endParaRPr lang="sr-Latn-RS" b="1" smtClean="0"/>
+          </a:p>
+          <a:p>
+            <a:pPr marL="342900" indent="-342900">
+              <a:buClr>
+                <a:schemeClr val="accent1"/>
+              </a:buClr>
+              <a:buAutoNum type="arabicPeriod"/>
+            </a:pPr>
+            <a:endParaRPr lang="en-US" b="1" smtClean="0"/>
+          </a:p>
+          <a:p>
+            <a:pPr marL="342900" indent="-342900">
+              <a:buClr>
+                <a:schemeClr val="accent1"/>
+              </a:buClr>
+              <a:buAutoNum type="arabicPeriod"/>
+            </a:pPr>
+            <a:endParaRPr lang="en-US" b="1"/>
+          </a:p>
+          <a:p>
+            <a:pPr marL="342900" indent="-342900">
+              <a:buClr>
+                <a:schemeClr val="accent1"/>
+              </a:buClr>
+              <a:buAutoNum type="arabicPeriod"/>
+            </a:pPr>
+            <a:endParaRPr lang="en-US" b="1" smtClean="0"/>
+          </a:p>
+          <a:p>
+            <a:pPr marL="342900" indent="-342900">
+              <a:buClr>
+                <a:schemeClr val="accent1"/>
+              </a:buClr>
+              <a:buAutoNum type="arabicPeriod"/>
+            </a:pPr>
+            <a:endParaRPr lang="en-US" b="1"/>
+          </a:p>
+          <a:p>
+            <a:pPr marL="342900" indent="-342900">
+              <a:buClr>
+                <a:schemeClr val="accent1"/>
+              </a:buClr>
+              <a:buAutoNum type="arabicPeriod"/>
+            </a:pPr>
+            <a:endParaRPr lang="en-US" b="1" smtClean="0"/>
+          </a:p>
+          <a:p>
+            <a:pPr marL="342900" indent="-342900">
+              <a:buClr>
+                <a:schemeClr val="accent1"/>
+              </a:buClr>
+              <a:buAutoNum type="arabicPeriod"/>
+            </a:pPr>
+            <a:endParaRPr lang="en-US" b="1"/>
+          </a:p>
+          <a:p>
+            <a:pPr marL="342900" indent="-342900">
+              <a:buClr>
+                <a:schemeClr val="accent1"/>
+              </a:buClr>
+              <a:buAutoNum type="arabicPeriod"/>
+            </a:pPr>
+            <a:endParaRPr lang="en-US" b="1" smtClean="0"/>
+          </a:p>
+          <a:p>
+            <a:pPr marL="342900" indent="-342900">
+              <a:buClr>
+                <a:schemeClr val="accent1"/>
+              </a:buClr>
+              <a:buAutoNum type="arabicPeriod"/>
+            </a:pPr>
+            <a:endParaRPr lang="en-US" b="1" smtClean="0"/>
+          </a:p>
+          <a:p>
+            <a:pPr marL="342900" indent="-342900">
+              <a:buClr>
+                <a:schemeClr val="accent1"/>
+              </a:buClr>
+              <a:buAutoNum type="arabicPeriod"/>
+            </a:pPr>
+            <a:endParaRPr lang="sr-Latn-RS" b="1"/>
+          </a:p>
+          <a:p>
+            <a:pPr marL="342900" indent="-342900">
+              <a:buClr>
+                <a:schemeClr val="accent1"/>
+              </a:buClr>
+              <a:buAutoNum type="arabicPeriod"/>
+            </a:pPr>
+            <a:r>
+              <a:rPr lang="sr-Latn-RS" smtClean="0"/>
+              <a:t>U </a:t>
+            </a:r>
+            <a:r>
+              <a:rPr lang="sr-Latn-RS" b="1" smtClean="0"/>
+              <a:t>electron.js </a:t>
+            </a:r>
+            <a:r>
+              <a:rPr lang="sr-Latn-RS" smtClean="0"/>
+              <a:t>fajlu potrebno je promeniti:</a:t>
+            </a:r>
+          </a:p>
+          <a:p>
+            <a:pPr marL="342900" indent="-342900">
+              <a:buClr>
+                <a:schemeClr val="accent1"/>
+              </a:buClr>
+              <a:buAutoNum type="arabicPeriod"/>
+            </a:pPr>
+            <a:endParaRPr lang="sr-Latn-RS"/>
+          </a:p>
+          <a:p>
+            <a:pPr marL="342900" indent="-342900">
+              <a:buClr>
+                <a:schemeClr val="accent1"/>
+              </a:buClr>
+              <a:buAutoNum type="arabicPeriod"/>
+            </a:pPr>
+            <a:endParaRPr lang="sr-Latn-RS" smtClean="0"/>
+          </a:p>
+          <a:p>
+            <a:pPr marL="342900" indent="-342900">
+              <a:buClr>
+                <a:schemeClr val="accent1"/>
+              </a:buClr>
+              <a:buAutoNum type="arabicPeriod"/>
+            </a:pPr>
+            <a:endParaRPr lang="sr-Latn-RS"/>
+          </a:p>
+          <a:p>
+            <a:pPr marL="342900" indent="-342900">
+              <a:buClr>
+                <a:schemeClr val="accent1"/>
+              </a:buClr>
+              <a:buAutoNum type="arabicPeriod"/>
+            </a:pPr>
+            <a:r>
+              <a:rPr lang="sr-Latn-RS" smtClean="0"/>
+              <a:t>Instaliranje potrebnih biblioteka</a:t>
+            </a:r>
+            <a:r>
+              <a:rPr lang="en-US" smtClean="0"/>
+              <a:t>:</a:t>
+            </a:r>
+          </a:p>
+          <a:p>
+            <a:pPr marL="342900" indent="-342900">
+              <a:buAutoNum type="arabicPeriod"/>
+            </a:pPr>
+            <a:endParaRPr lang="en-US"/>
+          </a:p>
+          <a:p>
+            <a:pPr marL="342900" indent="-342900">
+              <a:buAutoNum type="arabicPeriod"/>
+            </a:pPr>
+            <a:endParaRPr lang="en-US" smtClean="0"/>
+          </a:p>
+          <a:p>
+            <a:pPr marL="342900" indent="-342900">
+              <a:buAutoNum type="arabicPeriod"/>
+            </a:pPr>
+            <a:endParaRPr lang="en-US"/>
+          </a:p>
+          <a:p>
+            <a:pPr marL="342900" indent="-342900">
+              <a:buAutoNum type="arabicPeriod"/>
+            </a:pPr>
+            <a:endParaRPr lang="en-US" smtClean="0"/>
+          </a:p>
+        </p:txBody>
+      </p:sp>
+      <p:pic>
+        <p:nvPicPr>
+          <p:cNvPr id="5" name="Picture 4"/>
+          <p:cNvPicPr>
+            <a:picLocks noChangeAspect="1"/>
+          </p:cNvPicPr>
+          <p:nvPr/>
+        </p:nvPicPr>
+        <p:blipFill>
+          <a:blip r:embed="rId5"/>
+          <a:stretch>
+            <a:fillRect/>
+          </a:stretch>
+        </p:blipFill>
+        <p:spPr>
+          <a:xfrm>
+            <a:off x="8492782" y="1221904"/>
+            <a:ext cx="2103144" cy="3058389"/>
           </a:xfrm>
           <a:prstGeom prst="rect">
             <a:avLst/>
@@ -5514,19 +5940,17 @@
       </p:pic>
       <p:cxnSp>
         <p:nvCxnSpPr>
-          <p:cNvPr id="8" name="Curved Connector 7"/>
+          <p:cNvPr id="9" name="Straight Arrow Connector 8"/>
           <p:cNvCxnSpPr/>
           <p:nvPr/>
         </p:nvCxnSpPr>
         <p:spPr>
           <a:xfrm>
-            <a:off x="7330031" y="4380840"/>
-            <a:ext cx="1439422" cy="184790"/>
+            <a:off x="7592077" y="1430672"/>
+            <a:ext cx="1250294" cy="515620"/>
           </a:xfrm>
-          <a:prstGeom prst="curvedConnector3">
-            <a:avLst>
-              <a:gd name="adj1" fmla="val 115881"/>
-            </a:avLst>
+          <a:prstGeom prst="straightConnector1">
+            <a:avLst/>
           </a:prstGeom>
           <a:ln w="38100">
             <a:solidFill>
@@ -5550,263 +5974,21 @@
           </a:fontRef>
         </p:style>
       </p:cxnSp>
-      <p:sp>
-        <p:nvSpPr>
-          <p:cNvPr id="10" name="TextBox 9"/>
-          <p:cNvSpPr txBox="1"/>
-          <p:nvPr/>
-        </p:nvSpPr>
-        <p:spPr>
-          <a:xfrm>
-            <a:off x="3714675" y="896743"/>
-            <a:ext cx="7418992" cy="5632311"/>
-          </a:xfrm>
-          <a:prstGeom prst="rect">
-            <a:avLst/>
-          </a:prstGeom>
-          <a:noFill/>
-        </p:spPr>
-        <p:txBody>
-          <a:bodyPr wrap="square" rtlCol="0">
-            <a:spAutoFit/>
-          </a:bodyPr>
-          <a:lstStyle/>
-          <a:p>
-            <a:pPr marL="342900" indent="-342900">
-              <a:buClr>
-                <a:schemeClr val="accent1"/>
-              </a:buClr>
-              <a:buAutoNum type="arabicPeriod"/>
-            </a:pPr>
-            <a:r>
-              <a:rPr lang="en-US" smtClean="0"/>
-              <a:t>Pokretanjem slede</a:t>
-            </a:r>
-            <a:r>
-              <a:rPr lang="sr-Latn-RS" smtClean="0"/>
-              <a:t>će komande kreira se direktorijum </a:t>
-            </a:r>
-            <a:r>
-              <a:rPr lang="sr-Latn-RS" b="1" smtClean="0"/>
-              <a:t>build:</a:t>
-            </a:r>
-          </a:p>
-          <a:p>
-            <a:pPr marL="342900" indent="-342900">
-              <a:buClr>
-                <a:schemeClr val="accent1"/>
-              </a:buClr>
-              <a:buAutoNum type="arabicPeriod"/>
-            </a:pPr>
-            <a:endParaRPr lang="sr-Latn-RS" b="1"/>
-          </a:p>
-          <a:p>
-            <a:pPr marL="342900" indent="-342900">
-              <a:buClr>
-                <a:schemeClr val="accent1"/>
-              </a:buClr>
-              <a:buAutoNum type="arabicPeriod"/>
-            </a:pPr>
-            <a:endParaRPr lang="sr-Latn-RS" b="1" smtClean="0"/>
-          </a:p>
-          <a:p>
-            <a:pPr marL="342900" indent="-342900">
-              <a:buClr>
-                <a:schemeClr val="accent1"/>
-              </a:buClr>
-              <a:buAutoNum type="arabicPeriod"/>
-            </a:pPr>
-            <a:endParaRPr lang="en-US" b="1" smtClean="0"/>
-          </a:p>
-          <a:p>
-            <a:pPr marL="342900" indent="-342900">
-              <a:buClr>
-                <a:schemeClr val="accent1"/>
-              </a:buClr>
-              <a:buAutoNum type="arabicPeriod"/>
-            </a:pPr>
-            <a:endParaRPr lang="en-US" b="1"/>
-          </a:p>
-          <a:p>
-            <a:pPr marL="342900" indent="-342900">
-              <a:buClr>
-                <a:schemeClr val="accent1"/>
-              </a:buClr>
-              <a:buAutoNum type="arabicPeriod"/>
-            </a:pPr>
-            <a:endParaRPr lang="en-US" b="1" smtClean="0"/>
-          </a:p>
-          <a:p>
-            <a:pPr marL="342900" indent="-342900">
-              <a:buClr>
-                <a:schemeClr val="accent1"/>
-              </a:buClr>
-              <a:buAutoNum type="arabicPeriod"/>
-            </a:pPr>
-            <a:endParaRPr lang="en-US" b="1"/>
-          </a:p>
-          <a:p>
-            <a:pPr marL="342900" indent="-342900">
-              <a:buClr>
-                <a:schemeClr val="accent1"/>
-              </a:buClr>
-              <a:buAutoNum type="arabicPeriod"/>
-            </a:pPr>
-            <a:endParaRPr lang="en-US" b="1" smtClean="0"/>
-          </a:p>
-          <a:p>
-            <a:pPr marL="342900" indent="-342900">
-              <a:buClr>
-                <a:schemeClr val="accent1"/>
-              </a:buClr>
-              <a:buAutoNum type="arabicPeriod"/>
-            </a:pPr>
-            <a:endParaRPr lang="en-US" b="1"/>
-          </a:p>
-          <a:p>
-            <a:pPr marL="342900" indent="-342900">
-              <a:buClr>
-                <a:schemeClr val="accent1"/>
-              </a:buClr>
-              <a:buAutoNum type="arabicPeriod"/>
-            </a:pPr>
-            <a:endParaRPr lang="en-US" b="1" smtClean="0"/>
-          </a:p>
-          <a:p>
-            <a:pPr marL="342900" indent="-342900">
-              <a:buClr>
-                <a:schemeClr val="accent1"/>
-              </a:buClr>
-              <a:buAutoNum type="arabicPeriod"/>
-            </a:pPr>
-            <a:endParaRPr lang="sr-Latn-RS" b="1"/>
-          </a:p>
-          <a:p>
-            <a:pPr marL="342900" indent="-342900">
-              <a:buClr>
-                <a:schemeClr val="accent1"/>
-              </a:buClr>
-              <a:buAutoNum type="arabicPeriod"/>
-            </a:pPr>
-            <a:r>
-              <a:rPr lang="sr-Latn-RS" smtClean="0"/>
-              <a:t>U </a:t>
-            </a:r>
-            <a:r>
-              <a:rPr lang="sr-Latn-RS" b="1" smtClean="0"/>
-              <a:t>electron.js </a:t>
-            </a:r>
-            <a:r>
-              <a:rPr lang="sr-Latn-RS" smtClean="0"/>
-              <a:t>fajlu potrebno je promeniti:</a:t>
-            </a:r>
-          </a:p>
-          <a:p>
-            <a:pPr marL="342900" indent="-342900">
-              <a:buClr>
-                <a:schemeClr val="accent1"/>
-              </a:buClr>
-              <a:buAutoNum type="arabicPeriod"/>
-            </a:pPr>
-            <a:endParaRPr lang="sr-Latn-RS"/>
-          </a:p>
-          <a:p>
-            <a:pPr marL="342900" indent="-342900">
-              <a:buClr>
-                <a:schemeClr val="accent1"/>
-              </a:buClr>
-              <a:buAutoNum type="arabicPeriod"/>
-            </a:pPr>
-            <a:endParaRPr lang="sr-Latn-RS" smtClean="0"/>
-          </a:p>
-          <a:p>
-            <a:pPr marL="342900" indent="-342900">
-              <a:buClr>
-                <a:schemeClr val="accent1"/>
-              </a:buClr>
-              <a:buAutoNum type="arabicPeriod"/>
-            </a:pPr>
-            <a:endParaRPr lang="sr-Latn-RS"/>
-          </a:p>
-          <a:p>
-            <a:pPr marL="342900" indent="-342900">
-              <a:buClr>
-                <a:schemeClr val="accent1"/>
-              </a:buClr>
-              <a:buAutoNum type="arabicPeriod"/>
-            </a:pPr>
-            <a:r>
-              <a:rPr lang="sr-Latn-RS" smtClean="0"/>
-              <a:t>Instaliranje potrebnih biblioteka</a:t>
-            </a:r>
-            <a:r>
-              <a:rPr lang="en-US" smtClean="0"/>
-              <a:t>:</a:t>
-            </a:r>
-          </a:p>
-          <a:p>
-            <a:pPr marL="342900" indent="-342900">
-              <a:buAutoNum type="arabicPeriod"/>
-            </a:pPr>
-            <a:endParaRPr lang="en-US"/>
-          </a:p>
-          <a:p>
-            <a:pPr marL="342900" indent="-342900">
-              <a:buAutoNum type="arabicPeriod"/>
-            </a:pPr>
-            <a:endParaRPr lang="en-US" smtClean="0"/>
-          </a:p>
-          <a:p>
-            <a:pPr marL="342900" indent="-342900">
-              <a:buAutoNum type="arabicPeriod"/>
-            </a:pPr>
-            <a:endParaRPr lang="en-US"/>
-          </a:p>
-          <a:p>
-            <a:pPr marL="342900" indent="-342900">
-              <a:buAutoNum type="arabicPeriod"/>
-            </a:pPr>
-            <a:endParaRPr lang="en-US" smtClean="0"/>
-          </a:p>
-        </p:txBody>
-      </p:sp>
-      <p:pic>
-        <p:nvPicPr>
-          <p:cNvPr id="5" name="Picture 4"/>
-          <p:cNvPicPr>
-            <a:picLocks noChangeAspect="1"/>
-          </p:cNvPicPr>
-          <p:nvPr/>
-        </p:nvPicPr>
-        <p:blipFill>
-          <a:blip r:embed="rId5"/>
-          <a:stretch>
-            <a:fillRect/>
-          </a:stretch>
-        </p:blipFill>
-        <p:spPr>
-          <a:xfrm>
-            <a:off x="6476664" y="1223700"/>
-            <a:ext cx="1896869" cy="2758424"/>
-          </a:xfrm>
-          <a:prstGeom prst="rect">
-            <a:avLst/>
-          </a:prstGeom>
-        </p:spPr>
-      </p:pic>
       <p:cxnSp>
         <p:nvCxnSpPr>
-          <p:cNvPr id="9" name="Straight Arrow Connector 8"/>
+          <p:cNvPr id="8" name="Curved Connector 7"/>
           <p:cNvCxnSpPr/>
           <p:nvPr/>
         </p:nvCxnSpPr>
         <p:spPr>
-          <a:xfrm flipH="1">
-            <a:off x="7228043" y="1396885"/>
-            <a:ext cx="1084729" cy="462738"/>
+          <a:xfrm>
+            <a:off x="7694075" y="4615037"/>
+            <a:ext cx="2296592" cy="295630"/>
           </a:xfrm>
-          <a:prstGeom prst="straightConnector1">
-            <a:avLst/>
+          <a:prstGeom prst="curvedConnector3">
+            <a:avLst>
+              <a:gd name="adj1" fmla="val 115622"/>
+            </a:avLst>
           </a:prstGeom>
           <a:ln w="38100">
             <a:solidFill>
@@ -5843,7 +6025,7 @@
 </p:sld>
 </file>
 
-<file path=ppt/slides/slide18.xml><?xml version="1.0" encoding="utf-8"?>
+<file path=ppt/slides/slide19.xml><?xml version="1.0" encoding="utf-8"?>
 <p:sld xmlns:a="http://schemas.openxmlformats.org/drawingml/2006/main" xmlns:r="http://schemas.openxmlformats.org/officeDocument/2006/relationships" xmlns:p="http://schemas.openxmlformats.org/presentationml/2006/main">
   <p:cSld>
     <p:spTree>
@@ -5968,8 +6150,8 @@
         </p:blipFill>
         <p:spPr>
           <a:xfrm>
-            <a:off x="4362326" y="1397868"/>
-            <a:ext cx="6911787" cy="1188906"/>
+            <a:off x="3869268" y="1369169"/>
+            <a:ext cx="7763934" cy="1246304"/>
           </a:xfrm>
           <a:prstGeom prst="rect">
             <a:avLst/>
@@ -6052,8 +6234,8 @@
         </p:blipFill>
         <p:spPr>
           <a:xfrm>
-            <a:off x="7256019" y="2773618"/>
-            <a:ext cx="3420535" cy="3900927"/>
+            <a:off x="7431828" y="2974118"/>
+            <a:ext cx="3244726" cy="3700427"/>
           </a:xfrm>
           <a:prstGeom prst="rect">
             <a:avLst/>
@@ -6064,291 +6246,6 @@
     <p:extLst>
       <p:ext uri="{BB962C8B-B14F-4D97-AF65-F5344CB8AC3E}">
         <p14:creationId xmlns:p14="http://schemas.microsoft.com/office/powerpoint/2010/main" val="450575360"/>
-      </p:ext>
-    </p:extLst>
-  </p:cSld>
-  <p:clrMapOvr>
-    <a:masterClrMapping/>
-  </p:clrMapOvr>
-</p:sld>
-</file>
-
-<file path=ppt/slides/slide19.xml><?xml version="1.0" encoding="utf-8"?>
-<p:sld xmlns:a="http://schemas.openxmlformats.org/drawingml/2006/main" xmlns:r="http://schemas.openxmlformats.org/officeDocument/2006/relationships" xmlns:p="http://schemas.openxmlformats.org/presentationml/2006/main">
-  <p:cSld>
-    <p:spTree>
-      <p:nvGrpSpPr>
-        <p:cNvPr id="1" name=""/>
-        <p:cNvGrpSpPr/>
-        <p:nvPr/>
-      </p:nvGrpSpPr>
-      <p:grpSpPr>
-        <a:xfrm>
-          <a:off x="0" y="0"/>
-          <a:ext cx="0" cy="0"/>
-          <a:chOff x="0" y="0"/>
-          <a:chExt cx="0" cy="0"/>
-        </a:xfrm>
-      </p:grpSpPr>
-      <p:sp>
-        <p:nvSpPr>
-          <p:cNvPr id="2" name="Title 1"/>
-          <p:cNvSpPr>
-            <a:spLocks noGrp="1"/>
-          </p:cNvSpPr>
-          <p:nvPr>
-            <p:ph type="title"/>
-          </p:nvPr>
-        </p:nvSpPr>
-        <p:spPr/>
-        <p:txBody>
-          <a:bodyPr/>
-          <a:lstStyle/>
-          <a:p>
-            <a:r>
-              <a:rPr lang="sr-Latn-RS" smtClean="0"/>
-              <a:t>Pakovanje aplikacije</a:t>
-            </a:r>
-            <a:endParaRPr lang="en-US"/>
-          </a:p>
-        </p:txBody>
-      </p:sp>
-      <p:pic>
-        <p:nvPicPr>
-          <p:cNvPr id="4" name="Picture 3"/>
-          <p:cNvPicPr>
-            <a:picLocks noChangeAspect="1"/>
-          </p:cNvPicPr>
-          <p:nvPr/>
-        </p:nvPicPr>
-        <p:blipFill>
-          <a:blip r:embed="rId2"/>
-          <a:stretch>
-            <a:fillRect/>
-          </a:stretch>
-        </p:blipFill>
-        <p:spPr>
-          <a:xfrm>
-            <a:off x="4431727" y="1233505"/>
-            <a:ext cx="3848637" cy="533474"/>
-          </a:xfrm>
-          <a:prstGeom prst="rect">
-            <a:avLst/>
-          </a:prstGeom>
-        </p:spPr>
-      </p:pic>
-      <p:pic>
-        <p:nvPicPr>
-          <p:cNvPr id="5" name="Picture 4"/>
-          <p:cNvPicPr>
-            <a:picLocks noChangeAspect="1"/>
-          </p:cNvPicPr>
-          <p:nvPr/>
-        </p:nvPicPr>
-        <p:blipFill>
-          <a:blip r:embed="rId3"/>
-          <a:stretch>
-            <a:fillRect/>
-          </a:stretch>
-        </p:blipFill>
-        <p:spPr>
-          <a:xfrm>
-            <a:off x="4413077" y="2282776"/>
-            <a:ext cx="7169323" cy="1422832"/>
-          </a:xfrm>
-          <a:prstGeom prst="rect">
-            <a:avLst/>
-          </a:prstGeom>
-        </p:spPr>
-      </p:pic>
-      <p:pic>
-        <p:nvPicPr>
-          <p:cNvPr id="6" name="Picture 5"/>
-          <p:cNvPicPr>
-            <a:picLocks noChangeAspect="1"/>
-          </p:cNvPicPr>
-          <p:nvPr/>
-        </p:nvPicPr>
-        <p:blipFill>
-          <a:blip r:embed="rId4"/>
-          <a:stretch>
-            <a:fillRect/>
-          </a:stretch>
-        </p:blipFill>
-        <p:spPr>
-          <a:xfrm>
-            <a:off x="4431727" y="4196641"/>
-            <a:ext cx="2092014" cy="2226549"/>
-          </a:xfrm>
-          <a:prstGeom prst="rect">
-            <a:avLst/>
-          </a:prstGeom>
-        </p:spPr>
-      </p:pic>
-      <p:sp>
-        <p:nvSpPr>
-          <p:cNvPr id="7" name="TextBox 6"/>
-          <p:cNvSpPr txBox="1"/>
-          <p:nvPr/>
-        </p:nvSpPr>
-        <p:spPr>
-          <a:xfrm>
-            <a:off x="3853437" y="816006"/>
-            <a:ext cx="5005216" cy="3693319"/>
-          </a:xfrm>
-          <a:prstGeom prst="rect">
-            <a:avLst/>
-          </a:prstGeom>
-          <a:noFill/>
-        </p:spPr>
-        <p:txBody>
-          <a:bodyPr wrap="none" rtlCol="0">
-            <a:spAutoFit/>
-          </a:bodyPr>
-          <a:lstStyle/>
-          <a:p>
-            <a:pPr marL="457200" indent="-457200">
-              <a:buClr>
-                <a:schemeClr val="accent6"/>
-              </a:buClr>
-              <a:buAutoNum type="arabicPeriod"/>
-            </a:pPr>
-            <a:r>
-              <a:rPr lang="sr-Latn-RS"/>
-              <a:t>Instaliranje </a:t>
-            </a:r>
-            <a:r>
-              <a:rPr lang="sr-Latn-RS" b="1" smtClean="0"/>
-              <a:t>electron-builder</a:t>
-            </a:r>
-          </a:p>
-          <a:p>
-            <a:pPr marL="457200" indent="-457200">
-              <a:buClr>
-                <a:schemeClr val="accent6"/>
-              </a:buClr>
-              <a:buAutoNum type="arabicPeriod"/>
-            </a:pPr>
-            <a:endParaRPr lang="sr-Latn-RS" smtClean="0"/>
-          </a:p>
-          <a:p>
-            <a:pPr marL="457200" indent="-457200">
-              <a:buClr>
-                <a:schemeClr val="accent6"/>
-              </a:buClr>
-              <a:buAutoNum type="arabicPeriod"/>
-            </a:pPr>
-            <a:endParaRPr lang="sr-Latn-RS"/>
-          </a:p>
-          <a:p>
-            <a:pPr marL="457200" indent="-457200">
-              <a:buClr>
-                <a:schemeClr val="accent6"/>
-              </a:buClr>
-              <a:buAutoNum type="arabicPeriod"/>
-            </a:pPr>
-            <a:endParaRPr lang="sr-Latn-RS"/>
-          </a:p>
-          <a:p>
-            <a:pPr marL="457200" indent="-457200">
-              <a:buClr>
-                <a:schemeClr val="accent6"/>
-              </a:buClr>
-              <a:buAutoNum type="arabicPeriod"/>
-            </a:pPr>
-            <a:r>
-              <a:rPr lang="sr-Latn-RS"/>
-              <a:t>Konfiguracina</a:t>
-            </a:r>
-            <a:r>
-              <a:rPr lang="sr-Latn-RS" b="1"/>
-              <a:t> package.json </a:t>
-            </a:r>
-            <a:r>
-              <a:rPr lang="sr-Latn-RS" smtClean="0"/>
-              <a:t>fajla</a:t>
-            </a:r>
-          </a:p>
-          <a:p>
-            <a:pPr marL="457200" indent="-457200">
-              <a:buClr>
-                <a:schemeClr val="accent6"/>
-              </a:buClr>
-              <a:buAutoNum type="arabicPeriod"/>
-            </a:pPr>
-            <a:endParaRPr lang="sr-Latn-RS"/>
-          </a:p>
-          <a:p>
-            <a:pPr marL="457200" indent="-457200">
-              <a:buClr>
-                <a:schemeClr val="accent6"/>
-              </a:buClr>
-              <a:buAutoNum type="arabicPeriod"/>
-            </a:pPr>
-            <a:endParaRPr lang="sr-Latn-RS" smtClean="0"/>
-          </a:p>
-          <a:p>
-            <a:pPr marL="457200" indent="-457200">
-              <a:buClr>
-                <a:schemeClr val="accent6"/>
-              </a:buClr>
-              <a:buAutoNum type="arabicPeriod"/>
-            </a:pPr>
-            <a:endParaRPr lang="sr-Latn-RS"/>
-          </a:p>
-          <a:p>
-            <a:pPr marL="457200" indent="-457200">
-              <a:buClr>
-                <a:schemeClr val="accent6"/>
-              </a:buClr>
-              <a:buAutoNum type="arabicPeriod"/>
-            </a:pPr>
-            <a:endParaRPr lang="sr-Latn-RS" smtClean="0"/>
-          </a:p>
-          <a:p>
-            <a:pPr marL="457200" indent="-457200">
-              <a:buClr>
-                <a:schemeClr val="accent6"/>
-              </a:buClr>
-              <a:buAutoNum type="arabicPeriod"/>
-            </a:pPr>
-            <a:endParaRPr lang="sr-Latn-RS"/>
-          </a:p>
-          <a:p>
-            <a:pPr marL="457200" indent="-457200">
-              <a:buClr>
-                <a:schemeClr val="accent6"/>
-              </a:buClr>
-              <a:buAutoNum type="arabicPeriod"/>
-            </a:pPr>
-            <a:endParaRPr lang="sr-Latn-RS"/>
-          </a:p>
-          <a:p>
-            <a:pPr marL="457200" indent="-457200">
-              <a:buClr>
-                <a:schemeClr val="accent6"/>
-              </a:buClr>
-              <a:buAutoNum type="arabicPeriod"/>
-            </a:pPr>
-            <a:r>
-              <a:rPr lang="sr-Latn-RS" smtClean="0"/>
-              <a:t>Dodavanje build konfiguracije u </a:t>
-            </a:r>
-            <a:r>
-              <a:rPr lang="sr-Latn-RS" b="1" smtClean="0"/>
-              <a:t>package.json</a:t>
-            </a:r>
-            <a:endParaRPr lang="sr-Latn-RS" b="1"/>
-          </a:p>
-          <a:p>
-            <a:endParaRPr lang="en-US"/>
-          </a:p>
-        </p:txBody>
-      </p:sp>
-    </p:spTree>
-    <p:extLst>
-      <p:ext uri="{BB962C8B-B14F-4D97-AF65-F5344CB8AC3E}">
-        <p14:creationId xmlns:p14="http://schemas.microsoft.com/office/powerpoint/2010/main" val="1331219626"/>
       </p:ext>
     </p:extLst>
   </p:cSld>
@@ -6531,6 +6428,327 @@
           <a:bodyPr/>
           <a:lstStyle/>
           <a:p>
+            <a:r>
+              <a:rPr lang="sr-Latn-RS" smtClean="0"/>
+              <a:t>Pakovanje aplikacije</a:t>
+            </a:r>
+            <a:endParaRPr lang="en-US"/>
+          </a:p>
+        </p:txBody>
+      </p:sp>
+      <p:pic>
+        <p:nvPicPr>
+          <p:cNvPr id="4" name="Picture 3"/>
+          <p:cNvPicPr>
+            <a:picLocks noChangeAspect="1"/>
+          </p:cNvPicPr>
+          <p:nvPr/>
+        </p:nvPicPr>
+        <p:blipFill>
+          <a:blip r:embed="rId2"/>
+          <a:stretch>
+            <a:fillRect/>
+          </a:stretch>
+        </p:blipFill>
+        <p:spPr>
+          <a:xfrm>
+            <a:off x="4396107" y="930210"/>
+            <a:ext cx="3848637" cy="533474"/>
+          </a:xfrm>
+          <a:prstGeom prst="rect">
+            <a:avLst/>
+          </a:prstGeom>
+        </p:spPr>
+      </p:pic>
+      <p:pic>
+        <p:nvPicPr>
+          <p:cNvPr id="5" name="Picture 4"/>
+          <p:cNvPicPr>
+            <a:picLocks noChangeAspect="1"/>
+          </p:cNvPicPr>
+          <p:nvPr/>
+        </p:nvPicPr>
+        <p:blipFill>
+          <a:blip r:embed="rId3"/>
+          <a:stretch>
+            <a:fillRect/>
+          </a:stretch>
+        </p:blipFill>
+        <p:spPr>
+          <a:xfrm>
+            <a:off x="4353810" y="2001596"/>
+            <a:ext cx="7169323" cy="1422832"/>
+          </a:xfrm>
+          <a:prstGeom prst="rect">
+            <a:avLst/>
+          </a:prstGeom>
+        </p:spPr>
+      </p:pic>
+      <p:pic>
+        <p:nvPicPr>
+          <p:cNvPr id="6" name="Picture 5"/>
+          <p:cNvPicPr>
+            <a:picLocks noChangeAspect="1"/>
+          </p:cNvPicPr>
+          <p:nvPr/>
+        </p:nvPicPr>
+        <p:blipFill>
+          <a:blip r:embed="rId4"/>
+          <a:stretch>
+            <a:fillRect/>
+          </a:stretch>
+        </p:blipFill>
+        <p:spPr>
+          <a:xfrm>
+            <a:off x="4431727" y="3798708"/>
+            <a:ext cx="2764940" cy="2942750"/>
+          </a:xfrm>
+          <a:prstGeom prst="rect">
+            <a:avLst/>
+          </a:prstGeom>
+        </p:spPr>
+      </p:pic>
+      <p:sp>
+        <p:nvSpPr>
+          <p:cNvPr id="7" name="TextBox 6"/>
+          <p:cNvSpPr txBox="1"/>
+          <p:nvPr/>
+        </p:nvSpPr>
+        <p:spPr>
+          <a:xfrm>
+            <a:off x="3853437" y="436116"/>
+            <a:ext cx="6010230" cy="3693319"/>
+          </a:xfrm>
+          <a:prstGeom prst="rect">
+            <a:avLst/>
+          </a:prstGeom>
+          <a:noFill/>
+        </p:spPr>
+        <p:txBody>
+          <a:bodyPr wrap="square" rtlCol="0">
+            <a:spAutoFit/>
+          </a:bodyPr>
+          <a:lstStyle/>
+          <a:p>
+            <a:pPr marL="457200" indent="-457200">
+              <a:buClr>
+                <a:schemeClr val="accent6"/>
+              </a:buClr>
+              <a:buAutoNum type="arabicPeriod"/>
+            </a:pPr>
+            <a:r>
+              <a:rPr lang="sr-Latn-RS"/>
+              <a:t>Instaliranje </a:t>
+            </a:r>
+            <a:r>
+              <a:rPr lang="sr-Latn-RS" b="1" smtClean="0"/>
+              <a:t>electron-builder</a:t>
+            </a:r>
+          </a:p>
+          <a:p>
+            <a:pPr marL="457200" indent="-457200">
+              <a:buClr>
+                <a:schemeClr val="accent6"/>
+              </a:buClr>
+              <a:buAutoNum type="arabicPeriod"/>
+            </a:pPr>
+            <a:endParaRPr lang="sr-Latn-RS" smtClean="0"/>
+          </a:p>
+          <a:p>
+            <a:pPr marL="457200" indent="-457200">
+              <a:buClr>
+                <a:schemeClr val="accent6"/>
+              </a:buClr>
+              <a:buAutoNum type="arabicPeriod"/>
+            </a:pPr>
+            <a:endParaRPr lang="sr-Latn-RS"/>
+          </a:p>
+          <a:p>
+            <a:pPr marL="457200" indent="-457200">
+              <a:buClr>
+                <a:schemeClr val="accent6"/>
+              </a:buClr>
+              <a:buAutoNum type="arabicPeriod"/>
+            </a:pPr>
+            <a:endParaRPr lang="sr-Latn-RS"/>
+          </a:p>
+          <a:p>
+            <a:pPr marL="457200" indent="-457200">
+              <a:buClr>
+                <a:schemeClr val="accent6"/>
+              </a:buClr>
+              <a:buAutoNum type="arabicPeriod"/>
+            </a:pPr>
+            <a:r>
+              <a:rPr lang="sr-Latn-RS"/>
+              <a:t>Konfiguracina</a:t>
+            </a:r>
+            <a:r>
+              <a:rPr lang="sr-Latn-RS" b="1"/>
+              <a:t> package.json </a:t>
+            </a:r>
+            <a:r>
+              <a:rPr lang="sr-Latn-RS" smtClean="0"/>
+              <a:t>fajla</a:t>
+            </a:r>
+          </a:p>
+          <a:p>
+            <a:pPr marL="457200" indent="-457200">
+              <a:buClr>
+                <a:schemeClr val="accent6"/>
+              </a:buClr>
+              <a:buAutoNum type="arabicPeriod"/>
+            </a:pPr>
+            <a:endParaRPr lang="sr-Latn-RS"/>
+          </a:p>
+          <a:p>
+            <a:pPr marL="457200" indent="-457200">
+              <a:buClr>
+                <a:schemeClr val="accent6"/>
+              </a:buClr>
+              <a:buAutoNum type="arabicPeriod"/>
+            </a:pPr>
+            <a:endParaRPr lang="sr-Latn-RS" smtClean="0"/>
+          </a:p>
+          <a:p>
+            <a:pPr marL="457200" indent="-457200">
+              <a:buClr>
+                <a:schemeClr val="accent6"/>
+              </a:buClr>
+              <a:buAutoNum type="arabicPeriod"/>
+            </a:pPr>
+            <a:endParaRPr lang="sr-Latn-RS"/>
+          </a:p>
+          <a:p>
+            <a:pPr marL="457200" indent="-457200">
+              <a:buClr>
+                <a:schemeClr val="accent6"/>
+              </a:buClr>
+              <a:buAutoNum type="arabicPeriod"/>
+            </a:pPr>
+            <a:endParaRPr lang="sr-Latn-RS" smtClean="0"/>
+          </a:p>
+          <a:p>
+            <a:pPr marL="457200" indent="-457200">
+              <a:buClr>
+                <a:schemeClr val="accent6"/>
+              </a:buClr>
+              <a:buAutoNum type="arabicPeriod"/>
+            </a:pPr>
+            <a:endParaRPr lang="sr-Latn-RS"/>
+          </a:p>
+          <a:p>
+            <a:pPr marL="457200" indent="-457200">
+              <a:buClr>
+                <a:schemeClr val="accent6"/>
+              </a:buClr>
+              <a:buAutoNum type="arabicPeriod"/>
+            </a:pPr>
+            <a:endParaRPr lang="sr-Latn-RS"/>
+          </a:p>
+          <a:p>
+            <a:pPr marL="457200" indent="-457200">
+              <a:buClr>
+                <a:schemeClr val="accent6"/>
+              </a:buClr>
+              <a:buAutoNum type="arabicPeriod"/>
+            </a:pPr>
+            <a:r>
+              <a:rPr lang="sr-Latn-RS" smtClean="0"/>
+              <a:t>Dodavanje build konfiguracije u </a:t>
+            </a:r>
+            <a:r>
+              <a:rPr lang="sr-Latn-RS" b="1" smtClean="0"/>
+              <a:t>package.json</a:t>
+            </a:r>
+            <a:endParaRPr lang="sr-Latn-RS" b="1"/>
+          </a:p>
+          <a:p>
+            <a:endParaRPr lang="en-US"/>
+          </a:p>
+        </p:txBody>
+      </p:sp>
+      <p:cxnSp>
+        <p:nvCxnSpPr>
+          <p:cNvPr id="8" name="Straight Arrow Connector 7"/>
+          <p:cNvCxnSpPr/>
+          <p:nvPr/>
+        </p:nvCxnSpPr>
+        <p:spPr>
+          <a:xfrm flipH="1">
+            <a:off x="6660775" y="2713012"/>
+            <a:ext cx="1084729" cy="462738"/>
+          </a:xfrm>
+          <a:prstGeom prst="straightConnector1">
+            <a:avLst/>
+          </a:prstGeom>
+          <a:ln w="38100">
+            <a:solidFill>
+              <a:srgbClr val="00B0F0"/>
+            </a:solidFill>
+            <a:tailEnd type="triangle"/>
+          </a:ln>
+        </p:spPr>
+        <p:style>
+          <a:lnRef idx="1">
+            <a:schemeClr val="accent1"/>
+          </a:lnRef>
+          <a:fillRef idx="0">
+            <a:schemeClr val="accent1"/>
+          </a:fillRef>
+          <a:effectRef idx="0">
+            <a:schemeClr val="accent1"/>
+          </a:effectRef>
+          <a:fontRef idx="minor">
+            <a:schemeClr val="tx1"/>
+          </a:fontRef>
+        </p:style>
+      </p:cxnSp>
+    </p:spTree>
+    <p:extLst>
+      <p:ext uri="{BB962C8B-B14F-4D97-AF65-F5344CB8AC3E}">
+        <p14:creationId xmlns:p14="http://schemas.microsoft.com/office/powerpoint/2010/main" val="1331219626"/>
+      </p:ext>
+    </p:extLst>
+  </p:cSld>
+  <p:clrMapOvr>
+    <a:masterClrMapping/>
+  </p:clrMapOvr>
+</p:sld>
+</file>
+
+<file path=ppt/slides/slide21.xml><?xml version="1.0" encoding="utf-8"?>
+<p:sld xmlns:a="http://schemas.openxmlformats.org/drawingml/2006/main" xmlns:r="http://schemas.openxmlformats.org/officeDocument/2006/relationships" xmlns:p="http://schemas.openxmlformats.org/presentationml/2006/main">
+  <p:cSld>
+    <p:spTree>
+      <p:nvGrpSpPr>
+        <p:cNvPr id="1" name=""/>
+        <p:cNvGrpSpPr/>
+        <p:nvPr/>
+      </p:nvGrpSpPr>
+      <p:grpSpPr>
+        <a:xfrm>
+          <a:off x="0" y="0"/>
+          <a:ext cx="0" cy="0"/>
+          <a:chOff x="0" y="0"/>
+          <a:chExt cx="0" cy="0"/>
+        </a:xfrm>
+      </p:grpSpPr>
+      <p:sp>
+        <p:nvSpPr>
+          <p:cNvPr id="2" name="Title 1"/>
+          <p:cNvSpPr>
+            <a:spLocks noGrp="1"/>
+          </p:cNvSpPr>
+          <p:nvPr>
+            <p:ph type="title"/>
+          </p:nvPr>
+        </p:nvSpPr>
+        <p:spPr/>
+        <p:txBody>
+          <a:bodyPr/>
+          <a:lstStyle/>
+          <a:p>
             <a:endParaRPr lang="en-US"/>
           </a:p>
         </p:txBody>
@@ -6589,8 +6807,8 @@
         </p:blipFill>
         <p:spPr>
           <a:xfrm>
-            <a:off x="4281293" y="1489031"/>
-            <a:ext cx="2057687" cy="628738"/>
+            <a:off x="4208261" y="1346228"/>
+            <a:ext cx="2968484" cy="907037"/>
           </a:xfrm>
           <a:prstGeom prst="rect">
             <a:avLst/>
@@ -6613,8 +6831,8 @@
         </p:blipFill>
         <p:spPr>
           <a:xfrm>
-            <a:off x="6127027" y="2535364"/>
-            <a:ext cx="2591162" cy="1867161"/>
+            <a:off x="7211778" y="2417803"/>
+            <a:ext cx="3084706" cy="2222803"/>
           </a:xfrm>
           <a:prstGeom prst="rect">
             <a:avLst/>
@@ -6637,8 +6855,8 @@
         </p:blipFill>
         <p:spPr>
           <a:xfrm>
-            <a:off x="4208261" y="2535364"/>
-            <a:ext cx="1776299" cy="3560636"/>
+            <a:off x="3894995" y="2290990"/>
+            <a:ext cx="2048605" cy="4106480"/>
           </a:xfrm>
           <a:prstGeom prst="rect">
             <a:avLst/>
@@ -6661,8 +6879,8 @@
         </p:blipFill>
         <p:spPr>
           <a:xfrm>
-            <a:off x="8458199" y="4788618"/>
-            <a:ext cx="3251519" cy="1307382"/>
+            <a:off x="7176745" y="4814018"/>
+            <a:ext cx="3711388" cy="1492288"/>
           </a:xfrm>
           <a:prstGeom prst="rect">
             <a:avLst/>
@@ -6677,8 +6895,8 @@
         </p:nvCxnSpPr>
         <p:spPr>
           <a:xfrm flipV="1">
-            <a:off x="4900706" y="2861733"/>
-            <a:ext cx="1305361" cy="25287"/>
+            <a:off x="5692503" y="3674533"/>
+            <a:ext cx="1758164" cy="76088"/>
           </a:xfrm>
           <a:prstGeom prst="straightConnector1">
             <a:avLst/>
@@ -6718,7 +6936,7 @@
 </p:sld>
 </file>
 
-<file path=ppt/slides/slide21.xml><?xml version="1.0" encoding="utf-8"?>
+<file path=ppt/slides/slide22.xml><?xml version="1.0" encoding="utf-8"?>
 <p:sld xmlns:a="http://schemas.openxmlformats.org/drawingml/2006/main" xmlns:r="http://schemas.openxmlformats.org/officeDocument/2006/relationships" xmlns:p="http://schemas.openxmlformats.org/presentationml/2006/main">
   <p:cSld>
     <p:spTree>
@@ -6838,7 +7056,7 @@
 </p:sld>
 </file>
 
-<file path=ppt/slides/slide22.xml><?xml version="1.0" encoding="utf-8"?>
+<file path=ppt/slides/slide23.xml><?xml version="1.0" encoding="utf-8"?>
 <p:sld xmlns:a="http://schemas.openxmlformats.org/drawingml/2006/main" xmlns:r="http://schemas.openxmlformats.org/officeDocument/2006/relationships" xmlns:p="http://schemas.openxmlformats.org/presentationml/2006/main">
   <p:cSld>
     <p:spTree>
@@ -7084,7 +7302,21 @@
           <a:p>
             <a:r>
               <a:rPr lang="en-US" smtClean="0"/>
-              <a:t>Cross-platform razvoj</a:t>
+              <a:t>Cross-platform </a:t>
+            </a:r>
+            <a:r>
+              <a:rPr lang="en-US" smtClean="0"/>
+              <a:t>razvoj</a:t>
+            </a:r>
+          </a:p>
+          <a:p>
+            <a:r>
+              <a:rPr lang="sr-Latn-RS"/>
+              <a:t>OpenJS </a:t>
+            </a:r>
+            <a:r>
+              <a:rPr lang="sr-Latn-RS" smtClean="0"/>
+              <a:t>fondacija</a:t>
             </a:r>
             <a:endParaRPr lang="sr-Latn-RS" smtClean="0"/>
           </a:p>
@@ -7119,13 +7351,11 @@
           <a:p>
             <a:r>
               <a:rPr lang="sr-Latn-RS" smtClean="0"/>
-              <a:t>OpenJS fondacija</a:t>
-            </a:r>
-          </a:p>
-          <a:p>
+              <a:t>Integracija </a:t>
+            </a:r>
             <a:r>
               <a:rPr lang="sr-Latn-RS" smtClean="0"/>
-              <a:t>Integracija Chromium-a i Node.js</a:t>
+              <a:t>Chromium-a i Node.js</a:t>
             </a:r>
           </a:p>
         </p:txBody>
@@ -7160,156 +7390,6 @@
           <a:chExt cx="0" cy="0"/>
         </a:xfrm>
       </p:grpSpPr>
-      <p:sp>
-        <p:nvSpPr>
-          <p:cNvPr id="2" name="Title 1"/>
-          <p:cNvSpPr>
-            <a:spLocks noGrp="1"/>
-          </p:cNvSpPr>
-          <p:nvPr>
-            <p:ph type="title"/>
-          </p:nvPr>
-        </p:nvSpPr>
-        <p:spPr/>
-        <p:txBody>
-          <a:bodyPr/>
-          <a:lstStyle/>
-          <a:p>
-            <a:r>
-              <a:rPr lang="sr-Latn-RS" smtClean="0"/>
-              <a:t>Ključne komponente</a:t>
-            </a:r>
-            <a:endParaRPr lang="en-US"/>
-          </a:p>
-        </p:txBody>
-      </p:sp>
-      <p:sp>
-        <p:nvSpPr>
-          <p:cNvPr id="3" name="Content Placeholder 2"/>
-          <p:cNvSpPr>
-            <a:spLocks noGrp="1"/>
-          </p:cNvSpPr>
-          <p:nvPr>
-            <p:ph idx="1"/>
-          </p:nvPr>
-        </p:nvSpPr>
-        <p:spPr/>
-        <p:txBody>
-          <a:bodyPr/>
-          <a:lstStyle/>
-          <a:p>
-            <a:r>
-              <a:rPr lang="en-US"/>
-              <a:t>Chromium: </a:t>
-            </a:r>
-            <a:endParaRPr lang="sr-Latn-RS" smtClean="0"/>
-          </a:p>
-          <a:p>
-            <a:pPr lvl="1"/>
-            <a:r>
-              <a:rPr lang="sr-Latn-RS" smtClean="0"/>
-              <a:t>web </a:t>
-            </a:r>
-            <a:r>
-              <a:rPr lang="sr-Latn-RS"/>
-              <a:t>pretraživač otvorenog koda koji koristi Google </a:t>
-            </a:r>
-            <a:r>
-              <a:rPr lang="sr-Latn-RS" smtClean="0"/>
-              <a:t>Chrome</a:t>
-            </a:r>
-          </a:p>
-          <a:p>
-            <a:pPr lvl="1"/>
-            <a:r>
-              <a:rPr lang="sr-Latn-RS" smtClean="0"/>
-              <a:t>prikaz </a:t>
-            </a:r>
-            <a:r>
-              <a:rPr lang="sr-Latn-RS"/>
-              <a:t>korisničkog interfejsa (UI) </a:t>
-            </a:r>
-            <a:r>
-              <a:rPr lang="sr-Latn-RS" smtClean="0"/>
-              <a:t>aplikacije</a:t>
-            </a:r>
-            <a:endParaRPr lang="en-US"/>
-          </a:p>
-          <a:p>
-            <a:r>
-              <a:rPr lang="en-US" smtClean="0"/>
-              <a:t> </a:t>
-            </a:r>
-            <a:r>
-              <a:rPr lang="en-US"/>
-              <a:t>Node.js: </a:t>
-            </a:r>
-            <a:endParaRPr lang="en-US" smtClean="0"/>
-          </a:p>
-          <a:p>
-            <a:pPr lvl="1"/>
-            <a:r>
-              <a:rPr lang="en-US" smtClean="0"/>
-              <a:t>JavaScript okru</a:t>
-            </a:r>
-            <a:r>
-              <a:rPr lang="sr-Latn-RS" smtClean="0"/>
-              <a:t>ž</a:t>
-            </a:r>
-            <a:r>
-              <a:rPr lang="en-US" smtClean="0"/>
-              <a:t>enje</a:t>
-            </a:r>
-            <a:endParaRPr lang="sr-Latn-RS" smtClean="0"/>
-          </a:p>
-          <a:p>
-            <a:pPr lvl="1"/>
-            <a:r>
-              <a:rPr lang="sr-Latn-RS"/>
-              <a:t>o</a:t>
-            </a:r>
-            <a:r>
-              <a:rPr lang="en-US" smtClean="0"/>
-              <a:t>mogućava </a:t>
-            </a:r>
-            <a:r>
-              <a:rPr lang="en-US"/>
-              <a:t>izvršavanje JavaScript-a van </a:t>
-            </a:r>
-            <a:r>
-              <a:rPr lang="sr-Latn-RS" smtClean="0"/>
-              <a:t>pretraživača</a:t>
-            </a:r>
-            <a:endParaRPr lang="sr-Latn-RS"/>
-          </a:p>
-          <a:p>
-            <a:pPr lvl="1"/>
-            <a:r>
-              <a:rPr lang="en-US" smtClean="0"/>
-              <a:t> pristupom </a:t>
-            </a:r>
-            <a:r>
-              <a:rPr lang="en-US"/>
-              <a:t>lokalnim sistemskim </a:t>
-            </a:r>
-            <a:r>
-              <a:rPr lang="en-US" smtClean="0"/>
-              <a:t>funkcijama</a:t>
-            </a:r>
-            <a:endParaRPr lang="sr-Latn-RS" smtClean="0"/>
-          </a:p>
-          <a:p>
-            <a:r>
-              <a:rPr lang="en-US" smtClean="0"/>
-              <a:t>Zajedno</a:t>
-            </a:r>
-            <a:r>
-              <a:rPr lang="en-US"/>
-              <a:t>, Chromium i Node.js omogućavaju razvoj desktop aplikacija sa web tehnologijama.</a:t>
-            </a:r>
-          </a:p>
-        </p:txBody>
-      </p:sp>
       <p:pic>
         <p:nvPicPr>
           <p:cNvPr id="4" name="Picture 3"/>
@@ -7332,7 +7412,7 @@
         </p:blipFill>
         <p:spPr>
           <a:xfrm>
-            <a:off x="3869268" y="703241"/>
+            <a:off x="3869268" y="314403"/>
             <a:ext cx="1101557" cy="1099410"/>
           </a:xfrm>
           <a:prstGeom prst="rect">
@@ -7343,6 +7423,29 @@
           </a:effectLst>
         </p:spPr>
       </p:pic>
+      <p:sp>
+        <p:nvSpPr>
+          <p:cNvPr id="2" name="Title 1"/>
+          <p:cNvSpPr>
+            <a:spLocks noGrp="1"/>
+          </p:cNvSpPr>
+          <p:nvPr>
+            <p:ph type="title"/>
+          </p:nvPr>
+        </p:nvSpPr>
+        <p:spPr/>
+        <p:txBody>
+          <a:bodyPr/>
+          <a:lstStyle/>
+          <a:p>
+            <a:r>
+              <a:rPr lang="sr-Latn-RS" smtClean="0"/>
+              <a:t>Ključne komponente</a:t>
+            </a:r>
+            <a:endParaRPr lang="en-US"/>
+          </a:p>
+        </p:txBody>
+      </p:sp>
       <p:pic>
         <p:nvPicPr>
           <p:cNvPr id="5" name="Picture 4"/>
@@ -7365,7 +7468,7 @@
         </p:blipFill>
         <p:spPr>
           <a:xfrm>
-            <a:off x="10176933" y="2575167"/>
+            <a:off x="10185400" y="3006967"/>
             <a:ext cx="1394392" cy="1394392"/>
           </a:xfrm>
           <a:prstGeom prst="rect">
@@ -7376,6 +7479,140 @@
           </a:effectLst>
         </p:spPr>
       </p:pic>
+      <p:sp>
+        <p:nvSpPr>
+          <p:cNvPr id="3" name="Content Placeholder 2"/>
+          <p:cNvSpPr>
+            <a:spLocks noGrp="1"/>
+          </p:cNvSpPr>
+          <p:nvPr>
+            <p:ph idx="1"/>
+          </p:nvPr>
+        </p:nvSpPr>
+        <p:spPr/>
+        <p:txBody>
+          <a:bodyPr/>
+          <a:lstStyle/>
+          <a:p>
+            <a:r>
+              <a:rPr lang="en-US"/>
+              <a:t>Chromium: </a:t>
+            </a:r>
+            <a:endParaRPr lang="sr-Latn-RS" smtClean="0"/>
+          </a:p>
+          <a:p>
+            <a:pPr lvl="1"/>
+            <a:r>
+              <a:rPr lang="sr-Latn-RS" smtClean="0"/>
+              <a:t>web </a:t>
+            </a:r>
+            <a:r>
+              <a:rPr lang="sr-Latn-RS"/>
+              <a:t>pretraživač otvorenog koda koji koristi Google </a:t>
+            </a:r>
+            <a:r>
+              <a:rPr lang="sr-Latn-RS" smtClean="0"/>
+              <a:t>Chrome</a:t>
+            </a:r>
+          </a:p>
+          <a:p>
+            <a:pPr lvl="1"/>
+            <a:r>
+              <a:rPr lang="sr-Latn-RS" smtClean="0"/>
+              <a:t>prikaz </a:t>
+            </a:r>
+            <a:r>
+              <a:rPr lang="sr-Latn-RS"/>
+              <a:t>korisničkog interfejsa (UI) </a:t>
+            </a:r>
+            <a:r>
+              <a:rPr lang="sr-Latn-RS" smtClean="0"/>
+              <a:t>aplikacije</a:t>
+            </a:r>
+            <a:endParaRPr lang="en-US" smtClean="0"/>
+          </a:p>
+          <a:p>
+            <a:pPr lvl="1"/>
+            <a:r>
+              <a:rPr lang="en-US"/>
+              <a:t>povezuje Chromium da bi obezbedio prozor pretraživača sa punim funkcijama za prikazivanje HTML-a, CSS-a i JavaScript-a</a:t>
+            </a:r>
+            <a:endParaRPr lang="en-US"/>
+          </a:p>
+          <a:p>
+            <a:r>
+              <a:rPr lang="en-US" smtClean="0"/>
+              <a:t> </a:t>
+            </a:r>
+            <a:r>
+              <a:rPr lang="en-US"/>
+              <a:t>Node.js: </a:t>
+            </a:r>
+            <a:endParaRPr lang="en-US" smtClean="0"/>
+          </a:p>
+          <a:p>
+            <a:pPr lvl="1"/>
+            <a:r>
+              <a:rPr lang="en-US" smtClean="0"/>
+              <a:t>JavaScript okru</a:t>
+            </a:r>
+            <a:r>
+              <a:rPr lang="sr-Latn-RS" smtClean="0"/>
+              <a:t>ž</a:t>
+            </a:r>
+            <a:r>
+              <a:rPr lang="en-US" smtClean="0"/>
+              <a:t>enje</a:t>
+            </a:r>
+            <a:endParaRPr lang="sr-Latn-RS" smtClean="0"/>
+          </a:p>
+          <a:p>
+            <a:pPr lvl="1"/>
+            <a:r>
+              <a:rPr lang="sr-Latn-RS"/>
+              <a:t>o</a:t>
+            </a:r>
+            <a:r>
+              <a:rPr lang="en-US" smtClean="0"/>
+              <a:t>mogućava </a:t>
+            </a:r>
+            <a:r>
+              <a:rPr lang="en-US"/>
+              <a:t>izvršavanje JavaScript-a </a:t>
+            </a:r>
+            <a:r>
+              <a:rPr lang="en-US" smtClean="0"/>
+              <a:t>na strain servera</a:t>
+            </a:r>
+          </a:p>
+          <a:p>
+            <a:pPr lvl="1"/>
+            <a:r>
+              <a:rPr lang="en-US" smtClean="0"/>
+              <a:t>pristupom </a:t>
+            </a:r>
+            <a:r>
+              <a:rPr lang="en-US"/>
+              <a:t>lokalnim sistemskim </a:t>
+            </a:r>
+            <a:r>
+              <a:rPr lang="en-US" smtClean="0"/>
+              <a:t>funkcijama</a:t>
+            </a:r>
+            <a:endParaRPr lang="sr-Latn-RS" smtClean="0"/>
+          </a:p>
+          <a:p>
+            <a:r>
+              <a:rPr lang="en-US" smtClean="0"/>
+              <a:t>Zajedno</a:t>
+            </a:r>
+            <a:r>
+              <a:rPr lang="en-US"/>
+              <a:t>, Chromium i Node.js omogućavaju razvoj desktop aplikacija sa web tehnologijama.</a:t>
+            </a:r>
+          </a:p>
+        </p:txBody>
+      </p:sp>
     </p:spTree>
     <p:extLst>
       <p:ext uri="{BB962C8B-B14F-4D97-AF65-F5344CB8AC3E}">
@@ -7446,9 +7683,13 @@
           <a:p>
             <a:r>
               <a:rPr lang="sr-Latn-RS" smtClean="0"/>
-              <a:t>Više-procesni model</a:t>
-            </a:r>
-            <a:endParaRPr lang="sr-Latn-RS"/>
+              <a:t>Više-procesni </a:t>
+            </a:r>
+            <a:r>
+              <a:rPr lang="sr-Latn-RS" smtClean="0"/>
+              <a:t>model</a:t>
+            </a:r>
+            <a:endParaRPr lang="en-US" smtClean="0"/>
           </a:p>
           <a:p>
             <a:pPr lvl="1"/>
@@ -7480,20 +7721,54 @@
             </a:r>
             <a:r>
               <a:rPr lang="sr-Latn-RS" smtClean="0"/>
-              <a:t>fikasnost u razvoju aplikacija</a:t>
-            </a:r>
+              <a:t>fikasnost u razvoju </a:t>
+            </a:r>
+            <a:r>
+              <a:rPr lang="sr-Latn-RS" smtClean="0"/>
+              <a:t>aplikacija</a:t>
+            </a:r>
+            <a:endParaRPr lang="en-US" smtClean="0"/>
           </a:p>
           <a:p>
             <a:pPr lvl="1"/>
             <a:r>
+              <a:rPr lang="en-US" smtClean="0"/>
+              <a:t>poti</a:t>
+            </a:r>
+            <a:r>
               <a:rPr lang="sr-Latn-RS" smtClean="0"/>
-              <a:t>Sličan kao u Chromium-u</a:t>
-            </a:r>
-          </a:p>
-          <a:p>
+              <a:t>č</a:t>
+            </a:r>
+            <a:r>
+              <a:rPr lang="en-US" smtClean="0"/>
+              <a:t>e</a:t>
+            </a:r>
             <a:r>
               <a:rPr lang="sr-Latn-RS" smtClean="0"/>
-              <a:t>Glavni proces (Main Process)</a:t>
+              <a:t> </a:t>
+            </a:r>
+            <a:r>
+              <a:rPr lang="en-US" smtClean="0"/>
+              <a:t>iz</a:t>
+            </a:r>
+            <a:r>
+              <a:rPr lang="sr-Latn-RS" smtClean="0"/>
+              <a:t> Chromium-</a:t>
+            </a:r>
+            <a:r>
+              <a:rPr lang="en-US"/>
+              <a:t>a</a:t>
+            </a:r>
+            <a:endParaRPr lang="sr-Latn-RS" smtClean="0"/>
+          </a:p>
+          <a:p>
+            <a:r>
+              <a:rPr lang="sr-Latn-RS" smtClean="0"/>
+              <a:t>Glavni </a:t>
+            </a:r>
+            <a:r>
+              <a:rPr lang="sr-Latn-RS" smtClean="0"/>
+              <a:t>proces (Main Process)</a:t>
             </a:r>
           </a:p>
           <a:p>
@@ -7527,8 +7802,38 @@
         </p:blipFill>
         <p:spPr>
           <a:xfrm>
-            <a:off x="7704061" y="1400508"/>
-            <a:ext cx="3776741" cy="4324512"/>
+            <a:off x="8640232" y="3078682"/>
+            <a:ext cx="2802469" cy="3208934"/>
+          </a:xfrm>
+          <a:prstGeom prst="rect">
+            <a:avLst/>
+          </a:prstGeom>
+        </p:spPr>
+      </p:pic>
+      <p:pic>
+        <p:nvPicPr>
+          <p:cNvPr id="5" name="Picture 4"/>
+          <p:cNvPicPr>
+            <a:picLocks noChangeAspect="1"/>
+          </p:cNvPicPr>
+          <p:nvPr/>
+        </p:nvPicPr>
+        <p:blipFill>
+          <a:blip r:embed="rId4">
+            <a:extLst>
+              <a:ext uri="{28A0092B-C50C-407E-A947-70E740481C1C}">
+                <a14:useLocalDpi xmlns:a14="http://schemas.microsoft.com/office/drawing/2010/main" val="0"/>
+              </a:ext>
+            </a:extLst>
+          </a:blip>
+          <a:stretch>
+            <a:fillRect/>
+          </a:stretch>
+        </p:blipFill>
+        <p:spPr>
+          <a:xfrm>
+            <a:off x="7205133" y="1123837"/>
+            <a:ext cx="4495802" cy="1046240"/>
           </a:xfrm>
           <a:prstGeom prst="rect">
             <a:avLst/>
@@ -7623,8 +7928,13 @@
             </a:r>
             <a:r>
               <a:rPr lang="en-US" sz="1800"/>
-              <a:t>Pokreće Node.js Okruženje</a:t>
-            </a:r>
+              <a:t>Pokreće Node.js </a:t>
+            </a:r>
+            <a:r>
+              <a:rPr lang="en-US" sz="1800" smtClean="0"/>
+              <a:t>okruženje</a:t>
+            </a:r>
+            <a:endParaRPr lang="en-US" sz="1800"/>
           </a:p>
           <a:p>
             <a:pPr lvl="1"/>
@@ -7634,8 +7944,13 @@
             </a:r>
             <a:r>
               <a:rPr lang="en-US" sz="1600"/>
-              <a:t>Node.js za pristup lokalnim resursima (fajl sistem, mrežni zahtevi, baze podataka).</a:t>
-            </a:r>
+              <a:t>Node.js za pristup lokalnim resursima (fajl sistem, mrežni zahtevi, baze podataka</a:t>
+            </a:r>
+            <a:r>
+              <a:rPr lang="en-US" sz="1600" smtClean="0"/>
+              <a:t>)</a:t>
+            </a:r>
+            <a:endParaRPr lang="en-US" sz="1600"/>
           </a:p>
           <a:p>
             <a:pPr lvl="1"/>
@@ -7649,8 +7964,20 @@
             </a:r>
             <a:r>
               <a:rPr lang="en-US" sz="1600"/>
-              <a:t>operacije koje nisu dozvoljene u renderer procesu, kao što su otvaranje fajlova i rad sa eksternim programima.</a:t>
-            </a:r>
+              <a:t>operacije koje nisu dozvoljene u renderer procesu, kao što su otvaranje fajlova i rad sa eksternim </a:t>
+            </a:r>
+            <a:r>
+              <a:rPr lang="en-US" sz="1600" smtClean="0"/>
+              <a:t>programima</a:t>
+            </a:r>
+          </a:p>
+          <a:p>
+            <a:pPr lvl="1"/>
+            <a:r>
+              <a:rPr lang="en-US" sz="1600" smtClean="0"/>
+              <a:t>npm paketi</a:t>
+            </a:r>
+            <a:endParaRPr lang="en-US" sz="1600"/>
           </a:p>
           <a:p>
             <a:pPr marL="0" indent="0">
@@ -7666,8 +7993,13 @@
             </a:r>
             <a:r>
               <a:rPr lang="en-US" sz="1800"/>
-              <a:t>Kreira i Upravljanje Prozorsima</a:t>
-            </a:r>
+              <a:t>Kreira i </a:t>
+            </a:r>
+            <a:r>
+              <a:rPr lang="en-US" sz="1800" smtClean="0"/>
+              <a:t>upravlja prozorima</a:t>
+            </a:r>
+            <a:endParaRPr lang="en-US" sz="1800"/>
           </a:p>
           <a:p>
             <a:pPr lvl="1"/>
@@ -7677,8 +8009,13 @@
             </a:r>
             <a:r>
               <a:rPr lang="en-US" sz="1600"/>
-              <a:t> objekat koristi se za kreiranje prozora. Glavni proces kontroliše veličinu, poziciju, ponašanje prozora.</a:t>
-            </a:r>
+              <a:t> objekat koristi se za kreiranje prozora. Glavni proces kontroliše veličinu, poziciju, ponašanje </a:t>
+            </a:r>
+            <a:r>
+              <a:rPr lang="en-US" sz="1600" smtClean="0"/>
+              <a:t>prozora</a:t>
+            </a:r>
+            <a:endParaRPr lang="en-US" sz="1600"/>
           </a:p>
           <a:p>
             <a:pPr lvl="1"/>
@@ -7696,7 +8033,7 @@
             </a:r>
             <a:r>
               <a:rPr lang="en-US" sz="1600" smtClean="0"/>
-              <a:t>).</a:t>
+              <a:t>)</a:t>
             </a:r>
             <a:endParaRPr lang="sr-Latn-RS" sz="1600" smtClean="0"/>
           </a:p>
@@ -7714,29 +8051,65 @@
             </a:r>
             <a:r>
               <a:rPr lang="en-US" sz="1800"/>
-              <a:t>Kontroliše Životni Ciklus Aplikacije</a:t>
-            </a:r>
+              <a:t>Kontroliše </a:t>
+            </a:r>
+            <a:r>
+              <a:rPr lang="en-US" sz="1800" smtClean="0"/>
+              <a:t>životni </a:t>
+            </a:r>
+            <a:r>
+              <a:rPr lang="en-US" sz="1800"/>
+              <a:t>c</a:t>
+            </a:r>
+            <a:r>
+              <a:rPr lang="en-US" sz="1800" smtClean="0"/>
+              <a:t>iklus </a:t>
+            </a:r>
+            <a:r>
+              <a:rPr lang="en-US" sz="1800"/>
+              <a:t>a</a:t>
+            </a:r>
+            <a:r>
+              <a:rPr lang="en-US" sz="1800" smtClean="0"/>
+              <a:t>plikacije</a:t>
+            </a:r>
+            <a:endParaRPr lang="en-US" sz="1800"/>
           </a:p>
           <a:p>
             <a:pPr lvl="1"/>
             <a:r>
               <a:rPr lang="en-US" sz="1600"/>
-              <a:t>Pokretanje aplikacije: Glavni proces se aktivira i kreira početne prozore.</a:t>
-            </a:r>
+              <a:t>Pokretanje aplikacije: Glavni proces se aktivira i kreira početne </a:t>
+            </a:r>
+            <a:r>
+              <a:rPr lang="en-US" sz="1600" smtClean="0"/>
+              <a:t>prozore</a:t>
+            </a:r>
+            <a:endParaRPr lang="en-US" sz="1600"/>
           </a:p>
           <a:p>
             <a:pPr lvl="1"/>
             <a:r>
               <a:rPr lang="en-US" sz="1600"/>
-              <a:t>Zatvaranje aplikacije: Glavni proces prati zatvaranje prozora i izlazi iz aplikacije kada svi prozori budu zatvoreni.</a:t>
-            </a:r>
+              <a:t>Zatvaranje aplikacije: Glavni proces prati zatvaranje prozora i izlazi iz aplikacije kada svi prozori budu </a:t>
+            </a:r>
+            <a:r>
+              <a:rPr lang="en-US" sz="1600" smtClean="0"/>
+              <a:t>zatvoreni</a:t>
+            </a:r>
+            <a:endParaRPr lang="en-US" sz="1600"/>
           </a:p>
           <a:p>
             <a:pPr lvl="2"/>
             <a:r>
               <a:rPr lang="en-US" sz="1400"/>
-              <a:t>Na macOS-u, aplikacija ostaje aktivna čak i kada su svi prozori zatvoreni.</a:t>
-            </a:r>
+              <a:t>Na macOS-u, aplikacija ostaje aktivna čak i kada su svi prozori </a:t>
+            </a:r>
+            <a:r>
+              <a:rPr lang="en-US" sz="1400" smtClean="0"/>
+              <a:t>zatvoreni</a:t>
+            </a:r>
+            <a:endParaRPr lang="en-US" sz="1400"/>
           </a:p>
           <a:p>
             <a:pPr marL="502920" lvl="1" indent="0">
@@ -7811,7 +8184,7 @@
       </p:sp>
       <p:pic>
         <p:nvPicPr>
-          <p:cNvPr id="6" name="Picture 5"/>
+          <p:cNvPr id="3" name="Picture 2"/>
           <p:cNvPicPr>
             <a:picLocks noChangeAspect="1"/>
           </p:cNvPicPr>
@@ -7825,8 +8198,8 @@
         </p:blipFill>
         <p:spPr>
           <a:xfrm>
-            <a:off x="4904582" y="703942"/>
-            <a:ext cx="5098347" cy="5578191"/>
+            <a:off x="4461932" y="248143"/>
+            <a:ext cx="5532401" cy="6352569"/>
           </a:xfrm>
           <a:prstGeom prst="rect">
             <a:avLst/>
@@ -7918,11 +8291,19 @@
             </a:r>
             <a:r>
               <a:rPr lang="en-US"/>
-              <a:t>Web </a:t>
-            </a:r>
-            <a:r>
-              <a:rPr lang="en-US" smtClean="0"/>
-              <a:t>Sadržaja</a:t>
+              <a:t>w</a:t>
+            </a:r>
+            <a:r>
+              <a:rPr lang="en-US" smtClean="0"/>
+              <a:t>eb </a:t>
+            </a:r>
+            <a:r>
+              <a:rPr lang="en-US"/>
+              <a:t>s</a:t>
+            </a:r>
+            <a:r>
+              <a:rPr lang="en-US" smtClean="0"/>
+              <a:t>adržaja</a:t>
             </a:r>
             <a:endParaRPr lang="sr-Latn-RS" smtClean="0"/>
           </a:p>
@@ -7930,31 +8311,51 @@
             <a:pPr lvl="1"/>
             <a:r>
               <a:rPr lang="en-US" smtClean="0"/>
-              <a:t>Renderer </a:t>
+              <a:t>koristi </a:t>
             </a:r>
             <a:r>
               <a:rPr lang="en-US"/>
-              <a:t>proces koristi Chromium engine za prikazivanje HTML, CSS i JavaScript sadržaja</a:t>
-            </a:r>
-            <a:r>
-              <a:rPr lang="en-US" smtClean="0"/>
-              <a:t>.</a:t>
+              <a:t>Chromium engine za prikazivanje HTML, CSS i JavaScript </a:t>
+            </a:r>
+            <a:r>
+              <a:rPr lang="en-US" smtClean="0"/>
+              <a:t>sadržaja</a:t>
             </a:r>
             <a:endParaRPr lang="sr-Latn-RS" smtClean="0"/>
           </a:p>
           <a:p>
             <a:pPr lvl="1"/>
             <a:r>
-              <a:rPr lang="en-US" smtClean="0"/>
-              <a:t>Izolovan </a:t>
-            </a:r>
-            <a:r>
               <a:rPr lang="en-US"/>
-              <a:t>je od sistema i ne može direktno koristiti Node.js API, komunicira sa glavnim procesom preko IPC</a:t>
-            </a:r>
-            <a:r>
-              <a:rPr lang="en-US" smtClean="0"/>
-              <a:t>.</a:t>
+              <a:t>i</a:t>
+            </a:r>
+            <a:r>
+              <a:rPr lang="en-US" smtClean="0"/>
+              <a:t>zolovan </a:t>
+            </a:r>
+            <a:r>
+              <a:rPr lang="en-US"/>
+              <a:t>je od sistema i ne može direktno koristiti Node.js API, komunicira sa glavnim procesom preko </a:t>
+            </a:r>
+            <a:r>
+              <a:rPr lang="en-US" smtClean="0"/>
+              <a:t>IPC (</a:t>
+            </a:r>
+            <a:r>
+              <a:rPr lang="en-US" smtClean="0"/>
+              <a:t>da </a:t>
+            </a:r>
+            <a:r>
+              <a:rPr lang="en-US"/>
+              <a:t>otvori fajl, da pošalje korisničke podatke, ili da pokrene neku sistemsku funkciju koja nije dozvoljena unutar renderer procesa</a:t>
+            </a:r>
+            <a:r>
+              <a:rPr lang="en-US" smtClean="0"/>
+              <a:t>) </a:t>
+            </a:r>
+            <a:r>
+              <a:rPr lang="en-US" smtClean="0"/>
+              <a:t>ili preload skripti</a:t>
             </a:r>
             <a:endParaRPr lang="sr-Latn-RS" smtClean="0"/>
           </a:p>
@@ -7966,8 +8367,13 @@
             </a:r>
             <a:r>
               <a:rPr lang="en-US"/>
-              <a:t>Isolation: Sprečava direktnu manipulaciju globalnim varijablama i štiti od napada (npr. XSS).</a:t>
-            </a:r>
+              <a:t>Isolation: Sprečava direktnu manipulaciju globalnim varijablama i štiti od napada (npr. XSS</a:t>
+            </a:r>
+            <a:r>
+              <a:rPr lang="en-US" smtClean="0"/>
+              <a:t>)</a:t>
+            </a:r>
+            <a:endParaRPr lang="en-US"/>
           </a:p>
         </p:txBody>
       </p:sp>
@@ -8042,7 +8448,7 @@
         </p:spPr>
         <p:txBody>
           <a:bodyPr>
-            <a:normAutofit fontScale="77500" lnSpcReduction="20000"/>
+            <a:normAutofit fontScale="85000" lnSpcReduction="10000"/>
           </a:bodyPr>
           <a:lstStyle/>
           <a:p>
@@ -8059,27 +8465,50 @@
             </a:r>
             <a:r>
               <a:rPr lang="en-US"/>
-              <a:t>Preload Skripte i Sigurnost</a:t>
+              <a:t>Preload </a:t>
+            </a:r>
+            <a:r>
+              <a:rPr lang="en-US" smtClean="0"/>
+              <a:t>skripte </a:t>
+            </a:r>
+            <a:r>
+              <a:rPr lang="en-US"/>
+              <a:t>i </a:t>
+            </a:r>
+            <a:r>
+              <a:rPr lang="en-US" smtClean="0"/>
+              <a:t>sigurnost</a:t>
             </a:r>
             <a:endParaRPr lang="sr-Latn-RS"/>
           </a:p>
           <a:p>
             <a:pPr lvl="1"/>
             <a:r>
+              <a:rPr lang="en-US" smtClean="0"/>
+              <a:t>omogućavaju </a:t>
+            </a:r>
+            <a:r>
               <a:rPr lang="en-US"/>
-              <a:t>Preload skripte omogućavaju renderer procesu siguran pristup Node.js funkcijama koristeći contextBridge.</a:t>
+              <a:t>renderer procesu siguran pristup Node.js funkcijama koristeći </a:t>
+            </a:r>
+            <a:r>
+              <a:rPr lang="en-US" smtClean="0"/>
+              <a:t>contextBridge</a:t>
+            </a:r>
+          </a:p>
+          <a:p>
+            <a:pPr lvl="1"/>
+            <a:r>
+              <a:rPr lang="en-US" smtClean="0"/>
+              <a:t>pokre</a:t>
             </a:r>
             <a:r>
               <a:rPr lang="sr-Latn-RS"/>
-              <a:t> </a:t>
-            </a:r>
-            <a:r>
-              <a:rPr lang="en-US"/>
-              <a:t>Preload skripta pokre</a:t>
-            </a:r>
-            <a:r>
-              <a:rPr lang="sr-Latn-RS"/>
-              <a:t>će se pre nego što se web sadržaj učita u renderer procesu. </a:t>
+              <a:t>će se pre nego što se web sadržaj učita u renderer </a:t>
+            </a:r>
+            <a:r>
+              <a:rPr lang="sr-Latn-RS" smtClean="0"/>
+              <a:t>procesu</a:t>
             </a:r>
             <a:endParaRPr lang="sr-Latn-RS">
               <a:solidFill>
@@ -8107,8 +8536,17 @@
             </a:r>
             <a:r>
               <a:rPr lang="sr-Latn-RS" sz="2000"/>
-              <a:t>Sigurnost i Izolacija</a:t>
-            </a:r>
+              <a:t>Sigurnost i </a:t>
+            </a:r>
+            <a:r>
+              <a:rPr lang="en-US" sz="2000" smtClean="0"/>
+              <a:t>i</a:t>
+            </a:r>
+            <a:r>
+              <a:rPr lang="sr-Latn-RS" sz="2000" smtClean="0"/>
+              <a:t>zolacija</a:t>
+            </a:r>
+            <a:endParaRPr lang="sr-Latn-RS" sz="2000"/>
           </a:p>
           <a:p>
             <a:pPr marL="742950" lvl="2" indent="-285750">
@@ -8121,8 +8559,13 @@
             </a:pPr>
             <a:r>
               <a:rPr lang="sr-Latn-RS" sz="1800"/>
-              <a:t>Kontekstna izolacija sprečava direktan pristup sistemu.</a:t>
-            </a:r>
+              <a:t>Kontekstna izolacija sprečava direktan pristup </a:t>
+            </a:r>
+            <a:r>
+              <a:rPr lang="sr-Latn-RS" sz="1800" smtClean="0"/>
+              <a:t>sistemu</a:t>
+            </a:r>
+            <a:endParaRPr lang="sr-Latn-RS" sz="1800"/>
           </a:p>
           <a:p>
             <a:pPr marL="742950" lvl="2" indent="-285750">
@@ -8135,13 +8578,12 @@
             </a:pPr>
             <a:r>
               <a:rPr lang="sr-Latn-RS" sz="1800"/>
-              <a:t>Preporučuje se isključivanje nodeIntegration za veću sigurnost.javascriptCopy code</a:t>
-            </a:r>
-          </a:p>
-          <a:p>
-            <a:pPr marL="0" indent="0">
-              <a:buNone/>
-            </a:pPr>
+              <a:t>Preporučuje se isključivanje nodeIntegration za veću </a:t>
+            </a:r>
+            <a:r>
+              <a:rPr lang="sr-Latn-RS" sz="1800" smtClean="0"/>
+              <a:t>sigurnost</a:t>
+            </a:r>
             <a:endParaRPr lang="sr-Latn-RS" smtClean="0">
               <a:solidFill>
                 <a:srgbClr val="00B0F0"/>
@@ -8166,8 +8608,13 @@
             </a:r>
             <a:r>
               <a:rPr lang="en-US" sz="2100"/>
-              <a:t>Ciklus</a:t>
-            </a:r>
+              <a:t>c</a:t>
+            </a:r>
+            <a:r>
+              <a:rPr lang="en-US" sz="2100" smtClean="0"/>
+              <a:t>iklus</a:t>
+            </a:r>
+            <a:endParaRPr lang="en-US" sz="2100"/>
           </a:p>
           <a:p>
             <a:pPr lvl="1"/>
@@ -8209,54 +8656,6 @@
           </a:p>
         </p:txBody>
       </p:sp>
-      <p:pic>
-        <p:nvPicPr>
-          <p:cNvPr id="4" name="Picture 3"/>
-          <p:cNvPicPr>
-            <a:picLocks noChangeAspect="1"/>
-          </p:cNvPicPr>
-          <p:nvPr/>
-        </p:nvPicPr>
-        <p:blipFill>
-          <a:blip r:embed="rId2"/>
-          <a:stretch>
-            <a:fillRect/>
-          </a:stretch>
-        </p:blipFill>
-        <p:spPr>
-          <a:xfrm>
-            <a:off x="3498180" y="4095638"/>
-            <a:ext cx="3718207" cy="1965137"/>
-          </a:xfrm>
-          <a:prstGeom prst="rect">
-            <a:avLst/>
-          </a:prstGeom>
-        </p:spPr>
-      </p:pic>
-      <p:pic>
-        <p:nvPicPr>
-          <p:cNvPr id="5" name="Picture 4"/>
-          <p:cNvPicPr>
-            <a:picLocks noChangeAspect="1"/>
-          </p:cNvPicPr>
-          <p:nvPr/>
-        </p:nvPicPr>
-        <p:blipFill>
-          <a:blip r:embed="rId3"/>
-          <a:stretch>
-            <a:fillRect/>
-          </a:stretch>
-        </p:blipFill>
-        <p:spPr>
-          <a:xfrm>
-            <a:off x="7216387" y="5069238"/>
-            <a:ext cx="4431314" cy="991537"/>
-          </a:xfrm>
-          <a:prstGeom prst="rect">
-            <a:avLst/>
-          </a:prstGeom>
-        </p:spPr>
-      </p:pic>
     </p:spTree>
     <p:extLst>
       <p:ext uri="{BB962C8B-B14F-4D97-AF65-F5344CB8AC3E}">

--- a/Electron.pptx
+++ b/Electron.pptx
@@ -219,7 +219,7 @@
           <a:p>
             <a:fld id="{4DFE1E0F-527B-46D2-A85B-AFD01049E65E}" type="datetimeFigureOut">
               <a:rPr lang="en-US" smtClean="0"/>
-              <a:t>12/5/2024</a:t>
+              <a:t>12/7/2024</a:t>
             </a:fld>
             <a:endParaRPr lang="en-US"/>
           </a:p>
@@ -1013,7 +1013,7 @@
           <a:p>
             <a:fld id="{0D8770DD-670C-4CD8-B15B-2899C8AD4439}" type="datetimeFigureOut">
               <a:rPr lang="en-US" smtClean="0"/>
-              <a:t>12/5/2024</a:t>
+              <a:t>12/7/2024</a:t>
             </a:fld>
             <a:endParaRPr lang="en-US"/>
           </a:p>
@@ -1183,7 +1183,7 @@
           <a:p>
             <a:fld id="{0D8770DD-670C-4CD8-B15B-2899C8AD4439}" type="datetimeFigureOut">
               <a:rPr lang="en-US" smtClean="0"/>
-              <a:t>12/5/2024</a:t>
+              <a:t>12/7/2024</a:t>
             </a:fld>
             <a:endParaRPr lang="en-US"/>
           </a:p>
@@ -1363,7 +1363,7 @@
           <a:p>
             <a:fld id="{0D8770DD-670C-4CD8-B15B-2899C8AD4439}" type="datetimeFigureOut">
               <a:rPr lang="en-US" smtClean="0"/>
-              <a:t>12/5/2024</a:t>
+              <a:t>12/7/2024</a:t>
             </a:fld>
             <a:endParaRPr lang="en-US"/>
           </a:p>
@@ -1533,7 +1533,7 @@
           <a:p>
             <a:fld id="{0D8770DD-670C-4CD8-B15B-2899C8AD4439}" type="datetimeFigureOut">
               <a:rPr lang="en-US" smtClean="0"/>
-              <a:t>12/5/2024</a:t>
+              <a:t>12/7/2024</a:t>
             </a:fld>
             <a:endParaRPr lang="en-US"/>
           </a:p>
@@ -1791,7 +1791,7 @@
           <a:p>
             <a:fld id="{0D8770DD-670C-4CD8-B15B-2899C8AD4439}" type="datetimeFigureOut">
               <a:rPr lang="en-US" smtClean="0"/>
-              <a:t>12/5/2024</a:t>
+              <a:t>12/7/2024</a:t>
             </a:fld>
             <a:endParaRPr lang="en-US"/>
           </a:p>
@@ -2079,7 +2079,7 @@
           <a:p>
             <a:fld id="{0D8770DD-670C-4CD8-B15B-2899C8AD4439}" type="datetimeFigureOut">
               <a:rPr lang="en-US" smtClean="0"/>
-              <a:t>12/5/2024</a:t>
+              <a:t>12/7/2024</a:t>
             </a:fld>
             <a:endParaRPr lang="en-US"/>
           </a:p>
@@ -2521,7 +2521,7 @@
           <a:p>
             <a:fld id="{0D8770DD-670C-4CD8-B15B-2899C8AD4439}" type="datetimeFigureOut">
               <a:rPr lang="en-US" smtClean="0"/>
-              <a:t>12/5/2024</a:t>
+              <a:t>12/7/2024</a:t>
             </a:fld>
             <a:endParaRPr lang="en-US"/>
           </a:p>
@@ -2639,7 +2639,7 @@
           <a:p>
             <a:fld id="{0D8770DD-670C-4CD8-B15B-2899C8AD4439}" type="datetimeFigureOut">
               <a:rPr lang="en-US" smtClean="0"/>
-              <a:t>12/5/2024</a:t>
+              <a:t>12/7/2024</a:t>
             </a:fld>
             <a:endParaRPr lang="en-US"/>
           </a:p>
@@ -2734,7 +2734,7 @@
           <a:p>
             <a:fld id="{0D8770DD-670C-4CD8-B15B-2899C8AD4439}" type="datetimeFigureOut">
               <a:rPr lang="en-US" smtClean="0"/>
-              <a:t>12/5/2024</a:t>
+              <a:t>12/7/2024</a:t>
             </a:fld>
             <a:endParaRPr lang="en-US"/>
           </a:p>
@@ -3022,7 +3022,7 @@
           <a:p>
             <a:fld id="{0D8770DD-670C-4CD8-B15B-2899C8AD4439}" type="datetimeFigureOut">
               <a:rPr lang="en-US" smtClean="0"/>
-              <a:t>12/5/2024</a:t>
+              <a:t>12/7/2024</a:t>
             </a:fld>
             <a:endParaRPr lang="en-US"/>
           </a:p>
@@ -3296,7 +3296,7 @@
           <a:p>
             <a:fld id="{0D8770DD-670C-4CD8-B15B-2899C8AD4439}" type="datetimeFigureOut">
               <a:rPr lang="en-US" smtClean="0"/>
-              <a:t>12/5/2024</a:t>
+              <a:t>12/7/2024</a:t>
             </a:fld>
             <a:endParaRPr lang="en-US"/>
           </a:p>
@@ -3595,7 +3595,7 @@
           <a:p>
             <a:fld id="{0D8770DD-670C-4CD8-B15B-2899C8AD4439}" type="datetimeFigureOut">
               <a:rPr lang="en-US" smtClean="0"/>
-              <a:t>12/5/2024</a:t>
+              <a:t>12/7/2024</a:t>
             </a:fld>
             <a:endParaRPr lang="en-US"/>
           </a:p>
@@ -4114,18 +4114,58 @@
             <p:ph type="ctrTitle"/>
           </p:nvPr>
         </p:nvSpPr>
-        <p:spPr/>
+        <p:spPr>
+          <a:xfrm>
+            <a:off x="143934" y="2167467"/>
+            <a:ext cx="8906933" cy="2265712"/>
+          </a:xfrm>
+        </p:spPr>
         <p:txBody>
           <a:bodyPr>
-            <a:normAutofit fontScale="90000"/>
+            <a:normAutofit/>
           </a:bodyPr>
           <a:lstStyle/>
           <a:p>
-            <a:r>
-              <a:rPr lang="sr-Latn-RS" smtClean="0"/>
+            <a:pPr algn="ctr"/>
+            <a:r>
+              <a:rPr lang="sr-Latn-RS" sz="5000" b="1" spc="0" smtClean="0">
+                <a:ln w="9525">
+                  <a:solidFill>
+                    <a:schemeClr val="bg1"/>
+                  </a:solidFill>
+                  <a:prstDash val="solid"/>
+                </a:ln>
+                <a:solidFill>
+                  <a:schemeClr val="tx1"/>
+                </a:solidFill>
+                <a:effectLst>
+                  <a:outerShdw blurRad="12700" dist="38100" dir="2700000" algn="tl" rotWithShape="0">
+                    <a:schemeClr val="bg1">
+                      <a:lumMod val="50000"/>
+                    </a:schemeClr>
+                  </a:outerShdw>
+                </a:effectLst>
+              </a:rPr>
               <a:t>ELECTRON FRAMEWORK ZA KREIRANJE CROSS-PLATFORM DESKTOP APLIKACIJE</a:t>
             </a:r>
-            <a:endParaRPr lang="en-US"/>
+            <a:endParaRPr lang="en-US" sz="5000" b="1" spc="0">
+              <a:ln w="9525">
+                <a:solidFill>
+                  <a:schemeClr val="bg1"/>
+                </a:solidFill>
+                <a:prstDash val="solid"/>
+              </a:ln>
+              <a:solidFill>
+                <a:schemeClr val="tx1"/>
+              </a:solidFill>
+              <a:effectLst>
+                <a:outerShdw blurRad="12700" dist="38100" dir="2700000" algn="tl" rotWithShape="0">
+                  <a:schemeClr val="bg1">
+                    <a:lumMod val="50000"/>
+                  </a:schemeClr>
+                </a:outerShdw>
+              </a:effectLst>
+            </a:endParaRPr>
           </a:p>
         </p:txBody>
       </p:sp>
@@ -4139,7 +4179,12 @@
             <p:ph type="subTitle" idx="1"/>
           </p:nvPr>
         </p:nvSpPr>
-        <p:spPr/>
+        <p:spPr>
+          <a:xfrm>
+            <a:off x="9271000" y="5626980"/>
+            <a:ext cx="2921000" cy="460554"/>
+          </a:xfrm>
+        </p:spPr>
         <p:txBody>
           <a:bodyPr/>
           <a:lstStyle/>
@@ -4192,22 +4237,82 @@
             <p:ph type="title"/>
           </p:nvPr>
         </p:nvSpPr>
-        <p:spPr/>
+        <p:spPr>
+          <a:xfrm>
+            <a:off x="125919" y="1123837"/>
+            <a:ext cx="2947482" cy="4601183"/>
+          </a:xfrm>
+        </p:spPr>
         <p:txBody>
           <a:bodyPr/>
           <a:lstStyle/>
           <a:p>
             <a:r>
-              <a:rPr lang="sr-Latn-RS"/>
+              <a:rPr lang="sr-Latn-RS" sz="4000" b="1" spc="0">
+                <a:ln w="9525">
+                  <a:solidFill>
+                    <a:schemeClr val="bg1"/>
+                  </a:solidFill>
+                  <a:prstDash val="solid"/>
+                </a:ln>
+                <a:solidFill>
+                  <a:schemeClr val="tx1"/>
+                </a:solidFill>
+                <a:effectLst>
+                  <a:outerShdw blurRad="12700" dist="38100" dir="2700000" algn="tl" rotWithShape="0">
+                    <a:schemeClr val="bg1">
+                      <a:lumMod val="50000"/>
+                    </a:schemeClr>
+                  </a:outerShdw>
+                </a:effectLst>
+              </a:rPr>
               <a:t>Renderer </a:t>
             </a:r>
             <a:r>
-              <a:rPr lang="sr-Latn-RS" smtClean="0"/>
+              <a:rPr lang="sr-Latn-RS" sz="4000" b="1" spc="0" smtClean="0">
+                <a:ln w="9525">
+                  <a:solidFill>
+                    <a:schemeClr val="bg1"/>
+                  </a:solidFill>
+                  <a:prstDash val="solid"/>
+                </a:ln>
+                <a:solidFill>
+                  <a:schemeClr val="tx1"/>
+                </a:solidFill>
+                <a:effectLst>
+                  <a:outerShdw blurRad="12700" dist="38100" dir="2700000" algn="tl" rotWithShape="0">
+                    <a:schemeClr val="bg1">
+                      <a:lumMod val="50000"/>
+                    </a:schemeClr>
+                  </a:outerShdw>
+                </a:effectLst>
+              </a:rPr>
               <a:t>process</a:t>
             </a:r>
             <a:r>
-              <a:rPr lang="en-US" smtClean="0"/>
+              <a:rPr lang="en-US" sz="4000" b="1" spc="0" smtClean="0">
+                <a:ln w="9525">
+                  <a:solidFill>
+                    <a:schemeClr val="bg1"/>
+                  </a:solidFill>
+                  <a:prstDash val="solid"/>
+                </a:ln>
+                <a:solidFill>
+                  <a:schemeClr val="tx1"/>
+                </a:solidFill>
+                <a:effectLst>
+                  <a:outerShdw blurRad="12700" dist="38100" dir="2700000" algn="tl" rotWithShape="0">
+                    <a:schemeClr val="bg1">
+                      <a:lumMod val="50000"/>
+                    </a:schemeClr>
+                  </a:outerShdw>
+                </a:effectLst>
+              </a:rPr>
               <a:t> </a:t>
+            </a:r>
+            <a:r>
+              <a:rPr lang="en-US" smtClean="0"/>
+              <a:t/>
             </a:r>
             <a:br>
               <a:rPr lang="en-US" smtClean="0"/>
@@ -4236,8 +4341,8 @@
         </p:blipFill>
         <p:spPr>
           <a:xfrm>
-            <a:off x="3893113" y="802587"/>
-            <a:ext cx="5354669" cy="3049746"/>
+            <a:off x="3453166" y="773476"/>
+            <a:ext cx="6729937" cy="3833029"/>
           </a:xfrm>
           <a:prstGeom prst="rect">
             <a:avLst/>
@@ -4260,8 +4365,8 @@
         </p:blipFill>
         <p:spPr>
           <a:xfrm>
-            <a:off x="3893113" y="4065536"/>
-            <a:ext cx="7031135" cy="1573265"/>
+            <a:off x="3453166" y="4790301"/>
+            <a:ext cx="8354772" cy="1869438"/>
           </a:xfrm>
           <a:prstGeom prst="rect">
             <a:avLst/>
@@ -4310,14 +4415,50 @@
         </p:nvSpPr>
         <p:spPr/>
         <p:txBody>
-          <a:bodyPr/>
+          <a:bodyPr>
+            <a:normAutofit/>
+          </a:bodyPr>
           <a:lstStyle/>
           <a:p>
             <a:r>
-              <a:rPr lang="sr-Latn-RS" smtClean="0"/>
+              <a:rPr lang="sr-Latn-RS" sz="4000" b="1" spc="0" smtClean="0">
+                <a:ln w="9525">
+                  <a:solidFill>
+                    <a:schemeClr val="bg1"/>
+                  </a:solidFill>
+                  <a:prstDash val="solid"/>
+                </a:ln>
+                <a:solidFill>
+                  <a:schemeClr val="tx1"/>
+                </a:solidFill>
+                <a:effectLst>
+                  <a:outerShdw blurRad="12700" dist="38100" dir="2700000" algn="tl" rotWithShape="0">
+                    <a:schemeClr val="bg1">
+                      <a:lumMod val="50000"/>
+                    </a:schemeClr>
+                  </a:outerShdw>
+                </a:effectLst>
+              </a:rPr>
               <a:t>Prednosti i mane</a:t>
             </a:r>
-            <a:endParaRPr lang="en-US"/>
+            <a:endParaRPr lang="en-US" sz="4000" b="1" spc="0">
+              <a:ln w="9525">
+                <a:solidFill>
+                  <a:schemeClr val="bg1"/>
+                </a:solidFill>
+                <a:prstDash val="solid"/>
+              </a:ln>
+              <a:solidFill>
+                <a:schemeClr val="tx1"/>
+              </a:solidFill>
+              <a:effectLst>
+                <a:outerShdw blurRad="12700" dist="38100" dir="2700000" algn="tl" rotWithShape="0">
+                  <a:schemeClr val="bg1">
+                    <a:lumMod val="50000"/>
+                  </a:schemeClr>
+                </a:outerShdw>
+              </a:effectLst>
+            </a:endParaRPr>
           </a:p>
         </p:txBody>
       </p:sp>
@@ -4333,13 +4474,13 @@
         </p:nvSpPr>
         <p:spPr>
           <a:xfrm>
-            <a:off x="3771900" y="626393"/>
+            <a:off x="3771900" y="719526"/>
             <a:ext cx="3474720" cy="5120640"/>
           </a:xfrm>
         </p:spPr>
         <p:txBody>
           <a:bodyPr>
-            <a:normAutofit lnSpcReduction="10000"/>
+            <a:normAutofit/>
           </a:bodyPr>
           <a:lstStyle/>
           <a:p>
@@ -4347,7 +4488,7 @@
               <a:buNone/>
             </a:pPr>
             <a:r>
-              <a:rPr lang="sr-Latn-RS" b="1" smtClean="0"/>
+              <a:rPr lang="sr-Latn-RS" sz="2400" b="1" smtClean="0"/>
               <a:t>Prednosti</a:t>
             </a:r>
           </a:p>
@@ -4362,7 +4503,7 @@
             </a:r>
             <a:r>
               <a:rPr lang="en-US" smtClean="0"/>
-              <a:t>).</a:t>
+              <a:t>)</a:t>
             </a:r>
             <a:endParaRPr lang="sr-Latn-RS" smtClean="0"/>
           </a:p>
@@ -4373,11 +4514,11 @@
             </a:r>
             <a:r>
               <a:rPr lang="en-US"/>
-              <a:t>web tehnologija (HTML, CSS, JavaScript) što omogućava lakši prelazak sa web developmenta na desktop aplikacije</a:t>
-            </a:r>
-            <a:r>
-              <a:rPr lang="en-US" smtClean="0"/>
-              <a:t>.</a:t>
+              <a:t>web tehnologija (HTML, CSS, JavaScript) što omogućava lakši prelazak sa web developmenta na desktop </a:t>
+            </a:r>
+            <a:r>
+              <a:rPr lang="en-US" smtClean="0"/>
+              <a:t>aplikacije</a:t>
             </a:r>
             <a:endParaRPr lang="sr-Latn-RS" smtClean="0"/>
           </a:p>
@@ -4396,23 +4537,28 @@
             </a:r>
             <a:r>
               <a:rPr lang="en-US"/>
-              <a:t>i biblioteka</a:t>
-            </a:r>
-            <a:r>
-              <a:rPr lang="en-US" smtClean="0"/>
-              <a:t>.</a:t>
+              <a:t>i </a:t>
+            </a:r>
+            <a:r>
+              <a:rPr lang="en-US" smtClean="0"/>
+              <a:t>biblioteka</a:t>
             </a:r>
             <a:endParaRPr lang="sr-Latn-RS" smtClean="0"/>
           </a:p>
           <a:p>
             <a:r>
-              <a:rPr lang="en-US" smtClean="0"/>
-              <a:t>Brza </a:t>
-            </a:r>
-            <a:r>
               <a:rPr lang="en-US"/>
-              <a:t>izrada prototipova zahvaljujući jednostavnom okruženju.</a:t>
-            </a:r>
+              <a:t>Electron omogućava lako pakovanje i distribuciju aplikacija kao izvršnih fajlova za sve </a:t>
+            </a:r>
+            <a:r>
+              <a:rPr lang="en-US"/>
+              <a:t>glavne </a:t>
+            </a:r>
+            <a:r>
+              <a:rPr lang="en-US" smtClean="0"/>
+              <a:t>platforme</a:t>
+            </a:r>
+            <a:endParaRPr lang="en-US"/>
           </a:p>
         </p:txBody>
       </p:sp>
@@ -4426,10 +4572,15 @@
             <p:ph sz="half" idx="2"/>
           </p:nvPr>
         </p:nvSpPr>
-        <p:spPr/>
+        <p:spPr>
+          <a:xfrm>
+            <a:off x="7818119" y="626393"/>
+            <a:ext cx="3474720" cy="5120640"/>
+          </a:xfrm>
+        </p:spPr>
         <p:txBody>
           <a:bodyPr>
-            <a:normAutofit lnSpcReduction="10000"/>
+            <a:normAutofit/>
           </a:bodyPr>
           <a:lstStyle/>
           <a:p>
@@ -4437,45 +4588,50 @@
               <a:buNone/>
             </a:pPr>
             <a:r>
-              <a:rPr lang="sr-Latn-RS" b="1" smtClean="0"/>
+              <a:rPr lang="sr-Latn-RS" sz="2400" b="1" smtClean="0"/>
               <a:t>Mane</a:t>
             </a:r>
           </a:p>
           <a:p>
             <a:r>
+              <a:rPr lang="en-US" smtClean="0"/>
+              <a:t>Svaka </a:t>
+            </a:r>
+            <a:r>
               <a:rPr lang="en-US"/>
-              <a:t>Visoka potrošnja resursa: Svaka aplikacija dolazi sa sopstvenim Chromium i Node.js instancama, što povećava memorijsku i procesorsku potrošnju</a:t>
-            </a:r>
-            <a:r>
-              <a:rPr lang="en-US" smtClean="0"/>
-              <a:t>.</a:t>
+              <a:t>aplikacija dolazi sa sopstvenim Chromium i Node.js instancama, što povećava memorijsku i procesorsku </a:t>
+            </a:r>
+            <a:r>
+              <a:rPr lang="en-US" smtClean="0"/>
+              <a:t>potrošnju</a:t>
             </a:r>
             <a:endParaRPr lang="sr-Latn-RS" smtClean="0"/>
           </a:p>
           <a:p>
             <a:r>
               <a:rPr lang="en-US" smtClean="0"/>
-              <a:t>Performanse</a:t>
+              <a:t>Elektron </a:t>
             </a:r>
             <a:r>
               <a:rPr lang="en-US"/>
-              <a:t>: Elektron aplikacije mogu biti sporije u odnosu na nativne aplikacije zbog dodatnog sloja Chromium-a</a:t>
-            </a:r>
-            <a:r>
-              <a:rPr lang="en-US" smtClean="0"/>
-              <a:t>.</a:t>
-            </a:r>
-            <a:endParaRPr lang="sr-Latn-RS" smtClean="0"/>
-          </a:p>
-          <a:p>
-            <a:r>
-              <a:rPr lang="en-US" smtClean="0"/>
-              <a:t>Veći </a:t>
+              <a:t>aplikacije mogu biti sporije u odnosu na nativne aplikacije </a:t>
+            </a:r>
+            <a:endParaRPr lang="en-US" smtClean="0"/>
+          </a:p>
+          <a:p>
+            <a:r>
+              <a:rPr lang="en-US" smtClean="0"/>
+              <a:t>Aplikacije </a:t>
             </a:r>
             <a:r>
               <a:rPr lang="en-US"/>
-              <a:t>fajlovi: Aplikacije mogu imati veće veličine instalacija zbog uključenih zavisnosti kao što su Chromium i Node.js.</a:t>
-            </a:r>
+              <a:t>mogu imati veće veličine instalacija zbog uključenih </a:t>
+            </a:r>
+            <a:r>
+              <a:rPr lang="en-US" smtClean="0"/>
+              <a:t>zavisnosti</a:t>
+            </a:r>
+            <a:endParaRPr lang="en-US"/>
           </a:p>
         </p:txBody>
       </p:sp>
@@ -4521,14 +4677,50 @@
         </p:nvSpPr>
         <p:spPr/>
         <p:txBody>
-          <a:bodyPr/>
+          <a:bodyPr>
+            <a:normAutofit/>
+          </a:bodyPr>
           <a:lstStyle/>
           <a:p>
             <a:r>
-              <a:rPr lang="en-US" smtClean="0"/>
+              <a:rPr lang="en-US" sz="4000" b="1" spc="0" smtClean="0">
+                <a:ln w="9525">
+                  <a:solidFill>
+                    <a:schemeClr val="bg1"/>
+                  </a:solidFill>
+                  <a:prstDash val="solid"/>
+                </a:ln>
+                <a:solidFill>
+                  <a:schemeClr val="tx1"/>
+                </a:solidFill>
+                <a:effectLst>
+                  <a:outerShdw blurRad="12700" dist="38100" dir="2700000" algn="tl" rotWithShape="0">
+                    <a:schemeClr val="bg1">
+                      <a:lumMod val="50000"/>
+                    </a:schemeClr>
+                  </a:outerShdw>
+                </a:effectLst>
+              </a:rPr>
               <a:t>Aplikacije koje koriste Electron</a:t>
             </a:r>
-            <a:endParaRPr lang="en-US"/>
+            <a:endParaRPr lang="en-US" sz="4000" b="1" spc="0">
+              <a:ln w="9525">
+                <a:solidFill>
+                  <a:schemeClr val="bg1"/>
+                </a:solidFill>
+                <a:prstDash val="solid"/>
+              </a:ln>
+              <a:solidFill>
+                <a:schemeClr val="tx1"/>
+              </a:solidFill>
+              <a:effectLst>
+                <a:outerShdw blurRad="12700" dist="38100" dir="2700000" algn="tl" rotWithShape="0">
+                  <a:schemeClr val="bg1">
+                    <a:lumMod val="50000"/>
+                  </a:schemeClr>
+                </a:outerShdw>
+              </a:effectLst>
+            </a:endParaRPr>
           </a:p>
         </p:txBody>
       </p:sp>
@@ -4544,39 +4736,41 @@
         </p:nvSpPr>
         <p:spPr/>
         <p:txBody>
-          <a:bodyPr/>
+          <a:bodyPr>
+            <a:normAutofit/>
+          </a:bodyPr>
           <a:lstStyle/>
           <a:p>
             <a:r>
-              <a:rPr lang="sr-Latn-RS" smtClean="0"/>
+              <a:rPr lang="sr-Latn-RS" sz="2800" b="1" smtClean="0"/>
               <a:t>Slack</a:t>
             </a:r>
           </a:p>
           <a:p>
             <a:r>
-              <a:rPr lang="sr-Latn-RS" smtClean="0"/>
+              <a:rPr lang="sr-Latn-RS" sz="2800" b="1" smtClean="0"/>
               <a:t>Discord</a:t>
             </a:r>
           </a:p>
           <a:p>
             <a:r>
-              <a:rPr lang="sr-Latn-RS" smtClean="0"/>
+              <a:rPr lang="sr-Latn-RS" sz="2800" b="1" smtClean="0"/>
               <a:t>Visual Studio Code</a:t>
             </a:r>
           </a:p>
           <a:p>
             <a:r>
-              <a:rPr lang="sr-Latn-RS" smtClean="0"/>
+              <a:rPr lang="sr-Latn-RS" sz="2800" b="1" smtClean="0"/>
               <a:t>Skype</a:t>
             </a:r>
-            <a:endParaRPr lang="en-US" smtClean="0"/>
-          </a:p>
-          <a:p>
-            <a:r>
-              <a:rPr lang="en-US" smtClean="0"/>
+            <a:endParaRPr lang="en-US" sz="2800" b="1" smtClean="0"/>
+          </a:p>
+          <a:p>
+            <a:r>
+              <a:rPr lang="en-US" sz="2800" b="1" smtClean="0"/>
               <a:t>WhatsApp</a:t>
             </a:r>
-            <a:endParaRPr lang="en-US"/>
+            <a:endParaRPr lang="en-US" sz="2800" b="1"/>
           </a:p>
         </p:txBody>
       </p:sp>
@@ -4772,111 +4966,147 @@
         </p:nvSpPr>
         <p:spPr/>
         <p:txBody>
-          <a:bodyPr/>
-          <a:lstStyle/>
-          <a:p>
-            <a:r>
-              <a:rPr lang="sr-Latn-RS" smtClean="0"/>
-              <a:t>Kreiranje Electron aplikacije sa React-om</a:t>
-            </a:r>
-            <a:endParaRPr lang="en-US"/>
-          </a:p>
-        </p:txBody>
-      </p:sp>
-      <p:sp>
-        <p:nvSpPr>
-          <p:cNvPr id="3" name="Content Placeholder 2"/>
-          <p:cNvSpPr>
-            <a:spLocks noGrp="1"/>
-          </p:cNvSpPr>
-          <p:nvPr>
-            <p:ph idx="1"/>
-          </p:nvPr>
-        </p:nvSpPr>
-        <p:spPr>
-          <a:xfrm>
-            <a:off x="3869268" y="864108"/>
-            <a:ext cx="7315200" cy="5204998"/>
-          </a:xfrm>
-        </p:spPr>
-        <p:txBody>
           <a:bodyPr>
             <a:normAutofit/>
           </a:bodyPr>
           <a:lstStyle/>
           <a:p>
+            <a:r>
+              <a:rPr lang="sr-Latn-RS" sz="4000" b="1" spc="0" smtClean="0">
+                <a:ln w="9525">
+                  <a:solidFill>
+                    <a:schemeClr val="bg1"/>
+                  </a:solidFill>
+                  <a:prstDash val="solid"/>
+                </a:ln>
+                <a:solidFill>
+                  <a:schemeClr val="tx1"/>
+                </a:solidFill>
+                <a:effectLst>
+                  <a:outerShdw blurRad="12700" dist="38100" dir="2700000" algn="tl" rotWithShape="0">
+                    <a:schemeClr val="bg1">
+                      <a:lumMod val="50000"/>
+                    </a:schemeClr>
+                  </a:outerShdw>
+                </a:effectLst>
+              </a:rPr>
+              <a:t>Kreiranje Electron aplikacije sa React-om</a:t>
+            </a:r>
+            <a:endParaRPr lang="en-US" sz="4000" b="1" spc="0">
+              <a:ln w="9525">
+                <a:solidFill>
+                  <a:schemeClr val="bg1"/>
+                </a:solidFill>
+                <a:prstDash val="solid"/>
+              </a:ln>
+              <a:solidFill>
+                <a:schemeClr val="tx1"/>
+              </a:solidFill>
+              <a:effectLst>
+                <a:outerShdw blurRad="12700" dist="38100" dir="2700000" algn="tl" rotWithShape="0">
+                  <a:schemeClr val="bg1">
+                    <a:lumMod val="50000"/>
+                  </a:schemeClr>
+                </a:outerShdw>
+              </a:effectLst>
+            </a:endParaRPr>
+          </a:p>
+        </p:txBody>
+      </p:sp>
+      <p:sp>
+        <p:nvSpPr>
+          <p:cNvPr id="3" name="Content Placeholder 2"/>
+          <p:cNvSpPr>
+            <a:spLocks noGrp="1"/>
+          </p:cNvSpPr>
+          <p:nvPr>
+            <p:ph idx="1"/>
+          </p:nvPr>
+        </p:nvSpPr>
+        <p:spPr>
+          <a:xfrm>
+            <a:off x="3869268" y="864108"/>
+            <a:ext cx="7315200" cy="5204998"/>
+          </a:xfrm>
+        </p:spPr>
+        <p:txBody>
+          <a:bodyPr>
+            <a:normAutofit/>
+          </a:bodyPr>
+          <a:lstStyle/>
+          <a:p>
             <a:pPr marL="0" indent="0">
               <a:buNone/>
             </a:pPr>
             <a:r>
-              <a:rPr lang="en-US" b="1" smtClean="0"/>
+              <a:rPr lang="en-US" sz="2400" b="1" smtClean="0"/>
               <a:t>Preduslovi</a:t>
             </a:r>
           </a:p>
           <a:p>
             <a:r>
-              <a:rPr lang="en-US" smtClean="0"/>
+              <a:rPr lang="en-US" sz="2400" smtClean="0"/>
               <a:t>Node.js i npm : </a:t>
             </a:r>
             <a:r>
-              <a:rPr lang="en-US" smtClean="0">
+              <a:rPr lang="en-US" sz="2400" smtClean="0">
                 <a:hlinkClick r:id="rId2"/>
               </a:rPr>
               <a:t>https</a:t>
             </a:r>
             <a:r>
-              <a:rPr lang="en-US">
+              <a:rPr lang="en-US" sz="2400">
                 <a:hlinkClick r:id="rId2"/>
               </a:rPr>
               <a:t>://</a:t>
             </a:r>
             <a:r>
-              <a:rPr lang="en-US" smtClean="0">
+              <a:rPr lang="en-US" sz="2400" smtClean="0">
                 <a:hlinkClick r:id="rId2"/>
               </a:rPr>
               <a:t>nodejs.org/en</a:t>
             </a:r>
-            <a:endParaRPr lang="en-US" smtClean="0"/>
-          </a:p>
-          <a:p>
-            <a:r>
-              <a:rPr lang="en-US" smtClean="0"/>
+            <a:endParaRPr lang="en-US" sz="2400" smtClean="0"/>
+          </a:p>
+          <a:p>
+            <a:r>
+              <a:rPr lang="en-US" sz="2400" smtClean="0"/>
               <a:t>Visual </a:t>
             </a:r>
             <a:r>
-              <a:rPr lang="en-US"/>
+              <a:rPr lang="en-US" sz="2400"/>
               <a:t>Studio </a:t>
             </a:r>
             <a:r>
-              <a:rPr lang="en-US" smtClean="0"/>
+              <a:rPr lang="en-US" sz="2400" smtClean="0"/>
               <a:t>code: </a:t>
             </a:r>
             <a:r>
-              <a:rPr lang="en-US" smtClean="0">
+              <a:rPr lang="en-US" sz="2400" smtClean="0">
                 <a:hlinkClick r:id="rId3"/>
               </a:rPr>
               <a:t>https</a:t>
             </a:r>
             <a:r>
-              <a:rPr lang="en-US">
+              <a:rPr lang="en-US" sz="2400">
                 <a:hlinkClick r:id="rId3"/>
               </a:rPr>
               <a:t>://</a:t>
             </a:r>
             <a:r>
-              <a:rPr lang="en-US" smtClean="0">
+              <a:rPr lang="en-US" sz="2400" smtClean="0">
                 <a:hlinkClick r:id="rId3"/>
               </a:rPr>
               <a:t>code.visualstudio.com</a:t>
             </a:r>
-            <a:endParaRPr lang="en-US" smtClean="0"/>
-          </a:p>
-          <a:p>
-            <a:r>
-              <a:rPr lang="en-US" smtClean="0"/>
+            <a:endParaRPr lang="en-US" sz="2400" smtClean="0"/>
+          </a:p>
+          <a:p>
+            <a:r>
+              <a:rPr lang="en-US" sz="2400" smtClean="0"/>
               <a:t>Electron</a:t>
             </a:r>
-            <a:endParaRPr lang="en-US"/>
+            <a:endParaRPr lang="en-US" sz="2400"/>
           </a:p>
         </p:txBody>
       </p:sp>
@@ -4938,6 +5168,13 @@
   <p:clrMapOvr>
     <a:masterClrMapping/>
   </p:clrMapOvr>
+  <p:timing>
+    <p:tnLst>
+      <p:par>
+        <p:cTn id="1" dur="indefinite" restart="never" nodeType="tmRoot"/>
+      </p:par>
+    </p:tnLst>
+  </p:timing>
 </p:sld>
 </file>
 
@@ -4970,14 +5207,50 @@
         </p:nvSpPr>
         <p:spPr/>
         <p:txBody>
-          <a:bodyPr/>
+          <a:bodyPr>
+            <a:normAutofit/>
+          </a:bodyPr>
           <a:lstStyle/>
           <a:p>
             <a:r>
-              <a:rPr lang="en-US" smtClean="0"/>
+              <a:rPr lang="en-US" sz="4000" b="1" spc="0" smtClean="0">
+                <a:ln w="9525">
+                  <a:solidFill>
+                    <a:schemeClr val="bg1"/>
+                  </a:solidFill>
+                  <a:prstDash val="solid"/>
+                </a:ln>
+                <a:solidFill>
+                  <a:schemeClr val="tx1"/>
+                </a:solidFill>
+                <a:effectLst>
+                  <a:outerShdw blurRad="12700" dist="38100" dir="2700000" algn="tl" rotWithShape="0">
+                    <a:schemeClr val="bg1">
+                      <a:lumMod val="50000"/>
+                    </a:schemeClr>
+                  </a:outerShdw>
+                </a:effectLst>
+              </a:rPr>
               <a:t>Kreiranje React aplikacije</a:t>
             </a:r>
-            <a:endParaRPr lang="en-US"/>
+            <a:endParaRPr lang="en-US" sz="4000" b="1" spc="0">
+              <a:ln w="9525">
+                <a:solidFill>
+                  <a:schemeClr val="bg1"/>
+                </a:solidFill>
+                <a:prstDash val="solid"/>
+              </a:ln>
+              <a:solidFill>
+                <a:schemeClr val="tx1"/>
+              </a:solidFill>
+              <a:effectLst>
+                <a:outerShdw blurRad="12700" dist="38100" dir="2700000" algn="tl" rotWithShape="0">
+                  <a:schemeClr val="bg1">
+                    <a:lumMod val="50000"/>
+                  </a:schemeClr>
+                </a:outerShdw>
+              </a:effectLst>
+            </a:endParaRPr>
           </a:p>
         </p:txBody>
       </p:sp>
@@ -5040,7 +5313,7 @@
         <p:spPr>
           <a:xfrm>
             <a:off x="3863788" y="1123837"/>
-            <a:ext cx="7745506" cy="2031325"/>
+            <a:ext cx="7745506" cy="2123658"/>
           </a:xfrm>
           <a:prstGeom prst="rect">
             <a:avLst/>
@@ -5054,29 +5327,27 @@
           <a:lstStyle/>
           <a:p>
             <a:pPr marL="342900" indent="-342900">
+              <a:buClr>
+                <a:srgbClr val="00B0F0"/>
+              </a:buClr>
               <a:buAutoNum type="arabicPeriod"/>
             </a:pPr>
             <a:r>
-              <a:rPr lang="en-US" smtClean="0"/>
+              <a:rPr lang="en-US" sz="2000" smtClean="0"/>
               <a:t>Kreiranje React aplikacije </a:t>
             </a:r>
             <a:r>
-              <a:rPr lang="sr-Latn-RS" smtClean="0"/>
+              <a:rPr lang="sr-Latn-RS" sz="2000" smtClean="0"/>
               <a:t>i pozicioniranje u kreirani direktorijum </a:t>
             </a:r>
             <a:r>
-              <a:rPr lang="en-US" smtClean="0"/>
+              <a:rPr lang="en-US" sz="2000" smtClean="0"/>
               <a:t>pomo</a:t>
             </a:r>
             <a:r>
-              <a:rPr lang="sr-Latn-RS" smtClean="0"/>
+              <a:rPr lang="sr-Latn-RS" sz="2000" smtClean="0"/>
               <a:t>ć sledećih komandi</a:t>
             </a:r>
-            <a:r>
-              <a:rPr lang="en-US" smtClean="0"/>
-              <a:t>cd </a:t>
-            </a:r>
-            <a:endParaRPr lang="sr-Latn-RS" smtClean="0"/>
           </a:p>
           <a:p>
             <a:pPr marL="342900" indent="-342900">
@@ -5100,14 +5371,19 @@
             <a:endParaRPr lang="sr-Latn-RS" smtClean="0"/>
           </a:p>
           <a:p>
-            <a:pPr marL="342900" indent="-342900">
-              <a:buAutoNum type="arabicPeriod"/>
-            </a:pPr>
-            <a:r>
-              <a:rPr lang="en-US" smtClean="0"/>
+            <a:r>
+              <a:rPr lang="en-US" sz="2000" smtClean="0">
+                <a:solidFill>
+                  <a:srgbClr val="00B0F0"/>
+                </a:solidFill>
+              </a:rPr>
+              <a:t>2.   </a:t>
+            </a:r>
+            <a:r>
+              <a:rPr lang="en-US" sz="2000" smtClean="0"/>
               <a:t>Instaliranje Electron-a u React aplikaciji</a:t>
             </a:r>
-            <a:endParaRPr lang="en-US"/>
+            <a:endParaRPr lang="en-US" sz="2000"/>
           </a:p>
         </p:txBody>
       </p:sp>
@@ -5121,6 +5397,13 @@
   <p:clrMapOvr>
     <a:masterClrMapping/>
   </p:clrMapOvr>
+  <p:timing>
+    <p:tnLst>
+      <p:par>
+        <p:cTn id="1" dur="indefinite" restart="never" nodeType="tmRoot"/>
+      </p:par>
+    </p:tnLst>
+  </p:timing>
 </p:sld>
 </file>
 
@@ -5153,14 +5436,50 @@
         </p:nvSpPr>
         <p:spPr/>
         <p:txBody>
-          <a:bodyPr/>
+          <a:bodyPr>
+            <a:normAutofit/>
+          </a:bodyPr>
           <a:lstStyle/>
           <a:p>
             <a:r>
-              <a:rPr lang="en-US" smtClean="0"/>
+              <a:rPr lang="en-US" sz="4000" b="1" spc="0" smtClean="0">
+                <a:ln w="9525">
+                  <a:solidFill>
+                    <a:schemeClr val="bg1"/>
+                  </a:solidFill>
+                  <a:prstDash val="solid"/>
+                </a:ln>
+                <a:solidFill>
+                  <a:schemeClr val="tx1"/>
+                </a:solidFill>
+                <a:effectLst>
+                  <a:outerShdw blurRad="12700" dist="38100" dir="2700000" algn="tl" rotWithShape="0">
+                    <a:schemeClr val="bg1">
+                      <a:lumMod val="50000"/>
+                    </a:schemeClr>
+                  </a:outerShdw>
+                </a:effectLst>
+              </a:rPr>
               <a:t>Izgled aplikacije nakon kreiranja</a:t>
             </a:r>
-            <a:endParaRPr lang="en-US"/>
+            <a:endParaRPr lang="en-US" sz="4000" b="1" spc="0">
+              <a:ln w="9525">
+                <a:solidFill>
+                  <a:schemeClr val="bg1"/>
+                </a:solidFill>
+                <a:prstDash val="solid"/>
+              </a:ln>
+              <a:solidFill>
+                <a:schemeClr val="tx1"/>
+              </a:solidFill>
+              <a:effectLst>
+                <a:outerShdw blurRad="12700" dist="38100" dir="2700000" algn="tl" rotWithShape="0">
+                  <a:schemeClr val="bg1">
+                    <a:lumMod val="50000"/>
+                  </a:schemeClr>
+                </a:outerShdw>
+              </a:effectLst>
+            </a:endParaRPr>
           </a:p>
         </p:txBody>
       </p:sp>
@@ -5200,6 +5519,13 @@
   <p:clrMapOvr>
     <a:masterClrMapping/>
   </p:clrMapOvr>
+  <p:timing>
+    <p:tnLst>
+      <p:par>
+        <p:cTn id="1" dur="indefinite" restart="never" nodeType="tmRoot"/>
+      </p:par>
+    </p:tnLst>
+  </p:timing>
 </p:sld>
 </file>
 
@@ -5232,14 +5558,50 @@
         </p:nvSpPr>
         <p:spPr/>
         <p:txBody>
-          <a:bodyPr/>
+          <a:bodyPr>
+            <a:normAutofit/>
+          </a:bodyPr>
           <a:lstStyle/>
           <a:p>
             <a:r>
-              <a:rPr lang="en-US" smtClean="0"/>
-              <a:t>Kreiranje glavnog procesa Electron-a i preload skripte</a:t>
-            </a:r>
-            <a:endParaRPr lang="en-US"/>
+              <a:rPr lang="en-US" sz="4000" b="1" spc="0" smtClean="0">
+                <a:ln w="9525">
+                  <a:solidFill>
+                    <a:schemeClr val="bg1"/>
+                  </a:solidFill>
+                  <a:prstDash val="solid"/>
+                </a:ln>
+                <a:solidFill>
+                  <a:schemeClr val="tx1"/>
+                </a:solidFill>
+                <a:effectLst>
+                  <a:outerShdw blurRad="12700" dist="38100" dir="2700000" algn="tl" rotWithShape="0">
+                    <a:schemeClr val="bg1">
+                      <a:lumMod val="50000"/>
+                    </a:schemeClr>
+                  </a:outerShdw>
+                </a:effectLst>
+              </a:rPr>
+              <a:t>Kreiranje glavnog procesa Electron-a </a:t>
+            </a:r>
+            <a:endParaRPr lang="en-US" sz="4000" b="1" spc="0">
+              <a:ln w="9525">
+                <a:solidFill>
+                  <a:schemeClr val="bg1"/>
+                </a:solidFill>
+                <a:prstDash val="solid"/>
+              </a:ln>
+              <a:solidFill>
+                <a:schemeClr val="tx1"/>
+              </a:solidFill>
+              <a:effectLst>
+                <a:outerShdw blurRad="12700" dist="38100" dir="2700000" algn="tl" rotWithShape="0">
+                  <a:schemeClr val="bg1">
+                    <a:lumMod val="50000"/>
+                  </a:schemeClr>
+                </a:outerShdw>
+              </a:effectLst>
+            </a:endParaRPr>
           </a:p>
         </p:txBody>
       </p:sp>
@@ -5399,14 +5761,50 @@
         </p:nvSpPr>
         <p:spPr/>
         <p:txBody>
-          <a:bodyPr/>
+          <a:bodyPr>
+            <a:normAutofit/>
+          </a:bodyPr>
           <a:lstStyle/>
           <a:p>
             <a:r>
-              <a:rPr lang="sr-Latn-RS" smtClean="0"/>
+              <a:rPr lang="sr-Latn-RS" sz="4000" b="1" spc="0" smtClean="0">
+                <a:ln w="9525">
+                  <a:solidFill>
+                    <a:schemeClr val="bg1"/>
+                  </a:solidFill>
+                  <a:prstDash val="solid"/>
+                </a:ln>
+                <a:solidFill>
+                  <a:schemeClr val="tx1"/>
+                </a:solidFill>
+                <a:effectLst>
+                  <a:outerShdw blurRad="12700" dist="38100" dir="2700000" algn="tl" rotWithShape="0">
+                    <a:schemeClr val="bg1">
+                      <a:lumMod val="50000"/>
+                    </a:schemeClr>
+                  </a:outerShdw>
+                </a:effectLst>
+              </a:rPr>
               <a:t>Kreiranje izgleda aplikacije</a:t>
             </a:r>
-            <a:endParaRPr lang="en-US"/>
+            <a:endParaRPr lang="en-US" sz="4000" b="1" spc="0">
+              <a:ln w="9525">
+                <a:solidFill>
+                  <a:schemeClr val="bg1"/>
+                </a:solidFill>
+                <a:prstDash val="solid"/>
+              </a:ln>
+              <a:solidFill>
+                <a:schemeClr val="tx1"/>
+              </a:solidFill>
+              <a:effectLst>
+                <a:outerShdw blurRad="12700" dist="38100" dir="2700000" algn="tl" rotWithShape="0">
+                  <a:schemeClr val="bg1">
+                    <a:lumMod val="50000"/>
+                  </a:schemeClr>
+                </a:outerShdw>
+              </a:effectLst>
+            </a:endParaRPr>
           </a:p>
         </p:txBody>
       </p:sp>
@@ -5419,7 +5817,7 @@
         <p:spPr>
           <a:xfrm>
             <a:off x="5953308" y="299138"/>
-            <a:ext cx="5302862" cy="369332"/>
+            <a:ext cx="3923937" cy="830997"/>
           </a:xfrm>
           <a:prstGeom prst="rect">
             <a:avLst/>
@@ -5427,20 +5825,20 @@
           <a:noFill/>
         </p:spPr>
         <p:txBody>
-          <a:bodyPr wrap="none" rtlCol="0">
+          <a:bodyPr wrap="square" rtlCol="0">
             <a:spAutoFit/>
           </a:bodyPr>
           <a:lstStyle/>
           <a:p>
             <a:r>
-              <a:rPr lang="sr-Latn-RS" smtClean="0"/>
+              <a:rPr lang="sr-Latn-RS" sz="2400" smtClean="0"/>
               <a:t>! Potrebno je izvršiti komandu </a:t>
             </a:r>
             <a:r>
-              <a:rPr lang="sr-Latn-RS" u="sng" smtClean="0"/>
+              <a:rPr lang="sr-Latn-RS" sz="2400" u="sng" smtClean="0"/>
               <a:t>npm install react-modal</a:t>
             </a:r>
-            <a:endParaRPr lang="en-US" u="sng"/>
+            <a:endParaRPr lang="en-US" sz="2400" u="sng"/>
           </a:p>
         </p:txBody>
       </p:sp>
@@ -5500,8 +5898,8 @@
         </p:nvSpPr>
         <p:spPr>
           <a:xfrm>
-            <a:off x="8902567" y="2650067"/>
-            <a:ext cx="2722540" cy="369332"/>
+            <a:off x="8186575" y="2620087"/>
+            <a:ext cx="3562578" cy="461665"/>
           </a:xfrm>
           <a:prstGeom prst="rect">
             <a:avLst/>
@@ -5515,10 +5913,10 @@
           <a:lstStyle/>
           <a:p>
             <a:r>
-              <a:rPr lang="en-US" smtClean="0"/>
+              <a:rPr lang="en-US" sz="2400" smtClean="0"/>
               <a:t>Dodavanje ikone aplikacije</a:t>
             </a:r>
-            <a:endParaRPr lang="en-US"/>
+            <a:endParaRPr lang="en-US" sz="2400"/>
           </a:p>
         </p:txBody>
       </p:sp>
@@ -5600,14 +5998,50 @@
         </p:nvSpPr>
         <p:spPr/>
         <p:txBody>
-          <a:bodyPr/>
+          <a:bodyPr>
+            <a:normAutofit/>
+          </a:bodyPr>
           <a:lstStyle/>
           <a:p>
             <a:r>
-              <a:rPr lang="en-US" smtClean="0"/>
+              <a:rPr lang="en-US" sz="4000" b="1" spc="0" smtClean="0">
+                <a:ln w="9525">
+                  <a:solidFill>
+                    <a:schemeClr val="bg1"/>
+                  </a:solidFill>
+                  <a:prstDash val="solid"/>
+                </a:ln>
+                <a:solidFill>
+                  <a:schemeClr val="tx1"/>
+                </a:solidFill>
+                <a:effectLst>
+                  <a:outerShdw blurRad="12700" dist="38100" dir="2700000" algn="tl" rotWithShape="0">
+                    <a:schemeClr val="bg1">
+                      <a:lumMod val="50000"/>
+                    </a:schemeClr>
+                  </a:outerShdw>
+                </a:effectLst>
+              </a:rPr>
               <a:t>Priprema aplikacije za pokretanje</a:t>
             </a:r>
-            <a:endParaRPr lang="en-US"/>
+            <a:endParaRPr lang="en-US" sz="4000" b="1" spc="0">
+              <a:ln w="9525">
+                <a:solidFill>
+                  <a:schemeClr val="bg1"/>
+                </a:solidFill>
+                <a:prstDash val="solid"/>
+              </a:ln>
+              <a:solidFill>
+                <a:schemeClr val="tx1"/>
+              </a:solidFill>
+              <a:effectLst>
+                <a:outerShdw blurRad="12700" dist="38100" dir="2700000" algn="tl" rotWithShape="0">
+                  <a:schemeClr val="bg1">
+                    <a:lumMod val="50000"/>
+                  </a:schemeClr>
+                </a:outerShdw>
+              </a:effectLst>
+            </a:endParaRPr>
           </a:p>
         </p:txBody>
       </p:sp>
@@ -6054,14 +6488,50 @@
         </p:nvSpPr>
         <p:spPr/>
         <p:txBody>
-          <a:bodyPr/>
+          <a:bodyPr>
+            <a:normAutofit/>
+          </a:bodyPr>
           <a:lstStyle/>
           <a:p>
             <a:r>
-              <a:rPr lang="en-US" smtClean="0"/>
+              <a:rPr lang="en-US" sz="4000" b="1" spc="0" smtClean="0">
+                <a:ln w="9525">
+                  <a:solidFill>
+                    <a:schemeClr val="bg1"/>
+                  </a:solidFill>
+                  <a:prstDash val="solid"/>
+                </a:ln>
+                <a:solidFill>
+                  <a:schemeClr val="tx1"/>
+                </a:solidFill>
+                <a:effectLst>
+                  <a:outerShdw blurRad="12700" dist="38100" dir="2700000" algn="tl" rotWithShape="0">
+                    <a:schemeClr val="bg1">
+                      <a:lumMod val="50000"/>
+                    </a:schemeClr>
+                  </a:outerShdw>
+                </a:effectLst>
+              </a:rPr>
               <a:t>Pokretanje aplikacije</a:t>
             </a:r>
-            <a:endParaRPr lang="en-US"/>
+            <a:endParaRPr lang="en-US" sz="4000" b="1" spc="0">
+              <a:ln w="9525">
+                <a:solidFill>
+                  <a:schemeClr val="bg1"/>
+                </a:solidFill>
+                <a:prstDash val="solid"/>
+              </a:ln>
+              <a:solidFill>
+                <a:schemeClr val="tx1"/>
+              </a:solidFill>
+              <a:effectLst>
+                <a:outerShdw blurRad="12700" dist="38100" dir="2700000" algn="tl" rotWithShape="0">
+                  <a:schemeClr val="bg1">
+                    <a:lumMod val="50000"/>
+                  </a:schemeClr>
+                </a:outerShdw>
+              </a:effectLst>
+            </a:endParaRPr>
           </a:p>
         </p:txBody>
       </p:sp>
@@ -6174,8 +6644,8 @@
         </p:blipFill>
         <p:spPr>
           <a:xfrm>
-            <a:off x="4362326" y="3229654"/>
-            <a:ext cx="2400635" cy="543001"/>
+            <a:off x="3968176" y="3217389"/>
+            <a:ext cx="3014918" cy="681946"/>
           </a:xfrm>
           <a:prstGeom prst="rect">
             <a:avLst/>
@@ -6284,18 +6754,71 @@
         </p:nvSpPr>
         <p:spPr/>
         <p:txBody>
-          <a:bodyPr/>
+          <a:bodyPr>
+            <a:normAutofit/>
+          </a:bodyPr>
           <a:lstStyle/>
           <a:p>
             <a:r>
-              <a:rPr lang="en-US" smtClean="0"/>
+              <a:rPr lang="en-US" sz="4000" b="1" spc="0" smtClean="0">
+                <a:ln w="9525">
+                  <a:solidFill>
+                    <a:schemeClr val="bg1"/>
+                  </a:solidFill>
+                  <a:prstDash val="solid"/>
+                </a:ln>
+                <a:solidFill>
+                  <a:schemeClr val="tx1"/>
+                </a:solidFill>
+                <a:effectLst>
+                  <a:outerShdw blurRad="12700" dist="38100" dir="2700000" algn="tl" rotWithShape="0">
+                    <a:schemeClr val="bg1">
+                      <a:lumMod val="50000"/>
+                    </a:schemeClr>
+                  </a:outerShdw>
+                </a:effectLst>
+              </a:rPr>
               <a:t>SADR</a:t>
             </a:r>
             <a:r>
-              <a:rPr lang="sr-Latn-RS" smtClean="0"/>
+              <a:rPr lang="sr-Latn-RS" sz="4000" b="1" spc="0" smtClean="0">
+                <a:ln w="9525">
+                  <a:solidFill>
+                    <a:schemeClr val="bg1"/>
+                  </a:solidFill>
+                  <a:prstDash val="solid"/>
+                </a:ln>
+                <a:solidFill>
+                  <a:schemeClr val="tx1"/>
+                </a:solidFill>
+                <a:effectLst>
+                  <a:outerShdw blurRad="12700" dist="38100" dir="2700000" algn="tl" rotWithShape="0">
+                    <a:schemeClr val="bg1">
+                      <a:lumMod val="50000"/>
+                    </a:schemeClr>
+                  </a:outerShdw>
+                </a:effectLst>
+              </a:rPr>
               <a:t>ŽAJ</a:t>
             </a:r>
-            <a:endParaRPr lang="en-US"/>
+            <a:endParaRPr lang="en-US" sz="4000" b="1" spc="0">
+              <a:ln w="9525">
+                <a:solidFill>
+                  <a:schemeClr val="bg1"/>
+                </a:solidFill>
+                <a:prstDash val="solid"/>
+              </a:ln>
+              <a:solidFill>
+                <a:schemeClr val="tx1"/>
+              </a:solidFill>
+              <a:effectLst>
+                <a:outerShdw blurRad="12700" dist="38100" dir="2700000" algn="tl" rotWithShape="0">
+                  <a:schemeClr val="bg1">
+                    <a:lumMod val="50000"/>
+                  </a:schemeClr>
+                </a:outerShdw>
+              </a:effectLst>
+            </a:endParaRPr>
           </a:p>
         </p:txBody>
       </p:sp>
@@ -6309,30 +6832,37 @@
             <p:ph idx="1"/>
           </p:nvPr>
         </p:nvSpPr>
-        <p:spPr/>
-        <p:txBody>
-          <a:bodyPr/>
+        <p:spPr>
+          <a:xfrm>
+            <a:off x="4648200" y="1625515"/>
+            <a:ext cx="6959599" cy="3597825"/>
+          </a:xfrm>
+        </p:spPr>
+        <p:txBody>
+          <a:bodyPr>
+            <a:noAutofit/>
+          </a:bodyPr>
           <a:lstStyle/>
           <a:p>
             <a:pPr marL="457200" indent="-457200">
               <a:buAutoNum type="arabicPeriod"/>
             </a:pPr>
             <a:r>
-              <a:rPr lang="sr-Latn-RS" smtClean="0"/>
+              <a:rPr lang="sr-Latn-RS" sz="2800" smtClean="0"/>
               <a:t>Šta je Electron</a:t>
             </a:r>
             <a:r>
-              <a:rPr lang="en-US" smtClean="0"/>
+              <a:rPr lang="en-US" sz="2800" smtClean="0"/>
               <a:t>?</a:t>
             </a:r>
-            <a:endParaRPr lang="sr-Latn-RS" smtClean="0"/>
+            <a:endParaRPr lang="sr-Latn-RS" sz="2800" smtClean="0"/>
           </a:p>
           <a:p>
             <a:pPr marL="457200" indent="-457200">
               <a:buAutoNum type="arabicPeriod"/>
             </a:pPr>
             <a:r>
-              <a:rPr lang="sr-Latn-RS" smtClean="0"/>
+              <a:rPr lang="sr-Latn-RS" sz="2800" smtClean="0"/>
               <a:t>Ključne komponente</a:t>
             </a:r>
           </a:p>
@@ -6341,10 +6871,10 @@
               <a:buAutoNum type="arabicPeriod"/>
             </a:pPr>
             <a:r>
-              <a:rPr lang="sr-Latn-RS" smtClean="0"/>
+              <a:rPr lang="sr-Latn-RS" sz="2800" smtClean="0"/>
               <a:t>Procesni model</a:t>
             </a:r>
-            <a:endParaRPr lang="en-US" smtClean="0"/>
+            <a:endParaRPr lang="en-US" sz="2800" smtClean="0"/>
           </a:p>
           <a:p>
             <a:pPr marL="457200" indent="-457200">
@@ -6352,14 +6882,14 @@
               <a:buAutoNum type="arabicPeriod"/>
             </a:pPr>
             <a:r>
-              <a:rPr lang="sr-Latn-RS"/>
+              <a:rPr lang="sr-Latn-RS" sz="2800"/>
               <a:t>Prednosti i </a:t>
             </a:r>
             <a:r>
-              <a:rPr lang="sr-Latn-RS" smtClean="0"/>
+              <a:rPr lang="sr-Latn-RS" sz="2800" smtClean="0"/>
               <a:t>mane</a:t>
             </a:r>
-            <a:endParaRPr lang="en-US" smtClean="0"/>
+            <a:endParaRPr lang="en-US" sz="2800" smtClean="0"/>
           </a:p>
           <a:p>
             <a:pPr marL="457200" indent="-457200">
@@ -6367,17 +6897,17 @@
               <a:buAutoNum type="arabicPeriod"/>
             </a:pPr>
             <a:r>
-              <a:rPr lang="en-US" smtClean="0"/>
+              <a:rPr lang="en-US" sz="2800" smtClean="0"/>
               <a:t>Popularne aplikacije koje koriste Electron</a:t>
             </a:r>
-            <a:endParaRPr lang="sr-Latn-RS" smtClean="0"/>
+            <a:endParaRPr lang="sr-Latn-RS" sz="2800" smtClean="0"/>
           </a:p>
           <a:p>
             <a:pPr marL="457200" indent="-457200">
               <a:buAutoNum type="arabicPeriod"/>
             </a:pPr>
             <a:r>
-              <a:rPr lang="sr-Latn-RS" smtClean="0"/>
+              <a:rPr lang="sr-Latn-RS" sz="2800" smtClean="0"/>
               <a:t>Kreiranje Electron aplikacije sa React-om </a:t>
             </a:r>
           </a:p>
@@ -6425,14 +6955,50 @@
         </p:nvSpPr>
         <p:spPr/>
         <p:txBody>
-          <a:bodyPr/>
+          <a:bodyPr>
+            <a:normAutofit/>
+          </a:bodyPr>
           <a:lstStyle/>
           <a:p>
             <a:r>
-              <a:rPr lang="sr-Latn-RS" smtClean="0"/>
+              <a:rPr lang="sr-Latn-RS" sz="4000" b="1" spc="0" smtClean="0">
+                <a:ln w="9525">
+                  <a:solidFill>
+                    <a:schemeClr val="bg1"/>
+                  </a:solidFill>
+                  <a:prstDash val="solid"/>
+                </a:ln>
+                <a:solidFill>
+                  <a:schemeClr val="tx1"/>
+                </a:solidFill>
+                <a:effectLst>
+                  <a:outerShdw blurRad="12700" dist="38100" dir="2700000" algn="tl" rotWithShape="0">
+                    <a:schemeClr val="bg1">
+                      <a:lumMod val="50000"/>
+                    </a:schemeClr>
+                  </a:outerShdw>
+                </a:effectLst>
+              </a:rPr>
               <a:t>Pakovanje aplikacije</a:t>
             </a:r>
-            <a:endParaRPr lang="en-US"/>
+            <a:endParaRPr lang="en-US" sz="4000" b="1" spc="0">
+              <a:ln w="9525">
+                <a:solidFill>
+                  <a:schemeClr val="bg1"/>
+                </a:solidFill>
+                <a:prstDash val="solid"/>
+              </a:ln>
+              <a:solidFill>
+                <a:schemeClr val="tx1"/>
+              </a:solidFill>
+              <a:effectLst>
+                <a:outerShdw blurRad="12700" dist="38100" dir="2700000" algn="tl" rotWithShape="0">
+                  <a:schemeClr val="bg1">
+                    <a:lumMod val="50000"/>
+                  </a:schemeClr>
+                </a:outerShdw>
+              </a:effectLst>
+            </a:endParaRPr>
           </a:p>
         </p:txBody>
       </p:sp>
@@ -6965,14 +7531,50 @@
         </p:nvSpPr>
         <p:spPr/>
         <p:txBody>
-          <a:bodyPr/>
+          <a:bodyPr>
+            <a:normAutofit/>
+          </a:bodyPr>
           <a:lstStyle/>
           <a:p>
             <a:r>
-              <a:rPr lang="sr-Latn-RS" smtClean="0"/>
-              <a:t>Zaključak</a:t>
-            </a:r>
-            <a:endParaRPr lang="en-US"/>
+              <a:rPr lang="sr-Latn-RS" sz="4000" b="1" spc="0" smtClean="0">
+                <a:ln w="9525">
+                  <a:solidFill>
+                    <a:schemeClr val="bg1"/>
+                  </a:solidFill>
+                  <a:prstDash val="solid"/>
+                </a:ln>
+                <a:solidFill>
+                  <a:schemeClr val="tx1"/>
+                </a:solidFill>
+                <a:effectLst>
+                  <a:outerShdw blurRad="12700" dist="38100" dir="2700000" algn="tl" rotWithShape="0">
+                    <a:schemeClr val="bg1">
+                      <a:lumMod val="50000"/>
+                    </a:schemeClr>
+                  </a:outerShdw>
+                </a:effectLst>
+              </a:rPr>
+              <a:t>ZAKLJUČAK</a:t>
+            </a:r>
+            <a:endParaRPr lang="en-US" sz="4000" b="1" spc="0">
+              <a:ln w="9525">
+                <a:solidFill>
+                  <a:schemeClr val="bg1"/>
+                </a:solidFill>
+                <a:prstDash val="solid"/>
+              </a:ln>
+              <a:solidFill>
+                <a:schemeClr val="tx1"/>
+              </a:solidFill>
+              <a:effectLst>
+                <a:outerShdw blurRad="12700" dist="38100" dir="2700000" algn="tl" rotWithShape="0">
+                  <a:schemeClr val="bg1">
+                    <a:lumMod val="50000"/>
+                  </a:schemeClr>
+                </a:outerShdw>
+              </a:effectLst>
+            </a:endParaRPr>
           </a:p>
         </p:txBody>
       </p:sp>
@@ -6988,56 +7590,58 @@
         </p:nvSpPr>
         <p:spPr/>
         <p:txBody>
-          <a:bodyPr/>
+          <a:bodyPr>
+            <a:normAutofit/>
+          </a:bodyPr>
           <a:lstStyle/>
           <a:p>
             <a:r>
-              <a:rPr lang="en-US"/>
+              <a:rPr lang="en-US" sz="2400"/>
               <a:t>Electron omogućava razvoj cross-platform desktop aplikacija koristeći web tehnologije</a:t>
             </a:r>
             <a:r>
-              <a:rPr lang="en-US" smtClean="0"/>
+              <a:rPr lang="en-US" sz="2400" smtClean="0"/>
               <a:t>.</a:t>
             </a:r>
-            <a:endParaRPr lang="sr-Latn-RS" smtClean="0"/>
-          </a:p>
-          <a:p>
-            <a:r>
-              <a:rPr lang="en-US" smtClean="0"/>
+            <a:endParaRPr lang="sr-Latn-RS" sz="2400" smtClean="0"/>
+          </a:p>
+          <a:p>
+            <a:r>
+              <a:rPr lang="en-US" sz="2400" smtClean="0"/>
               <a:t>Komponente </a:t>
             </a:r>
             <a:r>
-              <a:rPr lang="en-US"/>
+              <a:rPr lang="en-US" sz="2400"/>
               <a:t>Chromium i Node.js omogućavaju pristup nativnim funkcijama</a:t>
             </a:r>
             <a:r>
-              <a:rPr lang="en-US" smtClean="0"/>
+              <a:rPr lang="en-US" sz="2400" smtClean="0"/>
               <a:t>.</a:t>
             </a:r>
-            <a:endParaRPr lang="sr-Latn-RS" smtClean="0"/>
-          </a:p>
-          <a:p>
-            <a:r>
-              <a:rPr lang="en-US" smtClean="0"/>
+            <a:endParaRPr lang="sr-Latn-RS" sz="2400" smtClean="0"/>
+          </a:p>
+          <a:p>
+            <a:r>
+              <a:rPr lang="en-US" sz="2400" smtClean="0"/>
               <a:t>Korišćenje </a:t>
             </a:r>
             <a:r>
-              <a:rPr lang="en-US"/>
+              <a:rPr lang="en-US" sz="2400"/>
               <a:t>React-a omogućava izradu modernih, reaktivnih korisničkih interfejsa</a:t>
             </a:r>
             <a:r>
-              <a:rPr lang="en-US" smtClean="0"/>
+              <a:rPr lang="en-US" sz="2400" smtClean="0"/>
               <a:t>.</a:t>
             </a:r>
-            <a:endParaRPr lang="sr-Latn-RS" smtClean="0"/>
-          </a:p>
-          <a:p>
-            <a:r>
-              <a:rPr lang="en-US" smtClean="0"/>
+            <a:endParaRPr lang="sr-Latn-RS" sz="2400" smtClean="0"/>
+          </a:p>
+          <a:p>
+            <a:r>
+              <a:rPr lang="en-US" sz="2400" smtClean="0"/>
               <a:t>Kao </a:t>
             </a:r>
             <a:r>
-              <a:rPr lang="en-US"/>
+              <a:rPr lang="en-US" sz="2400"/>
               <a:t>prednosti, Electron nudi jednostavnost i brzinu razvoja, dok kao mane ima veće zahteve za resursima i veličinu aplikacija.</a:t>
             </a:r>
           </a:p>
@@ -7122,7 +7726,7 @@
         <p:spPr>
           <a:xfrm>
             <a:off x="593977" y="2770093"/>
-            <a:ext cx="8162234" cy="1323439"/>
+            <a:ext cx="8518101" cy="1323439"/>
           </a:xfrm>
           <a:prstGeom prst="rect">
             <a:avLst/>
@@ -7136,10 +7740,38 @@
           <a:lstStyle/>
           <a:p>
             <a:r>
-              <a:rPr lang="sr-Latn-RS" sz="8000" smtClean="0"/>
+              <a:rPr lang="sr-Latn-RS" sz="8000" b="1" smtClean="0">
+                <a:ln w="9525">
+                  <a:solidFill>
+                    <a:schemeClr val="bg1"/>
+                  </a:solidFill>
+                  <a:prstDash val="solid"/>
+                </a:ln>
+                <a:effectLst>
+                  <a:outerShdw blurRad="12700" dist="38100" dir="2700000" algn="tl" rotWithShape="0">
+                    <a:schemeClr val="bg1">
+                      <a:lumMod val="50000"/>
+                    </a:schemeClr>
+                  </a:outerShdw>
+                </a:effectLst>
+              </a:rPr>
               <a:t>HVALA NA PAŽNJI</a:t>
             </a:r>
-            <a:endParaRPr lang="en-US" sz="8000"/>
+            <a:endParaRPr lang="en-US" sz="8000" b="1">
+              <a:ln w="9525">
+                <a:solidFill>
+                  <a:schemeClr val="bg1"/>
+                </a:solidFill>
+                <a:prstDash val="solid"/>
+              </a:ln>
+              <a:effectLst>
+                <a:outerShdw blurRad="12700" dist="38100" dir="2700000" algn="tl" rotWithShape="0">
+                  <a:schemeClr val="bg1">
+                    <a:lumMod val="50000"/>
+                  </a:schemeClr>
+                </a:outerShdw>
+              </a:effectLst>
+            </a:endParaRPr>
           </a:p>
         </p:txBody>
       </p:sp>
@@ -7185,7 +7817,20 @@
           <a:lstStyle/>
           <a:p>
             <a:pPr algn="ctr"/>
-            <a:endParaRPr lang="en-US"/>
+            <a:endParaRPr lang="en-US" b="1">
+              <a:ln w="22225">
+                <a:solidFill>
+                  <a:schemeClr val="accent2"/>
+                </a:solidFill>
+                <a:prstDash val="solid"/>
+              </a:ln>
+              <a:solidFill>
+                <a:schemeClr val="accent2">
+                  <a:lumMod val="40000"/>
+                  <a:lumOff val="60000"/>
+                </a:schemeClr>
+              </a:solidFill>
+            </a:endParaRPr>
           </a:p>
         </p:txBody>
       </p:sp>
@@ -7264,14 +7909,50 @@
         </p:nvSpPr>
         <p:spPr/>
         <p:txBody>
-          <a:bodyPr/>
+          <a:bodyPr>
+            <a:normAutofit/>
+          </a:bodyPr>
           <a:lstStyle/>
           <a:p>
             <a:r>
-              <a:rPr lang="sr-Latn-RS" smtClean="0"/>
+              <a:rPr lang="sr-Latn-RS" sz="4000" b="1" spc="0" smtClean="0">
+                <a:ln w="9525">
+                  <a:solidFill>
+                    <a:schemeClr val="bg1"/>
+                  </a:solidFill>
+                  <a:prstDash val="solid"/>
+                </a:ln>
+                <a:solidFill>
+                  <a:schemeClr val="tx1"/>
+                </a:solidFill>
+                <a:effectLst>
+                  <a:outerShdw blurRad="12700" dist="38100" dir="2700000" algn="tl" rotWithShape="0">
+                    <a:schemeClr val="bg1">
+                      <a:lumMod val="50000"/>
+                    </a:schemeClr>
+                  </a:outerShdw>
+                </a:effectLst>
+              </a:rPr>
               <a:t>Šta je Electron?</a:t>
             </a:r>
-            <a:endParaRPr lang="en-US"/>
+            <a:endParaRPr lang="en-US" sz="4000" b="1" spc="0">
+              <a:ln w="9525">
+                <a:solidFill>
+                  <a:schemeClr val="bg1"/>
+                </a:solidFill>
+                <a:prstDash val="solid"/>
+              </a:ln>
+              <a:solidFill>
+                <a:schemeClr val="tx1"/>
+              </a:solidFill>
+              <a:effectLst>
+                <a:outerShdw blurRad="12700" dist="38100" dir="2700000" algn="tl" rotWithShape="0">
+                  <a:schemeClr val="bg1">
+                    <a:lumMod val="50000"/>
+                  </a:schemeClr>
+                </a:outerShdw>
+              </a:effectLst>
+            </a:endParaRPr>
           </a:p>
         </p:txBody>
       </p:sp>
@@ -7287,75 +7968,68 @@
         </p:nvSpPr>
         <p:spPr/>
         <p:txBody>
-          <a:bodyPr/>
+          <a:bodyPr>
+            <a:normAutofit/>
+          </a:bodyPr>
           <a:lstStyle/>
           <a:p>
             <a:r>
-              <a:rPr lang="sr-Latn-RS" smtClean="0"/>
+              <a:rPr lang="sr-Latn-RS" sz="2400" smtClean="0"/>
               <a:t>Besplatn</a:t>
             </a:r>
             <a:r>
-              <a:rPr lang="en-US" smtClean="0"/>
+              <a:rPr lang="en-US" sz="2400" smtClean="0"/>
               <a:t>i framework otvorenog koda</a:t>
             </a:r>
           </a:p>
           <a:p>
             <a:r>
-              <a:rPr lang="en-US" smtClean="0"/>
-              <a:t>Cross-platform </a:t>
-            </a:r>
-            <a:r>
-              <a:rPr lang="en-US" smtClean="0"/>
-              <a:t>razvoj</a:t>
-            </a:r>
-          </a:p>
-          <a:p>
-            <a:r>
-              <a:rPr lang="sr-Latn-RS"/>
+              <a:rPr lang="en-US" sz="2400" smtClean="0"/>
+              <a:t>Cross-platform razvoj</a:t>
+            </a:r>
+          </a:p>
+          <a:p>
+            <a:r>
+              <a:rPr lang="sr-Latn-RS" sz="2400"/>
               <a:t>OpenJS </a:t>
             </a:r>
             <a:r>
-              <a:rPr lang="sr-Latn-RS" smtClean="0"/>
+              <a:rPr lang="sr-Latn-RS" sz="2400" smtClean="0"/>
               <a:t>fondacija</a:t>
             </a:r>
-            <a:endParaRPr lang="sr-Latn-RS" smtClean="0"/>
-          </a:p>
-          <a:p>
-            <a:r>
-              <a:rPr lang="sr-Latn-RS"/>
+          </a:p>
+          <a:p>
+            <a:r>
+              <a:rPr lang="sr-Latn-RS" sz="2400"/>
               <a:t>K</a:t>
             </a:r>
             <a:r>
-              <a:rPr lang="sr-Latn-RS" smtClean="0"/>
+              <a:rPr lang="sr-Latn-RS" sz="2400" smtClean="0"/>
               <a:t>reiranje desktop aplikacija </a:t>
             </a:r>
           </a:p>
           <a:p>
             <a:r>
-              <a:rPr lang="sr-Latn-RS"/>
+              <a:rPr lang="sr-Latn-RS" sz="2400"/>
               <a:t>W</a:t>
             </a:r>
             <a:r>
-              <a:rPr lang="sr-Latn-RS" smtClean="0"/>
+              <a:rPr lang="sr-Latn-RS" sz="2400" smtClean="0"/>
               <a:t>eb tehnologije (HT</a:t>
             </a:r>
             <a:r>
-              <a:rPr lang="en-US" smtClean="0"/>
+              <a:rPr lang="en-US" sz="2400" smtClean="0"/>
               <a:t>M</a:t>
             </a:r>
             <a:r>
-              <a:rPr lang="sr-Latn-RS" smtClean="0"/>
+              <a:rPr lang="sr-Latn-RS" sz="2400" smtClean="0"/>
               <a:t>L, CSS, JavaScript)</a:t>
             </a:r>
           </a:p>
           <a:p>
             <a:r>
-              <a:rPr lang="sr-Latn-RS" smtClean="0"/>
-              <a:t>Integracija </a:t>
-            </a:r>
-            <a:r>
-              <a:rPr lang="sr-Latn-RS" smtClean="0"/>
-              <a:t>Chromium-a i Node.js</a:t>
+              <a:rPr lang="sr-Latn-RS" sz="2400" smtClean="0"/>
+              <a:t>Integracija Chromium-a i Node.js</a:t>
             </a:r>
           </a:p>
         </p:txBody>
@@ -7433,16 +8107,57 @@
             <p:ph type="title"/>
           </p:nvPr>
         </p:nvSpPr>
-        <p:spPr/>
-        <p:txBody>
-          <a:bodyPr/>
+        <p:spPr>
+          <a:xfrm>
+            <a:off x="252919" y="1123837"/>
+            <a:ext cx="3040614" cy="4601183"/>
+          </a:xfrm>
+        </p:spPr>
+        <p:txBody>
+          <a:bodyPr>
+            <a:normAutofit/>
+          </a:bodyPr>
           <a:lstStyle/>
           <a:p>
             <a:r>
-              <a:rPr lang="sr-Latn-RS" smtClean="0"/>
+              <a:rPr lang="sr-Latn-RS" sz="4000" b="1" spc="0" smtClean="0">
+                <a:ln w="9525">
+                  <a:solidFill>
+                    <a:schemeClr val="bg1"/>
+                  </a:solidFill>
+                  <a:prstDash val="solid"/>
+                </a:ln>
+                <a:solidFill>
+                  <a:schemeClr val="tx1"/>
+                </a:solidFill>
+                <a:effectLst>
+                  <a:outerShdw blurRad="12700" dist="38100" dir="2700000" algn="tl" rotWithShape="0">
+                    <a:schemeClr val="bg1">
+                      <a:lumMod val="50000"/>
+                    </a:schemeClr>
+                  </a:outerShdw>
+                </a:effectLst>
+              </a:rPr>
               <a:t>Ključne komponente</a:t>
             </a:r>
-            <a:endParaRPr lang="en-US"/>
+            <a:endParaRPr lang="en-US" sz="4000" b="1" spc="0">
+              <a:ln w="9525">
+                <a:solidFill>
+                  <a:schemeClr val="bg1"/>
+                </a:solidFill>
+                <a:prstDash val="solid"/>
+              </a:ln>
+              <a:solidFill>
+                <a:schemeClr val="tx1"/>
+              </a:solidFill>
+              <a:effectLst>
+                <a:outerShdw blurRad="12700" dist="38100" dir="2700000" algn="tl" rotWithShape="0">
+                  <a:schemeClr val="bg1">
+                    <a:lumMod val="50000"/>
+                  </a:schemeClr>
+                </a:outerShdw>
+              </a:effectLst>
+            </a:endParaRPr>
           </a:p>
         </p:txBody>
       </p:sp>
@@ -7489,125 +8204,131 @@
             <p:ph idx="1"/>
           </p:nvPr>
         </p:nvSpPr>
-        <p:spPr/>
-        <p:txBody>
-          <a:bodyPr/>
+        <p:spPr>
+          <a:xfrm>
+            <a:off x="3869268" y="864107"/>
+            <a:ext cx="7845404" cy="5174383"/>
+          </a:xfrm>
+        </p:spPr>
+        <p:txBody>
+          <a:bodyPr>
+            <a:normAutofit/>
+          </a:bodyPr>
           <a:lstStyle/>
           <a:p>
             <a:r>
-              <a:rPr lang="en-US"/>
+              <a:rPr lang="en-US" sz="2400" b="1"/>
               <a:t>Chromium: </a:t>
             </a:r>
-            <a:endParaRPr lang="sr-Latn-RS" smtClean="0"/>
+            <a:endParaRPr lang="sr-Latn-RS" sz="2400" b="1" smtClean="0"/>
           </a:p>
           <a:p>
             <a:pPr lvl="1"/>
             <a:r>
-              <a:rPr lang="sr-Latn-RS" smtClean="0"/>
+              <a:rPr lang="sr-Latn-RS" sz="2000" smtClean="0"/>
               <a:t>web </a:t>
             </a:r>
             <a:r>
-              <a:rPr lang="sr-Latn-RS"/>
+              <a:rPr lang="sr-Latn-RS" sz="2000"/>
               <a:t>pretraživač otvorenog koda koji koristi Google </a:t>
             </a:r>
             <a:r>
-              <a:rPr lang="sr-Latn-RS" smtClean="0"/>
+              <a:rPr lang="sr-Latn-RS" sz="2000" smtClean="0"/>
               <a:t>Chrome</a:t>
             </a:r>
           </a:p>
           <a:p>
             <a:pPr lvl="1"/>
             <a:r>
-              <a:rPr lang="sr-Latn-RS" smtClean="0"/>
+              <a:rPr lang="sr-Latn-RS" sz="2000" smtClean="0"/>
               <a:t>prikaz </a:t>
             </a:r>
             <a:r>
-              <a:rPr lang="sr-Latn-RS"/>
+              <a:rPr lang="sr-Latn-RS" sz="2000"/>
               <a:t>korisničkog interfejsa (UI) </a:t>
             </a:r>
             <a:r>
-              <a:rPr lang="sr-Latn-RS" smtClean="0"/>
+              <a:rPr lang="sr-Latn-RS" sz="2000" smtClean="0"/>
               <a:t>aplikacije</a:t>
             </a:r>
-            <a:endParaRPr lang="en-US" smtClean="0"/>
+            <a:endParaRPr lang="en-US" sz="2000" smtClean="0"/>
           </a:p>
           <a:p>
             <a:pPr lvl="1"/>
             <a:r>
-              <a:rPr lang="en-US"/>
+              <a:rPr lang="en-US" sz="2000"/>
               <a:t>povezuje Chromium da bi obezbedio prozor pretraživača sa punim funkcijama za prikazivanje HTML-a, CSS-a i JavaScript-a</a:t>
             </a:r>
-            <a:endParaRPr lang="en-US"/>
-          </a:p>
-          <a:p>
-            <a:r>
-              <a:rPr lang="en-US" smtClean="0"/>
+          </a:p>
+          <a:p>
+            <a:r>
+              <a:rPr lang="en-US" sz="2400" b="1" smtClean="0"/>
               <a:t> </a:t>
             </a:r>
             <a:r>
-              <a:rPr lang="en-US"/>
+              <a:rPr lang="en-US" sz="2400" b="1"/>
               <a:t>Node.js: </a:t>
             </a:r>
-            <a:endParaRPr lang="en-US" smtClean="0"/>
+            <a:endParaRPr lang="en-US" sz="2400" b="1" smtClean="0"/>
           </a:p>
           <a:p>
             <a:pPr lvl="1"/>
             <a:r>
-              <a:rPr lang="en-US" smtClean="0"/>
+              <a:rPr lang="en-US" sz="2000" smtClean="0"/>
               <a:t>JavaScript okru</a:t>
             </a:r>
             <a:r>
-              <a:rPr lang="sr-Latn-RS" smtClean="0"/>
+              <a:rPr lang="sr-Latn-RS" sz="2000" smtClean="0"/>
               <a:t>ž</a:t>
             </a:r>
             <a:r>
-              <a:rPr lang="en-US" smtClean="0"/>
+              <a:rPr lang="en-US" sz="2000" smtClean="0"/>
               <a:t>enje</a:t>
             </a:r>
-            <a:endParaRPr lang="sr-Latn-RS" smtClean="0"/>
+            <a:endParaRPr lang="sr-Latn-RS" sz="2000" smtClean="0"/>
           </a:p>
           <a:p>
             <a:pPr lvl="1"/>
             <a:r>
-              <a:rPr lang="sr-Latn-RS"/>
+              <a:rPr lang="sr-Latn-RS" sz="2000"/>
               <a:t>o</a:t>
             </a:r>
             <a:r>
-              <a:rPr lang="en-US" smtClean="0"/>
+              <a:rPr lang="en-US" sz="2000" smtClean="0"/>
               <a:t>mogućava </a:t>
             </a:r>
             <a:r>
-              <a:rPr lang="en-US"/>
+              <a:rPr lang="en-US" sz="2000"/>
               <a:t>izvršavanje JavaScript-a </a:t>
             </a:r>
             <a:r>
-              <a:rPr lang="en-US" smtClean="0"/>
+              <a:rPr lang="en-US" sz="2000" smtClean="0"/>
               <a:t>na strain servera</a:t>
             </a:r>
           </a:p>
           <a:p>
             <a:pPr lvl="1"/>
             <a:r>
-              <a:rPr lang="en-US" smtClean="0"/>
+              <a:rPr lang="en-US" sz="2000" smtClean="0"/>
               <a:t>pristupom </a:t>
             </a:r>
             <a:r>
-              <a:rPr lang="en-US"/>
+              <a:rPr lang="en-US" sz="2000"/>
               <a:t>lokalnim sistemskim </a:t>
             </a:r>
             <a:r>
-              <a:rPr lang="en-US" smtClean="0"/>
+              <a:rPr lang="en-US" sz="2000" smtClean="0"/>
               <a:t>funkcijama</a:t>
             </a:r>
-            <a:endParaRPr lang="sr-Latn-RS" smtClean="0"/>
-          </a:p>
-          <a:p>
-            <a:r>
-              <a:rPr lang="en-US" smtClean="0"/>
+            <a:endParaRPr lang="sr-Latn-RS" sz="2000" smtClean="0"/>
+          </a:p>
+          <a:p>
+            <a:r>
+              <a:rPr lang="en-US" sz="2400" smtClean="0"/>
               <a:t>Zajedno</a:t>
             </a:r>
             <a:r>
-              <a:rPr lang="en-US"/>
+              <a:rPr lang="en-US" sz="2400"/>
               <a:t>, Chromium i Node.js omogućavaju razvoj desktop aplikacija sa web tehnologijama.</a:t>
             </a:r>
           </a:p>
@@ -7653,16 +8374,57 @@
             <p:ph type="title"/>
           </p:nvPr>
         </p:nvSpPr>
-        <p:spPr/>
-        <p:txBody>
-          <a:bodyPr/>
+        <p:spPr>
+          <a:xfrm>
+            <a:off x="252918" y="1123837"/>
+            <a:ext cx="2998281" cy="4601183"/>
+          </a:xfrm>
+        </p:spPr>
+        <p:txBody>
+          <a:bodyPr>
+            <a:normAutofit/>
+          </a:bodyPr>
           <a:lstStyle/>
           <a:p>
             <a:r>
-              <a:rPr lang="sr-Latn-RS" smtClean="0"/>
+              <a:rPr lang="sr-Latn-RS" sz="4000" b="1" spc="0" smtClean="0">
+                <a:ln w="9525">
+                  <a:solidFill>
+                    <a:schemeClr val="bg1"/>
+                  </a:solidFill>
+                  <a:prstDash val="solid"/>
+                </a:ln>
+                <a:solidFill>
+                  <a:schemeClr val="tx1"/>
+                </a:solidFill>
+                <a:effectLst>
+                  <a:outerShdw blurRad="12700" dist="38100" dir="2700000" algn="tl" rotWithShape="0">
+                    <a:schemeClr val="bg1">
+                      <a:lumMod val="50000"/>
+                    </a:schemeClr>
+                  </a:outerShdw>
+                </a:effectLst>
+              </a:rPr>
               <a:t>Procesni model</a:t>
             </a:r>
-            <a:endParaRPr lang="en-US"/>
+            <a:endParaRPr lang="en-US" sz="4000" b="1" spc="0">
+              <a:ln w="9525">
+                <a:solidFill>
+                  <a:schemeClr val="bg1"/>
+                </a:solidFill>
+                <a:prstDash val="solid"/>
+              </a:ln>
+              <a:solidFill>
+                <a:schemeClr val="tx1"/>
+              </a:solidFill>
+              <a:effectLst>
+                <a:outerShdw blurRad="12700" dist="38100" dir="2700000" algn="tl" rotWithShape="0">
+                  <a:schemeClr val="bg1">
+                    <a:lumMod val="50000"/>
+                  </a:schemeClr>
+                </a:outerShdw>
+              </a:effectLst>
+            </a:endParaRPr>
           </a:p>
         </p:txBody>
       </p:sp>
@@ -7676,107 +8438,102 @@
             <p:ph idx="1"/>
           </p:nvPr>
         </p:nvSpPr>
-        <p:spPr/>
-        <p:txBody>
-          <a:bodyPr/>
+        <p:spPr>
+          <a:xfrm>
+            <a:off x="3869267" y="864107"/>
+            <a:ext cx="7914415" cy="5269273"/>
+          </a:xfrm>
+        </p:spPr>
+        <p:txBody>
+          <a:bodyPr>
+            <a:normAutofit/>
+          </a:bodyPr>
           <a:lstStyle/>
           <a:p>
             <a:r>
-              <a:rPr lang="sr-Latn-RS" smtClean="0"/>
-              <a:t>Više-procesni </a:t>
-            </a:r>
-            <a:r>
-              <a:rPr lang="sr-Latn-RS" smtClean="0"/>
-              <a:t>model</a:t>
-            </a:r>
-            <a:endParaRPr lang="en-US" smtClean="0"/>
+              <a:rPr lang="sr-Latn-RS" sz="2400" b="1" smtClean="0"/>
+              <a:t>Više-procesni model</a:t>
+            </a:r>
+            <a:endParaRPr lang="en-US" sz="2400" b="1" smtClean="0"/>
           </a:p>
           <a:p>
             <a:pPr lvl="1"/>
             <a:r>
-              <a:rPr lang="en-US" smtClean="0"/>
+              <a:rPr lang="en-US" sz="2000" smtClean="0"/>
               <a:t>ve</a:t>
             </a:r>
             <a:r>
-              <a:rPr lang="sr-Latn-RS" smtClean="0"/>
+              <a:rPr lang="sr-Latn-RS" sz="2000" smtClean="0"/>
               <a:t>ća fleksibilnost</a:t>
             </a:r>
           </a:p>
           <a:p>
             <a:pPr lvl="1"/>
             <a:r>
-              <a:rPr lang="sr-Latn-RS"/>
+              <a:rPr lang="sr-Latn-RS" sz="2000"/>
               <a:t>s</a:t>
             </a:r>
             <a:r>
-              <a:rPr lang="sr-Latn-RS" smtClean="0"/>
+              <a:rPr lang="sr-Latn-RS" sz="2000" smtClean="0"/>
               <a:t>igurnost</a:t>
             </a:r>
           </a:p>
           <a:p>
             <a:pPr lvl="1"/>
             <a:r>
-              <a:rPr lang="sr-Latn-RS"/>
+              <a:rPr lang="sr-Latn-RS" sz="2000"/>
               <a:t>e</a:t>
             </a:r>
             <a:r>
-              <a:rPr lang="sr-Latn-RS" smtClean="0"/>
-              <a:t>fikasnost u razvoju </a:t>
-            </a:r>
-            <a:r>
-              <a:rPr lang="sr-Latn-RS" smtClean="0"/>
-              <a:t>aplikacija</a:t>
-            </a:r>
-            <a:endParaRPr lang="en-US" smtClean="0"/>
+              <a:rPr lang="sr-Latn-RS" sz="2000" smtClean="0"/>
+              <a:t>fikasnost u razvoju aplikacija</a:t>
+            </a:r>
+            <a:endParaRPr lang="en-US" sz="2000" smtClean="0"/>
           </a:p>
           <a:p>
             <a:pPr lvl="1"/>
             <a:r>
-              <a:rPr lang="en-US" smtClean="0"/>
+              <a:rPr lang="en-US" sz="2000" smtClean="0"/>
               <a:t>poti</a:t>
             </a:r>
             <a:r>
-              <a:rPr lang="sr-Latn-RS" smtClean="0"/>
+              <a:rPr lang="sr-Latn-RS" sz="2000" smtClean="0"/>
               <a:t>č</a:t>
             </a:r>
             <a:r>
-              <a:rPr lang="en-US" smtClean="0"/>
+              <a:rPr lang="en-US" sz="2000" smtClean="0"/>
               <a:t>e</a:t>
             </a:r>
             <a:r>
-              <a:rPr lang="sr-Latn-RS" smtClean="0"/>
+              <a:rPr lang="sr-Latn-RS" sz="2000" smtClean="0"/>
               <a:t> </a:t>
             </a:r>
             <a:r>
-              <a:rPr lang="en-US" smtClean="0"/>
+              <a:rPr lang="en-US" sz="2000" smtClean="0"/>
               <a:t>iz</a:t>
             </a:r>
             <a:r>
-              <a:rPr lang="sr-Latn-RS" smtClean="0"/>
+              <a:rPr lang="sr-Latn-RS" sz="2000" smtClean="0"/>
               <a:t> Chromium-</a:t>
             </a:r>
             <a:r>
-              <a:rPr lang="en-US"/>
+              <a:rPr lang="en-US" sz="2000"/>
               <a:t>a</a:t>
             </a:r>
-            <a:endParaRPr lang="sr-Latn-RS" smtClean="0"/>
-          </a:p>
-          <a:p>
-            <a:r>
-              <a:rPr lang="sr-Latn-RS" smtClean="0"/>
-              <a:t>Glavni </a:t>
-            </a:r>
-            <a:r>
-              <a:rPr lang="sr-Latn-RS" smtClean="0"/>
-              <a:t>proces (Main Process)</a:t>
-            </a:r>
-          </a:p>
-          <a:p>
-            <a:r>
-              <a:rPr lang="sr-Latn-RS" smtClean="0"/>
+            <a:endParaRPr lang="sr-Latn-RS" sz="2000" smtClean="0"/>
+          </a:p>
+          <a:p>
+            <a:r>
+              <a:rPr lang="sr-Latn-RS" sz="2400" b="1" smtClean="0"/>
+              <a:t>Glavni proces (Main Process)</a:t>
+            </a:r>
+          </a:p>
+          <a:p>
+            <a:r>
+              <a:rPr lang="sr-Latn-RS" sz="2400" b="1" smtClean="0"/>
               <a:t>Renderer proces (Renderer Process)</a:t>
             </a:r>
-            <a:endParaRPr lang="en-US"/>
+            <a:endParaRPr lang="en-US" sz="2400" b="1"/>
           </a:p>
         </p:txBody>
       </p:sp>
@@ -7802,7 +8559,7 @@
         </p:blipFill>
         <p:spPr>
           <a:xfrm>
-            <a:off x="8640232" y="3078682"/>
+            <a:off x="8895029" y="2924446"/>
             <a:ext cx="2802469" cy="3208934"/>
           </a:xfrm>
           <a:prstGeom prst="rect">
@@ -7880,33 +8637,10 @@
             <p:ph type="title"/>
           </p:nvPr>
         </p:nvSpPr>
-        <p:spPr/>
-        <p:txBody>
-          <a:bodyPr/>
-          <a:lstStyle/>
-          <a:p>
-            <a:r>
-              <a:rPr lang="sr-Latn-RS" smtClean="0"/>
-              <a:t>Glavni porces</a:t>
-            </a:r>
-            <a:endParaRPr lang="en-US"/>
-          </a:p>
-        </p:txBody>
-      </p:sp>
-      <p:sp>
-        <p:nvSpPr>
-          <p:cNvPr id="3" name="Content Placeholder 2"/>
-          <p:cNvSpPr>
-            <a:spLocks noGrp="1"/>
-          </p:cNvSpPr>
-          <p:nvPr>
-            <p:ph idx="1"/>
-          </p:nvPr>
-        </p:nvSpPr>
         <p:spPr>
           <a:xfrm>
-            <a:off x="3869268" y="1123837"/>
-            <a:ext cx="7315200" cy="5120640"/>
+            <a:off x="117453" y="1123837"/>
+            <a:ext cx="3133748" cy="4601183"/>
           </a:xfrm>
         </p:spPr>
         <p:txBody>
@@ -7915,11 +8649,75 @@
           </a:bodyPr>
           <a:lstStyle/>
           <a:p>
+            <a:r>
+              <a:rPr lang="sr-Latn-RS" sz="4000" b="1" spc="0" smtClean="0">
+                <a:ln w="9525">
+                  <a:solidFill>
+                    <a:schemeClr val="bg1"/>
+                  </a:solidFill>
+                  <a:prstDash val="solid"/>
+                </a:ln>
+                <a:solidFill>
+                  <a:schemeClr val="tx1"/>
+                </a:solidFill>
+                <a:effectLst>
+                  <a:outerShdw blurRad="12700" dist="38100" dir="2700000" algn="tl" rotWithShape="0">
+                    <a:schemeClr val="bg1">
+                      <a:lumMod val="50000"/>
+                    </a:schemeClr>
+                  </a:outerShdw>
+                </a:effectLst>
+              </a:rPr>
+              <a:t>Glavni porces</a:t>
+            </a:r>
+            <a:endParaRPr lang="en-US" sz="4000" b="1" spc="0">
+              <a:ln w="9525">
+                <a:solidFill>
+                  <a:schemeClr val="bg1"/>
+                </a:solidFill>
+                <a:prstDash val="solid"/>
+              </a:ln>
+              <a:solidFill>
+                <a:schemeClr val="tx1"/>
+              </a:solidFill>
+              <a:effectLst>
+                <a:outerShdw blurRad="12700" dist="38100" dir="2700000" algn="tl" rotWithShape="0">
+                  <a:schemeClr val="bg1">
+                    <a:lumMod val="50000"/>
+                  </a:schemeClr>
+                </a:outerShdw>
+              </a:effectLst>
+            </a:endParaRPr>
+          </a:p>
+        </p:txBody>
+      </p:sp>
+      <p:sp>
+        <p:nvSpPr>
+          <p:cNvPr id="3" name="Content Placeholder 2"/>
+          <p:cNvSpPr>
+            <a:spLocks noGrp="1"/>
+          </p:cNvSpPr>
+          <p:nvPr>
+            <p:ph idx="1"/>
+          </p:nvPr>
+        </p:nvSpPr>
+        <p:spPr>
+          <a:xfrm>
+            <a:off x="3869267" y="1123837"/>
+            <a:ext cx="7836777" cy="5294216"/>
+          </a:xfrm>
+        </p:spPr>
+        <p:txBody>
+          <a:bodyPr>
+            <a:normAutofit/>
+          </a:bodyPr>
+          <a:lstStyle/>
+          <a:p>
             <a:pPr marL="0" indent="0">
               <a:buNone/>
             </a:pPr>
             <a:r>
-              <a:rPr lang="en-US" sz="1800">
+              <a:rPr lang="en-US">
                 <a:solidFill>
                   <a:srgbClr val="00B0F0"/>
                 </a:solidFill>
@@ -7927,64 +8725,64 @@
               <a:t>1. </a:t>
             </a:r>
             <a:r>
-              <a:rPr lang="en-US" sz="1800"/>
+              <a:rPr lang="en-US" b="1"/>
               <a:t>Pokreće Node.js </a:t>
             </a:r>
             <a:r>
-              <a:rPr lang="en-US" sz="1800" smtClean="0"/>
+              <a:rPr lang="en-US" b="1" smtClean="0"/>
               <a:t>okruženje</a:t>
             </a:r>
-            <a:endParaRPr lang="en-US" sz="1800"/>
+            <a:endParaRPr lang="en-US" b="1"/>
           </a:p>
           <a:p>
             <a:pPr lvl="1"/>
             <a:r>
-              <a:rPr lang="en-US" sz="1600" smtClean="0"/>
+              <a:rPr lang="en-US" smtClean="0"/>
               <a:t>koristi </a:t>
             </a:r>
             <a:r>
-              <a:rPr lang="en-US" sz="1600"/>
+              <a:rPr lang="en-US"/>
               <a:t>Node.js za pristup lokalnim resursima (fajl sistem, mrežni zahtevi, baze podataka</a:t>
             </a:r>
             <a:r>
-              <a:rPr lang="en-US" sz="1600" smtClean="0"/>
+              <a:rPr lang="en-US" smtClean="0"/>
               <a:t>)</a:t>
             </a:r>
-            <a:endParaRPr lang="en-US" sz="1600"/>
+            <a:endParaRPr lang="en-US"/>
           </a:p>
           <a:p>
             <a:pPr lvl="1"/>
             <a:r>
-              <a:rPr lang="sr-Latn-RS" sz="1600" smtClean="0"/>
+              <a:rPr lang="sr-Latn-RS" smtClean="0"/>
               <a:t>o</a:t>
             </a:r>
             <a:r>
-              <a:rPr lang="en-US" sz="1600" smtClean="0"/>
+              <a:rPr lang="en-US" smtClean="0"/>
               <a:t>mogućava </a:t>
             </a:r>
             <a:r>
-              <a:rPr lang="en-US" sz="1600"/>
+              <a:rPr lang="en-US"/>
               <a:t>operacije koje nisu dozvoljene u renderer procesu, kao što su otvaranje fajlova i rad sa eksternim </a:t>
             </a:r>
             <a:r>
-              <a:rPr lang="en-US" sz="1600" smtClean="0"/>
+              <a:rPr lang="en-US" smtClean="0"/>
               <a:t>programima</a:t>
             </a:r>
           </a:p>
           <a:p>
             <a:pPr lvl="1"/>
             <a:r>
-              <a:rPr lang="en-US" sz="1600" smtClean="0"/>
+              <a:rPr lang="en-US" smtClean="0"/>
               <a:t>npm paketi</a:t>
             </a:r>
-            <a:endParaRPr lang="en-US" sz="1600"/>
+            <a:endParaRPr lang="en-US"/>
           </a:p>
           <a:p>
             <a:pPr marL="0" indent="0">
               <a:buNone/>
             </a:pPr>
             <a:r>
-              <a:rPr lang="en-US" sz="1800">
+              <a:rPr lang="en-US">
                 <a:solidFill>
                   <a:srgbClr val="00B0F0"/>
                 </a:solidFill>
@@ -7992,57 +8790,57 @@
               <a:t>2. </a:t>
             </a:r>
             <a:r>
-              <a:rPr lang="en-US" sz="1800"/>
+              <a:rPr lang="en-US" b="1"/>
               <a:t>Kreira i </a:t>
             </a:r>
             <a:r>
-              <a:rPr lang="en-US" sz="1800" smtClean="0"/>
+              <a:rPr lang="en-US" b="1" smtClean="0"/>
               <a:t>upravlja prozorima</a:t>
             </a:r>
-            <a:endParaRPr lang="en-US" sz="1800"/>
+            <a:endParaRPr lang="en-US" b="1"/>
           </a:p>
           <a:p>
             <a:pPr lvl="1"/>
             <a:r>
-              <a:rPr lang="en-US" sz="1600" b="1"/>
+              <a:rPr lang="en-US" b="1"/>
               <a:t>BrowserWindow</a:t>
             </a:r>
             <a:r>
-              <a:rPr lang="en-US" sz="1600"/>
+              <a:rPr lang="en-US"/>
               <a:t> objekat koristi se za kreiranje prozora. Glavni proces kontroliše veličinu, poziciju, ponašanje </a:t>
             </a:r>
             <a:r>
-              <a:rPr lang="en-US" sz="1600" smtClean="0"/>
+              <a:rPr lang="en-US" smtClean="0"/>
               <a:t>prozora</a:t>
             </a:r>
-            <a:endParaRPr lang="en-US" sz="1600"/>
+            <a:endParaRPr lang="en-US"/>
           </a:p>
           <a:p>
             <a:pPr lvl="1"/>
             <a:r>
-              <a:rPr lang="sr-Latn-RS" sz="1600" smtClean="0"/>
+              <a:rPr lang="sr-Latn-RS" smtClean="0"/>
               <a:t>p</a:t>
             </a:r>
             <a:r>
-              <a:rPr lang="en-US" sz="1600" smtClean="0"/>
+              <a:rPr lang="en-US" smtClean="0"/>
               <a:t>rozor </a:t>
             </a:r>
             <a:r>
-              <a:rPr lang="en-US" sz="1600"/>
+              <a:rPr lang="en-US"/>
               <a:t>učitava HTML, CSS i JavaScript sadržaj iz render procesa (lokalni fajlovi ili web aplikacija</a:t>
             </a:r>
             <a:r>
-              <a:rPr lang="en-US" sz="1600" smtClean="0"/>
+              <a:rPr lang="en-US" smtClean="0"/>
               <a:t>)</a:t>
             </a:r>
-            <a:endParaRPr lang="sr-Latn-RS" sz="1600" smtClean="0"/>
+            <a:endParaRPr lang="sr-Latn-RS" smtClean="0"/>
           </a:p>
           <a:p>
             <a:pPr marL="0" indent="0">
               <a:buNone/>
             </a:pPr>
             <a:r>
-              <a:rPr lang="en-US" sz="1800">
+              <a:rPr lang="en-US">
                 <a:solidFill>
                   <a:srgbClr val="00B0F0"/>
                 </a:solidFill>
@@ -8050,66 +8848,66 @@
               <a:t>3. </a:t>
             </a:r>
             <a:r>
-              <a:rPr lang="en-US" sz="1800"/>
+              <a:rPr lang="en-US" b="1"/>
               <a:t>Kontroliše </a:t>
             </a:r>
             <a:r>
-              <a:rPr lang="en-US" sz="1800" smtClean="0"/>
+              <a:rPr lang="en-US" b="1" smtClean="0"/>
               <a:t>životni </a:t>
             </a:r>
             <a:r>
-              <a:rPr lang="en-US" sz="1800"/>
+              <a:rPr lang="en-US" b="1"/>
               <a:t>c</a:t>
             </a:r>
             <a:r>
-              <a:rPr lang="en-US" sz="1800" smtClean="0"/>
+              <a:rPr lang="en-US" b="1" smtClean="0"/>
               <a:t>iklus </a:t>
             </a:r>
             <a:r>
-              <a:rPr lang="en-US" sz="1800"/>
+              <a:rPr lang="en-US" b="1"/>
               <a:t>a</a:t>
             </a:r>
             <a:r>
-              <a:rPr lang="en-US" sz="1800" smtClean="0"/>
+              <a:rPr lang="en-US" b="1" smtClean="0"/>
               <a:t>plikacije</a:t>
             </a:r>
-            <a:endParaRPr lang="en-US" sz="1800"/>
+            <a:endParaRPr lang="en-US" b="1"/>
           </a:p>
           <a:p>
             <a:pPr lvl="1"/>
             <a:r>
-              <a:rPr lang="en-US" sz="1600"/>
+              <a:rPr lang="en-US"/>
               <a:t>Pokretanje aplikacije: Glavni proces se aktivira i kreira početne </a:t>
             </a:r>
             <a:r>
-              <a:rPr lang="en-US" sz="1600" smtClean="0"/>
+              <a:rPr lang="en-US" smtClean="0"/>
               <a:t>prozore</a:t>
             </a:r>
-            <a:endParaRPr lang="en-US" sz="1600"/>
+            <a:endParaRPr lang="en-US"/>
           </a:p>
           <a:p>
             <a:pPr lvl="1"/>
             <a:r>
-              <a:rPr lang="en-US" sz="1600"/>
+              <a:rPr lang="en-US"/>
               <a:t>Zatvaranje aplikacije: Glavni proces prati zatvaranje prozora i izlazi iz aplikacije kada svi prozori budu </a:t>
             </a:r>
             <a:r>
-              <a:rPr lang="en-US" sz="1600" smtClean="0"/>
+              <a:rPr lang="en-US" smtClean="0"/>
               <a:t>zatvoreni</a:t>
             </a:r>
-            <a:endParaRPr lang="en-US" sz="1600"/>
+            <a:endParaRPr lang="en-US"/>
           </a:p>
           <a:p>
             <a:pPr lvl="2"/>
             <a:r>
-              <a:rPr lang="en-US" sz="1400"/>
+              <a:rPr lang="en-US"/>
               <a:t>Na macOS-u, aplikacija ostaje aktivna čak i kada su svi prozori </a:t>
             </a:r>
             <a:r>
-              <a:rPr lang="en-US" sz="1400" smtClean="0"/>
+              <a:rPr lang="en-US" smtClean="0"/>
               <a:t>zatvoreni</a:t>
             </a:r>
-            <a:endParaRPr lang="en-US" sz="1400"/>
+            <a:endParaRPr lang="en-US"/>
           </a:p>
           <a:p>
             <a:pPr marL="502920" lvl="1" indent="0">
@@ -8162,14 +8960,40 @@
             <p:ph type="title"/>
           </p:nvPr>
         </p:nvSpPr>
-        <p:spPr/>
+        <p:spPr>
+          <a:xfrm>
+            <a:off x="125919" y="1161366"/>
+            <a:ext cx="3167614" cy="4601183"/>
+          </a:xfrm>
+        </p:spPr>
         <p:txBody>
           <a:bodyPr/>
           <a:lstStyle/>
           <a:p>
             <a:r>
+              <a:rPr lang="sr-Latn-RS" sz="4000" b="1" spc="0" smtClean="0">
+                <a:ln w="9525">
+                  <a:solidFill>
+                    <a:schemeClr val="bg1"/>
+                  </a:solidFill>
+                  <a:prstDash val="solid"/>
+                </a:ln>
+                <a:solidFill>
+                  <a:schemeClr val="tx1"/>
+                </a:solidFill>
+                <a:effectLst>
+                  <a:outerShdw blurRad="12700" dist="38100" dir="2700000" algn="tl" rotWithShape="0">
+                    <a:schemeClr val="bg1">
+                      <a:lumMod val="50000"/>
+                    </a:schemeClr>
+                  </a:outerShdw>
+                </a:effectLst>
+              </a:rPr>
+              <a:t>Glavni proces</a:t>
+            </a:r>
+            <a:r>
               <a:rPr lang="sr-Latn-RS" smtClean="0"/>
-              <a:t>Glavni proces</a:t>
+              <a:t/>
             </a:r>
             <a:br>
               <a:rPr lang="sr-Latn-RS" smtClean="0"/>
@@ -8184,7 +9008,7 @@
       </p:sp>
       <p:pic>
         <p:nvPicPr>
-          <p:cNvPr id="3" name="Picture 2"/>
+          <p:cNvPr id="4" name="Picture 3"/>
           <p:cNvPicPr>
             <a:picLocks noChangeAspect="1"/>
           </p:cNvPicPr>
@@ -8198,8 +9022,8 @@
         </p:blipFill>
         <p:spPr>
           <a:xfrm>
-            <a:off x="4461932" y="248143"/>
-            <a:ext cx="5532401" cy="6352569"/>
+            <a:off x="3890512" y="120825"/>
+            <a:ext cx="5883215" cy="6682267"/>
           </a:xfrm>
           <a:prstGeom prst="rect">
             <a:avLst/>
@@ -8246,39 +9070,82 @@
             <p:ph type="title"/>
           </p:nvPr>
         </p:nvSpPr>
+        <p:spPr>
+          <a:xfrm>
+            <a:off x="66651" y="1123836"/>
+            <a:ext cx="3201481" cy="4601183"/>
+          </a:xfrm>
+        </p:spPr>
+        <p:txBody>
+          <a:bodyPr>
+            <a:normAutofit/>
+          </a:bodyPr>
+          <a:lstStyle/>
+          <a:p>
+            <a:r>
+              <a:rPr lang="sr-Latn-RS" sz="4000" b="1" spc="0" smtClean="0">
+                <a:ln w="9525">
+                  <a:solidFill>
+                    <a:schemeClr val="bg1"/>
+                  </a:solidFill>
+                  <a:prstDash val="solid"/>
+                </a:ln>
+                <a:solidFill>
+                  <a:schemeClr val="tx1"/>
+                </a:solidFill>
+                <a:effectLst>
+                  <a:outerShdw blurRad="12700" dist="38100" dir="2700000" algn="tl" rotWithShape="0">
+                    <a:schemeClr val="bg1">
+                      <a:lumMod val="50000"/>
+                    </a:schemeClr>
+                  </a:outerShdw>
+                </a:effectLst>
+              </a:rPr>
+              <a:t>Renderer proces</a:t>
+            </a:r>
+            <a:endParaRPr lang="en-US" sz="4000" b="1" spc="0">
+              <a:ln w="9525">
+                <a:solidFill>
+                  <a:schemeClr val="bg1"/>
+                </a:solidFill>
+                <a:prstDash val="solid"/>
+              </a:ln>
+              <a:solidFill>
+                <a:schemeClr val="tx1"/>
+              </a:solidFill>
+              <a:effectLst>
+                <a:outerShdw blurRad="12700" dist="38100" dir="2700000" algn="tl" rotWithShape="0">
+                  <a:schemeClr val="bg1">
+                    <a:lumMod val="50000"/>
+                  </a:schemeClr>
+                </a:outerShdw>
+              </a:effectLst>
+            </a:endParaRPr>
+          </a:p>
+        </p:txBody>
+      </p:sp>
+      <p:sp>
+        <p:nvSpPr>
+          <p:cNvPr id="3" name="Content Placeholder 2"/>
+          <p:cNvSpPr>
+            <a:spLocks noGrp="1"/>
+          </p:cNvSpPr>
+          <p:nvPr>
+            <p:ph idx="1"/>
+          </p:nvPr>
+        </p:nvSpPr>
         <p:spPr/>
         <p:txBody>
-          <a:bodyPr/>
-          <a:lstStyle/>
-          <a:p>
-            <a:r>
-              <a:rPr lang="sr-Latn-RS" smtClean="0"/>
-              <a:t>Renderer proces</a:t>
-            </a:r>
-            <a:endParaRPr lang="en-US"/>
-          </a:p>
-        </p:txBody>
-      </p:sp>
-      <p:sp>
-        <p:nvSpPr>
-          <p:cNvPr id="3" name="Content Placeholder 2"/>
-          <p:cNvSpPr>
-            <a:spLocks noGrp="1"/>
-          </p:cNvSpPr>
-          <p:nvPr>
-            <p:ph idx="1"/>
-          </p:nvPr>
-        </p:nvSpPr>
-        <p:spPr/>
-        <p:txBody>
-          <a:bodyPr/>
+          <a:bodyPr>
+            <a:normAutofit/>
+          </a:bodyPr>
           <a:lstStyle/>
           <a:p>
             <a:pPr marL="0" indent="0">
               <a:buNone/>
             </a:pPr>
             <a:r>
-              <a:rPr lang="sr-Latn-RS" smtClean="0">
+              <a:rPr lang="sr-Latn-RS" sz="2400" smtClean="0">
                 <a:solidFill>
                   <a:srgbClr val="00B0F0"/>
                 </a:solidFill>
@@ -8286,94 +9153,105 @@
               <a:t>1. </a:t>
             </a:r>
             <a:r>
-              <a:rPr lang="en-US" smtClean="0"/>
+              <a:rPr lang="en-US" sz="2400" b="1" smtClean="0"/>
               <a:t>Renderovanje </a:t>
             </a:r>
             <a:r>
-              <a:rPr lang="en-US"/>
+              <a:rPr lang="en-US" sz="2400" b="1"/>
               <a:t>w</a:t>
             </a:r>
             <a:r>
-              <a:rPr lang="en-US" smtClean="0"/>
+              <a:rPr lang="en-US" sz="2400" b="1" smtClean="0"/>
               <a:t>eb </a:t>
             </a:r>
             <a:r>
-              <a:rPr lang="en-US"/>
+              <a:rPr lang="en-US" sz="2400" b="1"/>
               <a:t>s</a:t>
             </a:r>
             <a:r>
-              <a:rPr lang="en-US" smtClean="0"/>
+              <a:rPr lang="en-US" sz="2400" b="1" smtClean="0"/>
               <a:t>adržaja</a:t>
             </a:r>
-            <a:endParaRPr lang="sr-Latn-RS" smtClean="0"/>
+            <a:endParaRPr lang="sr-Latn-RS" sz="2400" b="1" smtClean="0"/>
           </a:p>
           <a:p>
             <a:pPr lvl="1"/>
             <a:r>
-              <a:rPr lang="en-US" smtClean="0"/>
+              <a:rPr lang="en-US" sz="2000" smtClean="0"/>
               <a:t>koristi </a:t>
             </a:r>
             <a:r>
-              <a:rPr lang="en-US"/>
+              <a:rPr lang="en-US" sz="2000"/>
               <a:t>Chromium engine za prikazivanje HTML, CSS i JavaScript </a:t>
             </a:r>
             <a:r>
-              <a:rPr lang="en-US" smtClean="0"/>
+              <a:rPr lang="en-US" sz="2000" smtClean="0"/>
               <a:t>sadržaja</a:t>
             </a:r>
-            <a:endParaRPr lang="sr-Latn-RS" smtClean="0"/>
+            <a:endParaRPr lang="sr-Latn-RS" sz="2000" smtClean="0"/>
           </a:p>
           <a:p>
             <a:pPr lvl="1"/>
             <a:r>
-              <a:rPr lang="en-US"/>
+              <a:rPr lang="en-US" sz="2000"/>
               <a:t>i</a:t>
             </a:r>
             <a:r>
-              <a:rPr lang="en-US" smtClean="0"/>
+              <a:rPr lang="en-US" sz="2000" smtClean="0"/>
               <a:t>zolovan </a:t>
             </a:r>
             <a:r>
-              <a:rPr lang="en-US"/>
-              <a:t>je od sistema i ne može direktno koristiti Node.js API, komunicira sa glavnim procesom preko </a:t>
-            </a:r>
-            <a:r>
-              <a:rPr lang="en-US" smtClean="0"/>
-              <a:t>IPC (</a:t>
-            </a:r>
-            <a:r>
-              <a:rPr lang="en-US" smtClean="0"/>
-              <a:t>da </a:t>
-            </a:r>
-            <a:r>
-              <a:rPr lang="en-US"/>
+              <a:rPr lang="en-US" sz="2000"/>
+              <a:t>je od sistema i ne može direktno koristiti Node.js </a:t>
+            </a:r>
+            <a:r>
+              <a:rPr lang="en-US" sz="2000" smtClean="0"/>
+              <a:t>API</a:t>
+            </a:r>
+          </a:p>
+          <a:p>
+            <a:pPr lvl="1"/>
+            <a:r>
+              <a:rPr lang="en-US" sz="2000" smtClean="0"/>
+              <a:t>komunicira </a:t>
+            </a:r>
+            <a:r>
+              <a:rPr lang="en-US" sz="2000"/>
+              <a:t>sa glavnim procesom preko </a:t>
+            </a:r>
+            <a:r>
+              <a:rPr lang="en-US" sz="2000" smtClean="0"/>
+              <a:t>IPC – Inter-Process Communication </a:t>
+            </a:r>
+            <a:r>
+              <a:rPr lang="en-US" sz="2000" smtClean="0"/>
+              <a:t>(da </a:t>
+            </a:r>
+            <a:r>
+              <a:rPr lang="en-US" sz="2000"/>
               <a:t>otvori fajl, da pošalje korisničke podatke, ili da pokrene neku sistemsku funkciju koja nije dozvoljena unutar renderer procesa</a:t>
             </a:r>
             <a:r>
-              <a:rPr lang="en-US" smtClean="0"/>
-              <a:t>) </a:t>
-            </a:r>
-            <a:r>
-              <a:rPr lang="en-US" smtClean="0"/>
-              <a:t>ili preload skripti</a:t>
-            </a:r>
-            <a:endParaRPr lang="sr-Latn-RS" smtClean="0"/>
+              <a:rPr lang="en-US" sz="2000" smtClean="0"/>
+              <a:t>) ili preload skripti</a:t>
+            </a:r>
+            <a:endParaRPr lang="sr-Latn-RS" sz="2000" smtClean="0"/>
           </a:p>
           <a:p>
             <a:pPr lvl="1"/>
             <a:r>
-              <a:rPr lang="en-US" smtClean="0"/>
+              <a:rPr lang="en-US" sz="2000" smtClean="0"/>
               <a:t>Context </a:t>
             </a:r>
             <a:r>
-              <a:rPr lang="en-US"/>
+              <a:rPr lang="en-US" sz="2000"/>
               <a:t>Isolation: Sprečava direktnu manipulaciju globalnim varijablama i štiti od napada (npr. XSS</a:t>
             </a:r>
             <a:r>
-              <a:rPr lang="en-US" smtClean="0"/>
+              <a:rPr lang="en-US" sz="2000" smtClean="0"/>
               <a:t>)</a:t>
             </a:r>
-            <a:endParaRPr lang="en-US"/>
+            <a:endParaRPr lang="en-US" sz="2000"/>
           </a:p>
         </p:txBody>
       </p:sp>
@@ -8417,14 +9295,40 @@
             <p:ph type="title"/>
           </p:nvPr>
         </p:nvSpPr>
-        <p:spPr/>
+        <p:spPr>
+          <a:xfrm>
+            <a:off x="117452" y="1115370"/>
+            <a:ext cx="2947482" cy="4601183"/>
+          </a:xfrm>
+        </p:spPr>
         <p:txBody>
           <a:bodyPr/>
           <a:lstStyle/>
           <a:p>
             <a:r>
+              <a:rPr lang="sr-Latn-RS" sz="4000" b="1" spc="0" smtClean="0">
+                <a:ln w="9525">
+                  <a:solidFill>
+                    <a:schemeClr val="bg1"/>
+                  </a:solidFill>
+                  <a:prstDash val="solid"/>
+                </a:ln>
+                <a:solidFill>
+                  <a:schemeClr val="tx1"/>
+                </a:solidFill>
+                <a:effectLst>
+                  <a:outerShdw blurRad="12700" dist="38100" dir="2700000" algn="tl" rotWithShape="0">
+                    <a:schemeClr val="bg1">
+                      <a:lumMod val="50000"/>
+                    </a:schemeClr>
+                  </a:outerShdw>
+                </a:effectLst>
+              </a:rPr>
+              <a:t>Renderer proces </a:t>
+            </a:r>
+            <a:r>
               <a:rPr lang="sr-Latn-RS" smtClean="0"/>
-              <a:t>Renderer proces (nastavak)</a:t>
+              <a:t>(nastavak)</a:t>
             </a:r>
             <a:endParaRPr lang="en-US"/>
           </a:p>
@@ -8443,12 +9347,12 @@
         <p:spPr>
           <a:xfrm>
             <a:off x="3869266" y="1420170"/>
-            <a:ext cx="7289799" cy="2971801"/>
+            <a:ext cx="7931670" cy="4566562"/>
           </a:xfrm>
         </p:spPr>
         <p:txBody>
           <a:bodyPr>
-            <a:normAutofit fontScale="85000" lnSpcReduction="10000"/>
+            <a:normAutofit fontScale="92500"/>
           </a:bodyPr>
           <a:lstStyle/>
           <a:p>
@@ -8456,7 +9360,7 @@
               <a:buNone/>
             </a:pPr>
             <a:r>
-              <a:rPr lang="sr-Latn-RS">
+              <a:rPr lang="sr-Latn-RS" sz="2600">
                 <a:solidFill>
                   <a:srgbClr val="00B0F0"/>
                 </a:solidFill>
@@ -8464,53 +9368,53 @@
               <a:t>2. </a:t>
             </a:r>
             <a:r>
-              <a:rPr lang="en-US"/>
+              <a:rPr lang="en-US" sz="2600" b="1"/>
               <a:t>Preload </a:t>
             </a:r>
             <a:r>
-              <a:rPr lang="en-US" smtClean="0"/>
+              <a:rPr lang="en-US" sz="2600" b="1" smtClean="0"/>
               <a:t>skripte </a:t>
             </a:r>
             <a:r>
-              <a:rPr lang="en-US"/>
+              <a:rPr lang="en-US" sz="2600" b="1"/>
               <a:t>i </a:t>
             </a:r>
             <a:r>
-              <a:rPr lang="en-US" smtClean="0"/>
+              <a:rPr lang="en-US" sz="2600" b="1" smtClean="0"/>
               <a:t>sigurnost</a:t>
             </a:r>
-            <a:endParaRPr lang="sr-Latn-RS"/>
+            <a:endParaRPr lang="sr-Latn-RS" sz="2600" b="1"/>
           </a:p>
           <a:p>
             <a:pPr lvl="1"/>
             <a:r>
-              <a:rPr lang="en-US" smtClean="0"/>
+              <a:rPr lang="en-US" sz="2200" smtClean="0"/>
               <a:t>omogućavaju </a:t>
             </a:r>
             <a:r>
-              <a:rPr lang="en-US"/>
+              <a:rPr lang="en-US" sz="2200"/>
               <a:t>renderer procesu siguran pristup Node.js funkcijama koristeći </a:t>
             </a:r>
             <a:r>
-              <a:rPr lang="en-US" smtClean="0"/>
+              <a:rPr lang="en-US" sz="2200" b="1" smtClean="0"/>
               <a:t>contextBridge</a:t>
             </a:r>
           </a:p>
           <a:p>
             <a:pPr lvl="1"/>
             <a:r>
-              <a:rPr lang="en-US" smtClean="0"/>
+              <a:rPr lang="en-US" sz="2200" smtClean="0"/>
               <a:t>pokre</a:t>
             </a:r>
             <a:r>
-              <a:rPr lang="sr-Latn-RS"/>
+              <a:rPr lang="sr-Latn-RS" sz="2200"/>
               <a:t>će se pre nego što se web sadržaj učita u renderer </a:t>
             </a:r>
             <a:r>
-              <a:rPr lang="sr-Latn-RS" smtClean="0"/>
+              <a:rPr lang="sr-Latn-RS" sz="2200" smtClean="0"/>
               <a:t>procesu</a:t>
             </a:r>
-            <a:endParaRPr lang="sr-Latn-RS">
+            <a:endParaRPr lang="sr-Latn-RS" sz="2200">
               <a:solidFill>
                 <a:srgbClr val="00B0F0"/>
               </a:solidFill>
@@ -8527,7 +9431,7 @@
               <a:buNone/>
             </a:pPr>
             <a:r>
-              <a:rPr lang="sr-Latn-RS">
+              <a:rPr lang="sr-Latn-RS" sz="2600">
                 <a:solidFill>
                   <a:srgbClr val="00B0F0"/>
                 </a:solidFill>
@@ -8535,18 +9439,18 @@
               <a:t>3. </a:t>
             </a:r>
             <a:r>
-              <a:rPr lang="sr-Latn-RS" sz="2000"/>
+              <a:rPr lang="sr-Latn-RS" sz="2600" b="1"/>
               <a:t>Sigurnost i </a:t>
             </a:r>
             <a:r>
-              <a:rPr lang="en-US" sz="2000" smtClean="0"/>
+              <a:rPr lang="en-US" sz="2600" b="1" smtClean="0"/>
               <a:t>i</a:t>
             </a:r>
             <a:r>
-              <a:rPr lang="sr-Latn-RS" sz="2000" smtClean="0"/>
+              <a:rPr lang="sr-Latn-RS" sz="2600" b="1" smtClean="0"/>
               <a:t>zolacija</a:t>
             </a:r>
-            <a:endParaRPr lang="sr-Latn-RS" sz="2000"/>
+            <a:endParaRPr lang="sr-Latn-RS" sz="2600" b="1"/>
           </a:p>
           <a:p>
             <a:pPr marL="742950" lvl="2" indent="-285750">
@@ -8558,14 +9462,22 @@
               </a:spcAft>
             </a:pPr>
             <a:r>
-              <a:rPr lang="sr-Latn-RS" sz="1800"/>
-              <a:t>Kontekstna izolacija sprečava direktan pristup </a:t>
-            </a:r>
-            <a:r>
-              <a:rPr lang="sr-Latn-RS" sz="1800" smtClean="0"/>
+              <a:rPr lang="en-US" sz="2200"/>
+              <a:t>k</a:t>
+            </a:r>
+            <a:r>
+              <a:rPr lang="sr-Latn-RS" sz="2200" smtClean="0"/>
+              <a:t>ontekstna </a:t>
+            </a:r>
+            <a:r>
+              <a:rPr lang="sr-Latn-RS" sz="2200"/>
+              <a:t>izolacija sprečava direktan pristup </a:t>
+            </a:r>
+            <a:r>
+              <a:rPr lang="sr-Latn-RS" sz="2200" smtClean="0"/>
               <a:t>sistemu</a:t>
             </a:r>
-            <a:endParaRPr lang="sr-Latn-RS" sz="1800"/>
+            <a:endParaRPr lang="sr-Latn-RS" sz="2200"/>
           </a:p>
           <a:p>
             <a:pPr marL="742950" lvl="2" indent="-285750">
@@ -8577,14 +9489,30 @@
               </a:spcAft>
             </a:pPr>
             <a:r>
-              <a:rPr lang="sr-Latn-RS" sz="1800"/>
-              <a:t>Preporučuje se isključivanje nodeIntegration za veću </a:t>
-            </a:r>
-            <a:r>
-              <a:rPr lang="sr-Latn-RS" sz="1800" smtClean="0"/>
+              <a:rPr lang="en-US" sz="2200"/>
+              <a:t>p</a:t>
+            </a:r>
+            <a:r>
+              <a:rPr lang="sr-Latn-RS" sz="2200" smtClean="0"/>
+              <a:t>reporučuje </a:t>
+            </a:r>
+            <a:r>
+              <a:rPr lang="sr-Latn-RS" sz="2200"/>
+              <a:t>se isključivanje </a:t>
+            </a:r>
+            <a:r>
+              <a:rPr lang="sr-Latn-RS" sz="2200" b="1"/>
+              <a:t>nodeIntegration</a:t>
+            </a:r>
+            <a:r>
+              <a:rPr lang="sr-Latn-RS" sz="2200"/>
+              <a:t> za veću </a:t>
+            </a:r>
+            <a:r>
+              <a:rPr lang="sr-Latn-RS" sz="2200" smtClean="0"/>
               <a:t>sigurnost</a:t>
             </a:r>
-            <a:endParaRPr lang="sr-Latn-RS" smtClean="0">
+            <a:endParaRPr lang="sr-Latn-RS" sz="2200" smtClean="0">
               <a:solidFill>
                 <a:srgbClr val="00B0F0"/>
               </a:solidFill>
@@ -8595,7 +9523,7 @@
               <a:buNone/>
             </a:pPr>
             <a:r>
-              <a:rPr lang="sr-Latn-RS" sz="2100" smtClean="0">
+              <a:rPr lang="sr-Latn-RS" sz="2600" smtClean="0">
                 <a:solidFill>
                   <a:srgbClr val="00B0F0"/>
                 </a:solidFill>
@@ -8603,32 +9531,58 @@
               <a:t>4. </a:t>
             </a:r>
             <a:r>
-              <a:rPr lang="en-US" sz="2100" smtClean="0"/>
+              <a:rPr lang="en-US" sz="2600" b="1" smtClean="0"/>
               <a:t>Životni </a:t>
             </a:r>
             <a:r>
-              <a:rPr lang="en-US" sz="2100"/>
+              <a:rPr lang="en-US" sz="2600" b="1"/>
               <a:t>c</a:t>
             </a:r>
             <a:r>
-              <a:rPr lang="en-US" sz="2100" smtClean="0"/>
+              <a:rPr lang="en-US" sz="2600" b="1" smtClean="0"/>
               <a:t>iklus</a:t>
             </a:r>
-            <a:endParaRPr lang="en-US" sz="2100"/>
+            <a:endParaRPr lang="en-US" sz="2600" b="1"/>
           </a:p>
           <a:p>
             <a:pPr lvl="1"/>
             <a:r>
-              <a:rPr lang="en-US"/>
-              <a:t>Svaki prozor pokreće svoj renderer proces, koji se uništava kad se prozor zatvori.</a:t>
-            </a:r>
+              <a:rPr lang="en-US" sz="2200"/>
+              <a:t>s</a:t>
+            </a:r>
+            <a:r>
+              <a:rPr lang="en-US" sz="2200" smtClean="0"/>
+              <a:t>vaki </a:t>
+            </a:r>
+            <a:r>
+              <a:rPr lang="en-US" sz="2200"/>
+              <a:t>prozor pokreće svoj renderer proces, koji se uništava kad se prozor </a:t>
+            </a:r>
+            <a:r>
+              <a:rPr lang="en-US" sz="2200" smtClean="0"/>
+              <a:t>zatvori</a:t>
+            </a:r>
+            <a:endParaRPr lang="en-US" sz="2200"/>
           </a:p>
           <a:p>
             <a:pPr lvl="1"/>
             <a:r>
-              <a:rPr lang="en-US"/>
-              <a:t>Više prozora mogu imati svoje vlastite renderer procese.</a:t>
-            </a:r>
+              <a:rPr lang="en-US" sz="2200"/>
+              <a:t>v</a:t>
+            </a:r>
+            <a:r>
+              <a:rPr lang="en-US" sz="2200" smtClean="0"/>
+              <a:t>iše </a:t>
+            </a:r>
+            <a:r>
+              <a:rPr lang="en-US" sz="2200"/>
+              <a:t>prozora mogu imati svoje vlastite renderer </a:t>
+            </a:r>
+            <a:r>
+              <a:rPr lang="en-US" sz="2200" smtClean="0"/>
+              <a:t>procese</a:t>
+            </a:r>
+            <a:endParaRPr lang="en-US" sz="2200"/>
           </a:p>
           <a:p>
             <a:pPr marL="0" indent="0">

--- a/Electron.pptx
+++ b/Electron.pptx
@@ -5,7 +5,7 @@
     <p:sldMasterId id="2147483897" r:id="rId1"/>
   </p:sldMasterIdLst>
   <p:notesMasterIdLst>
-    <p:notesMasterId r:id="rId25"/>
+    <p:notesMasterId r:id="rId30"/>
   </p:notesMasterIdLst>
   <p:sldIdLst>
     <p:sldId id="256" r:id="rId2"/>
@@ -21,16 +21,21 @@
     <p:sldId id="267" r:id="rId12"/>
     <p:sldId id="274" r:id="rId13"/>
     <p:sldId id="266" r:id="rId14"/>
-    <p:sldId id="270" r:id="rId15"/>
-    <p:sldId id="280" r:id="rId16"/>
-    <p:sldId id="271" r:id="rId17"/>
-    <p:sldId id="281" r:id="rId18"/>
-    <p:sldId id="272" r:id="rId19"/>
-    <p:sldId id="275" r:id="rId20"/>
-    <p:sldId id="276" r:id="rId21"/>
-    <p:sldId id="282" r:id="rId22"/>
-    <p:sldId id="268" r:id="rId23"/>
-    <p:sldId id="269" r:id="rId24"/>
+    <p:sldId id="285" r:id="rId15"/>
+    <p:sldId id="286" r:id="rId16"/>
+    <p:sldId id="287" r:id="rId17"/>
+    <p:sldId id="288" r:id="rId18"/>
+    <p:sldId id="289" r:id="rId19"/>
+    <p:sldId id="270" r:id="rId20"/>
+    <p:sldId id="280" r:id="rId21"/>
+    <p:sldId id="271" r:id="rId22"/>
+    <p:sldId id="281" r:id="rId23"/>
+    <p:sldId id="272" r:id="rId24"/>
+    <p:sldId id="275" r:id="rId25"/>
+    <p:sldId id="276" r:id="rId26"/>
+    <p:sldId id="282" r:id="rId27"/>
+    <p:sldId id="268" r:id="rId28"/>
+    <p:sldId id="269" r:id="rId29"/>
   </p:sldIdLst>
   <p:sldSz cx="12192000" cy="6858000"/>
   <p:notesSz cx="6858000" cy="9144000"/>
@@ -219,7 +224,7 @@
           <a:p>
             <a:fld id="{4DFE1E0F-527B-46D2-A85B-AFD01049E65E}" type="datetimeFigureOut">
               <a:rPr lang="en-US" smtClean="0"/>
-              <a:t>12/7/2024</a:t>
+              <a:t>12/8/2024</a:t>
             </a:fld>
             <a:endParaRPr lang="en-US"/>
           </a:p>
@@ -1013,7 +1018,7 @@
           <a:p>
             <a:fld id="{0D8770DD-670C-4CD8-B15B-2899C8AD4439}" type="datetimeFigureOut">
               <a:rPr lang="en-US" smtClean="0"/>
-              <a:t>12/7/2024</a:t>
+              <a:t>12/8/2024</a:t>
             </a:fld>
             <a:endParaRPr lang="en-US"/>
           </a:p>
@@ -1183,7 +1188,7 @@
           <a:p>
             <a:fld id="{0D8770DD-670C-4CD8-B15B-2899C8AD4439}" type="datetimeFigureOut">
               <a:rPr lang="en-US" smtClean="0"/>
-              <a:t>12/7/2024</a:t>
+              <a:t>12/8/2024</a:t>
             </a:fld>
             <a:endParaRPr lang="en-US"/>
           </a:p>
@@ -1363,7 +1368,7 @@
           <a:p>
             <a:fld id="{0D8770DD-670C-4CD8-B15B-2899C8AD4439}" type="datetimeFigureOut">
               <a:rPr lang="en-US" smtClean="0"/>
-              <a:t>12/7/2024</a:t>
+              <a:t>12/8/2024</a:t>
             </a:fld>
             <a:endParaRPr lang="en-US"/>
           </a:p>
@@ -1533,7 +1538,7 @@
           <a:p>
             <a:fld id="{0D8770DD-670C-4CD8-B15B-2899C8AD4439}" type="datetimeFigureOut">
               <a:rPr lang="en-US" smtClean="0"/>
-              <a:t>12/7/2024</a:t>
+              <a:t>12/8/2024</a:t>
             </a:fld>
             <a:endParaRPr lang="en-US"/>
           </a:p>
@@ -1791,7 +1796,7 @@
           <a:p>
             <a:fld id="{0D8770DD-670C-4CD8-B15B-2899C8AD4439}" type="datetimeFigureOut">
               <a:rPr lang="en-US" smtClean="0"/>
-              <a:t>12/7/2024</a:t>
+              <a:t>12/8/2024</a:t>
             </a:fld>
             <a:endParaRPr lang="en-US"/>
           </a:p>
@@ -2079,7 +2084,7 @@
           <a:p>
             <a:fld id="{0D8770DD-670C-4CD8-B15B-2899C8AD4439}" type="datetimeFigureOut">
               <a:rPr lang="en-US" smtClean="0"/>
-              <a:t>12/7/2024</a:t>
+              <a:t>12/8/2024</a:t>
             </a:fld>
             <a:endParaRPr lang="en-US"/>
           </a:p>
@@ -2521,7 +2526,7 @@
           <a:p>
             <a:fld id="{0D8770DD-670C-4CD8-B15B-2899C8AD4439}" type="datetimeFigureOut">
               <a:rPr lang="en-US" smtClean="0"/>
-              <a:t>12/7/2024</a:t>
+              <a:t>12/8/2024</a:t>
             </a:fld>
             <a:endParaRPr lang="en-US"/>
           </a:p>
@@ -2639,7 +2644,7 @@
           <a:p>
             <a:fld id="{0D8770DD-670C-4CD8-B15B-2899C8AD4439}" type="datetimeFigureOut">
               <a:rPr lang="en-US" smtClean="0"/>
-              <a:t>12/7/2024</a:t>
+              <a:t>12/8/2024</a:t>
             </a:fld>
             <a:endParaRPr lang="en-US"/>
           </a:p>
@@ -2734,7 +2739,7 @@
           <a:p>
             <a:fld id="{0D8770DD-670C-4CD8-B15B-2899C8AD4439}" type="datetimeFigureOut">
               <a:rPr lang="en-US" smtClean="0"/>
-              <a:t>12/7/2024</a:t>
+              <a:t>12/8/2024</a:t>
             </a:fld>
             <a:endParaRPr lang="en-US"/>
           </a:p>
@@ -3022,7 +3027,7 @@
           <a:p>
             <a:fld id="{0D8770DD-670C-4CD8-B15B-2899C8AD4439}" type="datetimeFigureOut">
               <a:rPr lang="en-US" smtClean="0"/>
-              <a:t>12/7/2024</a:t>
+              <a:t>12/8/2024</a:t>
             </a:fld>
             <a:endParaRPr lang="en-US"/>
           </a:p>
@@ -3296,7 +3301,7 @@
           <a:p>
             <a:fld id="{0D8770DD-670C-4CD8-B15B-2899C8AD4439}" type="datetimeFigureOut">
               <a:rPr lang="en-US" smtClean="0"/>
-              <a:t>12/7/2024</a:t>
+              <a:t>12/8/2024</a:t>
             </a:fld>
             <a:endParaRPr lang="en-US"/>
           </a:p>
@@ -3595,7 +3600,7 @@
           <a:p>
             <a:fld id="{0D8770DD-670C-4CD8-B15B-2899C8AD4439}" type="datetimeFigureOut">
               <a:rPr lang="en-US" smtClean="0"/>
-              <a:t>12/7/2024</a:t>
+              <a:t>12/8/2024</a:t>
             </a:fld>
             <a:endParaRPr lang="en-US"/>
           </a:p>
@@ -4207,6 +4212,13 @@
   <p:clrMapOvr>
     <a:masterClrMapping/>
   </p:clrMapOvr>
+  <p:timing>
+    <p:tnLst>
+      <p:par>
+        <p:cTn id="1" dur="indefinite" restart="never" nodeType="tmRoot"/>
+      </p:par>
+    </p:tnLst>
+  </p:timing>
 </p:sld>
 </file>
 
@@ -4383,6 +4395,13 @@
   <p:clrMapOvr>
     <a:masterClrMapping/>
   </p:clrMapOvr>
+  <p:timing>
+    <p:tnLst>
+      <p:par>
+        <p:cTn id="1" dur="indefinite" restart="never" nodeType="tmRoot"/>
+      </p:par>
+    </p:tnLst>
+  </p:timing>
 </p:sld>
 </file>
 
@@ -4548,11 +4567,7 @@
           <a:p>
             <a:r>
               <a:rPr lang="en-US"/>
-              <a:t>Electron omogućava lako pakovanje i distribuciju aplikacija kao izvršnih fajlova za sve </a:t>
-            </a:r>
-            <a:r>
-              <a:rPr lang="en-US"/>
-              <a:t>glavne </a:t>
+              <a:t>Electron omogućava lako pakovanje i distribuciju aplikacija kao izvršnih fajlova za sve glavne </a:t>
             </a:r>
             <a:r>
               <a:rPr lang="en-US" smtClean="0"/>
@@ -4645,6 +4660,13 @@
   <p:clrMapOvr>
     <a:masterClrMapping/>
   </p:clrMapOvr>
+  <p:timing>
+    <p:tnLst>
+      <p:par>
+        <p:cTn id="1" dur="indefinite" restart="never" nodeType="tmRoot"/>
+      </p:par>
+    </p:tnLst>
+  </p:timing>
 </p:sld>
 </file>
 
@@ -4934,6 +4956,13 @@
   <p:clrMapOvr>
     <a:masterClrMapping/>
   </p:clrMapOvr>
+  <p:timing>
+    <p:tnLst>
+      <p:par>
+        <p:cTn id="1" dur="indefinite" restart="never" nodeType="tmRoot"/>
+      </p:par>
+    </p:tnLst>
+  </p:timing>
 </p:sld>
 </file>
 
@@ -5213,7 +5242,7 @@
           <a:lstStyle/>
           <a:p>
             <a:r>
-              <a:rPr lang="en-US" sz="4000" b="1" spc="0" smtClean="0">
+              <a:rPr lang="sr-Latn-RS" sz="4000" b="1" spc="0" smtClean="0">
                 <a:ln w="9525">
                   <a:solidFill>
                     <a:schemeClr val="bg1"/>
@@ -5231,7 +5260,7 @@
                   </a:outerShdw>
                 </a:effectLst>
               </a:rPr>
-              <a:t>Kreiranje React aplikacije</a:t>
+              <a:t>Kreiranje Electron aplikacije </a:t>
             </a:r>
             <a:endParaRPr lang="en-US" sz="4000" b="1" spc="0">
               <a:ln w="9525">
@@ -5254,15 +5283,110 @@
           </a:p>
         </p:txBody>
       </p:sp>
+      <p:sp>
+        <p:nvSpPr>
+          <p:cNvPr id="3" name="Content Placeholder 2"/>
+          <p:cNvSpPr>
+            <a:spLocks noGrp="1"/>
+          </p:cNvSpPr>
+          <p:nvPr>
+            <p:ph idx="1"/>
+          </p:nvPr>
+        </p:nvSpPr>
+        <p:spPr>
+          <a:xfrm>
+            <a:off x="3860642" y="864108"/>
+            <a:ext cx="7315200" cy="5120640"/>
+          </a:xfrm>
+        </p:spPr>
+        <p:txBody>
+          <a:bodyPr/>
+          <a:lstStyle/>
+          <a:p>
+            <a:pPr marL="457200" indent="-457200">
+              <a:buFont typeface="+mj-lt"/>
+              <a:buAutoNum type="arabicPeriod"/>
+            </a:pPr>
+            <a:r>
+              <a:rPr lang="sr-Latn-RS" smtClean="0"/>
+              <a:t>Inicijalizacija novog projekta</a:t>
+            </a:r>
+          </a:p>
+          <a:p>
+            <a:pPr marL="457200" indent="-457200">
+              <a:buFont typeface="+mj-lt"/>
+              <a:buAutoNum type="arabicPeriod"/>
+            </a:pPr>
+            <a:endParaRPr lang="sr-Latn-RS"/>
+          </a:p>
+          <a:p>
+            <a:pPr marL="457200" indent="-457200">
+              <a:buFont typeface="+mj-lt"/>
+              <a:buAutoNum type="arabicPeriod"/>
+            </a:pPr>
+            <a:endParaRPr lang="sr-Latn-RS" smtClean="0"/>
+          </a:p>
+          <a:p>
+            <a:pPr marL="457200" indent="-457200">
+              <a:buFont typeface="+mj-lt"/>
+              <a:buAutoNum type="arabicPeriod"/>
+            </a:pPr>
+            <a:endParaRPr lang="sr-Latn-RS"/>
+          </a:p>
+          <a:p>
+            <a:pPr marL="457200" indent="-457200">
+              <a:buFont typeface="+mj-lt"/>
+              <a:buAutoNum type="arabicPeriod"/>
+            </a:pPr>
+            <a:r>
+              <a:rPr lang="sr-Latn-RS" smtClean="0"/>
+              <a:t>Inicijalizacija Node.js projekta</a:t>
+            </a:r>
+          </a:p>
+          <a:p>
+            <a:pPr marL="457200" indent="-457200">
+              <a:buFont typeface="+mj-lt"/>
+              <a:buAutoNum type="arabicPeriod"/>
+            </a:pPr>
+            <a:endParaRPr lang="sr-Latn-RS"/>
+          </a:p>
+          <a:p>
+            <a:pPr marL="457200" indent="-457200">
+              <a:buFont typeface="+mj-lt"/>
+              <a:buAutoNum type="arabicPeriod"/>
+            </a:pPr>
+            <a:endParaRPr lang="sr-Latn-RS" smtClean="0"/>
+          </a:p>
+          <a:p>
+            <a:pPr marL="457200" indent="-457200">
+              <a:buFont typeface="+mj-lt"/>
+              <a:buAutoNum type="arabicPeriod"/>
+            </a:pPr>
+            <a:endParaRPr lang="sr-Latn-RS"/>
+          </a:p>
+          <a:p>
+            <a:pPr marL="457200" indent="-457200">
+              <a:buFont typeface="+mj-lt"/>
+              <a:buAutoNum type="arabicPeriod"/>
+            </a:pPr>
+            <a:endParaRPr lang="sr-Latn-RS" smtClean="0"/>
+          </a:p>
+          <a:p>
+            <a:pPr marL="457200" indent="-457200">
+              <a:buFont typeface="+mj-lt"/>
+              <a:buAutoNum type="arabicPeriod"/>
+            </a:pPr>
+            <a:endParaRPr lang="en-US"/>
+          </a:p>
+        </p:txBody>
+      </p:sp>
       <p:pic>
         <p:nvPicPr>
-          <p:cNvPr id="4" name="Content Placeholder 3"/>
+          <p:cNvPr id="4" name="Picture 3"/>
           <p:cNvPicPr>
-            <a:picLocks noGrp="1" noChangeAspect="1"/>
+            <a:picLocks noChangeAspect="1"/>
           </p:cNvPicPr>
-          <p:nvPr>
-            <p:ph idx="1"/>
-          </p:nvPr>
+          <p:nvPr/>
         </p:nvPicPr>
         <p:blipFill>
           <a:blip r:embed="rId2"/>
@@ -5272,8 +5396,8 @@
         </p:blipFill>
         <p:spPr>
           <a:xfrm>
-            <a:off x="4097483" y="1829208"/>
-            <a:ext cx="3639058" cy="895475"/>
+            <a:off x="4360472" y="1785408"/>
+            <a:ext cx="3618321" cy="957791"/>
           </a:xfrm>
           <a:prstGeom prst="rect">
             <a:avLst/>
@@ -5296,114 +5420,71 @@
         </p:blipFill>
         <p:spPr>
           <a:xfrm>
-            <a:off x="4097483" y="3424428"/>
-            <a:ext cx="3734321" cy="676369"/>
+            <a:off x="4360472" y="3506603"/>
+            <a:ext cx="2506154" cy="662420"/>
           </a:xfrm>
           <a:prstGeom prst="rect">
             <a:avLst/>
           </a:prstGeom>
         </p:spPr>
       </p:pic>
-      <p:sp>
-        <p:nvSpPr>
-          <p:cNvPr id="3" name="TextBox 2"/>
-          <p:cNvSpPr txBox="1"/>
+      <p:pic>
+        <p:nvPicPr>
+          <p:cNvPr id="6" name="Picture 5"/>
+          <p:cNvPicPr>
+            <a:picLocks noChangeAspect="1"/>
+          </p:cNvPicPr>
           <p:nvPr/>
-        </p:nvSpPr>
-        <p:spPr>
-          <a:xfrm>
-            <a:off x="3863788" y="1123837"/>
-            <a:ext cx="7745506" cy="2123658"/>
+        </p:nvPicPr>
+        <p:blipFill rotWithShape="1">
+          <a:blip r:embed="rId4"/>
+          <a:srcRect b="46546"/>
+          <a:stretch/>
+        </p:blipFill>
+        <p:spPr>
+          <a:xfrm>
+            <a:off x="4261590" y="4295991"/>
+            <a:ext cx="2950094" cy="2078684"/>
           </a:xfrm>
           <a:prstGeom prst="rect">
             <a:avLst/>
           </a:prstGeom>
-          <a:noFill/>
-        </p:spPr>
-        <p:txBody>
-          <a:bodyPr wrap="square" rtlCol="0">
-            <a:spAutoFit/>
-          </a:bodyPr>
-          <a:lstStyle/>
-          <a:p>
-            <a:pPr marL="342900" indent="-342900">
-              <a:buClr>
-                <a:srgbClr val="00B0F0"/>
-              </a:buClr>
-              <a:buAutoNum type="arabicPeriod"/>
-            </a:pPr>
-            <a:r>
-              <a:rPr lang="en-US" sz="2000" smtClean="0"/>
-              <a:t>Kreiranje React aplikacije </a:t>
-            </a:r>
-            <a:r>
-              <a:rPr lang="sr-Latn-RS" sz="2000" smtClean="0"/>
-              <a:t>i pozicioniranje u kreirani direktorijum </a:t>
-            </a:r>
-            <a:r>
-              <a:rPr lang="en-US" sz="2000" smtClean="0"/>
-              <a:t>pomo</a:t>
-            </a:r>
-            <a:r>
-              <a:rPr lang="sr-Latn-RS" sz="2000" smtClean="0"/>
-              <a:t>ć sledećih komandi</a:t>
-            </a:r>
-          </a:p>
-          <a:p>
-            <a:pPr marL="342900" indent="-342900">
-              <a:buAutoNum type="arabicPeriod"/>
-            </a:pPr>
-            <a:endParaRPr lang="sr-Latn-RS"/>
-          </a:p>
-          <a:p>
-            <a:pPr marL="342900" indent="-342900">
-              <a:buAutoNum type="arabicPeriod"/>
-            </a:pPr>
-            <a:endParaRPr lang="sr-Latn-RS" smtClean="0"/>
-          </a:p>
-          <a:p>
-            <a:pPr marL="342900" indent="-342900">
-              <a:buAutoNum type="arabicPeriod"/>
-            </a:pPr>
-            <a:endParaRPr lang="sr-Latn-RS" smtClean="0"/>
-          </a:p>
-          <a:p>
-            <a:endParaRPr lang="sr-Latn-RS" smtClean="0"/>
-          </a:p>
-          <a:p>
-            <a:r>
-              <a:rPr lang="en-US" sz="2000" smtClean="0">
-                <a:solidFill>
-                  <a:srgbClr val="00B0F0"/>
-                </a:solidFill>
-              </a:rPr>
-              <a:t>2.   </a:t>
-            </a:r>
-            <a:r>
-              <a:rPr lang="en-US" sz="2000" smtClean="0"/>
-              <a:t>Instaliranje Electron-a u React aplikaciji</a:t>
-            </a:r>
-            <a:endParaRPr lang="en-US" sz="2000"/>
-          </a:p>
-        </p:txBody>
-      </p:sp>
+        </p:spPr>
+      </p:pic>
+      <p:pic>
+        <p:nvPicPr>
+          <p:cNvPr id="7" name="Picture 6"/>
+          <p:cNvPicPr>
+            <a:picLocks noChangeAspect="1"/>
+          </p:cNvPicPr>
+          <p:nvPr/>
+        </p:nvPicPr>
+        <p:blipFill>
+          <a:blip r:embed="rId5"/>
+          <a:stretch>
+            <a:fillRect/>
+          </a:stretch>
+        </p:blipFill>
+        <p:spPr>
+          <a:xfrm>
+            <a:off x="7228296" y="3437591"/>
+            <a:ext cx="4495505" cy="3234494"/>
+          </a:xfrm>
+          <a:prstGeom prst="rect">
+            <a:avLst/>
+          </a:prstGeom>
+        </p:spPr>
+      </p:pic>
     </p:spTree>
     <p:extLst>
       <p:ext uri="{BB962C8B-B14F-4D97-AF65-F5344CB8AC3E}">
-        <p14:creationId xmlns:p14="http://schemas.microsoft.com/office/powerpoint/2010/main" val="3210545069"/>
+        <p14:creationId xmlns:p14="http://schemas.microsoft.com/office/powerpoint/2010/main" val="4182738815"/>
       </p:ext>
     </p:extLst>
   </p:cSld>
   <p:clrMapOvr>
     <a:masterClrMapping/>
   </p:clrMapOvr>
-  <p:timing>
-    <p:tnLst>
-      <p:par>
-        <p:cTn id="1" dur="indefinite" restart="never" nodeType="tmRoot"/>
-      </p:par>
-    </p:tnLst>
-  </p:timing>
 </p:sld>
 </file>
 
@@ -5436,62 +5517,20 @@
         </p:nvSpPr>
         <p:spPr/>
         <p:txBody>
-          <a:bodyPr>
-            <a:normAutofit/>
-          </a:bodyPr>
+          <a:bodyPr/>
           <a:lstStyle/>
           <a:p>
-            <a:r>
-              <a:rPr lang="en-US" sz="4000" b="1" spc="0" smtClean="0">
-                <a:ln w="9525">
-                  <a:solidFill>
-                    <a:schemeClr val="bg1"/>
-                  </a:solidFill>
-                  <a:prstDash val="solid"/>
-                </a:ln>
-                <a:solidFill>
-                  <a:schemeClr val="tx1"/>
-                </a:solidFill>
-                <a:effectLst>
-                  <a:outerShdw blurRad="12700" dist="38100" dir="2700000" algn="tl" rotWithShape="0">
-                    <a:schemeClr val="bg1">
-                      <a:lumMod val="50000"/>
-                    </a:schemeClr>
-                  </a:outerShdw>
-                </a:effectLst>
-              </a:rPr>
-              <a:t>Izgled aplikacije nakon kreiranja</a:t>
-            </a:r>
-            <a:endParaRPr lang="en-US" sz="4000" b="1" spc="0">
-              <a:ln w="9525">
-                <a:solidFill>
-                  <a:schemeClr val="bg1"/>
-                </a:solidFill>
-                <a:prstDash val="solid"/>
-              </a:ln>
-              <a:solidFill>
-                <a:schemeClr val="tx1"/>
-              </a:solidFill>
-              <a:effectLst>
-                <a:outerShdw blurRad="12700" dist="38100" dir="2700000" algn="tl" rotWithShape="0">
-                  <a:schemeClr val="bg1">
-                    <a:lumMod val="50000"/>
-                  </a:schemeClr>
-                </a:outerShdw>
-              </a:effectLst>
-            </a:endParaRPr>
+            <a:endParaRPr lang="en-US"/>
           </a:p>
         </p:txBody>
       </p:sp>
       <p:pic>
         <p:nvPicPr>
-          <p:cNvPr id="4" name="Content Placeholder 3"/>
+          <p:cNvPr id="4" name="Picture 3"/>
           <p:cNvPicPr>
-            <a:picLocks noGrp="1" noChangeAspect="1"/>
+            <a:picLocks noChangeAspect="1"/>
           </p:cNvPicPr>
-          <p:nvPr>
-            <p:ph idx="1"/>
-          </p:nvPr>
+          <p:nvPr/>
         </p:nvPicPr>
         <p:blipFill>
           <a:blip r:embed="rId2"/>
@@ -5501,8 +5540,106 @@
         </p:blipFill>
         <p:spPr>
           <a:xfrm>
-            <a:off x="3556979" y="1085776"/>
-            <a:ext cx="8635021" cy="4677303"/>
+            <a:off x="4062038" y="1537044"/>
+            <a:ext cx="3890714" cy="706235"/>
+          </a:xfrm>
+          <a:prstGeom prst="rect">
+            <a:avLst/>
+          </a:prstGeom>
+        </p:spPr>
+      </p:pic>
+      <p:sp>
+        <p:nvSpPr>
+          <p:cNvPr id="9" name="TextBox 8"/>
+          <p:cNvSpPr txBox="1"/>
+          <p:nvPr/>
+        </p:nvSpPr>
+        <p:spPr>
+          <a:xfrm>
+            <a:off x="3804249" y="1007125"/>
+            <a:ext cx="5900468" cy="400110"/>
+          </a:xfrm>
+          <a:prstGeom prst="rect">
+            <a:avLst/>
+          </a:prstGeom>
+          <a:noFill/>
+        </p:spPr>
+        <p:txBody>
+          <a:bodyPr wrap="square" rtlCol="0">
+            <a:spAutoFit/>
+          </a:bodyPr>
+          <a:lstStyle/>
+          <a:p>
+            <a:r>
+              <a:rPr lang="en-US" sz="2000" smtClean="0">
+                <a:solidFill>
+                  <a:srgbClr val="00B0F0"/>
+                </a:solidFill>
+              </a:rPr>
+              <a:t>3. </a:t>
+            </a:r>
+            <a:r>
+              <a:rPr lang="en-US" sz="2000" smtClean="0"/>
+              <a:t>Instaliranje Electron kao zavisnosti </a:t>
+            </a:r>
+            <a:endParaRPr lang="en-US" sz="2000"/>
+          </a:p>
+        </p:txBody>
+      </p:sp>
+      <p:sp>
+        <p:nvSpPr>
+          <p:cNvPr id="14" name="TextBox 13"/>
+          <p:cNvSpPr txBox="1"/>
+          <p:nvPr/>
+        </p:nvSpPr>
+        <p:spPr>
+          <a:xfrm>
+            <a:off x="3782282" y="2401026"/>
+            <a:ext cx="3459192" cy="400110"/>
+          </a:xfrm>
+          <a:prstGeom prst="rect">
+            <a:avLst/>
+          </a:prstGeom>
+          <a:noFill/>
+        </p:spPr>
+        <p:txBody>
+          <a:bodyPr wrap="square" rtlCol="0">
+            <a:spAutoFit/>
+          </a:bodyPr>
+          <a:lstStyle/>
+          <a:p>
+            <a:r>
+              <a:rPr lang="en-US" sz="2000" smtClean="0">
+                <a:solidFill>
+                  <a:srgbClr val="00B0F0"/>
+                </a:solidFill>
+              </a:rPr>
+              <a:t>4. </a:t>
+            </a:r>
+            <a:r>
+              <a:rPr lang="en-US" sz="2000"/>
+              <a:t>Kreiranje osnovnih fajlova</a:t>
+            </a:r>
+          </a:p>
+        </p:txBody>
+      </p:sp>
+      <p:pic>
+        <p:nvPicPr>
+          <p:cNvPr id="15" name="Picture 14"/>
+          <p:cNvPicPr>
+            <a:picLocks noChangeAspect="1"/>
+          </p:cNvPicPr>
+          <p:nvPr/>
+        </p:nvPicPr>
+        <p:blipFill rotWithShape="1">
+          <a:blip r:embed="rId3"/>
+          <a:srcRect b="37529"/>
+          <a:stretch/>
+        </p:blipFill>
+        <p:spPr>
+          <a:xfrm>
+            <a:off x="4193105" y="2958883"/>
+            <a:ext cx="3759647" cy="3230437"/>
           </a:xfrm>
           <a:prstGeom prst="rect">
             <a:avLst/>
@@ -5512,20 +5649,13 @@
     </p:spTree>
     <p:extLst>
       <p:ext uri="{BB962C8B-B14F-4D97-AF65-F5344CB8AC3E}">
-        <p14:creationId xmlns:p14="http://schemas.microsoft.com/office/powerpoint/2010/main" val="1946072338"/>
+        <p14:creationId xmlns:p14="http://schemas.microsoft.com/office/powerpoint/2010/main" val="3360328560"/>
       </p:ext>
     </p:extLst>
   </p:cSld>
   <p:clrMapOvr>
     <a:masterClrMapping/>
   </p:clrMapOvr>
-  <p:timing>
-    <p:tnLst>
-      <p:par>
-        <p:cTn id="1" dur="indefinite" restart="never" nodeType="tmRoot"/>
-      </p:par>
-    </p:tnLst>
-  </p:timing>
 </p:sld>
 </file>
 
@@ -5558,126 +5688,22 @@
         </p:nvSpPr>
         <p:spPr/>
         <p:txBody>
-          <a:bodyPr>
-            <a:normAutofit/>
-          </a:bodyPr>
+          <a:bodyPr/>
           <a:lstStyle/>
           <a:p>
-            <a:r>
-              <a:rPr lang="en-US" sz="4000" b="1" spc="0" smtClean="0">
-                <a:ln w="9525">
-                  <a:solidFill>
-                    <a:schemeClr val="bg1"/>
-                  </a:solidFill>
-                  <a:prstDash val="solid"/>
-                </a:ln>
-                <a:solidFill>
-                  <a:schemeClr val="tx1"/>
-                </a:solidFill>
-                <a:effectLst>
-                  <a:outerShdw blurRad="12700" dist="38100" dir="2700000" algn="tl" rotWithShape="0">
-                    <a:schemeClr val="bg1">
-                      <a:lumMod val="50000"/>
-                    </a:schemeClr>
-                  </a:outerShdw>
-                </a:effectLst>
-              </a:rPr>
-              <a:t>Kreiranje glavnog procesa Electron-a </a:t>
-            </a:r>
-            <a:endParaRPr lang="en-US" sz="4000" b="1" spc="0">
-              <a:ln w="9525">
-                <a:solidFill>
-                  <a:schemeClr val="bg1"/>
-                </a:solidFill>
-                <a:prstDash val="solid"/>
-              </a:ln>
-              <a:solidFill>
-                <a:schemeClr val="tx1"/>
-              </a:solidFill>
-              <a:effectLst>
-                <a:outerShdw blurRad="12700" dist="38100" dir="2700000" algn="tl" rotWithShape="0">
-                  <a:schemeClr val="bg1">
-                    <a:lumMod val="50000"/>
-                  </a:schemeClr>
-                </a:outerShdw>
-              </a:effectLst>
-            </a:endParaRPr>
-          </a:p>
-        </p:txBody>
-      </p:sp>
-      <p:sp>
-        <p:nvSpPr>
-          <p:cNvPr id="3" name="TextBox 2"/>
-          <p:cNvSpPr txBox="1"/>
-          <p:nvPr/>
-        </p:nvSpPr>
-        <p:spPr>
-          <a:xfrm>
-            <a:off x="3725360" y="716528"/>
-            <a:ext cx="3471307" cy="738664"/>
-          </a:xfrm>
-          <a:prstGeom prst="rect">
-            <a:avLst/>
-          </a:prstGeom>
-          <a:noFill/>
-        </p:spPr>
-        <p:txBody>
-          <a:bodyPr wrap="square" rtlCol="0">
-            <a:spAutoFit/>
-          </a:bodyPr>
-          <a:lstStyle/>
-          <a:p>
-            <a:r>
-              <a:rPr lang="en-US" sz="1400" smtClean="0"/>
-              <a:t>U </a:t>
-            </a:r>
-            <a:r>
-              <a:rPr lang="en-US" sz="1400"/>
-              <a:t>public </a:t>
-            </a:r>
-            <a:r>
-              <a:rPr lang="en-US" sz="1400" smtClean="0"/>
-              <a:t>direktorijumu aplikacije kreiramo electron.js </a:t>
-            </a:r>
-            <a:r>
-              <a:rPr lang="sr-Latn-RS" sz="1400" smtClean="0"/>
-              <a:t>i preload.js </a:t>
-            </a:r>
-            <a:r>
-              <a:rPr lang="en-US" sz="1400" smtClean="0"/>
-              <a:t>fajl</a:t>
-            </a:r>
-            <a:r>
-              <a:rPr lang="sr-Latn-RS" sz="1400" smtClean="0"/>
-              <a:t>ove</a:t>
-            </a:r>
-            <a:r>
-              <a:rPr lang="en-US" sz="1400" smtClean="0"/>
-              <a:t> </a:t>
-            </a:r>
-            <a:r>
-              <a:rPr lang="sr-Latn-RS" sz="1400" smtClean="0"/>
-              <a:t>i</a:t>
-            </a:r>
-            <a:r>
-              <a:rPr lang="en-US" sz="1400" smtClean="0"/>
-              <a:t> pi</a:t>
-            </a:r>
-            <a:r>
-              <a:rPr lang="sr-Latn-RS" sz="1400" smtClean="0"/>
-              <a:t>šemo odgovarajući kod. </a:t>
-            </a:r>
-            <a:endParaRPr lang="en-US" sz="1400"/>
+            <a:endParaRPr lang="en-US"/>
           </a:p>
         </p:txBody>
       </p:sp>
       <p:pic>
         <p:nvPicPr>
-          <p:cNvPr id="5" name="Picture 4"/>
+          <p:cNvPr id="4" name="Content Placeholder 3"/>
           <p:cNvPicPr>
-            <a:picLocks noChangeAspect="1"/>
+            <a:picLocks noGrp="1" noChangeAspect="1"/>
           </p:cNvPicPr>
-          <p:nvPr/>
+          <p:nvPr>
+            <p:ph idx="1"/>
+          </p:nvPr>
         </p:nvPicPr>
         <p:blipFill>
           <a:blip r:embed="rId2"/>
@@ -5687,8 +5713,8 @@
         </p:blipFill>
         <p:spPr>
           <a:xfrm>
-            <a:off x="3725360" y="1571290"/>
-            <a:ext cx="2724530" cy="4782217"/>
+            <a:off x="5859042" y="1907613"/>
+            <a:ext cx="5848600" cy="4656600"/>
           </a:xfrm>
           <a:prstGeom prst="rect">
             <a:avLst/>
@@ -5711,8 +5737,8 @@
         </p:blipFill>
         <p:spPr>
           <a:xfrm>
-            <a:off x="6974848" y="137111"/>
-            <a:ext cx="4632951" cy="6616121"/>
+            <a:off x="878935" y="491698"/>
+            <a:ext cx="4980107" cy="2932730"/>
           </a:xfrm>
           <a:prstGeom prst="rect">
             <a:avLst/>
@@ -5722,7 +5748,7 @@
     </p:spTree>
     <p:extLst>
       <p:ext uri="{BB962C8B-B14F-4D97-AF65-F5344CB8AC3E}">
-        <p14:creationId xmlns:p14="http://schemas.microsoft.com/office/powerpoint/2010/main" val="344991108"/>
+        <p14:creationId xmlns:p14="http://schemas.microsoft.com/office/powerpoint/2010/main" val="1081921813"/>
       </p:ext>
     </p:extLst>
   </p:cSld>
@@ -5761,63 +5787,23 @@
         </p:nvSpPr>
         <p:spPr/>
         <p:txBody>
-          <a:bodyPr>
-            <a:normAutofit/>
-          </a:bodyPr>
+          <a:bodyPr/>
           <a:lstStyle/>
           <a:p>
-            <a:r>
-              <a:rPr lang="sr-Latn-RS" sz="4000" b="1" spc="0" smtClean="0">
-                <a:ln w="9525">
-                  <a:solidFill>
-                    <a:schemeClr val="bg1"/>
-                  </a:solidFill>
-                  <a:prstDash val="solid"/>
-                </a:ln>
-                <a:solidFill>
-                  <a:schemeClr val="tx1"/>
-                </a:solidFill>
-                <a:effectLst>
-                  <a:outerShdw blurRad="12700" dist="38100" dir="2700000" algn="tl" rotWithShape="0">
-                    <a:schemeClr val="bg1">
-                      <a:lumMod val="50000"/>
-                    </a:schemeClr>
-                  </a:outerShdw>
-                </a:effectLst>
-              </a:rPr>
-              <a:t>Kreiranje izgleda aplikacije</a:t>
-            </a:r>
-            <a:endParaRPr lang="en-US" sz="4000" b="1" spc="0">
-              <a:ln w="9525">
-                <a:solidFill>
-                  <a:schemeClr val="bg1"/>
-                </a:solidFill>
-                <a:prstDash val="solid"/>
-              </a:ln>
-              <a:solidFill>
-                <a:schemeClr val="tx1"/>
-              </a:solidFill>
-              <a:effectLst>
-                <a:outerShdw blurRad="12700" dist="38100" dir="2700000" algn="tl" rotWithShape="0">
-                  <a:schemeClr val="bg1">
-                    <a:lumMod val="50000"/>
-                  </a:schemeClr>
-                </a:outerShdw>
-              </a:effectLst>
-            </a:endParaRPr>
-          </a:p>
-        </p:txBody>
-      </p:sp>
-      <p:sp>
-        <p:nvSpPr>
-          <p:cNvPr id="6" name="TextBox 5"/>
+            <a:endParaRPr lang="en-US"/>
+          </a:p>
+        </p:txBody>
+      </p:sp>
+      <p:sp>
+        <p:nvSpPr>
+          <p:cNvPr id="5" name="TextBox 4"/>
           <p:cNvSpPr txBox="1"/>
           <p:nvPr/>
         </p:nvSpPr>
         <p:spPr>
           <a:xfrm>
-            <a:off x="5953308" y="299138"/>
-            <a:ext cx="3923937" cy="830997"/>
+            <a:off x="3967649" y="923782"/>
+            <a:ext cx="5900468" cy="400110"/>
           </a:xfrm>
           <a:prstGeom prst="rect">
             <a:avLst/>
@@ -5831,20 +5817,44 @@
           <a:lstStyle/>
           <a:p>
             <a:r>
-              <a:rPr lang="sr-Latn-RS" sz="2400" smtClean="0"/>
-              <a:t>! Potrebno je izvršiti komandu </a:t>
-            </a:r>
-            <a:r>
-              <a:rPr lang="sr-Latn-RS" sz="2400" u="sng" smtClean="0"/>
-              <a:t>npm install react-modal</a:t>
-            </a:r>
-            <a:endParaRPr lang="en-US" sz="2400" u="sng"/>
+              <a:rPr lang="en-US" sz="2000">
+                <a:solidFill>
+                  <a:srgbClr val="00B0F0"/>
+                </a:solidFill>
+              </a:rPr>
+              <a:t>5</a:t>
+            </a:r>
+            <a:r>
+              <a:rPr lang="en-US" sz="2000" smtClean="0">
+                <a:solidFill>
+                  <a:srgbClr val="00B0F0"/>
+                </a:solidFill>
+              </a:rPr>
+              <a:t>. </a:t>
+            </a:r>
+            <a:r>
+              <a:rPr lang="en-US" sz="2000" smtClean="0"/>
+              <a:t>Modifikovanje</a:t>
+            </a:r>
+            <a:r>
+              <a:rPr lang="en-US" sz="2000" b="1" smtClean="0"/>
+              <a:t> package.json </a:t>
+            </a:r>
+            <a:r>
+              <a:rPr lang="en-US" sz="2000" smtClean="0"/>
+              <a:t>fajla </a:t>
+            </a:r>
+            <a:r>
+              <a:rPr lang="en-US" sz="2000" b="1" smtClean="0"/>
+              <a:t> </a:t>
+            </a:r>
+            <a:endParaRPr lang="en-US" sz="2000" b="1"/>
           </a:p>
         </p:txBody>
       </p:sp>
       <p:pic>
         <p:nvPicPr>
-          <p:cNvPr id="3" name="Picture 2"/>
+          <p:cNvPr id="6" name="Picture 5"/>
           <p:cNvPicPr>
             <a:picLocks noChangeAspect="1"/>
           </p:cNvPicPr>
@@ -5858,86 +5868,29 @@
         </p:blipFill>
         <p:spPr>
           <a:xfrm>
-            <a:off x="3636719" y="156155"/>
-            <a:ext cx="2196213" cy="6701845"/>
+            <a:off x="4243192" y="1551741"/>
+            <a:ext cx="5314876" cy="3428594"/>
           </a:xfrm>
           <a:prstGeom prst="rect">
             <a:avLst/>
           </a:prstGeom>
         </p:spPr>
       </p:pic>
-      <p:pic>
-        <p:nvPicPr>
-          <p:cNvPr id="4" name="Picture 3"/>
-          <p:cNvPicPr>
-            <a:picLocks noChangeAspect="1"/>
-          </p:cNvPicPr>
-          <p:nvPr/>
-        </p:nvPicPr>
-        <p:blipFill>
-          <a:blip r:embed="rId3"/>
-          <a:stretch>
-            <a:fillRect/>
-          </a:stretch>
-        </p:blipFill>
-        <p:spPr>
-          <a:xfrm>
-            <a:off x="5953308" y="3300301"/>
-            <a:ext cx="5671799" cy="3168232"/>
-          </a:xfrm>
-          <a:prstGeom prst="rect">
-            <a:avLst/>
-          </a:prstGeom>
-        </p:spPr>
-      </p:pic>
-      <p:sp>
-        <p:nvSpPr>
-          <p:cNvPr id="5" name="TextBox 4"/>
-          <p:cNvSpPr txBox="1"/>
-          <p:nvPr/>
-        </p:nvSpPr>
-        <p:spPr>
-          <a:xfrm>
-            <a:off x="8186575" y="2620087"/>
-            <a:ext cx="3562578" cy="461665"/>
-          </a:xfrm>
-          <a:prstGeom prst="rect">
-            <a:avLst/>
-          </a:prstGeom>
-          <a:noFill/>
-        </p:spPr>
-        <p:txBody>
-          <a:bodyPr wrap="none" rtlCol="0">
-            <a:spAutoFit/>
-          </a:bodyPr>
-          <a:lstStyle/>
-          <a:p>
-            <a:r>
-              <a:rPr lang="en-US" sz="2400" smtClean="0"/>
-              <a:t>Dodavanje ikone aplikacije</a:t>
-            </a:r>
-            <a:endParaRPr lang="en-US" sz="2400"/>
-          </a:p>
-        </p:txBody>
-      </p:sp>
       <p:cxnSp>
         <p:nvCxnSpPr>
-          <p:cNvPr id="9" name="Straight Arrow Connector 8"/>
+          <p:cNvPr id="7" name="Straight Arrow Connector 6"/>
           <p:cNvCxnSpPr/>
           <p:nvPr/>
         </p:nvCxnSpPr>
         <p:spPr>
           <a:xfrm flipH="1">
-            <a:off x="10066866" y="3081752"/>
-            <a:ext cx="853640" cy="1622514"/>
+            <a:off x="6642339" y="3105510"/>
+            <a:ext cx="1422556" cy="8627"/>
           </a:xfrm>
           <a:prstGeom prst="straightConnector1">
             <a:avLst/>
           </a:prstGeom>
           <a:ln w="38100">
-            <a:solidFill>
-              <a:srgbClr val="00B0F0"/>
-            </a:solidFill>
             <a:tailEnd type="triangle"/>
           </a:ln>
         </p:spPr>
@@ -5956,10 +5909,72 @@
           </a:fontRef>
         </p:style>
       </p:cxnSp>
+      <p:sp>
+        <p:nvSpPr>
+          <p:cNvPr id="8" name="TextBox 7"/>
+          <p:cNvSpPr txBox="1"/>
+          <p:nvPr/>
+        </p:nvSpPr>
+        <p:spPr>
+          <a:xfrm>
+            <a:off x="3967649" y="5208184"/>
+            <a:ext cx="2632387" cy="400110"/>
+          </a:xfrm>
+          <a:prstGeom prst="rect">
+            <a:avLst/>
+          </a:prstGeom>
+          <a:noFill/>
+        </p:spPr>
+        <p:txBody>
+          <a:bodyPr wrap="none" rtlCol="0">
+            <a:spAutoFit/>
+          </a:bodyPr>
+          <a:lstStyle/>
+          <a:p>
+            <a:r>
+              <a:rPr lang="en-US" sz="2000" smtClean="0">
+                <a:solidFill>
+                  <a:srgbClr val="00B0F0"/>
+                </a:solidFill>
+              </a:rPr>
+              <a:t>6. </a:t>
+            </a:r>
+            <a:r>
+              <a:rPr lang="en-US" sz="2000" smtClean="0"/>
+              <a:t>Pokretanje aplikacije</a:t>
+            </a:r>
+            <a:endParaRPr lang="en-US" sz="2000"/>
+          </a:p>
+        </p:txBody>
+      </p:sp>
+      <p:pic>
+        <p:nvPicPr>
+          <p:cNvPr id="9" name="Picture 8"/>
+          <p:cNvPicPr>
+            <a:picLocks noChangeAspect="1"/>
+          </p:cNvPicPr>
+          <p:nvPr/>
+        </p:nvPicPr>
+        <p:blipFill>
+          <a:blip r:embed="rId3"/>
+          <a:stretch>
+            <a:fillRect/>
+          </a:stretch>
+        </p:blipFill>
+        <p:spPr>
+          <a:xfrm>
+            <a:off x="4326930" y="5725019"/>
+            <a:ext cx="2260900" cy="701659"/>
+          </a:xfrm>
+          <a:prstGeom prst="rect">
+            <a:avLst/>
+          </a:prstGeom>
+        </p:spPr>
+      </p:pic>
     </p:spTree>
     <p:extLst>
       <p:ext uri="{BB962C8B-B14F-4D97-AF65-F5344CB8AC3E}">
-        <p14:creationId xmlns:p14="http://schemas.microsoft.com/office/powerpoint/2010/main" val="357436071"/>
+        <p14:creationId xmlns:p14="http://schemas.microsoft.com/office/powerpoint/2010/main" val="965979480"/>
       </p:ext>
     </p:extLst>
   </p:cSld>
@@ -5998,6 +6013,1106 @@
         </p:nvSpPr>
         <p:spPr/>
         <p:txBody>
+          <a:bodyPr/>
+          <a:lstStyle/>
+          <a:p>
+            <a:r>
+              <a:rPr lang="en-US" smtClean="0"/>
+              <a:t>Izgled pokrenute aplikacije</a:t>
+            </a:r>
+            <a:endParaRPr lang="en-US"/>
+          </a:p>
+        </p:txBody>
+      </p:sp>
+      <p:pic>
+        <p:nvPicPr>
+          <p:cNvPr id="5" name="Picture 4"/>
+          <p:cNvPicPr>
+            <a:picLocks noChangeAspect="1"/>
+          </p:cNvPicPr>
+          <p:nvPr/>
+        </p:nvPicPr>
+        <p:blipFill>
+          <a:blip r:embed="rId2"/>
+          <a:stretch>
+            <a:fillRect/>
+          </a:stretch>
+        </p:blipFill>
+        <p:spPr>
+          <a:xfrm>
+            <a:off x="3684374" y="345805"/>
+            <a:ext cx="7773485" cy="6011114"/>
+          </a:xfrm>
+          <a:prstGeom prst="rect">
+            <a:avLst/>
+          </a:prstGeom>
+        </p:spPr>
+      </p:pic>
+    </p:spTree>
+    <p:extLst>
+      <p:ext uri="{BB962C8B-B14F-4D97-AF65-F5344CB8AC3E}">
+        <p14:creationId xmlns:p14="http://schemas.microsoft.com/office/powerpoint/2010/main" val="3932535811"/>
+      </p:ext>
+    </p:extLst>
+  </p:cSld>
+  <p:clrMapOvr>
+    <a:masterClrMapping/>
+  </p:clrMapOvr>
+</p:sld>
+</file>
+
+<file path=ppt/slides/slide19.xml><?xml version="1.0" encoding="utf-8"?>
+<p:sld xmlns:a="http://schemas.openxmlformats.org/drawingml/2006/main" xmlns:r="http://schemas.openxmlformats.org/officeDocument/2006/relationships" xmlns:p="http://schemas.openxmlformats.org/presentationml/2006/main">
+  <p:cSld>
+    <p:spTree>
+      <p:nvGrpSpPr>
+        <p:cNvPr id="1" name=""/>
+        <p:cNvGrpSpPr/>
+        <p:nvPr/>
+      </p:nvGrpSpPr>
+      <p:grpSpPr>
+        <a:xfrm>
+          <a:off x="0" y="0"/>
+          <a:ext cx="0" cy="0"/>
+          <a:chOff x="0" y="0"/>
+          <a:chExt cx="0" cy="0"/>
+        </a:xfrm>
+      </p:grpSpPr>
+      <p:sp>
+        <p:nvSpPr>
+          <p:cNvPr id="2" name="Title 1"/>
+          <p:cNvSpPr>
+            <a:spLocks noGrp="1"/>
+          </p:cNvSpPr>
+          <p:nvPr>
+            <p:ph type="title"/>
+          </p:nvPr>
+        </p:nvSpPr>
+        <p:spPr/>
+        <p:txBody>
+          <a:bodyPr>
+            <a:normAutofit/>
+          </a:bodyPr>
+          <a:lstStyle/>
+          <a:p>
+            <a:r>
+              <a:rPr lang="en-US" sz="4000" b="1" spc="0" smtClean="0">
+                <a:ln w="9525">
+                  <a:solidFill>
+                    <a:schemeClr val="bg1"/>
+                  </a:solidFill>
+                  <a:prstDash val="solid"/>
+                </a:ln>
+                <a:solidFill>
+                  <a:schemeClr val="tx1"/>
+                </a:solidFill>
+                <a:effectLst>
+                  <a:outerShdw blurRad="12700" dist="38100" dir="2700000" algn="tl" rotWithShape="0">
+                    <a:schemeClr val="bg1">
+                      <a:lumMod val="50000"/>
+                    </a:schemeClr>
+                  </a:outerShdw>
+                </a:effectLst>
+              </a:rPr>
+              <a:t>Kreiranje React aplikacije</a:t>
+            </a:r>
+            <a:endParaRPr lang="en-US" sz="4000" b="1" spc="0">
+              <a:ln w="9525">
+                <a:solidFill>
+                  <a:schemeClr val="bg1"/>
+                </a:solidFill>
+                <a:prstDash val="solid"/>
+              </a:ln>
+              <a:solidFill>
+                <a:schemeClr val="tx1"/>
+              </a:solidFill>
+              <a:effectLst>
+                <a:outerShdw blurRad="12700" dist="38100" dir="2700000" algn="tl" rotWithShape="0">
+                  <a:schemeClr val="bg1">
+                    <a:lumMod val="50000"/>
+                  </a:schemeClr>
+                </a:outerShdw>
+              </a:effectLst>
+            </a:endParaRPr>
+          </a:p>
+        </p:txBody>
+      </p:sp>
+      <p:pic>
+        <p:nvPicPr>
+          <p:cNvPr id="4" name="Content Placeholder 3"/>
+          <p:cNvPicPr>
+            <a:picLocks noGrp="1" noChangeAspect="1"/>
+          </p:cNvPicPr>
+          <p:nvPr>
+            <p:ph idx="1"/>
+          </p:nvPr>
+        </p:nvPicPr>
+        <p:blipFill>
+          <a:blip r:embed="rId2"/>
+          <a:stretch>
+            <a:fillRect/>
+          </a:stretch>
+        </p:blipFill>
+        <p:spPr>
+          <a:xfrm>
+            <a:off x="4097483" y="1829208"/>
+            <a:ext cx="3639058" cy="895475"/>
+          </a:xfrm>
+          <a:prstGeom prst="rect">
+            <a:avLst/>
+          </a:prstGeom>
+        </p:spPr>
+      </p:pic>
+      <p:pic>
+        <p:nvPicPr>
+          <p:cNvPr id="5" name="Picture 4"/>
+          <p:cNvPicPr>
+            <a:picLocks noChangeAspect="1"/>
+          </p:cNvPicPr>
+          <p:nvPr/>
+        </p:nvPicPr>
+        <p:blipFill>
+          <a:blip r:embed="rId3"/>
+          <a:stretch>
+            <a:fillRect/>
+          </a:stretch>
+        </p:blipFill>
+        <p:spPr>
+          <a:xfrm>
+            <a:off x="4097483" y="3424428"/>
+            <a:ext cx="3734321" cy="676369"/>
+          </a:xfrm>
+          <a:prstGeom prst="rect">
+            <a:avLst/>
+          </a:prstGeom>
+        </p:spPr>
+      </p:pic>
+      <p:sp>
+        <p:nvSpPr>
+          <p:cNvPr id="3" name="TextBox 2"/>
+          <p:cNvSpPr txBox="1"/>
+          <p:nvPr/>
+        </p:nvSpPr>
+        <p:spPr>
+          <a:xfrm>
+            <a:off x="3863788" y="1123837"/>
+            <a:ext cx="7745506" cy="2123658"/>
+          </a:xfrm>
+          <a:prstGeom prst="rect">
+            <a:avLst/>
+          </a:prstGeom>
+          <a:noFill/>
+        </p:spPr>
+        <p:txBody>
+          <a:bodyPr wrap="square" rtlCol="0">
+            <a:spAutoFit/>
+          </a:bodyPr>
+          <a:lstStyle/>
+          <a:p>
+            <a:pPr marL="342900" indent="-342900">
+              <a:buClr>
+                <a:srgbClr val="00B0F0"/>
+              </a:buClr>
+              <a:buAutoNum type="arabicPeriod"/>
+            </a:pPr>
+            <a:r>
+              <a:rPr lang="en-US" sz="2000" smtClean="0"/>
+              <a:t>Kreiranje React aplikacije </a:t>
+            </a:r>
+            <a:r>
+              <a:rPr lang="sr-Latn-RS" sz="2000" smtClean="0"/>
+              <a:t>i pozicioniranje u kreirani direktorijum </a:t>
+            </a:r>
+            <a:r>
+              <a:rPr lang="en-US" sz="2000" smtClean="0"/>
+              <a:t>pomo</a:t>
+            </a:r>
+            <a:r>
+              <a:rPr lang="sr-Latn-RS" sz="2000" smtClean="0"/>
+              <a:t>ć sledećih komandi</a:t>
+            </a:r>
+          </a:p>
+          <a:p>
+            <a:pPr marL="342900" indent="-342900">
+              <a:buAutoNum type="arabicPeriod"/>
+            </a:pPr>
+            <a:endParaRPr lang="sr-Latn-RS"/>
+          </a:p>
+          <a:p>
+            <a:pPr marL="342900" indent="-342900">
+              <a:buAutoNum type="arabicPeriod"/>
+            </a:pPr>
+            <a:endParaRPr lang="sr-Latn-RS" smtClean="0"/>
+          </a:p>
+          <a:p>
+            <a:pPr marL="342900" indent="-342900">
+              <a:buAutoNum type="arabicPeriod"/>
+            </a:pPr>
+            <a:endParaRPr lang="sr-Latn-RS" smtClean="0"/>
+          </a:p>
+          <a:p>
+            <a:endParaRPr lang="sr-Latn-RS" smtClean="0"/>
+          </a:p>
+          <a:p>
+            <a:r>
+              <a:rPr lang="en-US" sz="2000" smtClean="0">
+                <a:solidFill>
+                  <a:srgbClr val="00B0F0"/>
+                </a:solidFill>
+              </a:rPr>
+              <a:t>2.   </a:t>
+            </a:r>
+            <a:r>
+              <a:rPr lang="en-US" sz="2000" smtClean="0"/>
+              <a:t>Instaliranje Electron-a u React aplikaciji</a:t>
+            </a:r>
+            <a:endParaRPr lang="en-US" sz="2000"/>
+          </a:p>
+        </p:txBody>
+      </p:sp>
+    </p:spTree>
+    <p:extLst>
+      <p:ext uri="{BB962C8B-B14F-4D97-AF65-F5344CB8AC3E}">
+        <p14:creationId xmlns:p14="http://schemas.microsoft.com/office/powerpoint/2010/main" val="3210545069"/>
+      </p:ext>
+    </p:extLst>
+  </p:cSld>
+  <p:clrMapOvr>
+    <a:masterClrMapping/>
+  </p:clrMapOvr>
+  <p:timing>
+    <p:tnLst>
+      <p:par>
+        <p:cTn id="1" dur="indefinite" restart="never" nodeType="tmRoot"/>
+      </p:par>
+    </p:tnLst>
+  </p:timing>
+</p:sld>
+</file>
+
+<file path=ppt/slides/slide2.xml><?xml version="1.0" encoding="utf-8"?>
+<p:sld xmlns:a="http://schemas.openxmlformats.org/drawingml/2006/main" xmlns:r="http://schemas.openxmlformats.org/officeDocument/2006/relationships" xmlns:p="http://schemas.openxmlformats.org/presentationml/2006/main">
+  <p:cSld>
+    <p:spTree>
+      <p:nvGrpSpPr>
+        <p:cNvPr id="1" name=""/>
+        <p:cNvGrpSpPr/>
+        <p:nvPr/>
+      </p:nvGrpSpPr>
+      <p:grpSpPr>
+        <a:xfrm>
+          <a:off x="0" y="0"/>
+          <a:ext cx="0" cy="0"/>
+          <a:chOff x="0" y="0"/>
+          <a:chExt cx="0" cy="0"/>
+        </a:xfrm>
+      </p:grpSpPr>
+      <p:sp>
+        <p:nvSpPr>
+          <p:cNvPr id="2" name="Title 1"/>
+          <p:cNvSpPr>
+            <a:spLocks noGrp="1"/>
+          </p:cNvSpPr>
+          <p:nvPr>
+            <p:ph type="title"/>
+          </p:nvPr>
+        </p:nvSpPr>
+        <p:spPr/>
+        <p:txBody>
+          <a:bodyPr>
+            <a:normAutofit/>
+          </a:bodyPr>
+          <a:lstStyle/>
+          <a:p>
+            <a:r>
+              <a:rPr lang="en-US" sz="4000" b="1" spc="0" smtClean="0">
+                <a:ln w="9525">
+                  <a:solidFill>
+                    <a:schemeClr val="bg1"/>
+                  </a:solidFill>
+                  <a:prstDash val="solid"/>
+                </a:ln>
+                <a:solidFill>
+                  <a:schemeClr val="tx1"/>
+                </a:solidFill>
+                <a:effectLst>
+                  <a:outerShdw blurRad="12700" dist="38100" dir="2700000" algn="tl" rotWithShape="0">
+                    <a:schemeClr val="bg1">
+                      <a:lumMod val="50000"/>
+                    </a:schemeClr>
+                  </a:outerShdw>
+                </a:effectLst>
+              </a:rPr>
+              <a:t>SADR</a:t>
+            </a:r>
+            <a:r>
+              <a:rPr lang="sr-Latn-RS" sz="4000" b="1" spc="0" smtClean="0">
+                <a:ln w="9525">
+                  <a:solidFill>
+                    <a:schemeClr val="bg1"/>
+                  </a:solidFill>
+                  <a:prstDash val="solid"/>
+                </a:ln>
+                <a:solidFill>
+                  <a:schemeClr val="tx1"/>
+                </a:solidFill>
+                <a:effectLst>
+                  <a:outerShdw blurRad="12700" dist="38100" dir="2700000" algn="tl" rotWithShape="0">
+                    <a:schemeClr val="bg1">
+                      <a:lumMod val="50000"/>
+                    </a:schemeClr>
+                  </a:outerShdw>
+                </a:effectLst>
+              </a:rPr>
+              <a:t>ŽAJ</a:t>
+            </a:r>
+            <a:endParaRPr lang="en-US" sz="4000" b="1" spc="0">
+              <a:ln w="9525">
+                <a:solidFill>
+                  <a:schemeClr val="bg1"/>
+                </a:solidFill>
+                <a:prstDash val="solid"/>
+              </a:ln>
+              <a:solidFill>
+                <a:schemeClr val="tx1"/>
+              </a:solidFill>
+              <a:effectLst>
+                <a:outerShdw blurRad="12700" dist="38100" dir="2700000" algn="tl" rotWithShape="0">
+                  <a:schemeClr val="bg1">
+                    <a:lumMod val="50000"/>
+                  </a:schemeClr>
+                </a:outerShdw>
+              </a:effectLst>
+            </a:endParaRPr>
+          </a:p>
+        </p:txBody>
+      </p:sp>
+      <p:sp>
+        <p:nvSpPr>
+          <p:cNvPr id="3" name="Content Placeholder 2"/>
+          <p:cNvSpPr>
+            <a:spLocks noGrp="1"/>
+          </p:cNvSpPr>
+          <p:nvPr>
+            <p:ph idx="1"/>
+          </p:nvPr>
+        </p:nvSpPr>
+        <p:spPr>
+          <a:xfrm>
+            <a:off x="4648200" y="1625515"/>
+            <a:ext cx="6959599" cy="3597825"/>
+          </a:xfrm>
+        </p:spPr>
+        <p:txBody>
+          <a:bodyPr>
+            <a:noAutofit/>
+          </a:bodyPr>
+          <a:lstStyle/>
+          <a:p>
+            <a:pPr marL="457200" indent="-457200">
+              <a:buAutoNum type="arabicPeriod"/>
+            </a:pPr>
+            <a:r>
+              <a:rPr lang="sr-Latn-RS" sz="2800" smtClean="0"/>
+              <a:t>Šta je Electron</a:t>
+            </a:r>
+            <a:r>
+              <a:rPr lang="en-US" sz="2800" smtClean="0"/>
+              <a:t>?</a:t>
+            </a:r>
+            <a:endParaRPr lang="sr-Latn-RS" sz="2800" smtClean="0"/>
+          </a:p>
+          <a:p>
+            <a:pPr marL="457200" indent="-457200">
+              <a:buAutoNum type="arabicPeriod"/>
+            </a:pPr>
+            <a:r>
+              <a:rPr lang="sr-Latn-RS" sz="2800" smtClean="0"/>
+              <a:t>Ključne komponente</a:t>
+            </a:r>
+          </a:p>
+          <a:p>
+            <a:pPr marL="457200" indent="-457200">
+              <a:buAutoNum type="arabicPeriod"/>
+            </a:pPr>
+            <a:r>
+              <a:rPr lang="sr-Latn-RS" sz="2800" smtClean="0"/>
+              <a:t>Procesni model</a:t>
+            </a:r>
+            <a:endParaRPr lang="en-US" sz="2800" smtClean="0"/>
+          </a:p>
+          <a:p>
+            <a:pPr marL="457200" indent="-457200">
+              <a:buFont typeface="Wingdings 2" pitchFamily="18" charset="2"/>
+              <a:buAutoNum type="arabicPeriod"/>
+            </a:pPr>
+            <a:r>
+              <a:rPr lang="sr-Latn-RS" sz="2800"/>
+              <a:t>Prednosti i </a:t>
+            </a:r>
+            <a:r>
+              <a:rPr lang="sr-Latn-RS" sz="2800" smtClean="0"/>
+              <a:t>mane</a:t>
+            </a:r>
+            <a:endParaRPr lang="en-US" sz="2800" smtClean="0"/>
+          </a:p>
+          <a:p>
+            <a:pPr marL="457200" indent="-457200">
+              <a:buFont typeface="Wingdings 2" pitchFamily="18" charset="2"/>
+              <a:buAutoNum type="arabicPeriod"/>
+            </a:pPr>
+            <a:r>
+              <a:rPr lang="en-US" sz="2800" smtClean="0"/>
+              <a:t>Popularne aplikacije koje koriste </a:t>
+            </a:r>
+            <a:r>
+              <a:rPr lang="en-US" sz="2800" smtClean="0"/>
+              <a:t>Electron</a:t>
+            </a:r>
+          </a:p>
+          <a:p>
+            <a:pPr marL="457200" indent="-457200">
+              <a:buFont typeface="Wingdings 2" pitchFamily="18" charset="2"/>
+              <a:buAutoNum type="arabicPeriod"/>
+            </a:pPr>
+            <a:r>
+              <a:rPr lang="en-US" sz="2800" smtClean="0"/>
+              <a:t>Kreiranje Electron aplikacije</a:t>
+            </a:r>
+            <a:endParaRPr lang="sr-Latn-RS" sz="2800" smtClean="0"/>
+          </a:p>
+          <a:p>
+            <a:pPr marL="457200" indent="-457200">
+              <a:buAutoNum type="arabicPeriod"/>
+            </a:pPr>
+            <a:r>
+              <a:rPr lang="sr-Latn-RS" sz="2800" smtClean="0"/>
+              <a:t>Kreiranje Electron aplikacije sa React-om </a:t>
+            </a:r>
+          </a:p>
+        </p:txBody>
+      </p:sp>
+    </p:spTree>
+    <p:extLst>
+      <p:ext uri="{BB962C8B-B14F-4D97-AF65-F5344CB8AC3E}">
+        <p14:creationId xmlns:p14="http://schemas.microsoft.com/office/powerpoint/2010/main" val="11312236"/>
+      </p:ext>
+    </p:extLst>
+  </p:cSld>
+  <p:clrMapOvr>
+    <a:masterClrMapping/>
+  </p:clrMapOvr>
+  <p:timing>
+    <p:tnLst>
+      <p:par>
+        <p:cTn id="1" dur="indefinite" restart="never" nodeType="tmRoot"/>
+      </p:par>
+    </p:tnLst>
+  </p:timing>
+</p:sld>
+</file>
+
+<file path=ppt/slides/slide20.xml><?xml version="1.0" encoding="utf-8"?>
+<p:sld xmlns:a="http://schemas.openxmlformats.org/drawingml/2006/main" xmlns:r="http://schemas.openxmlformats.org/officeDocument/2006/relationships" xmlns:p="http://schemas.openxmlformats.org/presentationml/2006/main">
+  <p:cSld>
+    <p:spTree>
+      <p:nvGrpSpPr>
+        <p:cNvPr id="1" name=""/>
+        <p:cNvGrpSpPr/>
+        <p:nvPr/>
+      </p:nvGrpSpPr>
+      <p:grpSpPr>
+        <a:xfrm>
+          <a:off x="0" y="0"/>
+          <a:ext cx="0" cy="0"/>
+          <a:chOff x="0" y="0"/>
+          <a:chExt cx="0" cy="0"/>
+        </a:xfrm>
+      </p:grpSpPr>
+      <p:sp>
+        <p:nvSpPr>
+          <p:cNvPr id="2" name="Title 1"/>
+          <p:cNvSpPr>
+            <a:spLocks noGrp="1"/>
+          </p:cNvSpPr>
+          <p:nvPr>
+            <p:ph type="title"/>
+          </p:nvPr>
+        </p:nvSpPr>
+        <p:spPr/>
+        <p:txBody>
+          <a:bodyPr>
+            <a:normAutofit/>
+          </a:bodyPr>
+          <a:lstStyle/>
+          <a:p>
+            <a:r>
+              <a:rPr lang="en-US" sz="4000" b="1" spc="0" smtClean="0">
+                <a:ln w="9525">
+                  <a:solidFill>
+                    <a:schemeClr val="bg1"/>
+                  </a:solidFill>
+                  <a:prstDash val="solid"/>
+                </a:ln>
+                <a:solidFill>
+                  <a:schemeClr val="tx1"/>
+                </a:solidFill>
+                <a:effectLst>
+                  <a:outerShdw blurRad="12700" dist="38100" dir="2700000" algn="tl" rotWithShape="0">
+                    <a:schemeClr val="bg1">
+                      <a:lumMod val="50000"/>
+                    </a:schemeClr>
+                  </a:outerShdw>
+                </a:effectLst>
+              </a:rPr>
+              <a:t>Izgled aplikacije nakon kreiranja</a:t>
+            </a:r>
+            <a:endParaRPr lang="en-US" sz="4000" b="1" spc="0">
+              <a:ln w="9525">
+                <a:solidFill>
+                  <a:schemeClr val="bg1"/>
+                </a:solidFill>
+                <a:prstDash val="solid"/>
+              </a:ln>
+              <a:solidFill>
+                <a:schemeClr val="tx1"/>
+              </a:solidFill>
+              <a:effectLst>
+                <a:outerShdw blurRad="12700" dist="38100" dir="2700000" algn="tl" rotWithShape="0">
+                  <a:schemeClr val="bg1">
+                    <a:lumMod val="50000"/>
+                  </a:schemeClr>
+                </a:outerShdw>
+              </a:effectLst>
+            </a:endParaRPr>
+          </a:p>
+        </p:txBody>
+      </p:sp>
+      <p:pic>
+        <p:nvPicPr>
+          <p:cNvPr id="4" name="Content Placeholder 3"/>
+          <p:cNvPicPr>
+            <a:picLocks noGrp="1" noChangeAspect="1"/>
+          </p:cNvPicPr>
+          <p:nvPr>
+            <p:ph idx="1"/>
+          </p:nvPr>
+        </p:nvPicPr>
+        <p:blipFill>
+          <a:blip r:embed="rId2"/>
+          <a:stretch>
+            <a:fillRect/>
+          </a:stretch>
+        </p:blipFill>
+        <p:spPr>
+          <a:xfrm>
+            <a:off x="3556979" y="1085776"/>
+            <a:ext cx="8635021" cy="4677303"/>
+          </a:xfrm>
+          <a:prstGeom prst="rect">
+            <a:avLst/>
+          </a:prstGeom>
+        </p:spPr>
+      </p:pic>
+    </p:spTree>
+    <p:extLst>
+      <p:ext uri="{BB962C8B-B14F-4D97-AF65-F5344CB8AC3E}">
+        <p14:creationId xmlns:p14="http://schemas.microsoft.com/office/powerpoint/2010/main" val="1946072338"/>
+      </p:ext>
+    </p:extLst>
+  </p:cSld>
+  <p:clrMapOvr>
+    <a:masterClrMapping/>
+  </p:clrMapOvr>
+  <p:timing>
+    <p:tnLst>
+      <p:par>
+        <p:cTn id="1" dur="indefinite" restart="never" nodeType="tmRoot"/>
+      </p:par>
+    </p:tnLst>
+  </p:timing>
+</p:sld>
+</file>
+
+<file path=ppt/slides/slide21.xml><?xml version="1.0" encoding="utf-8"?>
+<p:sld xmlns:a="http://schemas.openxmlformats.org/drawingml/2006/main" xmlns:r="http://schemas.openxmlformats.org/officeDocument/2006/relationships" xmlns:p="http://schemas.openxmlformats.org/presentationml/2006/main">
+  <p:cSld>
+    <p:spTree>
+      <p:nvGrpSpPr>
+        <p:cNvPr id="1" name=""/>
+        <p:cNvGrpSpPr/>
+        <p:nvPr/>
+      </p:nvGrpSpPr>
+      <p:grpSpPr>
+        <a:xfrm>
+          <a:off x="0" y="0"/>
+          <a:ext cx="0" cy="0"/>
+          <a:chOff x="0" y="0"/>
+          <a:chExt cx="0" cy="0"/>
+        </a:xfrm>
+      </p:grpSpPr>
+      <p:sp>
+        <p:nvSpPr>
+          <p:cNvPr id="2" name="Title 1"/>
+          <p:cNvSpPr>
+            <a:spLocks noGrp="1"/>
+          </p:cNvSpPr>
+          <p:nvPr>
+            <p:ph type="title"/>
+          </p:nvPr>
+        </p:nvSpPr>
+        <p:spPr/>
+        <p:txBody>
+          <a:bodyPr>
+            <a:normAutofit/>
+          </a:bodyPr>
+          <a:lstStyle/>
+          <a:p>
+            <a:r>
+              <a:rPr lang="en-US" sz="4000" b="1" spc="0" smtClean="0">
+                <a:ln w="9525">
+                  <a:solidFill>
+                    <a:schemeClr val="bg1"/>
+                  </a:solidFill>
+                  <a:prstDash val="solid"/>
+                </a:ln>
+                <a:solidFill>
+                  <a:schemeClr val="tx1"/>
+                </a:solidFill>
+                <a:effectLst>
+                  <a:outerShdw blurRad="12700" dist="38100" dir="2700000" algn="tl" rotWithShape="0">
+                    <a:schemeClr val="bg1">
+                      <a:lumMod val="50000"/>
+                    </a:schemeClr>
+                  </a:outerShdw>
+                </a:effectLst>
+              </a:rPr>
+              <a:t>Kreiranje glavnog procesa Electron-a </a:t>
+            </a:r>
+            <a:endParaRPr lang="en-US" sz="4000" b="1" spc="0">
+              <a:ln w="9525">
+                <a:solidFill>
+                  <a:schemeClr val="bg1"/>
+                </a:solidFill>
+                <a:prstDash val="solid"/>
+              </a:ln>
+              <a:solidFill>
+                <a:schemeClr val="tx1"/>
+              </a:solidFill>
+              <a:effectLst>
+                <a:outerShdw blurRad="12700" dist="38100" dir="2700000" algn="tl" rotWithShape="0">
+                  <a:schemeClr val="bg1">
+                    <a:lumMod val="50000"/>
+                  </a:schemeClr>
+                </a:outerShdw>
+              </a:effectLst>
+            </a:endParaRPr>
+          </a:p>
+        </p:txBody>
+      </p:sp>
+      <p:sp>
+        <p:nvSpPr>
+          <p:cNvPr id="3" name="TextBox 2"/>
+          <p:cNvSpPr txBox="1"/>
+          <p:nvPr/>
+        </p:nvSpPr>
+        <p:spPr>
+          <a:xfrm>
+            <a:off x="3503541" y="733780"/>
+            <a:ext cx="3471307" cy="523220"/>
+          </a:xfrm>
+          <a:prstGeom prst="rect">
+            <a:avLst/>
+          </a:prstGeom>
+          <a:noFill/>
+        </p:spPr>
+        <p:txBody>
+          <a:bodyPr wrap="square" rtlCol="0">
+            <a:spAutoFit/>
+          </a:bodyPr>
+          <a:lstStyle/>
+          <a:p>
+            <a:r>
+              <a:rPr lang="en-US" sz="1400" smtClean="0">
+                <a:solidFill>
+                  <a:srgbClr val="00B0F0"/>
+                </a:solidFill>
+              </a:rPr>
+              <a:t>3. </a:t>
+            </a:r>
+            <a:r>
+              <a:rPr lang="en-US" sz="1400" smtClean="0"/>
+              <a:t>U </a:t>
+            </a:r>
+            <a:r>
+              <a:rPr lang="en-US" sz="1400"/>
+              <a:t>public </a:t>
+            </a:r>
+            <a:r>
+              <a:rPr lang="en-US" sz="1400" smtClean="0"/>
+              <a:t>direktorijumu aplikacije kreiramo electron.js </a:t>
+            </a:r>
+            <a:r>
+              <a:rPr lang="en-US" sz="1400" smtClean="0"/>
+              <a:t>fajl </a:t>
+            </a:r>
+            <a:r>
+              <a:rPr lang="sr-Latn-RS" sz="1400" smtClean="0"/>
+              <a:t>i</a:t>
+            </a:r>
+            <a:r>
+              <a:rPr lang="en-US" sz="1400" smtClean="0"/>
+              <a:t> pi</a:t>
+            </a:r>
+            <a:r>
+              <a:rPr lang="sr-Latn-RS" sz="1400" smtClean="0"/>
+              <a:t>šemo odgovarajući kod. </a:t>
+            </a:r>
+            <a:endParaRPr lang="en-US" sz="1400"/>
+          </a:p>
+        </p:txBody>
+      </p:sp>
+      <p:pic>
+        <p:nvPicPr>
+          <p:cNvPr id="5" name="Picture 4"/>
+          <p:cNvPicPr>
+            <a:picLocks noChangeAspect="1"/>
+          </p:cNvPicPr>
+          <p:nvPr/>
+        </p:nvPicPr>
+        <p:blipFill>
+          <a:blip r:embed="rId2"/>
+          <a:stretch>
+            <a:fillRect/>
+          </a:stretch>
+        </p:blipFill>
+        <p:spPr>
+          <a:xfrm>
+            <a:off x="3725360" y="1571290"/>
+            <a:ext cx="2724530" cy="4782217"/>
+          </a:xfrm>
+          <a:prstGeom prst="rect">
+            <a:avLst/>
+          </a:prstGeom>
+        </p:spPr>
+      </p:pic>
+      <p:pic>
+        <p:nvPicPr>
+          <p:cNvPr id="7" name="Picture 6"/>
+          <p:cNvPicPr>
+            <a:picLocks noChangeAspect="1"/>
+          </p:cNvPicPr>
+          <p:nvPr/>
+        </p:nvPicPr>
+        <p:blipFill>
+          <a:blip r:embed="rId3"/>
+          <a:stretch>
+            <a:fillRect/>
+          </a:stretch>
+        </p:blipFill>
+        <p:spPr>
+          <a:xfrm>
+            <a:off x="6974848" y="137111"/>
+            <a:ext cx="4632951" cy="6616121"/>
+          </a:xfrm>
+          <a:prstGeom prst="rect">
+            <a:avLst/>
+          </a:prstGeom>
+        </p:spPr>
+      </p:pic>
+    </p:spTree>
+    <p:extLst>
+      <p:ext uri="{BB962C8B-B14F-4D97-AF65-F5344CB8AC3E}">
+        <p14:creationId xmlns:p14="http://schemas.microsoft.com/office/powerpoint/2010/main" val="344991108"/>
+      </p:ext>
+    </p:extLst>
+  </p:cSld>
+  <p:clrMapOvr>
+    <a:masterClrMapping/>
+  </p:clrMapOvr>
+  <p:timing>
+    <p:tnLst>
+      <p:par>
+        <p:cTn id="1" dur="indefinite" restart="never" nodeType="tmRoot"/>
+      </p:par>
+    </p:tnLst>
+  </p:timing>
+</p:sld>
+</file>
+
+<file path=ppt/slides/slide22.xml><?xml version="1.0" encoding="utf-8"?>
+<p:sld xmlns:a="http://schemas.openxmlformats.org/drawingml/2006/main" xmlns:r="http://schemas.openxmlformats.org/officeDocument/2006/relationships" xmlns:p="http://schemas.openxmlformats.org/presentationml/2006/main">
+  <p:cSld>
+    <p:spTree>
+      <p:nvGrpSpPr>
+        <p:cNvPr id="1" name=""/>
+        <p:cNvGrpSpPr/>
+        <p:nvPr/>
+      </p:nvGrpSpPr>
+      <p:grpSpPr>
+        <a:xfrm>
+          <a:off x="0" y="0"/>
+          <a:ext cx="0" cy="0"/>
+          <a:chOff x="0" y="0"/>
+          <a:chExt cx="0" cy="0"/>
+        </a:xfrm>
+      </p:grpSpPr>
+      <p:sp>
+        <p:nvSpPr>
+          <p:cNvPr id="2" name="Title 1"/>
+          <p:cNvSpPr>
+            <a:spLocks noGrp="1"/>
+          </p:cNvSpPr>
+          <p:nvPr>
+            <p:ph type="title"/>
+          </p:nvPr>
+        </p:nvSpPr>
+        <p:spPr/>
+        <p:txBody>
+          <a:bodyPr>
+            <a:normAutofit/>
+          </a:bodyPr>
+          <a:lstStyle/>
+          <a:p>
+            <a:r>
+              <a:rPr lang="sr-Latn-RS" sz="4000" b="1" spc="0" smtClean="0">
+                <a:ln w="9525">
+                  <a:solidFill>
+                    <a:schemeClr val="bg1"/>
+                  </a:solidFill>
+                  <a:prstDash val="solid"/>
+                </a:ln>
+                <a:solidFill>
+                  <a:schemeClr val="tx1"/>
+                </a:solidFill>
+                <a:effectLst>
+                  <a:outerShdw blurRad="12700" dist="38100" dir="2700000" algn="tl" rotWithShape="0">
+                    <a:schemeClr val="bg1">
+                      <a:lumMod val="50000"/>
+                    </a:schemeClr>
+                  </a:outerShdw>
+                </a:effectLst>
+              </a:rPr>
+              <a:t>Kreiranje izgleda aplikacije</a:t>
+            </a:r>
+            <a:endParaRPr lang="en-US" sz="4000" b="1" spc="0">
+              <a:ln w="9525">
+                <a:solidFill>
+                  <a:schemeClr val="bg1"/>
+                </a:solidFill>
+                <a:prstDash val="solid"/>
+              </a:ln>
+              <a:solidFill>
+                <a:schemeClr val="tx1"/>
+              </a:solidFill>
+              <a:effectLst>
+                <a:outerShdw blurRad="12700" dist="38100" dir="2700000" algn="tl" rotWithShape="0">
+                  <a:schemeClr val="bg1">
+                    <a:lumMod val="50000"/>
+                  </a:schemeClr>
+                </a:outerShdw>
+              </a:effectLst>
+            </a:endParaRPr>
+          </a:p>
+        </p:txBody>
+      </p:sp>
+      <p:sp>
+        <p:nvSpPr>
+          <p:cNvPr id="6" name="TextBox 5"/>
+          <p:cNvSpPr txBox="1"/>
+          <p:nvPr/>
+        </p:nvSpPr>
+        <p:spPr>
+          <a:xfrm>
+            <a:off x="5953308" y="299138"/>
+            <a:ext cx="3923937" cy="830997"/>
+          </a:xfrm>
+          <a:prstGeom prst="rect">
+            <a:avLst/>
+          </a:prstGeom>
+          <a:noFill/>
+        </p:spPr>
+        <p:txBody>
+          <a:bodyPr wrap="square" rtlCol="0">
+            <a:spAutoFit/>
+          </a:bodyPr>
+          <a:lstStyle/>
+          <a:p>
+            <a:r>
+              <a:rPr lang="sr-Latn-RS" sz="2400" smtClean="0"/>
+              <a:t>! Potrebno je izvršiti komandu </a:t>
+            </a:r>
+            <a:r>
+              <a:rPr lang="sr-Latn-RS" sz="2400" u="sng" smtClean="0"/>
+              <a:t>npm install react-modal</a:t>
+            </a:r>
+            <a:endParaRPr lang="en-US" sz="2400" u="sng"/>
+          </a:p>
+        </p:txBody>
+      </p:sp>
+      <p:pic>
+        <p:nvPicPr>
+          <p:cNvPr id="3" name="Picture 2"/>
+          <p:cNvPicPr>
+            <a:picLocks noChangeAspect="1"/>
+          </p:cNvPicPr>
+          <p:nvPr/>
+        </p:nvPicPr>
+        <p:blipFill>
+          <a:blip r:embed="rId2"/>
+          <a:stretch>
+            <a:fillRect/>
+          </a:stretch>
+        </p:blipFill>
+        <p:spPr>
+          <a:xfrm>
+            <a:off x="3636719" y="156155"/>
+            <a:ext cx="2196213" cy="6701845"/>
+          </a:xfrm>
+          <a:prstGeom prst="rect">
+            <a:avLst/>
+          </a:prstGeom>
+        </p:spPr>
+      </p:pic>
+      <p:pic>
+        <p:nvPicPr>
+          <p:cNvPr id="4" name="Picture 3"/>
+          <p:cNvPicPr>
+            <a:picLocks noChangeAspect="1"/>
+          </p:cNvPicPr>
+          <p:nvPr/>
+        </p:nvPicPr>
+        <p:blipFill>
+          <a:blip r:embed="rId3"/>
+          <a:stretch>
+            <a:fillRect/>
+          </a:stretch>
+        </p:blipFill>
+        <p:spPr>
+          <a:xfrm>
+            <a:off x="5953308" y="3300301"/>
+            <a:ext cx="5671799" cy="3168232"/>
+          </a:xfrm>
+          <a:prstGeom prst="rect">
+            <a:avLst/>
+          </a:prstGeom>
+        </p:spPr>
+      </p:pic>
+      <p:sp>
+        <p:nvSpPr>
+          <p:cNvPr id="5" name="TextBox 4"/>
+          <p:cNvSpPr txBox="1"/>
+          <p:nvPr/>
+        </p:nvSpPr>
+        <p:spPr>
+          <a:xfrm>
+            <a:off x="8186575" y="2620087"/>
+            <a:ext cx="3562578" cy="461665"/>
+          </a:xfrm>
+          <a:prstGeom prst="rect">
+            <a:avLst/>
+          </a:prstGeom>
+          <a:noFill/>
+        </p:spPr>
+        <p:txBody>
+          <a:bodyPr wrap="none" rtlCol="0">
+            <a:spAutoFit/>
+          </a:bodyPr>
+          <a:lstStyle/>
+          <a:p>
+            <a:r>
+              <a:rPr lang="en-US" sz="2400" smtClean="0"/>
+              <a:t>Dodavanje ikone aplikacije</a:t>
+            </a:r>
+            <a:endParaRPr lang="en-US" sz="2400"/>
+          </a:p>
+        </p:txBody>
+      </p:sp>
+      <p:cxnSp>
+        <p:nvCxnSpPr>
+          <p:cNvPr id="9" name="Straight Arrow Connector 8"/>
+          <p:cNvCxnSpPr/>
+          <p:nvPr/>
+        </p:nvCxnSpPr>
+        <p:spPr>
+          <a:xfrm flipH="1">
+            <a:off x="10066866" y="3081752"/>
+            <a:ext cx="853640" cy="1622514"/>
+          </a:xfrm>
+          <a:prstGeom prst="straightConnector1">
+            <a:avLst/>
+          </a:prstGeom>
+          <a:ln w="38100">
+            <a:solidFill>
+              <a:srgbClr val="00B0F0"/>
+            </a:solidFill>
+            <a:tailEnd type="triangle"/>
+          </a:ln>
+        </p:spPr>
+        <p:style>
+          <a:lnRef idx="1">
+            <a:schemeClr val="accent1"/>
+          </a:lnRef>
+          <a:fillRef idx="0">
+            <a:schemeClr val="accent1"/>
+          </a:fillRef>
+          <a:effectRef idx="0">
+            <a:schemeClr val="accent1"/>
+          </a:effectRef>
+          <a:fontRef idx="minor">
+            <a:schemeClr val="tx1"/>
+          </a:fontRef>
+        </p:style>
+      </p:cxnSp>
+    </p:spTree>
+    <p:extLst>
+      <p:ext uri="{BB962C8B-B14F-4D97-AF65-F5344CB8AC3E}">
+        <p14:creationId xmlns:p14="http://schemas.microsoft.com/office/powerpoint/2010/main" val="357436071"/>
+      </p:ext>
+    </p:extLst>
+  </p:cSld>
+  <p:clrMapOvr>
+    <a:masterClrMapping/>
+  </p:clrMapOvr>
+  <p:timing>
+    <p:tnLst>
+      <p:par>
+        <p:cTn id="1" dur="indefinite" restart="never" nodeType="tmRoot"/>
+      </p:par>
+    </p:tnLst>
+  </p:timing>
+</p:sld>
+</file>
+
+<file path=ppt/slides/slide23.xml><?xml version="1.0" encoding="utf-8"?>
+<p:sld xmlns:a="http://schemas.openxmlformats.org/drawingml/2006/main" xmlns:r="http://schemas.openxmlformats.org/officeDocument/2006/relationships" xmlns:p="http://schemas.openxmlformats.org/presentationml/2006/main">
+  <p:cSld>
+    <p:spTree>
+      <p:nvGrpSpPr>
+        <p:cNvPr id="1" name=""/>
+        <p:cNvGrpSpPr/>
+        <p:nvPr/>
+      </p:nvGrpSpPr>
+      <p:grpSpPr>
+        <a:xfrm>
+          <a:off x="0" y="0"/>
+          <a:ext cx="0" cy="0"/>
+          <a:chOff x="0" y="0"/>
+          <a:chExt cx="0" cy="0"/>
+        </a:xfrm>
+      </p:grpSpPr>
+      <p:sp>
+        <p:nvSpPr>
+          <p:cNvPr id="2" name="Title 1"/>
+          <p:cNvSpPr>
+            <a:spLocks noGrp="1"/>
+          </p:cNvSpPr>
+          <p:nvPr>
+            <p:ph type="title"/>
+          </p:nvPr>
+        </p:nvSpPr>
+        <p:spPr/>
+        <p:txBody>
           <a:bodyPr>
             <a:normAutofit/>
           </a:bodyPr>
@@ -6456,10 +7571,17 @@
   <p:clrMapOvr>
     <a:masterClrMapping/>
   </p:clrMapOvr>
+  <p:timing>
+    <p:tnLst>
+      <p:par>
+        <p:cTn id="1" dur="indefinite" restart="never" nodeType="tmRoot"/>
+      </p:par>
+    </p:tnLst>
+  </p:timing>
 </p:sld>
 </file>
 
-<file path=ppt/slides/slide19.xml><?xml version="1.0" encoding="utf-8"?>
+<file path=ppt/slides/slide24.xml><?xml version="1.0" encoding="utf-8"?>
 <p:sld xmlns:a="http://schemas.openxmlformats.org/drawingml/2006/main" xmlns:r="http://schemas.openxmlformats.org/officeDocument/2006/relationships" xmlns:p="http://schemas.openxmlformats.org/presentationml/2006/main">
   <p:cSld>
     <p:spTree>
@@ -6722,211 +7844,17 @@
   <p:clrMapOvr>
     <a:masterClrMapping/>
   </p:clrMapOvr>
+  <p:timing>
+    <p:tnLst>
+      <p:par>
+        <p:cTn id="1" dur="indefinite" restart="never" nodeType="tmRoot"/>
+      </p:par>
+    </p:tnLst>
+  </p:timing>
 </p:sld>
 </file>
 
-<file path=ppt/slides/slide2.xml><?xml version="1.0" encoding="utf-8"?>
-<p:sld xmlns:a="http://schemas.openxmlformats.org/drawingml/2006/main" xmlns:r="http://schemas.openxmlformats.org/officeDocument/2006/relationships" xmlns:p="http://schemas.openxmlformats.org/presentationml/2006/main">
-  <p:cSld>
-    <p:spTree>
-      <p:nvGrpSpPr>
-        <p:cNvPr id="1" name=""/>
-        <p:cNvGrpSpPr/>
-        <p:nvPr/>
-      </p:nvGrpSpPr>
-      <p:grpSpPr>
-        <a:xfrm>
-          <a:off x="0" y="0"/>
-          <a:ext cx="0" cy="0"/>
-          <a:chOff x="0" y="0"/>
-          <a:chExt cx="0" cy="0"/>
-        </a:xfrm>
-      </p:grpSpPr>
-      <p:sp>
-        <p:nvSpPr>
-          <p:cNvPr id="2" name="Title 1"/>
-          <p:cNvSpPr>
-            <a:spLocks noGrp="1"/>
-          </p:cNvSpPr>
-          <p:nvPr>
-            <p:ph type="title"/>
-          </p:nvPr>
-        </p:nvSpPr>
-        <p:spPr/>
-        <p:txBody>
-          <a:bodyPr>
-            <a:normAutofit/>
-          </a:bodyPr>
-          <a:lstStyle/>
-          <a:p>
-            <a:r>
-              <a:rPr lang="en-US" sz="4000" b="1" spc="0" smtClean="0">
-                <a:ln w="9525">
-                  <a:solidFill>
-                    <a:schemeClr val="bg1"/>
-                  </a:solidFill>
-                  <a:prstDash val="solid"/>
-                </a:ln>
-                <a:solidFill>
-                  <a:schemeClr val="tx1"/>
-                </a:solidFill>
-                <a:effectLst>
-                  <a:outerShdw blurRad="12700" dist="38100" dir="2700000" algn="tl" rotWithShape="0">
-                    <a:schemeClr val="bg1">
-                      <a:lumMod val="50000"/>
-                    </a:schemeClr>
-                  </a:outerShdw>
-                </a:effectLst>
-              </a:rPr>
-              <a:t>SADR</a:t>
-            </a:r>
-            <a:r>
-              <a:rPr lang="sr-Latn-RS" sz="4000" b="1" spc="0" smtClean="0">
-                <a:ln w="9525">
-                  <a:solidFill>
-                    <a:schemeClr val="bg1"/>
-                  </a:solidFill>
-                  <a:prstDash val="solid"/>
-                </a:ln>
-                <a:solidFill>
-                  <a:schemeClr val="tx1"/>
-                </a:solidFill>
-                <a:effectLst>
-                  <a:outerShdw blurRad="12700" dist="38100" dir="2700000" algn="tl" rotWithShape="0">
-                    <a:schemeClr val="bg1">
-                      <a:lumMod val="50000"/>
-                    </a:schemeClr>
-                  </a:outerShdw>
-                </a:effectLst>
-              </a:rPr>
-              <a:t>ŽAJ</a:t>
-            </a:r>
-            <a:endParaRPr lang="en-US" sz="4000" b="1" spc="0">
-              <a:ln w="9525">
-                <a:solidFill>
-                  <a:schemeClr val="bg1"/>
-                </a:solidFill>
-                <a:prstDash val="solid"/>
-              </a:ln>
-              <a:solidFill>
-                <a:schemeClr val="tx1"/>
-              </a:solidFill>
-              <a:effectLst>
-                <a:outerShdw blurRad="12700" dist="38100" dir="2700000" algn="tl" rotWithShape="0">
-                  <a:schemeClr val="bg1">
-                    <a:lumMod val="50000"/>
-                  </a:schemeClr>
-                </a:outerShdw>
-              </a:effectLst>
-            </a:endParaRPr>
-          </a:p>
-        </p:txBody>
-      </p:sp>
-      <p:sp>
-        <p:nvSpPr>
-          <p:cNvPr id="3" name="Content Placeholder 2"/>
-          <p:cNvSpPr>
-            <a:spLocks noGrp="1"/>
-          </p:cNvSpPr>
-          <p:nvPr>
-            <p:ph idx="1"/>
-          </p:nvPr>
-        </p:nvSpPr>
-        <p:spPr>
-          <a:xfrm>
-            <a:off x="4648200" y="1625515"/>
-            <a:ext cx="6959599" cy="3597825"/>
-          </a:xfrm>
-        </p:spPr>
-        <p:txBody>
-          <a:bodyPr>
-            <a:noAutofit/>
-          </a:bodyPr>
-          <a:lstStyle/>
-          <a:p>
-            <a:pPr marL="457200" indent="-457200">
-              <a:buAutoNum type="arabicPeriod"/>
-            </a:pPr>
-            <a:r>
-              <a:rPr lang="sr-Latn-RS" sz="2800" smtClean="0"/>
-              <a:t>Šta je Electron</a:t>
-            </a:r>
-            <a:r>
-              <a:rPr lang="en-US" sz="2800" smtClean="0"/>
-              <a:t>?</a:t>
-            </a:r>
-            <a:endParaRPr lang="sr-Latn-RS" sz="2800" smtClean="0"/>
-          </a:p>
-          <a:p>
-            <a:pPr marL="457200" indent="-457200">
-              <a:buAutoNum type="arabicPeriod"/>
-            </a:pPr>
-            <a:r>
-              <a:rPr lang="sr-Latn-RS" sz="2800" smtClean="0"/>
-              <a:t>Ključne komponente</a:t>
-            </a:r>
-          </a:p>
-          <a:p>
-            <a:pPr marL="457200" indent="-457200">
-              <a:buAutoNum type="arabicPeriod"/>
-            </a:pPr>
-            <a:r>
-              <a:rPr lang="sr-Latn-RS" sz="2800" smtClean="0"/>
-              <a:t>Procesni model</a:t>
-            </a:r>
-            <a:endParaRPr lang="en-US" sz="2800" smtClean="0"/>
-          </a:p>
-          <a:p>
-            <a:pPr marL="457200" indent="-457200">
-              <a:buFont typeface="Wingdings 2" pitchFamily="18" charset="2"/>
-              <a:buAutoNum type="arabicPeriod"/>
-            </a:pPr>
-            <a:r>
-              <a:rPr lang="sr-Latn-RS" sz="2800"/>
-              <a:t>Prednosti i </a:t>
-            </a:r>
-            <a:r>
-              <a:rPr lang="sr-Latn-RS" sz="2800" smtClean="0"/>
-              <a:t>mane</a:t>
-            </a:r>
-            <a:endParaRPr lang="en-US" sz="2800" smtClean="0"/>
-          </a:p>
-          <a:p>
-            <a:pPr marL="457200" indent="-457200">
-              <a:buFont typeface="Wingdings 2" pitchFamily="18" charset="2"/>
-              <a:buAutoNum type="arabicPeriod"/>
-            </a:pPr>
-            <a:r>
-              <a:rPr lang="en-US" sz="2800" smtClean="0"/>
-              <a:t>Popularne aplikacije koje koriste Electron</a:t>
-            </a:r>
-            <a:endParaRPr lang="sr-Latn-RS" sz="2800" smtClean="0"/>
-          </a:p>
-          <a:p>
-            <a:pPr marL="457200" indent="-457200">
-              <a:buAutoNum type="arabicPeriod"/>
-            </a:pPr>
-            <a:r>
-              <a:rPr lang="sr-Latn-RS" sz="2800" smtClean="0"/>
-              <a:t>Kreiranje Electron aplikacije sa React-om </a:t>
-            </a:r>
-          </a:p>
-        </p:txBody>
-      </p:sp>
-    </p:spTree>
-    <p:extLst>
-      <p:ext uri="{BB962C8B-B14F-4D97-AF65-F5344CB8AC3E}">
-        <p14:creationId xmlns:p14="http://schemas.microsoft.com/office/powerpoint/2010/main" val="11312236"/>
-      </p:ext>
-    </p:extLst>
-  </p:cSld>
-  <p:clrMapOvr>
-    <a:masterClrMapping/>
-  </p:clrMapOvr>
-</p:sld>
-</file>
-
-<file path=ppt/slides/slide20.xml><?xml version="1.0" encoding="utf-8"?>
+<file path=ppt/slides/slide25.xml><?xml version="1.0" encoding="utf-8"?>
 <p:sld xmlns:a="http://schemas.openxmlformats.org/drawingml/2006/main" xmlns:r="http://schemas.openxmlformats.org/officeDocument/2006/relationships" xmlns:p="http://schemas.openxmlformats.org/presentationml/2006/main">
   <p:cSld>
     <p:spTree>
@@ -7280,10 +8208,17 @@
   <p:clrMapOvr>
     <a:masterClrMapping/>
   </p:clrMapOvr>
+  <p:timing>
+    <p:tnLst>
+      <p:par>
+        <p:cTn id="1" dur="indefinite" restart="never" nodeType="tmRoot"/>
+      </p:par>
+    </p:tnLst>
+  </p:timing>
 </p:sld>
 </file>
 
-<file path=ppt/slides/slide21.xml><?xml version="1.0" encoding="utf-8"?>
+<file path=ppt/slides/slide26.xml><?xml version="1.0" encoding="utf-8"?>
 <p:sld xmlns:a="http://schemas.openxmlformats.org/drawingml/2006/main" xmlns:r="http://schemas.openxmlformats.org/officeDocument/2006/relationships" xmlns:p="http://schemas.openxmlformats.org/presentationml/2006/main">
   <p:cSld>
     <p:spTree>
@@ -7499,10 +8434,17 @@
   <p:clrMapOvr>
     <a:masterClrMapping/>
   </p:clrMapOvr>
+  <p:timing>
+    <p:tnLst>
+      <p:par>
+        <p:cTn id="1" dur="indefinite" restart="never" nodeType="tmRoot"/>
+      </p:par>
+    </p:tnLst>
+  </p:timing>
 </p:sld>
 </file>
 
-<file path=ppt/slides/slide22.xml><?xml version="1.0" encoding="utf-8"?>
+<file path=ppt/slides/slide27.xml><?xml version="1.0" encoding="utf-8"?>
 <p:sld xmlns:a="http://schemas.openxmlformats.org/drawingml/2006/main" xmlns:r="http://schemas.openxmlformats.org/officeDocument/2006/relationships" xmlns:p="http://schemas.openxmlformats.org/presentationml/2006/main">
   <p:cSld>
     <p:spTree>
@@ -7657,10 +8599,17 @@
   <p:clrMapOvr>
     <a:masterClrMapping/>
   </p:clrMapOvr>
+  <p:timing>
+    <p:tnLst>
+      <p:par>
+        <p:cTn id="1" dur="indefinite" restart="never" nodeType="tmRoot"/>
+      </p:par>
+    </p:tnLst>
+  </p:timing>
 </p:sld>
 </file>
 
-<file path=ppt/slides/slide23.xml><?xml version="1.0" encoding="utf-8"?>
+<file path=ppt/slides/slide28.xml><?xml version="1.0" encoding="utf-8"?>
 <p:sld xmlns:a="http://schemas.openxmlformats.org/drawingml/2006/main" xmlns:r="http://schemas.openxmlformats.org/officeDocument/2006/relationships" xmlns:p="http://schemas.openxmlformats.org/presentationml/2006/main">
   <p:cSld>
     <p:spTree>
@@ -7844,6 +8793,13 @@
   <p:clrMapOvr>
     <a:masterClrMapping/>
   </p:clrMapOvr>
+  <p:timing>
+    <p:tnLst>
+      <p:par>
+        <p:cTn id="1" dur="indefinite" restart="never" nodeType="tmRoot"/>
+      </p:par>
+    </p:tnLst>
+  </p:timing>
 </p:sld>
 </file>
 
@@ -8044,6 +9000,13 @@
   <p:clrMapOvr>
     <a:masterClrMapping/>
   </p:clrMapOvr>
+  <p:timing>
+    <p:tnLst>
+      <p:par>
+        <p:cTn id="1" dur="indefinite" restart="never" nodeType="tmRoot"/>
+      </p:par>
+    </p:tnLst>
+  </p:timing>
 </p:sld>
 </file>
 
@@ -8344,6 +9307,13 @@
   <p:clrMapOvr>
     <a:masterClrMapping/>
   </p:clrMapOvr>
+  <p:timing>
+    <p:tnLst>
+      <p:par>
+        <p:cTn id="1" dur="indefinite" restart="never" nodeType="tmRoot"/>
+      </p:par>
+    </p:tnLst>
+  </p:timing>
 </p:sld>
 </file>
 
@@ -8607,6 +9577,13 @@
   <p:clrMapOvr>
     <a:masterClrMapping/>
   </p:clrMapOvr>
+  <p:timing>
+    <p:tnLst>
+      <p:par>
+        <p:cTn id="1" dur="indefinite" restart="never" nodeType="tmRoot"/>
+      </p:par>
+    </p:tnLst>
+  </p:timing>
 </p:sld>
 </file>
 
@@ -8930,6 +9907,13 @@
   <p:clrMapOvr>
     <a:masterClrMapping/>
   </p:clrMapOvr>
+  <p:timing>
+    <p:tnLst>
+      <p:par>
+        <p:cTn id="1" dur="indefinite" restart="never" nodeType="tmRoot"/>
+      </p:par>
+    </p:tnLst>
+  </p:timing>
 </p:sld>
 </file>
 
@@ -9040,6 +10024,13 @@
   <p:clrMapOvr>
     <a:masterClrMapping/>
   </p:clrMapOvr>
+  <p:timing>
+    <p:tnLst>
+      <p:par>
+        <p:cTn id="1" dur="indefinite" restart="never" nodeType="tmRoot"/>
+      </p:par>
+    </p:tnLst>
+  </p:timing>
 </p:sld>
 </file>
 
@@ -9221,11 +10212,7 @@
             </a:r>
             <a:r>
               <a:rPr lang="en-US" sz="2000" smtClean="0"/>
-              <a:t>IPC – Inter-Process Communication </a:t>
-            </a:r>
-            <a:r>
-              <a:rPr lang="en-US" sz="2000" smtClean="0"/>
-              <a:t>(da </a:t>
+              <a:t>IPC – Inter-Process Communication (da </a:t>
             </a:r>
             <a:r>
               <a:rPr lang="en-US" sz="2000"/>
@@ -9265,6 +10252,13 @@
   <p:clrMapOvr>
     <a:masterClrMapping/>
   </p:clrMapOvr>
+  <p:timing>
+    <p:tnLst>
+      <p:par>
+        <p:cTn id="1" dur="indefinite" restart="never" nodeType="tmRoot"/>
+      </p:par>
+    </p:tnLst>
+  </p:timing>
 </p:sld>
 </file>
 
@@ -9620,6 +10614,13 @@
   <p:clrMapOvr>
     <a:masterClrMapping/>
   </p:clrMapOvr>
+  <p:timing>
+    <p:tnLst>
+      <p:par>
+        <p:cTn id="1" dur="indefinite" restart="never" nodeType="tmRoot"/>
+      </p:par>
+    </p:tnLst>
+  </p:timing>
 </p:sld>
 </file>
 

--- a/Electron.pptx
+++ b/Electron.pptx
@@ -5,7 +5,7 @@
     <p:sldMasterId id="2147483897" r:id="rId1"/>
   </p:sldMasterIdLst>
   <p:notesMasterIdLst>
-    <p:notesMasterId r:id="rId30"/>
+    <p:notesMasterId r:id="rId32"/>
   </p:notesMasterIdLst>
   <p:sldIdLst>
     <p:sldId id="256" r:id="rId2"/>
@@ -21,21 +21,23 @@
     <p:sldId id="267" r:id="rId12"/>
     <p:sldId id="274" r:id="rId13"/>
     <p:sldId id="266" r:id="rId14"/>
-    <p:sldId id="285" r:id="rId15"/>
-    <p:sldId id="286" r:id="rId16"/>
-    <p:sldId id="287" r:id="rId17"/>
-    <p:sldId id="288" r:id="rId18"/>
-    <p:sldId id="289" r:id="rId19"/>
-    <p:sldId id="270" r:id="rId20"/>
-    <p:sldId id="280" r:id="rId21"/>
-    <p:sldId id="271" r:id="rId22"/>
-    <p:sldId id="281" r:id="rId23"/>
-    <p:sldId id="272" r:id="rId24"/>
-    <p:sldId id="275" r:id="rId25"/>
-    <p:sldId id="276" r:id="rId26"/>
-    <p:sldId id="282" r:id="rId27"/>
-    <p:sldId id="268" r:id="rId28"/>
-    <p:sldId id="269" r:id="rId29"/>
+    <p:sldId id="290" r:id="rId15"/>
+    <p:sldId id="285" r:id="rId16"/>
+    <p:sldId id="286" r:id="rId17"/>
+    <p:sldId id="287" r:id="rId18"/>
+    <p:sldId id="288" r:id="rId19"/>
+    <p:sldId id="289" r:id="rId20"/>
+    <p:sldId id="291" r:id="rId21"/>
+    <p:sldId id="270" r:id="rId22"/>
+    <p:sldId id="280" r:id="rId23"/>
+    <p:sldId id="271" r:id="rId24"/>
+    <p:sldId id="281" r:id="rId25"/>
+    <p:sldId id="272" r:id="rId26"/>
+    <p:sldId id="275" r:id="rId27"/>
+    <p:sldId id="276" r:id="rId28"/>
+    <p:sldId id="282" r:id="rId29"/>
+    <p:sldId id="268" r:id="rId30"/>
+    <p:sldId id="269" r:id="rId31"/>
   </p:sldIdLst>
   <p:sldSz cx="12192000" cy="6858000"/>
   <p:notesSz cx="6858000" cy="9144000"/>
@@ -783,6 +785,630 @@
     <p:extLst>
       <p:ext uri="{BB962C8B-B14F-4D97-AF65-F5344CB8AC3E}">
         <p14:creationId xmlns:p14="http://schemas.microsoft.com/office/powerpoint/2010/main" val="3962467361"/>
+      </p:ext>
+    </p:extLst>
+  </p:cSld>
+  <p:clrMapOvr>
+    <a:masterClrMapping/>
+  </p:clrMapOvr>
+</p:notes>
+</file>
+
+<file path=ppt/notesSlides/notesSlide4.xml><?xml version="1.0" encoding="utf-8"?>
+<p:notes xmlns:a="http://schemas.openxmlformats.org/drawingml/2006/main" xmlns:r="http://schemas.openxmlformats.org/officeDocument/2006/relationships" xmlns:p="http://schemas.openxmlformats.org/presentationml/2006/main">
+  <p:cSld>
+    <p:spTree>
+      <p:nvGrpSpPr>
+        <p:cNvPr id="1" name=""/>
+        <p:cNvGrpSpPr/>
+        <p:nvPr/>
+      </p:nvGrpSpPr>
+      <p:grpSpPr>
+        <a:xfrm>
+          <a:off x="0" y="0"/>
+          <a:ext cx="0" cy="0"/>
+          <a:chOff x="0" y="0"/>
+          <a:chExt cx="0" cy="0"/>
+        </a:xfrm>
+      </p:grpSpPr>
+      <p:sp>
+        <p:nvSpPr>
+          <p:cNvPr id="2" name="Slide Image Placeholder 1"/>
+          <p:cNvSpPr>
+            <a:spLocks noGrp="1" noRot="1" noChangeAspect="1"/>
+          </p:cNvSpPr>
+          <p:nvPr>
+            <p:ph type="sldImg"/>
+          </p:nvPr>
+        </p:nvSpPr>
+        <p:spPr/>
+      </p:sp>
+      <p:sp>
+        <p:nvSpPr>
+          <p:cNvPr id="3" name="Notes Placeholder 2"/>
+          <p:cNvSpPr>
+            <a:spLocks noGrp="1"/>
+          </p:cNvSpPr>
+          <p:nvPr>
+            <p:ph type="body" idx="1"/>
+          </p:nvPr>
+        </p:nvSpPr>
+        <p:spPr/>
+        <p:txBody>
+          <a:bodyPr/>
+          <a:lstStyle/>
+          <a:p>
+            <a:r>
+              <a:rPr lang="en-US" smtClean="0"/>
+              <a:t>App za kontrolu zivotnog ciklusa</a:t>
+            </a:r>
+            <a:endParaRPr lang="en-US"/>
+          </a:p>
+        </p:txBody>
+      </p:sp>
+      <p:sp>
+        <p:nvSpPr>
+          <p:cNvPr id="4" name="Slide Number Placeholder 3"/>
+          <p:cNvSpPr>
+            <a:spLocks noGrp="1"/>
+          </p:cNvSpPr>
+          <p:nvPr>
+            <p:ph type="sldNum" sz="quarter" idx="10"/>
+          </p:nvPr>
+        </p:nvSpPr>
+        <p:spPr/>
+        <p:txBody>
+          <a:bodyPr/>
+          <a:lstStyle/>
+          <a:p>
+            <a:fld id="{97ADABF1-81E9-47E2-8A72-181159F3D6B8}" type="slidenum">
+              <a:rPr lang="en-US" smtClean="0"/>
+              <a:t>7</a:t>
+            </a:fld>
+            <a:endParaRPr lang="en-US"/>
+          </a:p>
+        </p:txBody>
+      </p:sp>
+    </p:spTree>
+    <p:extLst>
+      <p:ext uri="{BB962C8B-B14F-4D97-AF65-F5344CB8AC3E}">
+        <p14:creationId xmlns:p14="http://schemas.microsoft.com/office/powerpoint/2010/main" val="1179863040"/>
+      </p:ext>
+    </p:extLst>
+  </p:cSld>
+  <p:clrMapOvr>
+    <a:masterClrMapping/>
+  </p:clrMapOvr>
+</p:notes>
+</file>
+
+<file path=ppt/notesSlides/notesSlide5.xml><?xml version="1.0" encoding="utf-8"?>
+<p:notes xmlns:a="http://schemas.openxmlformats.org/drawingml/2006/main" xmlns:r="http://schemas.openxmlformats.org/officeDocument/2006/relationships" xmlns:p="http://schemas.openxmlformats.org/presentationml/2006/main">
+  <p:cSld>
+    <p:spTree>
+      <p:nvGrpSpPr>
+        <p:cNvPr id="1" name=""/>
+        <p:cNvGrpSpPr/>
+        <p:nvPr/>
+      </p:nvGrpSpPr>
+      <p:grpSpPr>
+        <a:xfrm>
+          <a:off x="0" y="0"/>
+          <a:ext cx="0" cy="0"/>
+          <a:chOff x="0" y="0"/>
+          <a:chExt cx="0" cy="0"/>
+        </a:xfrm>
+      </p:grpSpPr>
+      <p:sp>
+        <p:nvSpPr>
+          <p:cNvPr id="2" name="Slide Image Placeholder 1"/>
+          <p:cNvSpPr>
+            <a:spLocks noGrp="1" noRot="1" noChangeAspect="1"/>
+          </p:cNvSpPr>
+          <p:nvPr>
+            <p:ph type="sldImg"/>
+          </p:nvPr>
+        </p:nvSpPr>
+        <p:spPr/>
+      </p:sp>
+      <p:sp>
+        <p:nvSpPr>
+          <p:cNvPr id="3" name="Notes Placeholder 2"/>
+          <p:cNvSpPr>
+            <a:spLocks noGrp="1"/>
+          </p:cNvSpPr>
+          <p:nvPr>
+            <p:ph type="body" idx="1"/>
+          </p:nvPr>
+        </p:nvSpPr>
+        <p:spPr/>
+        <p:txBody>
+          <a:bodyPr/>
+          <a:lstStyle/>
+          <a:p>
+            <a:r>
+              <a:rPr lang="en-US" sz="1200" smtClean="0"/>
+              <a:t>(da otvori fajl, da pošalje korisničke podatke, ili da pokrene neku sistemsku funkciju koja nije dozvoljena unutar renderer procesa) </a:t>
+            </a:r>
+            <a:r>
+              <a:rPr lang="sr-Latn-RS" sz="1200" smtClean="0"/>
+              <a:t> ipc</a:t>
+            </a:r>
+            <a:endParaRPr lang="en-US"/>
+          </a:p>
+        </p:txBody>
+      </p:sp>
+      <p:sp>
+        <p:nvSpPr>
+          <p:cNvPr id="4" name="Slide Number Placeholder 3"/>
+          <p:cNvSpPr>
+            <a:spLocks noGrp="1"/>
+          </p:cNvSpPr>
+          <p:nvPr>
+            <p:ph type="sldNum" sz="quarter" idx="10"/>
+          </p:nvPr>
+        </p:nvSpPr>
+        <p:spPr/>
+        <p:txBody>
+          <a:bodyPr/>
+          <a:lstStyle/>
+          <a:p>
+            <a:fld id="{97ADABF1-81E9-47E2-8A72-181159F3D6B8}" type="slidenum">
+              <a:rPr lang="en-US" smtClean="0"/>
+              <a:t>8</a:t>
+            </a:fld>
+            <a:endParaRPr lang="en-US"/>
+          </a:p>
+        </p:txBody>
+      </p:sp>
+    </p:spTree>
+    <p:extLst>
+      <p:ext uri="{BB962C8B-B14F-4D97-AF65-F5344CB8AC3E}">
+        <p14:creationId xmlns:p14="http://schemas.microsoft.com/office/powerpoint/2010/main" val="4166020968"/>
+      </p:ext>
+    </p:extLst>
+  </p:cSld>
+  <p:clrMapOvr>
+    <a:masterClrMapping/>
+  </p:clrMapOvr>
+</p:notes>
+</file>
+
+<file path=ppt/notesSlides/notesSlide6.xml><?xml version="1.0" encoding="utf-8"?>
+<p:notes xmlns:a="http://schemas.openxmlformats.org/drawingml/2006/main" xmlns:r="http://schemas.openxmlformats.org/officeDocument/2006/relationships" xmlns:p="http://schemas.openxmlformats.org/presentationml/2006/main">
+  <p:cSld>
+    <p:spTree>
+      <p:nvGrpSpPr>
+        <p:cNvPr id="1" name=""/>
+        <p:cNvGrpSpPr/>
+        <p:nvPr/>
+      </p:nvGrpSpPr>
+      <p:grpSpPr>
+        <a:xfrm>
+          <a:off x="0" y="0"/>
+          <a:ext cx="0" cy="0"/>
+          <a:chOff x="0" y="0"/>
+          <a:chExt cx="0" cy="0"/>
+        </a:xfrm>
+      </p:grpSpPr>
+      <p:sp>
+        <p:nvSpPr>
+          <p:cNvPr id="2" name="Slide Image Placeholder 1"/>
+          <p:cNvSpPr>
+            <a:spLocks noGrp="1" noRot="1" noChangeAspect="1"/>
+          </p:cNvSpPr>
+          <p:nvPr>
+            <p:ph type="sldImg"/>
+          </p:nvPr>
+        </p:nvSpPr>
+        <p:spPr/>
+      </p:sp>
+      <p:sp>
+        <p:nvSpPr>
+          <p:cNvPr id="3" name="Notes Placeholder 2"/>
+          <p:cNvSpPr>
+            <a:spLocks noGrp="1"/>
+          </p:cNvSpPr>
+          <p:nvPr>
+            <p:ph type="body" idx="1"/>
+          </p:nvPr>
+        </p:nvSpPr>
+        <p:spPr/>
+        <p:txBody>
+          <a:bodyPr/>
+          <a:lstStyle/>
+          <a:p>
+            <a:r>
+              <a:rPr lang="en-US" smtClean="0"/>
+              <a:t>Komanda init postavlja nekoliko pitanja, enter da bi se prihvatile</a:t>
+            </a:r>
+            <a:r>
+              <a:rPr lang="en-US" baseline="0" smtClean="0"/>
+              <a:t> podrazumevane vrednosti</a:t>
+            </a:r>
+          </a:p>
+          <a:p>
+            <a:r>
+              <a:rPr lang="en-US" baseline="0" smtClean="0"/>
+              <a:t>Pitanja o autoru, opis aplikacije…</a:t>
+            </a:r>
+            <a:endParaRPr lang="en-US"/>
+          </a:p>
+        </p:txBody>
+      </p:sp>
+      <p:sp>
+        <p:nvSpPr>
+          <p:cNvPr id="4" name="Slide Number Placeholder 3"/>
+          <p:cNvSpPr>
+            <a:spLocks noGrp="1"/>
+          </p:cNvSpPr>
+          <p:nvPr>
+            <p:ph type="sldNum" sz="quarter" idx="10"/>
+          </p:nvPr>
+        </p:nvSpPr>
+        <p:spPr/>
+        <p:txBody>
+          <a:bodyPr/>
+          <a:lstStyle/>
+          <a:p>
+            <a:fld id="{97ADABF1-81E9-47E2-8A72-181159F3D6B8}" type="slidenum">
+              <a:rPr lang="en-US" smtClean="0"/>
+              <a:t>15</a:t>
+            </a:fld>
+            <a:endParaRPr lang="en-US"/>
+          </a:p>
+        </p:txBody>
+      </p:sp>
+    </p:spTree>
+    <p:extLst>
+      <p:ext uri="{BB962C8B-B14F-4D97-AF65-F5344CB8AC3E}">
+        <p14:creationId xmlns:p14="http://schemas.microsoft.com/office/powerpoint/2010/main" val="289654332"/>
+      </p:ext>
+    </p:extLst>
+  </p:cSld>
+  <p:clrMapOvr>
+    <a:masterClrMapping/>
+  </p:clrMapOvr>
+</p:notes>
+</file>
+
+<file path=ppt/notesSlides/notesSlide7.xml><?xml version="1.0" encoding="utf-8"?>
+<p:notes xmlns:a="http://schemas.openxmlformats.org/drawingml/2006/main" xmlns:r="http://schemas.openxmlformats.org/officeDocument/2006/relationships" xmlns:p="http://schemas.openxmlformats.org/presentationml/2006/main">
+  <p:cSld>
+    <p:spTree>
+      <p:nvGrpSpPr>
+        <p:cNvPr id="1" name=""/>
+        <p:cNvGrpSpPr/>
+        <p:nvPr/>
+      </p:nvGrpSpPr>
+      <p:grpSpPr>
+        <a:xfrm>
+          <a:off x="0" y="0"/>
+          <a:ext cx="0" cy="0"/>
+          <a:chOff x="0" y="0"/>
+          <a:chExt cx="0" cy="0"/>
+        </a:xfrm>
+      </p:grpSpPr>
+      <p:sp>
+        <p:nvSpPr>
+          <p:cNvPr id="2" name="Slide Image Placeholder 1"/>
+          <p:cNvSpPr>
+            <a:spLocks noGrp="1" noRot="1" noChangeAspect="1"/>
+          </p:cNvSpPr>
+          <p:nvPr>
+            <p:ph type="sldImg"/>
+          </p:nvPr>
+        </p:nvSpPr>
+        <p:spPr/>
+      </p:sp>
+      <p:sp>
+        <p:nvSpPr>
+          <p:cNvPr id="3" name="Notes Placeholder 2"/>
+          <p:cNvSpPr>
+            <a:spLocks noGrp="1"/>
+          </p:cNvSpPr>
+          <p:nvPr>
+            <p:ph type="body" idx="1"/>
+          </p:nvPr>
+        </p:nvSpPr>
+        <p:spPr/>
+        <p:txBody>
+          <a:bodyPr/>
+          <a:lstStyle/>
+          <a:p>
+            <a:r>
+              <a:rPr lang="en-US" smtClean="0"/>
+              <a:t>Index kao UI aplikacije</a:t>
+            </a:r>
+          </a:p>
+          <a:p>
+            <a:r>
+              <a:rPr lang="en-US" smtClean="0"/>
+              <a:t>Main kao glavni proces</a:t>
+            </a:r>
+            <a:endParaRPr lang="en-US"/>
+          </a:p>
+        </p:txBody>
+      </p:sp>
+      <p:sp>
+        <p:nvSpPr>
+          <p:cNvPr id="4" name="Slide Number Placeholder 3"/>
+          <p:cNvSpPr>
+            <a:spLocks noGrp="1"/>
+          </p:cNvSpPr>
+          <p:nvPr>
+            <p:ph type="sldNum" sz="quarter" idx="10"/>
+          </p:nvPr>
+        </p:nvSpPr>
+        <p:spPr/>
+        <p:txBody>
+          <a:bodyPr/>
+          <a:lstStyle/>
+          <a:p>
+            <a:fld id="{97ADABF1-81E9-47E2-8A72-181159F3D6B8}" type="slidenum">
+              <a:rPr lang="en-US" smtClean="0"/>
+              <a:t>16</a:t>
+            </a:fld>
+            <a:endParaRPr lang="en-US"/>
+          </a:p>
+        </p:txBody>
+      </p:sp>
+    </p:spTree>
+    <p:extLst>
+      <p:ext uri="{BB962C8B-B14F-4D97-AF65-F5344CB8AC3E}">
+        <p14:creationId xmlns:p14="http://schemas.microsoft.com/office/powerpoint/2010/main" val="2421894611"/>
+      </p:ext>
+    </p:extLst>
+  </p:cSld>
+  <p:clrMapOvr>
+    <a:masterClrMapping/>
+  </p:clrMapOvr>
+</p:notes>
+</file>
+
+<file path=ppt/notesSlides/notesSlide8.xml><?xml version="1.0" encoding="utf-8"?>
+<p:notes xmlns:a="http://schemas.openxmlformats.org/drawingml/2006/main" xmlns:r="http://schemas.openxmlformats.org/officeDocument/2006/relationships" xmlns:p="http://schemas.openxmlformats.org/presentationml/2006/main">
+  <p:cSld>
+    <p:spTree>
+      <p:nvGrpSpPr>
+        <p:cNvPr id="1" name=""/>
+        <p:cNvGrpSpPr/>
+        <p:nvPr/>
+      </p:nvGrpSpPr>
+      <p:grpSpPr>
+        <a:xfrm>
+          <a:off x="0" y="0"/>
+          <a:ext cx="0" cy="0"/>
+          <a:chOff x="0" y="0"/>
+          <a:chExt cx="0" cy="0"/>
+        </a:xfrm>
+      </p:grpSpPr>
+      <p:sp>
+        <p:nvSpPr>
+          <p:cNvPr id="2" name="Slide Image Placeholder 1"/>
+          <p:cNvSpPr>
+            <a:spLocks noGrp="1" noRot="1" noChangeAspect="1"/>
+          </p:cNvSpPr>
+          <p:nvPr>
+            <p:ph type="sldImg"/>
+          </p:nvPr>
+        </p:nvSpPr>
+        <p:spPr/>
+      </p:sp>
+      <p:sp>
+        <p:nvSpPr>
+          <p:cNvPr id="3" name="Notes Placeholder 2"/>
+          <p:cNvSpPr>
+            <a:spLocks noGrp="1"/>
+          </p:cNvSpPr>
+          <p:nvPr>
+            <p:ph type="body" idx="1"/>
+          </p:nvPr>
+        </p:nvSpPr>
+        <p:spPr/>
+        <p:txBody>
+          <a:bodyPr/>
+          <a:lstStyle/>
+          <a:p>
+            <a:r>
+              <a:rPr lang="en-US" sz="1200" b="0" i="0" kern="1200" smtClean="0">
+                <a:solidFill>
+                  <a:schemeClr val="tx1"/>
+                </a:solidFill>
+                <a:effectLst/>
+                <a:latin typeface="+mn-lt"/>
+                <a:ea typeface="+mn-ea"/>
+                <a:cs typeface="+mn-cs"/>
+              </a:rPr>
+              <a:t>concurrently: za pokretanje više skripti paralelno.</a:t>
+            </a:r>
+          </a:p>
+          <a:p>
+            <a:r>
+              <a:rPr lang="en-US" sz="1200" b="0" i="0" kern="1200" smtClean="0">
+                <a:solidFill>
+                  <a:schemeClr val="tx1"/>
+                </a:solidFill>
+                <a:effectLst/>
+                <a:latin typeface="+mn-lt"/>
+                <a:ea typeface="+mn-ea"/>
+                <a:cs typeface="+mn-cs"/>
+              </a:rPr>
+              <a:t>cross-env: za postavljanje promenljivih okruženja na način koji je kompatibilan sa operativnim sistemom</a:t>
+            </a:r>
+          </a:p>
+          <a:p>
+            <a:r>
+              <a:rPr lang="en-US" sz="1200" b="0" i="0" kern="1200" smtClean="0">
+                <a:solidFill>
+                  <a:schemeClr val="tx1"/>
+                </a:solidFill>
+                <a:effectLst/>
+                <a:latin typeface="+mn-lt"/>
+                <a:ea typeface="+mn-ea"/>
+                <a:cs typeface="+mn-cs"/>
+              </a:rPr>
+              <a:t>wait-on: čekanje na dostupnost resursa</a:t>
+            </a:r>
+          </a:p>
+          <a:p>
+            <a:endParaRPr lang="en-US"/>
+          </a:p>
+        </p:txBody>
+      </p:sp>
+      <p:sp>
+        <p:nvSpPr>
+          <p:cNvPr id="4" name="Slide Number Placeholder 3"/>
+          <p:cNvSpPr>
+            <a:spLocks noGrp="1"/>
+          </p:cNvSpPr>
+          <p:nvPr>
+            <p:ph type="sldNum" sz="quarter" idx="10"/>
+          </p:nvPr>
+        </p:nvSpPr>
+        <p:spPr/>
+        <p:txBody>
+          <a:bodyPr/>
+          <a:lstStyle/>
+          <a:p>
+            <a:fld id="{97ADABF1-81E9-47E2-8A72-181159F3D6B8}" type="slidenum">
+              <a:rPr lang="en-US" smtClean="0"/>
+              <a:t>25</a:t>
+            </a:fld>
+            <a:endParaRPr lang="en-US"/>
+          </a:p>
+        </p:txBody>
+      </p:sp>
+    </p:spTree>
+    <p:extLst>
+      <p:ext uri="{BB962C8B-B14F-4D97-AF65-F5344CB8AC3E}">
+        <p14:creationId xmlns:p14="http://schemas.microsoft.com/office/powerpoint/2010/main" val="1527822122"/>
+      </p:ext>
+    </p:extLst>
+  </p:cSld>
+  <p:clrMapOvr>
+    <a:masterClrMapping/>
+  </p:clrMapOvr>
+</p:notes>
+</file>
+
+<file path=ppt/notesSlides/notesSlide9.xml><?xml version="1.0" encoding="utf-8"?>
+<p:notes xmlns:a="http://schemas.openxmlformats.org/drawingml/2006/main" xmlns:r="http://schemas.openxmlformats.org/officeDocument/2006/relationships" xmlns:p="http://schemas.openxmlformats.org/presentationml/2006/main">
+  <p:cSld>
+    <p:spTree>
+      <p:nvGrpSpPr>
+        <p:cNvPr id="1" name=""/>
+        <p:cNvGrpSpPr/>
+        <p:nvPr/>
+      </p:nvGrpSpPr>
+      <p:grpSpPr>
+        <a:xfrm>
+          <a:off x="0" y="0"/>
+          <a:ext cx="0" cy="0"/>
+          <a:chOff x="0" y="0"/>
+          <a:chExt cx="0" cy="0"/>
+        </a:xfrm>
+      </p:grpSpPr>
+      <p:sp>
+        <p:nvSpPr>
+          <p:cNvPr id="2" name="Slide Image Placeholder 1"/>
+          <p:cNvSpPr>
+            <a:spLocks noGrp="1" noRot="1" noChangeAspect="1"/>
+          </p:cNvSpPr>
+          <p:nvPr>
+            <p:ph type="sldImg"/>
+          </p:nvPr>
+        </p:nvSpPr>
+        <p:spPr/>
+      </p:sp>
+      <p:sp>
+        <p:nvSpPr>
+          <p:cNvPr id="3" name="Notes Placeholder 2"/>
+          <p:cNvSpPr>
+            <a:spLocks noGrp="1"/>
+          </p:cNvSpPr>
+          <p:nvPr>
+            <p:ph type="body" idx="1"/>
+          </p:nvPr>
+        </p:nvSpPr>
+        <p:spPr/>
+        <p:txBody>
+          <a:bodyPr/>
+          <a:lstStyle/>
+          <a:p>
+            <a:r>
+              <a:rPr lang="en-US" sz="1200" b="0" i="0" kern="1200" smtClean="0">
+                <a:solidFill>
+                  <a:schemeClr val="tx1"/>
+                </a:solidFill>
+                <a:effectLst/>
+                <a:latin typeface="+mn-lt"/>
+                <a:ea typeface="+mn-ea"/>
+                <a:cs typeface="+mn-cs"/>
+              </a:rPr>
+              <a:t>concurrently: pokreće dve komande u isto vreme.</a:t>
+            </a:r>
+          </a:p>
+          <a:p>
+            <a:r>
+              <a:rPr lang="en-US" sz="1200" b="0" i="0" kern="1200" smtClean="0">
+                <a:solidFill>
+                  <a:schemeClr val="tx1"/>
+                </a:solidFill>
+                <a:effectLst/>
+                <a:latin typeface="+mn-lt"/>
+                <a:ea typeface="+mn-ea"/>
+                <a:cs typeface="+mn-cs"/>
+              </a:rPr>
+              <a:t>"cross-env BROWSER=none npm start": pokreće React razvojni server (kroz npm start), ali bez otvaranja pretraživača (BROWSER=none).</a:t>
+            </a:r>
+          </a:p>
+          <a:p>
+            <a:r>
+              <a:rPr lang="en-US" sz="1200" b="0" i="0" kern="1200" smtClean="0">
+                <a:solidFill>
+                  <a:schemeClr val="tx1"/>
+                </a:solidFill>
+                <a:effectLst/>
+                <a:latin typeface="+mn-lt"/>
+                <a:ea typeface="+mn-ea"/>
+                <a:cs typeface="+mn-cs"/>
+              </a:rPr>
+              <a:t>"wait-on http://localhost:3000 &amp;&amp; electron .": čeka da React server bude dostupan na http://localhost:3000, a zatim pokreće Electron aplikaciju koja učitava React aplikaciju.</a:t>
+            </a:r>
+          </a:p>
+          <a:p>
+            <a:endParaRPr lang="en-US"/>
+          </a:p>
+        </p:txBody>
+      </p:sp>
+      <p:sp>
+        <p:nvSpPr>
+          <p:cNvPr id="4" name="Slide Number Placeholder 3"/>
+          <p:cNvSpPr>
+            <a:spLocks noGrp="1"/>
+          </p:cNvSpPr>
+          <p:nvPr>
+            <p:ph type="sldNum" sz="quarter" idx="10"/>
+          </p:nvPr>
+        </p:nvSpPr>
+        <p:spPr/>
+        <p:txBody>
+          <a:bodyPr/>
+          <a:lstStyle/>
+          <a:p>
+            <a:fld id="{97ADABF1-81E9-47E2-8A72-181159F3D6B8}" type="slidenum">
+              <a:rPr lang="en-US" smtClean="0"/>
+              <a:t>26</a:t>
+            </a:fld>
+            <a:endParaRPr lang="en-US"/>
+          </a:p>
+        </p:txBody>
+      </p:sp>
+    </p:spTree>
+    <p:extLst>
+      <p:ext uri="{BB962C8B-B14F-4D97-AF65-F5344CB8AC3E}">
+        <p14:creationId xmlns:p14="http://schemas.microsoft.com/office/powerpoint/2010/main" val="3193408091"/>
       </p:ext>
     </p:extLst>
   </p:cSld>
@@ -5226,23 +5852,42 @@
       </p:grpSpPr>
       <p:sp>
         <p:nvSpPr>
-          <p:cNvPr id="2" name="Title 1"/>
-          <p:cNvSpPr>
-            <a:spLocks noGrp="1"/>
-          </p:cNvSpPr>
-          <p:nvPr>
-            <p:ph type="title"/>
-          </p:nvPr>
-        </p:nvSpPr>
-        <p:spPr/>
-        <p:txBody>
-          <a:bodyPr>
-            <a:normAutofit/>
-          </a:bodyPr>
+          <p:cNvPr id="2" name="Rectangle 1"/>
+          <p:cNvSpPr/>
+          <p:nvPr/>
+        </p:nvSpPr>
+        <p:spPr>
+          <a:xfrm>
+            <a:off x="0" y="1909482"/>
+            <a:ext cx="9350189" cy="3044663"/>
+          </a:xfrm>
+          <a:prstGeom prst="rect">
+            <a:avLst/>
+          </a:prstGeom>
+        </p:spPr>
+        <p:style>
+          <a:lnRef idx="2">
+            <a:schemeClr val="accent1">
+              <a:shade val="50000"/>
+            </a:schemeClr>
+          </a:lnRef>
+          <a:fillRef idx="1">
+            <a:schemeClr val="accent1"/>
+          </a:fillRef>
+          <a:effectRef idx="0">
+            <a:schemeClr val="accent1"/>
+          </a:effectRef>
+          <a:fontRef idx="minor">
+            <a:schemeClr val="lt1"/>
+          </a:fontRef>
+        </p:style>
+        <p:txBody>
+          <a:bodyPr rtlCol="0" anchor="ctr"/>
           <a:lstStyle/>
           <a:p>
-            <a:r>
-              <a:rPr lang="sr-Latn-RS" sz="4000" b="1" spc="0" smtClean="0">
+            <a:pPr algn="ctr"/>
+            <a:r>
+              <a:rPr lang="sr-Latn-RS" sz="5400" b="1">
                 <a:ln w="9525">
                   <a:solidFill>
                     <a:schemeClr val="bg1"/>
@@ -5262,223 +5907,73 @@
               </a:rPr>
               <a:t>Kreiranje Electron aplikacije </a:t>
             </a:r>
-            <a:endParaRPr lang="en-US" sz="4000" b="1" spc="0">
-              <a:ln w="9525">
+            <a:endParaRPr lang="en-US" sz="5400"/>
+          </a:p>
+        </p:txBody>
+      </p:sp>
+      <p:sp>
+        <p:nvSpPr>
+          <p:cNvPr id="3" name="Rectangle 2"/>
+          <p:cNvSpPr/>
+          <p:nvPr/>
+        </p:nvSpPr>
+        <p:spPr>
+          <a:xfrm>
+            <a:off x="9475694" y="1909482"/>
+            <a:ext cx="2716306" cy="3044663"/>
+          </a:xfrm>
+          <a:prstGeom prst="rect">
+            <a:avLst/>
+          </a:prstGeom>
+          <a:solidFill>
+            <a:schemeClr val="accent1">
+              <a:alpha val="50000"/>
+            </a:schemeClr>
+          </a:solidFill>
+          <a:ln>
+            <a:noFill/>
+          </a:ln>
+        </p:spPr>
+        <p:style>
+          <a:lnRef idx="0">
+            <a:scrgbClr r="0" g="0" b="0"/>
+          </a:lnRef>
+          <a:fillRef idx="0">
+            <a:scrgbClr r="0" g="0" b="0"/>
+          </a:fillRef>
+          <a:effectRef idx="0">
+            <a:scrgbClr r="0" g="0" b="0"/>
+          </a:effectRef>
+          <a:fontRef idx="minor">
+            <a:schemeClr val="lt1"/>
+          </a:fontRef>
+        </p:style>
+        <p:txBody>
+          <a:bodyPr rtlCol="0" anchor="ctr"/>
+          <a:lstStyle/>
+          <a:p>
+            <a:pPr algn="ctr"/>
+            <a:endParaRPr lang="en-US" b="1">
+              <a:ln w="22225">
                 <a:solidFill>
-                  <a:schemeClr val="bg1"/>
+                  <a:schemeClr val="accent2"/>
                 </a:solidFill>
                 <a:prstDash val="solid"/>
               </a:ln>
               <a:solidFill>
-                <a:schemeClr val="tx1"/>
+                <a:schemeClr val="accent2">
+                  <a:lumMod val="40000"/>
+                  <a:lumOff val="60000"/>
+                </a:schemeClr>
               </a:solidFill>
-              <a:effectLst>
-                <a:outerShdw blurRad="12700" dist="38100" dir="2700000" algn="tl" rotWithShape="0">
-                  <a:schemeClr val="bg1">
-                    <a:lumMod val="50000"/>
-                  </a:schemeClr>
-                </a:outerShdw>
-              </a:effectLst>
             </a:endParaRPr>
           </a:p>
         </p:txBody>
       </p:sp>
-      <p:sp>
-        <p:nvSpPr>
-          <p:cNvPr id="3" name="Content Placeholder 2"/>
-          <p:cNvSpPr>
-            <a:spLocks noGrp="1"/>
-          </p:cNvSpPr>
-          <p:nvPr>
-            <p:ph idx="1"/>
-          </p:nvPr>
-        </p:nvSpPr>
-        <p:spPr>
-          <a:xfrm>
-            <a:off x="3860642" y="864108"/>
-            <a:ext cx="7315200" cy="5120640"/>
-          </a:xfrm>
-        </p:spPr>
-        <p:txBody>
-          <a:bodyPr/>
-          <a:lstStyle/>
-          <a:p>
-            <a:pPr marL="457200" indent="-457200">
-              <a:buFont typeface="+mj-lt"/>
-              <a:buAutoNum type="arabicPeriod"/>
-            </a:pPr>
-            <a:r>
-              <a:rPr lang="sr-Latn-RS" smtClean="0"/>
-              <a:t>Inicijalizacija novog projekta</a:t>
-            </a:r>
-          </a:p>
-          <a:p>
-            <a:pPr marL="457200" indent="-457200">
-              <a:buFont typeface="+mj-lt"/>
-              <a:buAutoNum type="arabicPeriod"/>
-            </a:pPr>
-            <a:endParaRPr lang="sr-Latn-RS"/>
-          </a:p>
-          <a:p>
-            <a:pPr marL="457200" indent="-457200">
-              <a:buFont typeface="+mj-lt"/>
-              <a:buAutoNum type="arabicPeriod"/>
-            </a:pPr>
-            <a:endParaRPr lang="sr-Latn-RS" smtClean="0"/>
-          </a:p>
-          <a:p>
-            <a:pPr marL="457200" indent="-457200">
-              <a:buFont typeface="+mj-lt"/>
-              <a:buAutoNum type="arabicPeriod"/>
-            </a:pPr>
-            <a:endParaRPr lang="sr-Latn-RS"/>
-          </a:p>
-          <a:p>
-            <a:pPr marL="457200" indent="-457200">
-              <a:buFont typeface="+mj-lt"/>
-              <a:buAutoNum type="arabicPeriod"/>
-            </a:pPr>
-            <a:r>
-              <a:rPr lang="sr-Latn-RS" smtClean="0"/>
-              <a:t>Inicijalizacija Node.js projekta</a:t>
-            </a:r>
-          </a:p>
-          <a:p>
-            <a:pPr marL="457200" indent="-457200">
-              <a:buFont typeface="+mj-lt"/>
-              <a:buAutoNum type="arabicPeriod"/>
-            </a:pPr>
-            <a:endParaRPr lang="sr-Latn-RS"/>
-          </a:p>
-          <a:p>
-            <a:pPr marL="457200" indent="-457200">
-              <a:buFont typeface="+mj-lt"/>
-              <a:buAutoNum type="arabicPeriod"/>
-            </a:pPr>
-            <a:endParaRPr lang="sr-Latn-RS" smtClean="0"/>
-          </a:p>
-          <a:p>
-            <a:pPr marL="457200" indent="-457200">
-              <a:buFont typeface="+mj-lt"/>
-              <a:buAutoNum type="arabicPeriod"/>
-            </a:pPr>
-            <a:endParaRPr lang="sr-Latn-RS"/>
-          </a:p>
-          <a:p>
-            <a:pPr marL="457200" indent="-457200">
-              <a:buFont typeface="+mj-lt"/>
-              <a:buAutoNum type="arabicPeriod"/>
-            </a:pPr>
-            <a:endParaRPr lang="sr-Latn-RS" smtClean="0"/>
-          </a:p>
-          <a:p>
-            <a:pPr marL="457200" indent="-457200">
-              <a:buFont typeface="+mj-lt"/>
-              <a:buAutoNum type="arabicPeriod"/>
-            </a:pPr>
-            <a:endParaRPr lang="en-US"/>
-          </a:p>
-        </p:txBody>
-      </p:sp>
-      <p:pic>
-        <p:nvPicPr>
-          <p:cNvPr id="4" name="Picture 3"/>
-          <p:cNvPicPr>
-            <a:picLocks noChangeAspect="1"/>
-          </p:cNvPicPr>
-          <p:nvPr/>
-        </p:nvPicPr>
-        <p:blipFill>
-          <a:blip r:embed="rId2"/>
-          <a:stretch>
-            <a:fillRect/>
-          </a:stretch>
-        </p:blipFill>
-        <p:spPr>
-          <a:xfrm>
-            <a:off x="4360472" y="1785408"/>
-            <a:ext cx="3618321" cy="957791"/>
-          </a:xfrm>
-          <a:prstGeom prst="rect">
-            <a:avLst/>
-          </a:prstGeom>
-        </p:spPr>
-      </p:pic>
-      <p:pic>
-        <p:nvPicPr>
-          <p:cNvPr id="5" name="Picture 4"/>
-          <p:cNvPicPr>
-            <a:picLocks noChangeAspect="1"/>
-          </p:cNvPicPr>
-          <p:nvPr/>
-        </p:nvPicPr>
-        <p:blipFill>
-          <a:blip r:embed="rId3"/>
-          <a:stretch>
-            <a:fillRect/>
-          </a:stretch>
-        </p:blipFill>
-        <p:spPr>
-          <a:xfrm>
-            <a:off x="4360472" y="3506603"/>
-            <a:ext cx="2506154" cy="662420"/>
-          </a:xfrm>
-          <a:prstGeom prst="rect">
-            <a:avLst/>
-          </a:prstGeom>
-        </p:spPr>
-      </p:pic>
-      <p:pic>
-        <p:nvPicPr>
-          <p:cNvPr id="6" name="Picture 5"/>
-          <p:cNvPicPr>
-            <a:picLocks noChangeAspect="1"/>
-          </p:cNvPicPr>
-          <p:nvPr/>
-        </p:nvPicPr>
-        <p:blipFill rotWithShape="1">
-          <a:blip r:embed="rId4"/>
-          <a:srcRect b="46546"/>
-          <a:stretch/>
-        </p:blipFill>
-        <p:spPr>
-          <a:xfrm>
-            <a:off x="4261590" y="4295991"/>
-            <a:ext cx="2950094" cy="2078684"/>
-          </a:xfrm>
-          <a:prstGeom prst="rect">
-            <a:avLst/>
-          </a:prstGeom>
-        </p:spPr>
-      </p:pic>
-      <p:pic>
-        <p:nvPicPr>
-          <p:cNvPr id="7" name="Picture 6"/>
-          <p:cNvPicPr>
-            <a:picLocks noChangeAspect="1"/>
-          </p:cNvPicPr>
-          <p:nvPr/>
-        </p:nvPicPr>
-        <p:blipFill>
-          <a:blip r:embed="rId5"/>
-          <a:stretch>
-            <a:fillRect/>
-          </a:stretch>
-        </p:blipFill>
-        <p:spPr>
-          <a:xfrm>
-            <a:off x="7228296" y="3437591"/>
-            <a:ext cx="4495505" cy="3234494"/>
-          </a:xfrm>
-          <a:prstGeom prst="rect">
-            <a:avLst/>
-          </a:prstGeom>
-        </p:spPr>
-      </p:pic>
     </p:spTree>
     <p:extLst>
       <p:ext uri="{BB962C8B-B14F-4D97-AF65-F5344CB8AC3E}">
-        <p14:creationId xmlns:p14="http://schemas.microsoft.com/office/powerpoint/2010/main" val="4182738815"/>
+        <p14:creationId xmlns:p14="http://schemas.microsoft.com/office/powerpoint/2010/main" val="17693420"/>
       </p:ext>
     </p:extLst>
   </p:cSld>
@@ -5515,11 +6010,153 @@
             <p:ph type="title"/>
           </p:nvPr>
         </p:nvSpPr>
-        <p:spPr/>
+        <p:spPr>
+          <a:xfrm>
+            <a:off x="252919" y="1123837"/>
+            <a:ext cx="3076166" cy="4601183"/>
+          </a:xfrm>
+        </p:spPr>
+        <p:txBody>
+          <a:bodyPr>
+            <a:normAutofit/>
+          </a:bodyPr>
+          <a:lstStyle/>
+          <a:p>
+            <a:r>
+              <a:rPr lang="sr-Latn-RS" sz="4000" b="1" spc="0" smtClean="0">
+                <a:ln w="9525">
+                  <a:solidFill>
+                    <a:schemeClr val="bg1"/>
+                  </a:solidFill>
+                  <a:prstDash val="solid"/>
+                </a:ln>
+                <a:solidFill>
+                  <a:schemeClr val="tx1"/>
+                </a:solidFill>
+                <a:effectLst>
+                  <a:outerShdw blurRad="12700" dist="38100" dir="2700000" algn="tl" rotWithShape="0">
+                    <a:schemeClr val="bg1">
+                      <a:lumMod val="50000"/>
+                    </a:schemeClr>
+                  </a:outerShdw>
+                </a:effectLst>
+              </a:rPr>
+              <a:t>Inicijalizacija projekta</a:t>
+            </a:r>
+            <a:endParaRPr lang="en-US" sz="4000" b="1" spc="0">
+              <a:ln w="9525">
+                <a:solidFill>
+                  <a:schemeClr val="bg1"/>
+                </a:solidFill>
+                <a:prstDash val="solid"/>
+              </a:ln>
+              <a:solidFill>
+                <a:schemeClr val="tx1"/>
+              </a:solidFill>
+              <a:effectLst>
+                <a:outerShdw blurRad="12700" dist="38100" dir="2700000" algn="tl" rotWithShape="0">
+                  <a:schemeClr val="bg1">
+                    <a:lumMod val="50000"/>
+                  </a:schemeClr>
+                </a:outerShdw>
+              </a:effectLst>
+            </a:endParaRPr>
+          </a:p>
+        </p:txBody>
+      </p:sp>
+      <p:sp>
+        <p:nvSpPr>
+          <p:cNvPr id="3" name="Content Placeholder 2"/>
+          <p:cNvSpPr>
+            <a:spLocks noGrp="1"/>
+          </p:cNvSpPr>
+          <p:nvPr>
+            <p:ph idx="1"/>
+          </p:nvPr>
+        </p:nvSpPr>
+        <p:spPr>
+          <a:xfrm>
+            <a:off x="3670861" y="530075"/>
+            <a:ext cx="7315200" cy="5120640"/>
+          </a:xfrm>
+        </p:spPr>
         <p:txBody>
           <a:bodyPr/>
           <a:lstStyle/>
           <a:p>
+            <a:pPr marL="457200" indent="-457200">
+              <a:buFont typeface="+mj-lt"/>
+              <a:buAutoNum type="arabicPeriod"/>
+            </a:pPr>
+            <a:r>
+              <a:rPr lang="sr-Latn-RS" smtClean="0"/>
+              <a:t>Inicijalizacija novog projekta</a:t>
+            </a:r>
+          </a:p>
+          <a:p>
+            <a:pPr marL="457200" indent="-457200">
+              <a:buFont typeface="+mj-lt"/>
+              <a:buAutoNum type="arabicPeriod"/>
+            </a:pPr>
+            <a:endParaRPr lang="sr-Latn-RS"/>
+          </a:p>
+          <a:p>
+            <a:pPr marL="457200" indent="-457200">
+              <a:buFont typeface="+mj-lt"/>
+              <a:buAutoNum type="arabicPeriod"/>
+            </a:pPr>
+            <a:endParaRPr lang="sr-Latn-RS" smtClean="0"/>
+          </a:p>
+          <a:p>
+            <a:pPr marL="457200" indent="-457200">
+              <a:buFont typeface="+mj-lt"/>
+              <a:buAutoNum type="arabicPeriod"/>
+            </a:pPr>
+            <a:endParaRPr lang="sr-Latn-RS"/>
+          </a:p>
+          <a:p>
+            <a:pPr marL="457200" indent="-457200">
+              <a:buFont typeface="+mj-lt"/>
+              <a:buAutoNum type="arabicPeriod"/>
+            </a:pPr>
+            <a:r>
+              <a:rPr lang="sr-Latn-RS" smtClean="0"/>
+              <a:t>Inicijalizacija Node.js projekta</a:t>
+            </a:r>
+          </a:p>
+          <a:p>
+            <a:pPr marL="457200" indent="-457200">
+              <a:buFont typeface="+mj-lt"/>
+              <a:buAutoNum type="arabicPeriod"/>
+            </a:pPr>
+            <a:endParaRPr lang="sr-Latn-RS"/>
+          </a:p>
+          <a:p>
+            <a:pPr marL="457200" indent="-457200">
+              <a:buFont typeface="+mj-lt"/>
+              <a:buAutoNum type="arabicPeriod"/>
+            </a:pPr>
+            <a:endParaRPr lang="sr-Latn-RS" smtClean="0"/>
+          </a:p>
+          <a:p>
+            <a:pPr marL="457200" indent="-457200">
+              <a:buFont typeface="+mj-lt"/>
+              <a:buAutoNum type="arabicPeriod"/>
+            </a:pPr>
+            <a:endParaRPr lang="sr-Latn-RS"/>
+          </a:p>
+          <a:p>
+            <a:pPr marL="457200" indent="-457200">
+              <a:buFont typeface="+mj-lt"/>
+              <a:buAutoNum type="arabicPeriod"/>
+            </a:pPr>
+            <a:endParaRPr lang="sr-Latn-RS" smtClean="0"/>
+          </a:p>
+          <a:p>
+            <a:pPr marL="457200" indent="-457200">
+              <a:buFont typeface="+mj-lt"/>
+              <a:buAutoNum type="arabicPeriod"/>
+            </a:pPr>
             <a:endParaRPr lang="en-US"/>
           </a:p>
         </p:txBody>
@@ -5533,113 +6170,62 @@
           <p:nvPr/>
         </p:nvPicPr>
         <p:blipFill>
-          <a:blip r:embed="rId2"/>
+          <a:blip r:embed="rId3"/>
           <a:stretch>
             <a:fillRect/>
           </a:stretch>
         </p:blipFill>
         <p:spPr>
           <a:xfrm>
-            <a:off x="4062038" y="1537044"/>
-            <a:ext cx="3890714" cy="706235"/>
+            <a:off x="4261590" y="1455242"/>
+            <a:ext cx="3618321" cy="957791"/>
           </a:xfrm>
           <a:prstGeom prst="rect">
             <a:avLst/>
           </a:prstGeom>
         </p:spPr>
       </p:pic>
-      <p:sp>
-        <p:nvSpPr>
-          <p:cNvPr id="9" name="TextBox 8"/>
-          <p:cNvSpPr txBox="1"/>
+      <p:pic>
+        <p:nvPicPr>
+          <p:cNvPr id="5" name="Picture 4"/>
+          <p:cNvPicPr>
+            <a:picLocks noChangeAspect="1"/>
+          </p:cNvPicPr>
           <p:nvPr/>
-        </p:nvSpPr>
+        </p:nvPicPr>
+        <p:blipFill>
+          <a:blip r:embed="rId4"/>
+          <a:stretch>
+            <a:fillRect/>
+          </a:stretch>
+        </p:blipFill>
         <p:spPr>
           <a:xfrm>
-            <a:off x="3804249" y="1007125"/>
-            <a:ext cx="5900468" cy="400110"/>
+            <a:off x="4251682" y="3178799"/>
+            <a:ext cx="2855828" cy="754845"/>
           </a:xfrm>
           <a:prstGeom prst="rect">
             <a:avLst/>
           </a:prstGeom>
-          <a:noFill/>
-        </p:spPr>
-        <p:txBody>
-          <a:bodyPr wrap="square" rtlCol="0">
-            <a:spAutoFit/>
-          </a:bodyPr>
-          <a:lstStyle/>
-          <a:p>
-            <a:r>
-              <a:rPr lang="en-US" sz="2000" smtClean="0">
-                <a:solidFill>
-                  <a:srgbClr val="00B0F0"/>
-                </a:solidFill>
-              </a:rPr>
-              <a:t>3. </a:t>
-            </a:r>
-            <a:r>
-              <a:rPr lang="en-US" sz="2000" smtClean="0"/>
-              <a:t>Instaliranje Electron kao zavisnosti </a:t>
-            </a:r>
-            <a:endParaRPr lang="en-US" sz="2000"/>
-          </a:p>
-        </p:txBody>
-      </p:sp>
-      <p:sp>
-        <p:nvSpPr>
-          <p:cNvPr id="14" name="TextBox 13"/>
-          <p:cNvSpPr txBox="1"/>
-          <p:nvPr/>
-        </p:nvSpPr>
-        <p:spPr>
-          <a:xfrm>
-            <a:off x="3782282" y="2401026"/>
-            <a:ext cx="3459192" cy="400110"/>
-          </a:xfrm>
-          <a:prstGeom prst="rect">
-            <a:avLst/>
-          </a:prstGeom>
-          <a:noFill/>
-        </p:spPr>
-        <p:txBody>
-          <a:bodyPr wrap="square" rtlCol="0">
-            <a:spAutoFit/>
-          </a:bodyPr>
-          <a:lstStyle/>
-          <a:p>
-            <a:r>
-              <a:rPr lang="en-US" sz="2000" smtClean="0">
-                <a:solidFill>
-                  <a:srgbClr val="00B0F0"/>
-                </a:solidFill>
-              </a:rPr>
-              <a:t>4. </a:t>
-            </a:r>
-            <a:r>
-              <a:rPr lang="en-US" sz="2000"/>
-              <a:t>Kreiranje osnovnih fajlova</a:t>
-            </a:r>
-          </a:p>
-        </p:txBody>
-      </p:sp>
+        </p:spPr>
+      </p:pic>
       <p:pic>
         <p:nvPicPr>
-          <p:cNvPr id="15" name="Picture 14"/>
+          <p:cNvPr id="6" name="Picture 5"/>
           <p:cNvPicPr>
             <a:picLocks noChangeAspect="1"/>
           </p:cNvPicPr>
           <p:nvPr/>
         </p:nvPicPr>
         <p:blipFill rotWithShape="1">
-          <a:blip r:embed="rId3"/>
-          <a:srcRect b="37529"/>
+          <a:blip r:embed="rId5"/>
+          <a:srcRect b="46546"/>
           <a:stretch/>
         </p:blipFill>
         <p:spPr>
           <a:xfrm>
-            <a:off x="4193105" y="2958883"/>
-            <a:ext cx="3759647" cy="3230437"/>
+            <a:off x="7449285" y="3178799"/>
+            <a:ext cx="3195000" cy="2251249"/>
           </a:xfrm>
           <a:prstGeom prst="rect">
             <a:avLst/>
@@ -5649,13 +6235,20 @@
     </p:spTree>
     <p:extLst>
       <p:ext uri="{BB962C8B-B14F-4D97-AF65-F5344CB8AC3E}">
-        <p14:creationId xmlns:p14="http://schemas.microsoft.com/office/powerpoint/2010/main" val="3360328560"/>
+        <p14:creationId xmlns:p14="http://schemas.microsoft.com/office/powerpoint/2010/main" val="4182738815"/>
       </p:ext>
     </p:extLst>
   </p:cSld>
   <p:clrMapOvr>
     <a:masterClrMapping/>
   </p:clrMapOvr>
+  <p:timing>
+    <p:tnLst>
+      <p:par>
+        <p:cTn id="1" dur="indefinite" restart="never" nodeType="tmRoot"/>
+      </p:par>
+    </p:tnLst>
+  </p:timing>
 </p:sld>
 </file>
 
@@ -5691,39 +6284,103 @@
           <a:bodyPr/>
           <a:lstStyle/>
           <a:p>
-            <a:endParaRPr lang="en-US"/>
+            <a:r>
+              <a:rPr lang="sr-Latn-RS" b="1" spc="0">
+                <a:ln w="9525">
+                  <a:solidFill>
+                    <a:schemeClr val="bg1"/>
+                  </a:solidFill>
+                  <a:prstDash val="solid"/>
+                </a:ln>
+                <a:solidFill>
+                  <a:schemeClr val="tx1"/>
+                </a:solidFill>
+                <a:effectLst>
+                  <a:outerShdw blurRad="12700" dist="38100" dir="2700000" algn="tl" rotWithShape="0">
+                    <a:schemeClr val="bg1">
+                      <a:lumMod val="50000"/>
+                    </a:schemeClr>
+                  </a:outerShdw>
+                </a:effectLst>
+              </a:rPr>
+              <a:t>Inicijalizacija </a:t>
+            </a:r>
+            <a:r>
+              <a:rPr lang="sr-Latn-RS" b="1" spc="0" smtClean="0">
+                <a:ln w="9525">
+                  <a:solidFill>
+                    <a:schemeClr val="bg1"/>
+                  </a:solidFill>
+                  <a:prstDash val="solid"/>
+                </a:ln>
+                <a:solidFill>
+                  <a:schemeClr val="tx1"/>
+                </a:solidFill>
+                <a:effectLst>
+                  <a:outerShdw blurRad="12700" dist="38100" dir="2700000" algn="tl" rotWithShape="0">
+                    <a:schemeClr val="bg1">
+                      <a:lumMod val="50000"/>
+                    </a:schemeClr>
+                  </a:outerShdw>
+                </a:effectLst>
+              </a:rPr>
+              <a:t>projekta</a:t>
+            </a:r>
+            <a:br>
+              <a:rPr lang="sr-Latn-RS" b="1" spc="0" smtClean="0">
+                <a:ln w="9525">
+                  <a:solidFill>
+                    <a:schemeClr val="bg1"/>
+                  </a:solidFill>
+                  <a:prstDash val="solid"/>
+                </a:ln>
+                <a:solidFill>
+                  <a:schemeClr val="tx1"/>
+                </a:solidFill>
+                <a:effectLst>
+                  <a:outerShdw blurRad="12700" dist="38100" dir="2700000" algn="tl" rotWithShape="0">
+                    <a:schemeClr val="bg1">
+                      <a:lumMod val="50000"/>
+                    </a:schemeClr>
+                  </a:outerShdw>
+                </a:effectLst>
+              </a:rPr>
+            </a:br>
+            <a:r>
+              <a:rPr lang="sr-Latn-RS" spc="0" smtClean="0">
+                <a:ln w="0"/>
+                <a:solidFill>
+                  <a:schemeClr val="tx1"/>
+                </a:solidFill>
+                <a:effectLst>
+                  <a:outerShdw blurRad="38100" dist="19050" dir="2700000" algn="tl" rotWithShape="0">
+                    <a:schemeClr val="dk1">
+                      <a:alpha val="40000"/>
+                    </a:schemeClr>
+                  </a:outerShdw>
+                </a:effectLst>
+              </a:rPr>
+              <a:t>(nastavak)</a:t>
+            </a:r>
+            <a:endParaRPr lang="en-US" spc="0">
+              <a:ln w="0"/>
+              <a:solidFill>
+                <a:schemeClr val="tx1"/>
+              </a:solidFill>
+              <a:effectLst>
+                <a:outerShdw blurRad="38100" dist="19050" dir="2700000" algn="tl" rotWithShape="0">
+                  <a:schemeClr val="dk1">
+                    <a:alpha val="40000"/>
+                  </a:schemeClr>
+                </a:outerShdw>
+              </a:effectLst>
+            </a:endParaRPr>
           </a:p>
         </p:txBody>
       </p:sp>
       <p:pic>
         <p:nvPicPr>
-          <p:cNvPr id="4" name="Content Placeholder 3"/>
-          <p:cNvPicPr>
-            <a:picLocks noGrp="1" noChangeAspect="1"/>
-          </p:cNvPicPr>
-          <p:nvPr>
-            <p:ph idx="1"/>
-          </p:nvPr>
-        </p:nvPicPr>
-        <p:blipFill>
-          <a:blip r:embed="rId2"/>
-          <a:stretch>
-            <a:fillRect/>
-          </a:stretch>
-        </p:blipFill>
-        <p:spPr>
-          <a:xfrm>
-            <a:off x="5859042" y="1907613"/>
-            <a:ext cx="5848600" cy="4656600"/>
-          </a:xfrm>
-          <a:prstGeom prst="rect">
-            <a:avLst/>
-          </a:prstGeom>
-        </p:spPr>
-      </p:pic>
-      <p:pic>
-        <p:nvPicPr>
-          <p:cNvPr id="7" name="Picture 6"/>
+          <p:cNvPr id="4" name="Picture 3"/>
           <p:cNvPicPr>
             <a:picLocks noChangeAspect="1"/>
           </p:cNvPicPr>
@@ -5737,8 +6394,123 @@
         </p:blipFill>
         <p:spPr>
           <a:xfrm>
-            <a:off x="878935" y="491698"/>
-            <a:ext cx="4980107" cy="2932730"/>
+            <a:off x="4062038" y="1537044"/>
+            <a:ext cx="3890714" cy="706235"/>
+          </a:xfrm>
+          <a:prstGeom prst="rect">
+            <a:avLst/>
+          </a:prstGeom>
+        </p:spPr>
+      </p:pic>
+      <p:sp>
+        <p:nvSpPr>
+          <p:cNvPr id="9" name="TextBox 8"/>
+          <p:cNvSpPr txBox="1"/>
+          <p:nvPr/>
+        </p:nvSpPr>
+        <p:spPr>
+          <a:xfrm>
+            <a:off x="3804249" y="1007125"/>
+            <a:ext cx="5900468" cy="400110"/>
+          </a:xfrm>
+          <a:prstGeom prst="rect">
+            <a:avLst/>
+          </a:prstGeom>
+          <a:noFill/>
+        </p:spPr>
+        <p:txBody>
+          <a:bodyPr wrap="square" rtlCol="0">
+            <a:spAutoFit/>
+          </a:bodyPr>
+          <a:lstStyle/>
+          <a:p>
+            <a:r>
+              <a:rPr lang="en-US" sz="2000" smtClean="0">
+                <a:solidFill>
+                  <a:srgbClr val="00B0F0"/>
+                </a:solidFill>
+              </a:rPr>
+              <a:t>3. </a:t>
+            </a:r>
+            <a:r>
+              <a:rPr lang="en-US" sz="2000" smtClean="0"/>
+              <a:t>Instaliranje Electron kao zavisnosti </a:t>
+            </a:r>
+            <a:endParaRPr lang="en-US" sz="2000"/>
+          </a:p>
+        </p:txBody>
+      </p:sp>
+      <p:sp>
+        <p:nvSpPr>
+          <p:cNvPr id="14" name="TextBox 13"/>
+          <p:cNvSpPr txBox="1"/>
+          <p:nvPr/>
+        </p:nvSpPr>
+        <p:spPr>
+          <a:xfrm>
+            <a:off x="3782281" y="2401026"/>
+            <a:ext cx="5922435" cy="400110"/>
+          </a:xfrm>
+          <a:prstGeom prst="rect">
+            <a:avLst/>
+          </a:prstGeom>
+          <a:noFill/>
+        </p:spPr>
+        <p:txBody>
+          <a:bodyPr wrap="square" rtlCol="0">
+            <a:spAutoFit/>
+          </a:bodyPr>
+          <a:lstStyle/>
+          <a:p>
+            <a:r>
+              <a:rPr lang="en-US" sz="2000" smtClean="0">
+                <a:solidFill>
+                  <a:srgbClr val="00B0F0"/>
+                </a:solidFill>
+              </a:rPr>
+              <a:t>4. </a:t>
+            </a:r>
+            <a:r>
+              <a:rPr lang="en-US" sz="2000"/>
+              <a:t>Kreiranje osnovnih </a:t>
+            </a:r>
+            <a:r>
+              <a:rPr lang="en-US" sz="2000" smtClean="0"/>
+              <a:t>fajlova  </a:t>
+            </a:r>
+            <a:r>
+              <a:rPr lang="en-US" sz="2000" b="1" smtClean="0"/>
+              <a:t>index.htm</a:t>
+            </a:r>
+            <a:r>
+              <a:rPr lang="en-US" sz="2000" smtClean="0"/>
+              <a:t>l i </a:t>
+            </a:r>
+            <a:r>
+              <a:rPr lang="en-US" sz="2000" b="1" smtClean="0"/>
+              <a:t>main.js</a:t>
+            </a:r>
+            <a:endParaRPr lang="en-US" sz="2000" b="1"/>
+          </a:p>
+        </p:txBody>
+      </p:sp>
+      <p:pic>
+        <p:nvPicPr>
+          <p:cNvPr id="15" name="Picture 14"/>
+          <p:cNvPicPr>
+            <a:picLocks noChangeAspect="1"/>
+          </p:cNvPicPr>
+          <p:nvPr/>
+        </p:nvPicPr>
+        <p:blipFill rotWithShape="1">
+          <a:blip r:embed="rId4"/>
+          <a:srcRect b="37529"/>
+          <a:stretch/>
+        </p:blipFill>
+        <p:spPr>
+          <a:xfrm>
+            <a:off x="4193105" y="2958883"/>
+            <a:ext cx="3759647" cy="3230437"/>
           </a:xfrm>
           <a:prstGeom prst="rect">
             <a:avLst/>
@@ -5748,13 +6520,20 @@
     </p:spTree>
     <p:extLst>
       <p:ext uri="{BB962C8B-B14F-4D97-AF65-F5344CB8AC3E}">
-        <p14:creationId xmlns:p14="http://schemas.microsoft.com/office/powerpoint/2010/main" val="1081921813"/>
+        <p14:creationId xmlns:p14="http://schemas.microsoft.com/office/powerpoint/2010/main" val="3360328560"/>
       </p:ext>
     </p:extLst>
   </p:cSld>
   <p:clrMapOvr>
     <a:masterClrMapping/>
   </p:clrMapOvr>
+  <p:timing>
+    <p:tnLst>
+      <p:par>
+        <p:cTn id="1" dur="indefinite" restart="never" nodeType="tmRoot"/>
+      </p:par>
+    </p:tnLst>
+  </p:timing>
 </p:sld>
 </file>
 
@@ -5790,71 +6569,51 @@
           <a:bodyPr/>
           <a:lstStyle/>
           <a:p>
-            <a:endParaRPr lang="en-US"/>
-          </a:p>
-        </p:txBody>
-      </p:sp>
-      <p:sp>
-        <p:nvSpPr>
-          <p:cNvPr id="5" name="TextBox 4"/>
-          <p:cNvSpPr txBox="1"/>
-          <p:nvPr/>
-        </p:nvSpPr>
-        <p:spPr>
-          <a:xfrm>
-            <a:off x="3967649" y="923782"/>
-            <a:ext cx="5900468" cy="400110"/>
-          </a:xfrm>
-          <a:prstGeom prst="rect">
-            <a:avLst/>
-          </a:prstGeom>
-          <a:noFill/>
-        </p:spPr>
-        <p:txBody>
-          <a:bodyPr wrap="square" rtlCol="0">
-            <a:spAutoFit/>
-          </a:bodyPr>
-          <a:lstStyle/>
-          <a:p>
-            <a:r>
-              <a:rPr lang="en-US" sz="2000">
+            <a:r>
+              <a:rPr lang="sr-Latn-RS" b="1" spc="0" smtClean="0">
+                <a:ln w="9525">
+                  <a:solidFill>
+                    <a:schemeClr val="bg1"/>
+                  </a:solidFill>
+                  <a:prstDash val="solid"/>
+                </a:ln>
                 <a:solidFill>
-                  <a:srgbClr val="00B0F0"/>
+                  <a:schemeClr val="tx1"/>
                 </a:solidFill>
+                <a:effectLst>
+                  <a:outerShdw blurRad="12700" dist="38100" dir="2700000" algn="tl" rotWithShape="0">
+                    <a:schemeClr val="bg1">
+                      <a:lumMod val="50000"/>
+                    </a:schemeClr>
+                  </a:outerShdw>
+                </a:effectLst>
               </a:rPr>
-              <a:t>5</a:t>
-            </a:r>
-            <a:r>
-              <a:rPr lang="en-US" sz="2000" smtClean="0">
+              <a:t>index.html i main.js</a:t>
+            </a:r>
+            <a:endParaRPr lang="en-US" b="1" spc="0">
+              <a:ln w="9525">
                 <a:solidFill>
-                  <a:srgbClr val="00B0F0"/>
+                  <a:schemeClr val="bg1"/>
                 </a:solidFill>
-              </a:rPr>
-              <a:t>. </a:t>
-            </a:r>
-            <a:r>
-              <a:rPr lang="en-US" sz="2000" smtClean="0"/>
-              <a:t>Modifikovanje</a:t>
-            </a:r>
-            <a:r>
-              <a:rPr lang="en-US" sz="2000" b="1" smtClean="0"/>
-              <a:t> package.json </a:t>
-            </a:r>
-            <a:r>
-              <a:rPr lang="en-US" sz="2000" smtClean="0"/>
-              <a:t>fajla </a:t>
-            </a:r>
-            <a:r>
-              <a:rPr lang="en-US" sz="2000" b="1" smtClean="0"/>
-              <a:t> </a:t>
-            </a:r>
-            <a:endParaRPr lang="en-US" sz="2000" b="1"/>
+                <a:prstDash val="solid"/>
+              </a:ln>
+              <a:solidFill>
+                <a:schemeClr val="tx1"/>
+              </a:solidFill>
+              <a:effectLst>
+                <a:outerShdw blurRad="12700" dist="38100" dir="2700000" algn="tl" rotWithShape="0">
+                  <a:schemeClr val="bg1">
+                    <a:lumMod val="50000"/>
+                  </a:schemeClr>
+                </a:outerShdw>
+              </a:effectLst>
+            </a:endParaRPr>
           </a:p>
         </p:txBody>
       </p:sp>
       <p:pic>
         <p:nvPicPr>
-          <p:cNvPr id="6" name="Picture 5"/>
+          <p:cNvPr id="7" name="Picture 6"/>
           <p:cNvPicPr>
             <a:picLocks noChangeAspect="1"/>
           </p:cNvPicPr>
@@ -5868,92 +6627,23 @@
         </p:blipFill>
         <p:spPr>
           <a:xfrm>
-            <a:off x="4243192" y="1551741"/>
-            <a:ext cx="5314876" cy="3428594"/>
+            <a:off x="3482988" y="188843"/>
+            <a:ext cx="4088278" cy="2407542"/>
           </a:xfrm>
           <a:prstGeom prst="rect">
             <a:avLst/>
           </a:prstGeom>
         </p:spPr>
       </p:pic>
-      <p:cxnSp>
-        <p:nvCxnSpPr>
-          <p:cNvPr id="7" name="Straight Arrow Connector 6"/>
-          <p:cNvCxnSpPr/>
-          <p:nvPr/>
-        </p:nvCxnSpPr>
-        <p:spPr>
-          <a:xfrm flipH="1">
-            <a:off x="6642339" y="3105510"/>
-            <a:ext cx="1422556" cy="8627"/>
-          </a:xfrm>
-          <a:prstGeom prst="straightConnector1">
-            <a:avLst/>
-          </a:prstGeom>
-          <a:ln w="38100">
-            <a:tailEnd type="triangle"/>
-          </a:ln>
-        </p:spPr>
-        <p:style>
-          <a:lnRef idx="1">
-            <a:schemeClr val="accent1"/>
-          </a:lnRef>
-          <a:fillRef idx="0">
-            <a:schemeClr val="accent1"/>
-          </a:fillRef>
-          <a:effectRef idx="0">
-            <a:schemeClr val="accent1"/>
-          </a:effectRef>
-          <a:fontRef idx="minor">
-            <a:schemeClr val="tx1"/>
-          </a:fontRef>
-        </p:style>
-      </p:cxnSp>
-      <p:sp>
-        <p:nvSpPr>
-          <p:cNvPr id="8" name="TextBox 7"/>
-          <p:cNvSpPr txBox="1"/>
-          <p:nvPr/>
-        </p:nvSpPr>
-        <p:spPr>
-          <a:xfrm>
-            <a:off x="3967649" y="5208184"/>
-            <a:ext cx="2632387" cy="400110"/>
-          </a:xfrm>
-          <a:prstGeom prst="rect">
-            <a:avLst/>
-          </a:prstGeom>
-          <a:noFill/>
-        </p:spPr>
-        <p:txBody>
-          <a:bodyPr wrap="none" rtlCol="0">
-            <a:spAutoFit/>
-          </a:bodyPr>
-          <a:lstStyle/>
-          <a:p>
-            <a:r>
-              <a:rPr lang="en-US" sz="2000" smtClean="0">
-                <a:solidFill>
-                  <a:srgbClr val="00B0F0"/>
-                </a:solidFill>
-              </a:rPr>
-              <a:t>6. </a:t>
-            </a:r>
-            <a:r>
-              <a:rPr lang="en-US" sz="2000" smtClean="0"/>
-              <a:t>Pokretanje aplikacije</a:t>
-            </a:r>
-            <a:endParaRPr lang="en-US" sz="2000"/>
-          </a:p>
-        </p:txBody>
-      </p:sp>
       <p:pic>
         <p:nvPicPr>
-          <p:cNvPr id="9" name="Picture 8"/>
+          <p:cNvPr id="4" name="Content Placeholder 3"/>
           <p:cNvPicPr>
-            <a:picLocks noChangeAspect="1"/>
+            <a:picLocks noGrp="1" noChangeAspect="1"/>
           </p:cNvPicPr>
-          <p:nvPr/>
+          <p:nvPr>
+            <p:ph idx="1"/>
+          </p:nvPr>
         </p:nvPicPr>
         <p:blipFill>
           <a:blip r:embed="rId3"/>
@@ -5963,8 +6653,8 @@
         </p:blipFill>
         <p:spPr>
           <a:xfrm>
-            <a:off x="4326930" y="5725019"/>
-            <a:ext cx="2260900" cy="701659"/>
+            <a:off x="6410740" y="2209708"/>
+            <a:ext cx="5781260" cy="4602984"/>
           </a:xfrm>
           <a:prstGeom prst="rect">
             <a:avLst/>
@@ -5974,13 +6664,20 @@
     </p:spTree>
     <p:extLst>
       <p:ext uri="{BB962C8B-B14F-4D97-AF65-F5344CB8AC3E}">
-        <p14:creationId xmlns:p14="http://schemas.microsoft.com/office/powerpoint/2010/main" val="965979480"/>
+        <p14:creationId xmlns:p14="http://schemas.microsoft.com/office/powerpoint/2010/main" val="1081921813"/>
       </p:ext>
     </p:extLst>
   </p:cSld>
   <p:clrMapOvr>
     <a:masterClrMapping/>
   </p:clrMapOvr>
+  <p:timing>
+    <p:tnLst>
+      <p:par>
+        <p:cTn id="1" dur="indefinite" restart="never" nodeType="tmRoot"/>
+      </p:par>
+    </p:tnLst>
+  </p:timing>
 </p:sld>
 </file>
 
@@ -6017,16 +6714,129 @@
           <a:lstStyle/>
           <a:p>
             <a:r>
-              <a:rPr lang="en-US" smtClean="0"/>
-              <a:t>Izgled pokrenute aplikacije</a:t>
-            </a:r>
-            <a:endParaRPr lang="en-US"/>
+              <a:rPr lang="sr-Latn-RS" b="1" spc="0" smtClean="0">
+                <a:ln w="9525">
+                  <a:solidFill>
+                    <a:schemeClr val="bg1"/>
+                  </a:solidFill>
+                  <a:prstDash val="solid"/>
+                </a:ln>
+                <a:solidFill>
+                  <a:schemeClr val="tx1"/>
+                </a:solidFill>
+                <a:effectLst>
+                  <a:outerShdw blurRad="12700" dist="38100" dir="2700000" algn="tl" rotWithShape="0">
+                    <a:schemeClr val="bg1">
+                      <a:lumMod val="50000"/>
+                    </a:schemeClr>
+                  </a:outerShdw>
+                </a:effectLst>
+              </a:rPr>
+              <a:t>Pokretanje </a:t>
+            </a:r>
+            <a:r>
+              <a:rPr lang="en-US" b="1" spc="0">
+                <a:ln w="9525">
+                  <a:solidFill>
+                    <a:schemeClr val="bg1"/>
+                  </a:solidFill>
+                  <a:prstDash val="solid"/>
+                </a:ln>
+                <a:solidFill>
+                  <a:schemeClr val="tx1"/>
+                </a:solidFill>
+                <a:effectLst>
+                  <a:outerShdw blurRad="12700" dist="38100" dir="2700000" algn="tl" rotWithShape="0">
+                    <a:schemeClr val="bg1">
+                      <a:lumMod val="50000"/>
+                    </a:schemeClr>
+                  </a:outerShdw>
+                </a:effectLst>
+              </a:rPr>
+              <a:t>aplikacije</a:t>
+            </a:r>
+            <a:endParaRPr lang="en-US" b="1" spc="0">
+              <a:ln w="9525">
+                <a:solidFill>
+                  <a:schemeClr val="bg1"/>
+                </a:solidFill>
+                <a:prstDash val="solid"/>
+              </a:ln>
+              <a:solidFill>
+                <a:schemeClr val="tx1"/>
+              </a:solidFill>
+              <a:effectLst>
+                <a:outerShdw blurRad="12700" dist="38100" dir="2700000" algn="tl" rotWithShape="0">
+                  <a:schemeClr val="bg1">
+                    <a:lumMod val="50000"/>
+                  </a:schemeClr>
+                </a:outerShdw>
+              </a:effectLst>
+            </a:endParaRPr>
+          </a:p>
+        </p:txBody>
+      </p:sp>
+      <p:sp>
+        <p:nvSpPr>
+          <p:cNvPr id="5" name="TextBox 4"/>
+          <p:cNvSpPr txBox="1"/>
+          <p:nvPr/>
+        </p:nvSpPr>
+        <p:spPr>
+          <a:xfrm>
+            <a:off x="3967649" y="923782"/>
+            <a:ext cx="5900468" cy="400110"/>
+          </a:xfrm>
+          <a:prstGeom prst="rect">
+            <a:avLst/>
+          </a:prstGeom>
+          <a:noFill/>
+        </p:spPr>
+        <p:txBody>
+          <a:bodyPr wrap="square" rtlCol="0">
+            <a:spAutoFit/>
+          </a:bodyPr>
+          <a:lstStyle/>
+          <a:p>
+            <a:r>
+              <a:rPr lang="sr-Latn-RS" sz="2000">
+                <a:solidFill>
+                  <a:srgbClr val="00B0F0"/>
+                </a:solidFill>
+              </a:rPr>
+              <a:t>1</a:t>
+            </a:r>
+            <a:r>
+              <a:rPr lang="en-US" sz="2000" smtClean="0">
+                <a:solidFill>
+                  <a:srgbClr val="00B0F0"/>
+                </a:solidFill>
+              </a:rPr>
+              <a:t>. </a:t>
+            </a:r>
+            <a:r>
+              <a:rPr lang="en-US" sz="2000" smtClean="0"/>
+              <a:t>Modifikovanje</a:t>
+            </a:r>
+            <a:r>
+              <a:rPr lang="en-US" sz="2000" b="1" smtClean="0"/>
+              <a:t> package.json </a:t>
+            </a:r>
+            <a:r>
+              <a:rPr lang="en-US" sz="2000" smtClean="0"/>
+              <a:t>fajla </a:t>
+            </a:r>
+            <a:r>
+              <a:rPr lang="en-US" sz="2000" b="1" smtClean="0"/>
+              <a:t> </a:t>
+            </a:r>
+            <a:endParaRPr lang="en-US" sz="2000" b="1"/>
           </a:p>
         </p:txBody>
       </p:sp>
       <p:pic>
         <p:nvPicPr>
-          <p:cNvPr id="5" name="Picture 4"/>
+          <p:cNvPr id="6" name="Picture 5"/>
           <p:cNvPicPr>
             <a:picLocks noChangeAspect="1"/>
           </p:cNvPicPr>
@@ -6040,8 +6850,111 @@
         </p:blipFill>
         <p:spPr>
           <a:xfrm>
-            <a:off x="3684374" y="345805"/>
-            <a:ext cx="7773485" cy="6011114"/>
+            <a:off x="4243192" y="1551741"/>
+            <a:ext cx="5314876" cy="3428594"/>
+          </a:xfrm>
+          <a:prstGeom prst="rect">
+            <a:avLst/>
+          </a:prstGeom>
+        </p:spPr>
+      </p:pic>
+      <p:cxnSp>
+        <p:nvCxnSpPr>
+          <p:cNvPr id="7" name="Straight Arrow Connector 6"/>
+          <p:cNvCxnSpPr/>
+          <p:nvPr/>
+        </p:nvCxnSpPr>
+        <p:spPr>
+          <a:xfrm flipH="1">
+            <a:off x="6642339" y="3105510"/>
+            <a:ext cx="1422556" cy="8627"/>
+          </a:xfrm>
+          <a:prstGeom prst="straightConnector1">
+            <a:avLst/>
+          </a:prstGeom>
+          <a:ln w="38100">
+            <a:tailEnd type="triangle"/>
+          </a:ln>
+        </p:spPr>
+        <p:style>
+          <a:lnRef idx="1">
+            <a:schemeClr val="accent1"/>
+          </a:lnRef>
+          <a:fillRef idx="0">
+            <a:schemeClr val="accent1"/>
+          </a:fillRef>
+          <a:effectRef idx="0">
+            <a:schemeClr val="accent1"/>
+          </a:effectRef>
+          <a:fontRef idx="minor">
+            <a:schemeClr val="tx1"/>
+          </a:fontRef>
+        </p:style>
+      </p:cxnSp>
+      <p:sp>
+        <p:nvSpPr>
+          <p:cNvPr id="8" name="TextBox 7"/>
+          <p:cNvSpPr txBox="1"/>
+          <p:nvPr/>
+        </p:nvSpPr>
+        <p:spPr>
+          <a:xfrm>
+            <a:off x="3967649" y="5208184"/>
+            <a:ext cx="2629181" cy="400110"/>
+          </a:xfrm>
+          <a:prstGeom prst="rect">
+            <a:avLst/>
+          </a:prstGeom>
+          <a:noFill/>
+        </p:spPr>
+        <p:txBody>
+          <a:bodyPr wrap="none" rtlCol="0">
+            <a:spAutoFit/>
+          </a:bodyPr>
+          <a:lstStyle/>
+          <a:p>
+            <a:r>
+              <a:rPr lang="sr-Latn-RS" sz="2000">
+                <a:solidFill>
+                  <a:srgbClr val="00B0F0"/>
+                </a:solidFill>
+              </a:rPr>
+              <a:t>2</a:t>
+            </a:r>
+            <a:r>
+              <a:rPr lang="en-US" sz="2000" smtClean="0">
+                <a:solidFill>
+                  <a:srgbClr val="00B0F0"/>
+                </a:solidFill>
+              </a:rPr>
+              <a:t>. </a:t>
+            </a:r>
+            <a:r>
+              <a:rPr lang="en-US" sz="2000" smtClean="0"/>
+              <a:t>Pokretanje aplikacije</a:t>
+            </a:r>
+            <a:endParaRPr lang="en-US" sz="2000"/>
+          </a:p>
+        </p:txBody>
+      </p:sp>
+      <p:pic>
+        <p:nvPicPr>
+          <p:cNvPr id="9" name="Picture 8"/>
+          <p:cNvPicPr>
+            <a:picLocks noChangeAspect="1"/>
+          </p:cNvPicPr>
+          <p:nvPr/>
+        </p:nvPicPr>
+        <p:blipFill>
+          <a:blip r:embed="rId3"/>
+          <a:stretch>
+            <a:fillRect/>
+          </a:stretch>
+        </p:blipFill>
+        <p:spPr>
+          <a:xfrm>
+            <a:off x="4326930" y="5725019"/>
+            <a:ext cx="2260900" cy="701659"/>
           </a:xfrm>
           <a:prstGeom prst="rect">
             <a:avLst/>
@@ -6051,13 +6964,20 @@
     </p:spTree>
     <p:extLst>
       <p:ext uri="{BB962C8B-B14F-4D97-AF65-F5344CB8AC3E}">
-        <p14:creationId xmlns:p14="http://schemas.microsoft.com/office/powerpoint/2010/main" val="3932535811"/>
+        <p14:creationId xmlns:p14="http://schemas.microsoft.com/office/powerpoint/2010/main" val="965979480"/>
       </p:ext>
     </p:extLst>
   </p:cSld>
   <p:clrMapOvr>
     <a:masterClrMapping/>
   </p:clrMapOvr>
+  <p:timing>
+    <p:tnLst>
+      <p:par>
+        <p:cTn id="1" dur="indefinite" restart="never" nodeType="tmRoot"/>
+      </p:par>
+    </p:tnLst>
+  </p:timing>
 </p:sld>
 </file>
 
@@ -6090,13 +7010,11 @@
         </p:nvSpPr>
         <p:spPr/>
         <p:txBody>
-          <a:bodyPr>
-            <a:normAutofit/>
-          </a:bodyPr>
+          <a:bodyPr/>
           <a:lstStyle/>
           <a:p>
             <a:r>
-              <a:rPr lang="en-US" sz="4000" b="1" spc="0" smtClean="0">
+              <a:rPr lang="en-US" b="1" spc="0" smtClean="0">
                 <a:ln w="9525">
                   <a:solidFill>
                     <a:schemeClr val="bg1"/>
@@ -6114,9 +7032,9 @@
                   </a:outerShdw>
                 </a:effectLst>
               </a:rPr>
-              <a:t>Kreiranje React aplikacije</a:t>
-            </a:r>
-            <a:endParaRPr lang="en-US" sz="4000" b="1" spc="0">
+              <a:t>Izgled pokrenute aplikacije</a:t>
+            </a:r>
+            <a:endParaRPr lang="en-US" b="1" spc="0">
               <a:ln w="9525">
                 <a:solidFill>
                   <a:schemeClr val="bg1"/>
@@ -6139,13 +7057,11 @@
       </p:sp>
       <p:pic>
         <p:nvPicPr>
-          <p:cNvPr id="4" name="Content Placeholder 3"/>
+          <p:cNvPr id="5" name="Picture 4"/>
           <p:cNvPicPr>
-            <a:picLocks noGrp="1" noChangeAspect="1"/>
+            <a:picLocks noChangeAspect="1"/>
           </p:cNvPicPr>
-          <p:nvPr>
-            <p:ph idx="1"/>
-          </p:nvPr>
+          <p:nvPr/>
         </p:nvPicPr>
         <p:blipFill>
           <a:blip r:embed="rId2"/>
@@ -6155,125 +7071,18 @@
         </p:blipFill>
         <p:spPr>
           <a:xfrm>
-            <a:off x="4097483" y="1829208"/>
-            <a:ext cx="3639058" cy="895475"/>
+            <a:off x="3684374" y="345805"/>
+            <a:ext cx="7773485" cy="6011114"/>
           </a:xfrm>
           <a:prstGeom prst="rect">
             <a:avLst/>
           </a:prstGeom>
         </p:spPr>
       </p:pic>
-      <p:pic>
-        <p:nvPicPr>
-          <p:cNvPr id="5" name="Picture 4"/>
-          <p:cNvPicPr>
-            <a:picLocks noChangeAspect="1"/>
-          </p:cNvPicPr>
-          <p:nvPr/>
-        </p:nvPicPr>
-        <p:blipFill>
-          <a:blip r:embed="rId3"/>
-          <a:stretch>
-            <a:fillRect/>
-          </a:stretch>
-        </p:blipFill>
-        <p:spPr>
-          <a:xfrm>
-            <a:off x="4097483" y="3424428"/>
-            <a:ext cx="3734321" cy="676369"/>
-          </a:xfrm>
-          <a:prstGeom prst="rect">
-            <a:avLst/>
-          </a:prstGeom>
-        </p:spPr>
-      </p:pic>
-      <p:sp>
-        <p:nvSpPr>
-          <p:cNvPr id="3" name="TextBox 2"/>
-          <p:cNvSpPr txBox="1"/>
-          <p:nvPr/>
-        </p:nvSpPr>
-        <p:spPr>
-          <a:xfrm>
-            <a:off x="3863788" y="1123837"/>
-            <a:ext cx="7745506" cy="2123658"/>
-          </a:xfrm>
-          <a:prstGeom prst="rect">
-            <a:avLst/>
-          </a:prstGeom>
-          <a:noFill/>
-        </p:spPr>
-        <p:txBody>
-          <a:bodyPr wrap="square" rtlCol="0">
-            <a:spAutoFit/>
-          </a:bodyPr>
-          <a:lstStyle/>
-          <a:p>
-            <a:pPr marL="342900" indent="-342900">
-              <a:buClr>
-                <a:srgbClr val="00B0F0"/>
-              </a:buClr>
-              <a:buAutoNum type="arabicPeriod"/>
-            </a:pPr>
-            <a:r>
-              <a:rPr lang="en-US" sz="2000" smtClean="0"/>
-              <a:t>Kreiranje React aplikacije </a:t>
-            </a:r>
-            <a:r>
-              <a:rPr lang="sr-Latn-RS" sz="2000" smtClean="0"/>
-              <a:t>i pozicioniranje u kreirani direktorijum </a:t>
-            </a:r>
-            <a:r>
-              <a:rPr lang="en-US" sz="2000" smtClean="0"/>
-              <a:t>pomo</a:t>
-            </a:r>
-            <a:r>
-              <a:rPr lang="sr-Latn-RS" sz="2000" smtClean="0"/>
-              <a:t>ć sledećih komandi</a:t>
-            </a:r>
-          </a:p>
-          <a:p>
-            <a:pPr marL="342900" indent="-342900">
-              <a:buAutoNum type="arabicPeriod"/>
-            </a:pPr>
-            <a:endParaRPr lang="sr-Latn-RS"/>
-          </a:p>
-          <a:p>
-            <a:pPr marL="342900" indent="-342900">
-              <a:buAutoNum type="arabicPeriod"/>
-            </a:pPr>
-            <a:endParaRPr lang="sr-Latn-RS" smtClean="0"/>
-          </a:p>
-          <a:p>
-            <a:pPr marL="342900" indent="-342900">
-              <a:buAutoNum type="arabicPeriod"/>
-            </a:pPr>
-            <a:endParaRPr lang="sr-Latn-RS" smtClean="0"/>
-          </a:p>
-          <a:p>
-            <a:endParaRPr lang="sr-Latn-RS" smtClean="0"/>
-          </a:p>
-          <a:p>
-            <a:r>
-              <a:rPr lang="en-US" sz="2000" smtClean="0">
-                <a:solidFill>
-                  <a:srgbClr val="00B0F0"/>
-                </a:solidFill>
-              </a:rPr>
-              <a:t>2.   </a:t>
-            </a:r>
-            <a:r>
-              <a:rPr lang="en-US" sz="2000" smtClean="0"/>
-              <a:t>Instaliranje Electron-a u React aplikaciji</a:t>
-            </a:r>
-            <a:endParaRPr lang="en-US" sz="2000"/>
-          </a:p>
-        </p:txBody>
-      </p:sp>
     </p:spTree>
     <p:extLst>
       <p:ext uri="{BB962C8B-B14F-4D97-AF65-F5344CB8AC3E}">
-        <p14:creationId xmlns:p14="http://schemas.microsoft.com/office/powerpoint/2010/main" val="3210545069"/>
+        <p14:creationId xmlns:p14="http://schemas.microsoft.com/office/powerpoint/2010/main" val="3932535811"/>
       </p:ext>
     </p:extLst>
   </p:cSld>
@@ -6463,11 +7272,7 @@
             </a:pPr>
             <a:r>
               <a:rPr lang="en-US" sz="2800" smtClean="0"/>
-              <a:t>Popularne aplikacije koje koriste </a:t>
-            </a:r>
-            <a:r>
-              <a:rPr lang="en-US" sz="2800" smtClean="0"/>
-              <a:t>Electron</a:t>
+              <a:t>Popularne aplikacije koje koriste Electron</a:t>
             </a:r>
           </a:p>
           <a:p>
@@ -6531,6 +7336,427 @@
       </p:grpSpPr>
       <p:sp>
         <p:nvSpPr>
+          <p:cNvPr id="2" name="Rectangle 1"/>
+          <p:cNvSpPr/>
+          <p:nvPr/>
+        </p:nvSpPr>
+        <p:spPr>
+          <a:xfrm>
+            <a:off x="0" y="1909482"/>
+            <a:ext cx="9350189" cy="3044663"/>
+          </a:xfrm>
+          <a:prstGeom prst="rect">
+            <a:avLst/>
+          </a:prstGeom>
+        </p:spPr>
+        <p:style>
+          <a:lnRef idx="2">
+            <a:schemeClr val="accent1">
+              <a:shade val="50000"/>
+            </a:schemeClr>
+          </a:lnRef>
+          <a:fillRef idx="1">
+            <a:schemeClr val="accent1"/>
+          </a:fillRef>
+          <a:effectRef idx="0">
+            <a:schemeClr val="accent1"/>
+          </a:effectRef>
+          <a:fontRef idx="minor">
+            <a:schemeClr val="lt1"/>
+          </a:fontRef>
+        </p:style>
+        <p:txBody>
+          <a:bodyPr rtlCol="0" anchor="ctr"/>
+          <a:lstStyle/>
+          <a:p>
+            <a:pPr algn="ctr"/>
+            <a:r>
+              <a:rPr lang="sr-Latn-RS" sz="5400" b="1">
+                <a:ln w="9525">
+                  <a:solidFill>
+                    <a:schemeClr val="bg1"/>
+                  </a:solidFill>
+                  <a:prstDash val="solid"/>
+                </a:ln>
+                <a:solidFill>
+                  <a:schemeClr val="tx1"/>
+                </a:solidFill>
+                <a:effectLst>
+                  <a:outerShdw blurRad="12700" dist="38100" dir="2700000" algn="tl" rotWithShape="0">
+                    <a:schemeClr val="bg1">
+                      <a:lumMod val="50000"/>
+                    </a:schemeClr>
+                  </a:outerShdw>
+                </a:effectLst>
+              </a:rPr>
+              <a:t>Kreiranje </a:t>
+            </a:r>
+            <a:r>
+              <a:rPr lang="sr-Latn-RS" sz="5400" b="1">
+                <a:ln w="9525">
+                  <a:solidFill>
+                    <a:schemeClr val="bg1"/>
+                  </a:solidFill>
+                  <a:prstDash val="solid"/>
+                </a:ln>
+                <a:solidFill>
+                  <a:schemeClr val="tx1"/>
+                </a:solidFill>
+                <a:effectLst>
+                  <a:outerShdw blurRad="12700" dist="38100" dir="2700000" algn="tl" rotWithShape="0">
+                    <a:schemeClr val="bg1">
+                      <a:lumMod val="50000"/>
+                    </a:schemeClr>
+                  </a:outerShdw>
+                </a:effectLst>
+              </a:rPr>
+              <a:t>Electron </a:t>
+            </a:r>
+            <a:r>
+              <a:rPr lang="sr-Latn-RS" sz="5400" b="1" smtClean="0">
+                <a:ln w="9525">
+                  <a:solidFill>
+                    <a:schemeClr val="bg1"/>
+                  </a:solidFill>
+                  <a:prstDash val="solid"/>
+                </a:ln>
+                <a:solidFill>
+                  <a:schemeClr val="tx1"/>
+                </a:solidFill>
+                <a:effectLst>
+                  <a:outerShdw blurRad="12700" dist="38100" dir="2700000" algn="tl" rotWithShape="0">
+                    <a:schemeClr val="bg1">
+                      <a:lumMod val="50000"/>
+                    </a:schemeClr>
+                  </a:outerShdw>
+                </a:effectLst>
+              </a:rPr>
+              <a:t>aplikacije sa React-om </a:t>
+            </a:r>
+            <a:endParaRPr lang="en-US" sz="5400"/>
+          </a:p>
+        </p:txBody>
+      </p:sp>
+      <p:sp>
+        <p:nvSpPr>
+          <p:cNvPr id="3" name="Rectangle 2"/>
+          <p:cNvSpPr/>
+          <p:nvPr/>
+        </p:nvSpPr>
+        <p:spPr>
+          <a:xfrm>
+            <a:off x="9475694" y="1909482"/>
+            <a:ext cx="2716306" cy="3044663"/>
+          </a:xfrm>
+          <a:prstGeom prst="rect">
+            <a:avLst/>
+          </a:prstGeom>
+          <a:solidFill>
+            <a:schemeClr val="accent1">
+              <a:alpha val="50000"/>
+            </a:schemeClr>
+          </a:solidFill>
+          <a:ln>
+            <a:noFill/>
+          </a:ln>
+        </p:spPr>
+        <p:style>
+          <a:lnRef idx="0">
+            <a:scrgbClr r="0" g="0" b="0"/>
+          </a:lnRef>
+          <a:fillRef idx="0">
+            <a:scrgbClr r="0" g="0" b="0"/>
+          </a:fillRef>
+          <a:effectRef idx="0">
+            <a:scrgbClr r="0" g="0" b="0"/>
+          </a:effectRef>
+          <a:fontRef idx="minor">
+            <a:schemeClr val="lt1"/>
+          </a:fontRef>
+        </p:style>
+        <p:txBody>
+          <a:bodyPr rtlCol="0" anchor="ctr"/>
+          <a:lstStyle/>
+          <a:p>
+            <a:pPr algn="ctr"/>
+            <a:endParaRPr lang="en-US" b="1">
+              <a:ln w="22225">
+                <a:solidFill>
+                  <a:schemeClr val="accent2"/>
+                </a:solidFill>
+                <a:prstDash val="solid"/>
+              </a:ln>
+              <a:solidFill>
+                <a:schemeClr val="accent2">
+                  <a:lumMod val="40000"/>
+                  <a:lumOff val="60000"/>
+                </a:schemeClr>
+              </a:solidFill>
+            </a:endParaRPr>
+          </a:p>
+        </p:txBody>
+      </p:sp>
+    </p:spTree>
+    <p:extLst>
+      <p:ext uri="{BB962C8B-B14F-4D97-AF65-F5344CB8AC3E}">
+        <p14:creationId xmlns:p14="http://schemas.microsoft.com/office/powerpoint/2010/main" val="1223943839"/>
+      </p:ext>
+    </p:extLst>
+  </p:cSld>
+  <p:clrMapOvr>
+    <a:masterClrMapping/>
+  </p:clrMapOvr>
+</p:sld>
+</file>
+
+<file path=ppt/slides/slide21.xml><?xml version="1.0" encoding="utf-8"?>
+<p:sld xmlns:a="http://schemas.openxmlformats.org/drawingml/2006/main" xmlns:r="http://schemas.openxmlformats.org/officeDocument/2006/relationships" xmlns:p="http://schemas.openxmlformats.org/presentationml/2006/main">
+  <p:cSld>
+    <p:spTree>
+      <p:nvGrpSpPr>
+        <p:cNvPr id="1" name=""/>
+        <p:cNvGrpSpPr/>
+        <p:nvPr/>
+      </p:nvGrpSpPr>
+      <p:grpSpPr>
+        <a:xfrm>
+          <a:off x="0" y="0"/>
+          <a:ext cx="0" cy="0"/>
+          <a:chOff x="0" y="0"/>
+          <a:chExt cx="0" cy="0"/>
+        </a:xfrm>
+      </p:grpSpPr>
+      <p:sp>
+        <p:nvSpPr>
+          <p:cNvPr id="2" name="Title 1"/>
+          <p:cNvSpPr>
+            <a:spLocks noGrp="1"/>
+          </p:cNvSpPr>
+          <p:nvPr>
+            <p:ph type="title"/>
+          </p:nvPr>
+        </p:nvSpPr>
+        <p:spPr/>
+        <p:txBody>
+          <a:bodyPr>
+            <a:normAutofit/>
+          </a:bodyPr>
+          <a:lstStyle/>
+          <a:p>
+            <a:r>
+              <a:rPr lang="en-US" sz="4000" b="1" spc="0" smtClean="0">
+                <a:ln w="9525">
+                  <a:solidFill>
+                    <a:schemeClr val="bg1"/>
+                  </a:solidFill>
+                  <a:prstDash val="solid"/>
+                </a:ln>
+                <a:solidFill>
+                  <a:schemeClr val="tx1"/>
+                </a:solidFill>
+                <a:effectLst>
+                  <a:outerShdw blurRad="12700" dist="38100" dir="2700000" algn="tl" rotWithShape="0">
+                    <a:schemeClr val="bg1">
+                      <a:lumMod val="50000"/>
+                    </a:schemeClr>
+                  </a:outerShdw>
+                </a:effectLst>
+              </a:rPr>
+              <a:t>Kreiranje React aplikacije</a:t>
+            </a:r>
+            <a:endParaRPr lang="en-US" sz="4000" b="1" spc="0">
+              <a:ln w="9525">
+                <a:solidFill>
+                  <a:schemeClr val="bg1"/>
+                </a:solidFill>
+                <a:prstDash val="solid"/>
+              </a:ln>
+              <a:solidFill>
+                <a:schemeClr val="tx1"/>
+              </a:solidFill>
+              <a:effectLst>
+                <a:outerShdw blurRad="12700" dist="38100" dir="2700000" algn="tl" rotWithShape="0">
+                  <a:schemeClr val="bg1">
+                    <a:lumMod val="50000"/>
+                  </a:schemeClr>
+                </a:outerShdw>
+              </a:effectLst>
+            </a:endParaRPr>
+          </a:p>
+        </p:txBody>
+      </p:sp>
+      <p:pic>
+        <p:nvPicPr>
+          <p:cNvPr id="4" name="Content Placeholder 3"/>
+          <p:cNvPicPr>
+            <a:picLocks noGrp="1" noChangeAspect="1"/>
+          </p:cNvPicPr>
+          <p:nvPr>
+            <p:ph idx="1"/>
+          </p:nvPr>
+        </p:nvPicPr>
+        <p:blipFill>
+          <a:blip r:embed="rId2"/>
+          <a:stretch>
+            <a:fillRect/>
+          </a:stretch>
+        </p:blipFill>
+        <p:spPr>
+          <a:xfrm>
+            <a:off x="4097483" y="1829208"/>
+            <a:ext cx="3639058" cy="895475"/>
+          </a:xfrm>
+          <a:prstGeom prst="rect">
+            <a:avLst/>
+          </a:prstGeom>
+        </p:spPr>
+      </p:pic>
+      <p:pic>
+        <p:nvPicPr>
+          <p:cNvPr id="5" name="Picture 4"/>
+          <p:cNvPicPr>
+            <a:picLocks noChangeAspect="1"/>
+          </p:cNvPicPr>
+          <p:nvPr/>
+        </p:nvPicPr>
+        <p:blipFill>
+          <a:blip r:embed="rId3"/>
+          <a:stretch>
+            <a:fillRect/>
+          </a:stretch>
+        </p:blipFill>
+        <p:spPr>
+          <a:xfrm>
+            <a:off x="4097483" y="3424428"/>
+            <a:ext cx="3734321" cy="676369"/>
+          </a:xfrm>
+          <a:prstGeom prst="rect">
+            <a:avLst/>
+          </a:prstGeom>
+        </p:spPr>
+      </p:pic>
+      <p:sp>
+        <p:nvSpPr>
+          <p:cNvPr id="3" name="TextBox 2"/>
+          <p:cNvSpPr txBox="1"/>
+          <p:nvPr/>
+        </p:nvSpPr>
+        <p:spPr>
+          <a:xfrm>
+            <a:off x="3863788" y="1123837"/>
+            <a:ext cx="7745506" cy="2123658"/>
+          </a:xfrm>
+          <a:prstGeom prst="rect">
+            <a:avLst/>
+          </a:prstGeom>
+          <a:noFill/>
+        </p:spPr>
+        <p:txBody>
+          <a:bodyPr wrap="square" rtlCol="0">
+            <a:spAutoFit/>
+          </a:bodyPr>
+          <a:lstStyle/>
+          <a:p>
+            <a:pPr marL="342900" indent="-342900">
+              <a:buClr>
+                <a:srgbClr val="00B0F0"/>
+              </a:buClr>
+              <a:buAutoNum type="arabicPeriod"/>
+            </a:pPr>
+            <a:r>
+              <a:rPr lang="en-US" sz="2000" smtClean="0"/>
+              <a:t>Kreiranje React aplikacije </a:t>
+            </a:r>
+            <a:r>
+              <a:rPr lang="sr-Latn-RS" sz="2000" smtClean="0"/>
+              <a:t>i pozicioniranje u kreirani direktorijum </a:t>
+            </a:r>
+            <a:r>
+              <a:rPr lang="en-US" sz="2000" smtClean="0"/>
+              <a:t>pomo</a:t>
+            </a:r>
+            <a:r>
+              <a:rPr lang="sr-Latn-RS" sz="2000" smtClean="0"/>
+              <a:t>ć sledećih komandi</a:t>
+            </a:r>
+          </a:p>
+          <a:p>
+            <a:pPr marL="342900" indent="-342900">
+              <a:buAutoNum type="arabicPeriod"/>
+            </a:pPr>
+            <a:endParaRPr lang="sr-Latn-RS"/>
+          </a:p>
+          <a:p>
+            <a:pPr marL="342900" indent="-342900">
+              <a:buAutoNum type="arabicPeriod"/>
+            </a:pPr>
+            <a:endParaRPr lang="sr-Latn-RS" smtClean="0"/>
+          </a:p>
+          <a:p>
+            <a:pPr marL="342900" indent="-342900">
+              <a:buAutoNum type="arabicPeriod"/>
+            </a:pPr>
+            <a:endParaRPr lang="sr-Latn-RS" smtClean="0"/>
+          </a:p>
+          <a:p>
+            <a:endParaRPr lang="sr-Latn-RS" smtClean="0"/>
+          </a:p>
+          <a:p>
+            <a:r>
+              <a:rPr lang="en-US" sz="2000" smtClean="0">
+                <a:solidFill>
+                  <a:srgbClr val="00B0F0"/>
+                </a:solidFill>
+              </a:rPr>
+              <a:t>2.   </a:t>
+            </a:r>
+            <a:r>
+              <a:rPr lang="en-US" sz="2000" smtClean="0"/>
+              <a:t>Instaliranje Electron-a u React aplikaciji</a:t>
+            </a:r>
+            <a:endParaRPr lang="en-US" sz="2000"/>
+          </a:p>
+        </p:txBody>
+      </p:sp>
+    </p:spTree>
+    <p:extLst>
+      <p:ext uri="{BB962C8B-B14F-4D97-AF65-F5344CB8AC3E}">
+        <p14:creationId xmlns:p14="http://schemas.microsoft.com/office/powerpoint/2010/main" val="3210545069"/>
+      </p:ext>
+    </p:extLst>
+  </p:cSld>
+  <p:clrMapOvr>
+    <a:masterClrMapping/>
+  </p:clrMapOvr>
+  <p:timing>
+    <p:tnLst>
+      <p:par>
+        <p:cTn id="1" dur="indefinite" restart="never" nodeType="tmRoot"/>
+      </p:par>
+    </p:tnLst>
+  </p:timing>
+</p:sld>
+</file>
+
+<file path=ppt/slides/slide22.xml><?xml version="1.0" encoding="utf-8"?>
+<p:sld xmlns:a="http://schemas.openxmlformats.org/drawingml/2006/main" xmlns:r="http://schemas.openxmlformats.org/officeDocument/2006/relationships" xmlns:p="http://schemas.openxmlformats.org/presentationml/2006/main">
+  <p:cSld>
+    <p:spTree>
+      <p:nvGrpSpPr>
+        <p:cNvPr id="1" name=""/>
+        <p:cNvGrpSpPr/>
+        <p:nvPr/>
+      </p:nvGrpSpPr>
+      <p:grpSpPr>
+        <a:xfrm>
+          <a:off x="0" y="0"/>
+          <a:ext cx="0" cy="0"/>
+          <a:chOff x="0" y="0"/>
+          <a:chExt cx="0" cy="0"/>
+        </a:xfrm>
+      </p:grpSpPr>
+      <p:sp>
+        <p:nvSpPr>
           <p:cNvPr id="2" name="Title 1"/>
           <p:cNvSpPr>
             <a:spLocks noGrp="1"/>
@@ -6634,7 +7860,7 @@
 </p:sld>
 </file>
 
-<file path=ppt/slides/slide21.xml><?xml version="1.0" encoding="utf-8"?>
+<file path=ppt/slides/slide23.xml><?xml version="1.0" encoding="utf-8"?>
 <p:sld xmlns:a="http://schemas.openxmlformats.org/drawingml/2006/main" xmlns:r="http://schemas.openxmlformats.org/officeDocument/2006/relationships" xmlns:p="http://schemas.openxmlformats.org/presentationml/2006/main">
   <p:cSld>
     <p:spTree>
@@ -6750,11 +7976,7 @@
             </a:r>
             <a:r>
               <a:rPr lang="en-US" sz="1400" smtClean="0"/>
-              <a:t>direktorijumu aplikacije kreiramo electron.js </a:t>
-            </a:r>
-            <a:r>
-              <a:rPr lang="en-US" sz="1400" smtClean="0"/>
-              <a:t>fajl </a:t>
+              <a:t>direktorijumu aplikacije kreiramo electron.js fajl </a:t>
             </a:r>
             <a:r>
               <a:rPr lang="sr-Latn-RS" sz="1400" smtClean="0"/>
@@ -6840,7 +8062,7 @@
 </p:sld>
 </file>
 
-<file path=ppt/slides/slide22.xml><?xml version="1.0" encoding="utf-8"?>
+<file path=ppt/slides/slide24.xml><?xml version="1.0" encoding="utf-8"?>
 <p:sld xmlns:a="http://schemas.openxmlformats.org/drawingml/2006/main" xmlns:r="http://schemas.openxmlformats.org/officeDocument/2006/relationships" xmlns:p="http://schemas.openxmlformats.org/presentationml/2006/main">
   <p:cSld>
     <p:spTree>
@@ -7084,7 +8306,7 @@
 </p:sld>
 </file>
 
-<file path=ppt/slides/slide23.xml><?xml version="1.0" encoding="utf-8"?>
+<file path=ppt/slides/slide25.xml><?xml version="1.0" encoding="utf-8"?>
 <p:sld xmlns:a="http://schemas.openxmlformats.org/drawingml/2006/main" xmlns:r="http://schemas.openxmlformats.org/officeDocument/2006/relationships" xmlns:p="http://schemas.openxmlformats.org/presentationml/2006/main">
   <p:cSld>
     <p:spTree>
@@ -7171,30 +8393,6 @@
           </p:nvPr>
         </p:nvPicPr>
         <p:blipFill>
-          <a:blip r:embed="rId2"/>
-          <a:stretch>
-            <a:fillRect/>
-          </a:stretch>
-        </p:blipFill>
-        <p:spPr>
-          <a:xfrm>
-            <a:off x="4186518" y="1287323"/>
-            <a:ext cx="3143513" cy="802319"/>
-          </a:xfrm>
-          <a:prstGeom prst="rect">
-            <a:avLst/>
-          </a:prstGeom>
-        </p:spPr>
-      </p:pic>
-      <p:pic>
-        <p:nvPicPr>
-          <p:cNvPr id="6" name="Picture 5"/>
-          <p:cNvPicPr>
-            <a:picLocks noChangeAspect="1"/>
-          </p:cNvPicPr>
-          <p:nvPr/>
-        </p:nvPicPr>
-        <p:blipFill>
           <a:blip r:embed="rId3"/>
           <a:stretch>
             <a:fillRect/>
@@ -7202,8 +8400,8 @@
         </p:blipFill>
         <p:spPr>
           <a:xfrm>
-            <a:off x="4051574" y="5631761"/>
-            <a:ext cx="3672407" cy="500072"/>
+            <a:off x="4186518" y="1287323"/>
+            <a:ext cx="3143513" cy="802319"/>
           </a:xfrm>
           <a:prstGeom prst="rect">
             <a:avLst/>
@@ -7212,7 +8410,7 @@
       </p:pic>
       <p:pic>
         <p:nvPicPr>
-          <p:cNvPr id="3" name="Picture 2"/>
+          <p:cNvPr id="6" name="Picture 5"/>
           <p:cNvPicPr>
             <a:picLocks noChangeAspect="1"/>
           </p:cNvPicPr>
@@ -7226,243 +8424,38 @@
         </p:blipFill>
         <p:spPr>
           <a:xfrm>
-            <a:off x="3937001" y="4489061"/>
-            <a:ext cx="6224835" cy="677746"/>
+            <a:off x="4051574" y="5631760"/>
+            <a:ext cx="5267537" cy="717281"/>
           </a:xfrm>
           <a:prstGeom prst="rect">
             <a:avLst/>
           </a:prstGeom>
         </p:spPr>
       </p:pic>
-      <p:sp>
-        <p:nvSpPr>
-          <p:cNvPr id="10" name="TextBox 9"/>
-          <p:cNvSpPr txBox="1"/>
+      <p:pic>
+        <p:nvPicPr>
+          <p:cNvPr id="3" name="Picture 2"/>
+          <p:cNvPicPr>
+            <a:picLocks noChangeAspect="1"/>
+          </p:cNvPicPr>
           <p:nvPr/>
-        </p:nvSpPr>
+        </p:nvPicPr>
+        <p:blipFill>
+          <a:blip r:embed="rId5"/>
+          <a:stretch>
+            <a:fillRect/>
+          </a:stretch>
+        </p:blipFill>
         <p:spPr>
           <a:xfrm>
-            <a:off x="3686030" y="812077"/>
-            <a:ext cx="7003626" cy="5909310"/>
+            <a:off x="3937001" y="4489061"/>
+            <a:ext cx="6224835" cy="677746"/>
           </a:xfrm>
           <a:prstGeom prst="rect">
             <a:avLst/>
           </a:prstGeom>
-          <a:noFill/>
-        </p:spPr>
-        <p:txBody>
-          <a:bodyPr wrap="square" rtlCol="0">
-            <a:spAutoFit/>
-          </a:bodyPr>
-          <a:lstStyle/>
-          <a:p>
-            <a:pPr marL="342900" indent="-342900">
-              <a:buClr>
-                <a:schemeClr val="accent1"/>
-              </a:buClr>
-              <a:buAutoNum type="arabicPeriod"/>
-            </a:pPr>
-            <a:r>
-              <a:rPr lang="en-US" smtClean="0"/>
-              <a:t>Pokretanjem slede</a:t>
-            </a:r>
-            <a:r>
-              <a:rPr lang="sr-Latn-RS" smtClean="0"/>
-              <a:t>će komande kreira se direktorijum </a:t>
-            </a:r>
-            <a:r>
-              <a:rPr lang="sr-Latn-RS" b="1" smtClean="0"/>
-              <a:t>build:</a:t>
-            </a:r>
-          </a:p>
-          <a:p>
-            <a:pPr marL="342900" indent="-342900">
-              <a:buClr>
-                <a:schemeClr val="accent1"/>
-              </a:buClr>
-              <a:buAutoNum type="arabicPeriod"/>
-            </a:pPr>
-            <a:endParaRPr lang="sr-Latn-RS" b="1"/>
-          </a:p>
-          <a:p>
-            <a:pPr marL="342900" indent="-342900">
-              <a:buClr>
-                <a:schemeClr val="accent1"/>
-              </a:buClr>
-              <a:buAutoNum type="arabicPeriod"/>
-            </a:pPr>
-            <a:endParaRPr lang="sr-Latn-RS" b="1" smtClean="0"/>
-          </a:p>
-          <a:p>
-            <a:pPr marL="342900" indent="-342900">
-              <a:buClr>
-                <a:schemeClr val="accent1"/>
-              </a:buClr>
-              <a:buAutoNum type="arabicPeriod"/>
-            </a:pPr>
-            <a:endParaRPr lang="en-US" b="1" smtClean="0"/>
-          </a:p>
-          <a:p>
-            <a:pPr marL="342900" indent="-342900">
-              <a:buClr>
-                <a:schemeClr val="accent1"/>
-              </a:buClr>
-              <a:buAutoNum type="arabicPeriod"/>
-            </a:pPr>
-            <a:endParaRPr lang="en-US" b="1"/>
-          </a:p>
-          <a:p>
-            <a:pPr marL="342900" indent="-342900">
-              <a:buClr>
-                <a:schemeClr val="accent1"/>
-              </a:buClr>
-              <a:buAutoNum type="arabicPeriod"/>
-            </a:pPr>
-            <a:endParaRPr lang="en-US" b="1" smtClean="0"/>
-          </a:p>
-          <a:p>
-            <a:pPr marL="342900" indent="-342900">
-              <a:buClr>
-                <a:schemeClr val="accent1"/>
-              </a:buClr>
-              <a:buAutoNum type="arabicPeriod"/>
-            </a:pPr>
-            <a:endParaRPr lang="en-US" b="1"/>
-          </a:p>
-          <a:p>
-            <a:pPr marL="342900" indent="-342900">
-              <a:buClr>
-                <a:schemeClr val="accent1"/>
-              </a:buClr>
-              <a:buAutoNum type="arabicPeriod"/>
-            </a:pPr>
-            <a:endParaRPr lang="en-US" b="1" smtClean="0"/>
-          </a:p>
-          <a:p>
-            <a:pPr marL="342900" indent="-342900">
-              <a:buClr>
-                <a:schemeClr val="accent1"/>
-              </a:buClr>
-              <a:buAutoNum type="arabicPeriod"/>
-            </a:pPr>
-            <a:endParaRPr lang="en-US" b="1"/>
-          </a:p>
-          <a:p>
-            <a:pPr marL="342900" indent="-342900">
-              <a:buClr>
-                <a:schemeClr val="accent1"/>
-              </a:buClr>
-              <a:buAutoNum type="arabicPeriod"/>
-            </a:pPr>
-            <a:endParaRPr lang="en-US" b="1" smtClean="0"/>
-          </a:p>
-          <a:p>
-            <a:pPr marL="342900" indent="-342900">
-              <a:buClr>
-                <a:schemeClr val="accent1"/>
-              </a:buClr>
-              <a:buAutoNum type="arabicPeriod"/>
-            </a:pPr>
-            <a:endParaRPr lang="en-US" b="1" smtClean="0"/>
-          </a:p>
-          <a:p>
-            <a:pPr marL="342900" indent="-342900">
-              <a:buClr>
-                <a:schemeClr val="accent1"/>
-              </a:buClr>
-              <a:buAutoNum type="arabicPeriod"/>
-            </a:pPr>
-            <a:endParaRPr lang="sr-Latn-RS" b="1"/>
-          </a:p>
-          <a:p>
-            <a:pPr marL="342900" indent="-342900">
-              <a:buClr>
-                <a:schemeClr val="accent1"/>
-              </a:buClr>
-              <a:buAutoNum type="arabicPeriod"/>
-            </a:pPr>
-            <a:r>
-              <a:rPr lang="sr-Latn-RS" smtClean="0"/>
-              <a:t>U </a:t>
-            </a:r>
-            <a:r>
-              <a:rPr lang="sr-Latn-RS" b="1" smtClean="0"/>
-              <a:t>electron.js </a:t>
-            </a:r>
-            <a:r>
-              <a:rPr lang="sr-Latn-RS" smtClean="0"/>
-              <a:t>fajlu potrebno je promeniti:</a:t>
-            </a:r>
-          </a:p>
-          <a:p>
-            <a:pPr marL="342900" indent="-342900">
-              <a:buClr>
-                <a:schemeClr val="accent1"/>
-              </a:buClr>
-              <a:buAutoNum type="arabicPeriod"/>
-            </a:pPr>
-            <a:endParaRPr lang="sr-Latn-RS"/>
-          </a:p>
-          <a:p>
-            <a:pPr marL="342900" indent="-342900">
-              <a:buClr>
-                <a:schemeClr val="accent1"/>
-              </a:buClr>
-              <a:buAutoNum type="arabicPeriod"/>
-            </a:pPr>
-            <a:endParaRPr lang="sr-Latn-RS" smtClean="0"/>
-          </a:p>
-          <a:p>
-            <a:pPr marL="342900" indent="-342900">
-              <a:buClr>
-                <a:schemeClr val="accent1"/>
-              </a:buClr>
-              <a:buAutoNum type="arabicPeriod"/>
-            </a:pPr>
-            <a:endParaRPr lang="sr-Latn-RS"/>
-          </a:p>
-          <a:p>
-            <a:pPr marL="342900" indent="-342900">
-              <a:buClr>
-                <a:schemeClr val="accent1"/>
-              </a:buClr>
-              <a:buAutoNum type="arabicPeriod"/>
-            </a:pPr>
-            <a:r>
-              <a:rPr lang="sr-Latn-RS" smtClean="0"/>
-              <a:t>Instaliranje potrebnih biblioteka</a:t>
-            </a:r>
-            <a:r>
-              <a:rPr lang="en-US" smtClean="0"/>
-              <a:t>:</a:t>
-            </a:r>
-          </a:p>
-          <a:p>
-            <a:pPr marL="342900" indent="-342900">
-              <a:buAutoNum type="arabicPeriod"/>
-            </a:pPr>
-            <a:endParaRPr lang="en-US"/>
-          </a:p>
-          <a:p>
-            <a:pPr marL="342900" indent="-342900">
-              <a:buAutoNum type="arabicPeriod"/>
-            </a:pPr>
-            <a:endParaRPr lang="en-US" smtClean="0"/>
-          </a:p>
-          <a:p>
-            <a:pPr marL="342900" indent="-342900">
-              <a:buAutoNum type="arabicPeriod"/>
-            </a:pPr>
-            <a:endParaRPr lang="en-US"/>
-          </a:p>
-          <a:p>
-            <a:pPr marL="342900" indent="-342900">
-              <a:buAutoNum type="arabicPeriod"/>
-            </a:pPr>
-            <a:endParaRPr lang="en-US" smtClean="0"/>
-          </a:p>
-        </p:txBody>
-      </p:sp>
+        </p:spPr>
+      </p:pic>
       <p:pic>
         <p:nvPicPr>
           <p:cNvPr id="5" name="Picture 4"/>
@@ -7472,7 +8465,7 @@
           <p:nvPr/>
         </p:nvPicPr>
         <p:blipFill>
-          <a:blip r:embed="rId5"/>
+          <a:blip r:embed="rId6"/>
           <a:stretch>
             <a:fillRect/>
           </a:stretch>
@@ -7561,6 +8554,235 @@
           </a:fontRef>
         </p:style>
       </p:cxnSp>
+      <p:sp>
+        <p:nvSpPr>
+          <p:cNvPr id="11" name="TextBox 10"/>
+          <p:cNvSpPr txBox="1"/>
+          <p:nvPr/>
+        </p:nvSpPr>
+        <p:spPr>
+          <a:xfrm>
+            <a:off x="3686030" y="812077"/>
+            <a:ext cx="6909896" cy="5909310"/>
+          </a:xfrm>
+          <a:prstGeom prst="rect">
+            <a:avLst/>
+          </a:prstGeom>
+          <a:noFill/>
+        </p:spPr>
+        <p:txBody>
+          <a:bodyPr wrap="square" rtlCol="0">
+            <a:spAutoFit/>
+          </a:bodyPr>
+          <a:lstStyle/>
+          <a:p>
+            <a:pPr marL="342900" indent="-342900">
+              <a:buClr>
+                <a:schemeClr val="accent1"/>
+              </a:buClr>
+              <a:buAutoNum type="arabicPeriod"/>
+            </a:pPr>
+            <a:r>
+              <a:rPr lang="en-US" smtClean="0"/>
+              <a:t>Pokretanjem slede</a:t>
+            </a:r>
+            <a:r>
+              <a:rPr lang="sr-Latn-RS" smtClean="0"/>
+              <a:t>će komande kreira se direktorijum </a:t>
+            </a:r>
+            <a:r>
+              <a:rPr lang="sr-Latn-RS" b="1" smtClean="0"/>
+              <a:t>build:</a:t>
+            </a:r>
+          </a:p>
+          <a:p>
+            <a:pPr marL="342900" indent="-342900">
+              <a:buClr>
+                <a:schemeClr val="accent1"/>
+              </a:buClr>
+              <a:buAutoNum type="arabicPeriod"/>
+            </a:pPr>
+            <a:endParaRPr lang="sr-Latn-RS" b="1"/>
+          </a:p>
+          <a:p>
+            <a:pPr marL="342900" indent="-342900">
+              <a:buClr>
+                <a:schemeClr val="accent1"/>
+              </a:buClr>
+              <a:buAutoNum type="arabicPeriod"/>
+            </a:pPr>
+            <a:endParaRPr lang="sr-Latn-RS" b="1" smtClean="0"/>
+          </a:p>
+          <a:p>
+            <a:pPr marL="342900" indent="-342900">
+              <a:buClr>
+                <a:schemeClr val="accent1"/>
+              </a:buClr>
+              <a:buAutoNum type="arabicPeriod"/>
+            </a:pPr>
+            <a:endParaRPr lang="en-US" b="1" smtClean="0"/>
+          </a:p>
+          <a:p>
+            <a:pPr marL="342900" indent="-342900">
+              <a:buClr>
+                <a:schemeClr val="accent1"/>
+              </a:buClr>
+              <a:buAutoNum type="arabicPeriod"/>
+            </a:pPr>
+            <a:endParaRPr lang="en-US" b="1"/>
+          </a:p>
+          <a:p>
+            <a:pPr marL="342900" indent="-342900">
+              <a:buClr>
+                <a:schemeClr val="accent1"/>
+              </a:buClr>
+              <a:buAutoNum type="arabicPeriod"/>
+            </a:pPr>
+            <a:endParaRPr lang="en-US" b="1" smtClean="0"/>
+          </a:p>
+          <a:p>
+            <a:pPr marL="342900" indent="-342900">
+              <a:buClr>
+                <a:schemeClr val="accent1"/>
+              </a:buClr>
+              <a:buAutoNum type="arabicPeriod"/>
+            </a:pPr>
+            <a:endParaRPr lang="en-US" b="1"/>
+          </a:p>
+          <a:p>
+            <a:pPr marL="342900" indent="-342900">
+              <a:buClr>
+                <a:schemeClr val="accent1"/>
+              </a:buClr>
+              <a:buAutoNum type="arabicPeriod"/>
+            </a:pPr>
+            <a:endParaRPr lang="en-US" b="1" smtClean="0"/>
+          </a:p>
+          <a:p>
+            <a:pPr marL="342900" indent="-342900">
+              <a:buClr>
+                <a:schemeClr val="accent1"/>
+              </a:buClr>
+              <a:buAutoNum type="arabicPeriod"/>
+            </a:pPr>
+            <a:endParaRPr lang="en-US" b="1"/>
+          </a:p>
+          <a:p>
+            <a:pPr marL="342900" indent="-342900">
+              <a:buClr>
+                <a:schemeClr val="accent1"/>
+              </a:buClr>
+              <a:buAutoNum type="arabicPeriod"/>
+            </a:pPr>
+            <a:endParaRPr lang="en-US" b="1" smtClean="0"/>
+          </a:p>
+          <a:p>
+            <a:pPr marL="342900" indent="-342900">
+              <a:buClr>
+                <a:schemeClr val="accent1"/>
+              </a:buClr>
+              <a:buAutoNum type="arabicPeriod"/>
+            </a:pPr>
+            <a:endParaRPr lang="en-US" b="1" smtClean="0"/>
+          </a:p>
+          <a:p>
+            <a:pPr marL="342900" indent="-342900">
+              <a:buClr>
+                <a:schemeClr val="accent1"/>
+              </a:buClr>
+              <a:buAutoNum type="arabicPeriod"/>
+            </a:pPr>
+            <a:endParaRPr lang="sr-Latn-RS" b="1"/>
+          </a:p>
+          <a:p>
+            <a:pPr marL="342900" indent="-342900">
+              <a:buClr>
+                <a:schemeClr val="accent1"/>
+              </a:buClr>
+              <a:buAutoNum type="arabicPeriod"/>
+            </a:pPr>
+            <a:r>
+              <a:rPr lang="sr-Latn-RS" smtClean="0"/>
+              <a:t>U </a:t>
+            </a:r>
+            <a:r>
+              <a:rPr lang="sr-Latn-RS" b="1" smtClean="0"/>
+              <a:t>electron.js </a:t>
+            </a:r>
+            <a:r>
+              <a:rPr lang="sr-Latn-RS" smtClean="0"/>
+              <a:t>fajlu potrebno je promeniti:</a:t>
+            </a:r>
+          </a:p>
+          <a:p>
+            <a:pPr marL="342900" indent="-342900">
+              <a:buClr>
+                <a:schemeClr val="accent1"/>
+              </a:buClr>
+              <a:buAutoNum type="arabicPeriod"/>
+            </a:pPr>
+            <a:endParaRPr lang="sr-Latn-RS"/>
+          </a:p>
+          <a:p>
+            <a:pPr marL="342900" indent="-342900">
+              <a:buClr>
+                <a:schemeClr val="accent1"/>
+              </a:buClr>
+              <a:buAutoNum type="arabicPeriod"/>
+            </a:pPr>
+            <a:endParaRPr lang="sr-Latn-RS" smtClean="0"/>
+          </a:p>
+          <a:p>
+            <a:pPr marL="342900" indent="-342900">
+              <a:buClr>
+                <a:schemeClr val="accent1"/>
+              </a:buClr>
+              <a:buAutoNum type="arabicPeriod"/>
+            </a:pPr>
+            <a:endParaRPr lang="sr-Latn-RS"/>
+          </a:p>
+          <a:p>
+            <a:pPr marL="342900" indent="-342900">
+              <a:buClr>
+                <a:schemeClr val="accent1"/>
+              </a:buClr>
+              <a:buAutoNum type="arabicPeriod"/>
+            </a:pPr>
+            <a:r>
+              <a:rPr lang="sr-Latn-RS" smtClean="0"/>
+              <a:t>Instaliranje potrebnih biblioteka</a:t>
+            </a:r>
+            <a:r>
+              <a:rPr lang="en-US" smtClean="0"/>
+              <a:t>:</a:t>
+            </a:r>
+          </a:p>
+          <a:p>
+            <a:pPr marL="342900" indent="-342900">
+              <a:buAutoNum type="arabicPeriod"/>
+            </a:pPr>
+            <a:endParaRPr lang="en-US"/>
+          </a:p>
+          <a:p>
+            <a:pPr marL="342900" indent="-342900">
+              <a:buAutoNum type="arabicPeriod"/>
+            </a:pPr>
+            <a:endParaRPr lang="en-US" smtClean="0"/>
+          </a:p>
+          <a:p>
+            <a:pPr marL="342900" indent="-342900">
+              <a:buAutoNum type="arabicPeriod"/>
+            </a:pPr>
+            <a:endParaRPr lang="en-US"/>
+          </a:p>
+          <a:p>
+            <a:pPr marL="342900" indent="-342900">
+              <a:buAutoNum type="arabicPeriod"/>
+            </a:pPr>
+            <a:endParaRPr lang="en-US" smtClean="0"/>
+          </a:p>
+        </p:txBody>
+      </p:sp>
     </p:spTree>
     <p:extLst>
       <p:ext uri="{BB962C8B-B14F-4D97-AF65-F5344CB8AC3E}">
@@ -7581,7 +8803,7 @@
 </p:sld>
 </file>
 
-<file path=ppt/slides/slide24.xml><?xml version="1.0" encoding="utf-8"?>
+<file path=ppt/slides/slide26.xml><?xml version="1.0" encoding="utf-8"?>
 <p:sld xmlns:a="http://schemas.openxmlformats.org/drawingml/2006/main" xmlns:r="http://schemas.openxmlformats.org/officeDocument/2006/relationships" xmlns:p="http://schemas.openxmlformats.org/presentationml/2006/main">
   <p:cSld>
     <p:spTree>
@@ -7735,7 +8957,7 @@
           <p:nvPr/>
         </p:nvPicPr>
         <p:blipFill>
-          <a:blip r:embed="rId2"/>
+          <a:blip r:embed="rId3"/>
           <a:stretch>
             <a:fillRect/>
           </a:stretch>
@@ -7759,7 +8981,7 @@
           <p:nvPr/>
         </p:nvPicPr>
         <p:blipFill>
-          <a:blip r:embed="rId3"/>
+          <a:blip r:embed="rId4"/>
           <a:stretch>
             <a:fillRect/>
           </a:stretch>
@@ -7819,7 +9041,7 @@
           <p:nvPr/>
         </p:nvPicPr>
         <p:blipFill>
-          <a:blip r:embed="rId4"/>
+          <a:blip r:embed="rId5"/>
           <a:stretch>
             <a:fillRect/>
           </a:stretch>
@@ -7854,7 +9076,7 @@
 </p:sld>
 </file>
 
-<file path=ppt/slides/slide25.xml><?xml version="1.0" encoding="utf-8"?>
+<file path=ppt/slides/slide27.xml><?xml version="1.0" encoding="utf-8"?>
 <p:sld xmlns:a="http://schemas.openxmlformats.org/drawingml/2006/main" xmlns:r="http://schemas.openxmlformats.org/officeDocument/2006/relationships" xmlns:p="http://schemas.openxmlformats.org/presentationml/2006/main">
   <p:cSld>
     <p:spTree>
@@ -8218,7 +9440,7 @@
 </p:sld>
 </file>
 
-<file path=ppt/slides/slide26.xml><?xml version="1.0" encoding="utf-8"?>
+<file path=ppt/slides/slide28.xml><?xml version="1.0" encoding="utf-8"?>
 <p:sld xmlns:a="http://schemas.openxmlformats.org/drawingml/2006/main" xmlns:r="http://schemas.openxmlformats.org/officeDocument/2006/relationships" xmlns:p="http://schemas.openxmlformats.org/presentationml/2006/main">
   <p:cSld>
     <p:spTree>
@@ -8444,7 +9666,7 @@
 </p:sld>
 </file>
 
-<file path=ppt/slides/slide27.xml><?xml version="1.0" encoding="utf-8"?>
+<file path=ppt/slides/slide29.xml><?xml version="1.0" encoding="utf-8"?>
 <p:sld xmlns:a="http://schemas.openxmlformats.org/drawingml/2006/main" xmlns:r="http://schemas.openxmlformats.org/officeDocument/2006/relationships" xmlns:p="http://schemas.openxmlformats.org/presentationml/2006/main">
   <p:cSld>
     <p:spTree>
@@ -8593,200 +9815,6 @@
     <p:extLst>
       <p:ext uri="{BB962C8B-B14F-4D97-AF65-F5344CB8AC3E}">
         <p14:creationId xmlns:p14="http://schemas.microsoft.com/office/powerpoint/2010/main" val="2138057773"/>
-      </p:ext>
-    </p:extLst>
-  </p:cSld>
-  <p:clrMapOvr>
-    <a:masterClrMapping/>
-  </p:clrMapOvr>
-  <p:timing>
-    <p:tnLst>
-      <p:par>
-        <p:cTn id="1" dur="indefinite" restart="never" nodeType="tmRoot"/>
-      </p:par>
-    </p:tnLst>
-  </p:timing>
-</p:sld>
-</file>
-
-<file path=ppt/slides/slide28.xml><?xml version="1.0" encoding="utf-8"?>
-<p:sld xmlns:a="http://schemas.openxmlformats.org/drawingml/2006/main" xmlns:r="http://schemas.openxmlformats.org/officeDocument/2006/relationships" xmlns:p="http://schemas.openxmlformats.org/presentationml/2006/main">
-  <p:cSld>
-    <p:spTree>
-      <p:nvGrpSpPr>
-        <p:cNvPr id="1" name=""/>
-        <p:cNvGrpSpPr/>
-        <p:nvPr/>
-      </p:nvGrpSpPr>
-      <p:grpSpPr>
-        <a:xfrm>
-          <a:off x="0" y="0"/>
-          <a:ext cx="0" cy="0"/>
-          <a:chOff x="0" y="0"/>
-          <a:chExt cx="0" cy="0"/>
-        </a:xfrm>
-      </p:grpSpPr>
-      <p:sp>
-        <p:nvSpPr>
-          <p:cNvPr id="7" name="Rectangle 6"/>
-          <p:cNvSpPr/>
-          <p:nvPr/>
-        </p:nvSpPr>
-        <p:spPr>
-          <a:xfrm>
-            <a:off x="0" y="1909482"/>
-            <a:ext cx="9350189" cy="3044663"/>
-          </a:xfrm>
-          <a:prstGeom prst="rect">
-            <a:avLst/>
-          </a:prstGeom>
-        </p:spPr>
-        <p:style>
-          <a:lnRef idx="2">
-            <a:schemeClr val="accent1">
-              <a:shade val="50000"/>
-            </a:schemeClr>
-          </a:lnRef>
-          <a:fillRef idx="1">
-            <a:schemeClr val="accent1"/>
-          </a:fillRef>
-          <a:effectRef idx="0">
-            <a:schemeClr val="accent1"/>
-          </a:effectRef>
-          <a:fontRef idx="minor">
-            <a:schemeClr val="lt1"/>
-          </a:fontRef>
-        </p:style>
-        <p:txBody>
-          <a:bodyPr rtlCol="0" anchor="ctr"/>
-          <a:lstStyle/>
-          <a:p>
-            <a:pPr algn="ctr"/>
-            <a:endParaRPr lang="en-US"/>
-          </a:p>
-        </p:txBody>
-      </p:sp>
-      <p:sp>
-        <p:nvSpPr>
-          <p:cNvPr id="6" name="TextBox 5"/>
-          <p:cNvSpPr txBox="1"/>
-          <p:nvPr/>
-        </p:nvSpPr>
-        <p:spPr>
-          <a:xfrm>
-            <a:off x="593977" y="2770093"/>
-            <a:ext cx="8518101" cy="1323439"/>
-          </a:xfrm>
-          <a:prstGeom prst="rect">
-            <a:avLst/>
-          </a:prstGeom>
-          <a:noFill/>
-        </p:spPr>
-        <p:txBody>
-          <a:bodyPr wrap="none" rtlCol="0">
-            <a:spAutoFit/>
-          </a:bodyPr>
-          <a:lstStyle/>
-          <a:p>
-            <a:r>
-              <a:rPr lang="sr-Latn-RS" sz="8000" b="1" smtClean="0">
-                <a:ln w="9525">
-                  <a:solidFill>
-                    <a:schemeClr val="bg1"/>
-                  </a:solidFill>
-                  <a:prstDash val="solid"/>
-                </a:ln>
-                <a:effectLst>
-                  <a:outerShdw blurRad="12700" dist="38100" dir="2700000" algn="tl" rotWithShape="0">
-                    <a:schemeClr val="bg1">
-                      <a:lumMod val="50000"/>
-                    </a:schemeClr>
-                  </a:outerShdw>
-                </a:effectLst>
-              </a:rPr>
-              <a:t>HVALA NA PAŽNJI</a:t>
-            </a:r>
-            <a:endParaRPr lang="en-US" sz="8000" b="1">
-              <a:ln w="9525">
-                <a:solidFill>
-                  <a:schemeClr val="bg1"/>
-                </a:solidFill>
-                <a:prstDash val="solid"/>
-              </a:ln>
-              <a:effectLst>
-                <a:outerShdw blurRad="12700" dist="38100" dir="2700000" algn="tl" rotWithShape="0">
-                  <a:schemeClr val="bg1">
-                    <a:lumMod val="50000"/>
-                  </a:schemeClr>
-                </a:outerShdw>
-              </a:effectLst>
-            </a:endParaRPr>
-          </a:p>
-        </p:txBody>
-      </p:sp>
-      <p:sp>
-        <p:nvSpPr>
-          <p:cNvPr id="8" name="Rectangle 7"/>
-          <p:cNvSpPr/>
-          <p:nvPr/>
-        </p:nvSpPr>
-        <p:spPr>
-          <a:xfrm>
-            <a:off x="9475694" y="1909482"/>
-            <a:ext cx="2716306" cy="3044663"/>
-          </a:xfrm>
-          <a:prstGeom prst="rect">
-            <a:avLst/>
-          </a:prstGeom>
-          <a:solidFill>
-            <a:schemeClr val="accent1">
-              <a:alpha val="50000"/>
-            </a:schemeClr>
-          </a:solidFill>
-          <a:ln>
-            <a:noFill/>
-          </a:ln>
-        </p:spPr>
-        <p:style>
-          <a:lnRef idx="0">
-            <a:scrgbClr r="0" g="0" b="0"/>
-          </a:lnRef>
-          <a:fillRef idx="0">
-            <a:scrgbClr r="0" g="0" b="0"/>
-          </a:fillRef>
-          <a:effectRef idx="0">
-            <a:scrgbClr r="0" g="0" b="0"/>
-          </a:effectRef>
-          <a:fontRef idx="minor">
-            <a:schemeClr val="lt1"/>
-          </a:fontRef>
-        </p:style>
-        <p:txBody>
-          <a:bodyPr rtlCol="0" anchor="ctr"/>
-          <a:lstStyle/>
-          <a:p>
-            <a:pPr algn="ctr"/>
-            <a:endParaRPr lang="en-US" b="1">
-              <a:ln w="22225">
-                <a:solidFill>
-                  <a:schemeClr val="accent2"/>
-                </a:solidFill>
-                <a:prstDash val="solid"/>
-              </a:ln>
-              <a:solidFill>
-                <a:schemeClr val="accent2">
-                  <a:lumMod val="40000"/>
-                  <a:lumOff val="60000"/>
-                </a:schemeClr>
-              </a:solidFill>
-            </a:endParaRPr>
-          </a:p>
-        </p:txBody>
-      </p:sp>
-    </p:spTree>
-    <p:extLst>
-      <p:ext uri="{BB962C8B-B14F-4D97-AF65-F5344CB8AC3E}">
-        <p14:creationId xmlns:p14="http://schemas.microsoft.com/office/powerpoint/2010/main" val="3153285559"/>
       </p:ext>
     </p:extLst>
   </p:cSld>
@@ -9010,6 +10038,200 @@
 </p:sld>
 </file>
 
+<file path=ppt/slides/slide30.xml><?xml version="1.0" encoding="utf-8"?>
+<p:sld xmlns:a="http://schemas.openxmlformats.org/drawingml/2006/main" xmlns:r="http://schemas.openxmlformats.org/officeDocument/2006/relationships" xmlns:p="http://schemas.openxmlformats.org/presentationml/2006/main">
+  <p:cSld>
+    <p:spTree>
+      <p:nvGrpSpPr>
+        <p:cNvPr id="1" name=""/>
+        <p:cNvGrpSpPr/>
+        <p:nvPr/>
+      </p:nvGrpSpPr>
+      <p:grpSpPr>
+        <a:xfrm>
+          <a:off x="0" y="0"/>
+          <a:ext cx="0" cy="0"/>
+          <a:chOff x="0" y="0"/>
+          <a:chExt cx="0" cy="0"/>
+        </a:xfrm>
+      </p:grpSpPr>
+      <p:sp>
+        <p:nvSpPr>
+          <p:cNvPr id="7" name="Rectangle 6"/>
+          <p:cNvSpPr/>
+          <p:nvPr/>
+        </p:nvSpPr>
+        <p:spPr>
+          <a:xfrm>
+            <a:off x="0" y="1909482"/>
+            <a:ext cx="9350189" cy="3044663"/>
+          </a:xfrm>
+          <a:prstGeom prst="rect">
+            <a:avLst/>
+          </a:prstGeom>
+        </p:spPr>
+        <p:style>
+          <a:lnRef idx="2">
+            <a:schemeClr val="accent1">
+              <a:shade val="50000"/>
+            </a:schemeClr>
+          </a:lnRef>
+          <a:fillRef idx="1">
+            <a:schemeClr val="accent1"/>
+          </a:fillRef>
+          <a:effectRef idx="0">
+            <a:schemeClr val="accent1"/>
+          </a:effectRef>
+          <a:fontRef idx="minor">
+            <a:schemeClr val="lt1"/>
+          </a:fontRef>
+        </p:style>
+        <p:txBody>
+          <a:bodyPr rtlCol="0" anchor="ctr"/>
+          <a:lstStyle/>
+          <a:p>
+            <a:pPr algn="ctr"/>
+            <a:endParaRPr lang="en-US"/>
+          </a:p>
+        </p:txBody>
+      </p:sp>
+      <p:sp>
+        <p:nvSpPr>
+          <p:cNvPr id="6" name="TextBox 5"/>
+          <p:cNvSpPr txBox="1"/>
+          <p:nvPr/>
+        </p:nvSpPr>
+        <p:spPr>
+          <a:xfrm>
+            <a:off x="593977" y="2770093"/>
+            <a:ext cx="8518101" cy="1323439"/>
+          </a:xfrm>
+          <a:prstGeom prst="rect">
+            <a:avLst/>
+          </a:prstGeom>
+          <a:noFill/>
+        </p:spPr>
+        <p:txBody>
+          <a:bodyPr wrap="none" rtlCol="0">
+            <a:spAutoFit/>
+          </a:bodyPr>
+          <a:lstStyle/>
+          <a:p>
+            <a:r>
+              <a:rPr lang="sr-Latn-RS" sz="8000" b="1" smtClean="0">
+                <a:ln w="9525">
+                  <a:solidFill>
+                    <a:schemeClr val="bg1"/>
+                  </a:solidFill>
+                  <a:prstDash val="solid"/>
+                </a:ln>
+                <a:effectLst>
+                  <a:outerShdw blurRad="12700" dist="38100" dir="2700000" algn="tl" rotWithShape="0">
+                    <a:schemeClr val="bg1">
+                      <a:lumMod val="50000"/>
+                    </a:schemeClr>
+                  </a:outerShdw>
+                </a:effectLst>
+              </a:rPr>
+              <a:t>HVALA NA PAŽNJI</a:t>
+            </a:r>
+            <a:endParaRPr lang="en-US" sz="8000" b="1">
+              <a:ln w="9525">
+                <a:solidFill>
+                  <a:schemeClr val="bg1"/>
+                </a:solidFill>
+                <a:prstDash val="solid"/>
+              </a:ln>
+              <a:effectLst>
+                <a:outerShdw blurRad="12700" dist="38100" dir="2700000" algn="tl" rotWithShape="0">
+                  <a:schemeClr val="bg1">
+                    <a:lumMod val="50000"/>
+                  </a:schemeClr>
+                </a:outerShdw>
+              </a:effectLst>
+            </a:endParaRPr>
+          </a:p>
+        </p:txBody>
+      </p:sp>
+      <p:sp>
+        <p:nvSpPr>
+          <p:cNvPr id="8" name="Rectangle 7"/>
+          <p:cNvSpPr/>
+          <p:nvPr/>
+        </p:nvSpPr>
+        <p:spPr>
+          <a:xfrm>
+            <a:off x="9475694" y="1909482"/>
+            <a:ext cx="2716306" cy="3044663"/>
+          </a:xfrm>
+          <a:prstGeom prst="rect">
+            <a:avLst/>
+          </a:prstGeom>
+          <a:solidFill>
+            <a:schemeClr val="accent1">
+              <a:alpha val="50000"/>
+            </a:schemeClr>
+          </a:solidFill>
+          <a:ln>
+            <a:noFill/>
+          </a:ln>
+        </p:spPr>
+        <p:style>
+          <a:lnRef idx="0">
+            <a:scrgbClr r="0" g="0" b="0"/>
+          </a:lnRef>
+          <a:fillRef idx="0">
+            <a:scrgbClr r="0" g="0" b="0"/>
+          </a:fillRef>
+          <a:effectRef idx="0">
+            <a:scrgbClr r="0" g="0" b="0"/>
+          </a:effectRef>
+          <a:fontRef idx="minor">
+            <a:schemeClr val="lt1"/>
+          </a:fontRef>
+        </p:style>
+        <p:txBody>
+          <a:bodyPr rtlCol="0" anchor="ctr"/>
+          <a:lstStyle/>
+          <a:p>
+            <a:pPr algn="ctr"/>
+            <a:endParaRPr lang="en-US" b="1">
+              <a:ln w="22225">
+                <a:solidFill>
+                  <a:schemeClr val="accent2"/>
+                </a:solidFill>
+                <a:prstDash val="solid"/>
+              </a:ln>
+              <a:solidFill>
+                <a:schemeClr val="accent2">
+                  <a:lumMod val="40000"/>
+                  <a:lumOff val="60000"/>
+                </a:schemeClr>
+              </a:solidFill>
+            </a:endParaRPr>
+          </a:p>
+        </p:txBody>
+      </p:sp>
+    </p:spTree>
+    <p:extLst>
+      <p:ext uri="{BB962C8B-B14F-4D97-AF65-F5344CB8AC3E}">
+        <p14:creationId xmlns:p14="http://schemas.microsoft.com/office/powerpoint/2010/main" val="3153285559"/>
+      </p:ext>
+    </p:extLst>
+  </p:cSld>
+  <p:clrMapOvr>
+    <a:masterClrMapping/>
+  </p:clrMapOvr>
+  <p:timing>
+    <p:tnLst>
+      <p:par>
+        <p:cTn id="1" dur="indefinite" restart="never" nodeType="tmRoot"/>
+      </p:par>
+    </p:tnLst>
+  </p:timing>
+</p:sld>
+</file>
+
 <file path=ppt/slides/slide4.xml><?xml version="1.0" encoding="utf-8"?>
 <p:sld xmlns:a="http://schemas.openxmlformats.org/drawingml/2006/main" xmlns:r="http://schemas.openxmlformats.org/officeDocument/2006/relationships" xmlns:p="http://schemas.openxmlformats.org/presentationml/2006/main">
   <p:cSld>
@@ -9686,7 +10908,7 @@
         </p:spPr>
         <p:txBody>
           <a:bodyPr>
-            <a:normAutofit/>
+            <a:normAutofit lnSpcReduction="10000"/>
           </a:bodyPr>
           <a:lstStyle/>
           <a:p>
@@ -9841,14 +11063,22 @@
               <a:t>iklus </a:t>
             </a:r>
             <a:r>
-              <a:rPr lang="en-US" b="1"/>
+              <a:rPr lang="en-US" b="1" smtClean="0"/>
+              <a:t>aplikacije</a:t>
+            </a:r>
+            <a:endParaRPr lang="sr-Latn-RS" b="1" smtClean="0"/>
+          </a:p>
+          <a:p>
+            <a:pPr lvl="1"/>
+            <a:r>
+              <a:rPr lang="sr-Latn-RS"/>
               <a:t>a</a:t>
             </a:r>
             <a:r>
-              <a:rPr lang="en-US" b="1" smtClean="0"/>
-              <a:t>plikacije</a:t>
-            </a:r>
-            <a:endParaRPr lang="en-US" b="1"/>
+              <a:rPr lang="sr-Latn-RS" smtClean="0"/>
+              <a:t>pp objekat</a:t>
+            </a:r>
+            <a:endParaRPr lang="en-US"/>
           </a:p>
           <a:p>
             <a:pPr lvl="1"/>
@@ -9999,7 +11229,7 @@
           <p:nvPr/>
         </p:nvPicPr>
         <p:blipFill>
-          <a:blip r:embed="rId2"/>
+          <a:blip r:embed="rId3"/>
           <a:stretch>
             <a:fillRect/>
           </a:stretch>
@@ -10212,15 +11442,15 @@
             </a:r>
             <a:r>
               <a:rPr lang="en-US" sz="2000" smtClean="0"/>
-              <a:t>IPC – Inter-Process Communication (da </a:t>
-            </a:r>
-            <a:r>
-              <a:rPr lang="en-US" sz="2000"/>
-              <a:t>otvori fajl, da pošalje korisničke podatke, ili da pokrene neku sistemsku funkciju koja nije dozvoljena unutar renderer procesa</a:t>
+              <a:t>IPC – Inter-Process Communication </a:t>
             </a:r>
             <a:r>
               <a:rPr lang="en-US" sz="2000" smtClean="0"/>
-              <a:t>) ili preload skripti</a:t>
+              <a:t>ili </a:t>
+            </a:r>
+            <a:r>
+              <a:rPr lang="en-US" sz="2000" smtClean="0"/>
+              <a:t>preload skripti</a:t>
             </a:r>
             <a:endParaRPr lang="sr-Latn-RS" sz="2000" smtClean="0"/>
           </a:p>

--- a/Electron.pptx
+++ b/Electron.pptx
@@ -226,7 +226,7 @@
           <a:p>
             <a:fld id="{4DFE1E0F-527B-46D2-A85B-AFD01049E65E}" type="datetimeFigureOut">
               <a:rPr lang="en-US" smtClean="0"/>
-              <a:t>12/8/2024</a:t>
+              <a:t>12/9/2024</a:t>
             </a:fld>
             <a:endParaRPr lang="en-US"/>
           </a:p>
@@ -1644,7 +1644,7 @@
           <a:p>
             <a:fld id="{0D8770DD-670C-4CD8-B15B-2899C8AD4439}" type="datetimeFigureOut">
               <a:rPr lang="en-US" smtClean="0"/>
-              <a:t>12/8/2024</a:t>
+              <a:t>12/9/2024</a:t>
             </a:fld>
             <a:endParaRPr lang="en-US"/>
           </a:p>
@@ -1814,7 +1814,7 @@
           <a:p>
             <a:fld id="{0D8770DD-670C-4CD8-B15B-2899C8AD4439}" type="datetimeFigureOut">
               <a:rPr lang="en-US" smtClean="0"/>
-              <a:t>12/8/2024</a:t>
+              <a:t>12/9/2024</a:t>
             </a:fld>
             <a:endParaRPr lang="en-US"/>
           </a:p>
@@ -1994,7 +1994,7 @@
           <a:p>
             <a:fld id="{0D8770DD-670C-4CD8-B15B-2899C8AD4439}" type="datetimeFigureOut">
               <a:rPr lang="en-US" smtClean="0"/>
-              <a:t>12/8/2024</a:t>
+              <a:t>12/9/2024</a:t>
             </a:fld>
             <a:endParaRPr lang="en-US"/>
           </a:p>
@@ -2164,7 +2164,7 @@
           <a:p>
             <a:fld id="{0D8770DD-670C-4CD8-B15B-2899C8AD4439}" type="datetimeFigureOut">
               <a:rPr lang="en-US" smtClean="0"/>
-              <a:t>12/8/2024</a:t>
+              <a:t>12/9/2024</a:t>
             </a:fld>
             <a:endParaRPr lang="en-US"/>
           </a:p>
@@ -2422,7 +2422,7 @@
           <a:p>
             <a:fld id="{0D8770DD-670C-4CD8-B15B-2899C8AD4439}" type="datetimeFigureOut">
               <a:rPr lang="en-US" smtClean="0"/>
-              <a:t>12/8/2024</a:t>
+              <a:t>12/9/2024</a:t>
             </a:fld>
             <a:endParaRPr lang="en-US"/>
           </a:p>
@@ -2710,7 +2710,7 @@
           <a:p>
             <a:fld id="{0D8770DD-670C-4CD8-B15B-2899C8AD4439}" type="datetimeFigureOut">
               <a:rPr lang="en-US" smtClean="0"/>
-              <a:t>12/8/2024</a:t>
+              <a:t>12/9/2024</a:t>
             </a:fld>
             <a:endParaRPr lang="en-US"/>
           </a:p>
@@ -3152,7 +3152,7 @@
           <a:p>
             <a:fld id="{0D8770DD-670C-4CD8-B15B-2899C8AD4439}" type="datetimeFigureOut">
               <a:rPr lang="en-US" smtClean="0"/>
-              <a:t>12/8/2024</a:t>
+              <a:t>12/9/2024</a:t>
             </a:fld>
             <a:endParaRPr lang="en-US"/>
           </a:p>
@@ -3270,7 +3270,7 @@
           <a:p>
             <a:fld id="{0D8770DD-670C-4CD8-B15B-2899C8AD4439}" type="datetimeFigureOut">
               <a:rPr lang="en-US" smtClean="0"/>
-              <a:t>12/8/2024</a:t>
+              <a:t>12/9/2024</a:t>
             </a:fld>
             <a:endParaRPr lang="en-US"/>
           </a:p>
@@ -3365,7 +3365,7 @@
           <a:p>
             <a:fld id="{0D8770DD-670C-4CD8-B15B-2899C8AD4439}" type="datetimeFigureOut">
               <a:rPr lang="en-US" smtClean="0"/>
-              <a:t>12/8/2024</a:t>
+              <a:t>12/9/2024</a:t>
             </a:fld>
             <a:endParaRPr lang="en-US"/>
           </a:p>
@@ -3653,7 +3653,7 @@
           <a:p>
             <a:fld id="{0D8770DD-670C-4CD8-B15B-2899C8AD4439}" type="datetimeFigureOut">
               <a:rPr lang="en-US" smtClean="0"/>
-              <a:t>12/8/2024</a:t>
+              <a:t>12/9/2024</a:t>
             </a:fld>
             <a:endParaRPr lang="en-US"/>
           </a:p>
@@ -3927,7 +3927,7 @@
           <a:p>
             <a:fld id="{0D8770DD-670C-4CD8-B15B-2899C8AD4439}" type="datetimeFigureOut">
               <a:rPr lang="en-US" smtClean="0"/>
-              <a:t>12/8/2024</a:t>
+              <a:t>12/9/2024</a:t>
             </a:fld>
             <a:endParaRPr lang="en-US"/>
           </a:p>
@@ -4226,7 +4226,7 @@
           <a:p>
             <a:fld id="{0D8770DD-670C-4CD8-B15B-2899C8AD4439}" type="datetimeFigureOut">
               <a:rPr lang="en-US" smtClean="0"/>
-              <a:t>12/8/2024</a:t>
+              <a:t>12/9/2024</a:t>
             </a:fld>
             <a:endParaRPr lang="en-US"/>
           </a:p>
@@ -6755,24 +6755,6 @@
               </a:rPr>
               <a:t>aplikacije</a:t>
             </a:r>
-            <a:endParaRPr lang="en-US" b="1" spc="0">
-              <a:ln w="9525">
-                <a:solidFill>
-                  <a:schemeClr val="bg1"/>
-                </a:solidFill>
-                <a:prstDash val="solid"/>
-              </a:ln>
-              <a:solidFill>
-                <a:schemeClr val="tx1"/>
-              </a:solidFill>
-              <a:effectLst>
-                <a:outerShdw blurRad="12700" dist="38100" dir="2700000" algn="tl" rotWithShape="0">
-                  <a:schemeClr val="bg1">
-                    <a:lumMod val="50000"/>
-                  </a:schemeClr>
-                </a:outerShdw>
-              </a:effectLst>
-            </a:endParaRPr>
           </a:p>
         </p:txBody>
       </p:sp>
@@ -7389,28 +7371,7 @@
                   </a:outerShdw>
                 </a:effectLst>
               </a:rPr>
-              <a:t>Kreiranje </a:t>
-            </a:r>
-            <a:r>
-              <a:rPr lang="sr-Latn-RS" sz="5400" b="1">
-                <a:ln w="9525">
-                  <a:solidFill>
-                    <a:schemeClr val="bg1"/>
-                  </a:solidFill>
-                  <a:prstDash val="solid"/>
-                </a:ln>
-                <a:solidFill>
-                  <a:schemeClr val="tx1"/>
-                </a:solidFill>
-                <a:effectLst>
-                  <a:outerShdw blurRad="12700" dist="38100" dir="2700000" algn="tl" rotWithShape="0">
-                    <a:schemeClr val="bg1">
-                      <a:lumMod val="50000"/>
-                    </a:schemeClr>
-                  </a:outerShdw>
-                </a:effectLst>
-              </a:rPr>
-              <a:t>Electron </a:t>
+              <a:t>Kreiranje Electron </a:t>
             </a:r>
             <a:r>
               <a:rPr lang="sr-Latn-RS" sz="5400" b="1" smtClean="0">
@@ -9554,7 +9515,7 @@
         </p:blipFill>
         <p:spPr>
           <a:xfrm>
-            <a:off x="7211778" y="2417803"/>
+            <a:off x="6198755" y="2409944"/>
             <a:ext cx="3084706" cy="2222803"/>
           </a:xfrm>
           <a:prstGeom prst="rect">
@@ -9602,7 +9563,7 @@
         </p:blipFill>
         <p:spPr>
           <a:xfrm>
-            <a:off x="7176745" y="4814018"/>
+            <a:off x="6198755" y="4905182"/>
             <a:ext cx="3711388" cy="1492288"/>
           </a:xfrm>
           <a:prstGeom prst="rect">
@@ -9618,8 +9579,8 @@
         </p:nvCxnSpPr>
         <p:spPr>
           <a:xfrm flipV="1">
-            <a:off x="5692503" y="3674533"/>
-            <a:ext cx="1758164" cy="76088"/>
+            <a:off x="5692503" y="3712577"/>
+            <a:ext cx="627637" cy="38044"/>
           </a:xfrm>
           <a:prstGeom prst="straightConnector1">
             <a:avLst/>
@@ -9646,6 +9607,30 @@
           </a:fontRef>
         </p:style>
       </p:cxnSp>
+      <p:pic>
+        <p:nvPicPr>
+          <p:cNvPr id="3" name="Picture 2"/>
+          <p:cNvPicPr>
+            <a:picLocks noChangeAspect="1"/>
+          </p:cNvPicPr>
+          <p:nvPr/>
+        </p:nvPicPr>
+        <p:blipFill>
+          <a:blip r:embed="rId6"/>
+          <a:stretch>
+            <a:fillRect/>
+          </a:stretch>
+        </p:blipFill>
+        <p:spPr>
+          <a:xfrm>
+            <a:off x="9538616" y="2853443"/>
+            <a:ext cx="2088974" cy="1915522"/>
+          </a:xfrm>
+          <a:prstGeom prst="rect">
+            <a:avLst/>
+          </a:prstGeom>
+        </p:spPr>
+      </p:pic>
     </p:spTree>
     <p:extLst>
       <p:ext uri="{BB962C8B-B14F-4D97-AF65-F5344CB8AC3E}">
@@ -11060,11 +11045,7 @@
             </a:r>
             <a:r>
               <a:rPr lang="en-US" b="1" smtClean="0"/>
-              <a:t>iklus </a:t>
-            </a:r>
-            <a:r>
-              <a:rPr lang="en-US" b="1" smtClean="0"/>
-              <a:t>aplikacije</a:t>
+              <a:t>iklus aplikacije</a:t>
             </a:r>
             <a:endParaRPr lang="sr-Latn-RS" b="1" smtClean="0"/>
           </a:p>
@@ -11442,15 +11423,7 @@
             </a:r>
             <a:r>
               <a:rPr lang="en-US" sz="2000" smtClean="0"/>
-              <a:t>IPC – Inter-Process Communication </a:t>
-            </a:r>
-            <a:r>
-              <a:rPr lang="en-US" sz="2000" smtClean="0"/>
-              <a:t>ili </a:t>
-            </a:r>
-            <a:r>
-              <a:rPr lang="en-US" sz="2000" smtClean="0"/>
-              <a:t>preload skripti</a:t>
+              <a:t>IPC – Inter-Process Communication ili preload skripti</a:t>
             </a:r>
             <a:endParaRPr lang="sr-Latn-RS" sz="2000" smtClean="0"/>
           </a:p>
